--- a/1821005_中間発表.pptx
+++ b/1821005_中間発表.pptx
@@ -234,7 +234,7 @@
           <a:p>
             <a:fld id="{27571B5F-C8EC-4379-AD76-80FD414F3861}" type="datetimeFigureOut">
               <a:rPr kumimoji="1" lang="ja-JP" altLang="en-US" smtClean="0"/>
-              <a:t>2021/7/20</a:t>
+              <a:t>2021/7/21</a:t>
             </a:fld>
             <a:endParaRPr kumimoji="1" lang="ja-JP" altLang="en-US"/>
           </a:p>
@@ -753,7 +753,7 @@
           <a:p>
             <a:fld id="{ED609840-96BF-4512-A2C1-C87E0BBF3D2F}" type="datetime1">
               <a:rPr kumimoji="1" lang="ja-JP" altLang="en-US" smtClean="0"/>
-              <a:t>2021/7/20</a:t>
+              <a:t>2021/7/21</a:t>
             </a:fld>
             <a:endParaRPr kumimoji="1" lang="ja-JP" altLang="en-US"/>
           </a:p>
@@ -956,7 +956,7 @@
           <a:p>
             <a:fld id="{F97B6116-28DE-44C1-8891-65688903BD50}" type="datetime1">
               <a:rPr kumimoji="1" lang="ja-JP" altLang="en-US" smtClean="0"/>
-              <a:t>2021/7/20</a:t>
+              <a:t>2021/7/21</a:t>
             </a:fld>
             <a:endParaRPr kumimoji="1" lang="ja-JP" altLang="en-US"/>
           </a:p>
@@ -1169,7 +1169,7 @@
           <a:p>
             <a:fld id="{EDE04BF4-1FC0-40EE-A15F-5986BB2387E9}" type="datetime1">
               <a:rPr kumimoji="1" lang="ja-JP" altLang="en-US" smtClean="0"/>
-              <a:t>2021/7/20</a:t>
+              <a:t>2021/7/21</a:t>
             </a:fld>
             <a:endParaRPr kumimoji="1" lang="ja-JP" altLang="en-US"/>
           </a:p>
@@ -1372,7 +1372,7 @@
           <a:p>
             <a:fld id="{AFE4124D-C094-469A-99BC-7EA66CDB293F}" type="datetime1">
               <a:rPr kumimoji="1" lang="ja-JP" altLang="en-US" smtClean="0"/>
-              <a:t>2021/7/20</a:t>
+              <a:t>2021/7/21</a:t>
             </a:fld>
             <a:endParaRPr kumimoji="1" lang="ja-JP" altLang="en-US"/>
           </a:p>
@@ -1617,7 +1617,7 @@
           <a:p>
             <a:fld id="{F808FAA8-DC38-46BC-9A48-0414366DDF43}" type="datetime1">
               <a:rPr kumimoji="1" lang="ja-JP" altLang="en-US" smtClean="0"/>
-              <a:t>2021/7/20</a:t>
+              <a:t>2021/7/21</a:t>
             </a:fld>
             <a:endParaRPr kumimoji="1" lang="ja-JP" altLang="en-US"/>
           </a:p>
@@ -1914,7 +1914,7 @@
           <a:p>
             <a:fld id="{43B61DD3-8484-4FD8-9D55-71FA047E405C}" type="datetime1">
               <a:rPr kumimoji="1" lang="ja-JP" altLang="en-US" smtClean="0"/>
-              <a:t>2021/7/20</a:t>
+              <a:t>2021/7/21</a:t>
             </a:fld>
             <a:endParaRPr kumimoji="1" lang="ja-JP" altLang="en-US"/>
           </a:p>
@@ -2346,7 +2346,7 @@
           <a:p>
             <a:fld id="{61FE3252-B303-4BFD-B995-E88780D087A2}" type="datetime1">
               <a:rPr kumimoji="1" lang="ja-JP" altLang="en-US" smtClean="0"/>
-              <a:t>2021/7/20</a:t>
+              <a:t>2021/7/21</a:t>
             </a:fld>
             <a:endParaRPr kumimoji="1" lang="ja-JP" altLang="en-US"/>
           </a:p>
@@ -2465,7 +2465,7 @@
           <a:p>
             <a:fld id="{83973884-A525-473B-9B85-E710649C3EE9}" type="datetime1">
               <a:rPr kumimoji="1" lang="ja-JP" altLang="en-US" smtClean="0"/>
-              <a:t>2021/7/20</a:t>
+              <a:t>2021/7/21</a:t>
             </a:fld>
             <a:endParaRPr kumimoji="1" lang="ja-JP" altLang="en-US"/>
           </a:p>
@@ -2561,7 +2561,7 @@
           <a:p>
             <a:fld id="{630B9591-4670-4AF8-B7B7-F5F2443A761A}" type="datetime1">
               <a:rPr kumimoji="1" lang="ja-JP" altLang="en-US" smtClean="0"/>
-              <a:t>2021/7/20</a:t>
+              <a:t>2021/7/21</a:t>
             </a:fld>
             <a:endParaRPr kumimoji="1" lang="ja-JP" altLang="en-US"/>
           </a:p>
@@ -2871,7 +2871,7 @@
           <a:p>
             <a:fld id="{434F6BA0-5DA2-4153-9B76-E2457FA21F47}" type="datetime1">
               <a:rPr kumimoji="1" lang="ja-JP" altLang="en-US" smtClean="0"/>
-              <a:t>2021/7/20</a:t>
+              <a:t>2021/7/21</a:t>
             </a:fld>
             <a:endParaRPr kumimoji="1" lang="ja-JP" altLang="en-US"/>
           </a:p>
@@ -3129,7 +3129,7 @@
           <a:p>
             <a:fld id="{590B58CC-0A81-4826-A84E-1F1030B25368}" type="datetime1">
               <a:rPr kumimoji="1" lang="ja-JP" altLang="en-US" smtClean="0"/>
-              <a:t>2021/7/20</a:t>
+              <a:t>2021/7/21</a:t>
             </a:fld>
             <a:endParaRPr kumimoji="1" lang="ja-JP" altLang="en-US"/>
           </a:p>
@@ -3375,7 +3375,7 @@
           <a:p>
             <a:fld id="{77253A0B-EAD4-46D7-BD2F-C5BFFB89C890}" type="datetime1">
               <a:rPr kumimoji="1" lang="ja-JP" altLang="en-US" smtClean="0"/>
-              <a:t>2021/7/20</a:t>
+              <a:t>2021/7/21</a:t>
             </a:fld>
             <a:endParaRPr kumimoji="1" lang="ja-JP" altLang="en-US"/>
           </a:p>
@@ -3804,7 +3804,11 @@
             </a:r>
             <a:r>
               <a:rPr lang="ja-JP" altLang="en-US" dirty="0" smtClean="0"/>
-              <a:t>数と計算コストを考慮した特徴量の計算方法の調査</a:t>
+              <a:t>数と計算コストを考慮した特徴量の計算</a:t>
+            </a:r>
+            <a:r>
+              <a:rPr lang="ja-JP" altLang="en-US" dirty="0" smtClean="0"/>
+              <a:t>方法</a:t>
             </a:r>
             <a:endParaRPr kumimoji="1" lang="ja-JP" altLang="en-US" dirty="0"/>
           </a:p>
@@ -4039,21 +4043,12 @@
             <a:endParaRPr lang="en-US" altLang="ja-JP" dirty="0" smtClean="0"/>
           </a:p>
           <a:p>
-            <a:r>
-              <a:rPr lang="ja-JP" altLang="ja-JP" dirty="0" smtClean="0"/>
-              <a:t>その</a:t>
-            </a:r>
-            <a:r>
-              <a:rPr lang="ja-JP" altLang="ja-JP" dirty="0"/>
-              <a:t>ような大量の画像を用いることで</a:t>
-            </a:r>
-            <a:r>
-              <a:rPr lang="ja-JP" altLang="en-US" dirty="0"/>
-              <a:t>、</a:t>
-            </a:r>
-            <a:r>
-              <a:rPr lang="ja-JP" altLang="ja-JP" dirty="0"/>
-              <a:t>画像認識の性能を向上させる研究が盛んに行われている。</a:t>
+            <a:endParaRPr lang="en-US" altLang="ja-JP" dirty="0" smtClean="0"/>
+          </a:p>
+          <a:p>
+            <a:r>
+              <a:rPr lang="ja-JP" altLang="en-US" dirty="0" smtClean="0"/>
+              <a:t>これに伴い、画像認識に関する多くの研究で性能が向上されている。</a:t>
             </a:r>
             <a:endParaRPr lang="en-US" altLang="ja-JP" dirty="0"/>
           </a:p>
@@ -4437,11 +4432,7 @@
           <a:p>
             <a:r>
               <a:rPr lang="ja-JP" altLang="en-US" dirty="0" smtClean="0"/>
-              <a:t>大量</a:t>
-            </a:r>
-            <a:r>
-              <a:rPr lang="ja-JP" altLang="en-US" dirty="0" smtClean="0"/>
-              <a:t>の</a:t>
+              <a:t>大量の</a:t>
             </a:r>
             <a:r>
               <a:rPr lang="ja-JP" altLang="en-US" dirty="0"/>
@@ -4449,19 +4440,7 @@
             </a:r>
             <a:r>
               <a:rPr lang="ja-JP" altLang="en-US" dirty="0" smtClean="0"/>
-              <a:t>が</a:t>
-            </a:r>
-            <a:r>
-              <a:rPr lang="ja-JP" altLang="en-US" dirty="0" smtClean="0"/>
-              <a:t>あふれる中、高次元</a:t>
-            </a:r>
-            <a:r>
-              <a:rPr lang="ja-JP" altLang="en-US" dirty="0" smtClean="0"/>
-              <a:t>の画像データ</a:t>
-            </a:r>
-            <a:r>
-              <a:rPr lang="ja-JP" altLang="en-US" dirty="0" smtClean="0"/>
-              <a:t>を認識性能を向上させつつも、計算コストを抑えることでより良い</a:t>
+              <a:t>があふれる中、高次元の画像データを認識性能を向上させつつも、計算コストを抑えることでより良い</a:t>
             </a:r>
             <a:r>
               <a:rPr lang="ja-JP" altLang="en-US" dirty="0"/>
@@ -4478,16 +4457,24 @@
           </a:p>
           <a:p>
             <a:r>
+              <a:rPr lang="ja-JP" altLang="en-US" dirty="0"/>
+              <a:t>計算コスト</a:t>
+            </a:r>
+            <a:r>
               <a:rPr lang="ja-JP" altLang="en-US" dirty="0" smtClean="0"/>
-              <a:t>これらを調査することで、画像</a:t>
+              <a:t>を抑えた画像認識手法</a:t>
             </a:r>
             <a:r>
               <a:rPr lang="ja-JP" altLang="en-US" dirty="0" smtClean="0"/>
-              <a:t>検索システムを成り立たせるうえで、認識性能が正常に扱える有効な範囲は</a:t>
+              <a:t>を</a:t>
             </a:r>
             <a:r>
               <a:rPr lang="ja-JP" altLang="en-US" dirty="0" smtClean="0"/>
-              <a:t>どこなのか。</a:t>
+              <a:t>調査することで、画像検索システムを成り立たせるうえで、認識性能が正常に扱える有効な範囲は</a:t>
+            </a:r>
+            <a:r>
+              <a:rPr lang="ja-JP" altLang="en-US" dirty="0" smtClean="0"/>
+              <a:t>どこなのか明確にする。</a:t>
             </a:r>
             <a:endParaRPr lang="ja-JP" altLang="en-US" dirty="0"/>
           </a:p>
@@ -4588,7 +4575,35 @@
           <a:p>
             <a:r>
               <a:rPr lang="ja-JP" altLang="en-US" dirty="0"/>
-              <a:t>高次元の画像を使えば、認識性能は、向上する。しかし、計算コストなど、解析が困難になる</a:t>
+              <a:t>高次元の画像を使えば、認識性能</a:t>
+            </a:r>
+            <a:r>
+              <a:rPr lang="ja-JP" altLang="en-US" dirty="0" smtClean="0"/>
+              <a:t>は向上する</a:t>
+            </a:r>
+            <a:r>
+              <a:rPr lang="ja-JP" altLang="en-US" dirty="0"/>
+              <a:t>が</a:t>
+            </a:r>
+            <a:r>
+              <a:rPr lang="ja-JP" altLang="en-US" dirty="0" smtClean="0"/>
+              <a:t>、</a:t>
+            </a:r>
+            <a:r>
+              <a:rPr lang="ja-JP" altLang="en-US" dirty="0"/>
+              <a:t>計算コスト</a:t>
+            </a:r>
+            <a:r>
+              <a:rPr lang="ja-JP" altLang="en-US" dirty="0" smtClean="0"/>
+              <a:t>などの解析</a:t>
+            </a:r>
+            <a:r>
+              <a:rPr lang="ja-JP" altLang="en-US" dirty="0"/>
+              <a:t>が</a:t>
+            </a:r>
+            <a:r>
+              <a:rPr lang="ja-JP" altLang="en-US" dirty="0" smtClean="0"/>
+              <a:t>困難になる</a:t>
             </a:r>
             <a:r>
               <a:rPr lang="ja-JP" altLang="en-US" dirty="0" smtClean="0"/>
@@ -4602,11 +4617,19 @@
           <a:p>
             <a:r>
               <a:rPr lang="ja-JP" altLang="en-US" dirty="0"/>
-              <a:t>そこで、画像認識の性能を向上させるために、画像認識に有効な特徴量とどれくらいの計算コストで処理できるのか調査していく</a:t>
+              <a:t>そこで、画像認識の性能を向上させるために、画像認識に有効な特徴量とどれくらいの計算コストで処理できるの</a:t>
             </a:r>
             <a:r>
               <a:rPr lang="ja-JP" altLang="en-US" dirty="0" smtClean="0"/>
-              <a:t>。</a:t>
+              <a:t>か</a:t>
+            </a:r>
+            <a:r>
+              <a:rPr lang="ja-JP" altLang="en-US" dirty="0"/>
+              <a:t>計測</a:t>
+            </a:r>
+            <a:r>
+              <a:rPr lang="ja-JP" altLang="en-US" dirty="0" smtClean="0"/>
+              <a:t>する。</a:t>
             </a:r>
             <a:endParaRPr lang="en-US" altLang="ja-JP" dirty="0"/>
           </a:p>
@@ -4876,7 +4899,6 @@
               <a:rPr kumimoji="1" lang="en-US" altLang="ja-JP" dirty="0" smtClean="0"/>
               <a:t>CNN</a:t>
             </a:r>
-            <a:endParaRPr kumimoji="1" lang="en-US" altLang="ja-JP" dirty="0" smtClean="0"/>
           </a:p>
           <a:p>
             <a:pPr lvl="3"/>
@@ -4886,11 +4908,7 @@
             </a:r>
             <a:r>
               <a:rPr lang="ja-JP" altLang="en-US" dirty="0" smtClean="0"/>
-              <a:t>を用いた</a:t>
-            </a:r>
-            <a:r>
-              <a:rPr lang="ja-JP" altLang="en-US" dirty="0" smtClean="0"/>
-              <a:t>特徴量抽出</a:t>
+              <a:t>を用いた特徴量抽出</a:t>
             </a:r>
             <a:endParaRPr kumimoji="1" lang="en-US" altLang="ja-JP" dirty="0" smtClean="0"/>
           </a:p>
@@ -4900,7 +4918,6 @@
               <a:rPr lang="en-US" altLang="ja-JP" dirty="0" smtClean="0"/>
               <a:t>SIFT</a:t>
             </a:r>
-            <a:endParaRPr lang="en-US" altLang="ja-JP" dirty="0" smtClean="0"/>
           </a:p>
           <a:p>
             <a:pPr lvl="3"/>
@@ -5009,21 +5026,6 @@
           <a:bodyPr/>
           <a:lstStyle/>
           <a:p>
-            <a:r>
-              <a:rPr lang="ja-JP" altLang="en-US" dirty="0"/>
-              <a:t>機械</a:t>
-            </a:r>
-            <a:r>
-              <a:rPr lang="ja-JP" altLang="en-US" dirty="0" smtClean="0"/>
-              <a:t>学習、深層学習について</a:t>
-            </a:r>
-            <a:r>
-              <a:rPr lang="ja-JP" altLang="en-US" dirty="0" smtClean="0"/>
-              <a:t>学ぶ</a:t>
-            </a:r>
-            <a:endParaRPr lang="en-US" altLang="ja-JP" dirty="0" smtClean="0"/>
-          </a:p>
-          <a:p>
             <a:endParaRPr lang="en-US" altLang="ja-JP" dirty="0"/>
           </a:p>
           <a:p>
@@ -5062,6 +5064,694 @@
               <a:rPr kumimoji="1" lang="ja-JP" altLang="en-US" smtClean="0"/>
               <a:t>9</a:t>
             </a:fld>
+            <a:endParaRPr kumimoji="1" lang="ja-JP" altLang="en-US"/>
+          </a:p>
+        </p:txBody>
+      </p:sp>
+      <p:graphicFrame>
+        <p:nvGraphicFramePr>
+          <p:cNvPr id="5" name="表 4"/>
+          <p:cNvGraphicFramePr>
+            <a:graphicFrameLocks noGrp="1"/>
+          </p:cNvGraphicFramePr>
+          <p:nvPr>
+            <p:extLst>
+              <p:ext uri="{D42A27DB-BD31-4B8C-83A1-F6EECF244321}">
+                <p14:modId xmlns:p14="http://schemas.microsoft.com/office/powerpoint/2010/main" val="1582772612"/>
+              </p:ext>
+            </p:extLst>
+          </p:nvPr>
+        </p:nvGraphicFramePr>
+        <p:xfrm>
+          <a:off x="628650" y="2997200"/>
+          <a:ext cx="5312053" cy="1854200"/>
+        </p:xfrm>
+        <a:graphic>
+          <a:graphicData uri="http://schemas.openxmlformats.org/drawingml/2006/table">
+            <a:tbl>
+              <a:tblPr firstRow="1" bandRow="1">
+                <a:tableStyleId>{5C22544A-7EE6-4342-B048-85BDC9FD1C3A}</a:tableStyleId>
+              </a:tblPr>
+              <a:tblGrid>
+                <a:gridCol w="1320466">
+                  <a:extLst>
+                    <a:ext uri="{9D8B030D-6E8A-4147-A177-3AD203B41FA5}">
+                      <a16:colId xmlns:a16="http://schemas.microsoft.com/office/drawing/2014/main" val="1148737607"/>
+                    </a:ext>
+                  </a:extLst>
+                </a:gridCol>
+                <a:gridCol w="581343">
+                  <a:extLst>
+                    <a:ext uri="{9D8B030D-6E8A-4147-A177-3AD203B41FA5}">
+                      <a16:colId xmlns:a16="http://schemas.microsoft.com/office/drawing/2014/main" val="1066573376"/>
+                    </a:ext>
+                  </a:extLst>
+                </a:gridCol>
+                <a:gridCol w="581343">
+                  <a:extLst>
+                    <a:ext uri="{9D8B030D-6E8A-4147-A177-3AD203B41FA5}">
+                      <a16:colId xmlns:a16="http://schemas.microsoft.com/office/drawing/2014/main" val="2460184280"/>
+                    </a:ext>
+                  </a:extLst>
+                </a:gridCol>
+                <a:gridCol w="581343">
+                  <a:extLst>
+                    <a:ext uri="{9D8B030D-6E8A-4147-A177-3AD203B41FA5}">
+                      <a16:colId xmlns:a16="http://schemas.microsoft.com/office/drawing/2014/main" val="3922905401"/>
+                    </a:ext>
+                  </a:extLst>
+                </a:gridCol>
+                <a:gridCol w="697230">
+                  <a:extLst>
+                    <a:ext uri="{9D8B030D-6E8A-4147-A177-3AD203B41FA5}">
+                      <a16:colId xmlns:a16="http://schemas.microsoft.com/office/drawing/2014/main" val="4078908423"/>
+                    </a:ext>
+                  </a:extLst>
+                </a:gridCol>
+                <a:gridCol w="697230">
+                  <a:extLst>
+                    <a:ext uri="{9D8B030D-6E8A-4147-A177-3AD203B41FA5}">
+                      <a16:colId xmlns:a16="http://schemas.microsoft.com/office/drawing/2014/main" val="3400022804"/>
+                    </a:ext>
+                  </a:extLst>
+                </a:gridCol>
+                <a:gridCol w="853098">
+                  <a:extLst>
+                    <a:ext uri="{9D8B030D-6E8A-4147-A177-3AD203B41FA5}">
+                      <a16:colId xmlns:a16="http://schemas.microsoft.com/office/drawing/2014/main" val="1077794208"/>
+                    </a:ext>
+                  </a:extLst>
+                </a:gridCol>
+              </a:tblGrid>
+              <a:tr h="370840">
+                <a:tc>
+                  <a:txBody>
+                    <a:bodyPr/>
+                    <a:lstStyle/>
+                    <a:p>
+                      <a:endParaRPr kumimoji="1" lang="ja-JP" altLang="en-US" dirty="0"/>
+                    </a:p>
+                  </a:txBody>
+                  <a:tcPr/>
+                </a:tc>
+                <a:tc>
+                  <a:txBody>
+                    <a:bodyPr/>
+                    <a:lstStyle/>
+                    <a:p>
+                      <a:r>
+                        <a:rPr kumimoji="1" lang="en-US" altLang="ja-JP" dirty="0" smtClean="0"/>
+                        <a:t>7</a:t>
+                      </a:r>
+                      <a:r>
+                        <a:rPr kumimoji="1" lang="ja-JP" altLang="en-US" dirty="0" smtClean="0"/>
+                        <a:t>月</a:t>
+                      </a:r>
+                      <a:endParaRPr kumimoji="1" lang="ja-JP" altLang="en-US" dirty="0"/>
+                    </a:p>
+                  </a:txBody>
+                  <a:tcPr/>
+                </a:tc>
+                <a:tc>
+                  <a:txBody>
+                    <a:bodyPr/>
+                    <a:lstStyle/>
+                    <a:p>
+                      <a:r>
+                        <a:rPr kumimoji="1" lang="en-US" altLang="ja-JP" dirty="0" smtClean="0"/>
+                        <a:t>8</a:t>
+                      </a:r>
+                      <a:r>
+                        <a:rPr kumimoji="1" lang="ja-JP" altLang="en-US" dirty="0" smtClean="0"/>
+                        <a:t>月</a:t>
+                      </a:r>
+                      <a:endParaRPr kumimoji="1" lang="ja-JP" altLang="en-US" dirty="0"/>
+                    </a:p>
+                  </a:txBody>
+                  <a:tcPr/>
+                </a:tc>
+                <a:tc>
+                  <a:txBody>
+                    <a:bodyPr/>
+                    <a:lstStyle/>
+                    <a:p>
+                      <a:r>
+                        <a:rPr kumimoji="1" lang="en-US" altLang="ja-JP" dirty="0" smtClean="0"/>
+                        <a:t>9</a:t>
+                      </a:r>
+                      <a:r>
+                        <a:rPr kumimoji="1" lang="ja-JP" altLang="en-US" dirty="0" smtClean="0"/>
+                        <a:t>月</a:t>
+                      </a:r>
+                      <a:endParaRPr kumimoji="1" lang="ja-JP" altLang="en-US" dirty="0"/>
+                    </a:p>
+                  </a:txBody>
+                  <a:tcPr/>
+                </a:tc>
+                <a:tc>
+                  <a:txBody>
+                    <a:bodyPr/>
+                    <a:lstStyle/>
+                    <a:p>
+                      <a:r>
+                        <a:rPr kumimoji="1" lang="en-US" altLang="ja-JP" dirty="0" smtClean="0"/>
+                        <a:t>10</a:t>
+                      </a:r>
+                      <a:r>
+                        <a:rPr kumimoji="1" lang="ja-JP" altLang="en-US" dirty="0" smtClean="0"/>
+                        <a:t>月</a:t>
+                      </a:r>
+                      <a:endParaRPr kumimoji="1" lang="ja-JP" altLang="en-US" dirty="0"/>
+                    </a:p>
+                  </a:txBody>
+                  <a:tcPr/>
+                </a:tc>
+                <a:tc>
+                  <a:txBody>
+                    <a:bodyPr/>
+                    <a:lstStyle/>
+                    <a:p>
+                      <a:r>
+                        <a:rPr kumimoji="1" lang="en-US" altLang="ja-JP" dirty="0" smtClean="0"/>
+                        <a:t>11</a:t>
+                      </a:r>
+                      <a:r>
+                        <a:rPr kumimoji="1" lang="ja-JP" altLang="en-US" dirty="0" smtClean="0"/>
+                        <a:t>月</a:t>
+                      </a:r>
+                      <a:endParaRPr kumimoji="1" lang="ja-JP" altLang="en-US" dirty="0"/>
+                    </a:p>
+                  </a:txBody>
+                  <a:tcPr/>
+                </a:tc>
+                <a:tc>
+                  <a:txBody>
+                    <a:bodyPr/>
+                    <a:lstStyle/>
+                    <a:p>
+                      <a:r>
+                        <a:rPr kumimoji="1" lang="en-US" altLang="ja-JP" dirty="0" smtClean="0"/>
+                        <a:t>12</a:t>
+                      </a:r>
+                      <a:r>
+                        <a:rPr kumimoji="1" lang="ja-JP" altLang="en-US" dirty="0" smtClean="0"/>
+                        <a:t>月</a:t>
+                      </a:r>
+                      <a:endParaRPr kumimoji="1" lang="ja-JP" altLang="en-US" dirty="0"/>
+                    </a:p>
+                  </a:txBody>
+                  <a:tcPr/>
+                </a:tc>
+                <a:extLst>
+                  <a:ext uri="{0D108BD9-81ED-4DB2-BD59-A6C34878D82A}">
+                    <a16:rowId xmlns:a16="http://schemas.microsoft.com/office/drawing/2014/main" val="2749252127"/>
+                  </a:ext>
+                </a:extLst>
+              </a:tr>
+              <a:tr h="370840">
+                <a:tc>
+                  <a:txBody>
+                    <a:bodyPr/>
+                    <a:lstStyle/>
+                    <a:p>
+                      <a:r>
+                        <a:rPr kumimoji="1" lang="ja-JP" altLang="en-US" dirty="0" smtClean="0"/>
+                        <a:t>勉強</a:t>
+                      </a:r>
+                      <a:endParaRPr kumimoji="1" lang="ja-JP" altLang="en-US" dirty="0"/>
+                    </a:p>
+                  </a:txBody>
+                  <a:tcPr/>
+                </a:tc>
+                <a:tc>
+                  <a:txBody>
+                    <a:bodyPr/>
+                    <a:lstStyle/>
+                    <a:p>
+                      <a:endParaRPr kumimoji="1" lang="ja-JP" altLang="en-US" dirty="0"/>
+                    </a:p>
+                  </a:txBody>
+                  <a:tcPr/>
+                </a:tc>
+                <a:tc>
+                  <a:txBody>
+                    <a:bodyPr/>
+                    <a:lstStyle/>
+                    <a:p>
+                      <a:endParaRPr kumimoji="1" lang="ja-JP" altLang="en-US" dirty="0"/>
+                    </a:p>
+                  </a:txBody>
+                  <a:tcPr/>
+                </a:tc>
+                <a:tc>
+                  <a:txBody>
+                    <a:bodyPr/>
+                    <a:lstStyle/>
+                    <a:p>
+                      <a:endParaRPr kumimoji="1" lang="ja-JP" altLang="en-US"/>
+                    </a:p>
+                  </a:txBody>
+                  <a:tcPr/>
+                </a:tc>
+                <a:tc>
+                  <a:txBody>
+                    <a:bodyPr/>
+                    <a:lstStyle/>
+                    <a:p>
+                      <a:endParaRPr kumimoji="1" lang="ja-JP" altLang="en-US" dirty="0"/>
+                    </a:p>
+                  </a:txBody>
+                  <a:tcPr/>
+                </a:tc>
+                <a:tc>
+                  <a:txBody>
+                    <a:bodyPr/>
+                    <a:lstStyle/>
+                    <a:p>
+                      <a:endParaRPr kumimoji="1" lang="ja-JP" altLang="en-US"/>
+                    </a:p>
+                  </a:txBody>
+                  <a:tcPr/>
+                </a:tc>
+                <a:tc>
+                  <a:txBody>
+                    <a:bodyPr/>
+                    <a:lstStyle/>
+                    <a:p>
+                      <a:endParaRPr kumimoji="1" lang="ja-JP" altLang="en-US"/>
+                    </a:p>
+                  </a:txBody>
+                  <a:tcPr/>
+                </a:tc>
+                <a:extLst>
+                  <a:ext uri="{0D108BD9-81ED-4DB2-BD59-A6C34878D82A}">
+                    <a16:rowId xmlns:a16="http://schemas.microsoft.com/office/drawing/2014/main" val="132107523"/>
+                  </a:ext>
+                </a:extLst>
+              </a:tr>
+              <a:tr h="370840">
+                <a:tc>
+                  <a:txBody>
+                    <a:bodyPr/>
+                    <a:lstStyle/>
+                    <a:p>
+                      <a:r>
+                        <a:rPr kumimoji="1" lang="ja-JP" altLang="en-US" dirty="0" smtClean="0"/>
+                        <a:t>実験</a:t>
+                      </a:r>
+                      <a:endParaRPr kumimoji="1" lang="ja-JP" altLang="en-US" dirty="0"/>
+                    </a:p>
+                  </a:txBody>
+                  <a:tcPr/>
+                </a:tc>
+                <a:tc>
+                  <a:txBody>
+                    <a:bodyPr/>
+                    <a:lstStyle/>
+                    <a:p>
+                      <a:endParaRPr kumimoji="1" lang="ja-JP" altLang="en-US" dirty="0"/>
+                    </a:p>
+                  </a:txBody>
+                  <a:tcPr/>
+                </a:tc>
+                <a:tc>
+                  <a:txBody>
+                    <a:bodyPr/>
+                    <a:lstStyle/>
+                    <a:p>
+                      <a:endParaRPr kumimoji="1" lang="ja-JP" altLang="en-US" dirty="0"/>
+                    </a:p>
+                  </a:txBody>
+                  <a:tcPr/>
+                </a:tc>
+                <a:tc>
+                  <a:txBody>
+                    <a:bodyPr/>
+                    <a:lstStyle/>
+                    <a:p>
+                      <a:endParaRPr kumimoji="1" lang="ja-JP" altLang="en-US"/>
+                    </a:p>
+                  </a:txBody>
+                  <a:tcPr/>
+                </a:tc>
+                <a:tc>
+                  <a:txBody>
+                    <a:bodyPr/>
+                    <a:lstStyle/>
+                    <a:p>
+                      <a:endParaRPr kumimoji="1" lang="ja-JP" altLang="en-US"/>
+                    </a:p>
+                  </a:txBody>
+                  <a:tcPr/>
+                </a:tc>
+                <a:tc>
+                  <a:txBody>
+                    <a:bodyPr/>
+                    <a:lstStyle/>
+                    <a:p>
+                      <a:endParaRPr kumimoji="1" lang="ja-JP" altLang="en-US"/>
+                    </a:p>
+                  </a:txBody>
+                  <a:tcPr/>
+                </a:tc>
+                <a:tc>
+                  <a:txBody>
+                    <a:bodyPr/>
+                    <a:lstStyle/>
+                    <a:p>
+                      <a:endParaRPr kumimoji="1" lang="ja-JP" altLang="en-US"/>
+                    </a:p>
+                  </a:txBody>
+                  <a:tcPr/>
+                </a:tc>
+                <a:extLst>
+                  <a:ext uri="{0D108BD9-81ED-4DB2-BD59-A6C34878D82A}">
+                    <a16:rowId xmlns:a16="http://schemas.microsoft.com/office/drawing/2014/main" val="3792682824"/>
+                  </a:ext>
+                </a:extLst>
+              </a:tr>
+              <a:tr h="370840">
+                <a:tc>
+                  <a:txBody>
+                    <a:bodyPr/>
+                    <a:lstStyle/>
+                    <a:p>
+                      <a:r>
+                        <a:rPr kumimoji="1" lang="ja-JP" altLang="en-US" dirty="0" smtClean="0"/>
+                        <a:t>評価・実証</a:t>
+                      </a:r>
+                      <a:endParaRPr kumimoji="1" lang="ja-JP" altLang="en-US" dirty="0"/>
+                    </a:p>
+                  </a:txBody>
+                  <a:tcPr/>
+                </a:tc>
+                <a:tc>
+                  <a:txBody>
+                    <a:bodyPr/>
+                    <a:lstStyle/>
+                    <a:p>
+                      <a:endParaRPr kumimoji="1" lang="ja-JP" altLang="en-US" dirty="0"/>
+                    </a:p>
+                  </a:txBody>
+                  <a:tcPr/>
+                </a:tc>
+                <a:tc>
+                  <a:txBody>
+                    <a:bodyPr/>
+                    <a:lstStyle/>
+                    <a:p>
+                      <a:endParaRPr kumimoji="1" lang="ja-JP" altLang="en-US" dirty="0"/>
+                    </a:p>
+                  </a:txBody>
+                  <a:tcPr/>
+                </a:tc>
+                <a:tc>
+                  <a:txBody>
+                    <a:bodyPr/>
+                    <a:lstStyle/>
+                    <a:p>
+                      <a:endParaRPr kumimoji="1" lang="ja-JP" altLang="en-US"/>
+                    </a:p>
+                  </a:txBody>
+                  <a:tcPr/>
+                </a:tc>
+                <a:tc>
+                  <a:txBody>
+                    <a:bodyPr/>
+                    <a:lstStyle/>
+                    <a:p>
+                      <a:endParaRPr kumimoji="1" lang="ja-JP" altLang="en-US"/>
+                    </a:p>
+                  </a:txBody>
+                  <a:tcPr/>
+                </a:tc>
+                <a:tc>
+                  <a:txBody>
+                    <a:bodyPr/>
+                    <a:lstStyle/>
+                    <a:p>
+                      <a:endParaRPr kumimoji="1" lang="ja-JP" altLang="en-US"/>
+                    </a:p>
+                  </a:txBody>
+                  <a:tcPr/>
+                </a:tc>
+                <a:tc>
+                  <a:txBody>
+                    <a:bodyPr/>
+                    <a:lstStyle/>
+                    <a:p>
+                      <a:endParaRPr kumimoji="1" lang="ja-JP" altLang="en-US" dirty="0"/>
+                    </a:p>
+                  </a:txBody>
+                  <a:tcPr/>
+                </a:tc>
+                <a:extLst>
+                  <a:ext uri="{0D108BD9-81ED-4DB2-BD59-A6C34878D82A}">
+                    <a16:rowId xmlns:a16="http://schemas.microsoft.com/office/drawing/2014/main" val="2655894034"/>
+                  </a:ext>
+                </a:extLst>
+              </a:tr>
+              <a:tr h="370840">
+                <a:tc>
+                  <a:txBody>
+                    <a:bodyPr/>
+                    <a:lstStyle/>
+                    <a:p>
+                      <a:r>
+                        <a:rPr kumimoji="1" lang="ja-JP" altLang="en-US" dirty="0" smtClean="0"/>
+                        <a:t>論文執筆</a:t>
+                      </a:r>
+                      <a:endParaRPr kumimoji="1" lang="ja-JP" altLang="en-US" dirty="0"/>
+                    </a:p>
+                  </a:txBody>
+                  <a:tcPr/>
+                </a:tc>
+                <a:tc>
+                  <a:txBody>
+                    <a:bodyPr/>
+                    <a:lstStyle/>
+                    <a:p>
+                      <a:endParaRPr kumimoji="1" lang="ja-JP" altLang="en-US" dirty="0"/>
+                    </a:p>
+                  </a:txBody>
+                  <a:tcPr/>
+                </a:tc>
+                <a:tc>
+                  <a:txBody>
+                    <a:bodyPr/>
+                    <a:lstStyle/>
+                    <a:p>
+                      <a:endParaRPr kumimoji="1" lang="ja-JP" altLang="en-US" dirty="0"/>
+                    </a:p>
+                  </a:txBody>
+                  <a:tcPr/>
+                </a:tc>
+                <a:tc>
+                  <a:txBody>
+                    <a:bodyPr/>
+                    <a:lstStyle/>
+                    <a:p>
+                      <a:endParaRPr kumimoji="1" lang="ja-JP" altLang="en-US"/>
+                    </a:p>
+                  </a:txBody>
+                  <a:tcPr/>
+                </a:tc>
+                <a:tc>
+                  <a:txBody>
+                    <a:bodyPr/>
+                    <a:lstStyle/>
+                    <a:p>
+                      <a:endParaRPr kumimoji="1" lang="ja-JP" altLang="en-US"/>
+                    </a:p>
+                  </a:txBody>
+                  <a:tcPr/>
+                </a:tc>
+                <a:tc>
+                  <a:txBody>
+                    <a:bodyPr/>
+                    <a:lstStyle/>
+                    <a:p>
+                      <a:endParaRPr kumimoji="1" lang="ja-JP" altLang="en-US"/>
+                    </a:p>
+                  </a:txBody>
+                  <a:tcPr/>
+                </a:tc>
+                <a:tc>
+                  <a:txBody>
+                    <a:bodyPr/>
+                    <a:lstStyle/>
+                    <a:p>
+                      <a:endParaRPr kumimoji="1" lang="ja-JP" altLang="en-US" dirty="0"/>
+                    </a:p>
+                  </a:txBody>
+                  <a:tcPr/>
+                </a:tc>
+                <a:extLst>
+                  <a:ext uri="{0D108BD9-81ED-4DB2-BD59-A6C34878D82A}">
+                    <a16:rowId xmlns:a16="http://schemas.microsoft.com/office/drawing/2014/main" val="198395329"/>
+                  </a:ext>
+                </a:extLst>
+              </a:tr>
+            </a:tbl>
+          </a:graphicData>
+        </a:graphic>
+      </p:graphicFrame>
+      <p:sp>
+        <p:nvSpPr>
+          <p:cNvPr id="6" name="右矢印 5"/>
+          <p:cNvSpPr/>
+          <p:nvPr/>
+        </p:nvSpPr>
+        <p:spPr>
+          <a:xfrm>
+            <a:off x="2009274" y="3422645"/>
+            <a:ext cx="1612231" cy="300790"/>
+          </a:xfrm>
+          <a:prstGeom prst="rightArrow">
+            <a:avLst/>
+          </a:prstGeom>
+        </p:spPr>
+        <p:style>
+          <a:lnRef idx="2">
+            <a:schemeClr val="accent1">
+              <a:shade val="50000"/>
+            </a:schemeClr>
+          </a:lnRef>
+          <a:fillRef idx="1">
+            <a:schemeClr val="accent1"/>
+          </a:fillRef>
+          <a:effectRef idx="0">
+            <a:schemeClr val="accent1"/>
+          </a:effectRef>
+          <a:fontRef idx="minor">
+            <a:schemeClr val="lt1"/>
+          </a:fontRef>
+        </p:style>
+        <p:txBody>
+          <a:bodyPr rtlCol="0" anchor="ctr"/>
+          <a:lstStyle/>
+          <a:p>
+            <a:pPr algn="ctr"/>
+            <a:endParaRPr kumimoji="1" lang="ja-JP" altLang="en-US"/>
+          </a:p>
+        </p:txBody>
+      </p:sp>
+      <p:sp>
+        <p:nvSpPr>
+          <p:cNvPr id="7" name="右矢印 6"/>
+          <p:cNvSpPr/>
+          <p:nvPr/>
+        </p:nvSpPr>
+        <p:spPr>
+          <a:xfrm>
+            <a:off x="3068053" y="3752428"/>
+            <a:ext cx="1058779" cy="288757"/>
+          </a:xfrm>
+          <a:prstGeom prst="rightArrow">
+            <a:avLst/>
+          </a:prstGeom>
+        </p:spPr>
+        <p:style>
+          <a:lnRef idx="2">
+            <a:schemeClr val="accent1">
+              <a:shade val="50000"/>
+            </a:schemeClr>
+          </a:lnRef>
+          <a:fillRef idx="1">
+            <a:schemeClr val="accent1"/>
+          </a:fillRef>
+          <a:effectRef idx="0">
+            <a:schemeClr val="accent1"/>
+          </a:effectRef>
+          <a:fontRef idx="minor">
+            <a:schemeClr val="lt1"/>
+          </a:fontRef>
+        </p:style>
+        <p:txBody>
+          <a:bodyPr rtlCol="0" anchor="ctr"/>
+          <a:lstStyle/>
+          <a:p>
+            <a:pPr algn="ctr"/>
+            <a:endParaRPr kumimoji="1" lang="ja-JP" altLang="en-US"/>
+          </a:p>
+        </p:txBody>
+      </p:sp>
+      <p:sp>
+        <p:nvSpPr>
+          <p:cNvPr id="8" name="右矢印 7"/>
+          <p:cNvSpPr/>
+          <p:nvPr/>
+        </p:nvSpPr>
+        <p:spPr>
+          <a:xfrm>
+            <a:off x="4347411" y="4141530"/>
+            <a:ext cx="1058779" cy="288757"/>
+          </a:xfrm>
+          <a:prstGeom prst="rightArrow">
+            <a:avLst/>
+          </a:prstGeom>
+        </p:spPr>
+        <p:style>
+          <a:lnRef idx="2">
+            <a:schemeClr val="accent1">
+              <a:shade val="50000"/>
+            </a:schemeClr>
+          </a:lnRef>
+          <a:fillRef idx="1">
+            <a:schemeClr val="accent1"/>
+          </a:fillRef>
+          <a:effectRef idx="0">
+            <a:schemeClr val="accent1"/>
+          </a:effectRef>
+          <a:fontRef idx="minor">
+            <a:schemeClr val="lt1"/>
+          </a:fontRef>
+        </p:style>
+        <p:txBody>
+          <a:bodyPr rtlCol="0" anchor="ctr"/>
+          <a:lstStyle/>
+          <a:p>
+            <a:pPr algn="ctr"/>
+            <a:endParaRPr kumimoji="1" lang="ja-JP" altLang="en-US"/>
+          </a:p>
+        </p:txBody>
+      </p:sp>
+      <p:sp>
+        <p:nvSpPr>
+          <p:cNvPr id="9" name="右矢印 8"/>
+          <p:cNvSpPr/>
+          <p:nvPr/>
+        </p:nvSpPr>
+        <p:spPr>
+          <a:xfrm>
+            <a:off x="4876800" y="4481088"/>
+            <a:ext cx="1058779" cy="288757"/>
+          </a:xfrm>
+          <a:prstGeom prst="rightArrow">
+            <a:avLst/>
+          </a:prstGeom>
+        </p:spPr>
+        <p:style>
+          <a:lnRef idx="2">
+            <a:schemeClr val="accent1">
+              <a:shade val="50000"/>
+            </a:schemeClr>
+          </a:lnRef>
+          <a:fillRef idx="1">
+            <a:schemeClr val="accent1"/>
+          </a:fillRef>
+          <a:effectRef idx="0">
+            <a:schemeClr val="accent1"/>
+          </a:effectRef>
+          <a:fontRef idx="minor">
+            <a:schemeClr val="lt1"/>
+          </a:fontRef>
+        </p:style>
+        <p:txBody>
+          <a:bodyPr rtlCol="0" anchor="ctr"/>
+          <a:lstStyle/>
+          <a:p>
+            <a:pPr algn="ctr"/>
             <a:endParaRPr kumimoji="1" lang="ja-JP" altLang="en-US"/>
           </a:p>
         </p:txBody>

--- a/1821005_中間発表.pptx
+++ b/1821005_中間発表.pptx
@@ -3,20 +3,23 @@
 <p:presentation xmlns:a="http://schemas.openxmlformats.org/drawingml/2006/main" xmlns:r="http://schemas.openxmlformats.org/officeDocument/2006/relationships" xmlns:p="http://schemas.openxmlformats.org/presentationml/2006/main" saveSubsetFonts="1">
   <p:sldMasterIdLst>
     <p:sldMasterId id="2147483660" r:id="rId1"/>
+    <p:sldMasterId id="2147483672" r:id="rId2"/>
   </p:sldMasterIdLst>
   <p:notesMasterIdLst>
-    <p:notesMasterId r:id="rId11"/>
+    <p:notesMasterId r:id="rId14"/>
   </p:notesMasterIdLst>
   <p:sldIdLst>
-    <p:sldId id="256" r:id="rId2"/>
-    <p:sldId id="257" r:id="rId3"/>
-    <p:sldId id="258" r:id="rId4"/>
-    <p:sldId id="259" r:id="rId5"/>
-    <p:sldId id="260" r:id="rId6"/>
-    <p:sldId id="261" r:id="rId7"/>
-    <p:sldId id="262" r:id="rId8"/>
-    <p:sldId id="263" r:id="rId9"/>
-    <p:sldId id="264" r:id="rId10"/>
+    <p:sldId id="256" r:id="rId3"/>
+    <p:sldId id="257" r:id="rId4"/>
+    <p:sldId id="258" r:id="rId5"/>
+    <p:sldId id="259" r:id="rId6"/>
+    <p:sldId id="266" r:id="rId7"/>
+    <p:sldId id="260" r:id="rId8"/>
+    <p:sldId id="261" r:id="rId9"/>
+    <p:sldId id="262" r:id="rId10"/>
+    <p:sldId id="263" r:id="rId11"/>
+    <p:sldId id="265" r:id="rId12"/>
+    <p:sldId id="264" r:id="rId13"/>
   </p:sldIdLst>
   <p:sldSz cx="9144000" cy="6858000" type="screen4x3"/>
   <p:notesSz cx="6858000" cy="9144000"/>
@@ -582,7 +585,7 @@
           <a:bodyPr/>
           <a:lstStyle/>
           <a:p>
-            <a:endParaRPr kumimoji="1" lang="ja-JP" altLang="en-US"/>
+            <a:endParaRPr kumimoji="1" lang="ja-JP" altLang="en-US" dirty="0"/>
           </a:p>
         </p:txBody>
       </p:sp>
@@ -1231,6 +1234,3173 @@
 </p:sldLayout>
 </file>
 
+<file path=ppt/slideLayouts/slideLayout12.xml><?xml version="1.0" encoding="utf-8"?>
+<p:sldLayout xmlns:a="http://schemas.openxmlformats.org/drawingml/2006/main" xmlns:r="http://schemas.openxmlformats.org/officeDocument/2006/relationships" xmlns:p="http://schemas.openxmlformats.org/presentationml/2006/main" type="title" preserve="1">
+  <p:cSld name="タイトル スライド">
+    <p:spTree>
+      <p:nvGrpSpPr>
+        <p:cNvPr id="1" name=""/>
+        <p:cNvGrpSpPr/>
+        <p:nvPr/>
+      </p:nvGrpSpPr>
+      <p:grpSpPr>
+        <a:xfrm>
+          <a:off x="0" y="0"/>
+          <a:ext cx="0" cy="0"/>
+          <a:chOff x="0" y="0"/>
+          <a:chExt cx="0" cy="0"/>
+        </a:xfrm>
+      </p:grpSpPr>
+      <p:sp>
+        <p:nvSpPr>
+          <p:cNvPr id="2" name="Title 1"/>
+          <p:cNvSpPr>
+            <a:spLocks noGrp="1"/>
+          </p:cNvSpPr>
+          <p:nvPr>
+            <p:ph type="ctrTitle"/>
+          </p:nvPr>
+        </p:nvSpPr>
+        <p:spPr>
+          <a:xfrm>
+            <a:off x="685800" y="1122363"/>
+            <a:ext cx="7772400" cy="2387600"/>
+          </a:xfrm>
+        </p:spPr>
+        <p:txBody>
+          <a:bodyPr anchor="b"/>
+          <a:lstStyle>
+            <a:lvl1pPr algn="ctr">
+              <a:defRPr sz="6000"/>
+            </a:lvl1pPr>
+          </a:lstStyle>
+          <a:p>
+            <a:r>
+              <a:rPr lang="ja-JP" altLang="en-US" smtClean="0"/>
+              <a:t>マスター タイトルの書式設定</a:t>
+            </a:r>
+            <a:endParaRPr lang="en-US" dirty="0"/>
+          </a:p>
+        </p:txBody>
+      </p:sp>
+      <p:sp>
+        <p:nvSpPr>
+          <p:cNvPr id="3" name="Subtitle 2"/>
+          <p:cNvSpPr>
+            <a:spLocks noGrp="1"/>
+          </p:cNvSpPr>
+          <p:nvPr>
+            <p:ph type="subTitle" idx="1"/>
+          </p:nvPr>
+        </p:nvSpPr>
+        <p:spPr>
+          <a:xfrm>
+            <a:off x="1143000" y="3602038"/>
+            <a:ext cx="6858000" cy="1655762"/>
+          </a:xfrm>
+        </p:spPr>
+        <p:txBody>
+          <a:bodyPr/>
+          <a:lstStyle>
+            <a:lvl1pPr marL="0" indent="0" algn="ctr">
+              <a:buNone/>
+              <a:defRPr sz="2400"/>
+            </a:lvl1pPr>
+            <a:lvl2pPr marL="457200" indent="0" algn="ctr">
+              <a:buNone/>
+              <a:defRPr sz="2000"/>
+            </a:lvl2pPr>
+            <a:lvl3pPr marL="914400" indent="0" algn="ctr">
+              <a:buNone/>
+              <a:defRPr sz="1800"/>
+            </a:lvl3pPr>
+            <a:lvl4pPr marL="1371600" indent="0" algn="ctr">
+              <a:buNone/>
+              <a:defRPr sz="1600"/>
+            </a:lvl4pPr>
+            <a:lvl5pPr marL="1828800" indent="0" algn="ctr">
+              <a:buNone/>
+              <a:defRPr sz="1600"/>
+            </a:lvl5pPr>
+            <a:lvl6pPr marL="2286000" indent="0" algn="ctr">
+              <a:buNone/>
+              <a:defRPr sz="1600"/>
+            </a:lvl6pPr>
+            <a:lvl7pPr marL="2743200" indent="0" algn="ctr">
+              <a:buNone/>
+              <a:defRPr sz="1600"/>
+            </a:lvl7pPr>
+            <a:lvl8pPr marL="3200400" indent="0" algn="ctr">
+              <a:buNone/>
+              <a:defRPr sz="1600"/>
+            </a:lvl8pPr>
+            <a:lvl9pPr marL="3657600" indent="0" algn="ctr">
+              <a:buNone/>
+              <a:defRPr sz="1600"/>
+            </a:lvl9pPr>
+          </a:lstStyle>
+          <a:p>
+            <a:r>
+              <a:rPr lang="ja-JP" altLang="en-US" smtClean="0"/>
+              <a:t>マスター サブタイトルの書式設定</a:t>
+            </a:r>
+            <a:endParaRPr lang="en-US" dirty="0"/>
+          </a:p>
+        </p:txBody>
+      </p:sp>
+      <p:sp>
+        <p:nvSpPr>
+          <p:cNvPr id="4" name="Date Placeholder 3"/>
+          <p:cNvSpPr>
+            <a:spLocks noGrp="1"/>
+          </p:cNvSpPr>
+          <p:nvPr>
+            <p:ph type="dt" sz="half" idx="10"/>
+          </p:nvPr>
+        </p:nvSpPr>
+        <p:spPr/>
+        <p:txBody>
+          <a:bodyPr/>
+          <a:lstStyle/>
+          <a:p>
+            <a:pPr marL="0" marR="0" lvl="0" indent="0" algn="l" defTabSz="914400" rtl="0" eaLnBrk="1" fontAlgn="auto" latinLnBrk="0" hangingPunct="1">
+              <a:lnSpc>
+                <a:spcPct val="100000"/>
+              </a:lnSpc>
+              <a:spcBef>
+                <a:spcPts val="0"/>
+              </a:spcBef>
+              <a:spcAft>
+                <a:spcPts val="0"/>
+              </a:spcAft>
+              <a:buClrTx/>
+              <a:buSzTx/>
+              <a:buFontTx/>
+              <a:buNone/>
+              <a:tabLst/>
+              <a:defRPr/>
+            </a:pPr>
+            <a:fld id="{777BCA22-9404-4EAD-B600-E5D0D5F14758}" type="datetime1">
+              <a:rPr kumimoji="1" lang="ja-JP" altLang="en-US" sz="1200" b="0" i="0" u="none" strike="noStrike" kern="1200" cap="none" spc="0" normalizeH="0" baseline="0" noProof="0" smtClean="0">
+                <a:ln>
+                  <a:noFill/>
+                </a:ln>
+                <a:solidFill>
+                  <a:prstClr val="black">
+                    <a:tint val="75000"/>
+                  </a:prstClr>
+                </a:solidFill>
+                <a:effectLst/>
+                <a:uLnTx/>
+                <a:uFillTx/>
+                <a:latin typeface="Calibri" panose="020F0502020204030204"/>
+                <a:ea typeface="游ゴシック" panose="020B0400000000000000" pitchFamily="50" charset="-128"/>
+                <a:cs typeface="+mn-cs"/>
+              </a:rPr>
+              <a:pPr marL="0" marR="0" lvl="0" indent="0" algn="l" defTabSz="914400" rtl="0" eaLnBrk="1" fontAlgn="auto" latinLnBrk="0" hangingPunct="1">
+                <a:lnSpc>
+                  <a:spcPct val="100000"/>
+                </a:lnSpc>
+                <a:spcBef>
+                  <a:spcPts val="0"/>
+                </a:spcBef>
+                <a:spcAft>
+                  <a:spcPts val="0"/>
+                </a:spcAft>
+                <a:buClrTx/>
+                <a:buSzTx/>
+                <a:buFontTx/>
+                <a:buNone/>
+                <a:tabLst/>
+                <a:defRPr/>
+              </a:pPr>
+              <a:t>2021/7/23</a:t>
+            </a:fld>
+            <a:endParaRPr kumimoji="1" lang="ja-JP" altLang="en-US" sz="1200" b="0" i="0" u="none" strike="noStrike" kern="1200" cap="none" spc="0" normalizeH="0" baseline="0" noProof="0">
+              <a:ln>
+                <a:noFill/>
+              </a:ln>
+              <a:solidFill>
+                <a:prstClr val="black">
+                  <a:tint val="75000"/>
+                </a:prstClr>
+              </a:solidFill>
+              <a:effectLst/>
+              <a:uLnTx/>
+              <a:uFillTx/>
+              <a:latin typeface="Calibri" panose="020F0502020204030204"/>
+              <a:ea typeface="游ゴシック" panose="020B0400000000000000" pitchFamily="50" charset="-128"/>
+              <a:cs typeface="+mn-cs"/>
+            </a:endParaRPr>
+          </a:p>
+        </p:txBody>
+      </p:sp>
+      <p:sp>
+        <p:nvSpPr>
+          <p:cNvPr id="5" name="Footer Placeholder 4"/>
+          <p:cNvSpPr>
+            <a:spLocks noGrp="1"/>
+          </p:cNvSpPr>
+          <p:nvPr>
+            <p:ph type="ftr" sz="quarter" idx="11"/>
+          </p:nvPr>
+        </p:nvSpPr>
+        <p:spPr/>
+        <p:txBody>
+          <a:bodyPr/>
+          <a:lstStyle/>
+          <a:p>
+            <a:pPr marL="0" marR="0" lvl="0" indent="0" algn="ctr" defTabSz="914400" rtl="0" eaLnBrk="1" fontAlgn="auto" latinLnBrk="0" hangingPunct="1">
+              <a:lnSpc>
+                <a:spcPct val="100000"/>
+              </a:lnSpc>
+              <a:spcBef>
+                <a:spcPts val="0"/>
+              </a:spcBef>
+              <a:spcAft>
+                <a:spcPts val="0"/>
+              </a:spcAft>
+              <a:buClrTx/>
+              <a:buSzTx/>
+              <a:buFontTx/>
+              <a:buNone/>
+              <a:tabLst/>
+              <a:defRPr/>
+            </a:pPr>
+            <a:endParaRPr kumimoji="1" lang="ja-JP" altLang="en-US" sz="1200" b="0" i="0" u="none" strike="noStrike" kern="1200" cap="none" spc="0" normalizeH="0" baseline="0" noProof="0">
+              <a:ln>
+                <a:noFill/>
+              </a:ln>
+              <a:solidFill>
+                <a:prstClr val="black">
+                  <a:tint val="75000"/>
+                </a:prstClr>
+              </a:solidFill>
+              <a:effectLst/>
+              <a:uLnTx/>
+              <a:uFillTx/>
+              <a:latin typeface="Calibri" panose="020F0502020204030204"/>
+              <a:ea typeface="游ゴシック" panose="020B0400000000000000" pitchFamily="50" charset="-128"/>
+              <a:cs typeface="+mn-cs"/>
+            </a:endParaRPr>
+          </a:p>
+        </p:txBody>
+      </p:sp>
+      <p:sp>
+        <p:nvSpPr>
+          <p:cNvPr id="6" name="Slide Number Placeholder 5"/>
+          <p:cNvSpPr>
+            <a:spLocks noGrp="1"/>
+          </p:cNvSpPr>
+          <p:nvPr>
+            <p:ph type="sldNum" sz="quarter" idx="12"/>
+          </p:nvPr>
+        </p:nvSpPr>
+        <p:spPr/>
+        <p:txBody>
+          <a:bodyPr/>
+          <a:lstStyle/>
+          <a:p>
+            <a:pPr marL="0" marR="0" lvl="0" indent="0" algn="r" defTabSz="914400" rtl="0" eaLnBrk="1" fontAlgn="auto" latinLnBrk="0" hangingPunct="1">
+              <a:lnSpc>
+                <a:spcPct val="100000"/>
+              </a:lnSpc>
+              <a:spcBef>
+                <a:spcPts val="0"/>
+              </a:spcBef>
+              <a:spcAft>
+                <a:spcPts val="0"/>
+              </a:spcAft>
+              <a:buClrTx/>
+              <a:buSzTx/>
+              <a:buFontTx/>
+              <a:buNone/>
+              <a:tabLst/>
+              <a:defRPr/>
+            </a:pPr>
+            <a:fld id="{BCFEE6ED-AA2C-49EB-A172-8063C2D7D298}" type="slidenum">
+              <a:rPr kumimoji="1" lang="ja-JP" altLang="en-US" sz="1200" b="0" i="0" u="none" strike="noStrike" kern="1200" cap="none" spc="0" normalizeH="0" baseline="0" noProof="0" smtClean="0">
+                <a:ln>
+                  <a:noFill/>
+                </a:ln>
+                <a:solidFill>
+                  <a:prstClr val="black">
+                    <a:tint val="75000"/>
+                  </a:prstClr>
+                </a:solidFill>
+                <a:effectLst/>
+                <a:uLnTx/>
+                <a:uFillTx/>
+                <a:latin typeface="Calibri" panose="020F0502020204030204"/>
+                <a:ea typeface="游ゴシック" panose="020B0400000000000000" pitchFamily="50" charset="-128"/>
+                <a:cs typeface="+mn-cs"/>
+              </a:rPr>
+              <a:pPr marL="0" marR="0" lvl="0" indent="0" algn="r" defTabSz="914400" rtl="0" eaLnBrk="1" fontAlgn="auto" latinLnBrk="0" hangingPunct="1">
+                <a:lnSpc>
+                  <a:spcPct val="100000"/>
+                </a:lnSpc>
+                <a:spcBef>
+                  <a:spcPts val="0"/>
+                </a:spcBef>
+                <a:spcAft>
+                  <a:spcPts val="0"/>
+                </a:spcAft>
+                <a:buClrTx/>
+                <a:buSzTx/>
+                <a:buFontTx/>
+                <a:buNone/>
+                <a:tabLst/>
+                <a:defRPr/>
+              </a:pPr>
+              <a:t>‹#›</a:t>
+            </a:fld>
+            <a:endParaRPr kumimoji="1" lang="ja-JP" altLang="en-US" sz="1200" b="0" i="0" u="none" strike="noStrike" kern="1200" cap="none" spc="0" normalizeH="0" baseline="0" noProof="0">
+              <a:ln>
+                <a:noFill/>
+              </a:ln>
+              <a:solidFill>
+                <a:prstClr val="black">
+                  <a:tint val="75000"/>
+                </a:prstClr>
+              </a:solidFill>
+              <a:effectLst/>
+              <a:uLnTx/>
+              <a:uFillTx/>
+              <a:latin typeface="Calibri" panose="020F0502020204030204"/>
+              <a:ea typeface="游ゴシック" panose="020B0400000000000000" pitchFamily="50" charset="-128"/>
+              <a:cs typeface="+mn-cs"/>
+            </a:endParaRPr>
+          </a:p>
+        </p:txBody>
+      </p:sp>
+    </p:spTree>
+    <p:extLst>
+      <p:ext uri="{BB962C8B-B14F-4D97-AF65-F5344CB8AC3E}">
+        <p14:creationId xmlns:p14="http://schemas.microsoft.com/office/powerpoint/2010/main" val="305479965"/>
+      </p:ext>
+    </p:extLst>
+  </p:cSld>
+  <p:clrMapOvr>
+    <a:masterClrMapping/>
+  </p:clrMapOvr>
+</p:sldLayout>
+</file>
+
+<file path=ppt/slideLayouts/slideLayout13.xml><?xml version="1.0" encoding="utf-8"?>
+<p:sldLayout xmlns:a="http://schemas.openxmlformats.org/drawingml/2006/main" xmlns:r="http://schemas.openxmlformats.org/officeDocument/2006/relationships" xmlns:p="http://schemas.openxmlformats.org/presentationml/2006/main" type="obj" preserve="1">
+  <p:cSld name="タイトルとコンテンツ">
+    <p:spTree>
+      <p:nvGrpSpPr>
+        <p:cNvPr id="1" name=""/>
+        <p:cNvGrpSpPr/>
+        <p:nvPr/>
+      </p:nvGrpSpPr>
+      <p:grpSpPr>
+        <a:xfrm>
+          <a:off x="0" y="0"/>
+          <a:ext cx="0" cy="0"/>
+          <a:chOff x="0" y="0"/>
+          <a:chExt cx="0" cy="0"/>
+        </a:xfrm>
+      </p:grpSpPr>
+      <p:sp>
+        <p:nvSpPr>
+          <p:cNvPr id="2" name="Title 1"/>
+          <p:cNvSpPr>
+            <a:spLocks noGrp="1"/>
+          </p:cNvSpPr>
+          <p:nvPr>
+            <p:ph type="title"/>
+          </p:nvPr>
+        </p:nvSpPr>
+        <p:spPr/>
+        <p:txBody>
+          <a:bodyPr/>
+          <a:lstStyle/>
+          <a:p>
+            <a:r>
+              <a:rPr lang="ja-JP" altLang="en-US" smtClean="0"/>
+              <a:t>マスター タイトルの書式設定</a:t>
+            </a:r>
+            <a:endParaRPr lang="en-US" dirty="0"/>
+          </a:p>
+        </p:txBody>
+      </p:sp>
+      <p:sp>
+        <p:nvSpPr>
+          <p:cNvPr id="3" name="Content Placeholder 2"/>
+          <p:cNvSpPr>
+            <a:spLocks noGrp="1"/>
+          </p:cNvSpPr>
+          <p:nvPr>
+            <p:ph idx="1"/>
+          </p:nvPr>
+        </p:nvSpPr>
+        <p:spPr/>
+        <p:txBody>
+          <a:bodyPr/>
+          <a:lstStyle/>
+          <a:p>
+            <a:pPr lvl="0"/>
+            <a:r>
+              <a:rPr lang="ja-JP" altLang="en-US" smtClean="0"/>
+              <a:t>マスター テキストの書式設定</a:t>
+            </a:r>
+          </a:p>
+          <a:p>
+            <a:pPr lvl="1"/>
+            <a:r>
+              <a:rPr lang="ja-JP" altLang="en-US" smtClean="0"/>
+              <a:t>第 </a:t>
+            </a:r>
+            <a:r>
+              <a:rPr lang="en-US" altLang="ja-JP" smtClean="0"/>
+              <a:t>2 </a:t>
+            </a:r>
+            <a:r>
+              <a:rPr lang="ja-JP" altLang="en-US" smtClean="0"/>
+              <a:t>レベル</a:t>
+            </a:r>
+          </a:p>
+          <a:p>
+            <a:pPr lvl="2"/>
+            <a:r>
+              <a:rPr lang="ja-JP" altLang="en-US" smtClean="0"/>
+              <a:t>第 </a:t>
+            </a:r>
+            <a:r>
+              <a:rPr lang="en-US" altLang="ja-JP" smtClean="0"/>
+              <a:t>3 </a:t>
+            </a:r>
+            <a:r>
+              <a:rPr lang="ja-JP" altLang="en-US" smtClean="0"/>
+              <a:t>レベル</a:t>
+            </a:r>
+          </a:p>
+          <a:p>
+            <a:pPr lvl="3"/>
+            <a:r>
+              <a:rPr lang="ja-JP" altLang="en-US" smtClean="0"/>
+              <a:t>第 </a:t>
+            </a:r>
+            <a:r>
+              <a:rPr lang="en-US" altLang="ja-JP" smtClean="0"/>
+              <a:t>4 </a:t>
+            </a:r>
+            <a:r>
+              <a:rPr lang="ja-JP" altLang="en-US" smtClean="0"/>
+              <a:t>レベル</a:t>
+            </a:r>
+          </a:p>
+          <a:p>
+            <a:pPr lvl="4"/>
+            <a:r>
+              <a:rPr lang="ja-JP" altLang="en-US" smtClean="0"/>
+              <a:t>第 </a:t>
+            </a:r>
+            <a:r>
+              <a:rPr lang="en-US" altLang="ja-JP" smtClean="0"/>
+              <a:t>5 </a:t>
+            </a:r>
+            <a:r>
+              <a:rPr lang="ja-JP" altLang="en-US" smtClean="0"/>
+              <a:t>レベル</a:t>
+            </a:r>
+            <a:endParaRPr lang="en-US" dirty="0"/>
+          </a:p>
+        </p:txBody>
+      </p:sp>
+      <p:sp>
+        <p:nvSpPr>
+          <p:cNvPr id="4" name="Date Placeholder 3"/>
+          <p:cNvSpPr>
+            <a:spLocks noGrp="1"/>
+          </p:cNvSpPr>
+          <p:nvPr>
+            <p:ph type="dt" sz="half" idx="10"/>
+          </p:nvPr>
+        </p:nvSpPr>
+        <p:spPr/>
+        <p:txBody>
+          <a:bodyPr/>
+          <a:lstStyle/>
+          <a:p>
+            <a:pPr marL="0" marR="0" lvl="0" indent="0" algn="l" defTabSz="914400" rtl="0" eaLnBrk="1" fontAlgn="auto" latinLnBrk="0" hangingPunct="1">
+              <a:lnSpc>
+                <a:spcPct val="100000"/>
+              </a:lnSpc>
+              <a:spcBef>
+                <a:spcPts val="0"/>
+              </a:spcBef>
+              <a:spcAft>
+                <a:spcPts val="0"/>
+              </a:spcAft>
+              <a:buClrTx/>
+              <a:buSzTx/>
+              <a:buFontTx/>
+              <a:buNone/>
+              <a:tabLst/>
+              <a:defRPr/>
+            </a:pPr>
+            <a:fld id="{C1775DBA-A6B2-4F32-815E-884FBB6D7804}" type="datetime1">
+              <a:rPr kumimoji="1" lang="ja-JP" altLang="en-US" sz="1200" b="0" i="0" u="none" strike="noStrike" kern="1200" cap="none" spc="0" normalizeH="0" baseline="0" noProof="0" smtClean="0">
+                <a:ln>
+                  <a:noFill/>
+                </a:ln>
+                <a:solidFill>
+                  <a:prstClr val="black">
+                    <a:tint val="75000"/>
+                  </a:prstClr>
+                </a:solidFill>
+                <a:effectLst/>
+                <a:uLnTx/>
+                <a:uFillTx/>
+                <a:latin typeface="Calibri" panose="020F0502020204030204"/>
+                <a:ea typeface="游ゴシック" panose="020B0400000000000000" pitchFamily="50" charset="-128"/>
+                <a:cs typeface="+mn-cs"/>
+              </a:rPr>
+              <a:pPr marL="0" marR="0" lvl="0" indent="0" algn="l" defTabSz="914400" rtl="0" eaLnBrk="1" fontAlgn="auto" latinLnBrk="0" hangingPunct="1">
+                <a:lnSpc>
+                  <a:spcPct val="100000"/>
+                </a:lnSpc>
+                <a:spcBef>
+                  <a:spcPts val="0"/>
+                </a:spcBef>
+                <a:spcAft>
+                  <a:spcPts val="0"/>
+                </a:spcAft>
+                <a:buClrTx/>
+                <a:buSzTx/>
+                <a:buFontTx/>
+                <a:buNone/>
+                <a:tabLst/>
+                <a:defRPr/>
+              </a:pPr>
+              <a:t>2021/7/23</a:t>
+            </a:fld>
+            <a:endParaRPr kumimoji="1" lang="ja-JP" altLang="en-US" sz="1200" b="0" i="0" u="none" strike="noStrike" kern="1200" cap="none" spc="0" normalizeH="0" baseline="0" noProof="0">
+              <a:ln>
+                <a:noFill/>
+              </a:ln>
+              <a:solidFill>
+                <a:prstClr val="black">
+                  <a:tint val="75000"/>
+                </a:prstClr>
+              </a:solidFill>
+              <a:effectLst/>
+              <a:uLnTx/>
+              <a:uFillTx/>
+              <a:latin typeface="Calibri" panose="020F0502020204030204"/>
+              <a:ea typeface="游ゴシック" panose="020B0400000000000000" pitchFamily="50" charset="-128"/>
+              <a:cs typeface="+mn-cs"/>
+            </a:endParaRPr>
+          </a:p>
+        </p:txBody>
+      </p:sp>
+      <p:sp>
+        <p:nvSpPr>
+          <p:cNvPr id="5" name="Footer Placeholder 4"/>
+          <p:cNvSpPr>
+            <a:spLocks noGrp="1"/>
+          </p:cNvSpPr>
+          <p:nvPr>
+            <p:ph type="ftr" sz="quarter" idx="11"/>
+          </p:nvPr>
+        </p:nvSpPr>
+        <p:spPr/>
+        <p:txBody>
+          <a:bodyPr/>
+          <a:lstStyle/>
+          <a:p>
+            <a:pPr marL="0" marR="0" lvl="0" indent="0" algn="ctr" defTabSz="914400" rtl="0" eaLnBrk="1" fontAlgn="auto" latinLnBrk="0" hangingPunct="1">
+              <a:lnSpc>
+                <a:spcPct val="100000"/>
+              </a:lnSpc>
+              <a:spcBef>
+                <a:spcPts val="0"/>
+              </a:spcBef>
+              <a:spcAft>
+                <a:spcPts val="0"/>
+              </a:spcAft>
+              <a:buClrTx/>
+              <a:buSzTx/>
+              <a:buFontTx/>
+              <a:buNone/>
+              <a:tabLst/>
+              <a:defRPr/>
+            </a:pPr>
+            <a:endParaRPr kumimoji="1" lang="ja-JP" altLang="en-US" sz="1200" b="0" i="0" u="none" strike="noStrike" kern="1200" cap="none" spc="0" normalizeH="0" baseline="0" noProof="0">
+              <a:ln>
+                <a:noFill/>
+              </a:ln>
+              <a:solidFill>
+                <a:prstClr val="black">
+                  <a:tint val="75000"/>
+                </a:prstClr>
+              </a:solidFill>
+              <a:effectLst/>
+              <a:uLnTx/>
+              <a:uFillTx/>
+              <a:latin typeface="Calibri" panose="020F0502020204030204"/>
+              <a:ea typeface="游ゴシック" panose="020B0400000000000000" pitchFamily="50" charset="-128"/>
+              <a:cs typeface="+mn-cs"/>
+            </a:endParaRPr>
+          </a:p>
+        </p:txBody>
+      </p:sp>
+      <p:sp>
+        <p:nvSpPr>
+          <p:cNvPr id="6" name="Slide Number Placeholder 5"/>
+          <p:cNvSpPr>
+            <a:spLocks noGrp="1"/>
+          </p:cNvSpPr>
+          <p:nvPr>
+            <p:ph type="sldNum" sz="quarter" idx="12"/>
+          </p:nvPr>
+        </p:nvSpPr>
+        <p:spPr/>
+        <p:txBody>
+          <a:bodyPr/>
+          <a:lstStyle/>
+          <a:p>
+            <a:pPr marL="0" marR="0" lvl="0" indent="0" algn="r" defTabSz="914400" rtl="0" eaLnBrk="1" fontAlgn="auto" latinLnBrk="0" hangingPunct="1">
+              <a:lnSpc>
+                <a:spcPct val="100000"/>
+              </a:lnSpc>
+              <a:spcBef>
+                <a:spcPts val="0"/>
+              </a:spcBef>
+              <a:spcAft>
+                <a:spcPts val="0"/>
+              </a:spcAft>
+              <a:buClrTx/>
+              <a:buSzTx/>
+              <a:buFontTx/>
+              <a:buNone/>
+              <a:tabLst/>
+              <a:defRPr/>
+            </a:pPr>
+            <a:fld id="{BCFEE6ED-AA2C-49EB-A172-8063C2D7D298}" type="slidenum">
+              <a:rPr kumimoji="1" lang="ja-JP" altLang="en-US" sz="1200" b="0" i="0" u="none" strike="noStrike" kern="1200" cap="none" spc="0" normalizeH="0" baseline="0" noProof="0" smtClean="0">
+                <a:ln>
+                  <a:noFill/>
+                </a:ln>
+                <a:solidFill>
+                  <a:prstClr val="black">
+                    <a:tint val="75000"/>
+                  </a:prstClr>
+                </a:solidFill>
+                <a:effectLst/>
+                <a:uLnTx/>
+                <a:uFillTx/>
+                <a:latin typeface="Calibri" panose="020F0502020204030204"/>
+                <a:ea typeface="游ゴシック" panose="020B0400000000000000" pitchFamily="50" charset="-128"/>
+                <a:cs typeface="+mn-cs"/>
+              </a:rPr>
+              <a:pPr marL="0" marR="0" lvl="0" indent="0" algn="r" defTabSz="914400" rtl="0" eaLnBrk="1" fontAlgn="auto" latinLnBrk="0" hangingPunct="1">
+                <a:lnSpc>
+                  <a:spcPct val="100000"/>
+                </a:lnSpc>
+                <a:spcBef>
+                  <a:spcPts val="0"/>
+                </a:spcBef>
+                <a:spcAft>
+                  <a:spcPts val="0"/>
+                </a:spcAft>
+                <a:buClrTx/>
+                <a:buSzTx/>
+                <a:buFontTx/>
+                <a:buNone/>
+                <a:tabLst/>
+                <a:defRPr/>
+              </a:pPr>
+              <a:t>‹#›</a:t>
+            </a:fld>
+            <a:endParaRPr kumimoji="1" lang="ja-JP" altLang="en-US" sz="1200" b="0" i="0" u="none" strike="noStrike" kern="1200" cap="none" spc="0" normalizeH="0" baseline="0" noProof="0">
+              <a:ln>
+                <a:noFill/>
+              </a:ln>
+              <a:solidFill>
+                <a:prstClr val="black">
+                  <a:tint val="75000"/>
+                </a:prstClr>
+              </a:solidFill>
+              <a:effectLst/>
+              <a:uLnTx/>
+              <a:uFillTx/>
+              <a:latin typeface="Calibri" panose="020F0502020204030204"/>
+              <a:ea typeface="游ゴシック" panose="020B0400000000000000" pitchFamily="50" charset="-128"/>
+              <a:cs typeface="+mn-cs"/>
+            </a:endParaRPr>
+          </a:p>
+        </p:txBody>
+      </p:sp>
+    </p:spTree>
+    <p:extLst>
+      <p:ext uri="{BB962C8B-B14F-4D97-AF65-F5344CB8AC3E}">
+        <p14:creationId xmlns:p14="http://schemas.microsoft.com/office/powerpoint/2010/main" val="3775597624"/>
+      </p:ext>
+    </p:extLst>
+  </p:cSld>
+  <p:clrMapOvr>
+    <a:masterClrMapping/>
+  </p:clrMapOvr>
+</p:sldLayout>
+</file>
+
+<file path=ppt/slideLayouts/slideLayout14.xml><?xml version="1.0" encoding="utf-8"?>
+<p:sldLayout xmlns:a="http://schemas.openxmlformats.org/drawingml/2006/main" xmlns:r="http://schemas.openxmlformats.org/officeDocument/2006/relationships" xmlns:p="http://schemas.openxmlformats.org/presentationml/2006/main" type="secHead" preserve="1">
+  <p:cSld name="セクション見出し">
+    <p:spTree>
+      <p:nvGrpSpPr>
+        <p:cNvPr id="1" name=""/>
+        <p:cNvGrpSpPr/>
+        <p:nvPr/>
+      </p:nvGrpSpPr>
+      <p:grpSpPr>
+        <a:xfrm>
+          <a:off x="0" y="0"/>
+          <a:ext cx="0" cy="0"/>
+          <a:chOff x="0" y="0"/>
+          <a:chExt cx="0" cy="0"/>
+        </a:xfrm>
+      </p:grpSpPr>
+      <p:sp>
+        <p:nvSpPr>
+          <p:cNvPr id="2" name="Title 1"/>
+          <p:cNvSpPr>
+            <a:spLocks noGrp="1"/>
+          </p:cNvSpPr>
+          <p:nvPr>
+            <p:ph type="title"/>
+          </p:nvPr>
+        </p:nvSpPr>
+        <p:spPr>
+          <a:xfrm>
+            <a:off x="623888" y="1709739"/>
+            <a:ext cx="7886700" cy="2852737"/>
+          </a:xfrm>
+        </p:spPr>
+        <p:txBody>
+          <a:bodyPr anchor="b"/>
+          <a:lstStyle>
+            <a:lvl1pPr>
+              <a:defRPr sz="6000"/>
+            </a:lvl1pPr>
+          </a:lstStyle>
+          <a:p>
+            <a:r>
+              <a:rPr lang="ja-JP" altLang="en-US" smtClean="0"/>
+              <a:t>マスター タイトルの書式設定</a:t>
+            </a:r>
+            <a:endParaRPr lang="en-US" dirty="0"/>
+          </a:p>
+        </p:txBody>
+      </p:sp>
+      <p:sp>
+        <p:nvSpPr>
+          <p:cNvPr id="3" name="Text Placeholder 2"/>
+          <p:cNvSpPr>
+            <a:spLocks noGrp="1"/>
+          </p:cNvSpPr>
+          <p:nvPr>
+            <p:ph type="body" idx="1"/>
+          </p:nvPr>
+        </p:nvSpPr>
+        <p:spPr>
+          <a:xfrm>
+            <a:off x="623888" y="4589464"/>
+            <a:ext cx="7886700" cy="1500187"/>
+          </a:xfrm>
+        </p:spPr>
+        <p:txBody>
+          <a:bodyPr/>
+          <a:lstStyle>
+            <a:lvl1pPr marL="0" indent="0">
+              <a:buNone/>
+              <a:defRPr sz="2400">
+                <a:solidFill>
+                  <a:schemeClr val="tx1"/>
+                </a:solidFill>
+              </a:defRPr>
+            </a:lvl1pPr>
+            <a:lvl2pPr marL="457200" indent="0">
+              <a:buNone/>
+              <a:defRPr sz="2000">
+                <a:solidFill>
+                  <a:schemeClr val="tx1">
+                    <a:tint val="75000"/>
+                  </a:schemeClr>
+                </a:solidFill>
+              </a:defRPr>
+            </a:lvl2pPr>
+            <a:lvl3pPr marL="914400" indent="0">
+              <a:buNone/>
+              <a:defRPr sz="1800">
+                <a:solidFill>
+                  <a:schemeClr val="tx1">
+                    <a:tint val="75000"/>
+                  </a:schemeClr>
+                </a:solidFill>
+              </a:defRPr>
+            </a:lvl3pPr>
+            <a:lvl4pPr marL="1371600" indent="0">
+              <a:buNone/>
+              <a:defRPr sz="1600">
+                <a:solidFill>
+                  <a:schemeClr val="tx1">
+                    <a:tint val="75000"/>
+                  </a:schemeClr>
+                </a:solidFill>
+              </a:defRPr>
+            </a:lvl4pPr>
+            <a:lvl5pPr marL="1828800" indent="0">
+              <a:buNone/>
+              <a:defRPr sz="1600">
+                <a:solidFill>
+                  <a:schemeClr val="tx1">
+                    <a:tint val="75000"/>
+                  </a:schemeClr>
+                </a:solidFill>
+              </a:defRPr>
+            </a:lvl5pPr>
+            <a:lvl6pPr marL="2286000" indent="0">
+              <a:buNone/>
+              <a:defRPr sz="1600">
+                <a:solidFill>
+                  <a:schemeClr val="tx1">
+                    <a:tint val="75000"/>
+                  </a:schemeClr>
+                </a:solidFill>
+              </a:defRPr>
+            </a:lvl6pPr>
+            <a:lvl7pPr marL="2743200" indent="0">
+              <a:buNone/>
+              <a:defRPr sz="1600">
+                <a:solidFill>
+                  <a:schemeClr val="tx1">
+                    <a:tint val="75000"/>
+                  </a:schemeClr>
+                </a:solidFill>
+              </a:defRPr>
+            </a:lvl7pPr>
+            <a:lvl8pPr marL="3200400" indent="0">
+              <a:buNone/>
+              <a:defRPr sz="1600">
+                <a:solidFill>
+                  <a:schemeClr val="tx1">
+                    <a:tint val="75000"/>
+                  </a:schemeClr>
+                </a:solidFill>
+              </a:defRPr>
+            </a:lvl8pPr>
+            <a:lvl9pPr marL="3657600" indent="0">
+              <a:buNone/>
+              <a:defRPr sz="1600">
+                <a:solidFill>
+                  <a:schemeClr val="tx1">
+                    <a:tint val="75000"/>
+                  </a:schemeClr>
+                </a:solidFill>
+              </a:defRPr>
+            </a:lvl9pPr>
+          </a:lstStyle>
+          <a:p>
+            <a:pPr lvl="0"/>
+            <a:r>
+              <a:rPr lang="ja-JP" altLang="en-US" smtClean="0"/>
+              <a:t>マスター テキストの書式設定</a:t>
+            </a:r>
+          </a:p>
+        </p:txBody>
+      </p:sp>
+      <p:sp>
+        <p:nvSpPr>
+          <p:cNvPr id="4" name="Date Placeholder 3"/>
+          <p:cNvSpPr>
+            <a:spLocks noGrp="1"/>
+          </p:cNvSpPr>
+          <p:nvPr>
+            <p:ph type="dt" sz="half" idx="10"/>
+          </p:nvPr>
+        </p:nvSpPr>
+        <p:spPr/>
+        <p:txBody>
+          <a:bodyPr/>
+          <a:lstStyle/>
+          <a:p>
+            <a:pPr marL="0" marR="0" lvl="0" indent="0" algn="l" defTabSz="914400" rtl="0" eaLnBrk="1" fontAlgn="auto" latinLnBrk="0" hangingPunct="1">
+              <a:lnSpc>
+                <a:spcPct val="100000"/>
+              </a:lnSpc>
+              <a:spcBef>
+                <a:spcPts val="0"/>
+              </a:spcBef>
+              <a:spcAft>
+                <a:spcPts val="0"/>
+              </a:spcAft>
+              <a:buClrTx/>
+              <a:buSzTx/>
+              <a:buFontTx/>
+              <a:buNone/>
+              <a:tabLst/>
+              <a:defRPr/>
+            </a:pPr>
+            <a:fld id="{9174E00D-6DCB-4D4E-87A0-FE20DA5F0465}" type="datetime1">
+              <a:rPr kumimoji="1" lang="ja-JP" altLang="en-US" sz="1200" b="0" i="0" u="none" strike="noStrike" kern="1200" cap="none" spc="0" normalizeH="0" baseline="0" noProof="0" smtClean="0">
+                <a:ln>
+                  <a:noFill/>
+                </a:ln>
+                <a:solidFill>
+                  <a:prstClr val="black">
+                    <a:tint val="75000"/>
+                  </a:prstClr>
+                </a:solidFill>
+                <a:effectLst/>
+                <a:uLnTx/>
+                <a:uFillTx/>
+                <a:latin typeface="Calibri" panose="020F0502020204030204"/>
+                <a:ea typeface="游ゴシック" panose="020B0400000000000000" pitchFamily="50" charset="-128"/>
+                <a:cs typeface="+mn-cs"/>
+              </a:rPr>
+              <a:pPr marL="0" marR="0" lvl="0" indent="0" algn="l" defTabSz="914400" rtl="0" eaLnBrk="1" fontAlgn="auto" latinLnBrk="0" hangingPunct="1">
+                <a:lnSpc>
+                  <a:spcPct val="100000"/>
+                </a:lnSpc>
+                <a:spcBef>
+                  <a:spcPts val="0"/>
+                </a:spcBef>
+                <a:spcAft>
+                  <a:spcPts val="0"/>
+                </a:spcAft>
+                <a:buClrTx/>
+                <a:buSzTx/>
+                <a:buFontTx/>
+                <a:buNone/>
+                <a:tabLst/>
+                <a:defRPr/>
+              </a:pPr>
+              <a:t>2021/7/23</a:t>
+            </a:fld>
+            <a:endParaRPr kumimoji="1" lang="ja-JP" altLang="en-US" sz="1200" b="0" i="0" u="none" strike="noStrike" kern="1200" cap="none" spc="0" normalizeH="0" baseline="0" noProof="0">
+              <a:ln>
+                <a:noFill/>
+              </a:ln>
+              <a:solidFill>
+                <a:prstClr val="black">
+                  <a:tint val="75000"/>
+                </a:prstClr>
+              </a:solidFill>
+              <a:effectLst/>
+              <a:uLnTx/>
+              <a:uFillTx/>
+              <a:latin typeface="Calibri" panose="020F0502020204030204"/>
+              <a:ea typeface="游ゴシック" panose="020B0400000000000000" pitchFamily="50" charset="-128"/>
+              <a:cs typeface="+mn-cs"/>
+            </a:endParaRPr>
+          </a:p>
+        </p:txBody>
+      </p:sp>
+      <p:sp>
+        <p:nvSpPr>
+          <p:cNvPr id="5" name="Footer Placeholder 4"/>
+          <p:cNvSpPr>
+            <a:spLocks noGrp="1"/>
+          </p:cNvSpPr>
+          <p:nvPr>
+            <p:ph type="ftr" sz="quarter" idx="11"/>
+          </p:nvPr>
+        </p:nvSpPr>
+        <p:spPr/>
+        <p:txBody>
+          <a:bodyPr/>
+          <a:lstStyle/>
+          <a:p>
+            <a:pPr marL="0" marR="0" lvl="0" indent="0" algn="ctr" defTabSz="914400" rtl="0" eaLnBrk="1" fontAlgn="auto" latinLnBrk="0" hangingPunct="1">
+              <a:lnSpc>
+                <a:spcPct val="100000"/>
+              </a:lnSpc>
+              <a:spcBef>
+                <a:spcPts val="0"/>
+              </a:spcBef>
+              <a:spcAft>
+                <a:spcPts val="0"/>
+              </a:spcAft>
+              <a:buClrTx/>
+              <a:buSzTx/>
+              <a:buFontTx/>
+              <a:buNone/>
+              <a:tabLst/>
+              <a:defRPr/>
+            </a:pPr>
+            <a:endParaRPr kumimoji="1" lang="ja-JP" altLang="en-US" sz="1200" b="0" i="0" u="none" strike="noStrike" kern="1200" cap="none" spc="0" normalizeH="0" baseline="0" noProof="0">
+              <a:ln>
+                <a:noFill/>
+              </a:ln>
+              <a:solidFill>
+                <a:prstClr val="black">
+                  <a:tint val="75000"/>
+                </a:prstClr>
+              </a:solidFill>
+              <a:effectLst/>
+              <a:uLnTx/>
+              <a:uFillTx/>
+              <a:latin typeface="Calibri" panose="020F0502020204030204"/>
+              <a:ea typeface="游ゴシック" panose="020B0400000000000000" pitchFamily="50" charset="-128"/>
+              <a:cs typeface="+mn-cs"/>
+            </a:endParaRPr>
+          </a:p>
+        </p:txBody>
+      </p:sp>
+      <p:sp>
+        <p:nvSpPr>
+          <p:cNvPr id="6" name="Slide Number Placeholder 5"/>
+          <p:cNvSpPr>
+            <a:spLocks noGrp="1"/>
+          </p:cNvSpPr>
+          <p:nvPr>
+            <p:ph type="sldNum" sz="quarter" idx="12"/>
+          </p:nvPr>
+        </p:nvSpPr>
+        <p:spPr/>
+        <p:txBody>
+          <a:bodyPr/>
+          <a:lstStyle/>
+          <a:p>
+            <a:pPr marL="0" marR="0" lvl="0" indent="0" algn="r" defTabSz="914400" rtl="0" eaLnBrk="1" fontAlgn="auto" latinLnBrk="0" hangingPunct="1">
+              <a:lnSpc>
+                <a:spcPct val="100000"/>
+              </a:lnSpc>
+              <a:spcBef>
+                <a:spcPts val="0"/>
+              </a:spcBef>
+              <a:spcAft>
+                <a:spcPts val="0"/>
+              </a:spcAft>
+              <a:buClrTx/>
+              <a:buSzTx/>
+              <a:buFontTx/>
+              <a:buNone/>
+              <a:tabLst/>
+              <a:defRPr/>
+            </a:pPr>
+            <a:fld id="{BCFEE6ED-AA2C-49EB-A172-8063C2D7D298}" type="slidenum">
+              <a:rPr kumimoji="1" lang="ja-JP" altLang="en-US" sz="1200" b="0" i="0" u="none" strike="noStrike" kern="1200" cap="none" spc="0" normalizeH="0" baseline="0" noProof="0" smtClean="0">
+                <a:ln>
+                  <a:noFill/>
+                </a:ln>
+                <a:solidFill>
+                  <a:prstClr val="black">
+                    <a:tint val="75000"/>
+                  </a:prstClr>
+                </a:solidFill>
+                <a:effectLst/>
+                <a:uLnTx/>
+                <a:uFillTx/>
+                <a:latin typeface="Calibri" panose="020F0502020204030204"/>
+                <a:ea typeface="游ゴシック" panose="020B0400000000000000" pitchFamily="50" charset="-128"/>
+                <a:cs typeface="+mn-cs"/>
+              </a:rPr>
+              <a:pPr marL="0" marR="0" lvl="0" indent="0" algn="r" defTabSz="914400" rtl="0" eaLnBrk="1" fontAlgn="auto" latinLnBrk="0" hangingPunct="1">
+                <a:lnSpc>
+                  <a:spcPct val="100000"/>
+                </a:lnSpc>
+                <a:spcBef>
+                  <a:spcPts val="0"/>
+                </a:spcBef>
+                <a:spcAft>
+                  <a:spcPts val="0"/>
+                </a:spcAft>
+                <a:buClrTx/>
+                <a:buSzTx/>
+                <a:buFontTx/>
+                <a:buNone/>
+                <a:tabLst/>
+                <a:defRPr/>
+              </a:pPr>
+              <a:t>‹#›</a:t>
+            </a:fld>
+            <a:endParaRPr kumimoji="1" lang="ja-JP" altLang="en-US" sz="1200" b="0" i="0" u="none" strike="noStrike" kern="1200" cap="none" spc="0" normalizeH="0" baseline="0" noProof="0">
+              <a:ln>
+                <a:noFill/>
+              </a:ln>
+              <a:solidFill>
+                <a:prstClr val="black">
+                  <a:tint val="75000"/>
+                </a:prstClr>
+              </a:solidFill>
+              <a:effectLst/>
+              <a:uLnTx/>
+              <a:uFillTx/>
+              <a:latin typeface="Calibri" panose="020F0502020204030204"/>
+              <a:ea typeface="游ゴシック" panose="020B0400000000000000" pitchFamily="50" charset="-128"/>
+              <a:cs typeface="+mn-cs"/>
+            </a:endParaRPr>
+          </a:p>
+        </p:txBody>
+      </p:sp>
+    </p:spTree>
+    <p:extLst>
+      <p:ext uri="{BB962C8B-B14F-4D97-AF65-F5344CB8AC3E}">
+        <p14:creationId xmlns:p14="http://schemas.microsoft.com/office/powerpoint/2010/main" val="1138090056"/>
+      </p:ext>
+    </p:extLst>
+  </p:cSld>
+  <p:clrMapOvr>
+    <a:masterClrMapping/>
+  </p:clrMapOvr>
+</p:sldLayout>
+</file>
+
+<file path=ppt/slideLayouts/slideLayout15.xml><?xml version="1.0" encoding="utf-8"?>
+<p:sldLayout xmlns:a="http://schemas.openxmlformats.org/drawingml/2006/main" xmlns:r="http://schemas.openxmlformats.org/officeDocument/2006/relationships" xmlns:p="http://schemas.openxmlformats.org/presentationml/2006/main" type="twoObj" preserve="1">
+  <p:cSld name="2 つのコンテンツ">
+    <p:spTree>
+      <p:nvGrpSpPr>
+        <p:cNvPr id="1" name=""/>
+        <p:cNvGrpSpPr/>
+        <p:nvPr/>
+      </p:nvGrpSpPr>
+      <p:grpSpPr>
+        <a:xfrm>
+          <a:off x="0" y="0"/>
+          <a:ext cx="0" cy="0"/>
+          <a:chOff x="0" y="0"/>
+          <a:chExt cx="0" cy="0"/>
+        </a:xfrm>
+      </p:grpSpPr>
+      <p:sp>
+        <p:nvSpPr>
+          <p:cNvPr id="2" name="Title 1"/>
+          <p:cNvSpPr>
+            <a:spLocks noGrp="1"/>
+          </p:cNvSpPr>
+          <p:nvPr>
+            <p:ph type="title"/>
+          </p:nvPr>
+        </p:nvSpPr>
+        <p:spPr/>
+        <p:txBody>
+          <a:bodyPr/>
+          <a:lstStyle/>
+          <a:p>
+            <a:r>
+              <a:rPr lang="ja-JP" altLang="en-US" smtClean="0"/>
+              <a:t>マスター タイトルの書式設定</a:t>
+            </a:r>
+            <a:endParaRPr lang="en-US" dirty="0"/>
+          </a:p>
+        </p:txBody>
+      </p:sp>
+      <p:sp>
+        <p:nvSpPr>
+          <p:cNvPr id="3" name="Content Placeholder 2"/>
+          <p:cNvSpPr>
+            <a:spLocks noGrp="1"/>
+          </p:cNvSpPr>
+          <p:nvPr>
+            <p:ph sz="half" idx="1"/>
+          </p:nvPr>
+        </p:nvSpPr>
+        <p:spPr>
+          <a:xfrm>
+            <a:off x="628650" y="1825625"/>
+            <a:ext cx="3886200" cy="4351338"/>
+          </a:xfrm>
+        </p:spPr>
+        <p:txBody>
+          <a:bodyPr/>
+          <a:lstStyle/>
+          <a:p>
+            <a:pPr lvl="0"/>
+            <a:r>
+              <a:rPr lang="ja-JP" altLang="en-US" smtClean="0"/>
+              <a:t>マスター テキストの書式設定</a:t>
+            </a:r>
+          </a:p>
+          <a:p>
+            <a:pPr lvl="1"/>
+            <a:r>
+              <a:rPr lang="ja-JP" altLang="en-US" smtClean="0"/>
+              <a:t>第 </a:t>
+            </a:r>
+            <a:r>
+              <a:rPr lang="en-US" altLang="ja-JP" smtClean="0"/>
+              <a:t>2 </a:t>
+            </a:r>
+            <a:r>
+              <a:rPr lang="ja-JP" altLang="en-US" smtClean="0"/>
+              <a:t>レベル</a:t>
+            </a:r>
+          </a:p>
+          <a:p>
+            <a:pPr lvl="2"/>
+            <a:r>
+              <a:rPr lang="ja-JP" altLang="en-US" smtClean="0"/>
+              <a:t>第 </a:t>
+            </a:r>
+            <a:r>
+              <a:rPr lang="en-US" altLang="ja-JP" smtClean="0"/>
+              <a:t>3 </a:t>
+            </a:r>
+            <a:r>
+              <a:rPr lang="ja-JP" altLang="en-US" smtClean="0"/>
+              <a:t>レベル</a:t>
+            </a:r>
+          </a:p>
+          <a:p>
+            <a:pPr lvl="3"/>
+            <a:r>
+              <a:rPr lang="ja-JP" altLang="en-US" smtClean="0"/>
+              <a:t>第 </a:t>
+            </a:r>
+            <a:r>
+              <a:rPr lang="en-US" altLang="ja-JP" smtClean="0"/>
+              <a:t>4 </a:t>
+            </a:r>
+            <a:r>
+              <a:rPr lang="ja-JP" altLang="en-US" smtClean="0"/>
+              <a:t>レベル</a:t>
+            </a:r>
+          </a:p>
+          <a:p>
+            <a:pPr lvl="4"/>
+            <a:r>
+              <a:rPr lang="ja-JP" altLang="en-US" smtClean="0"/>
+              <a:t>第 </a:t>
+            </a:r>
+            <a:r>
+              <a:rPr lang="en-US" altLang="ja-JP" smtClean="0"/>
+              <a:t>5 </a:t>
+            </a:r>
+            <a:r>
+              <a:rPr lang="ja-JP" altLang="en-US" smtClean="0"/>
+              <a:t>レベル</a:t>
+            </a:r>
+            <a:endParaRPr lang="en-US" dirty="0"/>
+          </a:p>
+        </p:txBody>
+      </p:sp>
+      <p:sp>
+        <p:nvSpPr>
+          <p:cNvPr id="4" name="Content Placeholder 3"/>
+          <p:cNvSpPr>
+            <a:spLocks noGrp="1"/>
+          </p:cNvSpPr>
+          <p:nvPr>
+            <p:ph sz="half" idx="2"/>
+          </p:nvPr>
+        </p:nvSpPr>
+        <p:spPr>
+          <a:xfrm>
+            <a:off x="4629150" y="1825625"/>
+            <a:ext cx="3886200" cy="4351338"/>
+          </a:xfrm>
+        </p:spPr>
+        <p:txBody>
+          <a:bodyPr/>
+          <a:lstStyle/>
+          <a:p>
+            <a:pPr lvl="0"/>
+            <a:r>
+              <a:rPr lang="ja-JP" altLang="en-US" smtClean="0"/>
+              <a:t>マスター テキストの書式設定</a:t>
+            </a:r>
+          </a:p>
+          <a:p>
+            <a:pPr lvl="1"/>
+            <a:r>
+              <a:rPr lang="ja-JP" altLang="en-US" smtClean="0"/>
+              <a:t>第 </a:t>
+            </a:r>
+            <a:r>
+              <a:rPr lang="en-US" altLang="ja-JP" smtClean="0"/>
+              <a:t>2 </a:t>
+            </a:r>
+            <a:r>
+              <a:rPr lang="ja-JP" altLang="en-US" smtClean="0"/>
+              <a:t>レベル</a:t>
+            </a:r>
+          </a:p>
+          <a:p>
+            <a:pPr lvl="2"/>
+            <a:r>
+              <a:rPr lang="ja-JP" altLang="en-US" smtClean="0"/>
+              <a:t>第 </a:t>
+            </a:r>
+            <a:r>
+              <a:rPr lang="en-US" altLang="ja-JP" smtClean="0"/>
+              <a:t>3 </a:t>
+            </a:r>
+            <a:r>
+              <a:rPr lang="ja-JP" altLang="en-US" smtClean="0"/>
+              <a:t>レベル</a:t>
+            </a:r>
+          </a:p>
+          <a:p>
+            <a:pPr lvl="3"/>
+            <a:r>
+              <a:rPr lang="ja-JP" altLang="en-US" smtClean="0"/>
+              <a:t>第 </a:t>
+            </a:r>
+            <a:r>
+              <a:rPr lang="en-US" altLang="ja-JP" smtClean="0"/>
+              <a:t>4 </a:t>
+            </a:r>
+            <a:r>
+              <a:rPr lang="ja-JP" altLang="en-US" smtClean="0"/>
+              <a:t>レベル</a:t>
+            </a:r>
+          </a:p>
+          <a:p>
+            <a:pPr lvl="4"/>
+            <a:r>
+              <a:rPr lang="ja-JP" altLang="en-US" smtClean="0"/>
+              <a:t>第 </a:t>
+            </a:r>
+            <a:r>
+              <a:rPr lang="en-US" altLang="ja-JP" smtClean="0"/>
+              <a:t>5 </a:t>
+            </a:r>
+            <a:r>
+              <a:rPr lang="ja-JP" altLang="en-US" smtClean="0"/>
+              <a:t>レベル</a:t>
+            </a:r>
+            <a:endParaRPr lang="en-US" dirty="0"/>
+          </a:p>
+        </p:txBody>
+      </p:sp>
+      <p:sp>
+        <p:nvSpPr>
+          <p:cNvPr id="5" name="Date Placeholder 4"/>
+          <p:cNvSpPr>
+            <a:spLocks noGrp="1"/>
+          </p:cNvSpPr>
+          <p:nvPr>
+            <p:ph type="dt" sz="half" idx="10"/>
+          </p:nvPr>
+        </p:nvSpPr>
+        <p:spPr/>
+        <p:txBody>
+          <a:bodyPr/>
+          <a:lstStyle/>
+          <a:p>
+            <a:pPr marL="0" marR="0" lvl="0" indent="0" algn="l" defTabSz="914400" rtl="0" eaLnBrk="1" fontAlgn="auto" latinLnBrk="0" hangingPunct="1">
+              <a:lnSpc>
+                <a:spcPct val="100000"/>
+              </a:lnSpc>
+              <a:spcBef>
+                <a:spcPts val="0"/>
+              </a:spcBef>
+              <a:spcAft>
+                <a:spcPts val="0"/>
+              </a:spcAft>
+              <a:buClrTx/>
+              <a:buSzTx/>
+              <a:buFontTx/>
+              <a:buNone/>
+              <a:tabLst/>
+              <a:defRPr/>
+            </a:pPr>
+            <a:fld id="{1E35631C-BEBB-4154-876E-7690D34F1DC8}" type="datetime1">
+              <a:rPr kumimoji="1" lang="ja-JP" altLang="en-US" sz="1200" b="0" i="0" u="none" strike="noStrike" kern="1200" cap="none" spc="0" normalizeH="0" baseline="0" noProof="0" smtClean="0">
+                <a:ln>
+                  <a:noFill/>
+                </a:ln>
+                <a:solidFill>
+                  <a:prstClr val="black">
+                    <a:tint val="75000"/>
+                  </a:prstClr>
+                </a:solidFill>
+                <a:effectLst/>
+                <a:uLnTx/>
+                <a:uFillTx/>
+                <a:latin typeface="Calibri" panose="020F0502020204030204"/>
+                <a:ea typeface="游ゴシック" panose="020B0400000000000000" pitchFamily="50" charset="-128"/>
+                <a:cs typeface="+mn-cs"/>
+              </a:rPr>
+              <a:pPr marL="0" marR="0" lvl="0" indent="0" algn="l" defTabSz="914400" rtl="0" eaLnBrk="1" fontAlgn="auto" latinLnBrk="0" hangingPunct="1">
+                <a:lnSpc>
+                  <a:spcPct val="100000"/>
+                </a:lnSpc>
+                <a:spcBef>
+                  <a:spcPts val="0"/>
+                </a:spcBef>
+                <a:spcAft>
+                  <a:spcPts val="0"/>
+                </a:spcAft>
+                <a:buClrTx/>
+                <a:buSzTx/>
+                <a:buFontTx/>
+                <a:buNone/>
+                <a:tabLst/>
+                <a:defRPr/>
+              </a:pPr>
+              <a:t>2021/7/23</a:t>
+            </a:fld>
+            <a:endParaRPr kumimoji="1" lang="ja-JP" altLang="en-US" sz="1200" b="0" i="0" u="none" strike="noStrike" kern="1200" cap="none" spc="0" normalizeH="0" baseline="0" noProof="0">
+              <a:ln>
+                <a:noFill/>
+              </a:ln>
+              <a:solidFill>
+                <a:prstClr val="black">
+                  <a:tint val="75000"/>
+                </a:prstClr>
+              </a:solidFill>
+              <a:effectLst/>
+              <a:uLnTx/>
+              <a:uFillTx/>
+              <a:latin typeface="Calibri" panose="020F0502020204030204"/>
+              <a:ea typeface="游ゴシック" panose="020B0400000000000000" pitchFamily="50" charset="-128"/>
+              <a:cs typeface="+mn-cs"/>
+            </a:endParaRPr>
+          </a:p>
+        </p:txBody>
+      </p:sp>
+      <p:sp>
+        <p:nvSpPr>
+          <p:cNvPr id="6" name="Footer Placeholder 5"/>
+          <p:cNvSpPr>
+            <a:spLocks noGrp="1"/>
+          </p:cNvSpPr>
+          <p:nvPr>
+            <p:ph type="ftr" sz="quarter" idx="11"/>
+          </p:nvPr>
+        </p:nvSpPr>
+        <p:spPr/>
+        <p:txBody>
+          <a:bodyPr/>
+          <a:lstStyle/>
+          <a:p>
+            <a:pPr marL="0" marR="0" lvl="0" indent="0" algn="ctr" defTabSz="914400" rtl="0" eaLnBrk="1" fontAlgn="auto" latinLnBrk="0" hangingPunct="1">
+              <a:lnSpc>
+                <a:spcPct val="100000"/>
+              </a:lnSpc>
+              <a:spcBef>
+                <a:spcPts val="0"/>
+              </a:spcBef>
+              <a:spcAft>
+                <a:spcPts val="0"/>
+              </a:spcAft>
+              <a:buClrTx/>
+              <a:buSzTx/>
+              <a:buFontTx/>
+              <a:buNone/>
+              <a:tabLst/>
+              <a:defRPr/>
+            </a:pPr>
+            <a:endParaRPr kumimoji="1" lang="ja-JP" altLang="en-US" sz="1200" b="0" i="0" u="none" strike="noStrike" kern="1200" cap="none" spc="0" normalizeH="0" baseline="0" noProof="0">
+              <a:ln>
+                <a:noFill/>
+              </a:ln>
+              <a:solidFill>
+                <a:prstClr val="black">
+                  <a:tint val="75000"/>
+                </a:prstClr>
+              </a:solidFill>
+              <a:effectLst/>
+              <a:uLnTx/>
+              <a:uFillTx/>
+              <a:latin typeface="Calibri" panose="020F0502020204030204"/>
+              <a:ea typeface="游ゴシック" panose="020B0400000000000000" pitchFamily="50" charset="-128"/>
+              <a:cs typeface="+mn-cs"/>
+            </a:endParaRPr>
+          </a:p>
+        </p:txBody>
+      </p:sp>
+      <p:sp>
+        <p:nvSpPr>
+          <p:cNvPr id="7" name="Slide Number Placeholder 6"/>
+          <p:cNvSpPr>
+            <a:spLocks noGrp="1"/>
+          </p:cNvSpPr>
+          <p:nvPr>
+            <p:ph type="sldNum" sz="quarter" idx="12"/>
+          </p:nvPr>
+        </p:nvSpPr>
+        <p:spPr/>
+        <p:txBody>
+          <a:bodyPr/>
+          <a:lstStyle/>
+          <a:p>
+            <a:pPr marL="0" marR="0" lvl="0" indent="0" algn="r" defTabSz="914400" rtl="0" eaLnBrk="1" fontAlgn="auto" latinLnBrk="0" hangingPunct="1">
+              <a:lnSpc>
+                <a:spcPct val="100000"/>
+              </a:lnSpc>
+              <a:spcBef>
+                <a:spcPts val="0"/>
+              </a:spcBef>
+              <a:spcAft>
+                <a:spcPts val="0"/>
+              </a:spcAft>
+              <a:buClrTx/>
+              <a:buSzTx/>
+              <a:buFontTx/>
+              <a:buNone/>
+              <a:tabLst/>
+              <a:defRPr/>
+            </a:pPr>
+            <a:fld id="{BCFEE6ED-AA2C-49EB-A172-8063C2D7D298}" type="slidenum">
+              <a:rPr kumimoji="1" lang="ja-JP" altLang="en-US" sz="1200" b="0" i="0" u="none" strike="noStrike" kern="1200" cap="none" spc="0" normalizeH="0" baseline="0" noProof="0" smtClean="0">
+                <a:ln>
+                  <a:noFill/>
+                </a:ln>
+                <a:solidFill>
+                  <a:prstClr val="black">
+                    <a:tint val="75000"/>
+                  </a:prstClr>
+                </a:solidFill>
+                <a:effectLst/>
+                <a:uLnTx/>
+                <a:uFillTx/>
+                <a:latin typeface="Calibri" panose="020F0502020204030204"/>
+                <a:ea typeface="游ゴシック" panose="020B0400000000000000" pitchFamily="50" charset="-128"/>
+                <a:cs typeface="+mn-cs"/>
+              </a:rPr>
+              <a:pPr marL="0" marR="0" lvl="0" indent="0" algn="r" defTabSz="914400" rtl="0" eaLnBrk="1" fontAlgn="auto" latinLnBrk="0" hangingPunct="1">
+                <a:lnSpc>
+                  <a:spcPct val="100000"/>
+                </a:lnSpc>
+                <a:spcBef>
+                  <a:spcPts val="0"/>
+                </a:spcBef>
+                <a:spcAft>
+                  <a:spcPts val="0"/>
+                </a:spcAft>
+                <a:buClrTx/>
+                <a:buSzTx/>
+                <a:buFontTx/>
+                <a:buNone/>
+                <a:tabLst/>
+                <a:defRPr/>
+              </a:pPr>
+              <a:t>‹#›</a:t>
+            </a:fld>
+            <a:endParaRPr kumimoji="1" lang="ja-JP" altLang="en-US" sz="1200" b="0" i="0" u="none" strike="noStrike" kern="1200" cap="none" spc="0" normalizeH="0" baseline="0" noProof="0">
+              <a:ln>
+                <a:noFill/>
+              </a:ln>
+              <a:solidFill>
+                <a:prstClr val="black">
+                  <a:tint val="75000"/>
+                </a:prstClr>
+              </a:solidFill>
+              <a:effectLst/>
+              <a:uLnTx/>
+              <a:uFillTx/>
+              <a:latin typeface="Calibri" panose="020F0502020204030204"/>
+              <a:ea typeface="游ゴシック" panose="020B0400000000000000" pitchFamily="50" charset="-128"/>
+              <a:cs typeface="+mn-cs"/>
+            </a:endParaRPr>
+          </a:p>
+        </p:txBody>
+      </p:sp>
+    </p:spTree>
+    <p:extLst>
+      <p:ext uri="{BB962C8B-B14F-4D97-AF65-F5344CB8AC3E}">
+        <p14:creationId xmlns:p14="http://schemas.microsoft.com/office/powerpoint/2010/main" val="3863919759"/>
+      </p:ext>
+    </p:extLst>
+  </p:cSld>
+  <p:clrMapOvr>
+    <a:masterClrMapping/>
+  </p:clrMapOvr>
+</p:sldLayout>
+</file>
+
+<file path=ppt/slideLayouts/slideLayout16.xml><?xml version="1.0" encoding="utf-8"?>
+<p:sldLayout xmlns:a="http://schemas.openxmlformats.org/drawingml/2006/main" xmlns:r="http://schemas.openxmlformats.org/officeDocument/2006/relationships" xmlns:p="http://schemas.openxmlformats.org/presentationml/2006/main" type="twoTxTwoObj" preserve="1">
+  <p:cSld name="比較">
+    <p:spTree>
+      <p:nvGrpSpPr>
+        <p:cNvPr id="1" name=""/>
+        <p:cNvGrpSpPr/>
+        <p:nvPr/>
+      </p:nvGrpSpPr>
+      <p:grpSpPr>
+        <a:xfrm>
+          <a:off x="0" y="0"/>
+          <a:ext cx="0" cy="0"/>
+          <a:chOff x="0" y="0"/>
+          <a:chExt cx="0" cy="0"/>
+        </a:xfrm>
+      </p:grpSpPr>
+      <p:sp>
+        <p:nvSpPr>
+          <p:cNvPr id="2" name="Title 1"/>
+          <p:cNvSpPr>
+            <a:spLocks noGrp="1"/>
+          </p:cNvSpPr>
+          <p:nvPr>
+            <p:ph type="title"/>
+          </p:nvPr>
+        </p:nvSpPr>
+        <p:spPr>
+          <a:xfrm>
+            <a:off x="629841" y="365126"/>
+            <a:ext cx="7886700" cy="1325563"/>
+          </a:xfrm>
+        </p:spPr>
+        <p:txBody>
+          <a:bodyPr/>
+          <a:lstStyle/>
+          <a:p>
+            <a:r>
+              <a:rPr lang="ja-JP" altLang="en-US" smtClean="0"/>
+              <a:t>マスター タイトルの書式設定</a:t>
+            </a:r>
+            <a:endParaRPr lang="en-US" dirty="0"/>
+          </a:p>
+        </p:txBody>
+      </p:sp>
+      <p:sp>
+        <p:nvSpPr>
+          <p:cNvPr id="3" name="Text Placeholder 2"/>
+          <p:cNvSpPr>
+            <a:spLocks noGrp="1"/>
+          </p:cNvSpPr>
+          <p:nvPr>
+            <p:ph type="body" idx="1"/>
+          </p:nvPr>
+        </p:nvSpPr>
+        <p:spPr>
+          <a:xfrm>
+            <a:off x="629842" y="1681163"/>
+            <a:ext cx="3868340" cy="823912"/>
+          </a:xfrm>
+        </p:spPr>
+        <p:txBody>
+          <a:bodyPr anchor="b"/>
+          <a:lstStyle>
+            <a:lvl1pPr marL="0" indent="0">
+              <a:buNone/>
+              <a:defRPr sz="2400" b="1"/>
+            </a:lvl1pPr>
+            <a:lvl2pPr marL="457200" indent="0">
+              <a:buNone/>
+              <a:defRPr sz="2000" b="1"/>
+            </a:lvl2pPr>
+            <a:lvl3pPr marL="914400" indent="0">
+              <a:buNone/>
+              <a:defRPr sz="1800" b="1"/>
+            </a:lvl3pPr>
+            <a:lvl4pPr marL="1371600" indent="0">
+              <a:buNone/>
+              <a:defRPr sz="1600" b="1"/>
+            </a:lvl4pPr>
+            <a:lvl5pPr marL="1828800" indent="0">
+              <a:buNone/>
+              <a:defRPr sz="1600" b="1"/>
+            </a:lvl5pPr>
+            <a:lvl6pPr marL="2286000" indent="0">
+              <a:buNone/>
+              <a:defRPr sz="1600" b="1"/>
+            </a:lvl6pPr>
+            <a:lvl7pPr marL="2743200" indent="0">
+              <a:buNone/>
+              <a:defRPr sz="1600" b="1"/>
+            </a:lvl7pPr>
+            <a:lvl8pPr marL="3200400" indent="0">
+              <a:buNone/>
+              <a:defRPr sz="1600" b="1"/>
+            </a:lvl8pPr>
+            <a:lvl9pPr marL="3657600" indent="0">
+              <a:buNone/>
+              <a:defRPr sz="1600" b="1"/>
+            </a:lvl9pPr>
+          </a:lstStyle>
+          <a:p>
+            <a:pPr lvl="0"/>
+            <a:r>
+              <a:rPr lang="ja-JP" altLang="en-US" smtClean="0"/>
+              <a:t>マスター テキストの書式設定</a:t>
+            </a:r>
+          </a:p>
+        </p:txBody>
+      </p:sp>
+      <p:sp>
+        <p:nvSpPr>
+          <p:cNvPr id="4" name="Content Placeholder 3"/>
+          <p:cNvSpPr>
+            <a:spLocks noGrp="1"/>
+          </p:cNvSpPr>
+          <p:nvPr>
+            <p:ph sz="half" idx="2"/>
+          </p:nvPr>
+        </p:nvSpPr>
+        <p:spPr>
+          <a:xfrm>
+            <a:off x="629842" y="2505075"/>
+            <a:ext cx="3868340" cy="3684588"/>
+          </a:xfrm>
+        </p:spPr>
+        <p:txBody>
+          <a:bodyPr/>
+          <a:lstStyle/>
+          <a:p>
+            <a:pPr lvl="0"/>
+            <a:r>
+              <a:rPr lang="ja-JP" altLang="en-US" smtClean="0"/>
+              <a:t>マスター テキストの書式設定</a:t>
+            </a:r>
+          </a:p>
+          <a:p>
+            <a:pPr lvl="1"/>
+            <a:r>
+              <a:rPr lang="ja-JP" altLang="en-US" smtClean="0"/>
+              <a:t>第 </a:t>
+            </a:r>
+            <a:r>
+              <a:rPr lang="en-US" altLang="ja-JP" smtClean="0"/>
+              <a:t>2 </a:t>
+            </a:r>
+            <a:r>
+              <a:rPr lang="ja-JP" altLang="en-US" smtClean="0"/>
+              <a:t>レベル</a:t>
+            </a:r>
+          </a:p>
+          <a:p>
+            <a:pPr lvl="2"/>
+            <a:r>
+              <a:rPr lang="ja-JP" altLang="en-US" smtClean="0"/>
+              <a:t>第 </a:t>
+            </a:r>
+            <a:r>
+              <a:rPr lang="en-US" altLang="ja-JP" smtClean="0"/>
+              <a:t>3 </a:t>
+            </a:r>
+            <a:r>
+              <a:rPr lang="ja-JP" altLang="en-US" smtClean="0"/>
+              <a:t>レベル</a:t>
+            </a:r>
+          </a:p>
+          <a:p>
+            <a:pPr lvl="3"/>
+            <a:r>
+              <a:rPr lang="ja-JP" altLang="en-US" smtClean="0"/>
+              <a:t>第 </a:t>
+            </a:r>
+            <a:r>
+              <a:rPr lang="en-US" altLang="ja-JP" smtClean="0"/>
+              <a:t>4 </a:t>
+            </a:r>
+            <a:r>
+              <a:rPr lang="ja-JP" altLang="en-US" smtClean="0"/>
+              <a:t>レベル</a:t>
+            </a:r>
+          </a:p>
+          <a:p>
+            <a:pPr lvl="4"/>
+            <a:r>
+              <a:rPr lang="ja-JP" altLang="en-US" smtClean="0"/>
+              <a:t>第 </a:t>
+            </a:r>
+            <a:r>
+              <a:rPr lang="en-US" altLang="ja-JP" smtClean="0"/>
+              <a:t>5 </a:t>
+            </a:r>
+            <a:r>
+              <a:rPr lang="ja-JP" altLang="en-US" smtClean="0"/>
+              <a:t>レベル</a:t>
+            </a:r>
+            <a:endParaRPr lang="en-US" dirty="0"/>
+          </a:p>
+        </p:txBody>
+      </p:sp>
+      <p:sp>
+        <p:nvSpPr>
+          <p:cNvPr id="5" name="Text Placeholder 4"/>
+          <p:cNvSpPr>
+            <a:spLocks noGrp="1"/>
+          </p:cNvSpPr>
+          <p:nvPr>
+            <p:ph type="body" sz="quarter" idx="3"/>
+          </p:nvPr>
+        </p:nvSpPr>
+        <p:spPr>
+          <a:xfrm>
+            <a:off x="4629150" y="1681163"/>
+            <a:ext cx="3887391" cy="823912"/>
+          </a:xfrm>
+        </p:spPr>
+        <p:txBody>
+          <a:bodyPr anchor="b"/>
+          <a:lstStyle>
+            <a:lvl1pPr marL="0" indent="0">
+              <a:buNone/>
+              <a:defRPr sz="2400" b="1"/>
+            </a:lvl1pPr>
+            <a:lvl2pPr marL="457200" indent="0">
+              <a:buNone/>
+              <a:defRPr sz="2000" b="1"/>
+            </a:lvl2pPr>
+            <a:lvl3pPr marL="914400" indent="0">
+              <a:buNone/>
+              <a:defRPr sz="1800" b="1"/>
+            </a:lvl3pPr>
+            <a:lvl4pPr marL="1371600" indent="0">
+              <a:buNone/>
+              <a:defRPr sz="1600" b="1"/>
+            </a:lvl4pPr>
+            <a:lvl5pPr marL="1828800" indent="0">
+              <a:buNone/>
+              <a:defRPr sz="1600" b="1"/>
+            </a:lvl5pPr>
+            <a:lvl6pPr marL="2286000" indent="0">
+              <a:buNone/>
+              <a:defRPr sz="1600" b="1"/>
+            </a:lvl6pPr>
+            <a:lvl7pPr marL="2743200" indent="0">
+              <a:buNone/>
+              <a:defRPr sz="1600" b="1"/>
+            </a:lvl7pPr>
+            <a:lvl8pPr marL="3200400" indent="0">
+              <a:buNone/>
+              <a:defRPr sz="1600" b="1"/>
+            </a:lvl8pPr>
+            <a:lvl9pPr marL="3657600" indent="0">
+              <a:buNone/>
+              <a:defRPr sz="1600" b="1"/>
+            </a:lvl9pPr>
+          </a:lstStyle>
+          <a:p>
+            <a:pPr lvl="0"/>
+            <a:r>
+              <a:rPr lang="ja-JP" altLang="en-US" smtClean="0"/>
+              <a:t>マスター テキストの書式設定</a:t>
+            </a:r>
+          </a:p>
+        </p:txBody>
+      </p:sp>
+      <p:sp>
+        <p:nvSpPr>
+          <p:cNvPr id="6" name="Content Placeholder 5"/>
+          <p:cNvSpPr>
+            <a:spLocks noGrp="1"/>
+          </p:cNvSpPr>
+          <p:nvPr>
+            <p:ph sz="quarter" idx="4"/>
+          </p:nvPr>
+        </p:nvSpPr>
+        <p:spPr>
+          <a:xfrm>
+            <a:off x="4629150" y="2505075"/>
+            <a:ext cx="3887391" cy="3684588"/>
+          </a:xfrm>
+        </p:spPr>
+        <p:txBody>
+          <a:bodyPr/>
+          <a:lstStyle/>
+          <a:p>
+            <a:pPr lvl="0"/>
+            <a:r>
+              <a:rPr lang="ja-JP" altLang="en-US" smtClean="0"/>
+              <a:t>マスター テキストの書式設定</a:t>
+            </a:r>
+          </a:p>
+          <a:p>
+            <a:pPr lvl="1"/>
+            <a:r>
+              <a:rPr lang="ja-JP" altLang="en-US" smtClean="0"/>
+              <a:t>第 </a:t>
+            </a:r>
+            <a:r>
+              <a:rPr lang="en-US" altLang="ja-JP" smtClean="0"/>
+              <a:t>2 </a:t>
+            </a:r>
+            <a:r>
+              <a:rPr lang="ja-JP" altLang="en-US" smtClean="0"/>
+              <a:t>レベル</a:t>
+            </a:r>
+          </a:p>
+          <a:p>
+            <a:pPr lvl="2"/>
+            <a:r>
+              <a:rPr lang="ja-JP" altLang="en-US" smtClean="0"/>
+              <a:t>第 </a:t>
+            </a:r>
+            <a:r>
+              <a:rPr lang="en-US" altLang="ja-JP" smtClean="0"/>
+              <a:t>3 </a:t>
+            </a:r>
+            <a:r>
+              <a:rPr lang="ja-JP" altLang="en-US" smtClean="0"/>
+              <a:t>レベル</a:t>
+            </a:r>
+          </a:p>
+          <a:p>
+            <a:pPr lvl="3"/>
+            <a:r>
+              <a:rPr lang="ja-JP" altLang="en-US" smtClean="0"/>
+              <a:t>第 </a:t>
+            </a:r>
+            <a:r>
+              <a:rPr lang="en-US" altLang="ja-JP" smtClean="0"/>
+              <a:t>4 </a:t>
+            </a:r>
+            <a:r>
+              <a:rPr lang="ja-JP" altLang="en-US" smtClean="0"/>
+              <a:t>レベル</a:t>
+            </a:r>
+          </a:p>
+          <a:p>
+            <a:pPr lvl="4"/>
+            <a:r>
+              <a:rPr lang="ja-JP" altLang="en-US" smtClean="0"/>
+              <a:t>第 </a:t>
+            </a:r>
+            <a:r>
+              <a:rPr lang="en-US" altLang="ja-JP" smtClean="0"/>
+              <a:t>5 </a:t>
+            </a:r>
+            <a:r>
+              <a:rPr lang="ja-JP" altLang="en-US" smtClean="0"/>
+              <a:t>レベル</a:t>
+            </a:r>
+            <a:endParaRPr lang="en-US" dirty="0"/>
+          </a:p>
+        </p:txBody>
+      </p:sp>
+      <p:sp>
+        <p:nvSpPr>
+          <p:cNvPr id="7" name="Date Placeholder 6"/>
+          <p:cNvSpPr>
+            <a:spLocks noGrp="1"/>
+          </p:cNvSpPr>
+          <p:nvPr>
+            <p:ph type="dt" sz="half" idx="10"/>
+          </p:nvPr>
+        </p:nvSpPr>
+        <p:spPr/>
+        <p:txBody>
+          <a:bodyPr/>
+          <a:lstStyle/>
+          <a:p>
+            <a:pPr marL="0" marR="0" lvl="0" indent="0" algn="l" defTabSz="914400" rtl="0" eaLnBrk="1" fontAlgn="auto" latinLnBrk="0" hangingPunct="1">
+              <a:lnSpc>
+                <a:spcPct val="100000"/>
+              </a:lnSpc>
+              <a:spcBef>
+                <a:spcPts val="0"/>
+              </a:spcBef>
+              <a:spcAft>
+                <a:spcPts val="0"/>
+              </a:spcAft>
+              <a:buClrTx/>
+              <a:buSzTx/>
+              <a:buFontTx/>
+              <a:buNone/>
+              <a:tabLst/>
+              <a:defRPr/>
+            </a:pPr>
+            <a:fld id="{61CCA7E4-DD06-47A6-A9BF-5514CFA3738D}" type="datetime1">
+              <a:rPr kumimoji="1" lang="ja-JP" altLang="en-US" sz="1200" b="0" i="0" u="none" strike="noStrike" kern="1200" cap="none" spc="0" normalizeH="0" baseline="0" noProof="0" smtClean="0">
+                <a:ln>
+                  <a:noFill/>
+                </a:ln>
+                <a:solidFill>
+                  <a:prstClr val="black">
+                    <a:tint val="75000"/>
+                  </a:prstClr>
+                </a:solidFill>
+                <a:effectLst/>
+                <a:uLnTx/>
+                <a:uFillTx/>
+                <a:latin typeface="Calibri" panose="020F0502020204030204"/>
+                <a:ea typeface="游ゴシック" panose="020B0400000000000000" pitchFamily="50" charset="-128"/>
+                <a:cs typeface="+mn-cs"/>
+              </a:rPr>
+              <a:pPr marL="0" marR="0" lvl="0" indent="0" algn="l" defTabSz="914400" rtl="0" eaLnBrk="1" fontAlgn="auto" latinLnBrk="0" hangingPunct="1">
+                <a:lnSpc>
+                  <a:spcPct val="100000"/>
+                </a:lnSpc>
+                <a:spcBef>
+                  <a:spcPts val="0"/>
+                </a:spcBef>
+                <a:spcAft>
+                  <a:spcPts val="0"/>
+                </a:spcAft>
+                <a:buClrTx/>
+                <a:buSzTx/>
+                <a:buFontTx/>
+                <a:buNone/>
+                <a:tabLst/>
+                <a:defRPr/>
+              </a:pPr>
+              <a:t>2021/7/23</a:t>
+            </a:fld>
+            <a:endParaRPr kumimoji="1" lang="ja-JP" altLang="en-US" sz="1200" b="0" i="0" u="none" strike="noStrike" kern="1200" cap="none" spc="0" normalizeH="0" baseline="0" noProof="0">
+              <a:ln>
+                <a:noFill/>
+              </a:ln>
+              <a:solidFill>
+                <a:prstClr val="black">
+                  <a:tint val="75000"/>
+                </a:prstClr>
+              </a:solidFill>
+              <a:effectLst/>
+              <a:uLnTx/>
+              <a:uFillTx/>
+              <a:latin typeface="Calibri" panose="020F0502020204030204"/>
+              <a:ea typeface="游ゴシック" panose="020B0400000000000000" pitchFamily="50" charset="-128"/>
+              <a:cs typeface="+mn-cs"/>
+            </a:endParaRPr>
+          </a:p>
+        </p:txBody>
+      </p:sp>
+      <p:sp>
+        <p:nvSpPr>
+          <p:cNvPr id="8" name="Footer Placeholder 7"/>
+          <p:cNvSpPr>
+            <a:spLocks noGrp="1"/>
+          </p:cNvSpPr>
+          <p:nvPr>
+            <p:ph type="ftr" sz="quarter" idx="11"/>
+          </p:nvPr>
+        </p:nvSpPr>
+        <p:spPr/>
+        <p:txBody>
+          <a:bodyPr/>
+          <a:lstStyle/>
+          <a:p>
+            <a:pPr marL="0" marR="0" lvl="0" indent="0" algn="ctr" defTabSz="914400" rtl="0" eaLnBrk="1" fontAlgn="auto" latinLnBrk="0" hangingPunct="1">
+              <a:lnSpc>
+                <a:spcPct val="100000"/>
+              </a:lnSpc>
+              <a:spcBef>
+                <a:spcPts val="0"/>
+              </a:spcBef>
+              <a:spcAft>
+                <a:spcPts val="0"/>
+              </a:spcAft>
+              <a:buClrTx/>
+              <a:buSzTx/>
+              <a:buFontTx/>
+              <a:buNone/>
+              <a:tabLst/>
+              <a:defRPr/>
+            </a:pPr>
+            <a:endParaRPr kumimoji="1" lang="ja-JP" altLang="en-US" sz="1200" b="0" i="0" u="none" strike="noStrike" kern="1200" cap="none" spc="0" normalizeH="0" baseline="0" noProof="0">
+              <a:ln>
+                <a:noFill/>
+              </a:ln>
+              <a:solidFill>
+                <a:prstClr val="black">
+                  <a:tint val="75000"/>
+                </a:prstClr>
+              </a:solidFill>
+              <a:effectLst/>
+              <a:uLnTx/>
+              <a:uFillTx/>
+              <a:latin typeface="Calibri" panose="020F0502020204030204"/>
+              <a:ea typeface="游ゴシック" panose="020B0400000000000000" pitchFamily="50" charset="-128"/>
+              <a:cs typeface="+mn-cs"/>
+            </a:endParaRPr>
+          </a:p>
+        </p:txBody>
+      </p:sp>
+      <p:sp>
+        <p:nvSpPr>
+          <p:cNvPr id="9" name="Slide Number Placeholder 8"/>
+          <p:cNvSpPr>
+            <a:spLocks noGrp="1"/>
+          </p:cNvSpPr>
+          <p:nvPr>
+            <p:ph type="sldNum" sz="quarter" idx="12"/>
+          </p:nvPr>
+        </p:nvSpPr>
+        <p:spPr/>
+        <p:txBody>
+          <a:bodyPr/>
+          <a:lstStyle/>
+          <a:p>
+            <a:pPr marL="0" marR="0" lvl="0" indent="0" algn="r" defTabSz="914400" rtl="0" eaLnBrk="1" fontAlgn="auto" latinLnBrk="0" hangingPunct="1">
+              <a:lnSpc>
+                <a:spcPct val="100000"/>
+              </a:lnSpc>
+              <a:spcBef>
+                <a:spcPts val="0"/>
+              </a:spcBef>
+              <a:spcAft>
+                <a:spcPts val="0"/>
+              </a:spcAft>
+              <a:buClrTx/>
+              <a:buSzTx/>
+              <a:buFontTx/>
+              <a:buNone/>
+              <a:tabLst/>
+              <a:defRPr/>
+            </a:pPr>
+            <a:fld id="{BCFEE6ED-AA2C-49EB-A172-8063C2D7D298}" type="slidenum">
+              <a:rPr kumimoji="1" lang="ja-JP" altLang="en-US" sz="1200" b="0" i="0" u="none" strike="noStrike" kern="1200" cap="none" spc="0" normalizeH="0" baseline="0" noProof="0" smtClean="0">
+                <a:ln>
+                  <a:noFill/>
+                </a:ln>
+                <a:solidFill>
+                  <a:prstClr val="black">
+                    <a:tint val="75000"/>
+                  </a:prstClr>
+                </a:solidFill>
+                <a:effectLst/>
+                <a:uLnTx/>
+                <a:uFillTx/>
+                <a:latin typeface="Calibri" panose="020F0502020204030204"/>
+                <a:ea typeface="游ゴシック" panose="020B0400000000000000" pitchFamily="50" charset="-128"/>
+                <a:cs typeface="+mn-cs"/>
+              </a:rPr>
+              <a:pPr marL="0" marR="0" lvl="0" indent="0" algn="r" defTabSz="914400" rtl="0" eaLnBrk="1" fontAlgn="auto" latinLnBrk="0" hangingPunct="1">
+                <a:lnSpc>
+                  <a:spcPct val="100000"/>
+                </a:lnSpc>
+                <a:spcBef>
+                  <a:spcPts val="0"/>
+                </a:spcBef>
+                <a:spcAft>
+                  <a:spcPts val="0"/>
+                </a:spcAft>
+                <a:buClrTx/>
+                <a:buSzTx/>
+                <a:buFontTx/>
+                <a:buNone/>
+                <a:tabLst/>
+                <a:defRPr/>
+              </a:pPr>
+              <a:t>‹#›</a:t>
+            </a:fld>
+            <a:endParaRPr kumimoji="1" lang="ja-JP" altLang="en-US" sz="1200" b="0" i="0" u="none" strike="noStrike" kern="1200" cap="none" spc="0" normalizeH="0" baseline="0" noProof="0">
+              <a:ln>
+                <a:noFill/>
+              </a:ln>
+              <a:solidFill>
+                <a:prstClr val="black">
+                  <a:tint val="75000"/>
+                </a:prstClr>
+              </a:solidFill>
+              <a:effectLst/>
+              <a:uLnTx/>
+              <a:uFillTx/>
+              <a:latin typeface="Calibri" panose="020F0502020204030204"/>
+              <a:ea typeface="游ゴシック" panose="020B0400000000000000" pitchFamily="50" charset="-128"/>
+              <a:cs typeface="+mn-cs"/>
+            </a:endParaRPr>
+          </a:p>
+        </p:txBody>
+      </p:sp>
+    </p:spTree>
+    <p:extLst>
+      <p:ext uri="{BB962C8B-B14F-4D97-AF65-F5344CB8AC3E}">
+        <p14:creationId xmlns:p14="http://schemas.microsoft.com/office/powerpoint/2010/main" val="1090704947"/>
+      </p:ext>
+    </p:extLst>
+  </p:cSld>
+  <p:clrMapOvr>
+    <a:masterClrMapping/>
+  </p:clrMapOvr>
+</p:sldLayout>
+</file>
+
+<file path=ppt/slideLayouts/slideLayout17.xml><?xml version="1.0" encoding="utf-8"?>
+<p:sldLayout xmlns:a="http://schemas.openxmlformats.org/drawingml/2006/main" xmlns:r="http://schemas.openxmlformats.org/officeDocument/2006/relationships" xmlns:p="http://schemas.openxmlformats.org/presentationml/2006/main" type="titleOnly" preserve="1">
+  <p:cSld name="タイトルのみ">
+    <p:spTree>
+      <p:nvGrpSpPr>
+        <p:cNvPr id="1" name=""/>
+        <p:cNvGrpSpPr/>
+        <p:nvPr/>
+      </p:nvGrpSpPr>
+      <p:grpSpPr>
+        <a:xfrm>
+          <a:off x="0" y="0"/>
+          <a:ext cx="0" cy="0"/>
+          <a:chOff x="0" y="0"/>
+          <a:chExt cx="0" cy="0"/>
+        </a:xfrm>
+      </p:grpSpPr>
+      <p:sp>
+        <p:nvSpPr>
+          <p:cNvPr id="2" name="Title 1"/>
+          <p:cNvSpPr>
+            <a:spLocks noGrp="1"/>
+          </p:cNvSpPr>
+          <p:nvPr>
+            <p:ph type="title"/>
+          </p:nvPr>
+        </p:nvSpPr>
+        <p:spPr/>
+        <p:txBody>
+          <a:bodyPr/>
+          <a:lstStyle/>
+          <a:p>
+            <a:r>
+              <a:rPr lang="ja-JP" altLang="en-US" smtClean="0"/>
+              <a:t>マスター タイトルの書式設定</a:t>
+            </a:r>
+            <a:endParaRPr lang="en-US" dirty="0"/>
+          </a:p>
+        </p:txBody>
+      </p:sp>
+      <p:sp>
+        <p:nvSpPr>
+          <p:cNvPr id="3" name="Date Placeholder 2"/>
+          <p:cNvSpPr>
+            <a:spLocks noGrp="1"/>
+          </p:cNvSpPr>
+          <p:nvPr>
+            <p:ph type="dt" sz="half" idx="10"/>
+          </p:nvPr>
+        </p:nvSpPr>
+        <p:spPr/>
+        <p:txBody>
+          <a:bodyPr/>
+          <a:lstStyle/>
+          <a:p>
+            <a:pPr marL="0" marR="0" lvl="0" indent="0" algn="l" defTabSz="914400" rtl="0" eaLnBrk="1" fontAlgn="auto" latinLnBrk="0" hangingPunct="1">
+              <a:lnSpc>
+                <a:spcPct val="100000"/>
+              </a:lnSpc>
+              <a:spcBef>
+                <a:spcPts val="0"/>
+              </a:spcBef>
+              <a:spcAft>
+                <a:spcPts val="0"/>
+              </a:spcAft>
+              <a:buClrTx/>
+              <a:buSzTx/>
+              <a:buFontTx/>
+              <a:buNone/>
+              <a:tabLst/>
+              <a:defRPr/>
+            </a:pPr>
+            <a:fld id="{C2D7ACD4-93BF-456B-9C65-6572D2D89EFB}" type="datetime1">
+              <a:rPr kumimoji="1" lang="ja-JP" altLang="en-US" sz="1200" b="0" i="0" u="none" strike="noStrike" kern="1200" cap="none" spc="0" normalizeH="0" baseline="0" noProof="0" smtClean="0">
+                <a:ln>
+                  <a:noFill/>
+                </a:ln>
+                <a:solidFill>
+                  <a:prstClr val="black">
+                    <a:tint val="75000"/>
+                  </a:prstClr>
+                </a:solidFill>
+                <a:effectLst/>
+                <a:uLnTx/>
+                <a:uFillTx/>
+                <a:latin typeface="Calibri" panose="020F0502020204030204"/>
+                <a:ea typeface="游ゴシック" panose="020B0400000000000000" pitchFamily="50" charset="-128"/>
+                <a:cs typeface="+mn-cs"/>
+              </a:rPr>
+              <a:pPr marL="0" marR="0" lvl="0" indent="0" algn="l" defTabSz="914400" rtl="0" eaLnBrk="1" fontAlgn="auto" latinLnBrk="0" hangingPunct="1">
+                <a:lnSpc>
+                  <a:spcPct val="100000"/>
+                </a:lnSpc>
+                <a:spcBef>
+                  <a:spcPts val="0"/>
+                </a:spcBef>
+                <a:spcAft>
+                  <a:spcPts val="0"/>
+                </a:spcAft>
+                <a:buClrTx/>
+                <a:buSzTx/>
+                <a:buFontTx/>
+                <a:buNone/>
+                <a:tabLst/>
+                <a:defRPr/>
+              </a:pPr>
+              <a:t>2021/7/23</a:t>
+            </a:fld>
+            <a:endParaRPr kumimoji="1" lang="ja-JP" altLang="en-US" sz="1200" b="0" i="0" u="none" strike="noStrike" kern="1200" cap="none" spc="0" normalizeH="0" baseline="0" noProof="0">
+              <a:ln>
+                <a:noFill/>
+              </a:ln>
+              <a:solidFill>
+                <a:prstClr val="black">
+                  <a:tint val="75000"/>
+                </a:prstClr>
+              </a:solidFill>
+              <a:effectLst/>
+              <a:uLnTx/>
+              <a:uFillTx/>
+              <a:latin typeface="Calibri" panose="020F0502020204030204"/>
+              <a:ea typeface="游ゴシック" panose="020B0400000000000000" pitchFamily="50" charset="-128"/>
+              <a:cs typeface="+mn-cs"/>
+            </a:endParaRPr>
+          </a:p>
+        </p:txBody>
+      </p:sp>
+      <p:sp>
+        <p:nvSpPr>
+          <p:cNvPr id="4" name="Footer Placeholder 3"/>
+          <p:cNvSpPr>
+            <a:spLocks noGrp="1"/>
+          </p:cNvSpPr>
+          <p:nvPr>
+            <p:ph type="ftr" sz="quarter" idx="11"/>
+          </p:nvPr>
+        </p:nvSpPr>
+        <p:spPr/>
+        <p:txBody>
+          <a:bodyPr/>
+          <a:lstStyle/>
+          <a:p>
+            <a:pPr marL="0" marR="0" lvl="0" indent="0" algn="ctr" defTabSz="914400" rtl="0" eaLnBrk="1" fontAlgn="auto" latinLnBrk="0" hangingPunct="1">
+              <a:lnSpc>
+                <a:spcPct val="100000"/>
+              </a:lnSpc>
+              <a:spcBef>
+                <a:spcPts val="0"/>
+              </a:spcBef>
+              <a:spcAft>
+                <a:spcPts val="0"/>
+              </a:spcAft>
+              <a:buClrTx/>
+              <a:buSzTx/>
+              <a:buFontTx/>
+              <a:buNone/>
+              <a:tabLst/>
+              <a:defRPr/>
+            </a:pPr>
+            <a:endParaRPr kumimoji="1" lang="ja-JP" altLang="en-US" sz="1200" b="0" i="0" u="none" strike="noStrike" kern="1200" cap="none" spc="0" normalizeH="0" baseline="0" noProof="0">
+              <a:ln>
+                <a:noFill/>
+              </a:ln>
+              <a:solidFill>
+                <a:prstClr val="black">
+                  <a:tint val="75000"/>
+                </a:prstClr>
+              </a:solidFill>
+              <a:effectLst/>
+              <a:uLnTx/>
+              <a:uFillTx/>
+              <a:latin typeface="Calibri" panose="020F0502020204030204"/>
+              <a:ea typeface="游ゴシック" panose="020B0400000000000000" pitchFamily="50" charset="-128"/>
+              <a:cs typeface="+mn-cs"/>
+            </a:endParaRPr>
+          </a:p>
+        </p:txBody>
+      </p:sp>
+      <p:sp>
+        <p:nvSpPr>
+          <p:cNvPr id="5" name="Slide Number Placeholder 4"/>
+          <p:cNvSpPr>
+            <a:spLocks noGrp="1"/>
+          </p:cNvSpPr>
+          <p:nvPr>
+            <p:ph type="sldNum" sz="quarter" idx="12"/>
+          </p:nvPr>
+        </p:nvSpPr>
+        <p:spPr/>
+        <p:txBody>
+          <a:bodyPr/>
+          <a:lstStyle/>
+          <a:p>
+            <a:pPr marL="0" marR="0" lvl="0" indent="0" algn="r" defTabSz="914400" rtl="0" eaLnBrk="1" fontAlgn="auto" latinLnBrk="0" hangingPunct="1">
+              <a:lnSpc>
+                <a:spcPct val="100000"/>
+              </a:lnSpc>
+              <a:spcBef>
+                <a:spcPts val="0"/>
+              </a:spcBef>
+              <a:spcAft>
+                <a:spcPts val="0"/>
+              </a:spcAft>
+              <a:buClrTx/>
+              <a:buSzTx/>
+              <a:buFontTx/>
+              <a:buNone/>
+              <a:tabLst/>
+              <a:defRPr/>
+            </a:pPr>
+            <a:fld id="{BCFEE6ED-AA2C-49EB-A172-8063C2D7D298}" type="slidenum">
+              <a:rPr kumimoji="1" lang="ja-JP" altLang="en-US" sz="1200" b="0" i="0" u="none" strike="noStrike" kern="1200" cap="none" spc="0" normalizeH="0" baseline="0" noProof="0" smtClean="0">
+                <a:ln>
+                  <a:noFill/>
+                </a:ln>
+                <a:solidFill>
+                  <a:prstClr val="black">
+                    <a:tint val="75000"/>
+                  </a:prstClr>
+                </a:solidFill>
+                <a:effectLst/>
+                <a:uLnTx/>
+                <a:uFillTx/>
+                <a:latin typeface="Calibri" panose="020F0502020204030204"/>
+                <a:ea typeface="游ゴシック" panose="020B0400000000000000" pitchFamily="50" charset="-128"/>
+                <a:cs typeface="+mn-cs"/>
+              </a:rPr>
+              <a:pPr marL="0" marR="0" lvl="0" indent="0" algn="r" defTabSz="914400" rtl="0" eaLnBrk="1" fontAlgn="auto" latinLnBrk="0" hangingPunct="1">
+                <a:lnSpc>
+                  <a:spcPct val="100000"/>
+                </a:lnSpc>
+                <a:spcBef>
+                  <a:spcPts val="0"/>
+                </a:spcBef>
+                <a:spcAft>
+                  <a:spcPts val="0"/>
+                </a:spcAft>
+                <a:buClrTx/>
+                <a:buSzTx/>
+                <a:buFontTx/>
+                <a:buNone/>
+                <a:tabLst/>
+                <a:defRPr/>
+              </a:pPr>
+              <a:t>‹#›</a:t>
+            </a:fld>
+            <a:endParaRPr kumimoji="1" lang="ja-JP" altLang="en-US" sz="1200" b="0" i="0" u="none" strike="noStrike" kern="1200" cap="none" spc="0" normalizeH="0" baseline="0" noProof="0">
+              <a:ln>
+                <a:noFill/>
+              </a:ln>
+              <a:solidFill>
+                <a:prstClr val="black">
+                  <a:tint val="75000"/>
+                </a:prstClr>
+              </a:solidFill>
+              <a:effectLst/>
+              <a:uLnTx/>
+              <a:uFillTx/>
+              <a:latin typeface="Calibri" panose="020F0502020204030204"/>
+              <a:ea typeface="游ゴシック" panose="020B0400000000000000" pitchFamily="50" charset="-128"/>
+              <a:cs typeface="+mn-cs"/>
+            </a:endParaRPr>
+          </a:p>
+        </p:txBody>
+      </p:sp>
+    </p:spTree>
+    <p:extLst>
+      <p:ext uri="{BB962C8B-B14F-4D97-AF65-F5344CB8AC3E}">
+        <p14:creationId xmlns:p14="http://schemas.microsoft.com/office/powerpoint/2010/main" val="863648522"/>
+      </p:ext>
+    </p:extLst>
+  </p:cSld>
+  <p:clrMapOvr>
+    <a:masterClrMapping/>
+  </p:clrMapOvr>
+</p:sldLayout>
+</file>
+
+<file path=ppt/slideLayouts/slideLayout18.xml><?xml version="1.0" encoding="utf-8"?>
+<p:sldLayout xmlns:a="http://schemas.openxmlformats.org/drawingml/2006/main" xmlns:r="http://schemas.openxmlformats.org/officeDocument/2006/relationships" xmlns:p="http://schemas.openxmlformats.org/presentationml/2006/main" type="blank" preserve="1">
+  <p:cSld name="白紙">
+    <p:spTree>
+      <p:nvGrpSpPr>
+        <p:cNvPr id="1" name=""/>
+        <p:cNvGrpSpPr/>
+        <p:nvPr/>
+      </p:nvGrpSpPr>
+      <p:grpSpPr>
+        <a:xfrm>
+          <a:off x="0" y="0"/>
+          <a:ext cx="0" cy="0"/>
+          <a:chOff x="0" y="0"/>
+          <a:chExt cx="0" cy="0"/>
+        </a:xfrm>
+      </p:grpSpPr>
+      <p:sp>
+        <p:nvSpPr>
+          <p:cNvPr id="2" name="Date Placeholder 1"/>
+          <p:cNvSpPr>
+            <a:spLocks noGrp="1"/>
+          </p:cNvSpPr>
+          <p:nvPr>
+            <p:ph type="dt" sz="half" idx="10"/>
+          </p:nvPr>
+        </p:nvSpPr>
+        <p:spPr/>
+        <p:txBody>
+          <a:bodyPr/>
+          <a:lstStyle/>
+          <a:p>
+            <a:pPr marL="0" marR="0" lvl="0" indent="0" algn="l" defTabSz="914400" rtl="0" eaLnBrk="1" fontAlgn="auto" latinLnBrk="0" hangingPunct="1">
+              <a:lnSpc>
+                <a:spcPct val="100000"/>
+              </a:lnSpc>
+              <a:spcBef>
+                <a:spcPts val="0"/>
+              </a:spcBef>
+              <a:spcAft>
+                <a:spcPts val="0"/>
+              </a:spcAft>
+              <a:buClrTx/>
+              <a:buSzTx/>
+              <a:buFontTx/>
+              <a:buNone/>
+              <a:tabLst/>
+              <a:defRPr/>
+            </a:pPr>
+            <a:fld id="{E6E063D4-91D8-4B21-9A43-6932836FF006}" type="datetime1">
+              <a:rPr kumimoji="1" lang="ja-JP" altLang="en-US" sz="1200" b="0" i="0" u="none" strike="noStrike" kern="1200" cap="none" spc="0" normalizeH="0" baseline="0" noProof="0" smtClean="0">
+                <a:ln>
+                  <a:noFill/>
+                </a:ln>
+                <a:solidFill>
+                  <a:prstClr val="black">
+                    <a:tint val="75000"/>
+                  </a:prstClr>
+                </a:solidFill>
+                <a:effectLst/>
+                <a:uLnTx/>
+                <a:uFillTx/>
+                <a:latin typeface="Calibri" panose="020F0502020204030204"/>
+                <a:ea typeface="游ゴシック" panose="020B0400000000000000" pitchFamily="50" charset="-128"/>
+                <a:cs typeface="+mn-cs"/>
+              </a:rPr>
+              <a:pPr marL="0" marR="0" lvl="0" indent="0" algn="l" defTabSz="914400" rtl="0" eaLnBrk="1" fontAlgn="auto" latinLnBrk="0" hangingPunct="1">
+                <a:lnSpc>
+                  <a:spcPct val="100000"/>
+                </a:lnSpc>
+                <a:spcBef>
+                  <a:spcPts val="0"/>
+                </a:spcBef>
+                <a:spcAft>
+                  <a:spcPts val="0"/>
+                </a:spcAft>
+                <a:buClrTx/>
+                <a:buSzTx/>
+                <a:buFontTx/>
+                <a:buNone/>
+                <a:tabLst/>
+                <a:defRPr/>
+              </a:pPr>
+              <a:t>2021/7/23</a:t>
+            </a:fld>
+            <a:endParaRPr kumimoji="1" lang="ja-JP" altLang="en-US" sz="1200" b="0" i="0" u="none" strike="noStrike" kern="1200" cap="none" spc="0" normalizeH="0" baseline="0" noProof="0">
+              <a:ln>
+                <a:noFill/>
+              </a:ln>
+              <a:solidFill>
+                <a:prstClr val="black">
+                  <a:tint val="75000"/>
+                </a:prstClr>
+              </a:solidFill>
+              <a:effectLst/>
+              <a:uLnTx/>
+              <a:uFillTx/>
+              <a:latin typeface="Calibri" panose="020F0502020204030204"/>
+              <a:ea typeface="游ゴシック" panose="020B0400000000000000" pitchFamily="50" charset="-128"/>
+              <a:cs typeface="+mn-cs"/>
+            </a:endParaRPr>
+          </a:p>
+        </p:txBody>
+      </p:sp>
+      <p:sp>
+        <p:nvSpPr>
+          <p:cNvPr id="3" name="Footer Placeholder 2"/>
+          <p:cNvSpPr>
+            <a:spLocks noGrp="1"/>
+          </p:cNvSpPr>
+          <p:nvPr>
+            <p:ph type="ftr" sz="quarter" idx="11"/>
+          </p:nvPr>
+        </p:nvSpPr>
+        <p:spPr/>
+        <p:txBody>
+          <a:bodyPr/>
+          <a:lstStyle/>
+          <a:p>
+            <a:pPr marL="0" marR="0" lvl="0" indent="0" algn="ctr" defTabSz="914400" rtl="0" eaLnBrk="1" fontAlgn="auto" latinLnBrk="0" hangingPunct="1">
+              <a:lnSpc>
+                <a:spcPct val="100000"/>
+              </a:lnSpc>
+              <a:spcBef>
+                <a:spcPts val="0"/>
+              </a:spcBef>
+              <a:spcAft>
+                <a:spcPts val="0"/>
+              </a:spcAft>
+              <a:buClrTx/>
+              <a:buSzTx/>
+              <a:buFontTx/>
+              <a:buNone/>
+              <a:tabLst/>
+              <a:defRPr/>
+            </a:pPr>
+            <a:endParaRPr kumimoji="1" lang="ja-JP" altLang="en-US" sz="1200" b="0" i="0" u="none" strike="noStrike" kern="1200" cap="none" spc="0" normalizeH="0" baseline="0" noProof="0">
+              <a:ln>
+                <a:noFill/>
+              </a:ln>
+              <a:solidFill>
+                <a:prstClr val="black">
+                  <a:tint val="75000"/>
+                </a:prstClr>
+              </a:solidFill>
+              <a:effectLst/>
+              <a:uLnTx/>
+              <a:uFillTx/>
+              <a:latin typeface="Calibri" panose="020F0502020204030204"/>
+              <a:ea typeface="游ゴシック" panose="020B0400000000000000" pitchFamily="50" charset="-128"/>
+              <a:cs typeface="+mn-cs"/>
+            </a:endParaRPr>
+          </a:p>
+        </p:txBody>
+      </p:sp>
+      <p:sp>
+        <p:nvSpPr>
+          <p:cNvPr id="4" name="Slide Number Placeholder 3"/>
+          <p:cNvSpPr>
+            <a:spLocks noGrp="1"/>
+          </p:cNvSpPr>
+          <p:nvPr>
+            <p:ph type="sldNum" sz="quarter" idx="12"/>
+          </p:nvPr>
+        </p:nvSpPr>
+        <p:spPr/>
+        <p:txBody>
+          <a:bodyPr/>
+          <a:lstStyle/>
+          <a:p>
+            <a:pPr marL="0" marR="0" lvl="0" indent="0" algn="r" defTabSz="914400" rtl="0" eaLnBrk="1" fontAlgn="auto" latinLnBrk="0" hangingPunct="1">
+              <a:lnSpc>
+                <a:spcPct val="100000"/>
+              </a:lnSpc>
+              <a:spcBef>
+                <a:spcPts val="0"/>
+              </a:spcBef>
+              <a:spcAft>
+                <a:spcPts val="0"/>
+              </a:spcAft>
+              <a:buClrTx/>
+              <a:buSzTx/>
+              <a:buFontTx/>
+              <a:buNone/>
+              <a:tabLst/>
+              <a:defRPr/>
+            </a:pPr>
+            <a:fld id="{BCFEE6ED-AA2C-49EB-A172-8063C2D7D298}" type="slidenum">
+              <a:rPr kumimoji="1" lang="ja-JP" altLang="en-US" sz="1200" b="0" i="0" u="none" strike="noStrike" kern="1200" cap="none" spc="0" normalizeH="0" baseline="0" noProof="0" smtClean="0">
+                <a:ln>
+                  <a:noFill/>
+                </a:ln>
+                <a:solidFill>
+                  <a:prstClr val="black">
+                    <a:tint val="75000"/>
+                  </a:prstClr>
+                </a:solidFill>
+                <a:effectLst/>
+                <a:uLnTx/>
+                <a:uFillTx/>
+                <a:latin typeface="Calibri" panose="020F0502020204030204"/>
+                <a:ea typeface="游ゴシック" panose="020B0400000000000000" pitchFamily="50" charset="-128"/>
+                <a:cs typeface="+mn-cs"/>
+              </a:rPr>
+              <a:pPr marL="0" marR="0" lvl="0" indent="0" algn="r" defTabSz="914400" rtl="0" eaLnBrk="1" fontAlgn="auto" latinLnBrk="0" hangingPunct="1">
+                <a:lnSpc>
+                  <a:spcPct val="100000"/>
+                </a:lnSpc>
+                <a:spcBef>
+                  <a:spcPts val="0"/>
+                </a:spcBef>
+                <a:spcAft>
+                  <a:spcPts val="0"/>
+                </a:spcAft>
+                <a:buClrTx/>
+                <a:buSzTx/>
+                <a:buFontTx/>
+                <a:buNone/>
+                <a:tabLst/>
+                <a:defRPr/>
+              </a:pPr>
+              <a:t>‹#›</a:t>
+            </a:fld>
+            <a:endParaRPr kumimoji="1" lang="ja-JP" altLang="en-US" sz="1200" b="0" i="0" u="none" strike="noStrike" kern="1200" cap="none" spc="0" normalizeH="0" baseline="0" noProof="0">
+              <a:ln>
+                <a:noFill/>
+              </a:ln>
+              <a:solidFill>
+                <a:prstClr val="black">
+                  <a:tint val="75000"/>
+                </a:prstClr>
+              </a:solidFill>
+              <a:effectLst/>
+              <a:uLnTx/>
+              <a:uFillTx/>
+              <a:latin typeface="Calibri" panose="020F0502020204030204"/>
+              <a:ea typeface="游ゴシック" panose="020B0400000000000000" pitchFamily="50" charset="-128"/>
+              <a:cs typeface="+mn-cs"/>
+            </a:endParaRPr>
+          </a:p>
+        </p:txBody>
+      </p:sp>
+    </p:spTree>
+    <p:extLst>
+      <p:ext uri="{BB962C8B-B14F-4D97-AF65-F5344CB8AC3E}">
+        <p14:creationId xmlns:p14="http://schemas.microsoft.com/office/powerpoint/2010/main" val="72659727"/>
+      </p:ext>
+    </p:extLst>
+  </p:cSld>
+  <p:clrMapOvr>
+    <a:masterClrMapping/>
+  </p:clrMapOvr>
+</p:sldLayout>
+</file>
+
+<file path=ppt/slideLayouts/slideLayout19.xml><?xml version="1.0" encoding="utf-8"?>
+<p:sldLayout xmlns:a="http://schemas.openxmlformats.org/drawingml/2006/main" xmlns:r="http://schemas.openxmlformats.org/officeDocument/2006/relationships" xmlns:p="http://schemas.openxmlformats.org/presentationml/2006/main" type="objTx" preserve="1">
+  <p:cSld name="タイトル付きの&#10;コンテンツ">
+    <p:spTree>
+      <p:nvGrpSpPr>
+        <p:cNvPr id="1" name=""/>
+        <p:cNvGrpSpPr/>
+        <p:nvPr/>
+      </p:nvGrpSpPr>
+      <p:grpSpPr>
+        <a:xfrm>
+          <a:off x="0" y="0"/>
+          <a:ext cx="0" cy="0"/>
+          <a:chOff x="0" y="0"/>
+          <a:chExt cx="0" cy="0"/>
+        </a:xfrm>
+      </p:grpSpPr>
+      <p:sp>
+        <p:nvSpPr>
+          <p:cNvPr id="2" name="Title 1"/>
+          <p:cNvSpPr>
+            <a:spLocks noGrp="1"/>
+          </p:cNvSpPr>
+          <p:nvPr>
+            <p:ph type="title"/>
+          </p:nvPr>
+        </p:nvSpPr>
+        <p:spPr>
+          <a:xfrm>
+            <a:off x="629841" y="457200"/>
+            <a:ext cx="2949178" cy="1600200"/>
+          </a:xfrm>
+        </p:spPr>
+        <p:txBody>
+          <a:bodyPr anchor="b"/>
+          <a:lstStyle>
+            <a:lvl1pPr>
+              <a:defRPr sz="3200"/>
+            </a:lvl1pPr>
+          </a:lstStyle>
+          <a:p>
+            <a:r>
+              <a:rPr lang="ja-JP" altLang="en-US" smtClean="0"/>
+              <a:t>マスター タイトルの書式設定</a:t>
+            </a:r>
+            <a:endParaRPr lang="en-US" dirty="0"/>
+          </a:p>
+        </p:txBody>
+      </p:sp>
+      <p:sp>
+        <p:nvSpPr>
+          <p:cNvPr id="3" name="Content Placeholder 2"/>
+          <p:cNvSpPr>
+            <a:spLocks noGrp="1"/>
+          </p:cNvSpPr>
+          <p:nvPr>
+            <p:ph idx="1"/>
+          </p:nvPr>
+        </p:nvSpPr>
+        <p:spPr>
+          <a:xfrm>
+            <a:off x="3887391" y="987426"/>
+            <a:ext cx="4629150" cy="4873625"/>
+          </a:xfrm>
+        </p:spPr>
+        <p:txBody>
+          <a:bodyPr/>
+          <a:lstStyle>
+            <a:lvl1pPr>
+              <a:defRPr sz="3200"/>
+            </a:lvl1pPr>
+            <a:lvl2pPr>
+              <a:defRPr sz="2800"/>
+            </a:lvl2pPr>
+            <a:lvl3pPr>
+              <a:defRPr sz="2400"/>
+            </a:lvl3pPr>
+            <a:lvl4pPr>
+              <a:defRPr sz="2000"/>
+            </a:lvl4pPr>
+            <a:lvl5pPr>
+              <a:defRPr sz="2000"/>
+            </a:lvl5pPr>
+            <a:lvl6pPr>
+              <a:defRPr sz="2000"/>
+            </a:lvl6pPr>
+            <a:lvl7pPr>
+              <a:defRPr sz="2000"/>
+            </a:lvl7pPr>
+            <a:lvl8pPr>
+              <a:defRPr sz="2000"/>
+            </a:lvl8pPr>
+            <a:lvl9pPr>
+              <a:defRPr sz="2000"/>
+            </a:lvl9pPr>
+          </a:lstStyle>
+          <a:p>
+            <a:pPr lvl="0"/>
+            <a:r>
+              <a:rPr lang="ja-JP" altLang="en-US" smtClean="0"/>
+              <a:t>マスター テキストの書式設定</a:t>
+            </a:r>
+          </a:p>
+          <a:p>
+            <a:pPr lvl="1"/>
+            <a:r>
+              <a:rPr lang="ja-JP" altLang="en-US" smtClean="0"/>
+              <a:t>第 </a:t>
+            </a:r>
+            <a:r>
+              <a:rPr lang="en-US" altLang="ja-JP" smtClean="0"/>
+              <a:t>2 </a:t>
+            </a:r>
+            <a:r>
+              <a:rPr lang="ja-JP" altLang="en-US" smtClean="0"/>
+              <a:t>レベル</a:t>
+            </a:r>
+          </a:p>
+          <a:p>
+            <a:pPr lvl="2"/>
+            <a:r>
+              <a:rPr lang="ja-JP" altLang="en-US" smtClean="0"/>
+              <a:t>第 </a:t>
+            </a:r>
+            <a:r>
+              <a:rPr lang="en-US" altLang="ja-JP" smtClean="0"/>
+              <a:t>3 </a:t>
+            </a:r>
+            <a:r>
+              <a:rPr lang="ja-JP" altLang="en-US" smtClean="0"/>
+              <a:t>レベル</a:t>
+            </a:r>
+          </a:p>
+          <a:p>
+            <a:pPr lvl="3"/>
+            <a:r>
+              <a:rPr lang="ja-JP" altLang="en-US" smtClean="0"/>
+              <a:t>第 </a:t>
+            </a:r>
+            <a:r>
+              <a:rPr lang="en-US" altLang="ja-JP" smtClean="0"/>
+              <a:t>4 </a:t>
+            </a:r>
+            <a:r>
+              <a:rPr lang="ja-JP" altLang="en-US" smtClean="0"/>
+              <a:t>レベル</a:t>
+            </a:r>
+          </a:p>
+          <a:p>
+            <a:pPr lvl="4"/>
+            <a:r>
+              <a:rPr lang="ja-JP" altLang="en-US" smtClean="0"/>
+              <a:t>第 </a:t>
+            </a:r>
+            <a:r>
+              <a:rPr lang="en-US" altLang="ja-JP" smtClean="0"/>
+              <a:t>5 </a:t>
+            </a:r>
+            <a:r>
+              <a:rPr lang="ja-JP" altLang="en-US" smtClean="0"/>
+              <a:t>レベル</a:t>
+            </a:r>
+            <a:endParaRPr lang="en-US" dirty="0"/>
+          </a:p>
+        </p:txBody>
+      </p:sp>
+      <p:sp>
+        <p:nvSpPr>
+          <p:cNvPr id="4" name="Text Placeholder 3"/>
+          <p:cNvSpPr>
+            <a:spLocks noGrp="1"/>
+          </p:cNvSpPr>
+          <p:nvPr>
+            <p:ph type="body" sz="half" idx="2"/>
+          </p:nvPr>
+        </p:nvSpPr>
+        <p:spPr>
+          <a:xfrm>
+            <a:off x="629841" y="2057400"/>
+            <a:ext cx="2949178" cy="3811588"/>
+          </a:xfrm>
+        </p:spPr>
+        <p:txBody>
+          <a:bodyPr/>
+          <a:lstStyle>
+            <a:lvl1pPr marL="0" indent="0">
+              <a:buNone/>
+              <a:defRPr sz="1600"/>
+            </a:lvl1pPr>
+            <a:lvl2pPr marL="457200" indent="0">
+              <a:buNone/>
+              <a:defRPr sz="1400"/>
+            </a:lvl2pPr>
+            <a:lvl3pPr marL="914400" indent="0">
+              <a:buNone/>
+              <a:defRPr sz="1200"/>
+            </a:lvl3pPr>
+            <a:lvl4pPr marL="1371600" indent="0">
+              <a:buNone/>
+              <a:defRPr sz="1000"/>
+            </a:lvl4pPr>
+            <a:lvl5pPr marL="1828800" indent="0">
+              <a:buNone/>
+              <a:defRPr sz="1000"/>
+            </a:lvl5pPr>
+            <a:lvl6pPr marL="2286000" indent="0">
+              <a:buNone/>
+              <a:defRPr sz="1000"/>
+            </a:lvl6pPr>
+            <a:lvl7pPr marL="2743200" indent="0">
+              <a:buNone/>
+              <a:defRPr sz="1000"/>
+            </a:lvl7pPr>
+            <a:lvl8pPr marL="3200400" indent="0">
+              <a:buNone/>
+              <a:defRPr sz="1000"/>
+            </a:lvl8pPr>
+            <a:lvl9pPr marL="3657600" indent="0">
+              <a:buNone/>
+              <a:defRPr sz="1000"/>
+            </a:lvl9pPr>
+          </a:lstStyle>
+          <a:p>
+            <a:pPr lvl="0"/>
+            <a:r>
+              <a:rPr lang="ja-JP" altLang="en-US" smtClean="0"/>
+              <a:t>マスター テキストの書式設定</a:t>
+            </a:r>
+          </a:p>
+        </p:txBody>
+      </p:sp>
+      <p:sp>
+        <p:nvSpPr>
+          <p:cNvPr id="5" name="Date Placeholder 4"/>
+          <p:cNvSpPr>
+            <a:spLocks noGrp="1"/>
+          </p:cNvSpPr>
+          <p:nvPr>
+            <p:ph type="dt" sz="half" idx="10"/>
+          </p:nvPr>
+        </p:nvSpPr>
+        <p:spPr/>
+        <p:txBody>
+          <a:bodyPr/>
+          <a:lstStyle/>
+          <a:p>
+            <a:pPr marL="0" marR="0" lvl="0" indent="0" algn="l" defTabSz="914400" rtl="0" eaLnBrk="1" fontAlgn="auto" latinLnBrk="0" hangingPunct="1">
+              <a:lnSpc>
+                <a:spcPct val="100000"/>
+              </a:lnSpc>
+              <a:spcBef>
+                <a:spcPts val="0"/>
+              </a:spcBef>
+              <a:spcAft>
+                <a:spcPts val="0"/>
+              </a:spcAft>
+              <a:buClrTx/>
+              <a:buSzTx/>
+              <a:buFontTx/>
+              <a:buNone/>
+              <a:tabLst/>
+              <a:defRPr/>
+            </a:pPr>
+            <a:fld id="{2CE8BC5D-8696-4761-A671-A859DD02E086}" type="datetime1">
+              <a:rPr kumimoji="1" lang="ja-JP" altLang="en-US" sz="1200" b="0" i="0" u="none" strike="noStrike" kern="1200" cap="none" spc="0" normalizeH="0" baseline="0" noProof="0" smtClean="0">
+                <a:ln>
+                  <a:noFill/>
+                </a:ln>
+                <a:solidFill>
+                  <a:prstClr val="black">
+                    <a:tint val="75000"/>
+                  </a:prstClr>
+                </a:solidFill>
+                <a:effectLst/>
+                <a:uLnTx/>
+                <a:uFillTx/>
+                <a:latin typeface="Calibri" panose="020F0502020204030204"/>
+                <a:ea typeface="游ゴシック" panose="020B0400000000000000" pitchFamily="50" charset="-128"/>
+                <a:cs typeface="+mn-cs"/>
+              </a:rPr>
+              <a:pPr marL="0" marR="0" lvl="0" indent="0" algn="l" defTabSz="914400" rtl="0" eaLnBrk="1" fontAlgn="auto" latinLnBrk="0" hangingPunct="1">
+                <a:lnSpc>
+                  <a:spcPct val="100000"/>
+                </a:lnSpc>
+                <a:spcBef>
+                  <a:spcPts val="0"/>
+                </a:spcBef>
+                <a:spcAft>
+                  <a:spcPts val="0"/>
+                </a:spcAft>
+                <a:buClrTx/>
+                <a:buSzTx/>
+                <a:buFontTx/>
+                <a:buNone/>
+                <a:tabLst/>
+                <a:defRPr/>
+              </a:pPr>
+              <a:t>2021/7/23</a:t>
+            </a:fld>
+            <a:endParaRPr kumimoji="1" lang="ja-JP" altLang="en-US" sz="1200" b="0" i="0" u="none" strike="noStrike" kern="1200" cap="none" spc="0" normalizeH="0" baseline="0" noProof="0">
+              <a:ln>
+                <a:noFill/>
+              </a:ln>
+              <a:solidFill>
+                <a:prstClr val="black">
+                  <a:tint val="75000"/>
+                </a:prstClr>
+              </a:solidFill>
+              <a:effectLst/>
+              <a:uLnTx/>
+              <a:uFillTx/>
+              <a:latin typeface="Calibri" panose="020F0502020204030204"/>
+              <a:ea typeface="游ゴシック" panose="020B0400000000000000" pitchFamily="50" charset="-128"/>
+              <a:cs typeface="+mn-cs"/>
+            </a:endParaRPr>
+          </a:p>
+        </p:txBody>
+      </p:sp>
+      <p:sp>
+        <p:nvSpPr>
+          <p:cNvPr id="6" name="Footer Placeholder 5"/>
+          <p:cNvSpPr>
+            <a:spLocks noGrp="1"/>
+          </p:cNvSpPr>
+          <p:nvPr>
+            <p:ph type="ftr" sz="quarter" idx="11"/>
+          </p:nvPr>
+        </p:nvSpPr>
+        <p:spPr/>
+        <p:txBody>
+          <a:bodyPr/>
+          <a:lstStyle/>
+          <a:p>
+            <a:pPr marL="0" marR="0" lvl="0" indent="0" algn="ctr" defTabSz="914400" rtl="0" eaLnBrk="1" fontAlgn="auto" latinLnBrk="0" hangingPunct="1">
+              <a:lnSpc>
+                <a:spcPct val="100000"/>
+              </a:lnSpc>
+              <a:spcBef>
+                <a:spcPts val="0"/>
+              </a:spcBef>
+              <a:spcAft>
+                <a:spcPts val="0"/>
+              </a:spcAft>
+              <a:buClrTx/>
+              <a:buSzTx/>
+              <a:buFontTx/>
+              <a:buNone/>
+              <a:tabLst/>
+              <a:defRPr/>
+            </a:pPr>
+            <a:endParaRPr kumimoji="1" lang="ja-JP" altLang="en-US" sz="1200" b="0" i="0" u="none" strike="noStrike" kern="1200" cap="none" spc="0" normalizeH="0" baseline="0" noProof="0">
+              <a:ln>
+                <a:noFill/>
+              </a:ln>
+              <a:solidFill>
+                <a:prstClr val="black">
+                  <a:tint val="75000"/>
+                </a:prstClr>
+              </a:solidFill>
+              <a:effectLst/>
+              <a:uLnTx/>
+              <a:uFillTx/>
+              <a:latin typeface="Calibri" panose="020F0502020204030204"/>
+              <a:ea typeface="游ゴシック" panose="020B0400000000000000" pitchFamily="50" charset="-128"/>
+              <a:cs typeface="+mn-cs"/>
+            </a:endParaRPr>
+          </a:p>
+        </p:txBody>
+      </p:sp>
+      <p:sp>
+        <p:nvSpPr>
+          <p:cNvPr id="7" name="Slide Number Placeholder 6"/>
+          <p:cNvSpPr>
+            <a:spLocks noGrp="1"/>
+          </p:cNvSpPr>
+          <p:nvPr>
+            <p:ph type="sldNum" sz="quarter" idx="12"/>
+          </p:nvPr>
+        </p:nvSpPr>
+        <p:spPr/>
+        <p:txBody>
+          <a:bodyPr/>
+          <a:lstStyle/>
+          <a:p>
+            <a:pPr marL="0" marR="0" lvl="0" indent="0" algn="r" defTabSz="914400" rtl="0" eaLnBrk="1" fontAlgn="auto" latinLnBrk="0" hangingPunct="1">
+              <a:lnSpc>
+                <a:spcPct val="100000"/>
+              </a:lnSpc>
+              <a:spcBef>
+                <a:spcPts val="0"/>
+              </a:spcBef>
+              <a:spcAft>
+                <a:spcPts val="0"/>
+              </a:spcAft>
+              <a:buClrTx/>
+              <a:buSzTx/>
+              <a:buFontTx/>
+              <a:buNone/>
+              <a:tabLst/>
+              <a:defRPr/>
+            </a:pPr>
+            <a:fld id="{BCFEE6ED-AA2C-49EB-A172-8063C2D7D298}" type="slidenum">
+              <a:rPr kumimoji="1" lang="ja-JP" altLang="en-US" sz="1200" b="0" i="0" u="none" strike="noStrike" kern="1200" cap="none" spc="0" normalizeH="0" baseline="0" noProof="0" smtClean="0">
+                <a:ln>
+                  <a:noFill/>
+                </a:ln>
+                <a:solidFill>
+                  <a:prstClr val="black">
+                    <a:tint val="75000"/>
+                  </a:prstClr>
+                </a:solidFill>
+                <a:effectLst/>
+                <a:uLnTx/>
+                <a:uFillTx/>
+                <a:latin typeface="Calibri" panose="020F0502020204030204"/>
+                <a:ea typeface="游ゴシック" panose="020B0400000000000000" pitchFamily="50" charset="-128"/>
+                <a:cs typeface="+mn-cs"/>
+              </a:rPr>
+              <a:pPr marL="0" marR="0" lvl="0" indent="0" algn="r" defTabSz="914400" rtl="0" eaLnBrk="1" fontAlgn="auto" latinLnBrk="0" hangingPunct="1">
+                <a:lnSpc>
+                  <a:spcPct val="100000"/>
+                </a:lnSpc>
+                <a:spcBef>
+                  <a:spcPts val="0"/>
+                </a:spcBef>
+                <a:spcAft>
+                  <a:spcPts val="0"/>
+                </a:spcAft>
+                <a:buClrTx/>
+                <a:buSzTx/>
+                <a:buFontTx/>
+                <a:buNone/>
+                <a:tabLst/>
+                <a:defRPr/>
+              </a:pPr>
+              <a:t>‹#›</a:t>
+            </a:fld>
+            <a:endParaRPr kumimoji="1" lang="ja-JP" altLang="en-US" sz="1200" b="0" i="0" u="none" strike="noStrike" kern="1200" cap="none" spc="0" normalizeH="0" baseline="0" noProof="0">
+              <a:ln>
+                <a:noFill/>
+              </a:ln>
+              <a:solidFill>
+                <a:prstClr val="black">
+                  <a:tint val="75000"/>
+                </a:prstClr>
+              </a:solidFill>
+              <a:effectLst/>
+              <a:uLnTx/>
+              <a:uFillTx/>
+              <a:latin typeface="Calibri" panose="020F0502020204030204"/>
+              <a:ea typeface="游ゴシック" panose="020B0400000000000000" pitchFamily="50" charset="-128"/>
+              <a:cs typeface="+mn-cs"/>
+            </a:endParaRPr>
+          </a:p>
+        </p:txBody>
+      </p:sp>
+    </p:spTree>
+    <p:extLst>
+      <p:ext uri="{BB962C8B-B14F-4D97-AF65-F5344CB8AC3E}">
+        <p14:creationId xmlns:p14="http://schemas.microsoft.com/office/powerpoint/2010/main" val="1556109322"/>
+      </p:ext>
+    </p:extLst>
+  </p:cSld>
+  <p:clrMapOvr>
+    <a:masterClrMapping/>
+  </p:clrMapOvr>
+</p:sldLayout>
+</file>
+
 <file path=ppt/slideLayouts/slideLayout2.xml><?xml version="1.0" encoding="utf-8"?>
 <p:sldLayout xmlns:a="http://schemas.openxmlformats.org/drawingml/2006/main" xmlns:r="http://schemas.openxmlformats.org/officeDocument/2006/relationships" xmlns:p="http://schemas.openxmlformats.org/presentationml/2006/main" type="obj" preserve="1">
   <p:cSld name="タイトルとコンテンツ">
@@ -1410,7 +4580,11 @@
         <p:spPr/>
         <p:txBody>
           <a:bodyPr/>
-          <a:lstStyle/>
+          <a:lstStyle>
+            <a:lvl1pPr>
+              <a:defRPr sz="3200"/>
+            </a:lvl1pPr>
+          </a:lstStyle>
           <a:p>
             <a:fld id="{B4451160-128F-4DAD-AE29-4A8CC0E7B9E9}" type="slidenum">
               <a:rPr lang="ja-JP" altLang="en-US" smtClean="0"/>
@@ -1425,6 +4599,1157 @@
     <p:extLst>
       <p:ext uri="{BB962C8B-B14F-4D97-AF65-F5344CB8AC3E}">
         <p14:creationId xmlns:p14="http://schemas.microsoft.com/office/powerpoint/2010/main" val="1616002814"/>
+      </p:ext>
+    </p:extLst>
+  </p:cSld>
+  <p:clrMapOvr>
+    <a:masterClrMapping/>
+  </p:clrMapOvr>
+</p:sldLayout>
+</file>
+
+<file path=ppt/slideLayouts/slideLayout20.xml><?xml version="1.0" encoding="utf-8"?>
+<p:sldLayout xmlns:a="http://schemas.openxmlformats.org/drawingml/2006/main" xmlns:r="http://schemas.openxmlformats.org/officeDocument/2006/relationships" xmlns:p="http://schemas.openxmlformats.org/presentationml/2006/main" type="picTx" preserve="1">
+  <p:cSld name="タイトル付きの図">
+    <p:spTree>
+      <p:nvGrpSpPr>
+        <p:cNvPr id="1" name=""/>
+        <p:cNvGrpSpPr/>
+        <p:nvPr/>
+      </p:nvGrpSpPr>
+      <p:grpSpPr>
+        <a:xfrm>
+          <a:off x="0" y="0"/>
+          <a:ext cx="0" cy="0"/>
+          <a:chOff x="0" y="0"/>
+          <a:chExt cx="0" cy="0"/>
+        </a:xfrm>
+      </p:grpSpPr>
+      <p:sp>
+        <p:nvSpPr>
+          <p:cNvPr id="2" name="Title 1"/>
+          <p:cNvSpPr>
+            <a:spLocks noGrp="1"/>
+          </p:cNvSpPr>
+          <p:nvPr>
+            <p:ph type="title"/>
+          </p:nvPr>
+        </p:nvSpPr>
+        <p:spPr>
+          <a:xfrm>
+            <a:off x="629841" y="457200"/>
+            <a:ext cx="2949178" cy="1600200"/>
+          </a:xfrm>
+        </p:spPr>
+        <p:txBody>
+          <a:bodyPr anchor="b"/>
+          <a:lstStyle>
+            <a:lvl1pPr>
+              <a:defRPr sz="3200"/>
+            </a:lvl1pPr>
+          </a:lstStyle>
+          <a:p>
+            <a:r>
+              <a:rPr lang="ja-JP" altLang="en-US" smtClean="0"/>
+              <a:t>マスター タイトルの書式設定</a:t>
+            </a:r>
+            <a:endParaRPr lang="en-US" dirty="0"/>
+          </a:p>
+        </p:txBody>
+      </p:sp>
+      <p:sp>
+        <p:nvSpPr>
+          <p:cNvPr id="3" name="Picture Placeholder 2"/>
+          <p:cNvSpPr>
+            <a:spLocks noGrp="1" noChangeAspect="1"/>
+          </p:cNvSpPr>
+          <p:nvPr>
+            <p:ph type="pic" idx="1"/>
+          </p:nvPr>
+        </p:nvSpPr>
+        <p:spPr>
+          <a:xfrm>
+            <a:off x="3887391" y="987426"/>
+            <a:ext cx="4629150" cy="4873625"/>
+          </a:xfrm>
+        </p:spPr>
+        <p:txBody>
+          <a:bodyPr anchor="t"/>
+          <a:lstStyle>
+            <a:lvl1pPr marL="0" indent="0">
+              <a:buNone/>
+              <a:defRPr sz="3200"/>
+            </a:lvl1pPr>
+            <a:lvl2pPr marL="457200" indent="0">
+              <a:buNone/>
+              <a:defRPr sz="2800"/>
+            </a:lvl2pPr>
+            <a:lvl3pPr marL="914400" indent="0">
+              <a:buNone/>
+              <a:defRPr sz="2400"/>
+            </a:lvl3pPr>
+            <a:lvl4pPr marL="1371600" indent="0">
+              <a:buNone/>
+              <a:defRPr sz="2000"/>
+            </a:lvl4pPr>
+            <a:lvl5pPr marL="1828800" indent="0">
+              <a:buNone/>
+              <a:defRPr sz="2000"/>
+            </a:lvl5pPr>
+            <a:lvl6pPr marL="2286000" indent="0">
+              <a:buNone/>
+              <a:defRPr sz="2000"/>
+            </a:lvl6pPr>
+            <a:lvl7pPr marL="2743200" indent="0">
+              <a:buNone/>
+              <a:defRPr sz="2000"/>
+            </a:lvl7pPr>
+            <a:lvl8pPr marL="3200400" indent="0">
+              <a:buNone/>
+              <a:defRPr sz="2000"/>
+            </a:lvl8pPr>
+            <a:lvl9pPr marL="3657600" indent="0">
+              <a:buNone/>
+              <a:defRPr sz="2000"/>
+            </a:lvl9pPr>
+          </a:lstStyle>
+          <a:p>
+            <a:r>
+              <a:rPr lang="ja-JP" altLang="en-US" smtClean="0"/>
+              <a:t>図を追加</a:t>
+            </a:r>
+            <a:endParaRPr lang="en-US" dirty="0"/>
+          </a:p>
+        </p:txBody>
+      </p:sp>
+      <p:sp>
+        <p:nvSpPr>
+          <p:cNvPr id="4" name="Text Placeholder 3"/>
+          <p:cNvSpPr>
+            <a:spLocks noGrp="1"/>
+          </p:cNvSpPr>
+          <p:nvPr>
+            <p:ph type="body" sz="half" idx="2"/>
+          </p:nvPr>
+        </p:nvSpPr>
+        <p:spPr>
+          <a:xfrm>
+            <a:off x="629841" y="2057400"/>
+            <a:ext cx="2949178" cy="3811588"/>
+          </a:xfrm>
+        </p:spPr>
+        <p:txBody>
+          <a:bodyPr/>
+          <a:lstStyle>
+            <a:lvl1pPr marL="0" indent="0">
+              <a:buNone/>
+              <a:defRPr sz="1600"/>
+            </a:lvl1pPr>
+            <a:lvl2pPr marL="457200" indent="0">
+              <a:buNone/>
+              <a:defRPr sz="1400"/>
+            </a:lvl2pPr>
+            <a:lvl3pPr marL="914400" indent="0">
+              <a:buNone/>
+              <a:defRPr sz="1200"/>
+            </a:lvl3pPr>
+            <a:lvl4pPr marL="1371600" indent="0">
+              <a:buNone/>
+              <a:defRPr sz="1000"/>
+            </a:lvl4pPr>
+            <a:lvl5pPr marL="1828800" indent="0">
+              <a:buNone/>
+              <a:defRPr sz="1000"/>
+            </a:lvl5pPr>
+            <a:lvl6pPr marL="2286000" indent="0">
+              <a:buNone/>
+              <a:defRPr sz="1000"/>
+            </a:lvl6pPr>
+            <a:lvl7pPr marL="2743200" indent="0">
+              <a:buNone/>
+              <a:defRPr sz="1000"/>
+            </a:lvl7pPr>
+            <a:lvl8pPr marL="3200400" indent="0">
+              <a:buNone/>
+              <a:defRPr sz="1000"/>
+            </a:lvl8pPr>
+            <a:lvl9pPr marL="3657600" indent="0">
+              <a:buNone/>
+              <a:defRPr sz="1000"/>
+            </a:lvl9pPr>
+          </a:lstStyle>
+          <a:p>
+            <a:pPr lvl="0"/>
+            <a:r>
+              <a:rPr lang="ja-JP" altLang="en-US" smtClean="0"/>
+              <a:t>マスター テキストの書式設定</a:t>
+            </a:r>
+          </a:p>
+        </p:txBody>
+      </p:sp>
+      <p:sp>
+        <p:nvSpPr>
+          <p:cNvPr id="5" name="Date Placeholder 4"/>
+          <p:cNvSpPr>
+            <a:spLocks noGrp="1"/>
+          </p:cNvSpPr>
+          <p:nvPr>
+            <p:ph type="dt" sz="half" idx="10"/>
+          </p:nvPr>
+        </p:nvSpPr>
+        <p:spPr/>
+        <p:txBody>
+          <a:bodyPr/>
+          <a:lstStyle/>
+          <a:p>
+            <a:pPr marL="0" marR="0" lvl="0" indent="0" algn="l" defTabSz="914400" rtl="0" eaLnBrk="1" fontAlgn="auto" latinLnBrk="0" hangingPunct="1">
+              <a:lnSpc>
+                <a:spcPct val="100000"/>
+              </a:lnSpc>
+              <a:spcBef>
+                <a:spcPts val="0"/>
+              </a:spcBef>
+              <a:spcAft>
+                <a:spcPts val="0"/>
+              </a:spcAft>
+              <a:buClrTx/>
+              <a:buSzTx/>
+              <a:buFontTx/>
+              <a:buNone/>
+              <a:tabLst/>
+              <a:defRPr/>
+            </a:pPr>
+            <a:fld id="{82735B9C-9FB4-4E9A-9540-F617C773E17B}" type="datetime1">
+              <a:rPr kumimoji="1" lang="ja-JP" altLang="en-US" sz="1200" b="0" i="0" u="none" strike="noStrike" kern="1200" cap="none" spc="0" normalizeH="0" baseline="0" noProof="0" smtClean="0">
+                <a:ln>
+                  <a:noFill/>
+                </a:ln>
+                <a:solidFill>
+                  <a:prstClr val="black">
+                    <a:tint val="75000"/>
+                  </a:prstClr>
+                </a:solidFill>
+                <a:effectLst/>
+                <a:uLnTx/>
+                <a:uFillTx/>
+                <a:latin typeface="Calibri" panose="020F0502020204030204"/>
+                <a:ea typeface="游ゴシック" panose="020B0400000000000000" pitchFamily="50" charset="-128"/>
+                <a:cs typeface="+mn-cs"/>
+              </a:rPr>
+              <a:pPr marL="0" marR="0" lvl="0" indent="0" algn="l" defTabSz="914400" rtl="0" eaLnBrk="1" fontAlgn="auto" latinLnBrk="0" hangingPunct="1">
+                <a:lnSpc>
+                  <a:spcPct val="100000"/>
+                </a:lnSpc>
+                <a:spcBef>
+                  <a:spcPts val="0"/>
+                </a:spcBef>
+                <a:spcAft>
+                  <a:spcPts val="0"/>
+                </a:spcAft>
+                <a:buClrTx/>
+                <a:buSzTx/>
+                <a:buFontTx/>
+                <a:buNone/>
+                <a:tabLst/>
+                <a:defRPr/>
+              </a:pPr>
+              <a:t>2021/7/23</a:t>
+            </a:fld>
+            <a:endParaRPr kumimoji="1" lang="ja-JP" altLang="en-US" sz="1200" b="0" i="0" u="none" strike="noStrike" kern="1200" cap="none" spc="0" normalizeH="0" baseline="0" noProof="0">
+              <a:ln>
+                <a:noFill/>
+              </a:ln>
+              <a:solidFill>
+                <a:prstClr val="black">
+                  <a:tint val="75000"/>
+                </a:prstClr>
+              </a:solidFill>
+              <a:effectLst/>
+              <a:uLnTx/>
+              <a:uFillTx/>
+              <a:latin typeface="Calibri" panose="020F0502020204030204"/>
+              <a:ea typeface="游ゴシック" panose="020B0400000000000000" pitchFamily="50" charset="-128"/>
+              <a:cs typeface="+mn-cs"/>
+            </a:endParaRPr>
+          </a:p>
+        </p:txBody>
+      </p:sp>
+      <p:sp>
+        <p:nvSpPr>
+          <p:cNvPr id="6" name="Footer Placeholder 5"/>
+          <p:cNvSpPr>
+            <a:spLocks noGrp="1"/>
+          </p:cNvSpPr>
+          <p:nvPr>
+            <p:ph type="ftr" sz="quarter" idx="11"/>
+          </p:nvPr>
+        </p:nvSpPr>
+        <p:spPr/>
+        <p:txBody>
+          <a:bodyPr/>
+          <a:lstStyle/>
+          <a:p>
+            <a:pPr marL="0" marR="0" lvl="0" indent="0" algn="ctr" defTabSz="914400" rtl="0" eaLnBrk="1" fontAlgn="auto" latinLnBrk="0" hangingPunct="1">
+              <a:lnSpc>
+                <a:spcPct val="100000"/>
+              </a:lnSpc>
+              <a:spcBef>
+                <a:spcPts val="0"/>
+              </a:spcBef>
+              <a:spcAft>
+                <a:spcPts val="0"/>
+              </a:spcAft>
+              <a:buClrTx/>
+              <a:buSzTx/>
+              <a:buFontTx/>
+              <a:buNone/>
+              <a:tabLst/>
+              <a:defRPr/>
+            </a:pPr>
+            <a:endParaRPr kumimoji="1" lang="ja-JP" altLang="en-US" sz="1200" b="0" i="0" u="none" strike="noStrike" kern="1200" cap="none" spc="0" normalizeH="0" baseline="0" noProof="0">
+              <a:ln>
+                <a:noFill/>
+              </a:ln>
+              <a:solidFill>
+                <a:prstClr val="black">
+                  <a:tint val="75000"/>
+                </a:prstClr>
+              </a:solidFill>
+              <a:effectLst/>
+              <a:uLnTx/>
+              <a:uFillTx/>
+              <a:latin typeface="Calibri" panose="020F0502020204030204"/>
+              <a:ea typeface="游ゴシック" panose="020B0400000000000000" pitchFamily="50" charset="-128"/>
+              <a:cs typeface="+mn-cs"/>
+            </a:endParaRPr>
+          </a:p>
+        </p:txBody>
+      </p:sp>
+      <p:sp>
+        <p:nvSpPr>
+          <p:cNvPr id="7" name="Slide Number Placeholder 6"/>
+          <p:cNvSpPr>
+            <a:spLocks noGrp="1"/>
+          </p:cNvSpPr>
+          <p:nvPr>
+            <p:ph type="sldNum" sz="quarter" idx="12"/>
+          </p:nvPr>
+        </p:nvSpPr>
+        <p:spPr/>
+        <p:txBody>
+          <a:bodyPr/>
+          <a:lstStyle/>
+          <a:p>
+            <a:pPr marL="0" marR="0" lvl="0" indent="0" algn="r" defTabSz="914400" rtl="0" eaLnBrk="1" fontAlgn="auto" latinLnBrk="0" hangingPunct="1">
+              <a:lnSpc>
+                <a:spcPct val="100000"/>
+              </a:lnSpc>
+              <a:spcBef>
+                <a:spcPts val="0"/>
+              </a:spcBef>
+              <a:spcAft>
+                <a:spcPts val="0"/>
+              </a:spcAft>
+              <a:buClrTx/>
+              <a:buSzTx/>
+              <a:buFontTx/>
+              <a:buNone/>
+              <a:tabLst/>
+              <a:defRPr/>
+            </a:pPr>
+            <a:fld id="{BCFEE6ED-AA2C-49EB-A172-8063C2D7D298}" type="slidenum">
+              <a:rPr kumimoji="1" lang="ja-JP" altLang="en-US" sz="1200" b="0" i="0" u="none" strike="noStrike" kern="1200" cap="none" spc="0" normalizeH="0" baseline="0" noProof="0" smtClean="0">
+                <a:ln>
+                  <a:noFill/>
+                </a:ln>
+                <a:solidFill>
+                  <a:prstClr val="black">
+                    <a:tint val="75000"/>
+                  </a:prstClr>
+                </a:solidFill>
+                <a:effectLst/>
+                <a:uLnTx/>
+                <a:uFillTx/>
+                <a:latin typeface="Calibri" panose="020F0502020204030204"/>
+                <a:ea typeface="游ゴシック" panose="020B0400000000000000" pitchFamily="50" charset="-128"/>
+                <a:cs typeface="+mn-cs"/>
+              </a:rPr>
+              <a:pPr marL="0" marR="0" lvl="0" indent="0" algn="r" defTabSz="914400" rtl="0" eaLnBrk="1" fontAlgn="auto" latinLnBrk="0" hangingPunct="1">
+                <a:lnSpc>
+                  <a:spcPct val="100000"/>
+                </a:lnSpc>
+                <a:spcBef>
+                  <a:spcPts val="0"/>
+                </a:spcBef>
+                <a:spcAft>
+                  <a:spcPts val="0"/>
+                </a:spcAft>
+                <a:buClrTx/>
+                <a:buSzTx/>
+                <a:buFontTx/>
+                <a:buNone/>
+                <a:tabLst/>
+                <a:defRPr/>
+              </a:pPr>
+              <a:t>‹#›</a:t>
+            </a:fld>
+            <a:endParaRPr kumimoji="1" lang="ja-JP" altLang="en-US" sz="1200" b="0" i="0" u="none" strike="noStrike" kern="1200" cap="none" spc="0" normalizeH="0" baseline="0" noProof="0">
+              <a:ln>
+                <a:noFill/>
+              </a:ln>
+              <a:solidFill>
+                <a:prstClr val="black">
+                  <a:tint val="75000"/>
+                </a:prstClr>
+              </a:solidFill>
+              <a:effectLst/>
+              <a:uLnTx/>
+              <a:uFillTx/>
+              <a:latin typeface="Calibri" panose="020F0502020204030204"/>
+              <a:ea typeface="游ゴシック" panose="020B0400000000000000" pitchFamily="50" charset="-128"/>
+              <a:cs typeface="+mn-cs"/>
+            </a:endParaRPr>
+          </a:p>
+        </p:txBody>
+      </p:sp>
+    </p:spTree>
+    <p:extLst>
+      <p:ext uri="{BB962C8B-B14F-4D97-AF65-F5344CB8AC3E}">
+        <p14:creationId xmlns:p14="http://schemas.microsoft.com/office/powerpoint/2010/main" val="1302471684"/>
+      </p:ext>
+    </p:extLst>
+  </p:cSld>
+  <p:clrMapOvr>
+    <a:masterClrMapping/>
+  </p:clrMapOvr>
+</p:sldLayout>
+</file>
+
+<file path=ppt/slideLayouts/slideLayout21.xml><?xml version="1.0" encoding="utf-8"?>
+<p:sldLayout xmlns:a="http://schemas.openxmlformats.org/drawingml/2006/main" xmlns:r="http://schemas.openxmlformats.org/officeDocument/2006/relationships" xmlns:p="http://schemas.openxmlformats.org/presentationml/2006/main" type="vertTx" preserve="1">
+  <p:cSld name="タイトルと&#10;縦書きテキスト">
+    <p:spTree>
+      <p:nvGrpSpPr>
+        <p:cNvPr id="1" name=""/>
+        <p:cNvGrpSpPr/>
+        <p:nvPr/>
+      </p:nvGrpSpPr>
+      <p:grpSpPr>
+        <a:xfrm>
+          <a:off x="0" y="0"/>
+          <a:ext cx="0" cy="0"/>
+          <a:chOff x="0" y="0"/>
+          <a:chExt cx="0" cy="0"/>
+        </a:xfrm>
+      </p:grpSpPr>
+      <p:sp>
+        <p:nvSpPr>
+          <p:cNvPr id="2" name="Title 1"/>
+          <p:cNvSpPr>
+            <a:spLocks noGrp="1"/>
+          </p:cNvSpPr>
+          <p:nvPr>
+            <p:ph type="title"/>
+          </p:nvPr>
+        </p:nvSpPr>
+        <p:spPr/>
+        <p:txBody>
+          <a:bodyPr/>
+          <a:lstStyle/>
+          <a:p>
+            <a:r>
+              <a:rPr lang="ja-JP" altLang="en-US" smtClean="0"/>
+              <a:t>マスター タイトルの書式設定</a:t>
+            </a:r>
+            <a:endParaRPr lang="en-US" dirty="0"/>
+          </a:p>
+        </p:txBody>
+      </p:sp>
+      <p:sp>
+        <p:nvSpPr>
+          <p:cNvPr id="3" name="Vertical Text Placeholder 2"/>
+          <p:cNvSpPr>
+            <a:spLocks noGrp="1"/>
+          </p:cNvSpPr>
+          <p:nvPr>
+            <p:ph type="body" orient="vert" idx="1"/>
+          </p:nvPr>
+        </p:nvSpPr>
+        <p:spPr/>
+        <p:txBody>
+          <a:bodyPr vert="eaVert"/>
+          <a:lstStyle/>
+          <a:p>
+            <a:pPr lvl="0"/>
+            <a:r>
+              <a:rPr lang="ja-JP" altLang="en-US" smtClean="0"/>
+              <a:t>マスター テキストの書式設定</a:t>
+            </a:r>
+          </a:p>
+          <a:p>
+            <a:pPr lvl="1"/>
+            <a:r>
+              <a:rPr lang="ja-JP" altLang="en-US" smtClean="0"/>
+              <a:t>第 </a:t>
+            </a:r>
+            <a:r>
+              <a:rPr lang="en-US" altLang="ja-JP" smtClean="0"/>
+              <a:t>2 </a:t>
+            </a:r>
+            <a:r>
+              <a:rPr lang="ja-JP" altLang="en-US" smtClean="0"/>
+              <a:t>レベル</a:t>
+            </a:r>
+          </a:p>
+          <a:p>
+            <a:pPr lvl="2"/>
+            <a:r>
+              <a:rPr lang="ja-JP" altLang="en-US" smtClean="0"/>
+              <a:t>第 </a:t>
+            </a:r>
+            <a:r>
+              <a:rPr lang="en-US" altLang="ja-JP" smtClean="0"/>
+              <a:t>3 </a:t>
+            </a:r>
+            <a:r>
+              <a:rPr lang="ja-JP" altLang="en-US" smtClean="0"/>
+              <a:t>レベル</a:t>
+            </a:r>
+          </a:p>
+          <a:p>
+            <a:pPr lvl="3"/>
+            <a:r>
+              <a:rPr lang="ja-JP" altLang="en-US" smtClean="0"/>
+              <a:t>第 </a:t>
+            </a:r>
+            <a:r>
+              <a:rPr lang="en-US" altLang="ja-JP" smtClean="0"/>
+              <a:t>4 </a:t>
+            </a:r>
+            <a:r>
+              <a:rPr lang="ja-JP" altLang="en-US" smtClean="0"/>
+              <a:t>レベル</a:t>
+            </a:r>
+          </a:p>
+          <a:p>
+            <a:pPr lvl="4"/>
+            <a:r>
+              <a:rPr lang="ja-JP" altLang="en-US" smtClean="0"/>
+              <a:t>第 </a:t>
+            </a:r>
+            <a:r>
+              <a:rPr lang="en-US" altLang="ja-JP" smtClean="0"/>
+              <a:t>5 </a:t>
+            </a:r>
+            <a:r>
+              <a:rPr lang="ja-JP" altLang="en-US" smtClean="0"/>
+              <a:t>レベル</a:t>
+            </a:r>
+            <a:endParaRPr lang="en-US" dirty="0"/>
+          </a:p>
+        </p:txBody>
+      </p:sp>
+      <p:sp>
+        <p:nvSpPr>
+          <p:cNvPr id="4" name="Date Placeholder 3"/>
+          <p:cNvSpPr>
+            <a:spLocks noGrp="1"/>
+          </p:cNvSpPr>
+          <p:nvPr>
+            <p:ph type="dt" sz="half" idx="10"/>
+          </p:nvPr>
+        </p:nvSpPr>
+        <p:spPr/>
+        <p:txBody>
+          <a:bodyPr/>
+          <a:lstStyle/>
+          <a:p>
+            <a:pPr marL="0" marR="0" lvl="0" indent="0" algn="l" defTabSz="914400" rtl="0" eaLnBrk="1" fontAlgn="auto" latinLnBrk="0" hangingPunct="1">
+              <a:lnSpc>
+                <a:spcPct val="100000"/>
+              </a:lnSpc>
+              <a:spcBef>
+                <a:spcPts val="0"/>
+              </a:spcBef>
+              <a:spcAft>
+                <a:spcPts val="0"/>
+              </a:spcAft>
+              <a:buClrTx/>
+              <a:buSzTx/>
+              <a:buFontTx/>
+              <a:buNone/>
+              <a:tabLst/>
+              <a:defRPr/>
+            </a:pPr>
+            <a:fld id="{65B3E365-8942-46AE-8EB0-09708B58B06E}" type="datetime1">
+              <a:rPr kumimoji="1" lang="ja-JP" altLang="en-US" sz="1200" b="0" i="0" u="none" strike="noStrike" kern="1200" cap="none" spc="0" normalizeH="0" baseline="0" noProof="0" smtClean="0">
+                <a:ln>
+                  <a:noFill/>
+                </a:ln>
+                <a:solidFill>
+                  <a:prstClr val="black">
+                    <a:tint val="75000"/>
+                  </a:prstClr>
+                </a:solidFill>
+                <a:effectLst/>
+                <a:uLnTx/>
+                <a:uFillTx/>
+                <a:latin typeface="Calibri" panose="020F0502020204030204"/>
+                <a:ea typeface="游ゴシック" panose="020B0400000000000000" pitchFamily="50" charset="-128"/>
+                <a:cs typeface="+mn-cs"/>
+              </a:rPr>
+              <a:pPr marL="0" marR="0" lvl="0" indent="0" algn="l" defTabSz="914400" rtl="0" eaLnBrk="1" fontAlgn="auto" latinLnBrk="0" hangingPunct="1">
+                <a:lnSpc>
+                  <a:spcPct val="100000"/>
+                </a:lnSpc>
+                <a:spcBef>
+                  <a:spcPts val="0"/>
+                </a:spcBef>
+                <a:spcAft>
+                  <a:spcPts val="0"/>
+                </a:spcAft>
+                <a:buClrTx/>
+                <a:buSzTx/>
+                <a:buFontTx/>
+                <a:buNone/>
+                <a:tabLst/>
+                <a:defRPr/>
+              </a:pPr>
+              <a:t>2021/7/23</a:t>
+            </a:fld>
+            <a:endParaRPr kumimoji="1" lang="ja-JP" altLang="en-US" sz="1200" b="0" i="0" u="none" strike="noStrike" kern="1200" cap="none" spc="0" normalizeH="0" baseline="0" noProof="0">
+              <a:ln>
+                <a:noFill/>
+              </a:ln>
+              <a:solidFill>
+                <a:prstClr val="black">
+                  <a:tint val="75000"/>
+                </a:prstClr>
+              </a:solidFill>
+              <a:effectLst/>
+              <a:uLnTx/>
+              <a:uFillTx/>
+              <a:latin typeface="Calibri" panose="020F0502020204030204"/>
+              <a:ea typeface="游ゴシック" panose="020B0400000000000000" pitchFamily="50" charset="-128"/>
+              <a:cs typeface="+mn-cs"/>
+            </a:endParaRPr>
+          </a:p>
+        </p:txBody>
+      </p:sp>
+      <p:sp>
+        <p:nvSpPr>
+          <p:cNvPr id="5" name="Footer Placeholder 4"/>
+          <p:cNvSpPr>
+            <a:spLocks noGrp="1"/>
+          </p:cNvSpPr>
+          <p:nvPr>
+            <p:ph type="ftr" sz="quarter" idx="11"/>
+          </p:nvPr>
+        </p:nvSpPr>
+        <p:spPr/>
+        <p:txBody>
+          <a:bodyPr/>
+          <a:lstStyle/>
+          <a:p>
+            <a:pPr marL="0" marR="0" lvl="0" indent="0" algn="ctr" defTabSz="914400" rtl="0" eaLnBrk="1" fontAlgn="auto" latinLnBrk="0" hangingPunct="1">
+              <a:lnSpc>
+                <a:spcPct val="100000"/>
+              </a:lnSpc>
+              <a:spcBef>
+                <a:spcPts val="0"/>
+              </a:spcBef>
+              <a:spcAft>
+                <a:spcPts val="0"/>
+              </a:spcAft>
+              <a:buClrTx/>
+              <a:buSzTx/>
+              <a:buFontTx/>
+              <a:buNone/>
+              <a:tabLst/>
+              <a:defRPr/>
+            </a:pPr>
+            <a:endParaRPr kumimoji="1" lang="ja-JP" altLang="en-US" sz="1200" b="0" i="0" u="none" strike="noStrike" kern="1200" cap="none" spc="0" normalizeH="0" baseline="0" noProof="0">
+              <a:ln>
+                <a:noFill/>
+              </a:ln>
+              <a:solidFill>
+                <a:prstClr val="black">
+                  <a:tint val="75000"/>
+                </a:prstClr>
+              </a:solidFill>
+              <a:effectLst/>
+              <a:uLnTx/>
+              <a:uFillTx/>
+              <a:latin typeface="Calibri" panose="020F0502020204030204"/>
+              <a:ea typeface="游ゴシック" panose="020B0400000000000000" pitchFamily="50" charset="-128"/>
+              <a:cs typeface="+mn-cs"/>
+            </a:endParaRPr>
+          </a:p>
+        </p:txBody>
+      </p:sp>
+      <p:sp>
+        <p:nvSpPr>
+          <p:cNvPr id="6" name="Slide Number Placeholder 5"/>
+          <p:cNvSpPr>
+            <a:spLocks noGrp="1"/>
+          </p:cNvSpPr>
+          <p:nvPr>
+            <p:ph type="sldNum" sz="quarter" idx="12"/>
+          </p:nvPr>
+        </p:nvSpPr>
+        <p:spPr/>
+        <p:txBody>
+          <a:bodyPr/>
+          <a:lstStyle/>
+          <a:p>
+            <a:pPr marL="0" marR="0" lvl="0" indent="0" algn="r" defTabSz="914400" rtl="0" eaLnBrk="1" fontAlgn="auto" latinLnBrk="0" hangingPunct="1">
+              <a:lnSpc>
+                <a:spcPct val="100000"/>
+              </a:lnSpc>
+              <a:spcBef>
+                <a:spcPts val="0"/>
+              </a:spcBef>
+              <a:spcAft>
+                <a:spcPts val="0"/>
+              </a:spcAft>
+              <a:buClrTx/>
+              <a:buSzTx/>
+              <a:buFontTx/>
+              <a:buNone/>
+              <a:tabLst/>
+              <a:defRPr/>
+            </a:pPr>
+            <a:fld id="{BCFEE6ED-AA2C-49EB-A172-8063C2D7D298}" type="slidenum">
+              <a:rPr kumimoji="1" lang="ja-JP" altLang="en-US" sz="1200" b="0" i="0" u="none" strike="noStrike" kern="1200" cap="none" spc="0" normalizeH="0" baseline="0" noProof="0" smtClean="0">
+                <a:ln>
+                  <a:noFill/>
+                </a:ln>
+                <a:solidFill>
+                  <a:prstClr val="black">
+                    <a:tint val="75000"/>
+                  </a:prstClr>
+                </a:solidFill>
+                <a:effectLst/>
+                <a:uLnTx/>
+                <a:uFillTx/>
+                <a:latin typeface="Calibri" panose="020F0502020204030204"/>
+                <a:ea typeface="游ゴシック" panose="020B0400000000000000" pitchFamily="50" charset="-128"/>
+                <a:cs typeface="+mn-cs"/>
+              </a:rPr>
+              <a:pPr marL="0" marR="0" lvl="0" indent="0" algn="r" defTabSz="914400" rtl="0" eaLnBrk="1" fontAlgn="auto" latinLnBrk="0" hangingPunct="1">
+                <a:lnSpc>
+                  <a:spcPct val="100000"/>
+                </a:lnSpc>
+                <a:spcBef>
+                  <a:spcPts val="0"/>
+                </a:spcBef>
+                <a:spcAft>
+                  <a:spcPts val="0"/>
+                </a:spcAft>
+                <a:buClrTx/>
+                <a:buSzTx/>
+                <a:buFontTx/>
+                <a:buNone/>
+                <a:tabLst/>
+                <a:defRPr/>
+              </a:pPr>
+              <a:t>‹#›</a:t>
+            </a:fld>
+            <a:endParaRPr kumimoji="1" lang="ja-JP" altLang="en-US" sz="1200" b="0" i="0" u="none" strike="noStrike" kern="1200" cap="none" spc="0" normalizeH="0" baseline="0" noProof="0">
+              <a:ln>
+                <a:noFill/>
+              </a:ln>
+              <a:solidFill>
+                <a:prstClr val="black">
+                  <a:tint val="75000"/>
+                </a:prstClr>
+              </a:solidFill>
+              <a:effectLst/>
+              <a:uLnTx/>
+              <a:uFillTx/>
+              <a:latin typeface="Calibri" panose="020F0502020204030204"/>
+              <a:ea typeface="游ゴシック" panose="020B0400000000000000" pitchFamily="50" charset="-128"/>
+              <a:cs typeface="+mn-cs"/>
+            </a:endParaRPr>
+          </a:p>
+        </p:txBody>
+      </p:sp>
+    </p:spTree>
+    <p:extLst>
+      <p:ext uri="{BB962C8B-B14F-4D97-AF65-F5344CB8AC3E}">
+        <p14:creationId xmlns:p14="http://schemas.microsoft.com/office/powerpoint/2010/main" val="1714235078"/>
+      </p:ext>
+    </p:extLst>
+  </p:cSld>
+  <p:clrMapOvr>
+    <a:masterClrMapping/>
+  </p:clrMapOvr>
+</p:sldLayout>
+</file>
+
+<file path=ppt/slideLayouts/slideLayout22.xml><?xml version="1.0" encoding="utf-8"?>
+<p:sldLayout xmlns:a="http://schemas.openxmlformats.org/drawingml/2006/main" xmlns:r="http://schemas.openxmlformats.org/officeDocument/2006/relationships" xmlns:p="http://schemas.openxmlformats.org/presentationml/2006/main" type="vertTitleAndTx" preserve="1">
+  <p:cSld name="縦書きタイトルと&#10;縦書きテキスト">
+    <p:spTree>
+      <p:nvGrpSpPr>
+        <p:cNvPr id="1" name=""/>
+        <p:cNvGrpSpPr/>
+        <p:nvPr/>
+      </p:nvGrpSpPr>
+      <p:grpSpPr>
+        <a:xfrm>
+          <a:off x="0" y="0"/>
+          <a:ext cx="0" cy="0"/>
+          <a:chOff x="0" y="0"/>
+          <a:chExt cx="0" cy="0"/>
+        </a:xfrm>
+      </p:grpSpPr>
+      <p:sp>
+        <p:nvSpPr>
+          <p:cNvPr id="2" name="Vertical Title 1"/>
+          <p:cNvSpPr>
+            <a:spLocks noGrp="1"/>
+          </p:cNvSpPr>
+          <p:nvPr>
+            <p:ph type="title" orient="vert"/>
+          </p:nvPr>
+        </p:nvSpPr>
+        <p:spPr>
+          <a:xfrm>
+            <a:off x="6543675" y="365125"/>
+            <a:ext cx="1971675" cy="5811838"/>
+          </a:xfrm>
+        </p:spPr>
+        <p:txBody>
+          <a:bodyPr vert="eaVert"/>
+          <a:lstStyle/>
+          <a:p>
+            <a:r>
+              <a:rPr lang="ja-JP" altLang="en-US" smtClean="0"/>
+              <a:t>マスター タイトルの書式設定</a:t>
+            </a:r>
+            <a:endParaRPr lang="en-US" dirty="0"/>
+          </a:p>
+        </p:txBody>
+      </p:sp>
+      <p:sp>
+        <p:nvSpPr>
+          <p:cNvPr id="3" name="Vertical Text Placeholder 2"/>
+          <p:cNvSpPr>
+            <a:spLocks noGrp="1"/>
+          </p:cNvSpPr>
+          <p:nvPr>
+            <p:ph type="body" orient="vert" idx="1"/>
+          </p:nvPr>
+        </p:nvSpPr>
+        <p:spPr>
+          <a:xfrm>
+            <a:off x="628650" y="365125"/>
+            <a:ext cx="5800725" cy="5811838"/>
+          </a:xfrm>
+        </p:spPr>
+        <p:txBody>
+          <a:bodyPr vert="eaVert"/>
+          <a:lstStyle/>
+          <a:p>
+            <a:pPr lvl="0"/>
+            <a:r>
+              <a:rPr lang="ja-JP" altLang="en-US" smtClean="0"/>
+              <a:t>マスター テキストの書式設定</a:t>
+            </a:r>
+          </a:p>
+          <a:p>
+            <a:pPr lvl="1"/>
+            <a:r>
+              <a:rPr lang="ja-JP" altLang="en-US" smtClean="0"/>
+              <a:t>第 </a:t>
+            </a:r>
+            <a:r>
+              <a:rPr lang="en-US" altLang="ja-JP" smtClean="0"/>
+              <a:t>2 </a:t>
+            </a:r>
+            <a:r>
+              <a:rPr lang="ja-JP" altLang="en-US" smtClean="0"/>
+              <a:t>レベル</a:t>
+            </a:r>
+          </a:p>
+          <a:p>
+            <a:pPr lvl="2"/>
+            <a:r>
+              <a:rPr lang="ja-JP" altLang="en-US" smtClean="0"/>
+              <a:t>第 </a:t>
+            </a:r>
+            <a:r>
+              <a:rPr lang="en-US" altLang="ja-JP" smtClean="0"/>
+              <a:t>3 </a:t>
+            </a:r>
+            <a:r>
+              <a:rPr lang="ja-JP" altLang="en-US" smtClean="0"/>
+              <a:t>レベル</a:t>
+            </a:r>
+          </a:p>
+          <a:p>
+            <a:pPr lvl="3"/>
+            <a:r>
+              <a:rPr lang="ja-JP" altLang="en-US" smtClean="0"/>
+              <a:t>第 </a:t>
+            </a:r>
+            <a:r>
+              <a:rPr lang="en-US" altLang="ja-JP" smtClean="0"/>
+              <a:t>4 </a:t>
+            </a:r>
+            <a:r>
+              <a:rPr lang="ja-JP" altLang="en-US" smtClean="0"/>
+              <a:t>レベル</a:t>
+            </a:r>
+          </a:p>
+          <a:p>
+            <a:pPr lvl="4"/>
+            <a:r>
+              <a:rPr lang="ja-JP" altLang="en-US" smtClean="0"/>
+              <a:t>第 </a:t>
+            </a:r>
+            <a:r>
+              <a:rPr lang="en-US" altLang="ja-JP" smtClean="0"/>
+              <a:t>5 </a:t>
+            </a:r>
+            <a:r>
+              <a:rPr lang="ja-JP" altLang="en-US" smtClean="0"/>
+              <a:t>レベル</a:t>
+            </a:r>
+            <a:endParaRPr lang="en-US" dirty="0"/>
+          </a:p>
+        </p:txBody>
+      </p:sp>
+      <p:sp>
+        <p:nvSpPr>
+          <p:cNvPr id="4" name="Date Placeholder 3"/>
+          <p:cNvSpPr>
+            <a:spLocks noGrp="1"/>
+          </p:cNvSpPr>
+          <p:nvPr>
+            <p:ph type="dt" sz="half" idx="10"/>
+          </p:nvPr>
+        </p:nvSpPr>
+        <p:spPr/>
+        <p:txBody>
+          <a:bodyPr/>
+          <a:lstStyle/>
+          <a:p>
+            <a:pPr marL="0" marR="0" lvl="0" indent="0" algn="l" defTabSz="914400" rtl="0" eaLnBrk="1" fontAlgn="auto" latinLnBrk="0" hangingPunct="1">
+              <a:lnSpc>
+                <a:spcPct val="100000"/>
+              </a:lnSpc>
+              <a:spcBef>
+                <a:spcPts val="0"/>
+              </a:spcBef>
+              <a:spcAft>
+                <a:spcPts val="0"/>
+              </a:spcAft>
+              <a:buClrTx/>
+              <a:buSzTx/>
+              <a:buFontTx/>
+              <a:buNone/>
+              <a:tabLst/>
+              <a:defRPr/>
+            </a:pPr>
+            <a:fld id="{FFD1B8DB-7476-41E6-A4D2-B8CC263F7ACE}" type="datetime1">
+              <a:rPr kumimoji="1" lang="ja-JP" altLang="en-US" sz="1200" b="0" i="0" u="none" strike="noStrike" kern="1200" cap="none" spc="0" normalizeH="0" baseline="0" noProof="0" smtClean="0">
+                <a:ln>
+                  <a:noFill/>
+                </a:ln>
+                <a:solidFill>
+                  <a:prstClr val="black">
+                    <a:tint val="75000"/>
+                  </a:prstClr>
+                </a:solidFill>
+                <a:effectLst/>
+                <a:uLnTx/>
+                <a:uFillTx/>
+                <a:latin typeface="Calibri" panose="020F0502020204030204"/>
+                <a:ea typeface="游ゴシック" panose="020B0400000000000000" pitchFamily="50" charset="-128"/>
+                <a:cs typeface="+mn-cs"/>
+              </a:rPr>
+              <a:pPr marL="0" marR="0" lvl="0" indent="0" algn="l" defTabSz="914400" rtl="0" eaLnBrk="1" fontAlgn="auto" latinLnBrk="0" hangingPunct="1">
+                <a:lnSpc>
+                  <a:spcPct val="100000"/>
+                </a:lnSpc>
+                <a:spcBef>
+                  <a:spcPts val="0"/>
+                </a:spcBef>
+                <a:spcAft>
+                  <a:spcPts val="0"/>
+                </a:spcAft>
+                <a:buClrTx/>
+                <a:buSzTx/>
+                <a:buFontTx/>
+                <a:buNone/>
+                <a:tabLst/>
+                <a:defRPr/>
+              </a:pPr>
+              <a:t>2021/7/23</a:t>
+            </a:fld>
+            <a:endParaRPr kumimoji="1" lang="ja-JP" altLang="en-US" sz="1200" b="0" i="0" u="none" strike="noStrike" kern="1200" cap="none" spc="0" normalizeH="0" baseline="0" noProof="0">
+              <a:ln>
+                <a:noFill/>
+              </a:ln>
+              <a:solidFill>
+                <a:prstClr val="black">
+                  <a:tint val="75000"/>
+                </a:prstClr>
+              </a:solidFill>
+              <a:effectLst/>
+              <a:uLnTx/>
+              <a:uFillTx/>
+              <a:latin typeface="Calibri" panose="020F0502020204030204"/>
+              <a:ea typeface="游ゴシック" panose="020B0400000000000000" pitchFamily="50" charset="-128"/>
+              <a:cs typeface="+mn-cs"/>
+            </a:endParaRPr>
+          </a:p>
+        </p:txBody>
+      </p:sp>
+      <p:sp>
+        <p:nvSpPr>
+          <p:cNvPr id="5" name="Footer Placeholder 4"/>
+          <p:cNvSpPr>
+            <a:spLocks noGrp="1"/>
+          </p:cNvSpPr>
+          <p:nvPr>
+            <p:ph type="ftr" sz="quarter" idx="11"/>
+          </p:nvPr>
+        </p:nvSpPr>
+        <p:spPr/>
+        <p:txBody>
+          <a:bodyPr/>
+          <a:lstStyle/>
+          <a:p>
+            <a:pPr marL="0" marR="0" lvl="0" indent="0" algn="ctr" defTabSz="914400" rtl="0" eaLnBrk="1" fontAlgn="auto" latinLnBrk="0" hangingPunct="1">
+              <a:lnSpc>
+                <a:spcPct val="100000"/>
+              </a:lnSpc>
+              <a:spcBef>
+                <a:spcPts val="0"/>
+              </a:spcBef>
+              <a:spcAft>
+                <a:spcPts val="0"/>
+              </a:spcAft>
+              <a:buClrTx/>
+              <a:buSzTx/>
+              <a:buFontTx/>
+              <a:buNone/>
+              <a:tabLst/>
+              <a:defRPr/>
+            </a:pPr>
+            <a:endParaRPr kumimoji="1" lang="ja-JP" altLang="en-US" sz="1200" b="0" i="0" u="none" strike="noStrike" kern="1200" cap="none" spc="0" normalizeH="0" baseline="0" noProof="0">
+              <a:ln>
+                <a:noFill/>
+              </a:ln>
+              <a:solidFill>
+                <a:prstClr val="black">
+                  <a:tint val="75000"/>
+                </a:prstClr>
+              </a:solidFill>
+              <a:effectLst/>
+              <a:uLnTx/>
+              <a:uFillTx/>
+              <a:latin typeface="Calibri" panose="020F0502020204030204"/>
+              <a:ea typeface="游ゴシック" panose="020B0400000000000000" pitchFamily="50" charset="-128"/>
+              <a:cs typeface="+mn-cs"/>
+            </a:endParaRPr>
+          </a:p>
+        </p:txBody>
+      </p:sp>
+      <p:sp>
+        <p:nvSpPr>
+          <p:cNvPr id="6" name="Slide Number Placeholder 5"/>
+          <p:cNvSpPr>
+            <a:spLocks noGrp="1"/>
+          </p:cNvSpPr>
+          <p:nvPr>
+            <p:ph type="sldNum" sz="quarter" idx="12"/>
+          </p:nvPr>
+        </p:nvSpPr>
+        <p:spPr/>
+        <p:txBody>
+          <a:bodyPr/>
+          <a:lstStyle/>
+          <a:p>
+            <a:pPr marL="0" marR="0" lvl="0" indent="0" algn="r" defTabSz="914400" rtl="0" eaLnBrk="1" fontAlgn="auto" latinLnBrk="0" hangingPunct="1">
+              <a:lnSpc>
+                <a:spcPct val="100000"/>
+              </a:lnSpc>
+              <a:spcBef>
+                <a:spcPts val="0"/>
+              </a:spcBef>
+              <a:spcAft>
+                <a:spcPts val="0"/>
+              </a:spcAft>
+              <a:buClrTx/>
+              <a:buSzTx/>
+              <a:buFontTx/>
+              <a:buNone/>
+              <a:tabLst/>
+              <a:defRPr/>
+            </a:pPr>
+            <a:fld id="{BCFEE6ED-AA2C-49EB-A172-8063C2D7D298}" type="slidenum">
+              <a:rPr kumimoji="1" lang="ja-JP" altLang="en-US" sz="1200" b="0" i="0" u="none" strike="noStrike" kern="1200" cap="none" spc="0" normalizeH="0" baseline="0" noProof="0" smtClean="0">
+                <a:ln>
+                  <a:noFill/>
+                </a:ln>
+                <a:solidFill>
+                  <a:prstClr val="black">
+                    <a:tint val="75000"/>
+                  </a:prstClr>
+                </a:solidFill>
+                <a:effectLst/>
+                <a:uLnTx/>
+                <a:uFillTx/>
+                <a:latin typeface="Calibri" panose="020F0502020204030204"/>
+                <a:ea typeface="游ゴシック" panose="020B0400000000000000" pitchFamily="50" charset="-128"/>
+                <a:cs typeface="+mn-cs"/>
+              </a:rPr>
+              <a:pPr marL="0" marR="0" lvl="0" indent="0" algn="r" defTabSz="914400" rtl="0" eaLnBrk="1" fontAlgn="auto" latinLnBrk="0" hangingPunct="1">
+                <a:lnSpc>
+                  <a:spcPct val="100000"/>
+                </a:lnSpc>
+                <a:spcBef>
+                  <a:spcPts val="0"/>
+                </a:spcBef>
+                <a:spcAft>
+                  <a:spcPts val="0"/>
+                </a:spcAft>
+                <a:buClrTx/>
+                <a:buSzTx/>
+                <a:buFontTx/>
+                <a:buNone/>
+                <a:tabLst/>
+                <a:defRPr/>
+              </a:pPr>
+              <a:t>‹#›</a:t>
+            </a:fld>
+            <a:endParaRPr kumimoji="1" lang="ja-JP" altLang="en-US" sz="1200" b="0" i="0" u="none" strike="noStrike" kern="1200" cap="none" spc="0" normalizeH="0" baseline="0" noProof="0">
+              <a:ln>
+                <a:noFill/>
+              </a:ln>
+              <a:solidFill>
+                <a:prstClr val="black">
+                  <a:tint val="75000"/>
+                </a:prstClr>
+              </a:solidFill>
+              <a:effectLst/>
+              <a:uLnTx/>
+              <a:uFillTx/>
+              <a:latin typeface="Calibri" panose="020F0502020204030204"/>
+              <a:ea typeface="游ゴシック" panose="020B0400000000000000" pitchFamily="50" charset="-128"/>
+              <a:cs typeface="+mn-cs"/>
+            </a:endParaRPr>
+          </a:p>
+        </p:txBody>
+      </p:sp>
+    </p:spTree>
+    <p:extLst>
+      <p:ext uri="{BB962C8B-B14F-4D97-AF65-F5344CB8AC3E}">
+        <p14:creationId xmlns:p14="http://schemas.microsoft.com/office/powerpoint/2010/main" val="1377117724"/>
       </p:ext>
     </p:extLst>
   </p:cSld>
@@ -3441,7 +7766,7 @@
           <a:bodyPr vert="horz" lIns="91440" tIns="45720" rIns="91440" bIns="45720" rtlCol="0" anchor="ctr"/>
           <a:lstStyle>
             <a:lvl1pPr algn="r">
-              <a:defRPr sz="1200">
+              <a:defRPr sz="3200">
                 <a:solidFill>
                   <a:schemeClr val="tx1">
                     <a:tint val="75000"/>
@@ -3452,10 +7777,11 @@
           </a:lstStyle>
           <a:p>
             <a:fld id="{B4451160-128F-4DAD-AE29-4A8CC0E7B9E9}" type="slidenum">
-              <a:rPr kumimoji="1" lang="ja-JP" altLang="en-US" smtClean="0"/>
+              <a:rPr lang="ja-JP" altLang="en-US" smtClean="0"/>
+              <a:pPr/>
               <a:t>‹#›</a:t>
             </a:fld>
-            <a:endParaRPr kumimoji="1" lang="ja-JP" altLang="en-US"/>
+            <a:endParaRPr lang="ja-JP" altLang="en-US" dirty="0"/>
           </a:p>
         </p:txBody>
       </p:sp>
@@ -3479,6 +7805,746 @@
     <p:sldLayoutId id="2147483669" r:id="rId9"/>
     <p:sldLayoutId id="2147483670" r:id="rId10"/>
     <p:sldLayoutId id="2147483671" r:id="rId11"/>
+  </p:sldLayoutIdLst>
+  <p:timing>
+    <p:tnLst>
+      <p:par>
+        <p:cTn id="1" dur="indefinite" restart="never" nodeType="tmRoot"/>
+      </p:par>
+    </p:tnLst>
+  </p:timing>
+  <p:hf hdr="0" ftr="0" dt="0"/>
+  <p:txStyles>
+    <p:titleStyle>
+      <a:lvl1pPr algn="l" defTabSz="914400" rtl="0" eaLnBrk="1" latinLnBrk="0" hangingPunct="1">
+        <a:lnSpc>
+          <a:spcPct val="90000"/>
+        </a:lnSpc>
+        <a:spcBef>
+          <a:spcPct val="0"/>
+        </a:spcBef>
+        <a:buNone/>
+        <a:defRPr kumimoji="1" sz="4400" kern="1200">
+          <a:solidFill>
+            <a:schemeClr val="tx1"/>
+          </a:solidFill>
+          <a:latin typeface="+mj-lt"/>
+          <a:ea typeface="+mj-ea"/>
+          <a:cs typeface="+mj-cs"/>
+        </a:defRPr>
+      </a:lvl1pPr>
+    </p:titleStyle>
+    <p:bodyStyle>
+      <a:lvl1pPr marL="228600" indent="-228600" algn="l" defTabSz="914400" rtl="0" eaLnBrk="1" latinLnBrk="0" hangingPunct="1">
+        <a:lnSpc>
+          <a:spcPct val="90000"/>
+        </a:lnSpc>
+        <a:spcBef>
+          <a:spcPts val="1000"/>
+        </a:spcBef>
+        <a:buFont typeface="Arial" panose="020B0604020202020204" pitchFamily="34" charset="0"/>
+        <a:buChar char="•"/>
+        <a:defRPr kumimoji="1" sz="2800" kern="1200">
+          <a:solidFill>
+            <a:schemeClr val="tx1"/>
+          </a:solidFill>
+          <a:latin typeface="+mn-lt"/>
+          <a:ea typeface="+mn-ea"/>
+          <a:cs typeface="+mn-cs"/>
+        </a:defRPr>
+      </a:lvl1pPr>
+      <a:lvl2pPr marL="685800" indent="-228600" algn="l" defTabSz="914400" rtl="0" eaLnBrk="1" latinLnBrk="0" hangingPunct="1">
+        <a:lnSpc>
+          <a:spcPct val="90000"/>
+        </a:lnSpc>
+        <a:spcBef>
+          <a:spcPts val="500"/>
+        </a:spcBef>
+        <a:buFont typeface="Arial" panose="020B0604020202020204" pitchFamily="34" charset="0"/>
+        <a:buChar char="•"/>
+        <a:defRPr kumimoji="1" sz="2400" kern="1200">
+          <a:solidFill>
+            <a:schemeClr val="tx1"/>
+          </a:solidFill>
+          <a:latin typeface="+mn-lt"/>
+          <a:ea typeface="+mn-ea"/>
+          <a:cs typeface="+mn-cs"/>
+        </a:defRPr>
+      </a:lvl2pPr>
+      <a:lvl3pPr marL="1143000" indent="-228600" algn="l" defTabSz="914400" rtl="0" eaLnBrk="1" latinLnBrk="0" hangingPunct="1">
+        <a:lnSpc>
+          <a:spcPct val="90000"/>
+        </a:lnSpc>
+        <a:spcBef>
+          <a:spcPts val="500"/>
+        </a:spcBef>
+        <a:buFont typeface="Arial" panose="020B0604020202020204" pitchFamily="34" charset="0"/>
+        <a:buChar char="•"/>
+        <a:defRPr kumimoji="1" sz="2000" kern="1200">
+          <a:solidFill>
+            <a:schemeClr val="tx1"/>
+          </a:solidFill>
+          <a:latin typeface="+mn-lt"/>
+          <a:ea typeface="+mn-ea"/>
+          <a:cs typeface="+mn-cs"/>
+        </a:defRPr>
+      </a:lvl3pPr>
+      <a:lvl4pPr marL="1600200" indent="-228600" algn="l" defTabSz="914400" rtl="0" eaLnBrk="1" latinLnBrk="0" hangingPunct="1">
+        <a:lnSpc>
+          <a:spcPct val="90000"/>
+        </a:lnSpc>
+        <a:spcBef>
+          <a:spcPts val="500"/>
+        </a:spcBef>
+        <a:buFont typeface="Arial" panose="020B0604020202020204" pitchFamily="34" charset="0"/>
+        <a:buChar char="•"/>
+        <a:defRPr kumimoji="1" sz="1800" kern="1200">
+          <a:solidFill>
+            <a:schemeClr val="tx1"/>
+          </a:solidFill>
+          <a:latin typeface="+mn-lt"/>
+          <a:ea typeface="+mn-ea"/>
+          <a:cs typeface="+mn-cs"/>
+        </a:defRPr>
+      </a:lvl4pPr>
+      <a:lvl5pPr marL="2057400" indent="-228600" algn="l" defTabSz="914400" rtl="0" eaLnBrk="1" latinLnBrk="0" hangingPunct="1">
+        <a:lnSpc>
+          <a:spcPct val="90000"/>
+        </a:lnSpc>
+        <a:spcBef>
+          <a:spcPts val="500"/>
+        </a:spcBef>
+        <a:buFont typeface="Arial" panose="020B0604020202020204" pitchFamily="34" charset="0"/>
+        <a:buChar char="•"/>
+        <a:defRPr kumimoji="1" sz="1800" kern="1200">
+          <a:solidFill>
+            <a:schemeClr val="tx1"/>
+          </a:solidFill>
+          <a:latin typeface="+mn-lt"/>
+          <a:ea typeface="+mn-ea"/>
+          <a:cs typeface="+mn-cs"/>
+        </a:defRPr>
+      </a:lvl5pPr>
+      <a:lvl6pPr marL="2514600" indent="-228600" algn="l" defTabSz="914400" rtl="0" eaLnBrk="1" latinLnBrk="0" hangingPunct="1">
+        <a:lnSpc>
+          <a:spcPct val="90000"/>
+        </a:lnSpc>
+        <a:spcBef>
+          <a:spcPts val="500"/>
+        </a:spcBef>
+        <a:buFont typeface="Arial" panose="020B0604020202020204" pitchFamily="34" charset="0"/>
+        <a:buChar char="•"/>
+        <a:defRPr kumimoji="1" sz="1800" kern="1200">
+          <a:solidFill>
+            <a:schemeClr val="tx1"/>
+          </a:solidFill>
+          <a:latin typeface="+mn-lt"/>
+          <a:ea typeface="+mn-ea"/>
+          <a:cs typeface="+mn-cs"/>
+        </a:defRPr>
+      </a:lvl6pPr>
+      <a:lvl7pPr marL="2971800" indent="-228600" algn="l" defTabSz="914400" rtl="0" eaLnBrk="1" latinLnBrk="0" hangingPunct="1">
+        <a:lnSpc>
+          <a:spcPct val="90000"/>
+        </a:lnSpc>
+        <a:spcBef>
+          <a:spcPts val="500"/>
+        </a:spcBef>
+        <a:buFont typeface="Arial" panose="020B0604020202020204" pitchFamily="34" charset="0"/>
+        <a:buChar char="•"/>
+        <a:defRPr kumimoji="1" sz="1800" kern="1200">
+          <a:solidFill>
+            <a:schemeClr val="tx1"/>
+          </a:solidFill>
+          <a:latin typeface="+mn-lt"/>
+          <a:ea typeface="+mn-ea"/>
+          <a:cs typeface="+mn-cs"/>
+        </a:defRPr>
+      </a:lvl7pPr>
+      <a:lvl8pPr marL="3429000" indent="-228600" algn="l" defTabSz="914400" rtl="0" eaLnBrk="1" latinLnBrk="0" hangingPunct="1">
+        <a:lnSpc>
+          <a:spcPct val="90000"/>
+        </a:lnSpc>
+        <a:spcBef>
+          <a:spcPts val="500"/>
+        </a:spcBef>
+        <a:buFont typeface="Arial" panose="020B0604020202020204" pitchFamily="34" charset="0"/>
+        <a:buChar char="•"/>
+        <a:defRPr kumimoji="1" sz="1800" kern="1200">
+          <a:solidFill>
+            <a:schemeClr val="tx1"/>
+          </a:solidFill>
+          <a:latin typeface="+mn-lt"/>
+          <a:ea typeface="+mn-ea"/>
+          <a:cs typeface="+mn-cs"/>
+        </a:defRPr>
+      </a:lvl8pPr>
+      <a:lvl9pPr marL="3886200" indent="-228600" algn="l" defTabSz="914400" rtl="0" eaLnBrk="1" latinLnBrk="0" hangingPunct="1">
+        <a:lnSpc>
+          <a:spcPct val="90000"/>
+        </a:lnSpc>
+        <a:spcBef>
+          <a:spcPts val="500"/>
+        </a:spcBef>
+        <a:buFont typeface="Arial" panose="020B0604020202020204" pitchFamily="34" charset="0"/>
+        <a:buChar char="•"/>
+        <a:defRPr kumimoji="1" sz="1800" kern="1200">
+          <a:solidFill>
+            <a:schemeClr val="tx1"/>
+          </a:solidFill>
+          <a:latin typeface="+mn-lt"/>
+          <a:ea typeface="+mn-ea"/>
+          <a:cs typeface="+mn-cs"/>
+        </a:defRPr>
+      </a:lvl9pPr>
+    </p:bodyStyle>
+    <p:otherStyle>
+      <a:defPPr>
+        <a:defRPr lang="en-US"/>
+      </a:defPPr>
+      <a:lvl1pPr marL="0" algn="l" defTabSz="914400" rtl="0" eaLnBrk="1" latinLnBrk="0" hangingPunct="1">
+        <a:defRPr kumimoji="1" sz="1800" kern="1200">
+          <a:solidFill>
+            <a:schemeClr val="tx1"/>
+          </a:solidFill>
+          <a:latin typeface="+mn-lt"/>
+          <a:ea typeface="+mn-ea"/>
+          <a:cs typeface="+mn-cs"/>
+        </a:defRPr>
+      </a:lvl1pPr>
+      <a:lvl2pPr marL="457200" algn="l" defTabSz="914400" rtl="0" eaLnBrk="1" latinLnBrk="0" hangingPunct="1">
+        <a:defRPr kumimoji="1" sz="1800" kern="1200">
+          <a:solidFill>
+            <a:schemeClr val="tx1"/>
+          </a:solidFill>
+          <a:latin typeface="+mn-lt"/>
+          <a:ea typeface="+mn-ea"/>
+          <a:cs typeface="+mn-cs"/>
+        </a:defRPr>
+      </a:lvl2pPr>
+      <a:lvl3pPr marL="914400" algn="l" defTabSz="914400" rtl="0" eaLnBrk="1" latinLnBrk="0" hangingPunct="1">
+        <a:defRPr kumimoji="1" sz="1800" kern="1200">
+          <a:solidFill>
+            <a:schemeClr val="tx1"/>
+          </a:solidFill>
+          <a:latin typeface="+mn-lt"/>
+          <a:ea typeface="+mn-ea"/>
+          <a:cs typeface="+mn-cs"/>
+        </a:defRPr>
+      </a:lvl3pPr>
+      <a:lvl4pPr marL="1371600" algn="l" defTabSz="914400" rtl="0" eaLnBrk="1" latinLnBrk="0" hangingPunct="1">
+        <a:defRPr kumimoji="1" sz="1800" kern="1200">
+          <a:solidFill>
+            <a:schemeClr val="tx1"/>
+          </a:solidFill>
+          <a:latin typeface="+mn-lt"/>
+          <a:ea typeface="+mn-ea"/>
+          <a:cs typeface="+mn-cs"/>
+        </a:defRPr>
+      </a:lvl4pPr>
+      <a:lvl5pPr marL="1828800" algn="l" defTabSz="914400" rtl="0" eaLnBrk="1" latinLnBrk="0" hangingPunct="1">
+        <a:defRPr kumimoji="1" sz="1800" kern="1200">
+          <a:solidFill>
+            <a:schemeClr val="tx1"/>
+          </a:solidFill>
+          <a:latin typeface="+mn-lt"/>
+          <a:ea typeface="+mn-ea"/>
+          <a:cs typeface="+mn-cs"/>
+        </a:defRPr>
+      </a:lvl5pPr>
+      <a:lvl6pPr marL="2286000" algn="l" defTabSz="914400" rtl="0" eaLnBrk="1" latinLnBrk="0" hangingPunct="1">
+        <a:defRPr kumimoji="1" sz="1800" kern="1200">
+          <a:solidFill>
+            <a:schemeClr val="tx1"/>
+          </a:solidFill>
+          <a:latin typeface="+mn-lt"/>
+          <a:ea typeface="+mn-ea"/>
+          <a:cs typeface="+mn-cs"/>
+        </a:defRPr>
+      </a:lvl6pPr>
+      <a:lvl7pPr marL="2743200" algn="l" defTabSz="914400" rtl="0" eaLnBrk="1" latinLnBrk="0" hangingPunct="1">
+        <a:defRPr kumimoji="1" sz="1800" kern="1200">
+          <a:solidFill>
+            <a:schemeClr val="tx1"/>
+          </a:solidFill>
+          <a:latin typeface="+mn-lt"/>
+          <a:ea typeface="+mn-ea"/>
+          <a:cs typeface="+mn-cs"/>
+        </a:defRPr>
+      </a:lvl7pPr>
+      <a:lvl8pPr marL="3200400" algn="l" defTabSz="914400" rtl="0" eaLnBrk="1" latinLnBrk="0" hangingPunct="1">
+        <a:defRPr kumimoji="1" sz="1800" kern="1200">
+          <a:solidFill>
+            <a:schemeClr val="tx1"/>
+          </a:solidFill>
+          <a:latin typeface="+mn-lt"/>
+          <a:ea typeface="+mn-ea"/>
+          <a:cs typeface="+mn-cs"/>
+        </a:defRPr>
+      </a:lvl8pPr>
+      <a:lvl9pPr marL="3657600" algn="l" defTabSz="914400" rtl="0" eaLnBrk="1" latinLnBrk="0" hangingPunct="1">
+        <a:defRPr kumimoji="1" sz="1800" kern="1200">
+          <a:solidFill>
+            <a:schemeClr val="tx1"/>
+          </a:solidFill>
+          <a:latin typeface="+mn-lt"/>
+          <a:ea typeface="+mn-ea"/>
+          <a:cs typeface="+mn-cs"/>
+        </a:defRPr>
+      </a:lvl9pPr>
+    </p:otherStyle>
+  </p:txStyles>
+</p:sldMaster>
+</file>
+
+<file path=ppt/slideMasters/slideMaster2.xml><?xml version="1.0" encoding="utf-8"?>
+<p:sldMaster xmlns:a="http://schemas.openxmlformats.org/drawingml/2006/main" xmlns:r="http://schemas.openxmlformats.org/officeDocument/2006/relationships" xmlns:p="http://schemas.openxmlformats.org/presentationml/2006/main">
+  <p:cSld>
+    <p:bg>
+      <p:bgRef idx="1001">
+        <a:schemeClr val="bg1"/>
+      </p:bgRef>
+    </p:bg>
+    <p:spTree>
+      <p:nvGrpSpPr>
+        <p:cNvPr id="1" name=""/>
+        <p:cNvGrpSpPr/>
+        <p:nvPr/>
+      </p:nvGrpSpPr>
+      <p:grpSpPr>
+        <a:xfrm>
+          <a:off x="0" y="0"/>
+          <a:ext cx="0" cy="0"/>
+          <a:chOff x="0" y="0"/>
+          <a:chExt cx="0" cy="0"/>
+        </a:xfrm>
+      </p:grpSpPr>
+      <p:sp>
+        <p:nvSpPr>
+          <p:cNvPr id="2" name="Title Placeholder 1"/>
+          <p:cNvSpPr>
+            <a:spLocks noGrp="1"/>
+          </p:cNvSpPr>
+          <p:nvPr>
+            <p:ph type="title"/>
+          </p:nvPr>
+        </p:nvSpPr>
+        <p:spPr>
+          <a:xfrm>
+            <a:off x="628650" y="365126"/>
+            <a:ext cx="7886700" cy="1325563"/>
+          </a:xfrm>
+          <a:prstGeom prst="rect">
+            <a:avLst/>
+          </a:prstGeom>
+        </p:spPr>
+        <p:txBody>
+          <a:bodyPr vert="horz" lIns="91440" tIns="45720" rIns="91440" bIns="45720" rtlCol="0" anchor="ctr">
+            <a:normAutofit/>
+          </a:bodyPr>
+          <a:lstStyle/>
+          <a:p>
+            <a:r>
+              <a:rPr lang="ja-JP" altLang="en-US" smtClean="0"/>
+              <a:t>マスター タイトルの書式設定</a:t>
+            </a:r>
+            <a:endParaRPr lang="en-US" dirty="0"/>
+          </a:p>
+        </p:txBody>
+      </p:sp>
+      <p:sp>
+        <p:nvSpPr>
+          <p:cNvPr id="3" name="Text Placeholder 2"/>
+          <p:cNvSpPr>
+            <a:spLocks noGrp="1"/>
+          </p:cNvSpPr>
+          <p:nvPr>
+            <p:ph type="body" idx="1"/>
+          </p:nvPr>
+        </p:nvSpPr>
+        <p:spPr>
+          <a:xfrm>
+            <a:off x="628650" y="1825625"/>
+            <a:ext cx="7886700" cy="4351338"/>
+          </a:xfrm>
+          <a:prstGeom prst="rect">
+            <a:avLst/>
+          </a:prstGeom>
+        </p:spPr>
+        <p:txBody>
+          <a:bodyPr vert="horz" lIns="91440" tIns="45720" rIns="91440" bIns="45720" rtlCol="0">
+            <a:normAutofit/>
+          </a:bodyPr>
+          <a:lstStyle/>
+          <a:p>
+            <a:pPr lvl="0"/>
+            <a:r>
+              <a:rPr lang="ja-JP" altLang="en-US" smtClean="0"/>
+              <a:t>マスター テキストの書式設定</a:t>
+            </a:r>
+          </a:p>
+          <a:p>
+            <a:pPr lvl="1"/>
+            <a:r>
+              <a:rPr lang="ja-JP" altLang="en-US" smtClean="0"/>
+              <a:t>第 </a:t>
+            </a:r>
+            <a:r>
+              <a:rPr lang="en-US" altLang="ja-JP" smtClean="0"/>
+              <a:t>2 </a:t>
+            </a:r>
+            <a:r>
+              <a:rPr lang="ja-JP" altLang="en-US" smtClean="0"/>
+              <a:t>レベル</a:t>
+            </a:r>
+          </a:p>
+          <a:p>
+            <a:pPr lvl="2"/>
+            <a:r>
+              <a:rPr lang="ja-JP" altLang="en-US" smtClean="0"/>
+              <a:t>第 </a:t>
+            </a:r>
+            <a:r>
+              <a:rPr lang="en-US" altLang="ja-JP" smtClean="0"/>
+              <a:t>3 </a:t>
+            </a:r>
+            <a:r>
+              <a:rPr lang="ja-JP" altLang="en-US" smtClean="0"/>
+              <a:t>レベル</a:t>
+            </a:r>
+          </a:p>
+          <a:p>
+            <a:pPr lvl="3"/>
+            <a:r>
+              <a:rPr lang="ja-JP" altLang="en-US" smtClean="0"/>
+              <a:t>第 </a:t>
+            </a:r>
+            <a:r>
+              <a:rPr lang="en-US" altLang="ja-JP" smtClean="0"/>
+              <a:t>4 </a:t>
+            </a:r>
+            <a:r>
+              <a:rPr lang="ja-JP" altLang="en-US" smtClean="0"/>
+              <a:t>レベル</a:t>
+            </a:r>
+          </a:p>
+          <a:p>
+            <a:pPr lvl="4"/>
+            <a:r>
+              <a:rPr lang="ja-JP" altLang="en-US" smtClean="0"/>
+              <a:t>第 </a:t>
+            </a:r>
+            <a:r>
+              <a:rPr lang="en-US" altLang="ja-JP" smtClean="0"/>
+              <a:t>5 </a:t>
+            </a:r>
+            <a:r>
+              <a:rPr lang="ja-JP" altLang="en-US" smtClean="0"/>
+              <a:t>レベル</a:t>
+            </a:r>
+            <a:endParaRPr lang="en-US" dirty="0"/>
+          </a:p>
+        </p:txBody>
+      </p:sp>
+      <p:sp>
+        <p:nvSpPr>
+          <p:cNvPr id="4" name="Date Placeholder 3"/>
+          <p:cNvSpPr>
+            <a:spLocks noGrp="1"/>
+          </p:cNvSpPr>
+          <p:nvPr>
+            <p:ph type="dt" sz="half" idx="2"/>
+          </p:nvPr>
+        </p:nvSpPr>
+        <p:spPr>
+          <a:xfrm>
+            <a:off x="628650" y="6356351"/>
+            <a:ext cx="2057400" cy="365125"/>
+          </a:xfrm>
+          <a:prstGeom prst="rect">
+            <a:avLst/>
+          </a:prstGeom>
+        </p:spPr>
+        <p:txBody>
+          <a:bodyPr vert="horz" lIns="91440" tIns="45720" rIns="91440" bIns="45720" rtlCol="0" anchor="ctr"/>
+          <a:lstStyle>
+            <a:lvl1pPr algn="l">
+              <a:defRPr sz="1200">
+                <a:solidFill>
+                  <a:schemeClr val="tx1">
+                    <a:tint val="75000"/>
+                  </a:schemeClr>
+                </a:solidFill>
+              </a:defRPr>
+            </a:lvl1pPr>
+          </a:lstStyle>
+          <a:p>
+            <a:pPr marL="0" marR="0" lvl="0" indent="0" algn="l" defTabSz="914400" rtl="0" eaLnBrk="1" fontAlgn="auto" latinLnBrk="0" hangingPunct="1">
+              <a:lnSpc>
+                <a:spcPct val="100000"/>
+              </a:lnSpc>
+              <a:spcBef>
+                <a:spcPts val="0"/>
+              </a:spcBef>
+              <a:spcAft>
+                <a:spcPts val="0"/>
+              </a:spcAft>
+              <a:buClrTx/>
+              <a:buSzTx/>
+              <a:buFontTx/>
+              <a:buNone/>
+              <a:tabLst/>
+              <a:defRPr/>
+            </a:pPr>
+            <a:fld id="{11B88BD9-34AC-4954-9FD5-D852B338DEC1}" type="datetime1">
+              <a:rPr kumimoji="1" lang="ja-JP" altLang="en-US" sz="1200" b="0" i="0" u="none" strike="noStrike" kern="1200" cap="none" spc="0" normalizeH="0" baseline="0" noProof="0" smtClean="0">
+                <a:ln>
+                  <a:noFill/>
+                </a:ln>
+                <a:solidFill>
+                  <a:prstClr val="black">
+                    <a:tint val="75000"/>
+                  </a:prstClr>
+                </a:solidFill>
+                <a:effectLst/>
+                <a:uLnTx/>
+                <a:uFillTx/>
+                <a:latin typeface="Calibri" panose="020F0502020204030204"/>
+                <a:ea typeface="游ゴシック" panose="020B0400000000000000" pitchFamily="50" charset="-128"/>
+                <a:cs typeface="+mn-cs"/>
+              </a:rPr>
+              <a:pPr marL="0" marR="0" lvl="0" indent="0" algn="l" defTabSz="914400" rtl="0" eaLnBrk="1" fontAlgn="auto" latinLnBrk="0" hangingPunct="1">
+                <a:lnSpc>
+                  <a:spcPct val="100000"/>
+                </a:lnSpc>
+                <a:spcBef>
+                  <a:spcPts val="0"/>
+                </a:spcBef>
+                <a:spcAft>
+                  <a:spcPts val="0"/>
+                </a:spcAft>
+                <a:buClrTx/>
+                <a:buSzTx/>
+                <a:buFontTx/>
+                <a:buNone/>
+                <a:tabLst/>
+                <a:defRPr/>
+              </a:pPr>
+              <a:t>2021/7/23</a:t>
+            </a:fld>
+            <a:endParaRPr kumimoji="1" lang="ja-JP" altLang="en-US" sz="1200" b="0" i="0" u="none" strike="noStrike" kern="1200" cap="none" spc="0" normalizeH="0" baseline="0" noProof="0">
+              <a:ln>
+                <a:noFill/>
+              </a:ln>
+              <a:solidFill>
+                <a:prstClr val="black">
+                  <a:tint val="75000"/>
+                </a:prstClr>
+              </a:solidFill>
+              <a:effectLst/>
+              <a:uLnTx/>
+              <a:uFillTx/>
+              <a:latin typeface="Calibri" panose="020F0502020204030204"/>
+              <a:ea typeface="游ゴシック" panose="020B0400000000000000" pitchFamily="50" charset="-128"/>
+              <a:cs typeface="+mn-cs"/>
+            </a:endParaRPr>
+          </a:p>
+        </p:txBody>
+      </p:sp>
+      <p:sp>
+        <p:nvSpPr>
+          <p:cNvPr id="5" name="Footer Placeholder 4"/>
+          <p:cNvSpPr>
+            <a:spLocks noGrp="1"/>
+          </p:cNvSpPr>
+          <p:nvPr>
+            <p:ph type="ftr" sz="quarter" idx="3"/>
+          </p:nvPr>
+        </p:nvSpPr>
+        <p:spPr>
+          <a:xfrm>
+            <a:off x="3028950" y="6356351"/>
+            <a:ext cx="3086100" cy="365125"/>
+          </a:xfrm>
+          <a:prstGeom prst="rect">
+            <a:avLst/>
+          </a:prstGeom>
+        </p:spPr>
+        <p:txBody>
+          <a:bodyPr vert="horz" lIns="91440" tIns="45720" rIns="91440" bIns="45720" rtlCol="0" anchor="ctr"/>
+          <a:lstStyle>
+            <a:lvl1pPr algn="ctr">
+              <a:defRPr sz="1200">
+                <a:solidFill>
+                  <a:schemeClr val="tx1">
+                    <a:tint val="75000"/>
+                  </a:schemeClr>
+                </a:solidFill>
+              </a:defRPr>
+            </a:lvl1pPr>
+          </a:lstStyle>
+          <a:p>
+            <a:pPr marL="0" marR="0" lvl="0" indent="0" algn="ctr" defTabSz="914400" rtl="0" eaLnBrk="1" fontAlgn="auto" latinLnBrk="0" hangingPunct="1">
+              <a:lnSpc>
+                <a:spcPct val="100000"/>
+              </a:lnSpc>
+              <a:spcBef>
+                <a:spcPts val="0"/>
+              </a:spcBef>
+              <a:spcAft>
+                <a:spcPts val="0"/>
+              </a:spcAft>
+              <a:buClrTx/>
+              <a:buSzTx/>
+              <a:buFontTx/>
+              <a:buNone/>
+              <a:tabLst/>
+              <a:defRPr/>
+            </a:pPr>
+            <a:endParaRPr kumimoji="1" lang="ja-JP" altLang="en-US" sz="1200" b="0" i="0" u="none" strike="noStrike" kern="1200" cap="none" spc="0" normalizeH="0" baseline="0" noProof="0">
+              <a:ln>
+                <a:noFill/>
+              </a:ln>
+              <a:solidFill>
+                <a:prstClr val="black">
+                  <a:tint val="75000"/>
+                </a:prstClr>
+              </a:solidFill>
+              <a:effectLst/>
+              <a:uLnTx/>
+              <a:uFillTx/>
+              <a:latin typeface="Calibri" panose="020F0502020204030204"/>
+              <a:ea typeface="游ゴシック" panose="020B0400000000000000" pitchFamily="50" charset="-128"/>
+              <a:cs typeface="+mn-cs"/>
+            </a:endParaRPr>
+          </a:p>
+        </p:txBody>
+      </p:sp>
+      <p:sp>
+        <p:nvSpPr>
+          <p:cNvPr id="6" name="Slide Number Placeholder 5"/>
+          <p:cNvSpPr>
+            <a:spLocks noGrp="1"/>
+          </p:cNvSpPr>
+          <p:nvPr>
+            <p:ph type="sldNum" sz="quarter" idx="4"/>
+          </p:nvPr>
+        </p:nvSpPr>
+        <p:spPr>
+          <a:xfrm>
+            <a:off x="6457950" y="6356351"/>
+            <a:ext cx="2057400" cy="365125"/>
+          </a:xfrm>
+          <a:prstGeom prst="rect">
+            <a:avLst/>
+          </a:prstGeom>
+        </p:spPr>
+        <p:txBody>
+          <a:bodyPr vert="horz" lIns="91440" tIns="45720" rIns="91440" bIns="45720" rtlCol="0" anchor="ctr"/>
+          <a:lstStyle>
+            <a:lvl1pPr algn="r">
+              <a:defRPr sz="1200">
+                <a:solidFill>
+                  <a:schemeClr val="tx1">
+                    <a:tint val="75000"/>
+                  </a:schemeClr>
+                </a:solidFill>
+              </a:defRPr>
+            </a:lvl1pPr>
+          </a:lstStyle>
+          <a:p>
+            <a:pPr marL="0" marR="0" lvl="0" indent="0" algn="r" defTabSz="914400" rtl="0" eaLnBrk="1" fontAlgn="auto" latinLnBrk="0" hangingPunct="1">
+              <a:lnSpc>
+                <a:spcPct val="100000"/>
+              </a:lnSpc>
+              <a:spcBef>
+                <a:spcPts val="0"/>
+              </a:spcBef>
+              <a:spcAft>
+                <a:spcPts val="0"/>
+              </a:spcAft>
+              <a:buClrTx/>
+              <a:buSzTx/>
+              <a:buFontTx/>
+              <a:buNone/>
+              <a:tabLst/>
+              <a:defRPr/>
+            </a:pPr>
+            <a:fld id="{BCFEE6ED-AA2C-49EB-A172-8063C2D7D298}" type="slidenum">
+              <a:rPr kumimoji="1" lang="ja-JP" altLang="en-US" sz="1200" b="0" i="0" u="none" strike="noStrike" kern="1200" cap="none" spc="0" normalizeH="0" baseline="0" noProof="0" smtClean="0">
+                <a:ln>
+                  <a:noFill/>
+                </a:ln>
+                <a:solidFill>
+                  <a:prstClr val="black">
+                    <a:tint val="75000"/>
+                  </a:prstClr>
+                </a:solidFill>
+                <a:effectLst/>
+                <a:uLnTx/>
+                <a:uFillTx/>
+                <a:latin typeface="Calibri" panose="020F0502020204030204"/>
+                <a:ea typeface="游ゴシック" panose="020B0400000000000000" pitchFamily="50" charset="-128"/>
+                <a:cs typeface="+mn-cs"/>
+              </a:rPr>
+              <a:pPr marL="0" marR="0" lvl="0" indent="0" algn="r" defTabSz="914400" rtl="0" eaLnBrk="1" fontAlgn="auto" latinLnBrk="0" hangingPunct="1">
+                <a:lnSpc>
+                  <a:spcPct val="100000"/>
+                </a:lnSpc>
+                <a:spcBef>
+                  <a:spcPts val="0"/>
+                </a:spcBef>
+                <a:spcAft>
+                  <a:spcPts val="0"/>
+                </a:spcAft>
+                <a:buClrTx/>
+                <a:buSzTx/>
+                <a:buFontTx/>
+                <a:buNone/>
+                <a:tabLst/>
+                <a:defRPr/>
+              </a:pPr>
+              <a:t>‹#›</a:t>
+            </a:fld>
+            <a:endParaRPr kumimoji="1" lang="ja-JP" altLang="en-US" sz="1200" b="0" i="0" u="none" strike="noStrike" kern="1200" cap="none" spc="0" normalizeH="0" baseline="0" noProof="0">
+              <a:ln>
+                <a:noFill/>
+              </a:ln>
+              <a:solidFill>
+                <a:prstClr val="black">
+                  <a:tint val="75000"/>
+                </a:prstClr>
+              </a:solidFill>
+              <a:effectLst/>
+              <a:uLnTx/>
+              <a:uFillTx/>
+              <a:latin typeface="Calibri" panose="020F0502020204030204"/>
+              <a:ea typeface="游ゴシック" panose="020B0400000000000000" pitchFamily="50" charset="-128"/>
+              <a:cs typeface="+mn-cs"/>
+            </a:endParaRPr>
+          </a:p>
+        </p:txBody>
+      </p:sp>
+    </p:spTree>
+    <p:extLst>
+      <p:ext uri="{BB962C8B-B14F-4D97-AF65-F5344CB8AC3E}">
+        <p14:creationId xmlns:p14="http://schemas.microsoft.com/office/powerpoint/2010/main" val="2790331689"/>
+      </p:ext>
+    </p:extLst>
+  </p:cSld>
+  <p:clrMap bg1="lt1" tx1="dk1" bg2="lt2" tx2="dk2" accent1="accent1" accent2="accent2" accent3="accent3" accent4="accent4" accent5="accent5" accent6="accent6" hlink="hlink" folHlink="folHlink"/>
+  <p:sldLayoutIdLst>
+    <p:sldLayoutId id="2147483673" r:id="rId1"/>
+    <p:sldLayoutId id="2147483674" r:id="rId2"/>
+    <p:sldLayoutId id="2147483675" r:id="rId3"/>
+    <p:sldLayoutId id="2147483676" r:id="rId4"/>
+    <p:sldLayoutId id="2147483677" r:id="rId5"/>
+    <p:sldLayoutId id="2147483678" r:id="rId6"/>
+    <p:sldLayoutId id="2147483679" r:id="rId7"/>
+    <p:sldLayoutId id="2147483680" r:id="rId8"/>
+    <p:sldLayoutId id="2147483681" r:id="rId9"/>
+    <p:sldLayoutId id="2147483682" r:id="rId10"/>
+    <p:sldLayoutId id="2147483683" r:id="rId11"/>
   </p:sldLayoutIdLst>
   <p:hf hdr="0" ftr="0" dt="0"/>
   <p:txStyles>
@@ -3791,7 +8857,12 @@
             <p:ph type="ctrTitle"/>
           </p:nvPr>
         </p:nvSpPr>
-        <p:spPr/>
+        <p:spPr>
+          <a:xfrm>
+            <a:off x="685800" y="1711909"/>
+            <a:ext cx="7772400" cy="2387600"/>
+          </a:xfrm>
+        </p:spPr>
         <p:txBody>
           <a:bodyPr>
             <a:normAutofit fontScale="90000"/>
@@ -3800,15 +8871,7 @@
           <a:p>
             <a:r>
               <a:rPr lang="ja-JP" altLang="en-US" dirty="0"/>
-              <a:t>次元</a:t>
-            </a:r>
-            <a:r>
-              <a:rPr lang="ja-JP" altLang="en-US" dirty="0" smtClean="0"/>
-              <a:t>数と計算コストを考慮した特徴量の計算</a:t>
-            </a:r>
-            <a:r>
-              <a:rPr lang="ja-JP" altLang="en-US" dirty="0" smtClean="0"/>
-              <a:t>方法</a:t>
+              <a:t>画像検索のための画像特徴ベクトルの次元数に着目した認識精度と計算コストの関係性の調査</a:t>
             </a:r>
             <a:endParaRPr kumimoji="1" lang="ja-JP" altLang="en-US" dirty="0"/>
           </a:p>
@@ -3824,7 +8887,12 @@
             <p:ph type="subTitle" idx="1"/>
           </p:nvPr>
         </p:nvSpPr>
-        <p:spPr/>
+        <p:spPr>
+          <a:xfrm>
+            <a:off x="1143000" y="4299869"/>
+            <a:ext cx="6858000" cy="1655762"/>
+          </a:xfrm>
+        </p:spPr>
         <p:txBody>
           <a:bodyPr/>
           <a:lstStyle/>
@@ -3884,10 +8952,10 @@
           <a:lstStyle/>
           <a:p>
             <a:fld id="{B4451160-128F-4DAD-AE29-4A8CC0E7B9E9}" type="slidenum">
-              <a:rPr kumimoji="1" lang="ja-JP" altLang="en-US" smtClean="0"/>
+              <a:rPr kumimoji="1" lang="ja-JP" altLang="en-US" sz="3200" smtClean="0"/>
               <a:t>1</a:t>
             </a:fld>
-            <a:endParaRPr kumimoji="1" lang="ja-JP" altLang="en-US"/>
+            <a:endParaRPr kumimoji="1" lang="ja-JP" altLang="en-US" sz="3200" dirty="0"/>
           </a:p>
         </p:txBody>
       </p:sp>
@@ -3955,10 +9023,17 @@
   <p:clrMapOvr>
     <a:masterClrMapping/>
   </p:clrMapOvr>
+  <p:timing>
+    <p:tnLst>
+      <p:par>
+        <p:cTn id="1" dur="indefinite" restart="never" nodeType="tmRoot"/>
+      </p:par>
+    </p:tnLst>
+  </p:timing>
 </p:sld>
 </file>
 
-<file path=ppt/slides/slide2.xml><?xml version="1.0" encoding="utf-8"?>
+<file path=ppt/slides/slide10.xml><?xml version="1.0" encoding="utf-8"?>
 <p:sld xmlns:a="http://schemas.openxmlformats.org/drawingml/2006/main" xmlns:r="http://schemas.openxmlformats.org/officeDocument/2006/relationships" xmlns:p="http://schemas.openxmlformats.org/presentationml/2006/main">
   <p:cSld>
     <p:spTree>
@@ -3991,9 +9066,10 @@
           <a:lstStyle/>
           <a:p>
             <a:r>
-              <a:rPr kumimoji="1" lang="ja-JP" altLang="en-US" dirty="0"/>
-              <a:t>研究背景</a:t>
-            </a:r>
+              <a:rPr kumimoji="1" lang="ja-JP" altLang="en-US" dirty="0" smtClean="0"/>
+              <a:t>特徴ベクトルの生成</a:t>
+            </a:r>
+            <a:endParaRPr kumimoji="1" lang="ja-JP" altLang="en-US" dirty="0"/>
           </a:p>
         </p:txBody>
       </p:sp>
@@ -4013,42 +9089,42 @@
           <a:lstStyle/>
           <a:p>
             <a:r>
-              <a:rPr lang="en-US" altLang="ja-JP" dirty="0" smtClean="0"/>
-              <a:t>Twitter </a:t>
-            </a:r>
-            <a:r>
-              <a:rPr lang="ja-JP" altLang="ja-JP" dirty="0"/>
-              <a:t>や </a:t>
+              <a:rPr kumimoji="1" lang="en-US" altLang="ja-JP" dirty="0" smtClean="0"/>
+              <a:t>CNN</a:t>
+            </a:r>
+            <a:r>
+              <a:rPr kumimoji="1" lang="ja-JP" altLang="en-US" dirty="0" smtClean="0"/>
+              <a:t>による</a:t>
+            </a:r>
+            <a:r>
+              <a:rPr kumimoji="1" lang="en-US" altLang="ja-JP" dirty="0" smtClean="0"/>
+              <a:t>,</a:t>
+            </a:r>
+            <a:r>
+              <a:rPr kumimoji="1" lang="ja-JP" altLang="en-US" dirty="0" smtClean="0"/>
+              <a:t>画像からの特徴ベクトルの抽出方法</a:t>
+            </a:r>
+            <a:endParaRPr kumimoji="1" lang="en-US" altLang="ja-JP" dirty="0" smtClean="0"/>
+          </a:p>
+          <a:p>
+            <a:endParaRPr lang="en-US" altLang="ja-JP" dirty="0"/>
+          </a:p>
+          <a:p>
+            <a:r>
+              <a:rPr kumimoji="1" lang="en-US" altLang="ja-JP" dirty="0" smtClean="0"/>
+              <a:t>SIFT</a:t>
+            </a:r>
+            <a:r>
+              <a:rPr lang="ja-JP" altLang="en-US" dirty="0"/>
+              <a:t>による</a:t>
             </a:r>
             <a:r>
               <a:rPr lang="en-US" altLang="ja-JP" dirty="0"/>
-              <a:t>Instagram</a:t>
-            </a:r>
-            <a:r>
-              <a:rPr lang="ja-JP" altLang="ja-JP" dirty="0"/>
-              <a:t>などのソーシャルネットワーキングサービスの普及に伴い</a:t>
+              <a:t>,</a:t>
             </a:r>
             <a:r>
               <a:rPr lang="ja-JP" altLang="en-US" dirty="0"/>
-              <a:t>、</a:t>
-            </a:r>
-            <a:r>
-              <a:rPr lang="ja-JP" altLang="ja-JP" dirty="0"/>
-              <a:t>我々のアクセスすることができる画像が急激に増加している</a:t>
-            </a:r>
-            <a:r>
-              <a:rPr lang="ja-JP" altLang="en-US" dirty="0" smtClean="0"/>
-              <a:t>。</a:t>
-            </a:r>
-            <a:endParaRPr lang="en-US" altLang="ja-JP" dirty="0" smtClean="0"/>
-          </a:p>
-          <a:p>
-            <a:endParaRPr lang="en-US" altLang="ja-JP" dirty="0" smtClean="0"/>
-          </a:p>
-          <a:p>
-            <a:r>
-              <a:rPr lang="ja-JP" altLang="en-US" dirty="0" smtClean="0"/>
-              <a:t>これに伴い、画像認識に関する多くの研究で性能が向上されている。</a:t>
+              <a:t>画像からの特徴ベクトルの抽出方法</a:t>
             </a:r>
             <a:endParaRPr lang="en-US" altLang="ja-JP" dirty="0"/>
           </a:p>
@@ -4073,27 +9149,35 @@
           <a:lstStyle/>
           <a:p>
             <a:fld id="{B4451160-128F-4DAD-AE29-4A8CC0E7B9E9}" type="slidenum">
-              <a:rPr kumimoji="1" lang="ja-JP" altLang="en-US" smtClean="0"/>
-              <a:t>2</a:t>
+              <a:rPr lang="ja-JP" altLang="en-US" smtClean="0"/>
+              <a:pPr/>
+              <a:t>10</a:t>
             </a:fld>
-            <a:endParaRPr kumimoji="1" lang="ja-JP" altLang="en-US"/>
+            <a:endParaRPr lang="ja-JP" altLang="en-US" dirty="0"/>
           </a:p>
         </p:txBody>
       </p:sp>
     </p:spTree>
     <p:extLst>
       <p:ext uri="{BB962C8B-B14F-4D97-AF65-F5344CB8AC3E}">
-        <p14:creationId xmlns:p14="http://schemas.microsoft.com/office/powerpoint/2010/main" val="2751752632"/>
+        <p14:creationId xmlns:p14="http://schemas.microsoft.com/office/powerpoint/2010/main" val="3404779024"/>
       </p:ext>
     </p:extLst>
   </p:cSld>
   <p:clrMapOvr>
     <a:masterClrMapping/>
   </p:clrMapOvr>
+  <p:timing>
+    <p:tnLst>
+      <p:par>
+        <p:cTn id="1" dur="indefinite" restart="never" nodeType="tmRoot"/>
+      </p:par>
+    </p:tnLst>
+  </p:timing>
 </p:sld>
 </file>
 
-<file path=ppt/slides/slide3.xml><?xml version="1.0" encoding="utf-8"?>
+<file path=ppt/slides/slide11.xml><?xml version="1.0" encoding="utf-8"?>
 <p:sld xmlns:a="http://schemas.openxmlformats.org/drawingml/2006/main" xmlns:r="http://schemas.openxmlformats.org/officeDocument/2006/relationships" xmlns:p="http://schemas.openxmlformats.org/presentationml/2006/main">
   <p:cSld>
     <p:spTree>
@@ -4127,7 +9211,7 @@
           <a:p>
             <a:r>
               <a:rPr kumimoji="1" lang="ja-JP" altLang="en-US" dirty="0"/>
-              <a:t>関連研究</a:t>
+              <a:t>今後のスケジュール</a:t>
             </a:r>
           </a:p>
         </p:txBody>
@@ -4142,929 +9226,55 @@
             <p:ph idx="1"/>
           </p:nvPr>
         </p:nvSpPr>
+        <p:spPr>
+          <a:xfrm>
+            <a:off x="746233" y="1041146"/>
+            <a:ext cx="7886700" cy="4351338"/>
+          </a:xfrm>
+        </p:spPr>
+        <p:txBody>
+          <a:bodyPr/>
+          <a:lstStyle/>
+          <a:p>
+            <a:endParaRPr lang="en-US" altLang="ja-JP" dirty="0"/>
+          </a:p>
+          <a:p>
+            <a:endParaRPr lang="en-US" altLang="ja-JP" dirty="0" smtClean="0"/>
+          </a:p>
+          <a:p>
+            <a:endParaRPr lang="en-US" altLang="ja-JP" dirty="0"/>
+          </a:p>
+          <a:p>
+            <a:endParaRPr lang="en-US" altLang="ja-JP" dirty="0" smtClean="0"/>
+          </a:p>
+          <a:p>
+            <a:endParaRPr kumimoji="1" lang="en-US" altLang="ja-JP" dirty="0"/>
+          </a:p>
+          <a:p>
+            <a:endParaRPr kumimoji="1" lang="ja-JP" altLang="en-US" dirty="0"/>
+          </a:p>
+        </p:txBody>
+      </p:sp>
+      <p:sp>
+        <p:nvSpPr>
+          <p:cNvPr id="4" name="スライド番号プレースホルダー 3"/>
+          <p:cNvSpPr>
+            <a:spLocks noGrp="1"/>
+          </p:cNvSpPr>
+          <p:nvPr>
+            <p:ph type="sldNum" sz="quarter" idx="12"/>
+          </p:nvPr>
+        </p:nvSpPr>
         <p:spPr/>
         <p:txBody>
           <a:bodyPr/>
           <a:lstStyle/>
           <a:p>
-            <a:r>
-              <a:rPr lang="ja-JP" altLang="en-US" dirty="0"/>
-              <a:t>「深層畳み込みニューラルネットワークによる画像特徴抽出と転移</a:t>
-            </a:r>
-            <a:r>
-              <a:rPr lang="ja-JP" altLang="en-US" dirty="0" smtClean="0"/>
-              <a:t>学習」</a:t>
-            </a:r>
-            <a:endParaRPr lang="en-US" altLang="ja-JP" dirty="0" smtClean="0"/>
-          </a:p>
-          <a:p>
-            <a:pPr marL="0" indent="0">
-              <a:buNone/>
-            </a:pPr>
-            <a:r>
-              <a:rPr lang="ja-JP" altLang="en-US" dirty="0" smtClean="0"/>
-              <a:t>中山秀樹</a:t>
-            </a:r>
-            <a:r>
-              <a:rPr lang="ja-JP" altLang="en-US" dirty="0"/>
-              <a:t>　</a:t>
-            </a:r>
-            <a:r>
-              <a:rPr lang="ja-JP" altLang="en-US" dirty="0" smtClean="0"/>
-              <a:t>東京大学　大学院情報理工学系研究科</a:t>
-            </a:r>
-            <a:endParaRPr lang="en-US" altLang="ja-JP" dirty="0" smtClean="0"/>
-          </a:p>
-          <a:p>
-            <a:endParaRPr kumimoji="1" lang="en-US" altLang="ja-JP" dirty="0"/>
-          </a:p>
-          <a:p>
-            <a:r>
-              <a:rPr kumimoji="1" lang="ja-JP" altLang="en-US" dirty="0" smtClean="0"/>
-              <a:t>「</a:t>
-            </a:r>
-            <a:r>
-              <a:rPr kumimoji="1" lang="en-US" altLang="ja-JP" dirty="0" smtClean="0"/>
-              <a:t>Gradient</a:t>
-            </a:r>
-            <a:r>
-              <a:rPr kumimoji="1" lang="ja-JP" altLang="en-US" dirty="0" smtClean="0"/>
-              <a:t>ベースの特徴抽出　</a:t>
-            </a:r>
-            <a:r>
-              <a:rPr kumimoji="1" lang="en-US" altLang="ja-JP" dirty="0" smtClean="0"/>
-              <a:t>–SIFT</a:t>
-            </a:r>
-            <a:r>
-              <a:rPr kumimoji="1" lang="ja-JP" altLang="en-US" dirty="0" smtClean="0"/>
-              <a:t>と</a:t>
-            </a:r>
-            <a:r>
-              <a:rPr kumimoji="1" lang="en-US" altLang="ja-JP" dirty="0" smtClean="0"/>
-              <a:t>HOG-</a:t>
-            </a:r>
-            <a:r>
-              <a:rPr kumimoji="1" lang="ja-JP" altLang="en-US" dirty="0" smtClean="0"/>
-              <a:t>」</a:t>
-            </a:r>
-            <a:endParaRPr kumimoji="1" lang="en-US" altLang="ja-JP" dirty="0" smtClean="0"/>
-          </a:p>
-          <a:p>
-            <a:pPr marL="0" indent="0">
-              <a:buNone/>
-            </a:pPr>
-            <a:r>
-              <a:rPr lang="ja-JP" altLang="en-US" dirty="0"/>
-              <a:t>藤吉 弘</a:t>
-            </a:r>
-            <a:r>
-              <a:rPr lang="ja-JP" altLang="en-US" dirty="0" smtClean="0"/>
-              <a:t>亘　中部大学工学部情報工学科</a:t>
-            </a:r>
-            <a:endParaRPr kumimoji="1" lang="ja-JP" altLang="en-US" dirty="0"/>
-          </a:p>
-        </p:txBody>
-      </p:sp>
-      <p:sp>
-        <p:nvSpPr>
-          <p:cNvPr id="4" name="スライド番号プレースホルダー 3"/>
-          <p:cNvSpPr>
-            <a:spLocks noGrp="1"/>
-          </p:cNvSpPr>
-          <p:nvPr>
-            <p:ph type="sldNum" sz="quarter" idx="12"/>
-          </p:nvPr>
-        </p:nvSpPr>
-        <p:spPr/>
-        <p:txBody>
-          <a:bodyPr/>
-          <a:lstStyle/>
-          <a:p>
             <a:fld id="{B4451160-128F-4DAD-AE29-4A8CC0E7B9E9}" type="slidenum">
-              <a:rPr kumimoji="1" lang="ja-JP" altLang="en-US" smtClean="0"/>
-              <a:t>3</a:t>
+              <a:rPr kumimoji="1" lang="ja-JP" altLang="en-US" sz="3200" smtClean="0"/>
+              <a:t>11</a:t>
             </a:fld>
-            <a:endParaRPr kumimoji="1" lang="ja-JP" altLang="en-US"/>
-          </a:p>
-        </p:txBody>
-      </p:sp>
-    </p:spTree>
-    <p:extLst>
-      <p:ext uri="{BB962C8B-B14F-4D97-AF65-F5344CB8AC3E}">
-        <p14:creationId xmlns:p14="http://schemas.microsoft.com/office/powerpoint/2010/main" val="3769541672"/>
-      </p:ext>
-    </p:extLst>
-  </p:cSld>
-  <p:clrMapOvr>
-    <a:masterClrMapping/>
-  </p:clrMapOvr>
-</p:sld>
-</file>
-
-<file path=ppt/slides/slide4.xml><?xml version="1.0" encoding="utf-8"?>
-<p:sld xmlns:a="http://schemas.openxmlformats.org/drawingml/2006/main" xmlns:r="http://schemas.openxmlformats.org/officeDocument/2006/relationships" xmlns:p="http://schemas.openxmlformats.org/presentationml/2006/main">
-  <p:cSld>
-    <p:spTree>
-      <p:nvGrpSpPr>
-        <p:cNvPr id="1" name=""/>
-        <p:cNvGrpSpPr/>
-        <p:nvPr/>
-      </p:nvGrpSpPr>
-      <p:grpSpPr>
-        <a:xfrm>
-          <a:off x="0" y="0"/>
-          <a:ext cx="0" cy="0"/>
-          <a:chOff x="0" y="0"/>
-          <a:chExt cx="0" cy="0"/>
-        </a:xfrm>
-      </p:grpSpPr>
-      <p:sp>
-        <p:nvSpPr>
-          <p:cNvPr id="2" name="タイトル 1"/>
-          <p:cNvSpPr>
-            <a:spLocks noGrp="1"/>
-          </p:cNvSpPr>
-          <p:nvPr>
-            <p:ph type="title"/>
-          </p:nvPr>
-        </p:nvSpPr>
-        <p:spPr/>
-        <p:txBody>
-          <a:bodyPr/>
-          <a:lstStyle/>
-          <a:p>
-            <a:r>
-              <a:rPr kumimoji="1" lang="ja-JP" altLang="en-US" dirty="0"/>
-              <a:t>研究課題</a:t>
-            </a:r>
-          </a:p>
-        </p:txBody>
-      </p:sp>
-      <p:sp>
-        <p:nvSpPr>
-          <p:cNvPr id="3" name="コンテンツ プレースホルダー 2"/>
-          <p:cNvSpPr>
-            <a:spLocks noGrp="1"/>
-          </p:cNvSpPr>
-          <p:nvPr>
-            <p:ph idx="1"/>
-          </p:nvPr>
-        </p:nvSpPr>
-        <p:spPr/>
-        <p:txBody>
-          <a:bodyPr/>
-          <a:lstStyle/>
-          <a:p>
-            <a:r>
-              <a:rPr lang="ja-JP" altLang="en-US" dirty="0"/>
-              <a:t>画像認識において、特徴量がより高次元になるほど、認識性能が高くなる</a:t>
-            </a:r>
-            <a:r>
-              <a:rPr lang="ja-JP" altLang="en-US" dirty="0" smtClean="0"/>
-              <a:t>。</a:t>
-            </a:r>
-            <a:endParaRPr lang="en-US" altLang="ja-JP" dirty="0" smtClean="0"/>
-          </a:p>
-          <a:p>
-            <a:endParaRPr lang="en-US" altLang="ja-JP" dirty="0"/>
-          </a:p>
-          <a:p>
-            <a:r>
-              <a:rPr lang="ja-JP" altLang="en-US" dirty="0"/>
-              <a:t>しかし、特徴量が高次元になると特徴量の算出コスト、認識処理の計算コストが大きく増加してしまい、解析が困難になってしまうといった課題がある。</a:t>
-            </a:r>
-            <a:endParaRPr lang="en-US" altLang="ja-JP" dirty="0"/>
-          </a:p>
-          <a:p>
-            <a:endParaRPr kumimoji="1" lang="ja-JP" altLang="en-US" dirty="0"/>
-          </a:p>
-        </p:txBody>
-      </p:sp>
-      <p:sp>
-        <p:nvSpPr>
-          <p:cNvPr id="4" name="スライド番号プレースホルダー 3"/>
-          <p:cNvSpPr>
-            <a:spLocks noGrp="1"/>
-          </p:cNvSpPr>
-          <p:nvPr>
-            <p:ph type="sldNum" sz="quarter" idx="12"/>
-          </p:nvPr>
-        </p:nvSpPr>
-        <p:spPr/>
-        <p:txBody>
-          <a:bodyPr/>
-          <a:lstStyle/>
-          <a:p>
-            <a:fld id="{B4451160-128F-4DAD-AE29-4A8CC0E7B9E9}" type="slidenum">
-              <a:rPr kumimoji="1" lang="ja-JP" altLang="en-US" smtClean="0"/>
-              <a:t>4</a:t>
-            </a:fld>
-            <a:endParaRPr kumimoji="1" lang="ja-JP" altLang="en-US"/>
-          </a:p>
-        </p:txBody>
-      </p:sp>
-    </p:spTree>
-    <p:extLst>
-      <p:ext uri="{BB962C8B-B14F-4D97-AF65-F5344CB8AC3E}">
-        <p14:creationId xmlns:p14="http://schemas.microsoft.com/office/powerpoint/2010/main" val="1923407823"/>
-      </p:ext>
-    </p:extLst>
-  </p:cSld>
-  <p:clrMapOvr>
-    <a:masterClrMapping/>
-  </p:clrMapOvr>
-</p:sld>
-</file>
-
-<file path=ppt/slides/slide5.xml><?xml version="1.0" encoding="utf-8"?>
-<p:sld xmlns:a="http://schemas.openxmlformats.org/drawingml/2006/main" xmlns:r="http://schemas.openxmlformats.org/officeDocument/2006/relationships" xmlns:p="http://schemas.openxmlformats.org/presentationml/2006/main">
-  <p:cSld>
-    <p:spTree>
-      <p:nvGrpSpPr>
-        <p:cNvPr id="1" name=""/>
-        <p:cNvGrpSpPr/>
-        <p:nvPr/>
-      </p:nvGrpSpPr>
-      <p:grpSpPr>
-        <a:xfrm>
-          <a:off x="0" y="0"/>
-          <a:ext cx="0" cy="0"/>
-          <a:chOff x="0" y="0"/>
-          <a:chExt cx="0" cy="0"/>
-        </a:xfrm>
-      </p:grpSpPr>
-      <p:sp>
-        <p:nvSpPr>
-          <p:cNvPr id="2" name="タイトル 1"/>
-          <p:cNvSpPr>
-            <a:spLocks noGrp="1"/>
-          </p:cNvSpPr>
-          <p:nvPr>
-            <p:ph type="title"/>
-          </p:nvPr>
-        </p:nvSpPr>
-        <p:spPr/>
-        <p:txBody>
-          <a:bodyPr/>
-          <a:lstStyle/>
-          <a:p>
-            <a:r>
-              <a:rPr kumimoji="1" lang="ja-JP" altLang="en-US" dirty="0"/>
-              <a:t>研究動機</a:t>
-            </a:r>
-          </a:p>
-        </p:txBody>
-      </p:sp>
-      <p:sp>
-        <p:nvSpPr>
-          <p:cNvPr id="3" name="コンテンツ プレースホルダー 2"/>
-          <p:cNvSpPr>
-            <a:spLocks noGrp="1"/>
-          </p:cNvSpPr>
-          <p:nvPr>
-            <p:ph idx="1"/>
-          </p:nvPr>
-        </p:nvSpPr>
-        <p:spPr/>
-        <p:txBody>
-          <a:bodyPr/>
-          <a:lstStyle/>
-          <a:p>
-            <a:r>
-              <a:rPr lang="ja-JP" altLang="en-US" dirty="0" smtClean="0"/>
-              <a:t>大量の</a:t>
-            </a:r>
-            <a:r>
-              <a:rPr lang="ja-JP" altLang="en-US" dirty="0"/>
-              <a:t>情報</a:t>
-            </a:r>
-            <a:r>
-              <a:rPr lang="ja-JP" altLang="en-US" dirty="0" smtClean="0"/>
-              <a:t>があふれる中、高次元の画像データを認識性能を向上させつつも、計算コストを抑えることでより良い</a:t>
-            </a:r>
-            <a:r>
-              <a:rPr lang="ja-JP" altLang="en-US" dirty="0"/>
-              <a:t>画像</a:t>
-            </a:r>
-            <a:r>
-              <a:rPr lang="ja-JP" altLang="en-US" dirty="0" smtClean="0"/>
-              <a:t>認識を行う。</a:t>
-            </a:r>
-            <a:endParaRPr lang="en-US" altLang="ja-JP" dirty="0" smtClean="0"/>
-          </a:p>
-          <a:p>
-            <a:endParaRPr lang="en-US" altLang="ja-JP" dirty="0" smtClean="0"/>
-          </a:p>
-          <a:p>
-            <a:r>
-              <a:rPr lang="ja-JP" altLang="en-US" dirty="0"/>
-              <a:t>計算コスト</a:t>
-            </a:r>
-            <a:r>
-              <a:rPr lang="ja-JP" altLang="en-US" dirty="0" smtClean="0"/>
-              <a:t>を抑えた画像認識手法</a:t>
-            </a:r>
-            <a:r>
-              <a:rPr lang="ja-JP" altLang="en-US" dirty="0" smtClean="0"/>
-              <a:t>を</a:t>
-            </a:r>
-            <a:r>
-              <a:rPr lang="ja-JP" altLang="en-US" dirty="0" smtClean="0"/>
-              <a:t>調査することで、画像検索システムを成り立たせるうえで、認識性能が正常に扱える有効な範囲は</a:t>
-            </a:r>
-            <a:r>
-              <a:rPr lang="ja-JP" altLang="en-US" dirty="0" smtClean="0"/>
-              <a:t>どこなのか明確にする。</a:t>
-            </a:r>
-            <a:endParaRPr lang="ja-JP" altLang="en-US" dirty="0"/>
-          </a:p>
-          <a:p>
-            <a:endParaRPr kumimoji="1" lang="ja-JP" altLang="en-US" dirty="0"/>
-          </a:p>
-        </p:txBody>
-      </p:sp>
-      <p:sp>
-        <p:nvSpPr>
-          <p:cNvPr id="4" name="スライド番号プレースホルダー 3"/>
-          <p:cNvSpPr>
-            <a:spLocks noGrp="1"/>
-          </p:cNvSpPr>
-          <p:nvPr>
-            <p:ph type="sldNum" sz="quarter" idx="12"/>
-          </p:nvPr>
-        </p:nvSpPr>
-        <p:spPr/>
-        <p:txBody>
-          <a:bodyPr/>
-          <a:lstStyle/>
-          <a:p>
-            <a:fld id="{B4451160-128F-4DAD-AE29-4A8CC0E7B9E9}" type="slidenum">
-              <a:rPr kumimoji="1" lang="ja-JP" altLang="en-US" smtClean="0"/>
-              <a:t>5</a:t>
-            </a:fld>
-            <a:endParaRPr kumimoji="1" lang="ja-JP" altLang="en-US"/>
-          </a:p>
-        </p:txBody>
-      </p:sp>
-    </p:spTree>
-    <p:extLst>
-      <p:ext uri="{BB962C8B-B14F-4D97-AF65-F5344CB8AC3E}">
-        <p14:creationId xmlns:p14="http://schemas.microsoft.com/office/powerpoint/2010/main" val="3482704347"/>
-      </p:ext>
-    </p:extLst>
-  </p:cSld>
-  <p:clrMapOvr>
-    <a:masterClrMapping/>
-  </p:clrMapOvr>
-</p:sld>
-</file>
-
-<file path=ppt/slides/slide6.xml><?xml version="1.0" encoding="utf-8"?>
-<p:sld xmlns:a="http://schemas.openxmlformats.org/drawingml/2006/main" xmlns:r="http://schemas.openxmlformats.org/officeDocument/2006/relationships" xmlns:p="http://schemas.openxmlformats.org/presentationml/2006/main">
-  <p:cSld>
-    <p:spTree>
-      <p:nvGrpSpPr>
-        <p:cNvPr id="1" name=""/>
-        <p:cNvGrpSpPr/>
-        <p:nvPr/>
-      </p:nvGrpSpPr>
-      <p:grpSpPr>
-        <a:xfrm>
-          <a:off x="0" y="0"/>
-          <a:ext cx="0" cy="0"/>
-          <a:chOff x="0" y="0"/>
-          <a:chExt cx="0" cy="0"/>
-        </a:xfrm>
-      </p:grpSpPr>
-      <p:sp>
-        <p:nvSpPr>
-          <p:cNvPr id="2" name="タイトル 1"/>
-          <p:cNvSpPr>
-            <a:spLocks noGrp="1"/>
-          </p:cNvSpPr>
-          <p:nvPr>
-            <p:ph type="title"/>
-          </p:nvPr>
-        </p:nvSpPr>
-        <p:spPr/>
-        <p:txBody>
-          <a:bodyPr/>
-          <a:lstStyle/>
-          <a:p>
-            <a:r>
-              <a:rPr kumimoji="1" lang="ja-JP" altLang="en-US" dirty="0"/>
-              <a:t>研究目的</a:t>
-            </a:r>
-          </a:p>
-        </p:txBody>
-      </p:sp>
-      <p:sp>
-        <p:nvSpPr>
-          <p:cNvPr id="3" name="コンテンツ プレースホルダー 2"/>
-          <p:cNvSpPr>
-            <a:spLocks noGrp="1"/>
-          </p:cNvSpPr>
-          <p:nvPr>
-            <p:ph idx="1"/>
-          </p:nvPr>
-        </p:nvSpPr>
-        <p:spPr/>
-        <p:txBody>
-          <a:bodyPr/>
-          <a:lstStyle/>
-          <a:p>
-            <a:r>
-              <a:rPr lang="ja-JP" altLang="en-US" dirty="0"/>
-              <a:t>高次元の画像を使えば、認識性能</a:t>
-            </a:r>
-            <a:r>
-              <a:rPr lang="ja-JP" altLang="en-US" dirty="0" smtClean="0"/>
-              <a:t>は向上する</a:t>
-            </a:r>
-            <a:r>
-              <a:rPr lang="ja-JP" altLang="en-US" dirty="0"/>
-              <a:t>が</a:t>
-            </a:r>
-            <a:r>
-              <a:rPr lang="ja-JP" altLang="en-US" dirty="0" smtClean="0"/>
-              <a:t>、</a:t>
-            </a:r>
-            <a:r>
-              <a:rPr lang="ja-JP" altLang="en-US" dirty="0"/>
-              <a:t>計算コスト</a:t>
-            </a:r>
-            <a:r>
-              <a:rPr lang="ja-JP" altLang="en-US" dirty="0" smtClean="0"/>
-              <a:t>などの解析</a:t>
-            </a:r>
-            <a:r>
-              <a:rPr lang="ja-JP" altLang="en-US" dirty="0"/>
-              <a:t>が</a:t>
-            </a:r>
-            <a:r>
-              <a:rPr lang="ja-JP" altLang="en-US" dirty="0" smtClean="0"/>
-              <a:t>困難になる</a:t>
-            </a:r>
-            <a:r>
-              <a:rPr lang="ja-JP" altLang="en-US" dirty="0" smtClean="0"/>
-              <a:t>。</a:t>
-            </a:r>
-            <a:endParaRPr lang="en-US" altLang="ja-JP" dirty="0" smtClean="0"/>
-          </a:p>
-          <a:p>
-            <a:endParaRPr lang="en-US" altLang="ja-JP" dirty="0"/>
-          </a:p>
-          <a:p>
-            <a:r>
-              <a:rPr lang="ja-JP" altLang="en-US" dirty="0"/>
-              <a:t>そこで、画像認識の性能を向上させるために、画像認識に有効な特徴量とどれくらいの計算コストで処理できるの</a:t>
-            </a:r>
-            <a:r>
-              <a:rPr lang="ja-JP" altLang="en-US" dirty="0" smtClean="0"/>
-              <a:t>か</a:t>
-            </a:r>
-            <a:r>
-              <a:rPr lang="ja-JP" altLang="en-US" dirty="0"/>
-              <a:t>計測</a:t>
-            </a:r>
-            <a:r>
-              <a:rPr lang="ja-JP" altLang="en-US" dirty="0" smtClean="0"/>
-              <a:t>する。</a:t>
-            </a:r>
-            <a:endParaRPr lang="en-US" altLang="ja-JP" dirty="0"/>
-          </a:p>
-          <a:p>
-            <a:endParaRPr kumimoji="1" lang="ja-JP" altLang="en-US" dirty="0"/>
-          </a:p>
-        </p:txBody>
-      </p:sp>
-      <p:sp>
-        <p:nvSpPr>
-          <p:cNvPr id="4" name="スライド番号プレースホルダー 3"/>
-          <p:cNvSpPr>
-            <a:spLocks noGrp="1"/>
-          </p:cNvSpPr>
-          <p:nvPr>
-            <p:ph type="sldNum" sz="quarter" idx="12"/>
-          </p:nvPr>
-        </p:nvSpPr>
-        <p:spPr/>
-        <p:txBody>
-          <a:bodyPr/>
-          <a:lstStyle/>
-          <a:p>
-            <a:fld id="{B4451160-128F-4DAD-AE29-4A8CC0E7B9E9}" type="slidenum">
-              <a:rPr kumimoji="1" lang="ja-JP" altLang="en-US" smtClean="0"/>
-              <a:t>6</a:t>
-            </a:fld>
-            <a:endParaRPr kumimoji="1" lang="ja-JP" altLang="en-US"/>
-          </a:p>
-        </p:txBody>
-      </p:sp>
-    </p:spTree>
-    <p:extLst>
-      <p:ext uri="{BB962C8B-B14F-4D97-AF65-F5344CB8AC3E}">
-        <p14:creationId xmlns:p14="http://schemas.microsoft.com/office/powerpoint/2010/main" val="114472190"/>
-      </p:ext>
-    </p:extLst>
-  </p:cSld>
-  <p:clrMapOvr>
-    <a:masterClrMapping/>
-  </p:clrMapOvr>
-</p:sld>
-</file>
-
-<file path=ppt/slides/slide7.xml><?xml version="1.0" encoding="utf-8"?>
-<p:sld xmlns:a="http://schemas.openxmlformats.org/drawingml/2006/main" xmlns:r="http://schemas.openxmlformats.org/officeDocument/2006/relationships" xmlns:p="http://schemas.openxmlformats.org/presentationml/2006/main">
-  <p:cSld>
-    <p:spTree>
-      <p:nvGrpSpPr>
-        <p:cNvPr id="1" name=""/>
-        <p:cNvGrpSpPr/>
-        <p:nvPr/>
-      </p:nvGrpSpPr>
-      <p:grpSpPr>
-        <a:xfrm>
-          <a:off x="0" y="0"/>
-          <a:ext cx="0" cy="0"/>
-          <a:chOff x="0" y="0"/>
-          <a:chExt cx="0" cy="0"/>
-        </a:xfrm>
-      </p:grpSpPr>
-      <p:sp>
-        <p:nvSpPr>
-          <p:cNvPr id="2" name="タイトル 1"/>
-          <p:cNvSpPr>
-            <a:spLocks noGrp="1"/>
-          </p:cNvSpPr>
-          <p:nvPr>
-            <p:ph type="title"/>
-          </p:nvPr>
-        </p:nvSpPr>
-        <p:spPr/>
-        <p:txBody>
-          <a:bodyPr/>
-          <a:lstStyle/>
-          <a:p>
-            <a:r>
-              <a:rPr kumimoji="1" lang="ja-JP" altLang="en-US" dirty="0"/>
-              <a:t>本研究のアプローチ</a:t>
-            </a:r>
-          </a:p>
-        </p:txBody>
-      </p:sp>
-      <p:sp>
-        <p:nvSpPr>
-          <p:cNvPr id="3" name="コンテンツ プレースホルダー 2"/>
-          <p:cNvSpPr>
-            <a:spLocks noGrp="1"/>
-          </p:cNvSpPr>
-          <p:nvPr>
-            <p:ph idx="1"/>
-          </p:nvPr>
-        </p:nvSpPr>
-        <p:spPr/>
-        <p:txBody>
-          <a:bodyPr/>
-          <a:lstStyle/>
-          <a:p>
-            <a:r>
-              <a:rPr lang="ja-JP" altLang="en-US" dirty="0"/>
-              <a:t>画像</a:t>
-            </a:r>
-            <a:r>
-              <a:rPr lang="ja-JP" altLang="en-US" dirty="0" smtClean="0"/>
-              <a:t>認識の認識性能を高く保ちつつも、計算コストをできるだけ抑えられる方法を提案する。</a:t>
-            </a:r>
-            <a:endParaRPr lang="en-US" altLang="ja-JP" dirty="0" smtClean="0"/>
-          </a:p>
-          <a:p>
-            <a:endParaRPr kumimoji="1" lang="en-US" altLang="ja-JP" dirty="0"/>
-          </a:p>
-          <a:p>
-            <a:r>
-              <a:rPr lang="ja-JP" altLang="en-US" dirty="0" smtClean="0"/>
-              <a:t>ディープラーニングを用いて、次元数を落とす、又は、特徴選択をして特徴量を絞る。</a:t>
-            </a:r>
-            <a:endParaRPr lang="en-US" altLang="ja-JP" dirty="0" smtClean="0"/>
-          </a:p>
-          <a:p>
-            <a:endParaRPr kumimoji="1" lang="en-US" altLang="ja-JP" dirty="0"/>
-          </a:p>
-          <a:p>
-            <a:endParaRPr kumimoji="1" lang="ja-JP" altLang="en-US" dirty="0"/>
-          </a:p>
-        </p:txBody>
-      </p:sp>
-      <p:sp>
-        <p:nvSpPr>
-          <p:cNvPr id="4" name="スライド番号プレースホルダー 3"/>
-          <p:cNvSpPr>
-            <a:spLocks noGrp="1"/>
-          </p:cNvSpPr>
-          <p:nvPr>
-            <p:ph type="sldNum" sz="quarter" idx="12"/>
-          </p:nvPr>
-        </p:nvSpPr>
-        <p:spPr/>
-        <p:txBody>
-          <a:bodyPr/>
-          <a:lstStyle/>
-          <a:p>
-            <a:fld id="{B4451160-128F-4DAD-AE29-4A8CC0E7B9E9}" type="slidenum">
-              <a:rPr kumimoji="1" lang="ja-JP" altLang="en-US" smtClean="0"/>
-              <a:t>7</a:t>
-            </a:fld>
-            <a:endParaRPr kumimoji="1" lang="ja-JP" altLang="en-US"/>
-          </a:p>
-        </p:txBody>
-      </p:sp>
-    </p:spTree>
-    <p:extLst>
-      <p:ext uri="{BB962C8B-B14F-4D97-AF65-F5344CB8AC3E}">
-        <p14:creationId xmlns:p14="http://schemas.microsoft.com/office/powerpoint/2010/main" val="4224668961"/>
-      </p:ext>
-    </p:extLst>
-  </p:cSld>
-  <p:clrMapOvr>
-    <a:masterClrMapping/>
-  </p:clrMapOvr>
-</p:sld>
-</file>
-
-<file path=ppt/slides/slide8.xml><?xml version="1.0" encoding="utf-8"?>
-<p:sld xmlns:a="http://schemas.openxmlformats.org/drawingml/2006/main" xmlns:r="http://schemas.openxmlformats.org/officeDocument/2006/relationships" xmlns:p="http://schemas.openxmlformats.org/presentationml/2006/main">
-  <p:cSld>
-    <p:spTree>
-      <p:nvGrpSpPr>
-        <p:cNvPr id="1" name=""/>
-        <p:cNvGrpSpPr/>
-        <p:nvPr/>
-      </p:nvGrpSpPr>
-      <p:grpSpPr>
-        <a:xfrm>
-          <a:off x="0" y="0"/>
-          <a:ext cx="0" cy="0"/>
-          <a:chOff x="0" y="0"/>
-          <a:chExt cx="0" cy="0"/>
-        </a:xfrm>
-      </p:grpSpPr>
-      <p:sp>
-        <p:nvSpPr>
-          <p:cNvPr id="2" name="タイトル 1"/>
-          <p:cNvSpPr>
-            <a:spLocks noGrp="1"/>
-          </p:cNvSpPr>
-          <p:nvPr>
-            <p:ph type="title"/>
-          </p:nvPr>
-        </p:nvSpPr>
-        <p:spPr/>
-        <p:txBody>
-          <a:bodyPr/>
-          <a:lstStyle/>
-          <a:p>
-            <a:r>
-              <a:rPr kumimoji="1" lang="ja-JP" altLang="en-US" dirty="0"/>
-              <a:t>提案方式</a:t>
-            </a:r>
-          </a:p>
-        </p:txBody>
-      </p:sp>
-      <p:sp>
-        <p:nvSpPr>
-          <p:cNvPr id="3" name="コンテンツ プレースホルダー 2"/>
-          <p:cNvSpPr>
-            <a:spLocks noGrp="1"/>
-          </p:cNvSpPr>
-          <p:nvPr>
-            <p:ph idx="1"/>
-          </p:nvPr>
-        </p:nvSpPr>
-        <p:spPr/>
-        <p:txBody>
-          <a:bodyPr/>
-          <a:lstStyle/>
-          <a:p>
-            <a:r>
-              <a:rPr lang="ja-JP" altLang="en-US" dirty="0"/>
-              <a:t>本研究で</a:t>
-            </a:r>
-            <a:r>
-              <a:rPr lang="ja-JP" altLang="en-US" dirty="0" smtClean="0"/>
-              <a:t>は、主に</a:t>
-            </a:r>
-            <a:r>
-              <a:rPr kumimoji="1" lang="en-US" altLang="ja-JP" dirty="0" smtClean="0"/>
-              <a:t>CNN</a:t>
-            </a:r>
-            <a:r>
-              <a:rPr kumimoji="1" lang="ja-JP" altLang="en-US" dirty="0" smtClean="0"/>
-              <a:t>を用いて、画像処理を行っていこうと考えている。</a:t>
-            </a:r>
-            <a:endParaRPr kumimoji="1" lang="en-US" altLang="ja-JP" dirty="0" smtClean="0"/>
-          </a:p>
-          <a:p>
-            <a:endParaRPr lang="en-US" altLang="ja-JP" dirty="0"/>
-          </a:p>
-          <a:p>
-            <a:r>
-              <a:rPr kumimoji="1" lang="ja-JP" altLang="en-US" dirty="0" smtClean="0"/>
-              <a:t>また、</a:t>
-            </a:r>
-            <a:r>
-              <a:rPr kumimoji="1" lang="en-US" altLang="ja-JP" dirty="0" smtClean="0"/>
-              <a:t>CNN</a:t>
-            </a:r>
-            <a:r>
-              <a:rPr kumimoji="1" lang="ja-JP" altLang="en-US" dirty="0" smtClean="0"/>
-              <a:t>の比較対象として、</a:t>
-            </a:r>
-            <a:r>
-              <a:rPr kumimoji="1" lang="en-US" altLang="ja-JP" dirty="0" smtClean="0"/>
-              <a:t>SIFT</a:t>
-            </a:r>
-            <a:r>
-              <a:rPr kumimoji="1" lang="ja-JP" altLang="en-US" dirty="0" smtClean="0"/>
-              <a:t>を用いる。</a:t>
-            </a:r>
-            <a:endParaRPr lang="en-US" altLang="ja-JP" dirty="0"/>
-          </a:p>
-          <a:p>
-            <a:endParaRPr lang="en-US" altLang="ja-JP" dirty="0"/>
-          </a:p>
-          <a:p>
-            <a:pPr lvl="2"/>
-            <a:r>
-              <a:rPr kumimoji="1" lang="en-US" altLang="ja-JP" dirty="0" smtClean="0"/>
-              <a:t>CNN</a:t>
-            </a:r>
-          </a:p>
-          <a:p>
-            <a:pPr lvl="3"/>
-            <a:r>
-              <a:rPr lang="en-US" altLang="ja-JP" dirty="0" smtClean="0"/>
-              <a:t>CNN</a:t>
-            </a:r>
-            <a:r>
-              <a:rPr lang="ja-JP" altLang="en-US" dirty="0" smtClean="0"/>
-              <a:t>を用いた特徴量抽出</a:t>
-            </a:r>
-            <a:endParaRPr kumimoji="1" lang="en-US" altLang="ja-JP" dirty="0" smtClean="0"/>
-          </a:p>
-          <a:p>
-            <a:pPr lvl="2"/>
-            <a:r>
-              <a:rPr lang="en-US" altLang="ja-JP" dirty="0" smtClean="0"/>
-              <a:t>SIFT</a:t>
-            </a:r>
-          </a:p>
-          <a:p>
-            <a:pPr lvl="3"/>
-            <a:r>
-              <a:rPr lang="en-US" altLang="ja-JP" dirty="0" smtClean="0"/>
-              <a:t>SIFT</a:t>
-            </a:r>
-            <a:r>
-              <a:rPr lang="ja-JP" altLang="en-US" dirty="0" smtClean="0"/>
-              <a:t>を用いた特徴量抽出</a:t>
-            </a:r>
-            <a:endParaRPr lang="en-US" altLang="ja-JP" dirty="0" smtClean="0"/>
-          </a:p>
-          <a:p>
-            <a:endParaRPr kumimoji="1" lang="ja-JP" altLang="en-US" dirty="0"/>
-          </a:p>
-        </p:txBody>
-      </p:sp>
-      <p:sp>
-        <p:nvSpPr>
-          <p:cNvPr id="4" name="スライド番号プレースホルダー 3"/>
-          <p:cNvSpPr>
-            <a:spLocks noGrp="1"/>
-          </p:cNvSpPr>
-          <p:nvPr>
-            <p:ph type="sldNum" sz="quarter" idx="12"/>
-          </p:nvPr>
-        </p:nvSpPr>
-        <p:spPr/>
-        <p:txBody>
-          <a:bodyPr/>
-          <a:lstStyle/>
-          <a:p>
-            <a:fld id="{B4451160-128F-4DAD-AE29-4A8CC0E7B9E9}" type="slidenum">
-              <a:rPr kumimoji="1" lang="ja-JP" altLang="en-US" smtClean="0"/>
-              <a:t>8</a:t>
-            </a:fld>
-            <a:endParaRPr kumimoji="1" lang="ja-JP" altLang="en-US"/>
-          </a:p>
-        </p:txBody>
-      </p:sp>
-    </p:spTree>
-    <p:extLst>
-      <p:ext uri="{BB962C8B-B14F-4D97-AF65-F5344CB8AC3E}">
-        <p14:creationId xmlns:p14="http://schemas.microsoft.com/office/powerpoint/2010/main" val="1724661356"/>
-      </p:ext>
-    </p:extLst>
-  </p:cSld>
-  <p:clrMapOvr>
-    <a:masterClrMapping/>
-  </p:clrMapOvr>
-</p:sld>
-</file>
-
-<file path=ppt/slides/slide9.xml><?xml version="1.0" encoding="utf-8"?>
-<p:sld xmlns:a="http://schemas.openxmlformats.org/drawingml/2006/main" xmlns:r="http://schemas.openxmlformats.org/officeDocument/2006/relationships" xmlns:p="http://schemas.openxmlformats.org/presentationml/2006/main">
-  <p:cSld>
-    <p:spTree>
-      <p:nvGrpSpPr>
-        <p:cNvPr id="1" name=""/>
-        <p:cNvGrpSpPr/>
-        <p:nvPr/>
-      </p:nvGrpSpPr>
-      <p:grpSpPr>
-        <a:xfrm>
-          <a:off x="0" y="0"/>
-          <a:ext cx="0" cy="0"/>
-          <a:chOff x="0" y="0"/>
-          <a:chExt cx="0" cy="0"/>
-        </a:xfrm>
-      </p:grpSpPr>
-      <p:sp>
-        <p:nvSpPr>
-          <p:cNvPr id="2" name="タイトル 1"/>
-          <p:cNvSpPr>
-            <a:spLocks noGrp="1"/>
-          </p:cNvSpPr>
-          <p:nvPr>
-            <p:ph type="title"/>
-          </p:nvPr>
-        </p:nvSpPr>
-        <p:spPr/>
-        <p:txBody>
-          <a:bodyPr/>
-          <a:lstStyle/>
-          <a:p>
-            <a:r>
-              <a:rPr kumimoji="1" lang="ja-JP" altLang="en-US" dirty="0"/>
-              <a:t>今後のスケジュール</a:t>
-            </a:r>
-          </a:p>
-        </p:txBody>
-      </p:sp>
-      <p:sp>
-        <p:nvSpPr>
-          <p:cNvPr id="3" name="コンテンツ プレースホルダー 2"/>
-          <p:cNvSpPr>
-            <a:spLocks noGrp="1"/>
-          </p:cNvSpPr>
-          <p:nvPr>
-            <p:ph idx="1"/>
-          </p:nvPr>
-        </p:nvSpPr>
-        <p:spPr/>
-        <p:txBody>
-          <a:bodyPr/>
-          <a:lstStyle/>
-          <a:p>
-            <a:endParaRPr lang="en-US" altLang="ja-JP" dirty="0"/>
-          </a:p>
-          <a:p>
-            <a:endParaRPr lang="en-US" altLang="ja-JP" dirty="0" smtClean="0"/>
-          </a:p>
-          <a:p>
-            <a:endParaRPr lang="en-US" altLang="ja-JP" dirty="0"/>
-          </a:p>
-          <a:p>
-            <a:endParaRPr lang="en-US" altLang="ja-JP" dirty="0" smtClean="0"/>
-          </a:p>
-          <a:p>
-            <a:endParaRPr kumimoji="1" lang="en-US" altLang="ja-JP" dirty="0"/>
-          </a:p>
-          <a:p>
-            <a:endParaRPr kumimoji="1" lang="ja-JP" altLang="en-US" dirty="0"/>
-          </a:p>
-        </p:txBody>
-      </p:sp>
-      <p:sp>
-        <p:nvSpPr>
-          <p:cNvPr id="4" name="スライド番号プレースホルダー 3"/>
-          <p:cNvSpPr>
-            <a:spLocks noGrp="1"/>
-          </p:cNvSpPr>
-          <p:nvPr>
-            <p:ph type="sldNum" sz="quarter" idx="12"/>
-          </p:nvPr>
-        </p:nvSpPr>
-        <p:spPr/>
-        <p:txBody>
-          <a:bodyPr/>
-          <a:lstStyle/>
-          <a:p>
-            <a:fld id="{B4451160-128F-4DAD-AE29-4A8CC0E7B9E9}" type="slidenum">
-              <a:rPr kumimoji="1" lang="ja-JP" altLang="en-US" smtClean="0"/>
-              <a:t>9</a:t>
-            </a:fld>
-            <a:endParaRPr kumimoji="1" lang="ja-JP" altLang="en-US"/>
+            <a:endParaRPr kumimoji="1" lang="ja-JP" altLang="en-US" sz="3200" dirty="0"/>
           </a:p>
         </p:txBody>
       </p:sp>
@@ -5077,14 +9287,14 @@
           <p:nvPr>
             <p:extLst>
               <p:ext uri="{D42A27DB-BD31-4B8C-83A1-F6EECF244321}">
-                <p14:modId xmlns:p14="http://schemas.microsoft.com/office/powerpoint/2010/main" val="1582772612"/>
+                <p14:modId xmlns:p14="http://schemas.microsoft.com/office/powerpoint/2010/main" val="3773531722"/>
               </p:ext>
             </p:extLst>
           </p:nvPr>
         </p:nvGraphicFramePr>
         <p:xfrm>
-          <a:off x="628650" y="2997200"/>
-          <a:ext cx="5312053" cy="1854200"/>
+          <a:off x="628650" y="4385069"/>
+          <a:ext cx="5754360" cy="2259265"/>
         </p:xfrm>
         <a:graphic>
           <a:graphicData uri="http://schemas.openxmlformats.org/drawingml/2006/table">
@@ -5093,14 +9303,14 @@
                 <a:tableStyleId>{5C22544A-7EE6-4342-B048-85BDC9FD1C3A}</a:tableStyleId>
               </a:tblPr>
               <a:tblGrid>
-                <a:gridCol w="1320466">
+                <a:gridCol w="1532470">
                   <a:extLst>
                     <a:ext uri="{9D8B030D-6E8A-4147-A177-3AD203B41FA5}">
                       <a16:colId xmlns:a16="http://schemas.microsoft.com/office/drawing/2014/main" val="1148737607"/>
                     </a:ext>
                   </a:extLst>
                 </a:gridCol>
-                <a:gridCol w="581343">
+                <a:gridCol w="674679">
                   <a:extLst>
                     <a:ext uri="{9D8B030D-6E8A-4147-A177-3AD203B41FA5}">
                       <a16:colId xmlns:a16="http://schemas.microsoft.com/office/drawing/2014/main" val="1066573376"/>
@@ -5135,7 +9345,7 @@
                     </a:ext>
                   </a:extLst>
                 </a:gridCol>
-                <a:gridCol w="853098">
+                <a:gridCol w="990065">
                   <a:extLst>
                     <a:ext uri="{9D8B030D-6E8A-4147-A177-3AD203B41FA5}">
                       <a16:colId xmlns:a16="http://schemas.microsoft.com/office/drawing/2014/main" val="1077794208"/>
@@ -5143,7 +9353,7 @@
                   </a:extLst>
                 </a:gridCol>
               </a:tblGrid>
-              <a:tr h="370840">
+              <a:tr h="451853">
                 <a:tc>
                   <a:txBody>
                     <a:bodyPr/>
@@ -5268,7 +9478,7 @@
                   </a:ext>
                 </a:extLst>
               </a:tr>
-              <a:tr h="370840">
+              <a:tr h="451853">
                 <a:tc>
                   <a:txBody>
                     <a:bodyPr/>
@@ -5349,7 +9559,7 @@
                   </a:ext>
                 </a:extLst>
               </a:tr>
-              <a:tr h="370840">
+              <a:tr h="451853">
                 <a:tc>
                   <a:txBody>
                     <a:bodyPr/>
@@ -5430,7 +9640,7 @@
                   </a:ext>
                 </a:extLst>
               </a:tr>
-              <a:tr h="370840">
+              <a:tr h="451853">
                 <a:tc>
                   <a:txBody>
                     <a:bodyPr/>
@@ -5511,7 +9721,7 @@
                   </a:ext>
                 </a:extLst>
               </a:tr>
-              <a:tr h="370840">
+              <a:tr h="451853">
                 <a:tc>
                   <a:txBody>
                     <a:bodyPr/>
@@ -5604,7 +9814,7 @@
         </p:nvSpPr>
         <p:spPr>
           <a:xfrm>
-            <a:off x="2009274" y="3422645"/>
+            <a:off x="2159394" y="4892563"/>
             <a:ext cx="1612231" cy="300790"/>
           </a:xfrm>
           <a:prstGeom prst="rightArrow">
@@ -5644,8 +9854,8 @@
         </p:nvSpPr>
         <p:spPr>
           <a:xfrm>
-            <a:off x="3068053" y="3752428"/>
-            <a:ext cx="1058779" cy="288757"/>
+            <a:off x="3454136" y="5392484"/>
+            <a:ext cx="1406659" cy="258773"/>
           </a:xfrm>
           <a:prstGeom prst="rightArrow">
             <a:avLst/>
@@ -5684,8 +9894,8 @@
         </p:nvSpPr>
         <p:spPr>
           <a:xfrm>
-            <a:off x="4347411" y="4141530"/>
-            <a:ext cx="1058779" cy="288757"/>
+            <a:off x="4716416" y="5850388"/>
+            <a:ext cx="1263279" cy="259972"/>
           </a:xfrm>
           <a:prstGeom prst="rightArrow">
             <a:avLst/>
@@ -5724,8 +9934,8 @@
         </p:nvSpPr>
         <p:spPr>
           <a:xfrm>
-            <a:off x="4876800" y="4481088"/>
-            <a:ext cx="1058779" cy="288757"/>
+            <a:off x="5044497" y="6245296"/>
+            <a:ext cx="1338513" cy="251976"/>
           </a:xfrm>
           <a:prstGeom prst="rightArrow">
             <a:avLst/>
@@ -5756,6 +9966,224 @@
           </a:p>
         </p:txBody>
       </p:sp>
+      <p:pic>
+        <p:nvPicPr>
+          <p:cNvPr id="10" name="図 9"/>
+          <p:cNvPicPr>
+            <a:picLocks noChangeAspect="1"/>
+          </p:cNvPicPr>
+          <p:nvPr/>
+        </p:nvPicPr>
+        <p:blipFill>
+          <a:blip r:embed="rId2"/>
+          <a:stretch>
+            <a:fillRect/>
+          </a:stretch>
+        </p:blipFill>
+        <p:spPr>
+          <a:xfrm>
+            <a:off x="628650" y="2645617"/>
+            <a:ext cx="2191199" cy="1539015"/>
+          </a:xfrm>
+          <a:prstGeom prst="rect">
+            <a:avLst/>
+          </a:prstGeom>
+        </p:spPr>
+      </p:pic>
+      <p:pic>
+        <p:nvPicPr>
+          <p:cNvPr id="11" name="図 10"/>
+          <p:cNvPicPr>
+            <a:picLocks noChangeAspect="1"/>
+          </p:cNvPicPr>
+          <p:nvPr/>
+        </p:nvPicPr>
+        <p:blipFill>
+          <a:blip r:embed="rId3"/>
+          <a:stretch>
+            <a:fillRect/>
+          </a:stretch>
+        </p:blipFill>
+        <p:spPr>
+          <a:xfrm>
+            <a:off x="3571719" y="2645617"/>
+            <a:ext cx="2191722" cy="1539015"/>
+          </a:xfrm>
+          <a:prstGeom prst="rect">
+            <a:avLst/>
+          </a:prstGeom>
+        </p:spPr>
+      </p:pic>
+      <p:sp>
+        <p:nvSpPr>
+          <p:cNvPr id="12" name="右矢印 11"/>
+          <p:cNvSpPr/>
+          <p:nvPr/>
+        </p:nvSpPr>
+        <p:spPr>
+          <a:xfrm>
+            <a:off x="2937432" y="3272546"/>
+            <a:ext cx="500867" cy="273250"/>
+          </a:xfrm>
+          <a:prstGeom prst="rightArrow">
+            <a:avLst/>
+          </a:prstGeom>
+        </p:spPr>
+        <p:style>
+          <a:lnRef idx="2">
+            <a:schemeClr val="accent1">
+              <a:shade val="50000"/>
+            </a:schemeClr>
+          </a:lnRef>
+          <a:fillRef idx="1">
+            <a:schemeClr val="accent1"/>
+          </a:fillRef>
+          <a:effectRef idx="0">
+            <a:schemeClr val="accent1"/>
+          </a:effectRef>
+          <a:fontRef idx="minor">
+            <a:schemeClr val="lt1"/>
+          </a:fontRef>
+        </p:style>
+        <p:txBody>
+          <a:bodyPr rtlCol="0" anchor="ctr"/>
+          <a:lstStyle/>
+          <a:p>
+            <a:pPr algn="ctr"/>
+            <a:endParaRPr kumimoji="1" lang="ja-JP" altLang="en-US"/>
+          </a:p>
+        </p:txBody>
+      </p:sp>
+      <p:sp>
+        <p:nvSpPr>
+          <p:cNvPr id="13" name="テキスト ボックス 12"/>
+          <p:cNvSpPr txBox="1"/>
+          <p:nvPr/>
+        </p:nvSpPr>
+        <p:spPr>
+          <a:xfrm>
+            <a:off x="628650" y="2141349"/>
+            <a:ext cx="3967413" cy="369332"/>
+          </a:xfrm>
+          <a:prstGeom prst="rect">
+            <a:avLst/>
+          </a:prstGeom>
+          <a:noFill/>
+        </p:spPr>
+        <p:txBody>
+          <a:bodyPr wrap="square" rtlCol="0">
+            <a:spAutoFit/>
+          </a:bodyPr>
+          <a:lstStyle/>
+          <a:p>
+            <a:r>
+              <a:rPr kumimoji="1" lang="en-US" altLang="ja-JP" dirty="0" smtClean="0"/>
+              <a:t>SIFT</a:t>
+            </a:r>
+            <a:r>
+              <a:rPr lang="ja-JP" altLang="en-US" dirty="0" smtClean="0"/>
+              <a:t>でキーポイントを出してみました。</a:t>
+            </a:r>
+            <a:endParaRPr lang="en-US" altLang="ja-JP" dirty="0" smtClean="0"/>
+          </a:p>
+        </p:txBody>
+      </p:sp>
+      <p:sp>
+        <p:nvSpPr>
+          <p:cNvPr id="14" name="テキスト ボックス 13"/>
+          <p:cNvSpPr txBox="1"/>
+          <p:nvPr/>
+        </p:nvSpPr>
+        <p:spPr>
+          <a:xfrm>
+            <a:off x="6310848" y="2141349"/>
+            <a:ext cx="2586770" cy="923330"/>
+          </a:xfrm>
+          <a:prstGeom prst="rect">
+            <a:avLst/>
+          </a:prstGeom>
+          <a:noFill/>
+        </p:spPr>
+        <p:txBody>
+          <a:bodyPr wrap="square" rtlCol="0">
+            <a:spAutoFit/>
+          </a:bodyPr>
+          <a:lstStyle/>
+          <a:p>
+            <a:r>
+              <a:rPr kumimoji="1" lang="en-US" altLang="ja-JP" dirty="0" smtClean="0"/>
+              <a:t>CNN</a:t>
+            </a:r>
+            <a:r>
+              <a:rPr kumimoji="1" lang="ja-JP" altLang="en-US" dirty="0" smtClean="0"/>
+              <a:t>では、</a:t>
+            </a:r>
+            <a:r>
+              <a:rPr kumimoji="1" lang="en-US" altLang="ja-JP" dirty="0" smtClean="0"/>
+              <a:t>VGG16</a:t>
+            </a:r>
+            <a:r>
+              <a:rPr kumimoji="1" lang="ja-JP" altLang="en-US" dirty="0" smtClean="0"/>
+              <a:t>で中間層を可視化することをしてみました。</a:t>
+            </a:r>
+            <a:endParaRPr kumimoji="1" lang="ja-JP" altLang="en-US" dirty="0"/>
+          </a:p>
+        </p:txBody>
+      </p:sp>
+      <p:sp>
+        <p:nvSpPr>
+          <p:cNvPr id="15" name="テキスト ボックス 14"/>
+          <p:cNvSpPr txBox="1"/>
+          <p:nvPr/>
+        </p:nvSpPr>
+        <p:spPr>
+          <a:xfrm>
+            <a:off x="628650" y="1723806"/>
+            <a:ext cx="2101289" cy="369332"/>
+          </a:xfrm>
+          <a:prstGeom prst="rect">
+            <a:avLst/>
+          </a:prstGeom>
+          <a:noFill/>
+        </p:spPr>
+        <p:txBody>
+          <a:bodyPr wrap="square" rtlCol="0">
+            <a:spAutoFit/>
+          </a:bodyPr>
+          <a:lstStyle/>
+          <a:p>
+            <a:r>
+              <a:rPr kumimoji="1" lang="ja-JP" altLang="en-US" dirty="0" smtClean="0"/>
+              <a:t>現在の学習状況</a:t>
+            </a:r>
+            <a:endParaRPr kumimoji="1" lang="ja-JP" altLang="en-US" dirty="0"/>
+          </a:p>
+        </p:txBody>
+      </p:sp>
+      <p:pic>
+        <p:nvPicPr>
+          <p:cNvPr id="16" name="図 15"/>
+          <p:cNvPicPr>
+            <a:picLocks noChangeAspect="1"/>
+          </p:cNvPicPr>
+          <p:nvPr/>
+        </p:nvPicPr>
+        <p:blipFill>
+          <a:blip r:embed="rId4"/>
+          <a:stretch>
+            <a:fillRect/>
+          </a:stretch>
+        </p:blipFill>
+        <p:spPr>
+          <a:xfrm>
+            <a:off x="6451092" y="3064679"/>
+            <a:ext cx="2149945" cy="3229116"/>
+          </a:xfrm>
+          <a:prstGeom prst="rect">
+            <a:avLst/>
+          </a:prstGeom>
+        </p:spPr>
+      </p:pic>
     </p:spTree>
     <p:extLst>
       <p:ext uri="{BB962C8B-B14F-4D97-AF65-F5344CB8AC3E}">
@@ -5766,6 +10194,1789 @@
   <p:clrMapOvr>
     <a:masterClrMapping/>
   </p:clrMapOvr>
+  <p:timing>
+    <p:tnLst>
+      <p:par>
+        <p:cTn id="1" dur="indefinite" restart="never" nodeType="tmRoot"/>
+      </p:par>
+    </p:tnLst>
+  </p:timing>
+</p:sld>
+</file>
+
+<file path=ppt/slides/slide2.xml><?xml version="1.0" encoding="utf-8"?>
+<p:sld xmlns:a="http://schemas.openxmlformats.org/drawingml/2006/main" xmlns:r="http://schemas.openxmlformats.org/officeDocument/2006/relationships" xmlns:p="http://schemas.openxmlformats.org/presentationml/2006/main">
+  <p:cSld>
+    <p:spTree>
+      <p:nvGrpSpPr>
+        <p:cNvPr id="1" name=""/>
+        <p:cNvGrpSpPr/>
+        <p:nvPr/>
+      </p:nvGrpSpPr>
+      <p:grpSpPr>
+        <a:xfrm>
+          <a:off x="0" y="0"/>
+          <a:ext cx="0" cy="0"/>
+          <a:chOff x="0" y="0"/>
+          <a:chExt cx="0" cy="0"/>
+        </a:xfrm>
+      </p:grpSpPr>
+      <p:sp>
+        <p:nvSpPr>
+          <p:cNvPr id="2" name="タイトル 1"/>
+          <p:cNvSpPr>
+            <a:spLocks noGrp="1"/>
+          </p:cNvSpPr>
+          <p:nvPr>
+            <p:ph type="title"/>
+          </p:nvPr>
+        </p:nvSpPr>
+        <p:spPr/>
+        <p:txBody>
+          <a:bodyPr/>
+          <a:lstStyle/>
+          <a:p>
+            <a:r>
+              <a:rPr kumimoji="1" lang="ja-JP" altLang="en-US" dirty="0"/>
+              <a:t>研究背景</a:t>
+            </a:r>
+          </a:p>
+        </p:txBody>
+      </p:sp>
+      <p:sp>
+        <p:nvSpPr>
+          <p:cNvPr id="3" name="コンテンツ プレースホルダー 2"/>
+          <p:cNvSpPr>
+            <a:spLocks noGrp="1"/>
+          </p:cNvSpPr>
+          <p:nvPr>
+            <p:ph idx="1"/>
+          </p:nvPr>
+        </p:nvSpPr>
+        <p:spPr/>
+        <p:txBody>
+          <a:bodyPr>
+            <a:normAutofit/>
+          </a:bodyPr>
+          <a:lstStyle/>
+          <a:p>
+            <a:r>
+              <a:rPr lang="en-US" altLang="ja-JP" dirty="0" smtClean="0"/>
+              <a:t>Twitter </a:t>
+            </a:r>
+            <a:r>
+              <a:rPr lang="ja-JP" altLang="ja-JP" dirty="0"/>
+              <a:t>や </a:t>
+            </a:r>
+            <a:r>
+              <a:rPr lang="en-US" altLang="ja-JP" dirty="0"/>
+              <a:t>Instagram</a:t>
+            </a:r>
+            <a:r>
+              <a:rPr lang="ja-JP" altLang="ja-JP" dirty="0"/>
+              <a:t>などのソーシャルネットワーキングサービスの普及に</a:t>
+            </a:r>
+            <a:r>
+              <a:rPr lang="ja-JP" altLang="ja-JP" dirty="0" smtClean="0"/>
+              <a:t>伴い</a:t>
+            </a:r>
+            <a:r>
+              <a:rPr lang="en-US" altLang="ja-JP" dirty="0"/>
+              <a:t>,</a:t>
+            </a:r>
+            <a:r>
+              <a:rPr lang="ja-JP" altLang="en-US" dirty="0" smtClean="0"/>
+              <a:t>ユーザが目的の画像にアクセスする手段として</a:t>
+            </a:r>
+            <a:r>
+              <a:rPr lang="en-US" altLang="ja-JP" dirty="0" smtClean="0"/>
+              <a:t>,</a:t>
+            </a:r>
+            <a:r>
+              <a:rPr lang="ja-JP" altLang="en-US" dirty="0" smtClean="0"/>
+              <a:t>画像検索機能の重要性が増している</a:t>
+            </a:r>
+            <a:r>
+              <a:rPr lang="en-US" altLang="ja-JP" dirty="0" smtClean="0"/>
+              <a:t>.</a:t>
+            </a:r>
+            <a:endParaRPr lang="en-US" altLang="ja-JP" dirty="0" smtClean="0">
+              <a:solidFill>
+                <a:srgbClr val="FF0000"/>
+              </a:solidFill>
+            </a:endParaRPr>
+          </a:p>
+          <a:p>
+            <a:endParaRPr lang="en-US" altLang="ja-JP" dirty="0" smtClean="0"/>
+          </a:p>
+          <a:p>
+            <a:r>
+              <a:rPr lang="ja-JP" altLang="en-US" dirty="0" smtClean="0"/>
+              <a:t>画像認識の性能向上のため</a:t>
+            </a:r>
+            <a:r>
+              <a:rPr lang="en-US" altLang="ja-JP" dirty="0" smtClean="0"/>
+              <a:t>,</a:t>
+            </a:r>
+            <a:r>
+              <a:rPr lang="ja-JP" altLang="en-US" dirty="0" smtClean="0"/>
+              <a:t>多くの研究が推進されている</a:t>
+            </a:r>
+            <a:r>
+              <a:rPr lang="en-US" altLang="ja-JP" dirty="0" smtClean="0"/>
+              <a:t>.</a:t>
+            </a:r>
+          </a:p>
+          <a:p>
+            <a:r>
+              <a:rPr lang="ja-JP" altLang="en-US" dirty="0"/>
+              <a:t>研究が行われる中</a:t>
+            </a:r>
+            <a:r>
+              <a:rPr lang="ja-JP" altLang="en-US" dirty="0" smtClean="0"/>
+              <a:t>で</a:t>
+            </a:r>
+            <a:r>
+              <a:rPr lang="en-US" altLang="ja-JP" dirty="0" smtClean="0"/>
+              <a:t>,</a:t>
+            </a:r>
+            <a:r>
+              <a:rPr lang="ja-JP" altLang="en-US" dirty="0" smtClean="0"/>
+              <a:t>高次元の画像を扱う際に</a:t>
+            </a:r>
+            <a:r>
+              <a:rPr lang="en-US" altLang="ja-JP" dirty="0" smtClean="0"/>
+              <a:t>,</a:t>
+            </a:r>
+            <a:r>
+              <a:rPr lang="ja-JP" altLang="en-US" dirty="0" smtClean="0"/>
+              <a:t>画像認識が正しく行われなく</a:t>
+            </a:r>
+            <a:r>
+              <a:rPr lang="ja-JP" altLang="en-US" dirty="0"/>
+              <a:t>なってしまう問題も</a:t>
+            </a:r>
+            <a:r>
+              <a:rPr lang="ja-JP" altLang="en-US" dirty="0" smtClean="0"/>
+              <a:t>起きた</a:t>
+            </a:r>
+            <a:r>
+              <a:rPr lang="en-US" altLang="ja-JP" dirty="0" smtClean="0"/>
+              <a:t>.</a:t>
+            </a:r>
+            <a:endParaRPr lang="en-US" altLang="ja-JP" dirty="0"/>
+          </a:p>
+          <a:p>
+            <a:endParaRPr kumimoji="1" lang="ja-JP" altLang="en-US" dirty="0"/>
+          </a:p>
+        </p:txBody>
+      </p:sp>
+      <p:sp>
+        <p:nvSpPr>
+          <p:cNvPr id="4" name="スライド番号プレースホルダー 3"/>
+          <p:cNvSpPr>
+            <a:spLocks noGrp="1"/>
+          </p:cNvSpPr>
+          <p:nvPr>
+            <p:ph type="sldNum" sz="quarter" idx="12"/>
+          </p:nvPr>
+        </p:nvSpPr>
+        <p:spPr/>
+        <p:txBody>
+          <a:bodyPr/>
+          <a:lstStyle/>
+          <a:p>
+            <a:fld id="{B4451160-128F-4DAD-AE29-4A8CC0E7B9E9}" type="slidenum">
+              <a:rPr kumimoji="1" lang="ja-JP" altLang="en-US" sz="3200" smtClean="0"/>
+              <a:t>2</a:t>
+            </a:fld>
+            <a:endParaRPr kumimoji="1" lang="ja-JP" altLang="en-US" sz="3200" dirty="0"/>
+          </a:p>
+        </p:txBody>
+      </p:sp>
+    </p:spTree>
+    <p:extLst>
+      <p:ext uri="{BB962C8B-B14F-4D97-AF65-F5344CB8AC3E}">
+        <p14:creationId xmlns:p14="http://schemas.microsoft.com/office/powerpoint/2010/main" val="2751752632"/>
+      </p:ext>
+    </p:extLst>
+  </p:cSld>
+  <p:clrMapOvr>
+    <a:masterClrMapping/>
+  </p:clrMapOvr>
+  <p:timing>
+    <p:tnLst>
+      <p:par>
+        <p:cTn id="1" dur="indefinite" restart="never" nodeType="tmRoot"/>
+      </p:par>
+    </p:tnLst>
+  </p:timing>
+</p:sld>
+</file>
+
+<file path=ppt/slides/slide3.xml><?xml version="1.0" encoding="utf-8"?>
+<p:sld xmlns:a="http://schemas.openxmlformats.org/drawingml/2006/main" xmlns:r="http://schemas.openxmlformats.org/officeDocument/2006/relationships" xmlns:p="http://schemas.openxmlformats.org/presentationml/2006/main">
+  <p:cSld>
+    <p:spTree>
+      <p:nvGrpSpPr>
+        <p:cNvPr id="1" name=""/>
+        <p:cNvGrpSpPr/>
+        <p:nvPr/>
+      </p:nvGrpSpPr>
+      <p:grpSpPr>
+        <a:xfrm>
+          <a:off x="0" y="0"/>
+          <a:ext cx="0" cy="0"/>
+          <a:chOff x="0" y="0"/>
+          <a:chExt cx="0" cy="0"/>
+        </a:xfrm>
+      </p:grpSpPr>
+      <p:sp>
+        <p:nvSpPr>
+          <p:cNvPr id="2" name="タイトル 1"/>
+          <p:cNvSpPr>
+            <a:spLocks noGrp="1"/>
+          </p:cNvSpPr>
+          <p:nvPr>
+            <p:ph type="title"/>
+          </p:nvPr>
+        </p:nvSpPr>
+        <p:spPr/>
+        <p:txBody>
+          <a:bodyPr/>
+          <a:lstStyle/>
+          <a:p>
+            <a:r>
+              <a:rPr kumimoji="1" lang="ja-JP" altLang="en-US" dirty="0"/>
+              <a:t>関連研究</a:t>
+            </a:r>
+          </a:p>
+        </p:txBody>
+      </p:sp>
+      <p:sp>
+        <p:nvSpPr>
+          <p:cNvPr id="3" name="コンテンツ プレースホルダー 2"/>
+          <p:cNvSpPr>
+            <a:spLocks noGrp="1"/>
+          </p:cNvSpPr>
+          <p:nvPr>
+            <p:ph idx="1"/>
+          </p:nvPr>
+        </p:nvSpPr>
+        <p:spPr/>
+        <p:txBody>
+          <a:bodyPr>
+            <a:normAutofit/>
+          </a:bodyPr>
+          <a:lstStyle/>
+          <a:p>
+            <a:r>
+              <a:rPr lang="ja-JP" altLang="en-US" sz="1800" dirty="0"/>
+              <a:t>「深層畳み込みニューラルネットワークによる画像特徴抽出と転移</a:t>
+            </a:r>
+            <a:r>
+              <a:rPr lang="ja-JP" altLang="en-US" sz="1800" dirty="0" smtClean="0"/>
+              <a:t>学習」</a:t>
+            </a:r>
+            <a:endParaRPr lang="en-US" altLang="ja-JP" sz="1800" dirty="0" smtClean="0"/>
+          </a:p>
+          <a:p>
+            <a:pPr marL="0" indent="0">
+              <a:buNone/>
+            </a:pPr>
+            <a:r>
+              <a:rPr lang="ja-JP" altLang="en-US" sz="1800" dirty="0" smtClean="0"/>
+              <a:t>中山秀樹</a:t>
+            </a:r>
+            <a:r>
+              <a:rPr lang="ja-JP" altLang="en-US" sz="1800" dirty="0"/>
+              <a:t>　</a:t>
+            </a:r>
+            <a:r>
+              <a:rPr lang="ja-JP" altLang="en-US" sz="1800" dirty="0" smtClean="0"/>
+              <a:t>東京大学　大学院情報理工学系研究科</a:t>
+            </a:r>
+            <a:endParaRPr lang="en-US" altLang="ja-JP" sz="1800" dirty="0" smtClean="0"/>
+          </a:p>
+          <a:p>
+            <a:endParaRPr kumimoji="1" lang="en-US" altLang="ja-JP" sz="1800" dirty="0"/>
+          </a:p>
+          <a:p>
+            <a:r>
+              <a:rPr kumimoji="1" lang="ja-JP" altLang="en-US" sz="1800" dirty="0" smtClean="0"/>
+              <a:t>「</a:t>
+            </a:r>
+            <a:r>
+              <a:rPr kumimoji="1" lang="en-US" altLang="ja-JP" sz="1800" dirty="0" smtClean="0"/>
+              <a:t>Gradient</a:t>
+            </a:r>
+            <a:r>
+              <a:rPr kumimoji="1" lang="ja-JP" altLang="en-US" sz="1800" dirty="0" smtClean="0"/>
+              <a:t>ベースの特徴抽出　</a:t>
+            </a:r>
+            <a:r>
+              <a:rPr kumimoji="1" lang="en-US" altLang="ja-JP" sz="1800" dirty="0" smtClean="0"/>
+              <a:t>–SIFT</a:t>
+            </a:r>
+            <a:r>
+              <a:rPr kumimoji="1" lang="ja-JP" altLang="en-US" sz="1800" dirty="0" smtClean="0"/>
+              <a:t>と</a:t>
+            </a:r>
+            <a:r>
+              <a:rPr kumimoji="1" lang="en-US" altLang="ja-JP" sz="1800" dirty="0" smtClean="0"/>
+              <a:t>HOG-</a:t>
+            </a:r>
+            <a:r>
+              <a:rPr kumimoji="1" lang="ja-JP" altLang="en-US" sz="1800" dirty="0" smtClean="0"/>
+              <a:t>」</a:t>
+            </a:r>
+            <a:endParaRPr kumimoji="1" lang="en-US" altLang="ja-JP" sz="1800" dirty="0" smtClean="0"/>
+          </a:p>
+          <a:p>
+            <a:pPr marL="0" indent="0">
+              <a:buNone/>
+            </a:pPr>
+            <a:r>
+              <a:rPr kumimoji="1" lang="ja-JP" altLang="en-US" sz="1800" dirty="0" smtClean="0"/>
+              <a:t>社団法人　情報処理学会　研究報告　</a:t>
+            </a:r>
+            <a:r>
+              <a:rPr kumimoji="1" lang="en-US" altLang="ja-JP" sz="1800" dirty="0" smtClean="0"/>
+              <a:t>2007/9/4</a:t>
+            </a:r>
+            <a:r>
+              <a:rPr kumimoji="1" lang="ja-JP" altLang="en-US" sz="1800" dirty="0" smtClean="0"/>
+              <a:t>　</a:t>
+            </a:r>
+            <a:r>
+              <a:rPr kumimoji="1" lang="en-US" altLang="ja-JP" sz="1800" dirty="0" smtClean="0"/>
+              <a:t>p1-p14</a:t>
+            </a:r>
+          </a:p>
+          <a:p>
+            <a:pPr marL="0" indent="0">
+              <a:buNone/>
+            </a:pPr>
+            <a:r>
+              <a:rPr lang="ja-JP" altLang="en-US" sz="1800" dirty="0" smtClean="0"/>
+              <a:t>藤吉 </a:t>
+            </a:r>
+            <a:r>
+              <a:rPr lang="ja-JP" altLang="en-US" sz="1800" dirty="0"/>
+              <a:t>弘</a:t>
+            </a:r>
+            <a:r>
+              <a:rPr lang="ja-JP" altLang="en-US" sz="1800" dirty="0" smtClean="0"/>
+              <a:t>亘　中部大学工学部情報工学科</a:t>
+            </a:r>
+            <a:endParaRPr kumimoji="1" lang="ja-JP" altLang="en-US" sz="1800" dirty="0"/>
+          </a:p>
+        </p:txBody>
+      </p:sp>
+      <p:sp>
+        <p:nvSpPr>
+          <p:cNvPr id="4" name="スライド番号プレースホルダー 3"/>
+          <p:cNvSpPr>
+            <a:spLocks noGrp="1"/>
+          </p:cNvSpPr>
+          <p:nvPr>
+            <p:ph type="sldNum" sz="quarter" idx="12"/>
+          </p:nvPr>
+        </p:nvSpPr>
+        <p:spPr/>
+        <p:txBody>
+          <a:bodyPr/>
+          <a:lstStyle/>
+          <a:p>
+            <a:fld id="{B4451160-128F-4DAD-AE29-4A8CC0E7B9E9}" type="slidenum">
+              <a:rPr kumimoji="1" lang="ja-JP" altLang="en-US" sz="3200" smtClean="0"/>
+              <a:t>3</a:t>
+            </a:fld>
+            <a:endParaRPr kumimoji="1" lang="ja-JP" altLang="en-US" sz="3200" dirty="0"/>
+          </a:p>
+        </p:txBody>
+      </p:sp>
+    </p:spTree>
+    <p:extLst>
+      <p:ext uri="{BB962C8B-B14F-4D97-AF65-F5344CB8AC3E}">
+        <p14:creationId xmlns:p14="http://schemas.microsoft.com/office/powerpoint/2010/main" val="3769541672"/>
+      </p:ext>
+    </p:extLst>
+  </p:cSld>
+  <p:clrMapOvr>
+    <a:masterClrMapping/>
+  </p:clrMapOvr>
+  <p:timing>
+    <p:tnLst>
+      <p:par>
+        <p:cTn id="1" dur="indefinite" restart="never" nodeType="tmRoot"/>
+      </p:par>
+    </p:tnLst>
+  </p:timing>
+</p:sld>
+</file>
+
+<file path=ppt/slides/slide4.xml><?xml version="1.0" encoding="utf-8"?>
+<p:sld xmlns:a="http://schemas.openxmlformats.org/drawingml/2006/main" xmlns:r="http://schemas.openxmlformats.org/officeDocument/2006/relationships" xmlns:p="http://schemas.openxmlformats.org/presentationml/2006/main">
+  <p:cSld>
+    <p:spTree>
+      <p:nvGrpSpPr>
+        <p:cNvPr id="1" name=""/>
+        <p:cNvGrpSpPr/>
+        <p:nvPr/>
+      </p:nvGrpSpPr>
+      <p:grpSpPr>
+        <a:xfrm>
+          <a:off x="0" y="0"/>
+          <a:ext cx="0" cy="0"/>
+          <a:chOff x="0" y="0"/>
+          <a:chExt cx="0" cy="0"/>
+        </a:xfrm>
+      </p:grpSpPr>
+      <p:sp>
+        <p:nvSpPr>
+          <p:cNvPr id="2" name="タイトル 1"/>
+          <p:cNvSpPr>
+            <a:spLocks noGrp="1"/>
+          </p:cNvSpPr>
+          <p:nvPr>
+            <p:ph type="title"/>
+          </p:nvPr>
+        </p:nvSpPr>
+        <p:spPr/>
+        <p:txBody>
+          <a:bodyPr/>
+          <a:lstStyle/>
+          <a:p>
+            <a:r>
+              <a:rPr kumimoji="1" lang="ja-JP" altLang="en-US" dirty="0"/>
+              <a:t>研究課題</a:t>
+            </a:r>
+          </a:p>
+        </p:txBody>
+      </p:sp>
+      <p:sp>
+        <p:nvSpPr>
+          <p:cNvPr id="3" name="コンテンツ プレースホルダー 2"/>
+          <p:cNvSpPr>
+            <a:spLocks noGrp="1"/>
+          </p:cNvSpPr>
+          <p:nvPr>
+            <p:ph idx="1"/>
+          </p:nvPr>
+        </p:nvSpPr>
+        <p:spPr/>
+        <p:txBody>
+          <a:bodyPr/>
+          <a:lstStyle/>
+          <a:p>
+            <a:r>
+              <a:rPr lang="ja-JP" altLang="en-US" dirty="0"/>
+              <a:t>画像認識に</a:t>
+            </a:r>
+            <a:r>
+              <a:rPr lang="ja-JP" altLang="en-US" dirty="0" smtClean="0"/>
+              <a:t>おいて</a:t>
+            </a:r>
+            <a:r>
+              <a:rPr lang="en-US" altLang="ja-JP" dirty="0" smtClean="0"/>
+              <a:t>,</a:t>
+            </a:r>
+            <a:r>
+              <a:rPr lang="ja-JP" altLang="en-US" dirty="0" smtClean="0"/>
+              <a:t>特徴量</a:t>
+            </a:r>
+            <a:r>
+              <a:rPr lang="ja-JP" altLang="en-US" dirty="0"/>
+              <a:t>がより高次元になる</a:t>
+            </a:r>
+            <a:r>
+              <a:rPr lang="ja-JP" altLang="en-US" dirty="0" smtClean="0"/>
+              <a:t>ほど</a:t>
+            </a:r>
+            <a:r>
+              <a:rPr lang="en-US" altLang="ja-JP" dirty="0" smtClean="0"/>
+              <a:t>,</a:t>
+            </a:r>
+            <a:r>
+              <a:rPr lang="ja-JP" altLang="en-US" dirty="0" smtClean="0"/>
+              <a:t>認識</a:t>
+            </a:r>
+            <a:r>
+              <a:rPr lang="ja-JP" altLang="en-US" dirty="0"/>
+              <a:t>性能が高く</a:t>
+            </a:r>
+            <a:r>
+              <a:rPr lang="ja-JP" altLang="en-US" dirty="0" smtClean="0"/>
+              <a:t>なる</a:t>
+            </a:r>
+            <a:r>
+              <a:rPr lang="en-US" altLang="ja-JP" dirty="0"/>
+              <a:t>.</a:t>
+            </a:r>
+            <a:endParaRPr lang="en-US" altLang="ja-JP" dirty="0" smtClean="0"/>
+          </a:p>
+          <a:p>
+            <a:endParaRPr lang="en-US" altLang="ja-JP" dirty="0"/>
+          </a:p>
+          <a:p>
+            <a:r>
+              <a:rPr lang="ja-JP" altLang="en-US" dirty="0" smtClean="0"/>
+              <a:t>しかし</a:t>
+            </a:r>
+            <a:r>
+              <a:rPr lang="en-US" altLang="ja-JP" dirty="0" smtClean="0"/>
+              <a:t>,</a:t>
+            </a:r>
+            <a:r>
+              <a:rPr lang="ja-JP" altLang="en-US" dirty="0" smtClean="0"/>
+              <a:t>特徴量</a:t>
+            </a:r>
+            <a:r>
+              <a:rPr lang="ja-JP" altLang="en-US" dirty="0"/>
+              <a:t>が高次元になると特徴量の算出</a:t>
+            </a:r>
+            <a:r>
+              <a:rPr lang="ja-JP" altLang="en-US" dirty="0" smtClean="0"/>
+              <a:t>コスト</a:t>
+            </a:r>
+            <a:r>
+              <a:rPr lang="en-US" altLang="ja-JP" dirty="0" smtClean="0"/>
+              <a:t>,</a:t>
+            </a:r>
+            <a:r>
+              <a:rPr lang="ja-JP" altLang="en-US" dirty="0" smtClean="0"/>
+              <a:t>認識</a:t>
+            </a:r>
+            <a:r>
+              <a:rPr lang="ja-JP" altLang="en-US" dirty="0"/>
+              <a:t>処理の計算コストが大きく増加して</a:t>
+            </a:r>
+            <a:r>
+              <a:rPr lang="ja-JP" altLang="en-US" dirty="0" smtClean="0"/>
+              <a:t>しまい</a:t>
+            </a:r>
+            <a:r>
+              <a:rPr lang="en-US" altLang="ja-JP" dirty="0" smtClean="0"/>
+              <a:t>,</a:t>
+            </a:r>
+            <a:r>
+              <a:rPr lang="ja-JP" altLang="en-US" dirty="0" smtClean="0"/>
+              <a:t>解析</a:t>
+            </a:r>
+            <a:r>
+              <a:rPr lang="ja-JP" altLang="en-US" dirty="0"/>
+              <a:t>が困難になってしまうといった課題が</a:t>
+            </a:r>
+            <a:r>
+              <a:rPr lang="ja-JP" altLang="en-US" dirty="0" smtClean="0"/>
+              <a:t>ある</a:t>
+            </a:r>
+            <a:r>
+              <a:rPr lang="en-US" altLang="ja-JP" dirty="0"/>
+              <a:t>.</a:t>
+            </a:r>
+            <a:endParaRPr lang="en-US" altLang="ja-JP" dirty="0" smtClean="0"/>
+          </a:p>
+          <a:p>
+            <a:r>
+              <a:rPr lang="ja-JP" altLang="en-US" dirty="0" smtClean="0"/>
+              <a:t>また</a:t>
+            </a:r>
+            <a:r>
+              <a:rPr lang="en-US" altLang="ja-JP" dirty="0"/>
+              <a:t>,</a:t>
+            </a:r>
+            <a:r>
+              <a:rPr lang="ja-JP" altLang="en-US" dirty="0" smtClean="0"/>
+              <a:t>低次元だと</a:t>
+            </a:r>
+            <a:r>
+              <a:rPr lang="en-US" altLang="ja-JP" dirty="0"/>
+              <a:t>,</a:t>
+            </a:r>
+            <a:r>
+              <a:rPr lang="ja-JP" altLang="en-US" dirty="0" smtClean="0"/>
+              <a:t>意味情報が損失し</a:t>
+            </a:r>
+            <a:r>
+              <a:rPr lang="en-US" altLang="ja-JP" dirty="0" smtClean="0"/>
+              <a:t>,</a:t>
+            </a:r>
+            <a:r>
+              <a:rPr lang="ja-JP" altLang="en-US" dirty="0" smtClean="0"/>
+              <a:t>認識精度が下がる</a:t>
+            </a:r>
+            <a:r>
+              <a:rPr lang="en-US" altLang="ja-JP" dirty="0" smtClean="0"/>
+              <a:t>.</a:t>
+            </a:r>
+            <a:endParaRPr lang="en-US" altLang="ja-JP" dirty="0"/>
+          </a:p>
+          <a:p>
+            <a:endParaRPr kumimoji="1" lang="ja-JP" altLang="en-US" dirty="0"/>
+          </a:p>
+        </p:txBody>
+      </p:sp>
+      <p:sp>
+        <p:nvSpPr>
+          <p:cNvPr id="4" name="スライド番号プレースホルダー 3"/>
+          <p:cNvSpPr>
+            <a:spLocks noGrp="1"/>
+          </p:cNvSpPr>
+          <p:nvPr>
+            <p:ph type="sldNum" sz="quarter" idx="12"/>
+          </p:nvPr>
+        </p:nvSpPr>
+        <p:spPr/>
+        <p:txBody>
+          <a:bodyPr/>
+          <a:lstStyle/>
+          <a:p>
+            <a:fld id="{B4451160-128F-4DAD-AE29-4A8CC0E7B9E9}" type="slidenum">
+              <a:rPr kumimoji="1" lang="ja-JP" altLang="en-US" sz="3200" smtClean="0"/>
+              <a:t>4</a:t>
+            </a:fld>
+            <a:endParaRPr kumimoji="1" lang="ja-JP" altLang="en-US" sz="3200" dirty="0"/>
+          </a:p>
+        </p:txBody>
+      </p:sp>
+    </p:spTree>
+    <p:extLst>
+      <p:ext uri="{BB962C8B-B14F-4D97-AF65-F5344CB8AC3E}">
+        <p14:creationId xmlns:p14="http://schemas.microsoft.com/office/powerpoint/2010/main" val="1923407823"/>
+      </p:ext>
+    </p:extLst>
+  </p:cSld>
+  <p:clrMapOvr>
+    <a:masterClrMapping/>
+  </p:clrMapOvr>
+  <p:timing>
+    <p:tnLst>
+      <p:par>
+        <p:cTn id="1" dur="indefinite" restart="never" nodeType="tmRoot"/>
+      </p:par>
+    </p:tnLst>
+  </p:timing>
+</p:sld>
+</file>
+
+<file path=ppt/slides/slide5.xml><?xml version="1.0" encoding="utf-8"?>
+<p:sld xmlns:a="http://schemas.openxmlformats.org/drawingml/2006/main" xmlns:r="http://schemas.openxmlformats.org/officeDocument/2006/relationships" xmlns:p="http://schemas.openxmlformats.org/presentationml/2006/main">
+  <p:cSld>
+    <p:spTree>
+      <p:nvGrpSpPr>
+        <p:cNvPr id="1" name=""/>
+        <p:cNvGrpSpPr/>
+        <p:nvPr/>
+      </p:nvGrpSpPr>
+      <p:grpSpPr>
+        <a:xfrm>
+          <a:off x="0" y="0"/>
+          <a:ext cx="0" cy="0"/>
+          <a:chOff x="0" y="0"/>
+          <a:chExt cx="0" cy="0"/>
+        </a:xfrm>
+      </p:grpSpPr>
+      <p:sp>
+        <p:nvSpPr>
+          <p:cNvPr id="2" name="タイトル 1"/>
+          <p:cNvSpPr>
+            <a:spLocks noGrp="1"/>
+          </p:cNvSpPr>
+          <p:nvPr>
+            <p:ph type="title"/>
+          </p:nvPr>
+        </p:nvSpPr>
+        <p:spPr/>
+        <p:txBody>
+          <a:bodyPr/>
+          <a:lstStyle/>
+          <a:p>
+            <a:r>
+              <a:rPr kumimoji="1" lang="ja-JP" altLang="en-US" dirty="0" smtClean="0"/>
+              <a:t>次元数と計算コスト</a:t>
+            </a:r>
+            <a:endParaRPr kumimoji="1" lang="ja-JP" altLang="en-US" dirty="0"/>
+          </a:p>
+        </p:txBody>
+      </p:sp>
+      <p:sp>
+        <p:nvSpPr>
+          <p:cNvPr id="3" name="コンテンツ プレースホルダー 2"/>
+          <p:cNvSpPr>
+            <a:spLocks noGrp="1"/>
+          </p:cNvSpPr>
+          <p:nvPr>
+            <p:ph idx="1"/>
+          </p:nvPr>
+        </p:nvSpPr>
+        <p:spPr>
+          <a:xfrm>
+            <a:off x="628650" y="1825624"/>
+            <a:ext cx="7886700" cy="5032375"/>
+          </a:xfrm>
+        </p:spPr>
+        <p:txBody>
+          <a:bodyPr>
+            <a:normAutofit lnSpcReduction="10000"/>
+          </a:bodyPr>
+          <a:lstStyle/>
+          <a:p>
+            <a:r>
+              <a:rPr kumimoji="1" lang="ja-JP" altLang="en-US" dirty="0" smtClean="0"/>
+              <a:t>大量のデータを分析する際、大きな次元のデータを処理することがあるが、次元数が大きくなると「</a:t>
+            </a:r>
+            <a:r>
+              <a:rPr kumimoji="1" lang="ja-JP" altLang="en-US" b="1" dirty="0" smtClean="0"/>
+              <a:t>次元の呪い</a:t>
+            </a:r>
+            <a:r>
+              <a:rPr kumimoji="1" lang="ja-JP" altLang="en-US" dirty="0" smtClean="0"/>
+              <a:t>」と呼ばれる問題が発生する。</a:t>
+            </a:r>
+            <a:endParaRPr lang="en-US" altLang="ja-JP" dirty="0"/>
+          </a:p>
+          <a:p>
+            <a:pPr lvl="1"/>
+            <a:r>
+              <a:rPr lang="ja-JP" altLang="ja-JP" dirty="0"/>
+              <a:t>データの次元数が大きくなり過ぎると、そのデータで表現できる組み合わせが飛躍的に多くなってしまい、その結果、手元にある有限なサンプルデータでは十分な学習結果が得られなく</a:t>
+            </a:r>
+            <a:r>
+              <a:rPr lang="ja-JP" altLang="ja-JP" dirty="0" smtClean="0"/>
+              <a:t>なる</a:t>
+            </a:r>
+            <a:r>
+              <a:rPr lang="ja-JP" altLang="en-US" dirty="0" smtClean="0"/>
+              <a:t>。</a:t>
+            </a:r>
+            <a:r>
+              <a:rPr lang="ja-JP" altLang="en-US" dirty="0"/>
+              <a:t>計算コストが莫大となるだけでなく、十分な学習結果が得られず、未知のデータに適切に対応出来なくなる等の不具合</a:t>
+            </a:r>
+            <a:r>
+              <a:rPr lang="ja-JP" altLang="en-US" dirty="0" smtClean="0"/>
+              <a:t>が発生。</a:t>
+            </a:r>
+            <a:endParaRPr lang="en-US" altLang="ja-JP" dirty="0" smtClean="0"/>
+          </a:p>
+          <a:p>
+            <a:r>
+              <a:rPr lang="ja-JP" altLang="en-US" dirty="0"/>
+              <a:t>回避</a:t>
+            </a:r>
+            <a:r>
+              <a:rPr lang="ja-JP" altLang="en-US" dirty="0" smtClean="0"/>
+              <a:t>策</a:t>
+            </a:r>
+            <a:endParaRPr lang="en-US" altLang="ja-JP" dirty="0" smtClean="0"/>
+          </a:p>
+          <a:p>
+            <a:pPr lvl="1"/>
+            <a:r>
+              <a:rPr lang="ja-JP" altLang="en-US" dirty="0"/>
+              <a:t>特徴量の中</a:t>
+            </a:r>
+            <a:r>
+              <a:rPr lang="ja-JP" altLang="en-US" dirty="0" smtClean="0"/>
+              <a:t>から必要なものを選び出す特徴選択</a:t>
+            </a:r>
+            <a:endParaRPr lang="en-US" altLang="ja-JP" dirty="0" smtClean="0"/>
+          </a:p>
+          <a:p>
+            <a:pPr lvl="1"/>
+            <a:r>
+              <a:rPr lang="ja-JP" altLang="en-US" dirty="0"/>
+              <a:t>本来</a:t>
+            </a:r>
+            <a:r>
+              <a:rPr lang="ja-JP" altLang="en-US" dirty="0" smtClean="0"/>
+              <a:t>の情報が維持したまま低次元のデータに変換する次元削除</a:t>
+            </a:r>
+            <a:endParaRPr lang="ja-JP" altLang="ja-JP" dirty="0"/>
+          </a:p>
+          <a:p>
+            <a:endParaRPr kumimoji="1" lang="ja-JP" altLang="en-US" dirty="0"/>
+          </a:p>
+        </p:txBody>
+      </p:sp>
+      <p:sp>
+        <p:nvSpPr>
+          <p:cNvPr id="4" name="スライド番号プレースホルダー 3"/>
+          <p:cNvSpPr>
+            <a:spLocks noGrp="1"/>
+          </p:cNvSpPr>
+          <p:nvPr>
+            <p:ph type="sldNum" sz="quarter" idx="12"/>
+          </p:nvPr>
+        </p:nvSpPr>
+        <p:spPr/>
+        <p:txBody>
+          <a:bodyPr/>
+          <a:lstStyle/>
+          <a:p>
+            <a:pPr marL="0" marR="0" lvl="0" indent="0" algn="r" defTabSz="914400" rtl="0" eaLnBrk="1" fontAlgn="auto" latinLnBrk="0" hangingPunct="1">
+              <a:lnSpc>
+                <a:spcPct val="100000"/>
+              </a:lnSpc>
+              <a:spcBef>
+                <a:spcPts val="0"/>
+              </a:spcBef>
+              <a:spcAft>
+                <a:spcPts val="0"/>
+              </a:spcAft>
+              <a:buClrTx/>
+              <a:buSzTx/>
+              <a:buFontTx/>
+              <a:buNone/>
+              <a:tabLst/>
+              <a:defRPr/>
+            </a:pPr>
+            <a:fld id="{BCFEE6ED-AA2C-49EB-A172-8063C2D7D298}" type="slidenum">
+              <a:rPr kumimoji="1" lang="ja-JP" altLang="en-US" sz="1200" b="0" i="0" u="none" strike="noStrike" kern="1200" cap="none" spc="0" normalizeH="0" baseline="0" noProof="0" smtClean="0">
+                <a:ln>
+                  <a:noFill/>
+                </a:ln>
+                <a:solidFill>
+                  <a:prstClr val="black">
+                    <a:tint val="75000"/>
+                  </a:prstClr>
+                </a:solidFill>
+                <a:effectLst/>
+                <a:uLnTx/>
+                <a:uFillTx/>
+                <a:latin typeface="Calibri" panose="020F0502020204030204"/>
+                <a:ea typeface="游ゴシック" panose="020B0400000000000000" pitchFamily="50" charset="-128"/>
+                <a:cs typeface="+mn-cs"/>
+              </a:rPr>
+              <a:pPr marL="0" marR="0" lvl="0" indent="0" algn="r" defTabSz="914400" rtl="0" eaLnBrk="1" fontAlgn="auto" latinLnBrk="0" hangingPunct="1">
+                <a:lnSpc>
+                  <a:spcPct val="100000"/>
+                </a:lnSpc>
+                <a:spcBef>
+                  <a:spcPts val="0"/>
+                </a:spcBef>
+                <a:spcAft>
+                  <a:spcPts val="0"/>
+                </a:spcAft>
+                <a:buClrTx/>
+                <a:buSzTx/>
+                <a:buFontTx/>
+                <a:buNone/>
+                <a:tabLst/>
+                <a:defRPr/>
+              </a:pPr>
+              <a:t>5</a:t>
+            </a:fld>
+            <a:endParaRPr kumimoji="1" lang="ja-JP" altLang="en-US" sz="1200" b="0" i="0" u="none" strike="noStrike" kern="1200" cap="none" spc="0" normalizeH="0" baseline="0" noProof="0">
+              <a:ln>
+                <a:noFill/>
+              </a:ln>
+              <a:solidFill>
+                <a:prstClr val="black">
+                  <a:tint val="75000"/>
+                </a:prstClr>
+              </a:solidFill>
+              <a:effectLst/>
+              <a:uLnTx/>
+              <a:uFillTx/>
+              <a:latin typeface="Calibri" panose="020F0502020204030204"/>
+              <a:ea typeface="游ゴシック" panose="020B0400000000000000" pitchFamily="50" charset="-128"/>
+              <a:cs typeface="+mn-cs"/>
+            </a:endParaRPr>
+          </a:p>
+        </p:txBody>
+      </p:sp>
+    </p:spTree>
+    <p:extLst>
+      <p:ext uri="{BB962C8B-B14F-4D97-AF65-F5344CB8AC3E}">
+        <p14:creationId xmlns:p14="http://schemas.microsoft.com/office/powerpoint/2010/main" val="242018279"/>
+      </p:ext>
+    </p:extLst>
+  </p:cSld>
+  <p:clrMapOvr>
+    <a:masterClrMapping/>
+  </p:clrMapOvr>
+  <p:timing>
+    <p:tnLst>
+      <p:par>
+        <p:cTn id="1" dur="indefinite" restart="never" nodeType="tmRoot"/>
+      </p:par>
+    </p:tnLst>
+  </p:timing>
+</p:sld>
+</file>
+
+<file path=ppt/slides/slide6.xml><?xml version="1.0" encoding="utf-8"?>
+<p:sld xmlns:a="http://schemas.openxmlformats.org/drawingml/2006/main" xmlns:r="http://schemas.openxmlformats.org/officeDocument/2006/relationships" xmlns:p="http://schemas.openxmlformats.org/presentationml/2006/main">
+  <p:cSld>
+    <p:spTree>
+      <p:nvGrpSpPr>
+        <p:cNvPr id="1" name=""/>
+        <p:cNvGrpSpPr/>
+        <p:nvPr/>
+      </p:nvGrpSpPr>
+      <p:grpSpPr>
+        <a:xfrm>
+          <a:off x="0" y="0"/>
+          <a:ext cx="0" cy="0"/>
+          <a:chOff x="0" y="0"/>
+          <a:chExt cx="0" cy="0"/>
+        </a:xfrm>
+      </p:grpSpPr>
+      <p:sp>
+        <p:nvSpPr>
+          <p:cNvPr id="2" name="タイトル 1"/>
+          <p:cNvSpPr>
+            <a:spLocks noGrp="1"/>
+          </p:cNvSpPr>
+          <p:nvPr>
+            <p:ph type="title"/>
+          </p:nvPr>
+        </p:nvSpPr>
+        <p:spPr/>
+        <p:txBody>
+          <a:bodyPr/>
+          <a:lstStyle/>
+          <a:p>
+            <a:r>
+              <a:rPr kumimoji="1" lang="ja-JP" altLang="en-US" dirty="0"/>
+              <a:t>研究動機</a:t>
+            </a:r>
+          </a:p>
+        </p:txBody>
+      </p:sp>
+      <p:sp>
+        <p:nvSpPr>
+          <p:cNvPr id="3" name="コンテンツ プレースホルダー 2"/>
+          <p:cNvSpPr>
+            <a:spLocks noGrp="1"/>
+          </p:cNvSpPr>
+          <p:nvPr>
+            <p:ph idx="1"/>
+          </p:nvPr>
+        </p:nvSpPr>
+        <p:spPr/>
+        <p:txBody>
+          <a:bodyPr/>
+          <a:lstStyle/>
+          <a:p>
+            <a:r>
+              <a:rPr lang="ja-JP" altLang="en-US" dirty="0" smtClean="0"/>
+              <a:t>大量</a:t>
+            </a:r>
+            <a:r>
+              <a:rPr lang="ja-JP" altLang="en-US" dirty="0" smtClean="0"/>
+              <a:t>の</a:t>
+            </a:r>
+            <a:r>
+              <a:rPr lang="ja-JP" altLang="en-US" dirty="0"/>
+              <a:t>画像データ</a:t>
+            </a:r>
+            <a:r>
+              <a:rPr lang="ja-JP" altLang="en-US" dirty="0" smtClean="0"/>
+              <a:t>を扱う画像認識において</a:t>
+            </a:r>
+            <a:r>
+              <a:rPr lang="en-US" altLang="ja-JP" dirty="0" smtClean="0"/>
+              <a:t>,</a:t>
+            </a:r>
+            <a:r>
+              <a:rPr lang="ja-JP" altLang="en-US" dirty="0" smtClean="0"/>
+              <a:t>高次元</a:t>
+            </a:r>
+            <a:r>
+              <a:rPr lang="ja-JP" altLang="en-US" dirty="0" smtClean="0"/>
+              <a:t>の画像データを認識性能を向上させつつ</a:t>
+            </a:r>
+            <a:r>
+              <a:rPr lang="ja-JP" altLang="en-US" dirty="0" smtClean="0"/>
+              <a:t>も</a:t>
+            </a:r>
+            <a:r>
+              <a:rPr lang="en-US" altLang="ja-JP" dirty="0" smtClean="0"/>
+              <a:t>,</a:t>
+            </a:r>
+            <a:r>
+              <a:rPr lang="ja-JP" altLang="en-US" dirty="0" smtClean="0"/>
+              <a:t>計算</a:t>
+            </a:r>
+            <a:r>
+              <a:rPr lang="ja-JP" altLang="en-US" dirty="0" smtClean="0"/>
+              <a:t>コストを抑えることでより良い</a:t>
+            </a:r>
+            <a:r>
+              <a:rPr lang="ja-JP" altLang="en-US" dirty="0"/>
+              <a:t>画像</a:t>
+            </a:r>
+            <a:r>
+              <a:rPr lang="ja-JP" altLang="en-US" dirty="0" smtClean="0"/>
+              <a:t>認識を</a:t>
+            </a:r>
+            <a:r>
+              <a:rPr lang="ja-JP" altLang="en-US" dirty="0" smtClean="0"/>
+              <a:t>行う</a:t>
+            </a:r>
+            <a:r>
+              <a:rPr lang="en-US" altLang="ja-JP" dirty="0" smtClean="0"/>
+              <a:t>.</a:t>
+            </a:r>
+            <a:endParaRPr lang="en-US" altLang="ja-JP" dirty="0" smtClean="0"/>
+          </a:p>
+          <a:p>
+            <a:endParaRPr lang="en-US" altLang="ja-JP" dirty="0" smtClean="0"/>
+          </a:p>
+          <a:p>
+            <a:endParaRPr kumimoji="1" lang="ja-JP" altLang="en-US" dirty="0"/>
+          </a:p>
+        </p:txBody>
+      </p:sp>
+      <p:sp>
+        <p:nvSpPr>
+          <p:cNvPr id="4" name="スライド番号プレースホルダー 3"/>
+          <p:cNvSpPr>
+            <a:spLocks noGrp="1"/>
+          </p:cNvSpPr>
+          <p:nvPr>
+            <p:ph type="sldNum" sz="quarter" idx="12"/>
+          </p:nvPr>
+        </p:nvSpPr>
+        <p:spPr/>
+        <p:txBody>
+          <a:bodyPr/>
+          <a:lstStyle/>
+          <a:p>
+            <a:fld id="{B4451160-128F-4DAD-AE29-4A8CC0E7B9E9}" type="slidenum">
+              <a:rPr kumimoji="1" lang="ja-JP" altLang="en-US" sz="3200" smtClean="0"/>
+              <a:t>6</a:t>
+            </a:fld>
+            <a:endParaRPr kumimoji="1" lang="ja-JP" altLang="en-US" sz="3200" dirty="0"/>
+          </a:p>
+        </p:txBody>
+      </p:sp>
+    </p:spTree>
+    <p:extLst>
+      <p:ext uri="{BB962C8B-B14F-4D97-AF65-F5344CB8AC3E}">
+        <p14:creationId xmlns:p14="http://schemas.microsoft.com/office/powerpoint/2010/main" val="3482704347"/>
+      </p:ext>
+    </p:extLst>
+  </p:cSld>
+  <p:clrMapOvr>
+    <a:masterClrMapping/>
+  </p:clrMapOvr>
+  <p:timing>
+    <p:tnLst>
+      <p:par>
+        <p:cTn id="1" dur="indefinite" restart="never" nodeType="tmRoot"/>
+      </p:par>
+    </p:tnLst>
+  </p:timing>
+</p:sld>
+</file>
+
+<file path=ppt/slides/slide7.xml><?xml version="1.0" encoding="utf-8"?>
+<p:sld xmlns:a="http://schemas.openxmlformats.org/drawingml/2006/main" xmlns:r="http://schemas.openxmlformats.org/officeDocument/2006/relationships" xmlns:p="http://schemas.openxmlformats.org/presentationml/2006/main">
+  <p:cSld>
+    <p:spTree>
+      <p:nvGrpSpPr>
+        <p:cNvPr id="1" name=""/>
+        <p:cNvGrpSpPr/>
+        <p:nvPr/>
+      </p:nvGrpSpPr>
+      <p:grpSpPr>
+        <a:xfrm>
+          <a:off x="0" y="0"/>
+          <a:ext cx="0" cy="0"/>
+          <a:chOff x="0" y="0"/>
+          <a:chExt cx="0" cy="0"/>
+        </a:xfrm>
+      </p:grpSpPr>
+      <p:sp>
+        <p:nvSpPr>
+          <p:cNvPr id="2" name="タイトル 1"/>
+          <p:cNvSpPr>
+            <a:spLocks noGrp="1"/>
+          </p:cNvSpPr>
+          <p:nvPr>
+            <p:ph type="title"/>
+          </p:nvPr>
+        </p:nvSpPr>
+        <p:spPr/>
+        <p:txBody>
+          <a:bodyPr/>
+          <a:lstStyle/>
+          <a:p>
+            <a:r>
+              <a:rPr kumimoji="1" lang="ja-JP" altLang="en-US" dirty="0"/>
+              <a:t>研究目的</a:t>
+            </a:r>
+          </a:p>
+        </p:txBody>
+      </p:sp>
+      <p:sp>
+        <p:nvSpPr>
+          <p:cNvPr id="3" name="コンテンツ プレースホルダー 2"/>
+          <p:cNvSpPr>
+            <a:spLocks noGrp="1"/>
+          </p:cNvSpPr>
+          <p:nvPr>
+            <p:ph idx="1"/>
+          </p:nvPr>
+        </p:nvSpPr>
+        <p:spPr/>
+        <p:txBody>
+          <a:bodyPr>
+            <a:normAutofit/>
+          </a:bodyPr>
+          <a:lstStyle/>
+          <a:p>
+            <a:r>
+              <a:rPr lang="ja-JP" altLang="en-US" dirty="0" smtClean="0"/>
+              <a:t>画像</a:t>
+            </a:r>
+            <a:r>
+              <a:rPr lang="ja-JP" altLang="en-US" dirty="0"/>
+              <a:t>認識の性能を向上させるため</a:t>
+            </a:r>
+            <a:r>
+              <a:rPr lang="ja-JP" altLang="en-US" dirty="0" smtClean="0"/>
+              <a:t>に</a:t>
+            </a:r>
+            <a:r>
+              <a:rPr lang="en-US" altLang="ja-JP" dirty="0" smtClean="0"/>
+              <a:t>,</a:t>
+            </a:r>
+            <a:r>
+              <a:rPr lang="ja-JP" altLang="en-US" dirty="0" smtClean="0"/>
+              <a:t>画像</a:t>
+            </a:r>
+            <a:r>
+              <a:rPr lang="ja-JP" altLang="en-US" dirty="0"/>
+              <a:t>認識に有効な特徴量とどれくらいの計算コストで処理できるの</a:t>
+            </a:r>
+            <a:r>
+              <a:rPr lang="ja-JP" altLang="en-US" dirty="0" smtClean="0"/>
+              <a:t>かを計測する</a:t>
+            </a:r>
+            <a:r>
+              <a:rPr lang="en-US" altLang="ja-JP" dirty="0"/>
+              <a:t>.</a:t>
+            </a:r>
+            <a:endParaRPr lang="en-US" altLang="ja-JP" dirty="0" smtClean="0"/>
+          </a:p>
+          <a:p>
+            <a:endParaRPr lang="en-US" altLang="ja-JP" dirty="0" smtClean="0"/>
+          </a:p>
+          <a:p>
+            <a:r>
+              <a:rPr lang="ja-JP" altLang="en-US" dirty="0"/>
+              <a:t>計算コストを抑えた画像認識手法を調査すること</a:t>
+            </a:r>
+            <a:r>
+              <a:rPr lang="ja-JP" altLang="en-US" dirty="0" smtClean="0"/>
+              <a:t>で</a:t>
+            </a:r>
+            <a:r>
+              <a:rPr lang="en-US" altLang="ja-JP" dirty="0" smtClean="0"/>
+              <a:t>,</a:t>
+            </a:r>
+            <a:r>
+              <a:rPr lang="ja-JP" altLang="en-US" dirty="0" smtClean="0"/>
+              <a:t>画像</a:t>
+            </a:r>
+            <a:r>
+              <a:rPr lang="ja-JP" altLang="en-US" dirty="0"/>
+              <a:t>検索システムを成り立たせるうえ</a:t>
+            </a:r>
+            <a:r>
+              <a:rPr lang="ja-JP" altLang="en-US" dirty="0" smtClean="0"/>
+              <a:t>で</a:t>
+            </a:r>
+            <a:r>
+              <a:rPr lang="en-US" altLang="ja-JP" dirty="0" smtClean="0"/>
+              <a:t>,</a:t>
+            </a:r>
+            <a:r>
+              <a:rPr lang="ja-JP" altLang="en-US" dirty="0" smtClean="0"/>
+              <a:t>認識</a:t>
+            </a:r>
+            <a:r>
+              <a:rPr lang="ja-JP" altLang="en-US" dirty="0"/>
+              <a:t>性能が正常に扱える有効な範囲はどこなのかを明確に</a:t>
+            </a:r>
+            <a:r>
+              <a:rPr lang="ja-JP" altLang="en-US" dirty="0" smtClean="0"/>
+              <a:t>する</a:t>
+            </a:r>
+            <a:r>
+              <a:rPr lang="en-US" altLang="ja-JP" dirty="0" smtClean="0"/>
+              <a:t>.</a:t>
+            </a:r>
+            <a:endParaRPr lang="ja-JP" altLang="en-US" dirty="0"/>
+          </a:p>
+          <a:p>
+            <a:endParaRPr kumimoji="1" lang="ja-JP" altLang="en-US" dirty="0"/>
+          </a:p>
+        </p:txBody>
+      </p:sp>
+      <p:sp>
+        <p:nvSpPr>
+          <p:cNvPr id="4" name="スライド番号プレースホルダー 3"/>
+          <p:cNvSpPr>
+            <a:spLocks noGrp="1"/>
+          </p:cNvSpPr>
+          <p:nvPr>
+            <p:ph type="sldNum" sz="quarter" idx="12"/>
+          </p:nvPr>
+        </p:nvSpPr>
+        <p:spPr/>
+        <p:txBody>
+          <a:bodyPr/>
+          <a:lstStyle/>
+          <a:p>
+            <a:fld id="{B4451160-128F-4DAD-AE29-4A8CC0E7B9E9}" type="slidenum">
+              <a:rPr kumimoji="1" lang="ja-JP" altLang="en-US" sz="3200" smtClean="0"/>
+              <a:t>7</a:t>
+            </a:fld>
+            <a:endParaRPr kumimoji="1" lang="ja-JP" altLang="en-US" sz="3200" dirty="0"/>
+          </a:p>
+        </p:txBody>
+      </p:sp>
+    </p:spTree>
+    <p:extLst>
+      <p:ext uri="{BB962C8B-B14F-4D97-AF65-F5344CB8AC3E}">
+        <p14:creationId xmlns:p14="http://schemas.microsoft.com/office/powerpoint/2010/main" val="114472190"/>
+      </p:ext>
+    </p:extLst>
+  </p:cSld>
+  <p:clrMapOvr>
+    <a:masterClrMapping/>
+  </p:clrMapOvr>
+  <p:timing>
+    <p:tnLst>
+      <p:par>
+        <p:cTn id="1" dur="indefinite" restart="never" nodeType="tmRoot"/>
+      </p:par>
+    </p:tnLst>
+  </p:timing>
+</p:sld>
+</file>
+
+<file path=ppt/slides/slide8.xml><?xml version="1.0" encoding="utf-8"?>
+<p:sld xmlns:a="http://schemas.openxmlformats.org/drawingml/2006/main" xmlns:r="http://schemas.openxmlformats.org/officeDocument/2006/relationships" xmlns:p="http://schemas.openxmlformats.org/presentationml/2006/main">
+  <p:cSld>
+    <p:spTree>
+      <p:nvGrpSpPr>
+        <p:cNvPr id="1" name=""/>
+        <p:cNvGrpSpPr/>
+        <p:nvPr/>
+      </p:nvGrpSpPr>
+      <p:grpSpPr>
+        <a:xfrm>
+          <a:off x="0" y="0"/>
+          <a:ext cx="0" cy="0"/>
+          <a:chOff x="0" y="0"/>
+          <a:chExt cx="0" cy="0"/>
+        </a:xfrm>
+      </p:grpSpPr>
+      <p:sp>
+        <p:nvSpPr>
+          <p:cNvPr id="2" name="タイトル 1"/>
+          <p:cNvSpPr>
+            <a:spLocks noGrp="1"/>
+          </p:cNvSpPr>
+          <p:nvPr>
+            <p:ph type="title"/>
+          </p:nvPr>
+        </p:nvSpPr>
+        <p:spPr/>
+        <p:txBody>
+          <a:bodyPr/>
+          <a:lstStyle/>
+          <a:p>
+            <a:r>
+              <a:rPr kumimoji="1" lang="ja-JP" altLang="en-US" dirty="0"/>
+              <a:t>本研究のアプローチ</a:t>
+            </a:r>
+          </a:p>
+        </p:txBody>
+      </p:sp>
+      <p:sp>
+        <p:nvSpPr>
+          <p:cNvPr id="3" name="コンテンツ プレースホルダー 2"/>
+          <p:cNvSpPr>
+            <a:spLocks noGrp="1"/>
+          </p:cNvSpPr>
+          <p:nvPr>
+            <p:ph idx="1"/>
+          </p:nvPr>
+        </p:nvSpPr>
+        <p:spPr/>
+        <p:txBody>
+          <a:bodyPr/>
+          <a:lstStyle/>
+          <a:p>
+            <a:r>
+              <a:rPr lang="ja-JP" altLang="en-US" dirty="0"/>
+              <a:t>画像</a:t>
+            </a:r>
+            <a:r>
+              <a:rPr lang="ja-JP" altLang="en-US" dirty="0" smtClean="0"/>
+              <a:t>認識の認識性能を高く保ちつつ</a:t>
+            </a:r>
+            <a:r>
+              <a:rPr lang="ja-JP" altLang="en-US" dirty="0" smtClean="0"/>
+              <a:t>も</a:t>
+            </a:r>
+            <a:r>
+              <a:rPr lang="en-US" altLang="ja-JP" dirty="0" smtClean="0"/>
+              <a:t>,</a:t>
+            </a:r>
+            <a:r>
+              <a:rPr lang="ja-JP" altLang="en-US" dirty="0" smtClean="0"/>
+              <a:t>計算</a:t>
+            </a:r>
+            <a:r>
+              <a:rPr lang="ja-JP" altLang="en-US" dirty="0" smtClean="0"/>
+              <a:t>コストをできるだけ</a:t>
+            </a:r>
+            <a:r>
+              <a:rPr lang="ja-JP" altLang="en-US" dirty="0" smtClean="0"/>
+              <a:t>抑えられる</a:t>
+            </a:r>
+            <a:r>
+              <a:rPr lang="ja-JP" altLang="en-US" dirty="0"/>
+              <a:t>最適</a:t>
+            </a:r>
+            <a:r>
+              <a:rPr lang="ja-JP" altLang="en-US" dirty="0" smtClean="0"/>
+              <a:t>な画像特徴ベクトルの次元数を調査する</a:t>
+            </a:r>
+            <a:r>
+              <a:rPr lang="en-US" altLang="ja-JP" dirty="0" smtClean="0"/>
+              <a:t>.</a:t>
+            </a:r>
+            <a:endParaRPr lang="en-US" altLang="ja-JP" dirty="0" smtClean="0"/>
+          </a:p>
+          <a:p>
+            <a:endParaRPr kumimoji="1" lang="en-US" altLang="ja-JP" dirty="0"/>
+          </a:p>
+          <a:p>
+            <a:r>
+              <a:rPr lang="ja-JP" altLang="en-US" dirty="0"/>
+              <a:t>画像から</a:t>
+            </a:r>
+            <a:r>
+              <a:rPr lang="ja-JP" altLang="en-US" dirty="0" smtClean="0"/>
+              <a:t>の特徴ベクトルの生成には</a:t>
+            </a:r>
+            <a:r>
+              <a:rPr lang="en-US" altLang="ja-JP" dirty="0" smtClean="0"/>
+              <a:t>,</a:t>
+            </a:r>
+            <a:r>
+              <a:rPr lang="ja-JP" altLang="en-US" dirty="0" smtClean="0"/>
+              <a:t>ディープラーニングを</a:t>
+            </a:r>
+            <a:r>
+              <a:rPr lang="ja-JP" altLang="en-US" dirty="0" smtClean="0"/>
+              <a:t>用いる</a:t>
+            </a:r>
+            <a:r>
+              <a:rPr lang="en-US" altLang="ja-JP" dirty="0" smtClean="0"/>
+              <a:t>.</a:t>
+            </a:r>
+            <a:endParaRPr kumimoji="1" lang="ja-JP" altLang="en-US" dirty="0"/>
+          </a:p>
+        </p:txBody>
+      </p:sp>
+      <p:sp>
+        <p:nvSpPr>
+          <p:cNvPr id="4" name="スライド番号プレースホルダー 3"/>
+          <p:cNvSpPr>
+            <a:spLocks noGrp="1"/>
+          </p:cNvSpPr>
+          <p:nvPr>
+            <p:ph type="sldNum" sz="quarter" idx="12"/>
+          </p:nvPr>
+        </p:nvSpPr>
+        <p:spPr/>
+        <p:txBody>
+          <a:bodyPr/>
+          <a:lstStyle/>
+          <a:p>
+            <a:fld id="{B4451160-128F-4DAD-AE29-4A8CC0E7B9E9}" type="slidenum">
+              <a:rPr kumimoji="1" lang="ja-JP" altLang="en-US" sz="3200" smtClean="0"/>
+              <a:t>8</a:t>
+            </a:fld>
+            <a:endParaRPr kumimoji="1" lang="ja-JP" altLang="en-US" sz="3200" dirty="0"/>
+          </a:p>
+        </p:txBody>
+      </p:sp>
+    </p:spTree>
+    <p:extLst>
+      <p:ext uri="{BB962C8B-B14F-4D97-AF65-F5344CB8AC3E}">
+        <p14:creationId xmlns:p14="http://schemas.microsoft.com/office/powerpoint/2010/main" val="4224668961"/>
+      </p:ext>
+    </p:extLst>
+  </p:cSld>
+  <p:clrMapOvr>
+    <a:masterClrMapping/>
+  </p:clrMapOvr>
+  <p:timing>
+    <p:tnLst>
+      <p:par>
+        <p:cTn id="1" dur="indefinite" restart="never" nodeType="tmRoot"/>
+      </p:par>
+    </p:tnLst>
+  </p:timing>
+</p:sld>
+</file>
+
+<file path=ppt/slides/slide9.xml><?xml version="1.0" encoding="utf-8"?>
+<p:sld xmlns:a="http://schemas.openxmlformats.org/drawingml/2006/main" xmlns:r="http://schemas.openxmlformats.org/officeDocument/2006/relationships" xmlns:p="http://schemas.openxmlformats.org/presentationml/2006/main">
+  <p:cSld>
+    <p:spTree>
+      <p:nvGrpSpPr>
+        <p:cNvPr id="1" name=""/>
+        <p:cNvGrpSpPr/>
+        <p:nvPr/>
+      </p:nvGrpSpPr>
+      <p:grpSpPr>
+        <a:xfrm>
+          <a:off x="0" y="0"/>
+          <a:ext cx="0" cy="0"/>
+          <a:chOff x="0" y="0"/>
+          <a:chExt cx="0" cy="0"/>
+        </a:xfrm>
+      </p:grpSpPr>
+      <p:sp>
+        <p:nvSpPr>
+          <p:cNvPr id="2" name="タイトル 1"/>
+          <p:cNvSpPr>
+            <a:spLocks noGrp="1"/>
+          </p:cNvSpPr>
+          <p:nvPr>
+            <p:ph type="title"/>
+          </p:nvPr>
+        </p:nvSpPr>
+        <p:spPr/>
+        <p:txBody>
+          <a:bodyPr/>
+          <a:lstStyle/>
+          <a:p>
+            <a:r>
+              <a:rPr lang="ja-JP" altLang="en-US" dirty="0"/>
+              <a:t>研究の方法</a:t>
+            </a:r>
+            <a:endParaRPr kumimoji="1" lang="ja-JP" altLang="en-US" dirty="0"/>
+          </a:p>
+        </p:txBody>
+      </p:sp>
+      <p:sp>
+        <p:nvSpPr>
+          <p:cNvPr id="3" name="コンテンツ プレースホルダー 2"/>
+          <p:cNvSpPr>
+            <a:spLocks noGrp="1"/>
+          </p:cNvSpPr>
+          <p:nvPr>
+            <p:ph idx="1"/>
+          </p:nvPr>
+        </p:nvSpPr>
+        <p:spPr/>
+        <p:txBody>
+          <a:bodyPr/>
+          <a:lstStyle/>
+          <a:p>
+            <a:r>
+              <a:rPr lang="ja-JP" altLang="en-US" dirty="0"/>
+              <a:t>本研究で</a:t>
+            </a:r>
+            <a:r>
+              <a:rPr lang="ja-JP" altLang="en-US" dirty="0" smtClean="0"/>
+              <a:t>は</a:t>
+            </a:r>
+            <a:r>
+              <a:rPr lang="en-US" altLang="ja-JP" dirty="0" smtClean="0"/>
+              <a:t>,</a:t>
+            </a:r>
+            <a:r>
+              <a:rPr lang="ja-JP" altLang="en-US" dirty="0" smtClean="0"/>
+              <a:t>主</a:t>
+            </a:r>
+            <a:r>
+              <a:rPr lang="ja-JP" altLang="en-US" dirty="0" smtClean="0"/>
+              <a:t>に</a:t>
+            </a:r>
+            <a:r>
+              <a:rPr kumimoji="1" lang="en-US" altLang="ja-JP" dirty="0" smtClean="0"/>
+              <a:t>CNN</a:t>
+            </a:r>
+            <a:r>
+              <a:rPr kumimoji="1" lang="ja-JP" altLang="en-US" dirty="0" smtClean="0"/>
+              <a:t>を</a:t>
+            </a:r>
+            <a:r>
+              <a:rPr kumimoji="1" lang="ja-JP" altLang="en-US" dirty="0" smtClean="0"/>
+              <a:t>用いて</a:t>
+            </a:r>
+            <a:r>
+              <a:rPr lang="en-US" altLang="ja-JP" dirty="0"/>
+              <a:t>,</a:t>
+            </a:r>
+            <a:r>
+              <a:rPr lang="ja-JP" altLang="en-US" dirty="0" smtClean="0"/>
+              <a:t>特徴</a:t>
+            </a:r>
+            <a:r>
+              <a:rPr lang="ja-JP" altLang="en-US" dirty="0"/>
+              <a:t>ベクトルの抽出を</a:t>
+            </a:r>
+            <a:r>
+              <a:rPr lang="ja-JP" altLang="en-US" dirty="0" smtClean="0"/>
+              <a:t>行う</a:t>
+            </a:r>
+            <a:r>
+              <a:rPr lang="en-US" altLang="ja-JP" dirty="0"/>
+              <a:t>.</a:t>
+            </a:r>
+            <a:endParaRPr lang="en-US" altLang="ja-JP" dirty="0"/>
+          </a:p>
+          <a:p>
+            <a:r>
+              <a:rPr kumimoji="1" lang="ja-JP" altLang="en-US" dirty="0" smtClean="0"/>
+              <a:t>また</a:t>
+            </a:r>
+            <a:r>
+              <a:rPr kumimoji="1" lang="en-US" altLang="ja-JP" dirty="0" smtClean="0"/>
+              <a:t>,</a:t>
+            </a:r>
+            <a:r>
+              <a:rPr kumimoji="1" lang="ja-JP" altLang="en-US" dirty="0" smtClean="0"/>
+              <a:t>認識精度や計算コストを評価するために</a:t>
+            </a:r>
+            <a:r>
+              <a:rPr kumimoji="1" lang="en-US" altLang="ja-JP" dirty="0" smtClean="0"/>
+              <a:t>,SIFT</a:t>
+            </a:r>
+            <a:r>
+              <a:rPr kumimoji="1" lang="ja-JP" altLang="en-US" dirty="0" smtClean="0"/>
+              <a:t>を</a:t>
+            </a:r>
+            <a:r>
+              <a:rPr lang="ja-JP" altLang="en-US" dirty="0"/>
+              <a:t>比較対象と</a:t>
+            </a:r>
+            <a:r>
+              <a:rPr lang="ja-JP" altLang="en-US" dirty="0" smtClean="0"/>
+              <a:t>する</a:t>
+            </a:r>
+            <a:r>
+              <a:rPr lang="en-US" altLang="ja-JP" dirty="0" smtClean="0"/>
+              <a:t>.</a:t>
+            </a:r>
+            <a:endParaRPr lang="en-US" altLang="ja-JP" dirty="0"/>
+          </a:p>
+          <a:p>
+            <a:pPr lvl="2"/>
+            <a:r>
+              <a:rPr lang="en-US" altLang="ja-JP" dirty="0"/>
+              <a:t>CNN</a:t>
+            </a:r>
+          </a:p>
+          <a:p>
+            <a:pPr lvl="3"/>
+            <a:r>
+              <a:rPr lang="en-US" altLang="ja-JP" dirty="0"/>
+              <a:t>CNN</a:t>
+            </a:r>
+            <a:r>
+              <a:rPr lang="ja-JP" altLang="en-US" dirty="0"/>
+              <a:t>を用いた特徴量抽出</a:t>
+            </a:r>
+            <a:endParaRPr lang="en-US" altLang="ja-JP" dirty="0"/>
+          </a:p>
+          <a:p>
+            <a:pPr lvl="2"/>
+            <a:r>
+              <a:rPr lang="en-US" altLang="ja-JP" dirty="0"/>
+              <a:t>SIFT</a:t>
+            </a:r>
+          </a:p>
+          <a:p>
+            <a:pPr lvl="3"/>
+            <a:r>
+              <a:rPr lang="en-US" altLang="ja-JP" dirty="0"/>
+              <a:t>SIFT</a:t>
+            </a:r>
+            <a:r>
+              <a:rPr lang="ja-JP" altLang="en-US" dirty="0"/>
+              <a:t>を用いた特徴量</a:t>
+            </a:r>
+            <a:r>
+              <a:rPr lang="ja-JP" altLang="en-US" dirty="0" smtClean="0"/>
+              <a:t>抽出</a:t>
+            </a:r>
+            <a:endParaRPr lang="en-US" altLang="ja-JP" dirty="0" smtClean="0"/>
+          </a:p>
+          <a:p>
+            <a:r>
+              <a:rPr kumimoji="1" lang="en-US" altLang="ja-JP" dirty="0" smtClean="0"/>
+              <a:t>SIFT</a:t>
+            </a:r>
+            <a:r>
+              <a:rPr kumimoji="1" lang="ja-JP" altLang="en-US" dirty="0" smtClean="0"/>
+              <a:t>を選んだ理由としては</a:t>
+            </a:r>
+            <a:r>
+              <a:rPr kumimoji="1" lang="en-US" altLang="ja-JP" dirty="0" smtClean="0"/>
+              <a:t>,</a:t>
+            </a:r>
+            <a:r>
+              <a:rPr kumimoji="1" lang="ja-JP" altLang="en-US" dirty="0" smtClean="0"/>
+              <a:t>画像認識で特徴量を導出するための代表的なアルゴリズムであるため</a:t>
+            </a:r>
+            <a:r>
+              <a:rPr lang="en-US" altLang="ja-JP" dirty="0"/>
+              <a:t>.</a:t>
+            </a:r>
+            <a:endParaRPr kumimoji="1" lang="ja-JP" altLang="en-US" dirty="0"/>
+          </a:p>
+        </p:txBody>
+      </p:sp>
+      <p:sp>
+        <p:nvSpPr>
+          <p:cNvPr id="4" name="スライド番号プレースホルダー 3"/>
+          <p:cNvSpPr>
+            <a:spLocks noGrp="1"/>
+          </p:cNvSpPr>
+          <p:nvPr>
+            <p:ph type="sldNum" sz="quarter" idx="12"/>
+          </p:nvPr>
+        </p:nvSpPr>
+        <p:spPr/>
+        <p:txBody>
+          <a:bodyPr/>
+          <a:lstStyle/>
+          <a:p>
+            <a:fld id="{B4451160-128F-4DAD-AE29-4A8CC0E7B9E9}" type="slidenum">
+              <a:rPr kumimoji="1" lang="ja-JP" altLang="en-US" sz="3200" smtClean="0"/>
+              <a:t>9</a:t>
+            </a:fld>
+            <a:endParaRPr kumimoji="1" lang="ja-JP" altLang="en-US" sz="3200" dirty="0"/>
+          </a:p>
+        </p:txBody>
+      </p:sp>
+      <p:sp>
+        <p:nvSpPr>
+          <p:cNvPr id="5" name="正方形/長方形 4"/>
+          <p:cNvSpPr/>
+          <p:nvPr/>
+        </p:nvSpPr>
+        <p:spPr>
+          <a:xfrm>
+            <a:off x="4071184" y="269378"/>
+            <a:ext cx="3953879" cy="1421311"/>
+          </a:xfrm>
+          <a:prstGeom prst="rect">
+            <a:avLst/>
+          </a:prstGeom>
+        </p:spPr>
+        <p:style>
+          <a:lnRef idx="2">
+            <a:schemeClr val="accent6"/>
+          </a:lnRef>
+          <a:fillRef idx="1">
+            <a:schemeClr val="lt1"/>
+          </a:fillRef>
+          <a:effectRef idx="0">
+            <a:schemeClr val="accent6"/>
+          </a:effectRef>
+          <a:fontRef idx="minor">
+            <a:schemeClr val="dk1"/>
+          </a:fontRef>
+        </p:style>
+        <p:txBody>
+          <a:bodyPr rtlCol="0" anchor="ctr"/>
+          <a:lstStyle/>
+          <a:p>
+            <a:r>
+              <a:rPr lang="ja-JP" altLang="en-US" dirty="0" smtClean="0"/>
+              <a:t>主</a:t>
+            </a:r>
+            <a:r>
+              <a:rPr lang="ja-JP" altLang="en-US" dirty="0"/>
+              <a:t>に</a:t>
+            </a:r>
+            <a:r>
+              <a:rPr lang="en-US" altLang="ja-JP" dirty="0"/>
+              <a:t>CNN</a:t>
+            </a:r>
+            <a:r>
+              <a:rPr lang="ja-JP" altLang="en-US" dirty="0"/>
+              <a:t>を用いて</a:t>
+            </a:r>
+            <a:r>
+              <a:rPr lang="en-US" altLang="ja-JP" dirty="0"/>
+              <a:t>,</a:t>
+            </a:r>
+            <a:r>
+              <a:rPr lang="ja-JP" altLang="en-US" dirty="0"/>
+              <a:t>特徴ベクトルの抽出を行う</a:t>
+            </a:r>
+            <a:r>
+              <a:rPr lang="en-US" altLang="ja-JP" dirty="0" smtClean="0"/>
+              <a:t>.</a:t>
+            </a:r>
+            <a:r>
+              <a:rPr lang="ja-JP" altLang="en-US" dirty="0" smtClean="0"/>
+              <a:t>また</a:t>
+            </a:r>
+            <a:r>
+              <a:rPr lang="en-US" altLang="ja-JP" dirty="0"/>
+              <a:t>,</a:t>
+            </a:r>
+            <a:r>
+              <a:rPr lang="ja-JP" altLang="en-US" dirty="0"/>
+              <a:t>認識精度や計算コストを評価するために</a:t>
+            </a:r>
+            <a:r>
+              <a:rPr lang="en-US" altLang="ja-JP" dirty="0"/>
+              <a:t>,SIFT</a:t>
+            </a:r>
+            <a:r>
+              <a:rPr lang="ja-JP" altLang="en-US" dirty="0"/>
+              <a:t>を比較対象とする</a:t>
+            </a:r>
+            <a:r>
+              <a:rPr lang="en-US" altLang="ja-JP" dirty="0"/>
+              <a:t>.</a:t>
+            </a:r>
+          </a:p>
+          <a:p>
+            <a:pPr algn="ctr"/>
+            <a:endParaRPr kumimoji="1" lang="ja-JP" altLang="en-US" dirty="0"/>
+          </a:p>
+        </p:txBody>
+      </p:sp>
+    </p:spTree>
+    <p:extLst>
+      <p:ext uri="{BB962C8B-B14F-4D97-AF65-F5344CB8AC3E}">
+        <p14:creationId xmlns:p14="http://schemas.microsoft.com/office/powerpoint/2010/main" val="1724661356"/>
+      </p:ext>
+    </p:extLst>
+  </p:cSld>
+  <p:clrMapOvr>
+    <a:masterClrMapping/>
+  </p:clrMapOvr>
+  <p:timing>
+    <p:tnLst>
+      <p:par>
+        <p:cTn id="1" dur="indefinite" restart="never" nodeType="tmRoot"/>
+      </p:par>
+    </p:tnLst>
+  </p:timing>
 </p:sld>
 </file>
 
@@ -6031,6 +12242,267 @@
 </file>
 
 <file path=ppt/theme/theme2.xml><?xml version="1.0" encoding="utf-8"?>
+<a:theme xmlns:a="http://schemas.openxmlformats.org/drawingml/2006/main" name="1_Office テーマ">
+  <a:themeElements>
+    <a:clrScheme name="Office テーマ">
+      <a:dk1>
+        <a:sysClr val="windowText" lastClr="000000"/>
+      </a:dk1>
+      <a:lt1>
+        <a:sysClr val="window" lastClr="FFFFFF"/>
+      </a:lt1>
+      <a:dk2>
+        <a:srgbClr val="44546A"/>
+      </a:dk2>
+      <a:lt2>
+        <a:srgbClr val="E7E6E6"/>
+      </a:lt2>
+      <a:accent1>
+        <a:srgbClr val="5B9BD5"/>
+      </a:accent1>
+      <a:accent2>
+        <a:srgbClr val="ED7D31"/>
+      </a:accent2>
+      <a:accent3>
+        <a:srgbClr val="A5A5A5"/>
+      </a:accent3>
+      <a:accent4>
+        <a:srgbClr val="FFC000"/>
+      </a:accent4>
+      <a:accent5>
+        <a:srgbClr val="4472C4"/>
+      </a:accent5>
+      <a:accent6>
+        <a:srgbClr val="70AD47"/>
+      </a:accent6>
+      <a:hlink>
+        <a:srgbClr val="0563C1"/>
+      </a:hlink>
+      <a:folHlink>
+        <a:srgbClr val="954F72"/>
+      </a:folHlink>
+    </a:clrScheme>
+    <a:fontScheme name="Office テーマ">
+      <a:majorFont>
+        <a:latin typeface="Calibri Light" panose="020F0302020204030204"/>
+        <a:ea typeface=""/>
+        <a:cs typeface=""/>
+        <a:font script="Jpan" typeface="游ゴシック Light"/>
+        <a:font script="Hang" typeface="맑은 고딕"/>
+        <a:font script="Hans" typeface="等线 Light"/>
+        <a:font script="Hant" typeface="新細明體"/>
+        <a:font script="Arab" typeface="Times New Roman"/>
+        <a:font script="Hebr" typeface="Times New Roman"/>
+        <a:font script="Thai" typeface="Angsana New"/>
+        <a:font script="Ethi" typeface="Nyala"/>
+        <a:font script="Beng" typeface="Vrinda"/>
+        <a:font script="Gujr" typeface="Shruti"/>
+        <a:font script="Khmr" typeface="MoolBoran"/>
+        <a:font script="Knda" typeface="Tunga"/>
+        <a:font script="Guru" typeface="Raavi"/>
+        <a:font script="Cans" typeface="Euphemia"/>
+        <a:font script="Cher" typeface="Plantagenet Cherokee"/>
+        <a:font script="Yiii" typeface="Microsoft Yi Baiti"/>
+        <a:font script="Tibt" typeface="Microsoft Himalaya"/>
+        <a:font script="Thaa" typeface="MV Boli"/>
+        <a:font script="Deva" typeface="Mangal"/>
+        <a:font script="Telu" typeface="Gautami"/>
+        <a:font script="Taml" typeface="Latha"/>
+        <a:font script="Syrc" typeface="Estrangelo Edessa"/>
+        <a:font script="Orya" typeface="Kalinga"/>
+        <a:font script="Mlym" typeface="Kartika"/>
+        <a:font script="Laoo" typeface="DokChampa"/>
+        <a:font script="Sinh" typeface="Iskoola Pota"/>
+        <a:font script="Mong" typeface="Mongolian Baiti"/>
+        <a:font script="Viet" typeface="Times New Roman"/>
+        <a:font script="Uigh" typeface="Microsoft Uighur"/>
+        <a:font script="Geor" typeface="Sylfaen"/>
+      </a:majorFont>
+      <a:minorFont>
+        <a:latin typeface="Calibri" panose="020F0502020204030204"/>
+        <a:ea typeface=""/>
+        <a:cs typeface=""/>
+        <a:font script="Jpan" typeface="游ゴシック"/>
+        <a:font script="Hang" typeface="맑은 고딕"/>
+        <a:font script="Hans" typeface="等线"/>
+        <a:font script="Hant" typeface="新細明體"/>
+        <a:font script="Arab" typeface="Arial"/>
+        <a:font script="Hebr" typeface="Arial"/>
+        <a:font script="Thai" typeface="Cordia New"/>
+        <a:font script="Ethi" typeface="Nyala"/>
+        <a:font script="Beng" typeface="Vrinda"/>
+        <a:font script="Gujr" typeface="Shruti"/>
+        <a:font script="Khmr" typeface="DaunPenh"/>
+        <a:font script="Knda" typeface="Tunga"/>
+        <a:font script="Guru" typeface="Raavi"/>
+        <a:font script="Cans" typeface="Euphemia"/>
+        <a:font script="Cher" typeface="Plantagenet Cherokee"/>
+        <a:font script="Yiii" typeface="Microsoft Yi Baiti"/>
+        <a:font script="Tibt" typeface="Microsoft Himalaya"/>
+        <a:font script="Thaa" typeface="MV Boli"/>
+        <a:font script="Deva" typeface="Mangal"/>
+        <a:font script="Telu" typeface="Gautami"/>
+        <a:font script="Taml" typeface="Latha"/>
+        <a:font script="Syrc" typeface="Estrangelo Edessa"/>
+        <a:font script="Orya" typeface="Kalinga"/>
+        <a:font script="Mlym" typeface="Kartika"/>
+        <a:font script="Laoo" typeface="DokChampa"/>
+        <a:font script="Sinh" typeface="Iskoola Pota"/>
+        <a:font script="Mong" typeface="Mongolian Baiti"/>
+        <a:font script="Viet" typeface="Arial"/>
+        <a:font script="Uigh" typeface="Microsoft Uighur"/>
+        <a:font script="Geor" typeface="Sylfaen"/>
+      </a:minorFont>
+    </a:fontScheme>
+    <a:fmtScheme name="Office テーマ">
+      <a:fillStyleLst>
+        <a:solidFill>
+          <a:schemeClr val="phClr"/>
+        </a:solidFill>
+        <a:gradFill rotWithShape="1">
+          <a:gsLst>
+            <a:gs pos="0">
+              <a:schemeClr val="phClr">
+                <a:lumMod val="110000"/>
+                <a:satMod val="105000"/>
+                <a:tint val="67000"/>
+              </a:schemeClr>
+            </a:gs>
+            <a:gs pos="50000">
+              <a:schemeClr val="phClr">
+                <a:lumMod val="105000"/>
+                <a:satMod val="103000"/>
+                <a:tint val="73000"/>
+              </a:schemeClr>
+            </a:gs>
+            <a:gs pos="100000">
+              <a:schemeClr val="phClr">
+                <a:lumMod val="105000"/>
+                <a:satMod val="109000"/>
+                <a:tint val="81000"/>
+              </a:schemeClr>
+            </a:gs>
+          </a:gsLst>
+          <a:lin ang="5400000" scaled="0"/>
+        </a:gradFill>
+        <a:gradFill rotWithShape="1">
+          <a:gsLst>
+            <a:gs pos="0">
+              <a:schemeClr val="phClr">
+                <a:satMod val="103000"/>
+                <a:lumMod val="102000"/>
+                <a:tint val="94000"/>
+              </a:schemeClr>
+            </a:gs>
+            <a:gs pos="50000">
+              <a:schemeClr val="phClr">
+                <a:satMod val="110000"/>
+                <a:lumMod val="100000"/>
+                <a:shade val="100000"/>
+              </a:schemeClr>
+            </a:gs>
+            <a:gs pos="100000">
+              <a:schemeClr val="phClr">
+                <a:lumMod val="99000"/>
+                <a:satMod val="120000"/>
+                <a:shade val="78000"/>
+              </a:schemeClr>
+            </a:gs>
+          </a:gsLst>
+          <a:lin ang="5400000" scaled="0"/>
+        </a:gradFill>
+      </a:fillStyleLst>
+      <a:lnStyleLst>
+        <a:ln w="6350" cap="flat" cmpd="sng" algn="ctr">
+          <a:solidFill>
+            <a:schemeClr val="phClr"/>
+          </a:solidFill>
+          <a:prstDash val="solid"/>
+          <a:miter lim="800000"/>
+        </a:ln>
+        <a:ln w="12700" cap="flat" cmpd="sng" algn="ctr">
+          <a:solidFill>
+            <a:schemeClr val="phClr"/>
+          </a:solidFill>
+          <a:prstDash val="solid"/>
+          <a:miter lim="800000"/>
+        </a:ln>
+        <a:ln w="19050" cap="flat" cmpd="sng" algn="ctr">
+          <a:solidFill>
+            <a:schemeClr val="phClr"/>
+          </a:solidFill>
+          <a:prstDash val="solid"/>
+          <a:miter lim="800000"/>
+        </a:ln>
+      </a:lnStyleLst>
+      <a:effectStyleLst>
+        <a:effectStyle>
+          <a:effectLst/>
+        </a:effectStyle>
+        <a:effectStyle>
+          <a:effectLst/>
+        </a:effectStyle>
+        <a:effectStyle>
+          <a:effectLst>
+            <a:outerShdw blurRad="57150" dist="19050" dir="5400000" algn="ctr" rotWithShape="0">
+              <a:srgbClr val="000000">
+                <a:alpha val="63000"/>
+              </a:srgbClr>
+            </a:outerShdw>
+          </a:effectLst>
+        </a:effectStyle>
+      </a:effectStyleLst>
+      <a:bgFillStyleLst>
+        <a:solidFill>
+          <a:schemeClr val="phClr"/>
+        </a:solidFill>
+        <a:solidFill>
+          <a:schemeClr val="phClr">
+            <a:tint val="95000"/>
+            <a:satMod val="170000"/>
+          </a:schemeClr>
+        </a:solidFill>
+        <a:gradFill rotWithShape="1">
+          <a:gsLst>
+            <a:gs pos="0">
+              <a:schemeClr val="phClr">
+                <a:tint val="93000"/>
+                <a:satMod val="150000"/>
+                <a:shade val="98000"/>
+                <a:lumMod val="102000"/>
+              </a:schemeClr>
+            </a:gs>
+            <a:gs pos="50000">
+              <a:schemeClr val="phClr">
+                <a:tint val="98000"/>
+                <a:satMod val="130000"/>
+                <a:shade val="90000"/>
+                <a:lumMod val="103000"/>
+              </a:schemeClr>
+            </a:gs>
+            <a:gs pos="100000">
+              <a:schemeClr val="phClr">
+                <a:shade val="63000"/>
+                <a:satMod val="120000"/>
+              </a:schemeClr>
+            </a:gs>
+          </a:gsLst>
+          <a:lin ang="5400000" scaled="0"/>
+        </a:gradFill>
+      </a:bgFillStyleLst>
+    </a:fmtScheme>
+  </a:themeElements>
+  <a:objectDefaults/>
+  <a:extraClrSchemeLst/>
+  <a:extLst>
+    <a:ext uri="{05A4C25C-085E-4340-85A3-A5531E510DB2}">
+      <thm15:themeFamily xmlns:thm15="http://schemas.microsoft.com/office/thememl/2012/main" name="Office Theme" id="{62F939B6-93AF-4DB8-9C6B-D6C7DFDC589F}" vid="{4A3C46E8-61CC-4603-A589-7422A47A8E4A}"/>
+    </a:ext>
+  </a:extLst>
+</a:theme>
+</file>
+
+<file path=ppt/theme/theme3.xml><?xml version="1.0" encoding="utf-8"?>
 <a:theme xmlns:a="http://schemas.openxmlformats.org/drawingml/2006/main" name="Office テーマ">
   <a:themeElements>
     <a:clrScheme name="Office">

--- a/1821005_中間発表.pptx
+++ b/1821005_中間発表.pptx
@@ -237,7 +237,7 @@
           <a:p>
             <a:fld id="{27571B5F-C8EC-4379-AD76-80FD414F3861}" type="datetimeFigureOut">
               <a:rPr kumimoji="1" lang="ja-JP" altLang="en-US" smtClean="0"/>
-              <a:t>2021/7/21</a:t>
+              <a:t>2021/7/23</a:t>
             </a:fld>
             <a:endParaRPr kumimoji="1" lang="ja-JP" altLang="en-US"/>
           </a:p>
@@ -756,7 +756,7 @@
           <a:p>
             <a:fld id="{ED609840-96BF-4512-A2C1-C87E0BBF3D2F}" type="datetime1">
               <a:rPr kumimoji="1" lang="ja-JP" altLang="en-US" smtClean="0"/>
-              <a:t>2021/7/21</a:t>
+              <a:t>2021/7/23</a:t>
             </a:fld>
             <a:endParaRPr kumimoji="1" lang="ja-JP" altLang="en-US"/>
           </a:p>
@@ -959,7 +959,7 @@
           <a:p>
             <a:fld id="{F97B6116-28DE-44C1-8891-65688903BD50}" type="datetime1">
               <a:rPr kumimoji="1" lang="ja-JP" altLang="en-US" smtClean="0"/>
-              <a:t>2021/7/21</a:t>
+              <a:t>2021/7/23</a:t>
             </a:fld>
             <a:endParaRPr kumimoji="1" lang="ja-JP" altLang="en-US"/>
           </a:p>
@@ -1172,7 +1172,7 @@
           <a:p>
             <a:fld id="{EDE04BF4-1FC0-40EE-A15F-5986BB2387E9}" type="datetime1">
               <a:rPr kumimoji="1" lang="ja-JP" altLang="en-US" smtClean="0"/>
-              <a:t>2021/7/21</a:t>
+              <a:t>2021/7/23</a:t>
             </a:fld>
             <a:endParaRPr kumimoji="1" lang="ja-JP" altLang="en-US"/>
           </a:p>
@@ -4542,7 +4542,7 @@
           <a:p>
             <a:fld id="{AFE4124D-C094-469A-99BC-7EA66CDB293F}" type="datetime1">
               <a:rPr kumimoji="1" lang="ja-JP" altLang="en-US" smtClean="0"/>
-              <a:t>2021/7/21</a:t>
+              <a:t>2021/7/23</a:t>
             </a:fld>
             <a:endParaRPr kumimoji="1" lang="ja-JP" altLang="en-US"/>
           </a:p>
@@ -5942,7 +5942,7 @@
           <a:p>
             <a:fld id="{F808FAA8-DC38-46BC-9A48-0414366DDF43}" type="datetime1">
               <a:rPr kumimoji="1" lang="ja-JP" altLang="en-US" smtClean="0"/>
-              <a:t>2021/7/21</a:t>
+              <a:t>2021/7/23</a:t>
             </a:fld>
             <a:endParaRPr kumimoji="1" lang="ja-JP" altLang="en-US"/>
           </a:p>
@@ -6239,7 +6239,7 @@
           <a:p>
             <a:fld id="{43B61DD3-8484-4FD8-9D55-71FA047E405C}" type="datetime1">
               <a:rPr kumimoji="1" lang="ja-JP" altLang="en-US" smtClean="0"/>
-              <a:t>2021/7/21</a:t>
+              <a:t>2021/7/23</a:t>
             </a:fld>
             <a:endParaRPr kumimoji="1" lang="ja-JP" altLang="en-US"/>
           </a:p>
@@ -6671,7 +6671,7 @@
           <a:p>
             <a:fld id="{61FE3252-B303-4BFD-B995-E88780D087A2}" type="datetime1">
               <a:rPr kumimoji="1" lang="ja-JP" altLang="en-US" smtClean="0"/>
-              <a:t>2021/7/21</a:t>
+              <a:t>2021/7/23</a:t>
             </a:fld>
             <a:endParaRPr kumimoji="1" lang="ja-JP" altLang="en-US"/>
           </a:p>
@@ -6790,7 +6790,7 @@
           <a:p>
             <a:fld id="{83973884-A525-473B-9B85-E710649C3EE9}" type="datetime1">
               <a:rPr kumimoji="1" lang="ja-JP" altLang="en-US" smtClean="0"/>
-              <a:t>2021/7/21</a:t>
+              <a:t>2021/7/23</a:t>
             </a:fld>
             <a:endParaRPr kumimoji="1" lang="ja-JP" altLang="en-US"/>
           </a:p>
@@ -6886,7 +6886,7 @@
           <a:p>
             <a:fld id="{630B9591-4670-4AF8-B7B7-F5F2443A761A}" type="datetime1">
               <a:rPr kumimoji="1" lang="ja-JP" altLang="en-US" smtClean="0"/>
-              <a:t>2021/7/21</a:t>
+              <a:t>2021/7/23</a:t>
             </a:fld>
             <a:endParaRPr kumimoji="1" lang="ja-JP" altLang="en-US"/>
           </a:p>
@@ -7196,7 +7196,7 @@
           <a:p>
             <a:fld id="{434F6BA0-5DA2-4153-9B76-E2457FA21F47}" type="datetime1">
               <a:rPr kumimoji="1" lang="ja-JP" altLang="en-US" smtClean="0"/>
-              <a:t>2021/7/21</a:t>
+              <a:t>2021/7/23</a:t>
             </a:fld>
             <a:endParaRPr kumimoji="1" lang="ja-JP" altLang="en-US"/>
           </a:p>
@@ -7454,7 +7454,7 @@
           <a:p>
             <a:fld id="{590B58CC-0A81-4826-A84E-1F1030B25368}" type="datetime1">
               <a:rPr kumimoji="1" lang="ja-JP" altLang="en-US" smtClean="0"/>
-              <a:t>2021/7/21</a:t>
+              <a:t>2021/7/23</a:t>
             </a:fld>
             <a:endParaRPr kumimoji="1" lang="ja-JP" altLang="en-US"/>
           </a:p>
@@ -7700,7 +7700,7 @@
           <a:p>
             <a:fld id="{77253A0B-EAD4-46D7-BD2F-C5BFFB89C890}" type="datetime1">
               <a:rPr kumimoji="1" lang="ja-JP" altLang="en-US" smtClean="0"/>
-              <a:t>2021/7/21</a:t>
+              <a:t>2021/7/23</a:t>
             </a:fld>
             <a:endParaRPr kumimoji="1" lang="ja-JP" altLang="en-US"/>
           </a:p>
@@ -11164,11 +11164,7 @@
           <a:p>
             <a:r>
               <a:rPr lang="ja-JP" altLang="en-US" dirty="0" smtClean="0"/>
-              <a:t>大量</a:t>
-            </a:r>
-            <a:r>
-              <a:rPr lang="ja-JP" altLang="en-US" dirty="0" smtClean="0"/>
-              <a:t>の</a:t>
+              <a:t>大量の</a:t>
             </a:r>
             <a:r>
               <a:rPr lang="ja-JP" altLang="en-US" dirty="0"/>
@@ -11184,15 +11180,7 @@
             </a:r>
             <a:r>
               <a:rPr lang="ja-JP" altLang="en-US" dirty="0" smtClean="0"/>
-              <a:t>高次元</a:t>
-            </a:r>
-            <a:r>
-              <a:rPr lang="ja-JP" altLang="en-US" dirty="0" smtClean="0"/>
-              <a:t>の画像データを認識性能を向上させつつ</a:t>
-            </a:r>
-            <a:r>
-              <a:rPr lang="ja-JP" altLang="en-US" dirty="0" smtClean="0"/>
-              <a:t>も</a:t>
+              <a:t>高次元の画像データを認識性能を向上させつつも</a:t>
             </a:r>
             <a:r>
               <a:rPr lang="en-US" altLang="ja-JP" dirty="0" smtClean="0"/>
@@ -11200,11 +11188,7 @@
             </a:r>
             <a:r>
               <a:rPr lang="ja-JP" altLang="en-US" dirty="0" smtClean="0"/>
-              <a:t>計算</a:t>
-            </a:r>
-            <a:r>
-              <a:rPr lang="ja-JP" altLang="en-US" dirty="0" smtClean="0"/>
-              <a:t>コストを抑えることでより良い</a:t>
+              <a:t>計算コストを抑えることでより良い</a:t>
             </a:r>
             <a:r>
               <a:rPr lang="ja-JP" altLang="en-US" dirty="0"/>
@@ -11212,17 +11196,12 @@
             </a:r>
             <a:r>
               <a:rPr lang="ja-JP" altLang="en-US" dirty="0" smtClean="0"/>
-              <a:t>認識を</a:t>
-            </a:r>
-            <a:r>
-              <a:rPr lang="ja-JP" altLang="en-US" dirty="0" smtClean="0"/>
-              <a:t>行う</a:t>
+              <a:t>認識を行う</a:t>
             </a:r>
             <a:r>
               <a:rPr lang="en-US" altLang="ja-JP" dirty="0" smtClean="0"/>
               <a:t>.</a:t>
             </a:r>
-            <a:endParaRPr lang="en-US" altLang="ja-JP" dirty="0" smtClean="0"/>
           </a:p>
           <a:p>
             <a:endParaRPr lang="en-US" altLang="ja-JP" dirty="0" smtClean="0"/>
@@ -11523,11 +11502,7 @@
             </a:r>
             <a:r>
               <a:rPr lang="ja-JP" altLang="en-US" dirty="0" smtClean="0"/>
-              <a:t>認識の認識性能を高く保ちつつ</a:t>
-            </a:r>
-            <a:r>
-              <a:rPr lang="ja-JP" altLang="en-US" dirty="0" smtClean="0"/>
-              <a:t>も</a:t>
+              <a:t>認識の認識性能を高く保ちつつも</a:t>
             </a:r>
             <a:r>
               <a:rPr lang="en-US" altLang="ja-JP" dirty="0" smtClean="0"/>
@@ -11535,15 +11510,7 @@
             </a:r>
             <a:r>
               <a:rPr lang="ja-JP" altLang="en-US" dirty="0" smtClean="0"/>
-              <a:t>計算</a:t>
-            </a:r>
-            <a:r>
-              <a:rPr lang="ja-JP" altLang="en-US" dirty="0" smtClean="0"/>
-              <a:t>コストをできるだけ</a:t>
-            </a:r>
-            <a:r>
-              <a:rPr lang="ja-JP" altLang="en-US" dirty="0" smtClean="0"/>
-              <a:t>抑えられる</a:t>
+              <a:t>計算コストをできるだけ抑えられる</a:t>
             </a:r>
             <a:r>
               <a:rPr lang="ja-JP" altLang="en-US" dirty="0"/>
@@ -11557,7 +11524,6 @@
               <a:rPr lang="en-US" altLang="ja-JP" dirty="0" smtClean="0"/>
               <a:t>.</a:t>
             </a:r>
-            <a:endParaRPr lang="en-US" altLang="ja-JP" dirty="0" smtClean="0"/>
           </a:p>
           <a:p>
             <a:endParaRPr kumimoji="1" lang="en-US" altLang="ja-JP" dirty="0"/>
@@ -11577,11 +11543,7 @@
             </a:r>
             <a:r>
               <a:rPr lang="ja-JP" altLang="en-US" dirty="0" smtClean="0"/>
-              <a:t>ディープラーニングを</a:t>
-            </a:r>
-            <a:r>
-              <a:rPr lang="ja-JP" altLang="en-US" dirty="0" smtClean="0"/>
-              <a:t>用いる</a:t>
+              <a:t>ディープラーニングを用いる</a:t>
             </a:r>
             <a:r>
               <a:rPr lang="en-US" altLang="ja-JP" dirty="0" smtClean="0"/>
@@ -11703,11 +11665,7 @@
             </a:r>
             <a:r>
               <a:rPr lang="ja-JP" altLang="en-US" dirty="0" smtClean="0"/>
-              <a:t>主</a:t>
-            </a:r>
-            <a:r>
-              <a:rPr lang="ja-JP" altLang="en-US" dirty="0" smtClean="0"/>
-              <a:t>に</a:t>
+              <a:t>主に</a:t>
             </a:r>
             <a:r>
               <a:rPr kumimoji="1" lang="en-US" altLang="ja-JP" dirty="0" smtClean="0"/>
@@ -11715,11 +11673,7 @@
             </a:r>
             <a:r>
               <a:rPr kumimoji="1" lang="ja-JP" altLang="en-US" dirty="0" smtClean="0"/>
-              <a:t>を</a:t>
-            </a:r>
-            <a:r>
-              <a:rPr kumimoji="1" lang="ja-JP" altLang="en-US" dirty="0" smtClean="0"/>
-              <a:t>用いて</a:t>
+              <a:t>を用いて</a:t>
             </a:r>
             <a:r>
               <a:rPr lang="en-US" altLang="ja-JP" dirty="0"/>
@@ -11741,7 +11695,6 @@
               <a:rPr lang="en-US" altLang="ja-JP" dirty="0"/>
               <a:t>.</a:t>
             </a:r>
-            <a:endParaRPr lang="en-US" altLang="ja-JP" dirty="0"/>
           </a:p>
           <a:p>
             <a:r>

--- a/1821005_中間発表.pptx
+++ b/1821005_中間発表.pptx
@@ -13,13 +13,13 @@
     <p:sldId id="257" r:id="rId4"/>
     <p:sldId id="258" r:id="rId5"/>
     <p:sldId id="259" r:id="rId6"/>
-    <p:sldId id="266" r:id="rId7"/>
-    <p:sldId id="260" r:id="rId8"/>
-    <p:sldId id="261" r:id="rId9"/>
-    <p:sldId id="262" r:id="rId10"/>
-    <p:sldId id="263" r:id="rId11"/>
-    <p:sldId id="265" r:id="rId12"/>
-    <p:sldId id="264" r:id="rId13"/>
+    <p:sldId id="260" r:id="rId7"/>
+    <p:sldId id="261" r:id="rId8"/>
+    <p:sldId id="262" r:id="rId9"/>
+    <p:sldId id="263" r:id="rId10"/>
+    <p:sldId id="265" r:id="rId11"/>
+    <p:sldId id="264" r:id="rId12"/>
+    <p:sldId id="266" r:id="rId13"/>
   </p:sldIdLst>
   <p:sldSz cx="9144000" cy="6858000" type="screen4x3"/>
   <p:notesSz cx="6858000" cy="9144000"/>
@@ -616,6 +616,128 @@
     <p:extLst>
       <p:ext uri="{BB962C8B-B14F-4D97-AF65-F5344CB8AC3E}">
         <p14:creationId xmlns:p14="http://schemas.microsoft.com/office/powerpoint/2010/main" val="937322828"/>
+      </p:ext>
+    </p:extLst>
+  </p:cSld>
+  <p:clrMapOvr>
+    <a:masterClrMapping/>
+  </p:clrMapOvr>
+</p:notes>
+</file>
+
+<file path=ppt/notesSlides/notesSlide2.xml><?xml version="1.0" encoding="utf-8"?>
+<p:notes xmlns:a="http://schemas.openxmlformats.org/drawingml/2006/main" xmlns:r="http://schemas.openxmlformats.org/officeDocument/2006/relationships" xmlns:p="http://schemas.openxmlformats.org/presentationml/2006/main">
+  <p:cSld>
+    <p:spTree>
+      <p:nvGrpSpPr>
+        <p:cNvPr id="1" name=""/>
+        <p:cNvGrpSpPr/>
+        <p:nvPr/>
+      </p:nvGrpSpPr>
+      <p:grpSpPr>
+        <a:xfrm>
+          <a:off x="0" y="0"/>
+          <a:ext cx="0" cy="0"/>
+          <a:chOff x="0" y="0"/>
+          <a:chExt cx="0" cy="0"/>
+        </a:xfrm>
+      </p:grpSpPr>
+      <p:sp>
+        <p:nvSpPr>
+          <p:cNvPr id="2" name="スライド イメージ プレースホルダー 1"/>
+          <p:cNvSpPr>
+            <a:spLocks noGrp="1" noRot="1" noChangeAspect="1"/>
+          </p:cNvSpPr>
+          <p:nvPr>
+            <p:ph type="sldImg"/>
+          </p:nvPr>
+        </p:nvSpPr>
+        <p:spPr/>
+      </p:sp>
+      <p:sp>
+        <p:nvSpPr>
+          <p:cNvPr id="3" name="ノート プレースホルダー 2"/>
+          <p:cNvSpPr>
+            <a:spLocks noGrp="1"/>
+          </p:cNvSpPr>
+          <p:nvPr>
+            <p:ph type="body" idx="1"/>
+          </p:nvPr>
+        </p:nvSpPr>
+        <p:spPr/>
+        <p:txBody>
+          <a:bodyPr/>
+          <a:lstStyle/>
+          <a:p>
+            <a:endParaRPr kumimoji="1" lang="en-US" altLang="ja-JP" dirty="0" smtClean="0"/>
+          </a:p>
+          <a:p>
+            <a:r>
+              <a:rPr kumimoji="1" lang="en-US" altLang="ja-JP" dirty="0" smtClean="0"/>
+              <a:t>1</a:t>
+            </a:r>
+            <a:r>
+              <a:rPr kumimoji="1" lang="ja-JP" altLang="en-US" dirty="0" smtClean="0"/>
+              <a:t>個目は、</a:t>
+            </a:r>
+            <a:r>
+              <a:rPr kumimoji="1" lang="en-US" altLang="ja-JP" dirty="0" smtClean="0"/>
+              <a:t>CNN</a:t>
+            </a:r>
+            <a:r>
+              <a:rPr kumimoji="1" lang="ja-JP" altLang="en-US" dirty="0" smtClean="0"/>
+              <a:t>を用いた転移学習、特徴抽出について書かれている。</a:t>
+            </a:r>
+            <a:endParaRPr kumimoji="1" lang="en-US" altLang="ja-JP" dirty="0" smtClean="0"/>
+          </a:p>
+          <a:p>
+            <a:r>
+              <a:rPr kumimoji="1" lang="en-US" altLang="ja-JP" dirty="0" smtClean="0"/>
+              <a:t>2</a:t>
+            </a:r>
+            <a:r>
+              <a:rPr kumimoji="1" lang="ja-JP" altLang="en-US" dirty="0" smtClean="0"/>
+              <a:t>個目の関連研究で</a:t>
+            </a:r>
+            <a:r>
+              <a:rPr kumimoji="1" lang="en-US" altLang="ja-JP" dirty="0" smtClean="0"/>
+              <a:t>SIFT</a:t>
+            </a:r>
+            <a:r>
+              <a:rPr kumimoji="1" lang="ja-JP" altLang="en-US" dirty="0" smtClean="0"/>
+              <a:t>の特徴量の取り方、それをヒストグラムにすることについて書かれている。</a:t>
+            </a:r>
+            <a:endParaRPr kumimoji="1" lang="ja-JP" altLang="en-US" dirty="0"/>
+          </a:p>
+        </p:txBody>
+      </p:sp>
+      <p:sp>
+        <p:nvSpPr>
+          <p:cNvPr id="4" name="スライド番号プレースホルダー 3"/>
+          <p:cNvSpPr>
+            <a:spLocks noGrp="1"/>
+          </p:cNvSpPr>
+          <p:nvPr>
+            <p:ph type="sldNum" sz="quarter" idx="10"/>
+          </p:nvPr>
+        </p:nvSpPr>
+        <p:spPr/>
+        <p:txBody>
+          <a:bodyPr/>
+          <a:lstStyle/>
+          <a:p>
+            <a:fld id="{9D828324-DCC9-430F-AD2C-1DD1805E2C40}" type="slidenum">
+              <a:rPr kumimoji="1" lang="ja-JP" altLang="en-US" smtClean="0"/>
+              <a:t>3</a:t>
+            </a:fld>
+            <a:endParaRPr kumimoji="1" lang="ja-JP" altLang="en-US"/>
+          </a:p>
+        </p:txBody>
+      </p:sp>
+    </p:spTree>
+    <p:extLst>
+      <p:ext uri="{BB962C8B-B14F-4D97-AF65-F5344CB8AC3E}">
+        <p14:creationId xmlns:p14="http://schemas.microsoft.com/office/powerpoint/2010/main" val="1636326168"/>
       </p:ext>
     </p:extLst>
   </p:cSld>
@@ -9066,150 +9188,6 @@
           <a:lstStyle/>
           <a:p>
             <a:r>
-              <a:rPr kumimoji="1" lang="ja-JP" altLang="en-US" dirty="0" smtClean="0"/>
-              <a:t>特徴ベクトルの生成</a:t>
-            </a:r>
-            <a:endParaRPr kumimoji="1" lang="ja-JP" altLang="en-US" dirty="0"/>
-          </a:p>
-        </p:txBody>
-      </p:sp>
-      <p:sp>
-        <p:nvSpPr>
-          <p:cNvPr id="3" name="コンテンツ プレースホルダー 2"/>
-          <p:cNvSpPr>
-            <a:spLocks noGrp="1"/>
-          </p:cNvSpPr>
-          <p:nvPr>
-            <p:ph idx="1"/>
-          </p:nvPr>
-        </p:nvSpPr>
-        <p:spPr/>
-        <p:txBody>
-          <a:bodyPr/>
-          <a:lstStyle/>
-          <a:p>
-            <a:r>
-              <a:rPr kumimoji="1" lang="en-US" altLang="ja-JP" dirty="0" smtClean="0"/>
-              <a:t>CNN</a:t>
-            </a:r>
-            <a:r>
-              <a:rPr kumimoji="1" lang="ja-JP" altLang="en-US" dirty="0" smtClean="0"/>
-              <a:t>による</a:t>
-            </a:r>
-            <a:r>
-              <a:rPr kumimoji="1" lang="en-US" altLang="ja-JP" dirty="0" smtClean="0"/>
-              <a:t>,</a:t>
-            </a:r>
-            <a:r>
-              <a:rPr kumimoji="1" lang="ja-JP" altLang="en-US" dirty="0" smtClean="0"/>
-              <a:t>画像からの特徴ベクトルの抽出方法</a:t>
-            </a:r>
-            <a:endParaRPr kumimoji="1" lang="en-US" altLang="ja-JP" dirty="0" smtClean="0"/>
-          </a:p>
-          <a:p>
-            <a:endParaRPr lang="en-US" altLang="ja-JP" dirty="0"/>
-          </a:p>
-          <a:p>
-            <a:r>
-              <a:rPr kumimoji="1" lang="en-US" altLang="ja-JP" dirty="0" smtClean="0"/>
-              <a:t>SIFT</a:t>
-            </a:r>
-            <a:r>
-              <a:rPr lang="ja-JP" altLang="en-US" dirty="0"/>
-              <a:t>による</a:t>
-            </a:r>
-            <a:r>
-              <a:rPr lang="en-US" altLang="ja-JP" dirty="0"/>
-              <a:t>,</a:t>
-            </a:r>
-            <a:r>
-              <a:rPr lang="ja-JP" altLang="en-US" dirty="0"/>
-              <a:t>画像からの特徴ベクトルの抽出方法</a:t>
-            </a:r>
-            <a:endParaRPr lang="en-US" altLang="ja-JP" dirty="0"/>
-          </a:p>
-          <a:p>
-            <a:endParaRPr kumimoji="1" lang="ja-JP" altLang="en-US" dirty="0"/>
-          </a:p>
-        </p:txBody>
-      </p:sp>
-      <p:sp>
-        <p:nvSpPr>
-          <p:cNvPr id="4" name="スライド番号プレースホルダー 3"/>
-          <p:cNvSpPr>
-            <a:spLocks noGrp="1"/>
-          </p:cNvSpPr>
-          <p:nvPr>
-            <p:ph type="sldNum" sz="quarter" idx="12"/>
-          </p:nvPr>
-        </p:nvSpPr>
-        <p:spPr/>
-        <p:txBody>
-          <a:bodyPr/>
-          <a:lstStyle/>
-          <a:p>
-            <a:fld id="{B4451160-128F-4DAD-AE29-4A8CC0E7B9E9}" type="slidenum">
-              <a:rPr lang="ja-JP" altLang="en-US" smtClean="0"/>
-              <a:pPr/>
-              <a:t>10</a:t>
-            </a:fld>
-            <a:endParaRPr lang="ja-JP" altLang="en-US" dirty="0"/>
-          </a:p>
-        </p:txBody>
-      </p:sp>
-    </p:spTree>
-    <p:extLst>
-      <p:ext uri="{BB962C8B-B14F-4D97-AF65-F5344CB8AC3E}">
-        <p14:creationId xmlns:p14="http://schemas.microsoft.com/office/powerpoint/2010/main" val="3404779024"/>
-      </p:ext>
-    </p:extLst>
-  </p:cSld>
-  <p:clrMapOvr>
-    <a:masterClrMapping/>
-  </p:clrMapOvr>
-  <p:timing>
-    <p:tnLst>
-      <p:par>
-        <p:cTn id="1" dur="indefinite" restart="never" nodeType="tmRoot"/>
-      </p:par>
-    </p:tnLst>
-  </p:timing>
-</p:sld>
-</file>
-
-<file path=ppt/slides/slide11.xml><?xml version="1.0" encoding="utf-8"?>
-<p:sld xmlns:a="http://schemas.openxmlformats.org/drawingml/2006/main" xmlns:r="http://schemas.openxmlformats.org/officeDocument/2006/relationships" xmlns:p="http://schemas.openxmlformats.org/presentationml/2006/main">
-  <p:cSld>
-    <p:spTree>
-      <p:nvGrpSpPr>
-        <p:cNvPr id="1" name=""/>
-        <p:cNvGrpSpPr/>
-        <p:nvPr/>
-      </p:nvGrpSpPr>
-      <p:grpSpPr>
-        <a:xfrm>
-          <a:off x="0" y="0"/>
-          <a:ext cx="0" cy="0"/>
-          <a:chOff x="0" y="0"/>
-          <a:chExt cx="0" cy="0"/>
-        </a:xfrm>
-      </p:grpSpPr>
-      <p:sp>
-        <p:nvSpPr>
-          <p:cNvPr id="2" name="タイトル 1"/>
-          <p:cNvSpPr>
-            <a:spLocks noGrp="1"/>
-          </p:cNvSpPr>
-          <p:nvPr>
-            <p:ph type="title"/>
-          </p:nvPr>
-        </p:nvSpPr>
-        <p:spPr/>
-        <p:txBody>
-          <a:bodyPr/>
-          <a:lstStyle/>
-          <a:p>
-            <a:r>
               <a:rPr kumimoji="1" lang="ja-JP" altLang="en-US" dirty="0"/>
               <a:t>今後のスケジュール</a:t>
             </a:r>
@@ -9272,7 +9250,7 @@
           <a:p>
             <a:fld id="{B4451160-128F-4DAD-AE29-4A8CC0E7B9E9}" type="slidenum">
               <a:rPr kumimoji="1" lang="ja-JP" altLang="en-US" sz="3200" smtClean="0"/>
-              <a:t>11</a:t>
+              <a:t>10</a:t>
             </a:fld>
             <a:endParaRPr kumimoji="1" lang="ja-JP" altLang="en-US" sz="3200" dirty="0"/>
           </a:p>
@@ -10204,6 +10182,253 @@
 </p:sld>
 </file>
 
+<file path=ppt/slides/slide11.xml><?xml version="1.0" encoding="utf-8"?>
+<p:sld xmlns:a="http://schemas.openxmlformats.org/drawingml/2006/main" xmlns:r="http://schemas.openxmlformats.org/officeDocument/2006/relationships" xmlns:p="http://schemas.openxmlformats.org/presentationml/2006/main">
+  <p:cSld>
+    <p:spTree>
+      <p:nvGrpSpPr>
+        <p:cNvPr id="1" name=""/>
+        <p:cNvGrpSpPr/>
+        <p:nvPr/>
+      </p:nvGrpSpPr>
+      <p:grpSpPr>
+        <a:xfrm>
+          <a:off x="0" y="0"/>
+          <a:ext cx="0" cy="0"/>
+          <a:chOff x="0" y="0"/>
+          <a:chExt cx="0" cy="0"/>
+        </a:xfrm>
+      </p:grpSpPr>
+      <p:sp>
+        <p:nvSpPr>
+          <p:cNvPr id="2" name="タイトル 1"/>
+          <p:cNvSpPr>
+            <a:spLocks noGrp="1"/>
+          </p:cNvSpPr>
+          <p:nvPr>
+            <p:ph type="title"/>
+          </p:nvPr>
+        </p:nvSpPr>
+        <p:spPr/>
+        <p:txBody>
+          <a:bodyPr/>
+          <a:lstStyle/>
+          <a:p>
+            <a:r>
+              <a:rPr kumimoji="1" lang="ja-JP" altLang="en-US" dirty="0" smtClean="0"/>
+              <a:t>次元数と計算コスト</a:t>
+            </a:r>
+            <a:endParaRPr kumimoji="1" lang="ja-JP" altLang="en-US" dirty="0"/>
+          </a:p>
+        </p:txBody>
+      </p:sp>
+      <p:sp>
+        <p:nvSpPr>
+          <p:cNvPr id="3" name="コンテンツ プレースホルダー 2"/>
+          <p:cNvSpPr>
+            <a:spLocks noGrp="1"/>
+          </p:cNvSpPr>
+          <p:nvPr>
+            <p:ph idx="1"/>
+          </p:nvPr>
+        </p:nvSpPr>
+        <p:spPr>
+          <a:xfrm>
+            <a:off x="628650" y="1825624"/>
+            <a:ext cx="7886700" cy="5032375"/>
+          </a:xfrm>
+        </p:spPr>
+        <p:txBody>
+          <a:bodyPr>
+            <a:normAutofit lnSpcReduction="10000"/>
+          </a:bodyPr>
+          <a:lstStyle/>
+          <a:p>
+            <a:r>
+              <a:rPr kumimoji="1" lang="ja-JP" altLang="en-US" dirty="0" smtClean="0"/>
+              <a:t>大量のデータを分析する際、大きな次元のデータを処理することがあるが、次元数が大きくなると「</a:t>
+            </a:r>
+            <a:r>
+              <a:rPr kumimoji="1" lang="ja-JP" altLang="en-US" b="1" dirty="0" smtClean="0"/>
+              <a:t>次元の呪い</a:t>
+            </a:r>
+            <a:r>
+              <a:rPr kumimoji="1" lang="ja-JP" altLang="en-US" dirty="0" smtClean="0"/>
+              <a:t>」と呼ばれる問題が発生する。</a:t>
+            </a:r>
+            <a:endParaRPr lang="en-US" altLang="ja-JP" dirty="0"/>
+          </a:p>
+          <a:p>
+            <a:pPr lvl="1"/>
+            <a:r>
+              <a:rPr lang="ja-JP" altLang="ja-JP" dirty="0"/>
+              <a:t>データの次元数が大きくなり過ぎると、そのデータで表現できる組み合わせが飛躍的に多くなってしまい、その結果、手元にある有限なサンプルデータでは十分な学習結果が得られなく</a:t>
+            </a:r>
+            <a:r>
+              <a:rPr lang="ja-JP" altLang="ja-JP" dirty="0" smtClean="0"/>
+              <a:t>なる</a:t>
+            </a:r>
+            <a:r>
+              <a:rPr lang="ja-JP" altLang="en-US" dirty="0" smtClean="0"/>
+              <a:t>。</a:t>
+            </a:r>
+            <a:r>
+              <a:rPr lang="ja-JP" altLang="en-US" dirty="0"/>
+              <a:t>計算コストが莫大となるだけでなく、十分な学習結果が得られず、未知のデータに適切に対応出来なくなる等の不具合</a:t>
+            </a:r>
+            <a:r>
+              <a:rPr lang="ja-JP" altLang="en-US" dirty="0" smtClean="0"/>
+              <a:t>が発生。</a:t>
+            </a:r>
+            <a:endParaRPr lang="en-US" altLang="ja-JP" dirty="0" smtClean="0"/>
+          </a:p>
+          <a:p>
+            <a:r>
+              <a:rPr lang="ja-JP" altLang="en-US" dirty="0"/>
+              <a:t>回避</a:t>
+            </a:r>
+            <a:r>
+              <a:rPr lang="ja-JP" altLang="en-US" dirty="0" smtClean="0"/>
+              <a:t>策</a:t>
+            </a:r>
+            <a:endParaRPr lang="en-US" altLang="ja-JP" dirty="0" smtClean="0"/>
+          </a:p>
+          <a:p>
+            <a:pPr lvl="1"/>
+            <a:r>
+              <a:rPr lang="ja-JP" altLang="en-US" dirty="0"/>
+              <a:t>特徴量の中</a:t>
+            </a:r>
+            <a:r>
+              <a:rPr lang="ja-JP" altLang="en-US" dirty="0" smtClean="0"/>
+              <a:t>から必要なものを選び出す特徴選択</a:t>
+            </a:r>
+            <a:endParaRPr lang="en-US" altLang="ja-JP" dirty="0" smtClean="0"/>
+          </a:p>
+          <a:p>
+            <a:pPr lvl="1"/>
+            <a:r>
+              <a:rPr lang="ja-JP" altLang="en-US" dirty="0"/>
+              <a:t>本来</a:t>
+            </a:r>
+            <a:r>
+              <a:rPr lang="ja-JP" altLang="en-US" dirty="0" smtClean="0"/>
+              <a:t>の情報が維持したまま低次元のデータに変換する次元削除</a:t>
+            </a:r>
+            <a:endParaRPr lang="ja-JP" altLang="ja-JP" dirty="0"/>
+          </a:p>
+          <a:p>
+            <a:endParaRPr kumimoji="1" lang="ja-JP" altLang="en-US" dirty="0"/>
+          </a:p>
+        </p:txBody>
+      </p:sp>
+      <p:sp>
+        <p:nvSpPr>
+          <p:cNvPr id="4" name="スライド番号プレースホルダー 3"/>
+          <p:cNvSpPr>
+            <a:spLocks noGrp="1"/>
+          </p:cNvSpPr>
+          <p:nvPr>
+            <p:ph type="sldNum" sz="quarter" idx="12"/>
+          </p:nvPr>
+        </p:nvSpPr>
+        <p:spPr/>
+        <p:txBody>
+          <a:bodyPr/>
+          <a:lstStyle/>
+          <a:p>
+            <a:pPr marL="0" marR="0" lvl="0" indent="0" algn="r" defTabSz="914400" rtl="0" eaLnBrk="1" fontAlgn="auto" latinLnBrk="0" hangingPunct="1">
+              <a:lnSpc>
+                <a:spcPct val="100000"/>
+              </a:lnSpc>
+              <a:spcBef>
+                <a:spcPts val="0"/>
+              </a:spcBef>
+              <a:spcAft>
+                <a:spcPts val="0"/>
+              </a:spcAft>
+              <a:buClrTx/>
+              <a:buSzTx/>
+              <a:buFontTx/>
+              <a:buNone/>
+              <a:tabLst/>
+              <a:defRPr/>
+            </a:pPr>
+            <a:fld id="{BCFEE6ED-AA2C-49EB-A172-8063C2D7D298}" type="slidenum">
+              <a:rPr kumimoji="1" lang="ja-JP" altLang="en-US" sz="1200" b="0" i="0" u="none" strike="noStrike" kern="1200" cap="none" spc="0" normalizeH="0" baseline="0" noProof="0" smtClean="0">
+                <a:ln>
+                  <a:noFill/>
+                </a:ln>
+                <a:solidFill>
+                  <a:prstClr val="black">
+                    <a:tint val="75000"/>
+                  </a:prstClr>
+                </a:solidFill>
+                <a:effectLst/>
+                <a:uLnTx/>
+                <a:uFillTx/>
+                <a:latin typeface="Calibri" panose="020F0502020204030204"/>
+                <a:ea typeface="游ゴシック" panose="020B0400000000000000" pitchFamily="50" charset="-128"/>
+                <a:cs typeface="+mn-cs"/>
+              </a:rPr>
+              <a:pPr marL="0" marR="0" lvl="0" indent="0" algn="r" defTabSz="914400" rtl="0" eaLnBrk="1" fontAlgn="auto" latinLnBrk="0" hangingPunct="1">
+                <a:lnSpc>
+                  <a:spcPct val="100000"/>
+                </a:lnSpc>
+                <a:spcBef>
+                  <a:spcPts val="0"/>
+                </a:spcBef>
+                <a:spcAft>
+                  <a:spcPts val="0"/>
+                </a:spcAft>
+                <a:buClrTx/>
+                <a:buSzTx/>
+                <a:buFontTx/>
+                <a:buNone/>
+                <a:tabLst/>
+                <a:defRPr/>
+              </a:pPr>
+              <a:t>11</a:t>
+            </a:fld>
+            <a:endParaRPr kumimoji="1" lang="ja-JP" altLang="en-US" sz="1200" b="0" i="0" u="none" strike="noStrike" kern="1200" cap="none" spc="0" normalizeH="0" baseline="0" noProof="0">
+              <a:ln>
+                <a:noFill/>
+              </a:ln>
+              <a:solidFill>
+                <a:prstClr val="black">
+                  <a:tint val="75000"/>
+                </a:prstClr>
+              </a:solidFill>
+              <a:effectLst/>
+              <a:uLnTx/>
+              <a:uFillTx/>
+              <a:latin typeface="Calibri" panose="020F0502020204030204"/>
+              <a:ea typeface="游ゴシック" panose="020B0400000000000000" pitchFamily="50" charset="-128"/>
+              <a:cs typeface="+mn-cs"/>
+            </a:endParaRPr>
+          </a:p>
+        </p:txBody>
+      </p:sp>
+    </p:spTree>
+    <p:extLst>
+      <p:ext uri="{BB962C8B-B14F-4D97-AF65-F5344CB8AC3E}">
+        <p14:creationId xmlns:p14="http://schemas.microsoft.com/office/powerpoint/2010/main" val="242018279"/>
+      </p:ext>
+    </p:extLst>
+  </p:cSld>
+  <p:clrMapOvr>
+    <a:masterClrMapping/>
+  </p:clrMapOvr>
+  <p:timing>
+    <p:tnLst>
+      <p:par>
+        <p:cTn id="1" dur="indefinite" restart="never" nodeType="tmRoot"/>
+      </p:par>
+    </p:tnLst>
+  </p:timing>
+</p:sld>
+</file>
+
 <file path=ppt/slides/slide2.xml><?xml version="1.0" encoding="utf-8"?>
 <p:sld xmlns:a="http://schemas.openxmlformats.org/drawingml/2006/main" xmlns:r="http://schemas.openxmlformats.org/officeDocument/2006/relationships" xmlns:p="http://schemas.openxmlformats.org/presentationml/2006/main">
   <p:cSld>
@@ -10328,45 +10553,6 @@
             </a:r>
           </a:p>
           <a:p>
-            <a:r>
-              <a:rPr lang="ja-JP" altLang="en-US" dirty="0"/>
-              <a:t>研究が行われる中</a:t>
-            </a:r>
-            <a:r>
-              <a:rPr lang="ja-JP" altLang="en-US" dirty="0" smtClean="0"/>
-              <a:t>で</a:t>
-            </a:r>
-            <a:r>
-              <a:rPr lang="en-US" altLang="ja-JP" dirty="0" smtClean="0"/>
-              <a:t>,</a:t>
-            </a:r>
-            <a:r>
-              <a:rPr lang="ja-JP" altLang="en-US" dirty="0" smtClean="0"/>
-              <a:t>高次元の画像を扱う際に</a:t>
-            </a:r>
-            <a:r>
-              <a:rPr lang="en-US" altLang="ja-JP" dirty="0" smtClean="0"/>
-              <a:t>,</a:t>
-            </a:r>
-            <a:r>
-              <a:rPr lang="ja-JP" altLang="en-US" dirty="0" smtClean="0"/>
-              <a:t>画像認識が正しく行われなく</a:t>
-            </a:r>
-            <a:r>
-              <a:rPr lang="ja-JP" altLang="en-US" dirty="0"/>
-              <a:t>なってしまう問題も</a:t>
-            </a:r>
-            <a:r>
-              <a:rPr lang="ja-JP" altLang="en-US" dirty="0" smtClean="0"/>
-              <a:t>起きた</a:t>
-            </a:r>
-            <a:r>
-              <a:rPr lang="en-US" altLang="ja-JP" dirty="0" smtClean="0"/>
-              <a:t>.</a:t>
-            </a:r>
-            <a:endParaRPr lang="en-US" altLang="ja-JP" dirty="0"/>
-          </a:p>
-          <a:p>
             <a:endParaRPr kumimoji="1" lang="ja-JP" altLang="en-US" dirty="0"/>
           </a:p>
         </p:txBody>
@@ -10391,6 +10577,71 @@
               <a:t>2</a:t>
             </a:fld>
             <a:endParaRPr kumimoji="1" lang="ja-JP" altLang="en-US" sz="3200" dirty="0"/>
+          </a:p>
+        </p:txBody>
+      </p:sp>
+      <p:sp>
+        <p:nvSpPr>
+          <p:cNvPr id="5" name="テキスト ボックス 4"/>
+          <p:cNvSpPr txBox="1"/>
+          <p:nvPr/>
+        </p:nvSpPr>
+        <p:spPr>
+          <a:xfrm>
+            <a:off x="4204253" y="12244"/>
+            <a:ext cx="4134678" cy="1754326"/>
+          </a:xfrm>
+          <a:prstGeom prst="rect">
+            <a:avLst/>
+          </a:prstGeom>
+          <a:noFill/>
+        </p:spPr>
+        <p:txBody>
+          <a:bodyPr wrap="square" rtlCol="0">
+            <a:spAutoFit/>
+          </a:bodyPr>
+          <a:lstStyle/>
+          <a:p>
+            <a:pPr algn="ctr"/>
+            <a:r>
+              <a:rPr lang="ja-JP" altLang="en-US" dirty="0"/>
+              <a:t>画像検索のための画像特徴ベクトルの次元数に着目した認識精度と計算コストの関係性の</a:t>
+            </a:r>
+            <a:r>
+              <a:rPr lang="ja-JP" altLang="en-US" dirty="0" smtClean="0"/>
+              <a:t>調査</a:t>
+            </a:r>
+            <a:endParaRPr lang="en-US" altLang="ja-JP" dirty="0" smtClean="0"/>
+          </a:p>
+          <a:p>
+            <a:pPr algn="ctr"/>
+            <a:r>
+              <a:rPr lang="ja-JP" altLang="en-US" dirty="0"/>
+              <a:t>学籍番号：</a:t>
+            </a:r>
+            <a:r>
+              <a:rPr lang="en-US" altLang="ja-JP" dirty="0" smtClean="0"/>
+              <a:t>1821005</a:t>
+            </a:r>
+            <a:r>
+              <a:rPr lang="ja-JP" altLang="en-US" dirty="0" smtClean="0"/>
+              <a:t>　氏名</a:t>
+            </a:r>
+            <a:r>
+              <a:rPr lang="ja-JP" altLang="en-US" dirty="0"/>
+              <a:t>：吉岡拓郎</a:t>
+            </a:r>
+            <a:endParaRPr lang="en-US" altLang="ja-JP" dirty="0"/>
+          </a:p>
+          <a:p>
+            <a:pPr algn="ctr"/>
+            <a:r>
+              <a:rPr lang="ja-JP" altLang="en-US" dirty="0"/>
+              <a:t>指導教員：鷹野孝典</a:t>
+            </a:r>
+          </a:p>
+          <a:p>
+            <a:endParaRPr kumimoji="1" lang="ja-JP" altLang="en-US" dirty="0"/>
           </a:p>
         </p:txBody>
       </p:sp>
@@ -10494,7 +10745,33 @@
             </a:r>
             <a:r>
               <a:rPr lang="ja-JP" altLang="en-US" sz="1800" dirty="0" smtClean="0"/>
-              <a:t>東京大学　大学院情報理工学系研究科</a:t>
+              <a:t>東京大学　大学院情報理工学系</a:t>
+            </a:r>
+            <a:r>
+              <a:rPr lang="ja-JP" altLang="en-US" sz="1800" dirty="0" smtClean="0"/>
+              <a:t>研究科</a:t>
+            </a:r>
+            <a:endParaRPr lang="en-US" altLang="ja-JP" sz="1800" dirty="0" smtClean="0"/>
+          </a:p>
+          <a:p>
+            <a:pPr marL="0" indent="0">
+              <a:buNone/>
+            </a:pPr>
+            <a:r>
+              <a:rPr lang="en-US" altLang="ja-JP" sz="1800" dirty="0" smtClean="0"/>
+              <a:t>p1-p6</a:t>
+            </a:r>
+            <a:r>
+              <a:rPr lang="ja-JP" altLang="en-US" sz="1800" dirty="0" smtClean="0"/>
+              <a:t>　</a:t>
+            </a:r>
+            <a:r>
+              <a:rPr lang="en-US" altLang="ja-JP" sz="1800" dirty="0" smtClean="0"/>
+              <a:t>2015 - </a:t>
+            </a:r>
+            <a:r>
+              <a:rPr lang="ja-JP" altLang="en-US" sz="1800" dirty="0" smtClean="0"/>
+              <a:t>信学技報</a:t>
             </a:r>
             <a:endParaRPr lang="en-US" altLang="ja-JP" sz="1800" dirty="0" smtClean="0"/>
           </a:p>
@@ -10567,7 +10844,231 @@
             </a:r>
             <a:r>
               <a:rPr lang="ja-JP" altLang="en-US" sz="1800" dirty="0" smtClean="0"/>
-              <a:t>亘　中部大学工学部情報工学科</a:t>
+              <a:t>亘　中部大学工学部情報工</a:t>
+            </a:r>
+            <a:r>
+              <a:rPr lang="ja-JP" altLang="en-US" sz="1800" dirty="0" smtClean="0"/>
+              <a:t>学科</a:t>
+            </a:r>
+            <a:endParaRPr lang="en-US" altLang="ja-JP" sz="1800" dirty="0" smtClean="0"/>
+          </a:p>
+          <a:p>
+            <a:pPr marL="0" indent="0">
+              <a:buNone/>
+            </a:pPr>
+            <a:endParaRPr kumimoji="1" lang="en-US" altLang="ja-JP" sz="1800" dirty="0"/>
+          </a:p>
+          <a:p>
+            <a:r>
+              <a:rPr lang="ja-JP" altLang="en-US" sz="1800" dirty="0" smtClean="0">
+                <a:latin typeface="NimbusSanL-Bold"/>
+              </a:rPr>
+              <a:t>「</a:t>
+            </a:r>
+            <a:r>
+              <a:rPr lang="en-US" altLang="ja-JP" sz="1800" dirty="0" smtClean="0">
+                <a:latin typeface="NimbusSanL-Bold"/>
+              </a:rPr>
+              <a:t>CNN </a:t>
+            </a:r>
+            <a:r>
+              <a:rPr lang="en-US" altLang="ja-JP" sz="1800" dirty="0">
+                <a:latin typeface="NimbusSanL-Bold"/>
+              </a:rPr>
+              <a:t>vs. SIFT for Image Retrieval: Alternative </a:t>
+            </a:r>
+            <a:r>
+              <a:rPr lang="en-US" altLang="ja-JP" sz="1800" dirty="0" smtClean="0">
+                <a:latin typeface="NimbusSanL-Bold"/>
+              </a:rPr>
+              <a:t>or</a:t>
+            </a:r>
+            <a:r>
+              <a:rPr lang="ja-JP" altLang="en-US" sz="1800" dirty="0">
+                <a:latin typeface="NimbusSanL-Bold"/>
+              </a:rPr>
+              <a:t> </a:t>
+            </a:r>
+            <a:r>
+              <a:rPr lang="en-US" altLang="ja-JP" sz="1800" dirty="0" smtClean="0">
+                <a:latin typeface="NimbusSanL-Bold"/>
+              </a:rPr>
+              <a:t>Complementary?</a:t>
+            </a:r>
+            <a:r>
+              <a:rPr lang="ja-JP" altLang="en-US" sz="1800" dirty="0" smtClean="0">
+                <a:latin typeface="NimbusSanL-Bold"/>
+              </a:rPr>
+              <a:t>」</a:t>
+            </a:r>
+            <a:endParaRPr lang="en-US" altLang="ja-JP" sz="1800" dirty="0" smtClean="0">
+              <a:latin typeface="NimbusSanL-Bold"/>
+            </a:endParaRPr>
+          </a:p>
+          <a:p>
+            <a:pPr marL="0" indent="0">
+              <a:buNone/>
+            </a:pPr>
+            <a:r>
+              <a:rPr kumimoji="1" lang="en-US" altLang="ja-JP" sz="1800" dirty="0" smtClean="0">
+                <a:latin typeface="NimbusSanL-Bold"/>
+              </a:rPr>
+              <a:t>2016/10/01  </a:t>
+            </a:r>
+            <a:r>
+              <a:rPr lang="en-US" altLang="ja-JP" sz="1800" dirty="0">
+                <a:solidFill>
+                  <a:srgbClr val="333333"/>
+                </a:solidFill>
+                <a:latin typeface="Merriweather Sans"/>
+              </a:rPr>
+              <a:t>MM </a:t>
+            </a:r>
+            <a:r>
+              <a:rPr lang="en-US" altLang="ja-JP" sz="1800" dirty="0" smtClean="0">
+                <a:solidFill>
+                  <a:srgbClr val="333333"/>
+                </a:solidFill>
+                <a:latin typeface="Merriweather Sans"/>
+              </a:rPr>
+              <a:t>‘16</a:t>
+            </a:r>
+            <a:r>
+              <a:rPr lang="en-US" altLang="ja-JP" sz="1800" dirty="0">
+                <a:solidFill>
+                  <a:srgbClr val="333333"/>
+                </a:solidFill>
+                <a:latin typeface="Merriweather Sans"/>
+              </a:rPr>
+              <a:t>: Proceedings of the 24th ACM international conference on </a:t>
+            </a:r>
+            <a:r>
+              <a:rPr lang="en-US" altLang="ja-JP" sz="1800" dirty="0" smtClean="0">
+                <a:solidFill>
+                  <a:srgbClr val="333333"/>
+                </a:solidFill>
+                <a:latin typeface="Merriweather Sans"/>
+              </a:rPr>
+              <a:t>Multimedia</a:t>
+            </a:r>
+            <a:r>
+              <a:rPr lang="ja-JP" altLang="en-US" sz="1800" dirty="0" smtClean="0">
+                <a:solidFill>
+                  <a:srgbClr val="333333"/>
+                </a:solidFill>
+                <a:latin typeface="Merriweather Sans"/>
+              </a:rPr>
+              <a:t>　</a:t>
+            </a:r>
+            <a:r>
+              <a:rPr lang="en-US" altLang="ja-JP" sz="1800" dirty="0" smtClean="0">
+                <a:solidFill>
+                  <a:srgbClr val="333333"/>
+                </a:solidFill>
+                <a:latin typeface="Merriweather Sans"/>
+              </a:rPr>
+              <a:t>p407-411</a:t>
+            </a:r>
+          </a:p>
+          <a:p>
+            <a:pPr marL="0" indent="0">
+              <a:buNone/>
+            </a:pPr>
+            <a:r>
+              <a:rPr lang="en-US" altLang="ja-JP" sz="1800" dirty="0" err="1">
+                <a:latin typeface="NimbusSanL-Regu"/>
+              </a:rPr>
+              <a:t>Ke</a:t>
+            </a:r>
+            <a:r>
+              <a:rPr lang="en-US" altLang="ja-JP" sz="1800">
+                <a:latin typeface="NimbusSanL-Regu"/>
+              </a:rPr>
+              <a:t> </a:t>
+            </a:r>
+            <a:r>
+              <a:rPr lang="en-US" altLang="ja-JP" sz="1800" smtClean="0">
+                <a:latin typeface="NimbusSanL-Regu"/>
+              </a:rPr>
+              <a:t>Yan, </a:t>
+            </a:r>
+            <a:r>
+              <a:rPr lang="en-US" altLang="ja-JP" sz="1800" dirty="0" err="1">
+                <a:latin typeface="NimbusSanL-Regu"/>
+              </a:rPr>
+              <a:t>Yaowei</a:t>
+            </a:r>
+            <a:r>
+              <a:rPr lang="en-US" altLang="ja-JP" sz="1800" dirty="0">
+                <a:latin typeface="NimbusSanL-Regu"/>
+              </a:rPr>
+              <a:t> Wang</a:t>
+            </a:r>
+            <a:r>
+              <a:rPr lang="en-US" altLang="ja-JP" sz="800" dirty="0" smtClean="0">
+                <a:latin typeface="CMMI6"/>
+              </a:rPr>
+              <a:t>;</a:t>
+            </a:r>
+            <a:r>
+              <a:rPr lang="en-US" altLang="ja-JP" sz="1800" dirty="0" smtClean="0">
+                <a:latin typeface="NimbusSanL-Regu"/>
+              </a:rPr>
+              <a:t>, </a:t>
+            </a:r>
+            <a:r>
+              <a:rPr lang="en-US" altLang="ja-JP" sz="1800" dirty="0" err="1">
+                <a:latin typeface="NimbusSanL-Regu"/>
+              </a:rPr>
+              <a:t>Dawei</a:t>
+            </a:r>
+            <a:r>
+              <a:rPr lang="en-US" altLang="ja-JP" sz="1800" dirty="0">
+                <a:latin typeface="NimbusSanL-Regu"/>
+              </a:rPr>
+              <a:t> </a:t>
+            </a:r>
+            <a:r>
+              <a:rPr lang="en-US" altLang="ja-JP" sz="1800" dirty="0" smtClean="0">
+                <a:latin typeface="NimbusSanL-Regu"/>
+              </a:rPr>
+              <a:t>Liang, </a:t>
+            </a:r>
+            <a:r>
+              <a:rPr lang="en-US" altLang="ja-JP" sz="1800" dirty="0" err="1">
+                <a:latin typeface="NimbusSanL-Regu"/>
+              </a:rPr>
+              <a:t>Tiejun</a:t>
+            </a:r>
+            <a:r>
+              <a:rPr lang="en-US" altLang="ja-JP" sz="1800" dirty="0">
+                <a:latin typeface="NimbusSanL-Regu"/>
+              </a:rPr>
+              <a:t> </a:t>
+            </a:r>
+            <a:r>
+              <a:rPr lang="en-US" altLang="ja-JP" sz="1800" dirty="0" smtClean="0">
+                <a:latin typeface="NimbusSanL-Regu"/>
+              </a:rPr>
+              <a:t>Huang, </a:t>
+            </a:r>
+            <a:r>
+              <a:rPr lang="en-US" altLang="ja-JP" sz="1800" dirty="0" err="1">
+                <a:latin typeface="NimbusSanL-Regu"/>
+              </a:rPr>
+              <a:t>Yonghong</a:t>
+            </a:r>
+            <a:r>
+              <a:rPr lang="en-US" altLang="ja-JP" sz="1800" dirty="0">
+                <a:latin typeface="NimbusSanL-Regu"/>
+              </a:rPr>
+              <a:t> </a:t>
+            </a:r>
+            <a:r>
+              <a:rPr lang="en-US" altLang="ja-JP" sz="1800" dirty="0" smtClean="0">
+                <a:latin typeface="NimbusSanL-Regu"/>
+              </a:rPr>
+              <a:t>Tian</a:t>
             </a:r>
             <a:endParaRPr kumimoji="1" lang="ja-JP" altLang="en-US" sz="1800" dirty="0"/>
           </a:p>
@@ -10773,8 +11274,17 @@
               <a:t>ある</a:t>
             </a:r>
             <a:r>
-              <a:rPr lang="en-US" altLang="ja-JP" dirty="0"/>
+              <a:rPr lang="en-US" altLang="ja-JP" dirty="0" smtClean="0"/>
               <a:t>.</a:t>
+            </a:r>
+          </a:p>
+          <a:p>
+            <a:pPr marL="0" indent="0">
+              <a:buNone/>
+            </a:pPr>
+            <a:r>
+              <a:rPr lang="ja-JP" altLang="en-US" dirty="0" smtClean="0"/>
+              <a:t>→次元の呪い</a:t>
             </a:r>
             <a:endParaRPr lang="en-US" altLang="ja-JP" dirty="0" smtClean="0"/>
           </a:p>
@@ -10894,115 +11404,78 @@
           <a:lstStyle/>
           <a:p>
             <a:r>
-              <a:rPr kumimoji="1" lang="ja-JP" altLang="en-US" dirty="0" smtClean="0"/>
-              <a:t>次元数と計算コスト</a:t>
-            </a:r>
+              <a:rPr kumimoji="1" lang="ja-JP" altLang="en-US" dirty="0"/>
+              <a:t>研究動機</a:t>
+            </a:r>
+          </a:p>
+        </p:txBody>
+      </p:sp>
+      <p:sp>
+        <p:nvSpPr>
+          <p:cNvPr id="3" name="コンテンツ プレースホルダー 2"/>
+          <p:cNvSpPr>
+            <a:spLocks noGrp="1"/>
+          </p:cNvSpPr>
+          <p:nvPr>
+            <p:ph idx="1"/>
+          </p:nvPr>
+        </p:nvSpPr>
+        <p:spPr/>
+        <p:txBody>
+          <a:bodyPr/>
+          <a:lstStyle/>
+          <a:p>
+            <a:r>
+              <a:rPr lang="ja-JP" altLang="en-US" dirty="0" smtClean="0"/>
+              <a:t>大量の</a:t>
+            </a:r>
+            <a:r>
+              <a:rPr lang="ja-JP" altLang="en-US" dirty="0"/>
+              <a:t>画像データ</a:t>
+            </a:r>
+            <a:r>
+              <a:rPr lang="ja-JP" altLang="en-US" dirty="0" smtClean="0"/>
+              <a:t>を扱う画像認識において</a:t>
+            </a:r>
+            <a:r>
+              <a:rPr lang="en-US" altLang="ja-JP" dirty="0" smtClean="0"/>
+              <a:t>,</a:t>
+            </a:r>
+            <a:r>
+              <a:rPr lang="ja-JP" altLang="en-US" dirty="0" smtClean="0"/>
+              <a:t>高次元の画像データを認識性能を向上させつつも</a:t>
+            </a:r>
+            <a:r>
+              <a:rPr lang="en-US" altLang="ja-JP" dirty="0" smtClean="0"/>
+              <a:t>,</a:t>
+            </a:r>
+            <a:r>
+              <a:rPr lang="ja-JP" altLang="en-US" dirty="0" smtClean="0"/>
+              <a:t>計算コストを抑えることでより良い</a:t>
+            </a:r>
+            <a:r>
+              <a:rPr lang="ja-JP" altLang="en-US" dirty="0"/>
+              <a:t>画像</a:t>
+            </a:r>
+            <a:r>
+              <a:rPr lang="ja-JP" altLang="en-US" dirty="0" smtClean="0"/>
+              <a:t>認識を行う</a:t>
+            </a:r>
+            <a:r>
+              <a:rPr lang="en-US" altLang="ja-JP" dirty="0" smtClean="0"/>
+              <a:t>.</a:t>
+            </a:r>
+          </a:p>
+          <a:p>
+            <a:endParaRPr lang="en-US" altLang="ja-JP" dirty="0" smtClean="0"/>
+          </a:p>
+          <a:p>
             <a:endParaRPr kumimoji="1" lang="ja-JP" altLang="en-US" dirty="0"/>
           </a:p>
         </p:txBody>
       </p:sp>
       <p:sp>
         <p:nvSpPr>
-          <p:cNvPr id="3" name="コンテンツ プレースホルダー 2"/>
-          <p:cNvSpPr>
-            <a:spLocks noGrp="1"/>
-          </p:cNvSpPr>
-          <p:nvPr>
-            <p:ph idx="1"/>
-          </p:nvPr>
-        </p:nvSpPr>
-        <p:spPr>
-          <a:xfrm>
-            <a:off x="628650" y="1825624"/>
-            <a:ext cx="7886700" cy="5032375"/>
-          </a:xfrm>
-        </p:spPr>
-        <p:txBody>
-          <a:bodyPr>
-            <a:normAutofit lnSpcReduction="10000"/>
-          </a:bodyPr>
-          <a:lstStyle/>
-          <a:p>
-            <a:r>
-              <a:rPr kumimoji="1" lang="ja-JP" altLang="en-US" dirty="0" smtClean="0"/>
-              <a:t>大量のデータを分析する際、大きな次元のデータを処理することがあるが、次元数が大きくなると「</a:t>
-            </a:r>
-            <a:r>
-              <a:rPr kumimoji="1" lang="ja-JP" altLang="en-US" b="1" dirty="0" smtClean="0"/>
-              <a:t>次元の呪い</a:t>
-            </a:r>
-            <a:r>
-              <a:rPr kumimoji="1" lang="ja-JP" altLang="en-US" dirty="0" smtClean="0"/>
-              <a:t>」と呼ばれる問題が発生する。</a:t>
-            </a:r>
-            <a:endParaRPr lang="en-US" altLang="ja-JP" dirty="0"/>
-          </a:p>
-          <a:p>
-            <a:pPr lvl="1"/>
-            <a:r>
-              <a:rPr lang="ja-JP" altLang="ja-JP" dirty="0"/>
-              <a:t>データの次元数が大きくなり過ぎると、そのデータで表現できる組み合わせが飛躍的に多くなってしまい、その結果、手元にある有限なサンプルデータでは十分な学習結果が得られなく</a:t>
-            </a:r>
-            <a:r>
-              <a:rPr lang="ja-JP" altLang="ja-JP" dirty="0" smtClean="0"/>
-              <a:t>なる</a:t>
-            </a:r>
-            <a:r>
-              <a:rPr lang="ja-JP" altLang="en-US" dirty="0" smtClean="0"/>
-              <a:t>。</a:t>
-            </a:r>
-            <a:r>
-              <a:rPr lang="ja-JP" altLang="en-US" dirty="0"/>
-              <a:t>計算コストが莫大となるだけでなく、十分な学習結果が得られず、未知のデータに適切に対応出来なくなる等の不具合</a:t>
-            </a:r>
-            <a:r>
-              <a:rPr lang="ja-JP" altLang="en-US" dirty="0" smtClean="0"/>
-              <a:t>が発生。</a:t>
-            </a:r>
-            <a:endParaRPr lang="en-US" altLang="ja-JP" dirty="0" smtClean="0"/>
-          </a:p>
-          <a:p>
-            <a:r>
-              <a:rPr lang="ja-JP" altLang="en-US" dirty="0"/>
-              <a:t>回避</a:t>
-            </a:r>
-            <a:r>
-              <a:rPr lang="ja-JP" altLang="en-US" dirty="0" smtClean="0"/>
-              <a:t>策</a:t>
-            </a:r>
-            <a:endParaRPr lang="en-US" altLang="ja-JP" dirty="0" smtClean="0"/>
-          </a:p>
-          <a:p>
-            <a:pPr lvl="1"/>
-            <a:r>
-              <a:rPr lang="ja-JP" altLang="en-US" dirty="0"/>
-              <a:t>特徴量の中</a:t>
-            </a:r>
-            <a:r>
-              <a:rPr lang="ja-JP" altLang="en-US" dirty="0" smtClean="0"/>
-              <a:t>から必要なものを選び出す特徴選択</a:t>
-            </a:r>
-            <a:endParaRPr lang="en-US" altLang="ja-JP" dirty="0" smtClean="0"/>
-          </a:p>
-          <a:p>
-            <a:pPr lvl="1"/>
-            <a:r>
-              <a:rPr lang="ja-JP" altLang="en-US" dirty="0"/>
-              <a:t>本来</a:t>
-            </a:r>
-            <a:r>
-              <a:rPr lang="ja-JP" altLang="en-US" dirty="0" smtClean="0"/>
-              <a:t>の情報が維持したまま低次元のデータに変換する次元削除</a:t>
-            </a:r>
-            <a:endParaRPr lang="ja-JP" altLang="ja-JP" dirty="0"/>
-          </a:p>
-          <a:p>
-            <a:endParaRPr kumimoji="1" lang="ja-JP" altLang="en-US" dirty="0"/>
-          </a:p>
-        </p:txBody>
-      </p:sp>
-      <p:sp>
-        <p:nvSpPr>
           <p:cNvPr id="4" name="スライド番号プレースホルダー 3"/>
           <p:cNvSpPr>
             <a:spLocks noGrp="1"/>
@@ -11016,82 +11489,18 @@
           <a:bodyPr/>
           <a:lstStyle/>
           <a:p>
-            <a:pPr marL="0" marR="0" lvl="0" indent="0" algn="r" defTabSz="914400" rtl="0" eaLnBrk="1" fontAlgn="auto" latinLnBrk="0" hangingPunct="1">
-              <a:lnSpc>
-                <a:spcPct val="100000"/>
-              </a:lnSpc>
-              <a:spcBef>
-                <a:spcPts val="0"/>
-              </a:spcBef>
-              <a:spcAft>
-                <a:spcPts val="0"/>
-              </a:spcAft>
-              <a:buClrTx/>
-              <a:buSzTx/>
-              <a:buFontTx/>
-              <a:buNone/>
-              <a:tabLst/>
-              <a:defRPr/>
-            </a:pPr>
-            <a:fld id="{BCFEE6ED-AA2C-49EB-A172-8063C2D7D298}" type="slidenum">
-              <a:rPr kumimoji="1" lang="ja-JP" altLang="en-US" sz="1200" b="0" i="0" u="none" strike="noStrike" kern="1200" cap="none" spc="0" normalizeH="0" baseline="0" noProof="0" smtClean="0">
-                <a:ln>
-                  <a:noFill/>
-                </a:ln>
-                <a:solidFill>
-                  <a:prstClr val="black">
-                    <a:tint val="75000"/>
-                  </a:prstClr>
-                </a:solidFill>
-                <a:effectLst/>
-                <a:uLnTx/>
-                <a:uFillTx/>
-                <a:latin typeface="Calibri" panose="020F0502020204030204"/>
-                <a:ea typeface="游ゴシック" panose="020B0400000000000000" pitchFamily="50" charset="-128"/>
-                <a:cs typeface="+mn-cs"/>
-              </a:rPr>
-              <a:pPr marL="0" marR="0" lvl="0" indent="0" algn="r" defTabSz="914400" rtl="0" eaLnBrk="1" fontAlgn="auto" latinLnBrk="0" hangingPunct="1">
-                <a:lnSpc>
-                  <a:spcPct val="100000"/>
-                </a:lnSpc>
-                <a:spcBef>
-                  <a:spcPts val="0"/>
-                </a:spcBef>
-                <a:spcAft>
-                  <a:spcPts val="0"/>
-                </a:spcAft>
-                <a:buClrTx/>
-                <a:buSzTx/>
-                <a:buFontTx/>
-                <a:buNone/>
-                <a:tabLst/>
-                <a:defRPr/>
-              </a:pPr>
+            <a:fld id="{B4451160-128F-4DAD-AE29-4A8CC0E7B9E9}" type="slidenum">
+              <a:rPr kumimoji="1" lang="ja-JP" altLang="en-US" sz="3200" smtClean="0"/>
               <a:t>5</a:t>
             </a:fld>
-            <a:endParaRPr kumimoji="1" lang="ja-JP" altLang="en-US" sz="1200" b="0" i="0" u="none" strike="noStrike" kern="1200" cap="none" spc="0" normalizeH="0" baseline="0" noProof="0">
-              <a:ln>
-                <a:noFill/>
-              </a:ln>
-              <a:solidFill>
-                <a:prstClr val="black">
-                  <a:tint val="75000"/>
-                </a:prstClr>
-              </a:solidFill>
-              <a:effectLst/>
-              <a:uLnTx/>
-              <a:uFillTx/>
-              <a:latin typeface="Calibri" panose="020F0502020204030204"/>
-              <a:ea typeface="游ゴシック" panose="020B0400000000000000" pitchFamily="50" charset="-128"/>
-              <a:cs typeface="+mn-cs"/>
-            </a:endParaRPr>
+            <a:endParaRPr kumimoji="1" lang="ja-JP" altLang="en-US" sz="3200" dirty="0"/>
           </a:p>
         </p:txBody>
       </p:sp>
     </p:spTree>
     <p:extLst>
       <p:ext uri="{BB962C8B-B14F-4D97-AF65-F5344CB8AC3E}">
-        <p14:creationId xmlns:p14="http://schemas.microsoft.com/office/powerpoint/2010/main" val="242018279"/>
+        <p14:creationId xmlns:p14="http://schemas.microsoft.com/office/powerpoint/2010/main" val="3482704347"/>
       </p:ext>
     </p:extLst>
   </p:cSld>
@@ -11142,7 +11551,7 @@
           <a:p>
             <a:r>
               <a:rPr kumimoji="1" lang="ja-JP" altLang="en-US" dirty="0"/>
-              <a:t>研究動機</a:t>
+              <a:t>研究目的</a:t>
             </a:r>
           </a:p>
         </p:txBody>
@@ -11159,20 +11568,22 @@
         </p:nvSpPr>
         <p:spPr/>
         <p:txBody>
-          <a:bodyPr/>
+          <a:bodyPr>
+            <a:normAutofit/>
+          </a:bodyPr>
           <a:lstStyle/>
           <a:p>
             <a:r>
               <a:rPr lang="ja-JP" altLang="en-US" dirty="0" smtClean="0"/>
-              <a:t>大量の</a:t>
+              <a:t>画像</a:t>
             </a:r>
             <a:r>
               <a:rPr lang="ja-JP" altLang="en-US" dirty="0"/>
-              <a:t>画像データ</a:t>
+              <a:t>認識の性能を向上させるため</a:t>
             </a:r>
             <a:r>
               <a:rPr lang="ja-JP" altLang="en-US" dirty="0" smtClean="0"/>
-              <a:t>を扱う画像認識において</a:t>
+              <a:t>に</a:t>
             </a:r>
             <a:r>
               <a:rPr lang="en-US" altLang="ja-JP" dirty="0" smtClean="0"/>
@@ -11180,7 +11591,33 @@
             </a:r>
             <a:r>
               <a:rPr lang="ja-JP" altLang="en-US" dirty="0" smtClean="0"/>
-              <a:t>高次元の画像データを認識性能を向上させつつも</a:t>
+              <a:t>画像</a:t>
+            </a:r>
+            <a:r>
+              <a:rPr lang="ja-JP" altLang="en-US" dirty="0"/>
+              <a:t>認識に有効な特徴量とどれくらいの計算コストで処理できるの</a:t>
+            </a:r>
+            <a:r>
+              <a:rPr lang="ja-JP" altLang="en-US" dirty="0" smtClean="0"/>
+              <a:t>かを計測する</a:t>
+            </a:r>
+            <a:r>
+              <a:rPr lang="en-US" altLang="ja-JP" dirty="0"/>
+              <a:t>.</a:t>
+            </a:r>
+            <a:endParaRPr lang="en-US" altLang="ja-JP" dirty="0" smtClean="0"/>
+          </a:p>
+          <a:p>
+            <a:endParaRPr lang="en-US" altLang="ja-JP" dirty="0" smtClean="0"/>
+          </a:p>
+          <a:p>
+            <a:r>
+              <a:rPr lang="ja-JP" altLang="en-US" dirty="0"/>
+              <a:t>計算コストを抑えた画像認識手法を調査すること</a:t>
+            </a:r>
+            <a:r>
+              <a:rPr lang="ja-JP" altLang="en-US" dirty="0" smtClean="0"/>
+              <a:t>で</a:t>
             </a:r>
             <a:r>
               <a:rPr lang="en-US" altLang="ja-JP" dirty="0" smtClean="0"/>
@@ -11188,23 +11625,37 @@
             </a:r>
             <a:r>
               <a:rPr lang="ja-JP" altLang="en-US" dirty="0" smtClean="0"/>
-              <a:t>計算コストを抑えることでより良い</a:t>
+              <a:t>画像</a:t>
             </a:r>
             <a:r>
               <a:rPr lang="ja-JP" altLang="en-US" dirty="0"/>
-              <a:t>画像</a:t>
+              <a:t>検索システムを成り立たせるうえ</a:t>
             </a:r>
             <a:r>
               <a:rPr lang="ja-JP" altLang="en-US" dirty="0" smtClean="0"/>
-              <a:t>認識を行う</a:t>
+              <a:t>で</a:t>
+            </a:r>
+            <a:r>
+              <a:rPr lang="en-US" altLang="ja-JP" dirty="0" smtClean="0"/>
+              <a:t>,</a:t>
+            </a:r>
+            <a:r>
+              <a:rPr lang="ja-JP" altLang="en-US" dirty="0" smtClean="0"/>
+              <a:t>認識</a:t>
+            </a:r>
+            <a:r>
+              <a:rPr lang="ja-JP" altLang="en-US" dirty="0"/>
+              <a:t>性能が正常に扱える有効な範囲はどこなのかを明確に</a:t>
+            </a:r>
+            <a:r>
+              <a:rPr lang="ja-JP" altLang="en-US" dirty="0" smtClean="0"/>
+              <a:t>する</a:t>
             </a:r>
             <a:r>
               <a:rPr lang="en-US" altLang="ja-JP" dirty="0" smtClean="0"/>
               <a:t>.</a:t>
             </a:r>
-          </a:p>
-          <a:p>
-            <a:endParaRPr lang="en-US" altLang="ja-JP" dirty="0" smtClean="0"/>
+            <a:endParaRPr lang="ja-JP" altLang="en-US" dirty="0"/>
           </a:p>
           <a:p>
             <a:endParaRPr kumimoji="1" lang="ja-JP" altLang="en-US" dirty="0"/>
@@ -11237,7 +11688,7 @@
     </p:spTree>
     <p:extLst>
       <p:ext uri="{BB962C8B-B14F-4D97-AF65-F5344CB8AC3E}">
-        <p14:creationId xmlns:p14="http://schemas.microsoft.com/office/powerpoint/2010/main" val="3482704347"/>
+        <p14:creationId xmlns:p14="http://schemas.microsoft.com/office/powerpoint/2010/main" val="114472190"/>
       </p:ext>
     </p:extLst>
   </p:cSld>
@@ -11288,7 +11739,7 @@
           <a:p>
             <a:r>
               <a:rPr kumimoji="1" lang="ja-JP" altLang="en-US" dirty="0"/>
-              <a:t>研究目的</a:t>
+              <a:t>本研究のアプローチ</a:t>
             </a:r>
           </a:p>
         </p:txBody>
@@ -11305,22 +11756,16 @@
         </p:nvSpPr>
         <p:spPr/>
         <p:txBody>
-          <a:bodyPr>
-            <a:normAutofit/>
-          </a:bodyPr>
-          <a:lstStyle/>
-          <a:p>
+          <a:bodyPr/>
+          <a:lstStyle/>
+          <a:p>
+            <a:r>
+              <a:rPr lang="ja-JP" altLang="en-US" dirty="0"/>
+              <a:t>画像</a:t>
+            </a:r>
             <a:r>
               <a:rPr lang="ja-JP" altLang="en-US" dirty="0" smtClean="0"/>
-              <a:t>画像</a:t>
-            </a:r>
-            <a:r>
-              <a:rPr lang="ja-JP" altLang="en-US" dirty="0"/>
-              <a:t>認識の性能を向上させるため</a:t>
-            </a:r>
-            <a:r>
-              <a:rPr lang="ja-JP" altLang="en-US" dirty="0" smtClean="0"/>
-              <a:t>に</a:t>
+              <a:t>認識の認識性能を高く保ちつつも</a:t>
             </a:r>
             <a:r>
               <a:rPr lang="en-US" altLang="ja-JP" dirty="0" smtClean="0"/>
@@ -11328,33 +11773,32 @@
             </a:r>
             <a:r>
               <a:rPr lang="ja-JP" altLang="en-US" dirty="0" smtClean="0"/>
-              <a:t>画像</a:t>
+              <a:t>計算コストをできるだけ抑えられる</a:t>
             </a:r>
             <a:r>
               <a:rPr lang="ja-JP" altLang="en-US" dirty="0"/>
-              <a:t>認識に有効な特徴量とどれくらいの計算コストで処理できるの</a:t>
+              <a:t>最適</a:t>
             </a:r>
             <a:r>
               <a:rPr lang="ja-JP" altLang="en-US" dirty="0" smtClean="0"/>
-              <a:t>かを計測する</a:t>
-            </a:r>
-            <a:r>
-              <a:rPr lang="en-US" altLang="ja-JP" dirty="0"/>
+              <a:t>な画像特徴ベクトルの次元数を調査する</a:t>
+            </a:r>
+            <a:r>
+              <a:rPr lang="en-US" altLang="ja-JP" dirty="0" smtClean="0"/>
               <a:t>.</a:t>
             </a:r>
-            <a:endParaRPr lang="en-US" altLang="ja-JP" dirty="0" smtClean="0"/>
-          </a:p>
-          <a:p>
-            <a:endParaRPr lang="en-US" altLang="ja-JP" dirty="0" smtClean="0"/>
+          </a:p>
+          <a:p>
+            <a:endParaRPr kumimoji="1" lang="en-US" altLang="ja-JP" dirty="0"/>
           </a:p>
           <a:p>
             <a:r>
               <a:rPr lang="ja-JP" altLang="en-US" dirty="0"/>
-              <a:t>計算コストを抑えた画像認識手法を調査すること</a:t>
+              <a:t>画像から</a:t>
             </a:r>
             <a:r>
               <a:rPr lang="ja-JP" altLang="en-US" dirty="0" smtClean="0"/>
-              <a:t>で</a:t>
+              <a:t>の特徴ベクトルの生成には</a:t>
             </a:r>
             <a:r>
               <a:rPr lang="en-US" altLang="ja-JP" dirty="0" smtClean="0"/>
@@ -11362,39 +11806,12 @@
             </a:r>
             <a:r>
               <a:rPr lang="ja-JP" altLang="en-US" dirty="0" smtClean="0"/>
-              <a:t>画像</a:t>
-            </a:r>
-            <a:r>
-              <a:rPr lang="ja-JP" altLang="en-US" dirty="0"/>
-              <a:t>検索システムを成り立たせるうえ</a:t>
-            </a:r>
-            <a:r>
-              <a:rPr lang="ja-JP" altLang="en-US" dirty="0" smtClean="0"/>
-              <a:t>で</a:t>
-            </a:r>
-            <a:r>
-              <a:rPr lang="en-US" altLang="ja-JP" dirty="0" smtClean="0"/>
-              <a:t>,</a:t>
-            </a:r>
-            <a:r>
-              <a:rPr lang="ja-JP" altLang="en-US" dirty="0" smtClean="0"/>
-              <a:t>認識</a:t>
-            </a:r>
-            <a:r>
-              <a:rPr lang="ja-JP" altLang="en-US" dirty="0"/>
-              <a:t>性能が正常に扱える有効な範囲はどこなのかを明確に</a:t>
-            </a:r>
-            <a:r>
-              <a:rPr lang="ja-JP" altLang="en-US" dirty="0" smtClean="0"/>
-              <a:t>する</a:t>
+              <a:t>ディープラーニングを用いる</a:t>
             </a:r>
             <a:r>
               <a:rPr lang="en-US" altLang="ja-JP" dirty="0" smtClean="0"/>
               <a:t>.</a:t>
             </a:r>
-            <a:endParaRPr lang="ja-JP" altLang="en-US" dirty="0"/>
-          </a:p>
-          <a:p>
             <a:endParaRPr kumimoji="1" lang="ja-JP" altLang="en-US" dirty="0"/>
           </a:p>
         </p:txBody>
@@ -11425,7 +11842,7 @@
     </p:spTree>
     <p:extLst>
       <p:ext uri="{BB962C8B-B14F-4D97-AF65-F5344CB8AC3E}">
-        <p14:creationId xmlns:p14="http://schemas.microsoft.com/office/powerpoint/2010/main" val="114472190"/>
+        <p14:creationId xmlns:p14="http://schemas.microsoft.com/office/powerpoint/2010/main" val="4224668961"/>
       </p:ext>
     </p:extLst>
   </p:cSld>
@@ -11475,9 +11892,10 @@
           <a:lstStyle/>
           <a:p>
             <a:r>
-              <a:rPr kumimoji="1" lang="ja-JP" altLang="en-US" dirty="0"/>
-              <a:t>本研究のアプローチ</a:t>
-            </a:r>
+              <a:rPr lang="ja-JP" altLang="en-US" dirty="0"/>
+              <a:t>研究の方法</a:t>
+            </a:r>
+            <a:endParaRPr kumimoji="1" lang="ja-JP" altLang="en-US" dirty="0"/>
           </a:p>
         </p:txBody>
       </p:sp>
@@ -11498,11 +11916,11 @@
           <a:p>
             <a:r>
               <a:rPr lang="ja-JP" altLang="en-US" dirty="0"/>
-              <a:t>画像</a:t>
+              <a:t>本研究で</a:t>
             </a:r>
             <a:r>
               <a:rPr lang="ja-JP" altLang="en-US" dirty="0" smtClean="0"/>
-              <a:t>認識の認識性能を高く保ちつつも</a:t>
+              <a:t>は</a:t>
             </a:r>
             <a:r>
               <a:rPr lang="en-US" altLang="ja-JP" dirty="0" smtClean="0"/>
@@ -11510,43 +11928,133 @@
             </a:r>
             <a:r>
               <a:rPr lang="ja-JP" altLang="en-US" dirty="0" smtClean="0"/>
-              <a:t>計算コストをできるだけ抑えられる</a:t>
+              <a:t>主に</a:t>
+            </a:r>
+            <a:r>
+              <a:rPr kumimoji="1" lang="en-US" altLang="ja-JP" dirty="0" smtClean="0"/>
+              <a:t>CNN</a:t>
+            </a:r>
+            <a:r>
+              <a:rPr kumimoji="1" lang="ja-JP" altLang="en-US" dirty="0" smtClean="0"/>
+              <a:t>を用いて</a:t>
+            </a:r>
+            <a:r>
+              <a:rPr lang="en-US" altLang="ja-JP" dirty="0"/>
+              <a:t>,</a:t>
+            </a:r>
+            <a:r>
+              <a:rPr lang="ja-JP" altLang="en-US" dirty="0" smtClean="0"/>
+              <a:t>特徴</a:t>
             </a:r>
             <a:r>
               <a:rPr lang="ja-JP" altLang="en-US" dirty="0"/>
-              <a:t>最適</a:t>
+              <a:t>ベクトルの抽出を</a:t>
             </a:r>
             <a:r>
               <a:rPr lang="ja-JP" altLang="en-US" dirty="0" smtClean="0"/>
-              <a:t>な画像特徴ベクトルの次元数を調査する</a:t>
+              <a:t>行う</a:t>
+            </a:r>
+            <a:r>
+              <a:rPr lang="en-US" altLang="ja-JP" dirty="0"/>
+              <a:t>.</a:t>
+            </a:r>
+          </a:p>
+          <a:p>
+            <a:r>
+              <a:rPr kumimoji="1" lang="ja-JP" altLang="en-US" dirty="0" smtClean="0"/>
+              <a:t>また</a:t>
+            </a:r>
+            <a:r>
+              <a:rPr kumimoji="1" lang="en-US" altLang="ja-JP" dirty="0" smtClean="0"/>
+              <a:t>,</a:t>
+            </a:r>
+            <a:r>
+              <a:rPr kumimoji="1" lang="ja-JP" altLang="en-US" dirty="0" smtClean="0"/>
+              <a:t>認識精度や計算コストを評価するために</a:t>
+            </a:r>
+            <a:r>
+              <a:rPr kumimoji="1" lang="en-US" altLang="ja-JP" dirty="0" smtClean="0"/>
+              <a:t>,SIFT</a:t>
+            </a:r>
+            <a:r>
+              <a:rPr kumimoji="1" lang="ja-JP" altLang="en-US" dirty="0" smtClean="0"/>
+              <a:t>を</a:t>
+            </a:r>
+            <a:r>
+              <a:rPr lang="ja-JP" altLang="en-US" dirty="0"/>
+              <a:t>比較対象と</a:t>
+            </a:r>
+            <a:r>
+              <a:rPr lang="ja-JP" altLang="en-US" dirty="0" smtClean="0"/>
+              <a:t>する</a:t>
             </a:r>
             <a:r>
               <a:rPr lang="en-US" altLang="ja-JP" dirty="0" smtClean="0"/>
               <a:t>.</a:t>
             </a:r>
-          </a:p>
-          <a:p>
-            <a:endParaRPr kumimoji="1" lang="en-US" altLang="ja-JP" dirty="0"/>
-          </a:p>
-          <a:p>
+            <a:endParaRPr lang="en-US" altLang="ja-JP" dirty="0"/>
+          </a:p>
+          <a:p>
+            <a:pPr lvl="2"/>
+            <a:r>
+              <a:rPr lang="en-US" altLang="ja-JP" dirty="0"/>
+              <a:t>CNN</a:t>
+            </a:r>
+          </a:p>
+          <a:p>
+            <a:pPr lvl="3"/>
+            <a:r>
+              <a:rPr lang="en-US" altLang="ja-JP" dirty="0"/>
+              <a:t>CNN</a:t>
+            </a:r>
             <a:r>
               <a:rPr lang="ja-JP" altLang="en-US" dirty="0"/>
-              <a:t>画像から</a:t>
+              <a:t>を用いた特徴量抽出</a:t>
+            </a:r>
+            <a:endParaRPr lang="en-US" altLang="ja-JP" dirty="0"/>
+          </a:p>
+          <a:p>
+            <a:pPr lvl="2"/>
+            <a:r>
+              <a:rPr lang="en-US" altLang="ja-JP" dirty="0"/>
+              <a:t>SIFT</a:t>
+            </a:r>
+          </a:p>
+          <a:p>
+            <a:pPr lvl="3"/>
+            <a:r>
+              <a:rPr lang="en-US" altLang="ja-JP" dirty="0"/>
+              <a:t>SIFT</a:t>
+            </a:r>
+            <a:r>
+              <a:rPr lang="ja-JP" altLang="en-US" dirty="0"/>
+              <a:t>を用いた特徴量</a:t>
             </a:r>
             <a:r>
               <a:rPr lang="ja-JP" altLang="en-US" dirty="0" smtClean="0"/>
-              <a:t>の特徴ベクトルの生成には</a:t>
-            </a:r>
-            <a:r>
-              <a:rPr lang="en-US" altLang="ja-JP" dirty="0" smtClean="0"/>
+              <a:t>抽出</a:t>
+            </a:r>
+            <a:endParaRPr lang="en-US" altLang="ja-JP" dirty="0" smtClean="0"/>
+          </a:p>
+          <a:p>
+            <a:r>
+              <a:rPr kumimoji="1" lang="en-US" altLang="ja-JP" dirty="0" smtClean="0"/>
+              <a:t>SIFT</a:t>
+            </a:r>
+            <a:r>
+              <a:rPr kumimoji="1" lang="ja-JP" altLang="en-US" dirty="0" smtClean="0"/>
+              <a:t>を選んだ理由としては</a:t>
+            </a:r>
+            <a:r>
+              <a:rPr kumimoji="1" lang="en-US" altLang="ja-JP" dirty="0" smtClean="0"/>
               <a:t>,</a:t>
             </a:r>
             <a:r>
-              <a:rPr lang="ja-JP" altLang="en-US" dirty="0" smtClean="0"/>
-              <a:t>ディープラーニングを用いる</a:t>
-            </a:r>
-            <a:r>
-              <a:rPr lang="en-US" altLang="ja-JP" dirty="0" smtClean="0"/>
+              <a:rPr kumimoji="1" lang="ja-JP" altLang="en-US" dirty="0" smtClean="0"/>
+              <a:t>画像認識で特徴量を導出するための代表的なアルゴリズムであるため</a:t>
+            </a:r>
+            <a:r>
+              <a:rPr lang="en-US" altLang="ja-JP" dirty="0"/>
               <a:t>.</a:t>
             </a:r>
             <a:endParaRPr kumimoji="1" lang="ja-JP" altLang="en-US" dirty="0"/>
@@ -11576,10 +12084,102 @@
           </a:p>
         </p:txBody>
       </p:sp>
+      <p:sp>
+        <p:nvSpPr>
+          <p:cNvPr id="5" name="正方形/長方形 4"/>
+          <p:cNvSpPr/>
+          <p:nvPr/>
+        </p:nvSpPr>
+        <p:spPr>
+          <a:xfrm>
+            <a:off x="4071184" y="269378"/>
+            <a:ext cx="3953879" cy="1421311"/>
+          </a:xfrm>
+          <a:prstGeom prst="rect">
+            <a:avLst/>
+          </a:prstGeom>
+        </p:spPr>
+        <p:style>
+          <a:lnRef idx="2">
+            <a:schemeClr val="accent6"/>
+          </a:lnRef>
+          <a:fillRef idx="1">
+            <a:schemeClr val="lt1"/>
+          </a:fillRef>
+          <a:effectRef idx="0">
+            <a:schemeClr val="accent6"/>
+          </a:effectRef>
+          <a:fontRef idx="minor">
+            <a:schemeClr val="dk1"/>
+          </a:fontRef>
+        </p:style>
+        <p:txBody>
+          <a:bodyPr rtlCol="0" anchor="ctr"/>
+          <a:lstStyle/>
+          <a:p>
+            <a:r>
+              <a:rPr lang="ja-JP" altLang="en-US" dirty="0" smtClean="0"/>
+              <a:t>主</a:t>
+            </a:r>
+            <a:r>
+              <a:rPr lang="ja-JP" altLang="en-US" dirty="0"/>
+              <a:t>に</a:t>
+            </a:r>
+            <a:r>
+              <a:rPr lang="en-US" altLang="ja-JP" dirty="0"/>
+              <a:t>CNN</a:t>
+            </a:r>
+            <a:r>
+              <a:rPr lang="ja-JP" altLang="en-US" dirty="0"/>
+              <a:t>を用いて</a:t>
+            </a:r>
+            <a:r>
+              <a:rPr lang="en-US" altLang="ja-JP" dirty="0"/>
+              <a:t>,</a:t>
+            </a:r>
+            <a:r>
+              <a:rPr lang="ja-JP" altLang="en-US" dirty="0"/>
+              <a:t>特徴ベクトルの抽出を行う</a:t>
+            </a:r>
+            <a:r>
+              <a:rPr lang="en-US" altLang="ja-JP" dirty="0" smtClean="0"/>
+              <a:t>.</a:t>
+            </a:r>
+            <a:r>
+              <a:rPr lang="ja-JP" altLang="en-US" dirty="0" smtClean="0"/>
+              <a:t>また</a:t>
+            </a:r>
+            <a:r>
+              <a:rPr lang="en-US" altLang="ja-JP" dirty="0"/>
+              <a:t>,</a:t>
+            </a:r>
+            <a:r>
+              <a:rPr lang="ja-JP" altLang="en-US" dirty="0"/>
+              <a:t>認識精度や計算コストを評価するために</a:t>
+            </a:r>
+            <a:r>
+              <a:rPr lang="en-US" altLang="ja-JP" dirty="0"/>
+              <a:t>,SIFT</a:t>
+            </a:r>
+            <a:r>
+              <a:rPr lang="ja-JP" altLang="en-US" dirty="0"/>
+              <a:t>を比較対象とする</a:t>
+            </a:r>
+            <a:r>
+              <a:rPr lang="en-US" altLang="ja-JP" dirty="0"/>
+              <a:t>.</a:t>
+            </a:r>
+          </a:p>
+          <a:p>
+            <a:pPr algn="ctr"/>
+            <a:endParaRPr kumimoji="1" lang="ja-JP" altLang="en-US" dirty="0"/>
+          </a:p>
+        </p:txBody>
+      </p:sp>
     </p:spTree>
     <p:extLst>
       <p:ext uri="{BB962C8B-B14F-4D97-AF65-F5344CB8AC3E}">
-        <p14:creationId xmlns:p14="http://schemas.microsoft.com/office/powerpoint/2010/main" val="4224668961"/>
+        <p14:creationId xmlns:p14="http://schemas.microsoft.com/office/powerpoint/2010/main" val="1724661356"/>
       </p:ext>
     </p:extLst>
   </p:cSld>
@@ -11629,8 +12229,8 @@
           <a:lstStyle/>
           <a:p>
             <a:r>
-              <a:rPr lang="ja-JP" altLang="en-US" dirty="0"/>
-              <a:t>研究の方法</a:t>
+              <a:rPr kumimoji="1" lang="ja-JP" altLang="en-US" dirty="0" smtClean="0"/>
+              <a:t>特徴ベクトルの生成</a:t>
             </a:r>
             <a:endParaRPr kumimoji="1" lang="ja-JP" altLang="en-US" dirty="0"/>
           </a:p>
@@ -11651,149 +12251,59 @@
           <a:bodyPr/>
           <a:lstStyle/>
           <a:p>
-            <a:r>
-              <a:rPr lang="ja-JP" altLang="en-US" dirty="0"/>
-              <a:t>本研究で</a:t>
-            </a:r>
-            <a:r>
-              <a:rPr lang="ja-JP" altLang="en-US" dirty="0" smtClean="0"/>
-              <a:t>は</a:t>
-            </a:r>
-            <a:r>
-              <a:rPr lang="en-US" altLang="ja-JP" dirty="0" smtClean="0"/>
-              <a:t>,</a:t>
-            </a:r>
-            <a:r>
-              <a:rPr lang="ja-JP" altLang="en-US" dirty="0" smtClean="0"/>
-              <a:t>主に</a:t>
-            </a:r>
             <a:r>
               <a:rPr kumimoji="1" lang="en-US" altLang="ja-JP" dirty="0" smtClean="0"/>
               <a:t>CNN</a:t>
             </a:r>
-            <a:r>
-              <a:rPr kumimoji="1" lang="ja-JP" altLang="en-US" dirty="0" smtClean="0"/>
-              <a:t>を用いて</a:t>
-            </a:r>
-            <a:r>
-              <a:rPr lang="en-US" altLang="ja-JP" dirty="0"/>
-              <a:t>,</a:t>
+            <a:endParaRPr lang="en-US" altLang="ja-JP" dirty="0"/>
+          </a:p>
+          <a:p>
+            <a:pPr lvl="1"/>
+            <a:r>
+              <a:rPr lang="ja-JP" altLang="en-US" dirty="0"/>
+              <a:t>識別層</a:t>
             </a:r>
             <a:r>
               <a:rPr lang="ja-JP" altLang="en-US" dirty="0" smtClean="0"/>
-              <a:t>特徴</a:t>
-            </a:r>
-            <a:r>
-              <a:rPr lang="ja-JP" altLang="en-US" dirty="0"/>
-              <a:t>ベクトルの抽出を</a:t>
-            </a:r>
-            <a:r>
-              <a:rPr lang="ja-JP" altLang="en-US" dirty="0" smtClean="0"/>
-              <a:t>行う</a:t>
-            </a:r>
-            <a:r>
-              <a:rPr lang="en-US" altLang="ja-JP" dirty="0"/>
-              <a:t>.</a:t>
-            </a:r>
-          </a:p>
-          <a:p>
-            <a:r>
-              <a:rPr kumimoji="1" lang="ja-JP" altLang="en-US" dirty="0" smtClean="0"/>
-              <a:t>また</a:t>
-            </a:r>
-            <a:r>
-              <a:rPr kumimoji="1" lang="en-US" altLang="ja-JP" dirty="0" smtClean="0"/>
-              <a:t>,</a:t>
-            </a:r>
-            <a:r>
-              <a:rPr kumimoji="1" lang="ja-JP" altLang="en-US" dirty="0" smtClean="0"/>
-              <a:t>認識精度や計算コストを評価するために</a:t>
-            </a:r>
-            <a:r>
-              <a:rPr kumimoji="1" lang="en-US" altLang="ja-JP" dirty="0" smtClean="0"/>
-              <a:t>,SIFT</a:t>
-            </a:r>
-            <a:r>
-              <a:rPr kumimoji="1" lang="ja-JP" altLang="en-US" dirty="0" smtClean="0"/>
-              <a:t>を</a:t>
-            </a:r>
-            <a:r>
-              <a:rPr lang="ja-JP" altLang="en-US" dirty="0"/>
-              <a:t>比較対象と</a:t>
-            </a:r>
-            <a:r>
-              <a:rPr lang="ja-JP" altLang="en-US" dirty="0" smtClean="0"/>
-              <a:t>する</a:t>
+              <a:t>の一つ二つ手前の全結合層を用いる</a:t>
             </a:r>
             <a:r>
               <a:rPr lang="en-US" altLang="ja-JP" dirty="0" smtClean="0"/>
               <a:t>.</a:t>
             </a:r>
+            <a:endParaRPr kumimoji="1" lang="en-US" altLang="ja-JP" dirty="0" smtClean="0"/>
+          </a:p>
+          <a:p>
             <a:endParaRPr lang="en-US" altLang="ja-JP" dirty="0"/>
-          </a:p>
-          <a:p>
-            <a:pPr lvl="2"/>
-            <a:r>
-              <a:rPr lang="en-US" altLang="ja-JP" dirty="0"/>
-              <a:t>CNN</a:t>
-            </a:r>
-          </a:p>
-          <a:p>
-            <a:pPr lvl="3"/>
-            <a:r>
-              <a:rPr lang="en-US" altLang="ja-JP" dirty="0"/>
-              <a:t>CNN</a:t>
-            </a:r>
-            <a:r>
-              <a:rPr lang="ja-JP" altLang="en-US" dirty="0"/>
-              <a:t>を用いた特徴量抽出</a:t>
-            </a:r>
-            <a:endParaRPr lang="en-US" altLang="ja-JP" dirty="0"/>
-          </a:p>
-          <a:p>
-            <a:pPr lvl="2"/>
-            <a:r>
-              <a:rPr lang="en-US" altLang="ja-JP" dirty="0"/>
-              <a:t>SIFT</a:t>
-            </a:r>
-          </a:p>
-          <a:p>
-            <a:pPr lvl="3"/>
-            <a:r>
-              <a:rPr lang="en-US" altLang="ja-JP" dirty="0"/>
-              <a:t>SIFT</a:t>
-            </a:r>
-            <a:r>
-              <a:rPr lang="ja-JP" altLang="en-US" dirty="0"/>
-              <a:t>を用いた特徴量</a:t>
-            </a:r>
-            <a:r>
-              <a:rPr lang="ja-JP" altLang="en-US" dirty="0" smtClean="0"/>
-              <a:t>抽出</a:t>
-            </a:r>
-            <a:endParaRPr lang="en-US" altLang="ja-JP" dirty="0" smtClean="0"/>
           </a:p>
           <a:p>
             <a:r>
               <a:rPr kumimoji="1" lang="en-US" altLang="ja-JP" dirty="0" smtClean="0"/>
               <a:t>SIFT</a:t>
             </a:r>
-            <a:r>
-              <a:rPr kumimoji="1" lang="ja-JP" altLang="en-US" dirty="0" smtClean="0"/>
-              <a:t>を選んだ理由としては</a:t>
-            </a:r>
-            <a:r>
-              <a:rPr kumimoji="1" lang="en-US" altLang="ja-JP" dirty="0" smtClean="0"/>
-              <a:t>,</a:t>
-            </a:r>
-            <a:r>
-              <a:rPr kumimoji="1" lang="ja-JP" altLang="en-US" dirty="0" smtClean="0"/>
-              <a:t>画像認識で特徴量を導出するための代表的なアルゴリズムであるため</a:t>
-            </a:r>
-            <a:r>
-              <a:rPr lang="en-US" altLang="ja-JP" dirty="0"/>
-              <a:t>.</a:t>
-            </a:r>
+            <a:endParaRPr lang="en-US" altLang="ja-JP" dirty="0"/>
+          </a:p>
+          <a:p>
+            <a:pPr lvl="1"/>
+            <a:r>
+              <a:rPr lang="en-US" altLang="ja-JP" dirty="0" smtClean="0"/>
+              <a:t>SIF</a:t>
+            </a:r>
+            <a:r>
+              <a:rPr lang="ja-JP" altLang="en-US" dirty="0" smtClean="0"/>
+              <a:t>Ｔを使い、キーポイントを算出、その後、特徴</a:t>
+            </a:r>
+            <a:r>
+              <a:rPr lang="ja-JP" altLang="en-US" dirty="0"/>
+              <a:t>量</a:t>
+            </a:r>
+            <a:r>
+              <a:rPr lang="ja-JP" altLang="en-US" dirty="0" smtClean="0"/>
+              <a:t>をヒストグラムとして表す。</a:t>
+            </a:r>
+            <a:endParaRPr lang="en-US" altLang="ja-JP" dirty="0"/>
+          </a:p>
+          <a:p>
             <a:endParaRPr kumimoji="1" lang="ja-JP" altLang="en-US" dirty="0"/>
           </a:p>
         </p:txBody>
@@ -11814,109 +12324,18 @@
           <a:lstStyle/>
           <a:p>
             <a:fld id="{B4451160-128F-4DAD-AE29-4A8CC0E7B9E9}" type="slidenum">
-              <a:rPr kumimoji="1" lang="ja-JP" altLang="en-US" sz="3200" smtClean="0"/>
+              <a:rPr lang="ja-JP" altLang="en-US" smtClean="0"/>
+              <a:pPr/>
               <a:t>9</a:t>
             </a:fld>
-            <a:endParaRPr kumimoji="1" lang="ja-JP" altLang="en-US" sz="3200" dirty="0"/>
-          </a:p>
-        </p:txBody>
-      </p:sp>
-      <p:sp>
-        <p:nvSpPr>
-          <p:cNvPr id="5" name="正方形/長方形 4"/>
-          <p:cNvSpPr/>
-          <p:nvPr/>
-        </p:nvSpPr>
-        <p:spPr>
-          <a:xfrm>
-            <a:off x="4071184" y="269378"/>
-            <a:ext cx="3953879" cy="1421311"/>
-          </a:xfrm>
-          <a:prstGeom prst="rect">
-            <a:avLst/>
-          </a:prstGeom>
-        </p:spPr>
-        <p:style>
-          <a:lnRef idx="2">
-            <a:schemeClr val="accent6"/>
-          </a:lnRef>
-          <a:fillRef idx="1">
-            <a:schemeClr val="lt1"/>
-          </a:fillRef>
-          <a:effectRef idx="0">
-            <a:schemeClr val="accent6"/>
-          </a:effectRef>
-          <a:fontRef idx="minor">
-            <a:schemeClr val="dk1"/>
-          </a:fontRef>
-        </p:style>
-        <p:txBody>
-          <a:bodyPr rtlCol="0" anchor="ctr"/>
-          <a:lstStyle/>
-          <a:p>
-            <a:r>
-              <a:rPr lang="ja-JP" altLang="en-US" dirty="0" smtClean="0"/>
-              <a:t>主</a:t>
-            </a:r>
-            <a:r>
-              <a:rPr lang="ja-JP" altLang="en-US" dirty="0"/>
-              <a:t>に</a:t>
-            </a:r>
-            <a:r>
-              <a:rPr lang="en-US" altLang="ja-JP" dirty="0"/>
-              <a:t>CNN</a:t>
-            </a:r>
-            <a:r>
-              <a:rPr lang="ja-JP" altLang="en-US" dirty="0"/>
-              <a:t>を用いて</a:t>
-            </a:r>
-            <a:r>
-              <a:rPr lang="en-US" altLang="ja-JP" dirty="0"/>
-              <a:t>,</a:t>
-            </a:r>
-            <a:r>
-              <a:rPr lang="ja-JP" altLang="en-US" dirty="0"/>
-              <a:t>特徴ベクトルの抽出を行う</a:t>
-            </a:r>
-            <a:r>
-              <a:rPr lang="en-US" altLang="ja-JP" dirty="0" smtClean="0"/>
-              <a:t>.</a:t>
-            </a:r>
-            <a:r>
-              <a:rPr lang="ja-JP" altLang="en-US" dirty="0" smtClean="0"/>
-              <a:t>また</a:t>
-            </a:r>
-            <a:r>
-              <a:rPr lang="en-US" altLang="ja-JP" dirty="0"/>
-              <a:t>,</a:t>
-            </a:r>
-            <a:r>
-              <a:rPr lang="ja-JP" altLang="en-US" dirty="0"/>
-              <a:t>認識精度や計算コストを評価するために</a:t>
-            </a:r>
-            <a:r>
-              <a:rPr lang="en-US" altLang="ja-JP" dirty="0"/>
-              <a:t>,SIFT</a:t>
-            </a:r>
-            <a:r>
-              <a:rPr lang="ja-JP" altLang="en-US" dirty="0"/>
-              <a:t>を比較対象とする</a:t>
-            </a:r>
-            <a:r>
-              <a:rPr lang="en-US" altLang="ja-JP" dirty="0"/>
-              <a:t>.</a:t>
-            </a:r>
-          </a:p>
-          <a:p>
-            <a:pPr algn="ctr"/>
-            <a:endParaRPr kumimoji="1" lang="ja-JP" altLang="en-US" dirty="0"/>
+            <a:endParaRPr lang="ja-JP" altLang="en-US" dirty="0"/>
           </a:p>
         </p:txBody>
       </p:sp>
     </p:spTree>
     <p:extLst>
       <p:ext uri="{BB962C8B-B14F-4D97-AF65-F5344CB8AC3E}">
-        <p14:creationId xmlns:p14="http://schemas.microsoft.com/office/powerpoint/2010/main" val="1724661356"/>
+        <p14:creationId xmlns:p14="http://schemas.microsoft.com/office/powerpoint/2010/main" val="3404779024"/>
       </p:ext>
     </p:extLst>
   </p:cSld>

--- a/1821005_中間発表.pptx
+++ b/1821005_中間発表.pptx
@@ -237,7 +237,7 @@
           <a:p>
             <a:fld id="{27571B5F-C8EC-4379-AD76-80FD414F3861}" type="datetimeFigureOut">
               <a:rPr kumimoji="1" lang="ja-JP" altLang="en-US" smtClean="0"/>
-              <a:t>2021/7/23</a:t>
+              <a:t>2021/7/27</a:t>
             </a:fld>
             <a:endParaRPr kumimoji="1" lang="ja-JP" altLang="en-US"/>
           </a:p>
@@ -747,6 +747,124 @@
 </p:notes>
 </file>
 
+<file path=ppt/notesSlides/notesSlide3.xml><?xml version="1.0" encoding="utf-8"?>
+<p:notes xmlns:a="http://schemas.openxmlformats.org/drawingml/2006/main" xmlns:r="http://schemas.openxmlformats.org/officeDocument/2006/relationships" xmlns:p="http://schemas.openxmlformats.org/presentationml/2006/main">
+  <p:cSld>
+    <p:spTree>
+      <p:nvGrpSpPr>
+        <p:cNvPr id="1" name=""/>
+        <p:cNvGrpSpPr/>
+        <p:nvPr/>
+      </p:nvGrpSpPr>
+      <p:grpSpPr>
+        <a:xfrm>
+          <a:off x="0" y="0"/>
+          <a:ext cx="0" cy="0"/>
+          <a:chOff x="0" y="0"/>
+          <a:chExt cx="0" cy="0"/>
+        </a:xfrm>
+      </p:grpSpPr>
+      <p:sp>
+        <p:nvSpPr>
+          <p:cNvPr id="2" name="スライド イメージ プレースホルダー 1"/>
+          <p:cNvSpPr>
+            <a:spLocks noGrp="1" noRot="1" noChangeAspect="1"/>
+          </p:cNvSpPr>
+          <p:nvPr>
+            <p:ph type="sldImg"/>
+          </p:nvPr>
+        </p:nvSpPr>
+        <p:spPr/>
+      </p:sp>
+      <p:sp>
+        <p:nvSpPr>
+          <p:cNvPr id="3" name="ノート プレースホルダー 2"/>
+          <p:cNvSpPr>
+            <a:spLocks noGrp="1"/>
+          </p:cNvSpPr>
+          <p:nvPr>
+            <p:ph type="body" idx="1"/>
+          </p:nvPr>
+        </p:nvSpPr>
+        <p:spPr/>
+        <p:txBody>
+          <a:bodyPr/>
+          <a:lstStyle/>
+          <a:p>
+            <a:r>
+              <a:rPr kumimoji="1" lang="en-US" altLang="ja-JP" dirty="0" smtClean="0"/>
+              <a:t>SIFT:</a:t>
+            </a:r>
+            <a:r>
+              <a:rPr kumimoji="1" lang="ja-JP" altLang="en-US" dirty="0" smtClean="0"/>
+              <a:t>画像検索のほとんどの視覚タスクで広く使用されていた。</a:t>
+            </a:r>
+            <a:endParaRPr kumimoji="1" lang="en-US" altLang="ja-JP" dirty="0" smtClean="0"/>
+          </a:p>
+          <a:p>
+            <a:r>
+              <a:rPr kumimoji="1" lang="ja-JP" altLang="en-US" dirty="0" smtClean="0"/>
+              <a:t>これが過去の話、</a:t>
+            </a:r>
+            <a:r>
+              <a:rPr kumimoji="1" lang="ja-JP" altLang="en-US" dirty="0" err="1" smtClean="0"/>
+              <a:t>ー</a:t>
+            </a:r>
+            <a:r>
+              <a:rPr kumimoji="1" lang="ja-JP" altLang="en-US" dirty="0" smtClean="0"/>
+              <a:t>＞現在は、</a:t>
+            </a:r>
+            <a:r>
+              <a:rPr kumimoji="1" lang="en-US" altLang="ja-JP" dirty="0" smtClean="0"/>
+              <a:t>CNN</a:t>
+            </a:r>
+            <a:r>
+              <a:rPr kumimoji="1" lang="ja-JP" altLang="en-US" dirty="0" smtClean="0"/>
+              <a:t>の出現により、画像分類やオブジェクト検出などのタスクで最先端のパフォーマンスを見せる。</a:t>
+            </a:r>
+            <a:endParaRPr kumimoji="1" lang="en-US" altLang="ja-JP" dirty="0" smtClean="0"/>
+          </a:p>
+          <a:p>
+            <a:endParaRPr kumimoji="1" lang="ja-JP" altLang="en-US" dirty="0"/>
+          </a:p>
+        </p:txBody>
+      </p:sp>
+      <p:sp>
+        <p:nvSpPr>
+          <p:cNvPr id="4" name="スライド番号プレースホルダー 3"/>
+          <p:cNvSpPr>
+            <a:spLocks noGrp="1"/>
+          </p:cNvSpPr>
+          <p:nvPr>
+            <p:ph type="sldNum" sz="quarter" idx="10"/>
+          </p:nvPr>
+        </p:nvSpPr>
+        <p:spPr/>
+        <p:txBody>
+          <a:bodyPr/>
+          <a:lstStyle/>
+          <a:p>
+            <a:fld id="{9D828324-DCC9-430F-AD2C-1DD1805E2C40}" type="slidenum">
+              <a:rPr kumimoji="1" lang="ja-JP" altLang="en-US" smtClean="0"/>
+              <a:t>8</a:t>
+            </a:fld>
+            <a:endParaRPr kumimoji="1" lang="ja-JP" altLang="en-US"/>
+          </a:p>
+        </p:txBody>
+      </p:sp>
+    </p:spTree>
+    <p:extLst>
+      <p:ext uri="{BB962C8B-B14F-4D97-AF65-F5344CB8AC3E}">
+        <p14:creationId xmlns:p14="http://schemas.microsoft.com/office/powerpoint/2010/main" val="3109707883"/>
+      </p:ext>
+    </p:extLst>
+  </p:cSld>
+  <p:clrMapOvr>
+    <a:masterClrMapping/>
+  </p:clrMapOvr>
+</p:notes>
+</file>
+
 <file path=ppt/slideLayouts/slideLayout1.xml><?xml version="1.0" encoding="utf-8"?>
 <p:sldLayout xmlns:a="http://schemas.openxmlformats.org/drawingml/2006/main" xmlns:r="http://schemas.openxmlformats.org/officeDocument/2006/relationships" xmlns:p="http://schemas.openxmlformats.org/presentationml/2006/main" type="title" preserve="1">
   <p:cSld name="タイトル スライド">
@@ -878,7 +996,7 @@
           <a:p>
             <a:fld id="{ED609840-96BF-4512-A2C1-C87E0BBF3D2F}" type="datetime1">
               <a:rPr kumimoji="1" lang="ja-JP" altLang="en-US" smtClean="0"/>
-              <a:t>2021/7/23</a:t>
+              <a:t>2021/7/27</a:t>
             </a:fld>
             <a:endParaRPr kumimoji="1" lang="ja-JP" altLang="en-US"/>
           </a:p>
@@ -1081,7 +1199,7 @@
           <a:p>
             <a:fld id="{F97B6116-28DE-44C1-8891-65688903BD50}" type="datetime1">
               <a:rPr kumimoji="1" lang="ja-JP" altLang="en-US" smtClean="0"/>
-              <a:t>2021/7/23</a:t>
+              <a:t>2021/7/27</a:t>
             </a:fld>
             <a:endParaRPr kumimoji="1" lang="ja-JP" altLang="en-US"/>
           </a:p>
@@ -1294,7 +1412,7 @@
           <a:p>
             <a:fld id="{EDE04BF4-1FC0-40EE-A15F-5986BB2387E9}" type="datetime1">
               <a:rPr kumimoji="1" lang="ja-JP" altLang="en-US" smtClean="0"/>
-              <a:t>2021/7/23</a:t>
+              <a:t>2021/7/27</a:t>
             </a:fld>
             <a:endParaRPr kumimoji="1" lang="ja-JP" altLang="en-US"/>
           </a:p>
@@ -1536,7 +1654,7 @@
                 <a:tabLst/>
                 <a:defRPr/>
               </a:pPr>
-              <a:t>2021/7/23</a:t>
+              <a:t>2021/7/27</a:t>
             </a:fld>
             <a:endParaRPr kumimoji="1" lang="ja-JP" altLang="en-US" sz="1200" b="0" i="0" u="none" strike="noStrike" kern="1200" cap="none" spc="0" normalizeH="0" baseline="0" noProof="0">
               <a:ln>
@@ -1898,7 +2016,7 @@
                 <a:tabLst/>
                 <a:defRPr/>
               </a:pPr>
-              <a:t>2021/7/23</a:t>
+              <a:t>2021/7/27</a:t>
             </a:fld>
             <a:endParaRPr kumimoji="1" lang="ja-JP" altLang="en-US" sz="1200" b="0" i="0" u="none" strike="noStrike" kern="1200" cap="none" spc="0" normalizeH="0" baseline="0" noProof="0">
               <a:ln>
@@ -2302,7 +2420,7 @@
                 <a:tabLst/>
                 <a:defRPr/>
               </a:pPr>
-              <a:t>2021/7/23</a:t>
+              <a:t>2021/7/27</a:t>
             </a:fld>
             <a:endParaRPr kumimoji="1" lang="ja-JP" altLang="en-US" sz="1200" b="0" i="0" u="none" strike="noStrike" kern="1200" cap="none" spc="0" normalizeH="0" baseline="0" noProof="0">
               <a:ln>
@@ -2758,7 +2876,7 @@
                 <a:tabLst/>
                 <a:defRPr/>
               </a:pPr>
-              <a:t>2021/7/23</a:t>
+              <a:t>2021/7/27</a:t>
             </a:fld>
             <a:endParaRPr kumimoji="1" lang="ja-JP" altLang="en-US" sz="1200" b="0" i="0" u="none" strike="noStrike" kern="1200" cap="none" spc="0" normalizeH="0" baseline="0" noProof="0">
               <a:ln>
@@ -3349,7 +3467,7 @@
                 <a:tabLst/>
                 <a:defRPr/>
               </a:pPr>
-              <a:t>2021/7/23</a:t>
+              <a:t>2021/7/27</a:t>
             </a:fld>
             <a:endParaRPr kumimoji="1" lang="ja-JP" altLang="en-US" sz="1200" b="0" i="0" u="none" strike="noStrike" kern="1200" cap="none" spc="0" normalizeH="0" baseline="0" noProof="0">
               <a:ln>
@@ -3627,7 +3745,7 @@
                 <a:tabLst/>
                 <a:defRPr/>
               </a:pPr>
-              <a:t>2021/7/23</a:t>
+              <a:t>2021/7/27</a:t>
             </a:fld>
             <a:endParaRPr kumimoji="1" lang="ja-JP" altLang="en-US" sz="1200" b="0" i="0" u="none" strike="noStrike" kern="1200" cap="none" spc="0" normalizeH="0" baseline="0" noProof="0">
               <a:ln>
@@ -3882,7 +4000,7 @@
                 <a:tabLst/>
                 <a:defRPr/>
               </a:pPr>
-              <a:t>2021/7/23</a:t>
+              <a:t>2021/7/27</a:t>
             </a:fld>
             <a:endParaRPr kumimoji="1" lang="ja-JP" altLang="en-US" sz="1200" b="0" i="0" u="none" strike="noStrike" kern="1200" cap="none" spc="0" normalizeH="0" baseline="0" noProof="0">
               <a:ln>
@@ -4351,7 +4469,7 @@
                 <a:tabLst/>
                 <a:defRPr/>
               </a:pPr>
-              <a:t>2021/7/23</a:t>
+              <a:t>2021/7/27</a:t>
             </a:fld>
             <a:endParaRPr kumimoji="1" lang="ja-JP" altLang="en-US" sz="1200" b="0" i="0" u="none" strike="noStrike" kern="1200" cap="none" spc="0" normalizeH="0" baseline="0" noProof="0">
               <a:ln>
@@ -4664,7 +4782,7 @@
           <a:p>
             <a:fld id="{AFE4124D-C094-469A-99BC-7EA66CDB293F}" type="datetime1">
               <a:rPr kumimoji="1" lang="ja-JP" altLang="en-US" smtClean="0"/>
-              <a:t>2021/7/23</a:t>
+              <a:t>2021/7/27</a:t>
             </a:fld>
             <a:endParaRPr kumimoji="1" lang="ja-JP" altLang="en-US"/>
           </a:p>
@@ -4975,7 +5093,7 @@
                 <a:tabLst/>
                 <a:defRPr/>
               </a:pPr>
-              <a:t>2021/7/23</a:t>
+              <a:t>2021/7/27</a:t>
             </a:fld>
             <a:endParaRPr kumimoji="1" lang="ja-JP" altLang="en-US" sz="1200" b="0" i="0" u="none" strike="noStrike" kern="1200" cap="none" spc="0" normalizeH="0" baseline="0" noProof="0">
               <a:ln>
@@ -5337,7 +5455,7 @@
                 <a:tabLst/>
                 <a:defRPr/>
               </a:pPr>
-              <a:t>2021/7/23</a:t>
+              <a:t>2021/7/27</a:t>
             </a:fld>
             <a:endParaRPr kumimoji="1" lang="ja-JP" altLang="en-US" sz="1200" b="0" i="0" u="none" strike="noStrike" kern="1200" cap="none" spc="0" normalizeH="0" baseline="0" noProof="0">
               <a:ln>
@@ -5709,7 +5827,7 @@
                 <a:tabLst/>
                 <a:defRPr/>
               </a:pPr>
-              <a:t>2021/7/23</a:t>
+              <a:t>2021/7/27</a:t>
             </a:fld>
             <a:endParaRPr kumimoji="1" lang="ja-JP" altLang="en-US" sz="1200" b="0" i="0" u="none" strike="noStrike" kern="1200" cap="none" spc="0" normalizeH="0" baseline="0" noProof="0">
               <a:ln>
@@ -6064,7 +6182,7 @@
           <a:p>
             <a:fld id="{F808FAA8-DC38-46BC-9A48-0414366DDF43}" type="datetime1">
               <a:rPr kumimoji="1" lang="ja-JP" altLang="en-US" smtClean="0"/>
-              <a:t>2021/7/23</a:t>
+              <a:t>2021/7/27</a:t>
             </a:fld>
             <a:endParaRPr kumimoji="1" lang="ja-JP" altLang="en-US"/>
           </a:p>
@@ -6361,7 +6479,7 @@
           <a:p>
             <a:fld id="{43B61DD3-8484-4FD8-9D55-71FA047E405C}" type="datetime1">
               <a:rPr kumimoji="1" lang="ja-JP" altLang="en-US" smtClean="0"/>
-              <a:t>2021/7/23</a:t>
+              <a:t>2021/7/27</a:t>
             </a:fld>
             <a:endParaRPr kumimoji="1" lang="ja-JP" altLang="en-US"/>
           </a:p>
@@ -6793,7 +6911,7 @@
           <a:p>
             <a:fld id="{61FE3252-B303-4BFD-B995-E88780D087A2}" type="datetime1">
               <a:rPr kumimoji="1" lang="ja-JP" altLang="en-US" smtClean="0"/>
-              <a:t>2021/7/23</a:t>
+              <a:t>2021/7/27</a:t>
             </a:fld>
             <a:endParaRPr kumimoji="1" lang="ja-JP" altLang="en-US"/>
           </a:p>
@@ -6912,7 +7030,7 @@
           <a:p>
             <a:fld id="{83973884-A525-473B-9B85-E710649C3EE9}" type="datetime1">
               <a:rPr kumimoji="1" lang="ja-JP" altLang="en-US" smtClean="0"/>
-              <a:t>2021/7/23</a:t>
+              <a:t>2021/7/27</a:t>
             </a:fld>
             <a:endParaRPr kumimoji="1" lang="ja-JP" altLang="en-US"/>
           </a:p>
@@ -7008,7 +7126,7 @@
           <a:p>
             <a:fld id="{630B9591-4670-4AF8-B7B7-F5F2443A761A}" type="datetime1">
               <a:rPr kumimoji="1" lang="ja-JP" altLang="en-US" smtClean="0"/>
-              <a:t>2021/7/23</a:t>
+              <a:t>2021/7/27</a:t>
             </a:fld>
             <a:endParaRPr kumimoji="1" lang="ja-JP" altLang="en-US"/>
           </a:p>
@@ -7318,7 +7436,7 @@
           <a:p>
             <a:fld id="{434F6BA0-5DA2-4153-9B76-E2457FA21F47}" type="datetime1">
               <a:rPr kumimoji="1" lang="ja-JP" altLang="en-US" smtClean="0"/>
-              <a:t>2021/7/23</a:t>
+              <a:t>2021/7/27</a:t>
             </a:fld>
             <a:endParaRPr kumimoji="1" lang="ja-JP" altLang="en-US"/>
           </a:p>
@@ -7576,7 +7694,7 @@
           <a:p>
             <a:fld id="{590B58CC-0A81-4826-A84E-1F1030B25368}" type="datetime1">
               <a:rPr kumimoji="1" lang="ja-JP" altLang="en-US" smtClean="0"/>
-              <a:t>2021/7/23</a:t>
+              <a:t>2021/7/27</a:t>
             </a:fld>
             <a:endParaRPr kumimoji="1" lang="ja-JP" altLang="en-US"/>
           </a:p>
@@ -7822,7 +7940,7 @@
           <a:p>
             <a:fld id="{77253A0B-EAD4-46D7-BD2F-C5BFFB89C890}" type="datetime1">
               <a:rPr kumimoji="1" lang="ja-JP" altLang="en-US" smtClean="0"/>
-              <a:t>2021/7/23</a:t>
+              <a:t>2021/7/27</a:t>
             </a:fld>
             <a:endParaRPr kumimoji="1" lang="ja-JP" altLang="en-US"/>
           </a:p>
@@ -8452,7 +8570,7 @@
                 <a:tabLst/>
                 <a:defRPr/>
               </a:pPr>
-              <a:t>2021/7/23</a:t>
+              <a:t>2021/7/27</a:t>
             </a:fld>
             <a:endParaRPr kumimoji="1" lang="ja-JP" altLang="en-US" sz="1200" b="0" i="0" u="none" strike="noStrike" kern="1200" cap="none" spc="0" normalizeH="0" baseline="0" noProof="0">
               <a:ln>
@@ -9090,7 +9208,7 @@
         <p:spPr>
           <a:xfrm>
             <a:off x="5852705" y="730206"/>
-            <a:ext cx="3094117" cy="300082"/>
+            <a:ext cx="3033203" cy="300082"/>
           </a:xfrm>
           <a:prstGeom prst="rect">
             <a:avLst/>
@@ -9124,8 +9242,8 @@
               <a:t>月</a:t>
             </a:r>
             <a:r>
-              <a:rPr lang="en-US" altLang="ja-JP" sz="1350" dirty="0"/>
-              <a:t>21</a:t>
+              <a:rPr lang="en-US" altLang="ja-JP" sz="1350" dirty="0" smtClean="0"/>
+              <a:t>28</a:t>
             </a:r>
             <a:r>
               <a:rPr lang="ja-JP" altLang="en-US" sz="1350" dirty="0" smtClean="0"/>
@@ -10745,11 +10863,7 @@
             </a:r>
             <a:r>
               <a:rPr lang="ja-JP" altLang="en-US" sz="1800" dirty="0" smtClean="0"/>
-              <a:t>東京大学　大学院情報理工学系</a:t>
-            </a:r>
-            <a:r>
-              <a:rPr lang="ja-JP" altLang="en-US" sz="1800" dirty="0" smtClean="0"/>
-              <a:t>研究科</a:t>
+              <a:t>東京大学　大学院情報理工学系研究科</a:t>
             </a:r>
             <a:endParaRPr lang="en-US" altLang="ja-JP" sz="1800" dirty="0" smtClean="0"/>
           </a:p>
@@ -10844,11 +10958,7 @@
             </a:r>
             <a:r>
               <a:rPr lang="ja-JP" altLang="en-US" sz="1800" dirty="0" smtClean="0"/>
-              <a:t>亘　中部大学工学部情報工</a:t>
-            </a:r>
-            <a:r>
-              <a:rPr lang="ja-JP" altLang="en-US" sz="1800" dirty="0" smtClean="0"/>
-              <a:t>学科</a:t>
+              <a:t>亘　中部大学工学部情報工学科</a:t>
             </a:r>
             <a:endParaRPr lang="en-US" altLang="ja-JP" sz="1800" dirty="0" smtClean="0"/>
           </a:p>
@@ -12274,6 +12384,15 @@
             <a:endParaRPr kumimoji="1" lang="en-US" altLang="ja-JP" dirty="0" smtClean="0"/>
           </a:p>
           <a:p>
+            <a:endParaRPr lang="en-US" altLang="ja-JP" dirty="0" smtClean="0"/>
+          </a:p>
+          <a:p>
+            <a:endParaRPr lang="en-US" altLang="ja-JP" dirty="0"/>
+          </a:p>
+          <a:p>
+            <a:endParaRPr lang="en-US" altLang="ja-JP" dirty="0" smtClean="0"/>
+          </a:p>
+          <a:p>
             <a:endParaRPr lang="en-US" altLang="ja-JP" dirty="0"/>
           </a:p>
           <a:p>
@@ -12332,6 +12451,30 @@
           </a:p>
         </p:txBody>
       </p:sp>
+      <p:pic>
+        <p:nvPicPr>
+          <p:cNvPr id="5" name="図 4"/>
+          <p:cNvPicPr>
+            <a:picLocks noChangeAspect="1"/>
+          </p:cNvPicPr>
+          <p:nvPr/>
+        </p:nvPicPr>
+        <p:blipFill>
+          <a:blip r:embed="rId2"/>
+          <a:stretch>
+            <a:fillRect/>
+          </a:stretch>
+        </p:blipFill>
+        <p:spPr>
+          <a:xfrm>
+            <a:off x="628650" y="3015882"/>
+            <a:ext cx="7638950" cy="1121761"/>
+          </a:xfrm>
+          <a:prstGeom prst="rect">
+            <a:avLst/>
+          </a:prstGeom>
+        </p:spPr>
+      </p:pic>
     </p:spTree>
     <p:extLst>
       <p:ext uri="{BB962C8B-B14F-4D97-AF65-F5344CB8AC3E}">

--- a/1821005_中間発表.pptx
+++ b/1821005_中間発表.pptx
@@ -9,17 +9,17 @@
     <p:notesMasterId r:id="rId14"/>
   </p:notesMasterIdLst>
   <p:sldIdLst>
-    <p:sldId id="256" r:id="rId3"/>
-    <p:sldId id="257" r:id="rId4"/>
-    <p:sldId id="258" r:id="rId5"/>
-    <p:sldId id="259" r:id="rId6"/>
-    <p:sldId id="260" r:id="rId7"/>
-    <p:sldId id="261" r:id="rId8"/>
-    <p:sldId id="262" r:id="rId9"/>
-    <p:sldId id="263" r:id="rId10"/>
-    <p:sldId id="265" r:id="rId11"/>
-    <p:sldId id="264" r:id="rId12"/>
-    <p:sldId id="266" r:id="rId13"/>
+    <p:sldId id="257" r:id="rId3"/>
+    <p:sldId id="259" r:id="rId4"/>
+    <p:sldId id="261" r:id="rId5"/>
+    <p:sldId id="262" r:id="rId6"/>
+    <p:sldId id="263" r:id="rId7"/>
+    <p:sldId id="265" r:id="rId8"/>
+    <p:sldId id="258" r:id="rId9"/>
+    <p:sldId id="264" r:id="rId10"/>
+    <p:sldId id="260" r:id="rId11"/>
+    <p:sldId id="266" r:id="rId12"/>
+    <p:sldId id="256" r:id="rId13"/>
   </p:sldIdLst>
   <p:sldSz cx="9144000" cy="6858000" type="screen4x3"/>
   <p:notesSz cx="6858000" cy="9144000"/>
@@ -563,12 +563,7 @@
             <p:ph type="sldImg"/>
           </p:nvPr>
         </p:nvSpPr>
-        <p:spPr>
-          <a:xfrm>
-            <a:off x="1371600" y="1143000"/>
-            <a:ext cx="4114800" cy="3086100"/>
-          </a:xfrm>
-        </p:spPr>
+        <p:spPr/>
       </p:sp>
       <p:sp>
         <p:nvSpPr>
@@ -584,6 +579,40 @@
         <p:txBody>
           <a:bodyPr/>
           <a:lstStyle/>
+          <a:p>
+            <a:r>
+              <a:rPr kumimoji="1" lang="en-US" altLang="ja-JP" dirty="0" smtClean="0"/>
+              <a:t>SIFT:</a:t>
+            </a:r>
+            <a:r>
+              <a:rPr kumimoji="1" lang="ja-JP" altLang="en-US" dirty="0" smtClean="0"/>
+              <a:t>画像検索のほとんどの視覚タスクで広く使用されていた。</a:t>
+            </a:r>
+            <a:endParaRPr kumimoji="1" lang="en-US" altLang="ja-JP" dirty="0" smtClean="0"/>
+          </a:p>
+          <a:p>
+            <a:r>
+              <a:rPr kumimoji="1" lang="ja-JP" altLang="en-US" dirty="0" smtClean="0"/>
+              <a:t>これが過去の話、</a:t>
+            </a:r>
+            <a:r>
+              <a:rPr kumimoji="1" lang="ja-JP" altLang="en-US" dirty="0" err="1" smtClean="0"/>
+              <a:t>ー</a:t>
+            </a:r>
+            <a:r>
+              <a:rPr kumimoji="1" lang="ja-JP" altLang="en-US" dirty="0" smtClean="0"/>
+              <a:t>＞現在は、</a:t>
+            </a:r>
+            <a:r>
+              <a:rPr kumimoji="1" lang="en-US" altLang="ja-JP" dirty="0" smtClean="0"/>
+              <a:t>CNN</a:t>
+            </a:r>
+            <a:r>
+              <a:rPr kumimoji="1" lang="ja-JP" altLang="en-US" dirty="0" smtClean="0"/>
+              <a:t>の出現により、画像分類やオブジェクト検出などのタスクで最先端のパフォーマンスを見せる。</a:t>
+            </a:r>
+            <a:endParaRPr kumimoji="1" lang="en-US" altLang="ja-JP" dirty="0" smtClean="0"/>
+          </a:p>
           <a:p>
             <a:endParaRPr kumimoji="1" lang="ja-JP" altLang="en-US" dirty="0"/>
           </a:p>
@@ -606,7 +635,7 @@
           <a:p>
             <a:fld id="{9D828324-DCC9-430F-AD2C-1DD1805E2C40}" type="slidenum">
               <a:rPr kumimoji="1" lang="ja-JP" altLang="en-US" smtClean="0"/>
-              <a:t>1</a:t>
+              <a:t>5</a:t>
             </a:fld>
             <a:endParaRPr kumimoji="1" lang="ja-JP" altLang="en-US"/>
           </a:p>
@@ -615,7 +644,7 @@
     </p:spTree>
     <p:extLst>
       <p:ext uri="{BB962C8B-B14F-4D97-AF65-F5344CB8AC3E}">
-        <p14:creationId xmlns:p14="http://schemas.microsoft.com/office/powerpoint/2010/main" val="937322828"/>
+        <p14:creationId xmlns:p14="http://schemas.microsoft.com/office/powerpoint/2010/main" val="3109707883"/>
       </p:ext>
     </p:extLst>
   </p:cSld>
@@ -728,7 +757,7 @@
           <a:p>
             <a:fld id="{9D828324-DCC9-430F-AD2C-1DD1805E2C40}" type="slidenum">
               <a:rPr kumimoji="1" lang="ja-JP" altLang="en-US" smtClean="0"/>
-              <a:t>3</a:t>
+              <a:t>7</a:t>
             </a:fld>
             <a:endParaRPr kumimoji="1" lang="ja-JP" altLang="en-US"/>
           </a:p>
@@ -774,56 +803,27 @@
             <p:ph type="sldImg"/>
           </p:nvPr>
         </p:nvSpPr>
+        <p:spPr>
+          <a:xfrm>
+            <a:off x="1371600" y="1143000"/>
+            <a:ext cx="4114800" cy="3086100"/>
+          </a:xfrm>
+        </p:spPr>
+      </p:sp>
+      <p:sp>
+        <p:nvSpPr>
+          <p:cNvPr id="3" name="ノート プレースホルダー 2"/>
+          <p:cNvSpPr>
+            <a:spLocks noGrp="1"/>
+          </p:cNvSpPr>
+          <p:nvPr>
+            <p:ph type="body" idx="1"/>
+          </p:nvPr>
+        </p:nvSpPr>
         <p:spPr/>
-      </p:sp>
-      <p:sp>
-        <p:nvSpPr>
-          <p:cNvPr id="3" name="ノート プレースホルダー 2"/>
-          <p:cNvSpPr>
-            <a:spLocks noGrp="1"/>
-          </p:cNvSpPr>
-          <p:nvPr>
-            <p:ph type="body" idx="1"/>
-          </p:nvPr>
-        </p:nvSpPr>
-        <p:spPr/>
         <p:txBody>
           <a:bodyPr/>
           <a:lstStyle/>
-          <a:p>
-            <a:r>
-              <a:rPr kumimoji="1" lang="en-US" altLang="ja-JP" dirty="0" smtClean="0"/>
-              <a:t>SIFT:</a:t>
-            </a:r>
-            <a:r>
-              <a:rPr kumimoji="1" lang="ja-JP" altLang="en-US" dirty="0" smtClean="0"/>
-              <a:t>画像検索のほとんどの視覚タスクで広く使用されていた。</a:t>
-            </a:r>
-            <a:endParaRPr kumimoji="1" lang="en-US" altLang="ja-JP" dirty="0" smtClean="0"/>
-          </a:p>
-          <a:p>
-            <a:r>
-              <a:rPr kumimoji="1" lang="ja-JP" altLang="en-US" dirty="0" smtClean="0"/>
-              <a:t>これが過去の話、</a:t>
-            </a:r>
-            <a:r>
-              <a:rPr kumimoji="1" lang="ja-JP" altLang="en-US" dirty="0" err="1" smtClean="0"/>
-              <a:t>ー</a:t>
-            </a:r>
-            <a:r>
-              <a:rPr kumimoji="1" lang="ja-JP" altLang="en-US" dirty="0" smtClean="0"/>
-              <a:t>＞現在は、</a:t>
-            </a:r>
-            <a:r>
-              <a:rPr kumimoji="1" lang="en-US" altLang="ja-JP" dirty="0" smtClean="0"/>
-              <a:t>CNN</a:t>
-            </a:r>
-            <a:r>
-              <a:rPr kumimoji="1" lang="ja-JP" altLang="en-US" dirty="0" smtClean="0"/>
-              <a:t>の出現により、画像分類やオブジェクト検出などのタスクで最先端のパフォーマンスを見せる。</a:t>
-            </a:r>
-            <a:endParaRPr kumimoji="1" lang="en-US" altLang="ja-JP" dirty="0" smtClean="0"/>
-          </a:p>
           <a:p>
             <a:endParaRPr kumimoji="1" lang="ja-JP" altLang="en-US" dirty="0"/>
           </a:p>
@@ -846,7 +846,7 @@
           <a:p>
             <a:fld id="{9D828324-DCC9-430F-AD2C-1DD1805E2C40}" type="slidenum">
               <a:rPr kumimoji="1" lang="ja-JP" altLang="en-US" smtClean="0"/>
-              <a:t>8</a:t>
+              <a:t>11</a:t>
             </a:fld>
             <a:endParaRPr kumimoji="1" lang="ja-JP" altLang="en-US"/>
           </a:p>
@@ -855,7 +855,7 @@
     </p:spTree>
     <p:extLst>
       <p:ext uri="{BB962C8B-B14F-4D97-AF65-F5344CB8AC3E}">
-        <p14:creationId xmlns:p14="http://schemas.microsoft.com/office/powerpoint/2010/main" val="3109707883"/>
+        <p14:creationId xmlns:p14="http://schemas.microsoft.com/office/powerpoint/2010/main" val="937322828"/>
       </p:ext>
     </p:extLst>
   </p:cSld>
@@ -9094,91 +9094,113 @@
             <a:spLocks noGrp="1"/>
           </p:cNvSpPr>
           <p:nvPr>
-            <p:ph type="ctrTitle"/>
-          </p:nvPr>
-        </p:nvSpPr>
-        <p:spPr>
-          <a:xfrm>
-            <a:off x="685800" y="1711909"/>
-            <a:ext cx="7772400" cy="2387600"/>
-          </a:xfrm>
-        </p:spPr>
+            <p:ph type="title"/>
+          </p:nvPr>
+        </p:nvSpPr>
+        <p:spPr/>
+        <p:txBody>
+          <a:bodyPr/>
+          <a:lstStyle/>
+          <a:p>
+            <a:r>
+              <a:rPr kumimoji="1" lang="ja-JP" altLang="en-US" dirty="0"/>
+              <a:t>研究背景</a:t>
+            </a:r>
+          </a:p>
+        </p:txBody>
+      </p:sp>
+      <p:sp>
+        <p:nvSpPr>
+          <p:cNvPr id="3" name="コンテンツ プレースホルダー 2"/>
+          <p:cNvSpPr>
+            <a:spLocks noGrp="1"/>
+          </p:cNvSpPr>
+          <p:nvPr>
+            <p:ph idx="1"/>
+          </p:nvPr>
+        </p:nvSpPr>
+        <p:spPr/>
         <p:txBody>
           <a:bodyPr>
-            <a:normAutofit fontScale="90000"/>
+            <a:normAutofit/>
           </a:bodyPr>
           <a:lstStyle/>
           <a:p>
             <a:r>
-              <a:rPr lang="ja-JP" altLang="en-US" dirty="0"/>
-              <a:t>画像検索のための画像特徴ベクトルの次元数に着目した認識精度と計算コストの関係性の調査</a:t>
-            </a:r>
+              <a:rPr lang="en-US" altLang="ja-JP" dirty="0" smtClean="0"/>
+              <a:t>Twitter </a:t>
+            </a:r>
+            <a:r>
+              <a:rPr lang="ja-JP" altLang="ja-JP" dirty="0"/>
+              <a:t>や </a:t>
+            </a:r>
+            <a:r>
+              <a:rPr lang="en-US" altLang="ja-JP" dirty="0"/>
+              <a:t>Instagram</a:t>
+            </a:r>
+            <a:r>
+              <a:rPr lang="ja-JP" altLang="ja-JP" dirty="0"/>
+              <a:t>などのソーシャルネットワーキングサービスの普及に</a:t>
+            </a:r>
+            <a:r>
+              <a:rPr lang="ja-JP" altLang="ja-JP" dirty="0" smtClean="0"/>
+              <a:t>伴い</a:t>
+            </a:r>
+            <a:r>
+              <a:rPr lang="en-US" altLang="ja-JP" dirty="0"/>
+              <a:t>,</a:t>
+            </a:r>
+            <a:r>
+              <a:rPr lang="ja-JP" altLang="en-US" dirty="0" smtClean="0"/>
+              <a:t>ユーザが目的の画像にアクセスする手段として</a:t>
+            </a:r>
+            <a:r>
+              <a:rPr lang="en-US" altLang="ja-JP" dirty="0" smtClean="0"/>
+              <a:t>,</a:t>
+            </a:r>
+            <a:r>
+              <a:rPr lang="ja-JP" altLang="en-US" dirty="0" smtClean="0"/>
+              <a:t>画像検索機能の重要性が増している</a:t>
+            </a:r>
+            <a:r>
+              <a:rPr lang="en-US" altLang="ja-JP" dirty="0" smtClean="0"/>
+              <a:t>.</a:t>
+            </a:r>
+            <a:endParaRPr lang="en-US" altLang="ja-JP" dirty="0" smtClean="0">
+              <a:solidFill>
+                <a:srgbClr val="FF0000"/>
+              </a:solidFill>
+            </a:endParaRPr>
+          </a:p>
+          <a:p>
+            <a:endParaRPr lang="en-US" altLang="ja-JP" dirty="0" smtClean="0"/>
+          </a:p>
+          <a:p>
+            <a:r>
+              <a:rPr lang="ja-JP" altLang="en-US" dirty="0" smtClean="0"/>
+              <a:t>画像認識の性能向上のため</a:t>
+            </a:r>
+            <a:r>
+              <a:rPr lang="en-US" altLang="ja-JP" dirty="0" smtClean="0"/>
+              <a:t>,</a:t>
+            </a:r>
+            <a:r>
+              <a:rPr lang="ja-JP" altLang="en-US" dirty="0" smtClean="0"/>
+              <a:t>多くの研究が推進されている</a:t>
+            </a:r>
+            <a:r>
+              <a:rPr lang="en-US" altLang="ja-JP" dirty="0" smtClean="0"/>
+              <a:t>.</a:t>
+            </a:r>
+          </a:p>
+          <a:p>
             <a:endParaRPr kumimoji="1" lang="ja-JP" altLang="en-US" dirty="0"/>
           </a:p>
         </p:txBody>
       </p:sp>
       <p:sp>
         <p:nvSpPr>
-          <p:cNvPr id="3" name="サブタイトル 2"/>
-          <p:cNvSpPr>
-            <a:spLocks noGrp="1"/>
-          </p:cNvSpPr>
-          <p:nvPr>
-            <p:ph type="subTitle" idx="1"/>
-          </p:nvPr>
-        </p:nvSpPr>
-        <p:spPr>
-          <a:xfrm>
-            <a:off x="1143000" y="4299869"/>
-            <a:ext cx="6858000" cy="1655762"/>
-          </a:xfrm>
-        </p:spPr>
-        <p:txBody>
-          <a:bodyPr/>
-          <a:lstStyle/>
-          <a:p>
-            <a:r>
-              <a:rPr kumimoji="1" lang="ja-JP" altLang="en-US" dirty="0"/>
-              <a:t>学籍番号</a:t>
-            </a:r>
-            <a:r>
-              <a:rPr kumimoji="1" lang="ja-JP" altLang="en-US" dirty="0" smtClean="0"/>
-              <a:t>：</a:t>
-            </a:r>
-            <a:r>
-              <a:rPr kumimoji="1" lang="en-US" altLang="ja-JP" dirty="0" smtClean="0"/>
-              <a:t>1821005</a:t>
-            </a:r>
-            <a:r>
-              <a:rPr kumimoji="1" lang="en-US" altLang="ja-JP" dirty="0"/>
-              <a:t>	</a:t>
-            </a:r>
-            <a:r>
-              <a:rPr kumimoji="1" lang="ja-JP" altLang="en-US" dirty="0"/>
-              <a:t>氏名</a:t>
-            </a:r>
-            <a:r>
-              <a:rPr kumimoji="1" lang="ja-JP" altLang="en-US" dirty="0" smtClean="0"/>
-              <a:t>：吉岡拓郎</a:t>
-            </a:r>
-            <a:endParaRPr kumimoji="1" lang="en-US" altLang="ja-JP" dirty="0"/>
-          </a:p>
-          <a:p>
-            <a:r>
-              <a:rPr lang="ja-JP" altLang="en-US" dirty="0"/>
-              <a:t>指導教員</a:t>
-            </a:r>
-            <a:r>
-              <a:rPr lang="ja-JP" altLang="en-US" dirty="0" smtClean="0"/>
-              <a:t>：鷹野孝典</a:t>
-            </a:r>
-            <a:endParaRPr kumimoji="1" lang="ja-JP" altLang="en-US" dirty="0"/>
-          </a:p>
-        </p:txBody>
-      </p:sp>
-      <p:sp>
-        <p:nvSpPr>
-          <p:cNvPr id="5" name="スライド番号プレースホルダー 4"/>
+          <p:cNvPr id="4" name="スライド番号プレースホルダー 3"/>
           <p:cNvSpPr>
             <a:spLocks noGrp="1"/>
           </p:cNvSpPr>
@@ -9201,14 +9223,14 @@
       </p:sp>
       <p:sp>
         <p:nvSpPr>
-          <p:cNvPr id="4" name="テキスト ボックス 3"/>
+          <p:cNvPr id="5" name="テキスト ボックス 4"/>
           <p:cNvSpPr txBox="1"/>
           <p:nvPr/>
         </p:nvSpPr>
         <p:spPr>
           <a:xfrm>
-            <a:off x="5852705" y="730206"/>
-            <a:ext cx="3033203" cy="300082"/>
+            <a:off x="4204253" y="12244"/>
+            <a:ext cx="4134678" cy="1754326"/>
           </a:xfrm>
           <a:prstGeom prst="rect">
             <a:avLst/>
@@ -9216,47 +9238,58 @@
           <a:noFill/>
         </p:spPr>
         <p:txBody>
-          <a:bodyPr wrap="none" rtlCol="0">
+          <a:bodyPr wrap="square" rtlCol="0">
             <a:spAutoFit/>
           </a:bodyPr>
           <a:lstStyle/>
           <a:p>
-            <a:r>
-              <a:rPr lang="ja-JP" altLang="en-US" sz="1350" dirty="0"/>
-              <a:t>情報工学科 中間発表　</a:t>
-            </a:r>
-            <a:r>
-              <a:rPr lang="en-US" altLang="ja-JP" sz="1350" dirty="0" smtClean="0"/>
-              <a:t>2021</a:t>
-            </a:r>
-            <a:r>
-              <a:rPr lang="ja-JP" altLang="en-US" sz="1350" dirty="0" smtClean="0"/>
-              <a:t>年</a:t>
-            </a:r>
-            <a:r>
-              <a:rPr lang="en-US" altLang="ja-JP" sz="1350" dirty="0"/>
-              <a:t>7</a:t>
-            </a:r>
-            <a:r>
-              <a:rPr lang="ja-JP" altLang="en-US" sz="1350" dirty="0" smtClean="0"/>
-              <a:t>月</a:t>
-            </a:r>
-            <a:r>
-              <a:rPr lang="en-US" altLang="ja-JP" sz="1350" dirty="0" smtClean="0"/>
-              <a:t>28</a:t>
-            </a:r>
-            <a:r>
-              <a:rPr lang="ja-JP" altLang="en-US" sz="1350" dirty="0" smtClean="0"/>
-              <a:t>日</a:t>
-            </a:r>
-            <a:endParaRPr lang="ja-JP" altLang="en-US" sz="1350" dirty="0"/>
+            <a:pPr algn="ctr"/>
+            <a:r>
+              <a:rPr lang="ja-JP" altLang="en-US" dirty="0"/>
+              <a:t>画像検索のための画像特徴ベクトルの次元数に着目した認識精度と計算コストの関係性の</a:t>
+            </a:r>
+            <a:r>
+              <a:rPr lang="ja-JP" altLang="en-US" dirty="0" smtClean="0"/>
+              <a:t>調査</a:t>
+            </a:r>
+            <a:endParaRPr lang="en-US" altLang="ja-JP" dirty="0" smtClean="0"/>
+          </a:p>
+          <a:p>
+            <a:pPr algn="ctr"/>
+            <a:r>
+              <a:rPr lang="ja-JP" altLang="en-US" dirty="0"/>
+              <a:t>学籍番号：</a:t>
+            </a:r>
+            <a:r>
+              <a:rPr lang="en-US" altLang="ja-JP" dirty="0" smtClean="0"/>
+              <a:t>1821005</a:t>
+            </a:r>
+            <a:r>
+              <a:rPr lang="ja-JP" altLang="en-US" dirty="0" smtClean="0"/>
+              <a:t>　氏名</a:t>
+            </a:r>
+            <a:r>
+              <a:rPr lang="ja-JP" altLang="en-US" dirty="0"/>
+              <a:t>：吉岡拓郎</a:t>
+            </a:r>
+            <a:endParaRPr lang="en-US" altLang="ja-JP" dirty="0"/>
+          </a:p>
+          <a:p>
+            <a:pPr algn="ctr"/>
+            <a:r>
+              <a:rPr lang="ja-JP" altLang="en-US" dirty="0"/>
+              <a:t>指導教員：鷹野孝典</a:t>
+            </a:r>
+          </a:p>
+          <a:p>
+            <a:endParaRPr kumimoji="1" lang="ja-JP" altLang="en-US" dirty="0"/>
           </a:p>
         </p:txBody>
       </p:sp>
     </p:spTree>
     <p:extLst>
       <p:ext uri="{BB962C8B-B14F-4D97-AF65-F5344CB8AC3E}">
-        <p14:creationId xmlns:p14="http://schemas.microsoft.com/office/powerpoint/2010/main" val="4177902719"/>
+        <p14:creationId xmlns:p14="http://schemas.microsoft.com/office/powerpoint/2010/main" val="2751752632"/>
       </p:ext>
     </p:extLst>
   </p:cSld>
@@ -9306,6 +9339,2174 @@
           <a:lstStyle/>
           <a:p>
             <a:r>
+              <a:rPr kumimoji="1" lang="ja-JP" altLang="en-US" dirty="0" smtClean="0"/>
+              <a:t>次元数と計算コスト</a:t>
+            </a:r>
+            <a:endParaRPr kumimoji="1" lang="ja-JP" altLang="en-US" dirty="0"/>
+          </a:p>
+        </p:txBody>
+      </p:sp>
+      <p:sp>
+        <p:nvSpPr>
+          <p:cNvPr id="3" name="コンテンツ プレースホルダー 2"/>
+          <p:cNvSpPr>
+            <a:spLocks noGrp="1"/>
+          </p:cNvSpPr>
+          <p:nvPr>
+            <p:ph idx="1"/>
+          </p:nvPr>
+        </p:nvSpPr>
+        <p:spPr>
+          <a:xfrm>
+            <a:off x="628650" y="1825624"/>
+            <a:ext cx="7886700" cy="5032375"/>
+          </a:xfrm>
+        </p:spPr>
+        <p:txBody>
+          <a:bodyPr>
+            <a:normAutofit lnSpcReduction="10000"/>
+          </a:bodyPr>
+          <a:lstStyle/>
+          <a:p>
+            <a:r>
+              <a:rPr kumimoji="1" lang="ja-JP" altLang="en-US" dirty="0" smtClean="0"/>
+              <a:t>大量のデータを分析する際、大きな次元のデータを処理することがあるが、次元数が大きくなると「</a:t>
+            </a:r>
+            <a:r>
+              <a:rPr kumimoji="1" lang="ja-JP" altLang="en-US" b="1" dirty="0" smtClean="0"/>
+              <a:t>次元の呪い</a:t>
+            </a:r>
+            <a:r>
+              <a:rPr kumimoji="1" lang="ja-JP" altLang="en-US" dirty="0" smtClean="0"/>
+              <a:t>」と呼ばれる問題が発生する。</a:t>
+            </a:r>
+            <a:endParaRPr lang="en-US" altLang="ja-JP" dirty="0"/>
+          </a:p>
+          <a:p>
+            <a:pPr lvl="1"/>
+            <a:r>
+              <a:rPr lang="ja-JP" altLang="ja-JP" dirty="0"/>
+              <a:t>データの次元数が大きくなり過ぎると、そのデータで表現できる組み合わせが飛躍的に多くなってしまい、その結果、手元にある有限なサンプルデータでは十分な学習結果が得られなく</a:t>
+            </a:r>
+            <a:r>
+              <a:rPr lang="ja-JP" altLang="ja-JP" dirty="0" smtClean="0"/>
+              <a:t>なる</a:t>
+            </a:r>
+            <a:r>
+              <a:rPr lang="ja-JP" altLang="en-US" dirty="0" smtClean="0"/>
+              <a:t>。</a:t>
+            </a:r>
+            <a:r>
+              <a:rPr lang="ja-JP" altLang="en-US" dirty="0"/>
+              <a:t>計算コストが莫大となるだけでなく、十分な学習結果が得られず、未知のデータに適切に対応出来なくなる等の不具合</a:t>
+            </a:r>
+            <a:r>
+              <a:rPr lang="ja-JP" altLang="en-US" dirty="0" smtClean="0"/>
+              <a:t>が発生。</a:t>
+            </a:r>
+            <a:endParaRPr lang="en-US" altLang="ja-JP" dirty="0" smtClean="0"/>
+          </a:p>
+          <a:p>
+            <a:r>
+              <a:rPr lang="ja-JP" altLang="en-US" dirty="0"/>
+              <a:t>回避</a:t>
+            </a:r>
+            <a:r>
+              <a:rPr lang="ja-JP" altLang="en-US" dirty="0" smtClean="0"/>
+              <a:t>策</a:t>
+            </a:r>
+            <a:endParaRPr lang="en-US" altLang="ja-JP" dirty="0" smtClean="0"/>
+          </a:p>
+          <a:p>
+            <a:pPr lvl="1"/>
+            <a:r>
+              <a:rPr lang="ja-JP" altLang="en-US" dirty="0"/>
+              <a:t>特徴量の中</a:t>
+            </a:r>
+            <a:r>
+              <a:rPr lang="ja-JP" altLang="en-US" dirty="0" smtClean="0"/>
+              <a:t>から必要なものを選び出す特徴選択</a:t>
+            </a:r>
+            <a:endParaRPr lang="en-US" altLang="ja-JP" dirty="0" smtClean="0"/>
+          </a:p>
+          <a:p>
+            <a:pPr lvl="1"/>
+            <a:r>
+              <a:rPr lang="ja-JP" altLang="en-US" dirty="0"/>
+              <a:t>本来</a:t>
+            </a:r>
+            <a:r>
+              <a:rPr lang="ja-JP" altLang="en-US" dirty="0" smtClean="0"/>
+              <a:t>の情報が維持したまま低次元のデータに変換する次元削除</a:t>
+            </a:r>
+            <a:endParaRPr lang="ja-JP" altLang="ja-JP" dirty="0"/>
+          </a:p>
+          <a:p>
+            <a:endParaRPr kumimoji="1" lang="ja-JP" altLang="en-US" dirty="0"/>
+          </a:p>
+        </p:txBody>
+      </p:sp>
+      <p:sp>
+        <p:nvSpPr>
+          <p:cNvPr id="4" name="スライド番号プレースホルダー 3"/>
+          <p:cNvSpPr>
+            <a:spLocks noGrp="1"/>
+          </p:cNvSpPr>
+          <p:nvPr>
+            <p:ph type="sldNum" sz="quarter" idx="12"/>
+          </p:nvPr>
+        </p:nvSpPr>
+        <p:spPr/>
+        <p:txBody>
+          <a:bodyPr/>
+          <a:lstStyle/>
+          <a:p>
+            <a:pPr marL="0" marR="0" lvl="0" indent="0" algn="r" defTabSz="914400" rtl="0" eaLnBrk="1" fontAlgn="auto" latinLnBrk="0" hangingPunct="1">
+              <a:lnSpc>
+                <a:spcPct val="100000"/>
+              </a:lnSpc>
+              <a:spcBef>
+                <a:spcPts val="0"/>
+              </a:spcBef>
+              <a:spcAft>
+                <a:spcPts val="0"/>
+              </a:spcAft>
+              <a:buClrTx/>
+              <a:buSzTx/>
+              <a:buFontTx/>
+              <a:buNone/>
+              <a:tabLst/>
+              <a:defRPr/>
+            </a:pPr>
+            <a:fld id="{BCFEE6ED-AA2C-49EB-A172-8063C2D7D298}" type="slidenum">
+              <a:rPr kumimoji="1" lang="ja-JP" altLang="en-US" sz="1200" b="0" i="0" u="none" strike="noStrike" kern="1200" cap="none" spc="0" normalizeH="0" baseline="0" noProof="0" smtClean="0">
+                <a:ln>
+                  <a:noFill/>
+                </a:ln>
+                <a:solidFill>
+                  <a:prstClr val="black">
+                    <a:tint val="75000"/>
+                  </a:prstClr>
+                </a:solidFill>
+                <a:effectLst/>
+                <a:uLnTx/>
+                <a:uFillTx/>
+                <a:latin typeface="Calibri" panose="020F0502020204030204"/>
+                <a:ea typeface="游ゴシック" panose="020B0400000000000000" pitchFamily="50" charset="-128"/>
+                <a:cs typeface="+mn-cs"/>
+              </a:rPr>
+              <a:pPr marL="0" marR="0" lvl="0" indent="0" algn="r" defTabSz="914400" rtl="0" eaLnBrk="1" fontAlgn="auto" latinLnBrk="0" hangingPunct="1">
+                <a:lnSpc>
+                  <a:spcPct val="100000"/>
+                </a:lnSpc>
+                <a:spcBef>
+                  <a:spcPts val="0"/>
+                </a:spcBef>
+                <a:spcAft>
+                  <a:spcPts val="0"/>
+                </a:spcAft>
+                <a:buClrTx/>
+                <a:buSzTx/>
+                <a:buFontTx/>
+                <a:buNone/>
+                <a:tabLst/>
+                <a:defRPr/>
+              </a:pPr>
+              <a:t>10</a:t>
+            </a:fld>
+            <a:endParaRPr kumimoji="1" lang="ja-JP" altLang="en-US" sz="1200" b="0" i="0" u="none" strike="noStrike" kern="1200" cap="none" spc="0" normalizeH="0" baseline="0" noProof="0">
+              <a:ln>
+                <a:noFill/>
+              </a:ln>
+              <a:solidFill>
+                <a:prstClr val="black">
+                  <a:tint val="75000"/>
+                </a:prstClr>
+              </a:solidFill>
+              <a:effectLst/>
+              <a:uLnTx/>
+              <a:uFillTx/>
+              <a:latin typeface="Calibri" panose="020F0502020204030204"/>
+              <a:ea typeface="游ゴシック" panose="020B0400000000000000" pitchFamily="50" charset="-128"/>
+              <a:cs typeface="+mn-cs"/>
+            </a:endParaRPr>
+          </a:p>
+        </p:txBody>
+      </p:sp>
+    </p:spTree>
+    <p:extLst>
+      <p:ext uri="{BB962C8B-B14F-4D97-AF65-F5344CB8AC3E}">
+        <p14:creationId xmlns:p14="http://schemas.microsoft.com/office/powerpoint/2010/main" val="242018279"/>
+      </p:ext>
+    </p:extLst>
+  </p:cSld>
+  <p:clrMapOvr>
+    <a:masterClrMapping/>
+  </p:clrMapOvr>
+  <p:timing>
+    <p:tnLst>
+      <p:par>
+        <p:cTn id="1" dur="indefinite" restart="never" nodeType="tmRoot"/>
+      </p:par>
+    </p:tnLst>
+  </p:timing>
+</p:sld>
+</file>
+
+<file path=ppt/slides/slide11.xml><?xml version="1.0" encoding="utf-8"?>
+<p:sld xmlns:a="http://schemas.openxmlformats.org/drawingml/2006/main" xmlns:r="http://schemas.openxmlformats.org/officeDocument/2006/relationships" xmlns:p="http://schemas.openxmlformats.org/presentationml/2006/main">
+  <p:cSld>
+    <p:spTree>
+      <p:nvGrpSpPr>
+        <p:cNvPr id="1" name=""/>
+        <p:cNvGrpSpPr/>
+        <p:nvPr/>
+      </p:nvGrpSpPr>
+      <p:grpSpPr>
+        <a:xfrm>
+          <a:off x="0" y="0"/>
+          <a:ext cx="0" cy="0"/>
+          <a:chOff x="0" y="0"/>
+          <a:chExt cx="0" cy="0"/>
+        </a:xfrm>
+      </p:grpSpPr>
+      <p:sp>
+        <p:nvSpPr>
+          <p:cNvPr id="2" name="タイトル 1"/>
+          <p:cNvSpPr>
+            <a:spLocks noGrp="1"/>
+          </p:cNvSpPr>
+          <p:nvPr>
+            <p:ph type="ctrTitle"/>
+          </p:nvPr>
+        </p:nvSpPr>
+        <p:spPr>
+          <a:xfrm>
+            <a:off x="685800" y="1711909"/>
+            <a:ext cx="7772400" cy="2387600"/>
+          </a:xfrm>
+        </p:spPr>
+        <p:txBody>
+          <a:bodyPr>
+            <a:normAutofit fontScale="90000"/>
+          </a:bodyPr>
+          <a:lstStyle/>
+          <a:p>
+            <a:r>
+              <a:rPr lang="ja-JP" altLang="en-US" dirty="0"/>
+              <a:t>画像検索のための画像特徴ベクトルの次元数に着目した認識精度と計算コストの関係性の調査</a:t>
+            </a:r>
+            <a:endParaRPr kumimoji="1" lang="ja-JP" altLang="en-US" dirty="0"/>
+          </a:p>
+        </p:txBody>
+      </p:sp>
+      <p:sp>
+        <p:nvSpPr>
+          <p:cNvPr id="3" name="サブタイトル 2"/>
+          <p:cNvSpPr>
+            <a:spLocks noGrp="1"/>
+          </p:cNvSpPr>
+          <p:nvPr>
+            <p:ph type="subTitle" idx="1"/>
+          </p:nvPr>
+        </p:nvSpPr>
+        <p:spPr>
+          <a:xfrm>
+            <a:off x="1143000" y="4299869"/>
+            <a:ext cx="6858000" cy="1655762"/>
+          </a:xfrm>
+        </p:spPr>
+        <p:txBody>
+          <a:bodyPr/>
+          <a:lstStyle/>
+          <a:p>
+            <a:r>
+              <a:rPr kumimoji="1" lang="ja-JP" altLang="en-US" dirty="0"/>
+              <a:t>学籍番号</a:t>
+            </a:r>
+            <a:r>
+              <a:rPr kumimoji="1" lang="ja-JP" altLang="en-US" dirty="0" smtClean="0"/>
+              <a:t>：</a:t>
+            </a:r>
+            <a:r>
+              <a:rPr kumimoji="1" lang="en-US" altLang="ja-JP" dirty="0" smtClean="0"/>
+              <a:t>1821005</a:t>
+            </a:r>
+            <a:r>
+              <a:rPr kumimoji="1" lang="en-US" altLang="ja-JP" dirty="0"/>
+              <a:t>	</a:t>
+            </a:r>
+            <a:r>
+              <a:rPr kumimoji="1" lang="ja-JP" altLang="en-US" dirty="0"/>
+              <a:t>氏名</a:t>
+            </a:r>
+            <a:r>
+              <a:rPr kumimoji="1" lang="ja-JP" altLang="en-US" dirty="0" smtClean="0"/>
+              <a:t>：吉岡拓郎</a:t>
+            </a:r>
+            <a:endParaRPr kumimoji="1" lang="en-US" altLang="ja-JP" dirty="0"/>
+          </a:p>
+          <a:p>
+            <a:r>
+              <a:rPr lang="ja-JP" altLang="en-US" dirty="0"/>
+              <a:t>指導教員</a:t>
+            </a:r>
+            <a:r>
+              <a:rPr lang="ja-JP" altLang="en-US" dirty="0" smtClean="0"/>
+              <a:t>：鷹野孝典</a:t>
+            </a:r>
+            <a:endParaRPr kumimoji="1" lang="ja-JP" altLang="en-US" dirty="0"/>
+          </a:p>
+        </p:txBody>
+      </p:sp>
+      <p:sp>
+        <p:nvSpPr>
+          <p:cNvPr id="5" name="スライド番号プレースホルダー 4"/>
+          <p:cNvSpPr>
+            <a:spLocks noGrp="1"/>
+          </p:cNvSpPr>
+          <p:nvPr>
+            <p:ph type="sldNum" sz="quarter" idx="12"/>
+          </p:nvPr>
+        </p:nvSpPr>
+        <p:spPr/>
+        <p:txBody>
+          <a:bodyPr/>
+          <a:lstStyle/>
+          <a:p>
+            <a:fld id="{B4451160-128F-4DAD-AE29-4A8CC0E7B9E9}" type="slidenum">
+              <a:rPr kumimoji="1" lang="ja-JP" altLang="en-US" sz="3200" smtClean="0"/>
+              <a:t>11</a:t>
+            </a:fld>
+            <a:endParaRPr kumimoji="1" lang="ja-JP" altLang="en-US" sz="3200" dirty="0"/>
+          </a:p>
+        </p:txBody>
+      </p:sp>
+      <p:sp>
+        <p:nvSpPr>
+          <p:cNvPr id="4" name="テキスト ボックス 3"/>
+          <p:cNvSpPr txBox="1"/>
+          <p:nvPr/>
+        </p:nvSpPr>
+        <p:spPr>
+          <a:xfrm>
+            <a:off x="5852705" y="730206"/>
+            <a:ext cx="3033203" cy="300082"/>
+          </a:xfrm>
+          <a:prstGeom prst="rect">
+            <a:avLst/>
+          </a:prstGeom>
+          <a:noFill/>
+        </p:spPr>
+        <p:txBody>
+          <a:bodyPr wrap="none" rtlCol="0">
+            <a:spAutoFit/>
+          </a:bodyPr>
+          <a:lstStyle/>
+          <a:p>
+            <a:r>
+              <a:rPr lang="ja-JP" altLang="en-US" sz="1350" dirty="0"/>
+              <a:t>情報工学科 中間発表　</a:t>
+            </a:r>
+            <a:r>
+              <a:rPr lang="en-US" altLang="ja-JP" sz="1350" dirty="0" smtClean="0"/>
+              <a:t>2021</a:t>
+            </a:r>
+            <a:r>
+              <a:rPr lang="ja-JP" altLang="en-US" sz="1350" dirty="0" smtClean="0"/>
+              <a:t>年</a:t>
+            </a:r>
+            <a:r>
+              <a:rPr lang="en-US" altLang="ja-JP" sz="1350" dirty="0"/>
+              <a:t>7</a:t>
+            </a:r>
+            <a:r>
+              <a:rPr lang="ja-JP" altLang="en-US" sz="1350" dirty="0" smtClean="0"/>
+              <a:t>月</a:t>
+            </a:r>
+            <a:r>
+              <a:rPr lang="en-US" altLang="ja-JP" sz="1350" dirty="0" smtClean="0"/>
+              <a:t>28</a:t>
+            </a:r>
+            <a:r>
+              <a:rPr lang="ja-JP" altLang="en-US" sz="1350" dirty="0" smtClean="0"/>
+              <a:t>日</a:t>
+            </a:r>
+            <a:endParaRPr lang="ja-JP" altLang="en-US" sz="1350" dirty="0"/>
+          </a:p>
+        </p:txBody>
+      </p:sp>
+    </p:spTree>
+    <p:extLst>
+      <p:ext uri="{BB962C8B-B14F-4D97-AF65-F5344CB8AC3E}">
+        <p14:creationId xmlns:p14="http://schemas.microsoft.com/office/powerpoint/2010/main" val="4177902719"/>
+      </p:ext>
+    </p:extLst>
+  </p:cSld>
+  <p:clrMapOvr>
+    <a:masterClrMapping/>
+  </p:clrMapOvr>
+  <p:timing>
+    <p:tnLst>
+      <p:par>
+        <p:cTn id="1" dur="indefinite" restart="never" nodeType="tmRoot"/>
+      </p:par>
+    </p:tnLst>
+  </p:timing>
+</p:sld>
+</file>
+
+<file path=ppt/slides/slide2.xml><?xml version="1.0" encoding="utf-8"?>
+<p:sld xmlns:a="http://schemas.openxmlformats.org/drawingml/2006/main" xmlns:r="http://schemas.openxmlformats.org/officeDocument/2006/relationships" xmlns:p="http://schemas.openxmlformats.org/presentationml/2006/main">
+  <p:cSld>
+    <p:spTree>
+      <p:nvGrpSpPr>
+        <p:cNvPr id="1" name=""/>
+        <p:cNvGrpSpPr/>
+        <p:nvPr/>
+      </p:nvGrpSpPr>
+      <p:grpSpPr>
+        <a:xfrm>
+          <a:off x="0" y="0"/>
+          <a:ext cx="0" cy="0"/>
+          <a:chOff x="0" y="0"/>
+          <a:chExt cx="0" cy="0"/>
+        </a:xfrm>
+      </p:grpSpPr>
+      <p:sp>
+        <p:nvSpPr>
+          <p:cNvPr id="2" name="タイトル 1"/>
+          <p:cNvSpPr>
+            <a:spLocks noGrp="1"/>
+          </p:cNvSpPr>
+          <p:nvPr>
+            <p:ph type="title"/>
+          </p:nvPr>
+        </p:nvSpPr>
+        <p:spPr/>
+        <p:txBody>
+          <a:bodyPr/>
+          <a:lstStyle/>
+          <a:p>
+            <a:r>
+              <a:rPr kumimoji="1" lang="ja-JP" altLang="en-US" dirty="0"/>
+              <a:t>研究課題</a:t>
+            </a:r>
+          </a:p>
+        </p:txBody>
+      </p:sp>
+      <p:sp>
+        <p:nvSpPr>
+          <p:cNvPr id="3" name="コンテンツ プレースホルダー 2"/>
+          <p:cNvSpPr>
+            <a:spLocks noGrp="1"/>
+          </p:cNvSpPr>
+          <p:nvPr>
+            <p:ph idx="1"/>
+          </p:nvPr>
+        </p:nvSpPr>
+        <p:spPr/>
+        <p:txBody>
+          <a:bodyPr/>
+          <a:lstStyle/>
+          <a:p>
+            <a:r>
+              <a:rPr lang="ja-JP" altLang="en-US" dirty="0"/>
+              <a:t>画像認識に</a:t>
+            </a:r>
+            <a:r>
+              <a:rPr lang="ja-JP" altLang="en-US" dirty="0" smtClean="0"/>
+              <a:t>おいて</a:t>
+            </a:r>
+            <a:r>
+              <a:rPr lang="en-US" altLang="ja-JP" dirty="0" smtClean="0"/>
+              <a:t>,</a:t>
+            </a:r>
+            <a:r>
+              <a:rPr lang="ja-JP" altLang="en-US" dirty="0" smtClean="0"/>
+              <a:t>特徴量</a:t>
+            </a:r>
+            <a:r>
+              <a:rPr lang="ja-JP" altLang="en-US" dirty="0"/>
+              <a:t>がより高次元になる</a:t>
+            </a:r>
+            <a:r>
+              <a:rPr lang="ja-JP" altLang="en-US" dirty="0" smtClean="0"/>
+              <a:t>ほど</a:t>
+            </a:r>
+            <a:r>
+              <a:rPr lang="en-US" altLang="ja-JP" dirty="0" smtClean="0"/>
+              <a:t>,</a:t>
+            </a:r>
+            <a:r>
+              <a:rPr lang="ja-JP" altLang="en-US" dirty="0" smtClean="0"/>
+              <a:t>認識</a:t>
+            </a:r>
+            <a:r>
+              <a:rPr lang="ja-JP" altLang="en-US" dirty="0"/>
+              <a:t>性能が高く</a:t>
+            </a:r>
+            <a:r>
+              <a:rPr lang="ja-JP" altLang="en-US" dirty="0" smtClean="0"/>
+              <a:t>なる</a:t>
+            </a:r>
+            <a:r>
+              <a:rPr lang="en-US" altLang="ja-JP" dirty="0" smtClean="0"/>
+              <a:t>.</a:t>
+            </a:r>
+            <a:endParaRPr lang="en-US" altLang="ja-JP" dirty="0"/>
+          </a:p>
+          <a:p>
+            <a:r>
+              <a:rPr lang="ja-JP" altLang="en-US" dirty="0" smtClean="0"/>
+              <a:t>しかし</a:t>
+            </a:r>
+            <a:r>
+              <a:rPr lang="en-US" altLang="ja-JP" dirty="0" smtClean="0"/>
+              <a:t>,</a:t>
+            </a:r>
+            <a:r>
+              <a:rPr lang="ja-JP" altLang="en-US" dirty="0" smtClean="0"/>
+              <a:t>特徴量</a:t>
+            </a:r>
+            <a:r>
+              <a:rPr lang="ja-JP" altLang="en-US" dirty="0"/>
+              <a:t>が高次元になると特徴量の算出</a:t>
+            </a:r>
+            <a:r>
+              <a:rPr lang="ja-JP" altLang="en-US" dirty="0" smtClean="0"/>
+              <a:t>コスト</a:t>
+            </a:r>
+            <a:r>
+              <a:rPr lang="en-US" altLang="ja-JP" dirty="0" smtClean="0"/>
+              <a:t>,</a:t>
+            </a:r>
+            <a:r>
+              <a:rPr lang="ja-JP" altLang="en-US" dirty="0" smtClean="0"/>
+              <a:t>認識</a:t>
+            </a:r>
+            <a:r>
+              <a:rPr lang="ja-JP" altLang="en-US" dirty="0"/>
+              <a:t>処理の計算コストが大きく増加して</a:t>
+            </a:r>
+            <a:r>
+              <a:rPr lang="ja-JP" altLang="en-US" dirty="0" smtClean="0"/>
+              <a:t>しまい</a:t>
+            </a:r>
+            <a:r>
+              <a:rPr lang="en-US" altLang="ja-JP" dirty="0" smtClean="0"/>
+              <a:t>,</a:t>
+            </a:r>
+            <a:r>
+              <a:rPr lang="ja-JP" altLang="en-US" dirty="0" smtClean="0"/>
+              <a:t>解析</a:t>
+            </a:r>
+            <a:r>
+              <a:rPr lang="ja-JP" altLang="en-US" dirty="0"/>
+              <a:t>が困難になってしまうといった課題が</a:t>
+            </a:r>
+            <a:r>
+              <a:rPr lang="ja-JP" altLang="en-US" dirty="0" smtClean="0"/>
+              <a:t>ある</a:t>
+            </a:r>
+            <a:r>
+              <a:rPr lang="en-US" altLang="ja-JP" dirty="0" smtClean="0"/>
+              <a:t>.</a:t>
+            </a:r>
+          </a:p>
+          <a:p>
+            <a:pPr marL="0" indent="0">
+              <a:buNone/>
+            </a:pPr>
+            <a:r>
+              <a:rPr lang="ja-JP" altLang="en-US" dirty="0" smtClean="0"/>
+              <a:t>→次元の呪い</a:t>
+            </a:r>
+            <a:endParaRPr lang="en-US" altLang="ja-JP" dirty="0" smtClean="0"/>
+          </a:p>
+          <a:p>
+            <a:r>
+              <a:rPr lang="ja-JP" altLang="en-US" dirty="0" smtClean="0"/>
+              <a:t>また</a:t>
+            </a:r>
+            <a:r>
+              <a:rPr lang="en-US" altLang="ja-JP" dirty="0"/>
+              <a:t>,</a:t>
+            </a:r>
+            <a:r>
+              <a:rPr lang="ja-JP" altLang="en-US" dirty="0" smtClean="0"/>
+              <a:t>低次元だと</a:t>
+            </a:r>
+            <a:r>
+              <a:rPr lang="en-US" altLang="ja-JP" dirty="0"/>
+              <a:t>,</a:t>
+            </a:r>
+            <a:r>
+              <a:rPr lang="ja-JP" altLang="en-US" dirty="0" smtClean="0"/>
+              <a:t>意味情報が損失し</a:t>
+            </a:r>
+            <a:r>
+              <a:rPr lang="en-US" altLang="ja-JP" dirty="0" smtClean="0"/>
+              <a:t>,</a:t>
+            </a:r>
+            <a:r>
+              <a:rPr lang="ja-JP" altLang="en-US" dirty="0" smtClean="0"/>
+              <a:t>認識精度が下がる</a:t>
+            </a:r>
+            <a:r>
+              <a:rPr lang="en-US" altLang="ja-JP" dirty="0" smtClean="0"/>
+              <a:t>.</a:t>
+            </a:r>
+            <a:endParaRPr lang="en-US" altLang="ja-JP" dirty="0"/>
+          </a:p>
+          <a:p>
+            <a:endParaRPr kumimoji="1" lang="ja-JP" altLang="en-US" dirty="0"/>
+          </a:p>
+        </p:txBody>
+      </p:sp>
+      <p:sp>
+        <p:nvSpPr>
+          <p:cNvPr id="4" name="スライド番号プレースホルダー 3"/>
+          <p:cNvSpPr>
+            <a:spLocks noGrp="1"/>
+          </p:cNvSpPr>
+          <p:nvPr>
+            <p:ph type="sldNum" sz="quarter" idx="12"/>
+          </p:nvPr>
+        </p:nvSpPr>
+        <p:spPr/>
+        <p:txBody>
+          <a:bodyPr/>
+          <a:lstStyle/>
+          <a:p>
+            <a:fld id="{B4451160-128F-4DAD-AE29-4A8CC0E7B9E9}" type="slidenum">
+              <a:rPr kumimoji="1" lang="ja-JP" altLang="en-US" sz="3200" smtClean="0"/>
+              <a:t>2</a:t>
+            </a:fld>
+            <a:endParaRPr kumimoji="1" lang="ja-JP" altLang="en-US" sz="3200" dirty="0"/>
+          </a:p>
+        </p:txBody>
+      </p:sp>
+    </p:spTree>
+    <p:extLst>
+      <p:ext uri="{BB962C8B-B14F-4D97-AF65-F5344CB8AC3E}">
+        <p14:creationId xmlns:p14="http://schemas.microsoft.com/office/powerpoint/2010/main" val="1923407823"/>
+      </p:ext>
+    </p:extLst>
+  </p:cSld>
+  <p:clrMapOvr>
+    <a:masterClrMapping/>
+  </p:clrMapOvr>
+  <p:timing>
+    <p:tnLst>
+      <p:par>
+        <p:cTn id="1" dur="indefinite" restart="never" nodeType="tmRoot"/>
+      </p:par>
+    </p:tnLst>
+  </p:timing>
+</p:sld>
+</file>
+
+<file path=ppt/slides/slide3.xml><?xml version="1.0" encoding="utf-8"?>
+<p:sld xmlns:a="http://schemas.openxmlformats.org/drawingml/2006/main" xmlns:r="http://schemas.openxmlformats.org/officeDocument/2006/relationships" xmlns:p="http://schemas.openxmlformats.org/presentationml/2006/main">
+  <p:cSld>
+    <p:spTree>
+      <p:nvGrpSpPr>
+        <p:cNvPr id="1" name=""/>
+        <p:cNvGrpSpPr/>
+        <p:nvPr/>
+      </p:nvGrpSpPr>
+      <p:grpSpPr>
+        <a:xfrm>
+          <a:off x="0" y="0"/>
+          <a:ext cx="0" cy="0"/>
+          <a:chOff x="0" y="0"/>
+          <a:chExt cx="0" cy="0"/>
+        </a:xfrm>
+      </p:grpSpPr>
+      <p:sp>
+        <p:nvSpPr>
+          <p:cNvPr id="2" name="タイトル 1"/>
+          <p:cNvSpPr>
+            <a:spLocks noGrp="1"/>
+          </p:cNvSpPr>
+          <p:nvPr>
+            <p:ph type="title"/>
+          </p:nvPr>
+        </p:nvSpPr>
+        <p:spPr/>
+        <p:txBody>
+          <a:bodyPr/>
+          <a:lstStyle/>
+          <a:p>
+            <a:r>
+              <a:rPr kumimoji="1" lang="ja-JP" altLang="en-US" dirty="0" smtClean="0"/>
+              <a:t>研究動機・目的</a:t>
+            </a:r>
+            <a:endParaRPr kumimoji="1" lang="ja-JP" altLang="en-US" dirty="0"/>
+          </a:p>
+        </p:txBody>
+      </p:sp>
+      <p:sp>
+        <p:nvSpPr>
+          <p:cNvPr id="3" name="コンテンツ プレースホルダー 2"/>
+          <p:cNvSpPr>
+            <a:spLocks noGrp="1"/>
+          </p:cNvSpPr>
+          <p:nvPr>
+            <p:ph idx="1"/>
+          </p:nvPr>
+        </p:nvSpPr>
+        <p:spPr/>
+        <p:txBody>
+          <a:bodyPr>
+            <a:normAutofit fontScale="92500" lnSpcReduction="10000"/>
+          </a:bodyPr>
+          <a:lstStyle/>
+          <a:p>
+            <a:r>
+              <a:rPr lang="ja-JP" altLang="en-US" dirty="0"/>
+              <a:t>画像認識において</a:t>
+            </a:r>
+            <a:r>
+              <a:rPr lang="en-US" altLang="ja-JP" dirty="0"/>
+              <a:t>,</a:t>
+            </a:r>
+            <a:r>
+              <a:rPr lang="ja-JP" altLang="en-US" dirty="0"/>
+              <a:t>高次元の画像データを認識性能を向上させつつも</a:t>
+            </a:r>
+            <a:r>
+              <a:rPr lang="en-US" altLang="ja-JP" dirty="0"/>
+              <a:t>,</a:t>
+            </a:r>
+            <a:r>
+              <a:rPr lang="ja-JP" altLang="en-US" dirty="0"/>
+              <a:t>計算コストを抑えることでより良い画像認識を行う</a:t>
+            </a:r>
+            <a:r>
+              <a:rPr lang="en-US" altLang="ja-JP" dirty="0"/>
+              <a:t>.</a:t>
+            </a:r>
+          </a:p>
+          <a:p>
+            <a:endParaRPr lang="en-US" altLang="ja-JP" dirty="0" smtClean="0"/>
+          </a:p>
+          <a:p>
+            <a:r>
+              <a:rPr lang="ja-JP" altLang="en-US" dirty="0" smtClean="0"/>
+              <a:t>画像</a:t>
+            </a:r>
+            <a:r>
+              <a:rPr lang="ja-JP" altLang="en-US" dirty="0"/>
+              <a:t>認識の性能を向上させるため</a:t>
+            </a:r>
+            <a:r>
+              <a:rPr lang="ja-JP" altLang="en-US" dirty="0" smtClean="0"/>
+              <a:t>に</a:t>
+            </a:r>
+            <a:r>
+              <a:rPr lang="en-US" altLang="ja-JP" dirty="0" smtClean="0"/>
+              <a:t>,</a:t>
+            </a:r>
+            <a:r>
+              <a:rPr lang="ja-JP" altLang="en-US" dirty="0" smtClean="0"/>
+              <a:t>画像</a:t>
+            </a:r>
+            <a:r>
+              <a:rPr lang="ja-JP" altLang="en-US" dirty="0"/>
+              <a:t>認識に有効な特徴量とどれくらいの計算コストで処理できるの</a:t>
+            </a:r>
+            <a:r>
+              <a:rPr lang="ja-JP" altLang="en-US" dirty="0" smtClean="0"/>
+              <a:t>かを計測する</a:t>
+            </a:r>
+            <a:r>
+              <a:rPr lang="en-US" altLang="ja-JP" dirty="0"/>
+              <a:t>.</a:t>
+            </a:r>
+            <a:endParaRPr lang="en-US" altLang="ja-JP" dirty="0" smtClean="0"/>
+          </a:p>
+          <a:p>
+            <a:endParaRPr lang="en-US" altLang="ja-JP" dirty="0" smtClean="0"/>
+          </a:p>
+          <a:p>
+            <a:r>
+              <a:rPr lang="ja-JP" altLang="en-US" dirty="0"/>
+              <a:t>計算コストを抑えた画像認識手法を調査すること</a:t>
+            </a:r>
+            <a:r>
+              <a:rPr lang="ja-JP" altLang="en-US" dirty="0" smtClean="0"/>
+              <a:t>で</a:t>
+            </a:r>
+            <a:r>
+              <a:rPr lang="en-US" altLang="ja-JP" dirty="0" smtClean="0"/>
+              <a:t>,</a:t>
+            </a:r>
+            <a:r>
+              <a:rPr lang="ja-JP" altLang="en-US" dirty="0" smtClean="0"/>
+              <a:t>画像</a:t>
+            </a:r>
+            <a:r>
+              <a:rPr lang="ja-JP" altLang="en-US" dirty="0"/>
+              <a:t>検索システムを成り立たせるうえ</a:t>
+            </a:r>
+            <a:r>
+              <a:rPr lang="ja-JP" altLang="en-US" dirty="0" smtClean="0"/>
+              <a:t>で</a:t>
+            </a:r>
+            <a:r>
+              <a:rPr lang="en-US" altLang="ja-JP" dirty="0" smtClean="0"/>
+              <a:t>,</a:t>
+            </a:r>
+            <a:r>
+              <a:rPr lang="ja-JP" altLang="en-US" dirty="0" smtClean="0"/>
+              <a:t>認識</a:t>
+            </a:r>
+            <a:r>
+              <a:rPr lang="ja-JP" altLang="en-US" dirty="0"/>
+              <a:t>性能が正常に扱える有効な範囲はどこなのかを明確に</a:t>
+            </a:r>
+            <a:r>
+              <a:rPr lang="ja-JP" altLang="en-US" dirty="0" smtClean="0"/>
+              <a:t>する</a:t>
+            </a:r>
+            <a:r>
+              <a:rPr lang="en-US" altLang="ja-JP" dirty="0" smtClean="0"/>
+              <a:t>.</a:t>
+            </a:r>
+            <a:endParaRPr lang="ja-JP" altLang="en-US" dirty="0"/>
+          </a:p>
+          <a:p>
+            <a:endParaRPr kumimoji="1" lang="ja-JP" altLang="en-US" dirty="0"/>
+          </a:p>
+        </p:txBody>
+      </p:sp>
+      <p:sp>
+        <p:nvSpPr>
+          <p:cNvPr id="4" name="スライド番号プレースホルダー 3"/>
+          <p:cNvSpPr>
+            <a:spLocks noGrp="1"/>
+          </p:cNvSpPr>
+          <p:nvPr>
+            <p:ph type="sldNum" sz="quarter" idx="12"/>
+          </p:nvPr>
+        </p:nvSpPr>
+        <p:spPr/>
+        <p:txBody>
+          <a:bodyPr/>
+          <a:lstStyle/>
+          <a:p>
+            <a:fld id="{B4451160-128F-4DAD-AE29-4A8CC0E7B9E9}" type="slidenum">
+              <a:rPr kumimoji="1" lang="ja-JP" altLang="en-US" sz="3200" smtClean="0"/>
+              <a:t>3</a:t>
+            </a:fld>
+            <a:endParaRPr kumimoji="1" lang="ja-JP" altLang="en-US" sz="3200" dirty="0"/>
+          </a:p>
+        </p:txBody>
+      </p:sp>
+    </p:spTree>
+    <p:extLst>
+      <p:ext uri="{BB962C8B-B14F-4D97-AF65-F5344CB8AC3E}">
+        <p14:creationId xmlns:p14="http://schemas.microsoft.com/office/powerpoint/2010/main" val="114472190"/>
+      </p:ext>
+    </p:extLst>
+  </p:cSld>
+  <p:clrMapOvr>
+    <a:masterClrMapping/>
+  </p:clrMapOvr>
+  <p:timing>
+    <p:tnLst>
+      <p:par>
+        <p:cTn id="1" dur="indefinite" restart="never" nodeType="tmRoot"/>
+      </p:par>
+    </p:tnLst>
+  </p:timing>
+</p:sld>
+</file>
+
+<file path=ppt/slides/slide4.xml><?xml version="1.0" encoding="utf-8"?>
+<p:sld xmlns:a="http://schemas.openxmlformats.org/drawingml/2006/main" xmlns:r="http://schemas.openxmlformats.org/officeDocument/2006/relationships" xmlns:p="http://schemas.openxmlformats.org/presentationml/2006/main">
+  <p:cSld>
+    <p:spTree>
+      <p:nvGrpSpPr>
+        <p:cNvPr id="1" name=""/>
+        <p:cNvGrpSpPr/>
+        <p:nvPr/>
+      </p:nvGrpSpPr>
+      <p:grpSpPr>
+        <a:xfrm>
+          <a:off x="0" y="0"/>
+          <a:ext cx="0" cy="0"/>
+          <a:chOff x="0" y="0"/>
+          <a:chExt cx="0" cy="0"/>
+        </a:xfrm>
+      </p:grpSpPr>
+      <p:sp>
+        <p:nvSpPr>
+          <p:cNvPr id="2" name="タイトル 1"/>
+          <p:cNvSpPr>
+            <a:spLocks noGrp="1"/>
+          </p:cNvSpPr>
+          <p:nvPr>
+            <p:ph type="title"/>
+          </p:nvPr>
+        </p:nvSpPr>
+        <p:spPr/>
+        <p:txBody>
+          <a:bodyPr/>
+          <a:lstStyle/>
+          <a:p>
+            <a:r>
+              <a:rPr kumimoji="1" lang="ja-JP" altLang="en-US" dirty="0"/>
+              <a:t>本研究のアプローチ</a:t>
+            </a:r>
+          </a:p>
+        </p:txBody>
+      </p:sp>
+      <p:sp>
+        <p:nvSpPr>
+          <p:cNvPr id="3" name="コンテンツ プレースホルダー 2"/>
+          <p:cNvSpPr>
+            <a:spLocks noGrp="1"/>
+          </p:cNvSpPr>
+          <p:nvPr>
+            <p:ph idx="1"/>
+          </p:nvPr>
+        </p:nvSpPr>
+        <p:spPr/>
+        <p:txBody>
+          <a:bodyPr/>
+          <a:lstStyle/>
+          <a:p>
+            <a:r>
+              <a:rPr lang="ja-JP" altLang="en-US" dirty="0"/>
+              <a:t>画像</a:t>
+            </a:r>
+            <a:r>
+              <a:rPr lang="ja-JP" altLang="en-US" dirty="0" smtClean="0"/>
+              <a:t>認識の認識性能を高く保ちつつも</a:t>
+            </a:r>
+            <a:r>
+              <a:rPr lang="en-US" altLang="ja-JP" dirty="0" smtClean="0"/>
+              <a:t>,</a:t>
+            </a:r>
+            <a:r>
+              <a:rPr lang="ja-JP" altLang="en-US" dirty="0" smtClean="0"/>
+              <a:t>計算コストをできるだけ抑えられる</a:t>
+            </a:r>
+            <a:r>
+              <a:rPr lang="ja-JP" altLang="en-US" dirty="0"/>
+              <a:t>最適</a:t>
+            </a:r>
+            <a:r>
+              <a:rPr lang="ja-JP" altLang="en-US" dirty="0" smtClean="0"/>
+              <a:t>な画像特徴ベクトルの次元数を調査する</a:t>
+            </a:r>
+            <a:r>
+              <a:rPr lang="en-US" altLang="ja-JP" dirty="0" smtClean="0"/>
+              <a:t>.</a:t>
+            </a:r>
+          </a:p>
+          <a:p>
+            <a:endParaRPr kumimoji="1" lang="en-US" altLang="ja-JP" dirty="0"/>
+          </a:p>
+          <a:p>
+            <a:r>
+              <a:rPr lang="ja-JP" altLang="en-US" dirty="0"/>
+              <a:t>画像から</a:t>
+            </a:r>
+            <a:r>
+              <a:rPr lang="ja-JP" altLang="en-US" dirty="0" smtClean="0"/>
+              <a:t>の特徴ベクトルの生成には</a:t>
+            </a:r>
+            <a:r>
+              <a:rPr lang="en-US" altLang="ja-JP" dirty="0" smtClean="0"/>
+              <a:t>,</a:t>
+            </a:r>
+            <a:r>
+              <a:rPr lang="ja-JP" altLang="en-US" dirty="0" smtClean="0"/>
+              <a:t>ディープラーニングを用いる</a:t>
+            </a:r>
+            <a:r>
+              <a:rPr lang="en-US" altLang="ja-JP" dirty="0" smtClean="0"/>
+              <a:t>.</a:t>
+            </a:r>
+            <a:endParaRPr kumimoji="1" lang="ja-JP" altLang="en-US" dirty="0"/>
+          </a:p>
+        </p:txBody>
+      </p:sp>
+      <p:sp>
+        <p:nvSpPr>
+          <p:cNvPr id="4" name="スライド番号プレースホルダー 3"/>
+          <p:cNvSpPr>
+            <a:spLocks noGrp="1"/>
+          </p:cNvSpPr>
+          <p:nvPr>
+            <p:ph type="sldNum" sz="quarter" idx="12"/>
+          </p:nvPr>
+        </p:nvSpPr>
+        <p:spPr/>
+        <p:txBody>
+          <a:bodyPr/>
+          <a:lstStyle/>
+          <a:p>
+            <a:fld id="{B4451160-128F-4DAD-AE29-4A8CC0E7B9E9}" type="slidenum">
+              <a:rPr kumimoji="1" lang="ja-JP" altLang="en-US" sz="3200" smtClean="0"/>
+              <a:t>4</a:t>
+            </a:fld>
+            <a:endParaRPr kumimoji="1" lang="ja-JP" altLang="en-US" sz="3200" dirty="0"/>
+          </a:p>
+        </p:txBody>
+      </p:sp>
+    </p:spTree>
+    <p:extLst>
+      <p:ext uri="{BB962C8B-B14F-4D97-AF65-F5344CB8AC3E}">
+        <p14:creationId xmlns:p14="http://schemas.microsoft.com/office/powerpoint/2010/main" val="4224668961"/>
+      </p:ext>
+    </p:extLst>
+  </p:cSld>
+  <p:clrMapOvr>
+    <a:masterClrMapping/>
+  </p:clrMapOvr>
+  <p:timing>
+    <p:tnLst>
+      <p:par>
+        <p:cTn id="1" dur="indefinite" restart="never" nodeType="tmRoot"/>
+      </p:par>
+    </p:tnLst>
+  </p:timing>
+</p:sld>
+</file>
+
+<file path=ppt/slides/slide5.xml><?xml version="1.0" encoding="utf-8"?>
+<p:sld xmlns:a="http://schemas.openxmlformats.org/drawingml/2006/main" xmlns:r="http://schemas.openxmlformats.org/officeDocument/2006/relationships" xmlns:p="http://schemas.openxmlformats.org/presentationml/2006/main">
+  <p:cSld>
+    <p:spTree>
+      <p:nvGrpSpPr>
+        <p:cNvPr id="1" name=""/>
+        <p:cNvGrpSpPr/>
+        <p:nvPr/>
+      </p:nvGrpSpPr>
+      <p:grpSpPr>
+        <a:xfrm>
+          <a:off x="0" y="0"/>
+          <a:ext cx="0" cy="0"/>
+          <a:chOff x="0" y="0"/>
+          <a:chExt cx="0" cy="0"/>
+        </a:xfrm>
+      </p:grpSpPr>
+      <p:sp>
+        <p:nvSpPr>
+          <p:cNvPr id="2" name="タイトル 1"/>
+          <p:cNvSpPr>
+            <a:spLocks noGrp="1"/>
+          </p:cNvSpPr>
+          <p:nvPr>
+            <p:ph type="title"/>
+          </p:nvPr>
+        </p:nvSpPr>
+        <p:spPr/>
+        <p:txBody>
+          <a:bodyPr/>
+          <a:lstStyle/>
+          <a:p>
+            <a:r>
+              <a:rPr lang="ja-JP" altLang="en-US" dirty="0"/>
+              <a:t>研究の方法</a:t>
+            </a:r>
+            <a:endParaRPr kumimoji="1" lang="ja-JP" altLang="en-US" dirty="0"/>
+          </a:p>
+        </p:txBody>
+      </p:sp>
+      <p:sp>
+        <p:nvSpPr>
+          <p:cNvPr id="3" name="コンテンツ プレースホルダー 2"/>
+          <p:cNvSpPr>
+            <a:spLocks noGrp="1"/>
+          </p:cNvSpPr>
+          <p:nvPr>
+            <p:ph idx="1"/>
+          </p:nvPr>
+        </p:nvSpPr>
+        <p:spPr/>
+        <p:txBody>
+          <a:bodyPr/>
+          <a:lstStyle/>
+          <a:p>
+            <a:r>
+              <a:rPr lang="ja-JP" altLang="en-US" dirty="0"/>
+              <a:t>本研究で</a:t>
+            </a:r>
+            <a:r>
+              <a:rPr lang="ja-JP" altLang="en-US" dirty="0" smtClean="0"/>
+              <a:t>は</a:t>
+            </a:r>
+            <a:r>
+              <a:rPr lang="en-US" altLang="ja-JP" dirty="0" smtClean="0"/>
+              <a:t>,</a:t>
+            </a:r>
+            <a:r>
+              <a:rPr lang="ja-JP" altLang="en-US" dirty="0" smtClean="0"/>
+              <a:t>主に</a:t>
+            </a:r>
+            <a:r>
+              <a:rPr kumimoji="1" lang="en-US" altLang="ja-JP" dirty="0" smtClean="0"/>
+              <a:t>CNN</a:t>
+            </a:r>
+            <a:r>
+              <a:rPr kumimoji="1" lang="ja-JP" altLang="en-US" dirty="0" smtClean="0"/>
+              <a:t>を用いて</a:t>
+            </a:r>
+            <a:r>
+              <a:rPr lang="en-US" altLang="ja-JP" dirty="0"/>
+              <a:t>,</a:t>
+            </a:r>
+            <a:r>
+              <a:rPr lang="ja-JP" altLang="en-US" dirty="0" smtClean="0"/>
+              <a:t>特徴</a:t>
+            </a:r>
+            <a:r>
+              <a:rPr lang="ja-JP" altLang="en-US" dirty="0"/>
+              <a:t>ベクトルの抽出を</a:t>
+            </a:r>
+            <a:r>
+              <a:rPr lang="ja-JP" altLang="en-US" dirty="0" smtClean="0"/>
+              <a:t>行う</a:t>
+            </a:r>
+            <a:r>
+              <a:rPr lang="en-US" altLang="ja-JP" dirty="0"/>
+              <a:t>.</a:t>
+            </a:r>
+          </a:p>
+          <a:p>
+            <a:r>
+              <a:rPr kumimoji="1" lang="ja-JP" altLang="en-US" dirty="0" smtClean="0"/>
+              <a:t>また</a:t>
+            </a:r>
+            <a:r>
+              <a:rPr kumimoji="1" lang="en-US" altLang="ja-JP" dirty="0" smtClean="0"/>
+              <a:t>,</a:t>
+            </a:r>
+            <a:r>
+              <a:rPr kumimoji="1" lang="ja-JP" altLang="en-US" dirty="0" smtClean="0"/>
+              <a:t>認識精度や計算コストを評価するために</a:t>
+            </a:r>
+            <a:r>
+              <a:rPr kumimoji="1" lang="en-US" altLang="ja-JP" dirty="0" smtClean="0"/>
+              <a:t>,SIFT</a:t>
+            </a:r>
+            <a:r>
+              <a:rPr kumimoji="1" lang="ja-JP" altLang="en-US" dirty="0" smtClean="0"/>
+              <a:t>を</a:t>
+            </a:r>
+            <a:r>
+              <a:rPr lang="ja-JP" altLang="en-US" dirty="0"/>
+              <a:t>比較対象と</a:t>
+            </a:r>
+            <a:r>
+              <a:rPr lang="ja-JP" altLang="en-US" dirty="0" smtClean="0"/>
+              <a:t>する</a:t>
+            </a:r>
+            <a:r>
+              <a:rPr lang="en-US" altLang="ja-JP" dirty="0" smtClean="0"/>
+              <a:t>.</a:t>
+            </a:r>
+            <a:endParaRPr lang="en-US" altLang="ja-JP" dirty="0"/>
+          </a:p>
+          <a:p>
+            <a:pPr lvl="2"/>
+            <a:r>
+              <a:rPr lang="en-US" altLang="ja-JP" dirty="0"/>
+              <a:t>CNN</a:t>
+            </a:r>
+          </a:p>
+          <a:p>
+            <a:pPr lvl="3"/>
+            <a:r>
+              <a:rPr lang="en-US" altLang="ja-JP" dirty="0"/>
+              <a:t>CNN</a:t>
+            </a:r>
+            <a:r>
+              <a:rPr lang="ja-JP" altLang="en-US" dirty="0"/>
+              <a:t>を用いた特徴量抽出</a:t>
+            </a:r>
+            <a:endParaRPr lang="en-US" altLang="ja-JP" dirty="0"/>
+          </a:p>
+          <a:p>
+            <a:pPr lvl="2"/>
+            <a:r>
+              <a:rPr lang="en-US" altLang="ja-JP" dirty="0"/>
+              <a:t>SIFT</a:t>
+            </a:r>
+          </a:p>
+          <a:p>
+            <a:pPr lvl="3"/>
+            <a:r>
+              <a:rPr lang="en-US" altLang="ja-JP" dirty="0"/>
+              <a:t>SIFT</a:t>
+            </a:r>
+            <a:r>
+              <a:rPr lang="ja-JP" altLang="en-US" dirty="0"/>
+              <a:t>を用いた特徴量</a:t>
+            </a:r>
+            <a:r>
+              <a:rPr lang="ja-JP" altLang="en-US" dirty="0" smtClean="0"/>
+              <a:t>抽出</a:t>
+            </a:r>
+            <a:endParaRPr lang="en-US" altLang="ja-JP" dirty="0" smtClean="0"/>
+          </a:p>
+          <a:p>
+            <a:r>
+              <a:rPr kumimoji="1" lang="en-US" altLang="ja-JP" dirty="0" smtClean="0"/>
+              <a:t>SIFT</a:t>
+            </a:r>
+            <a:r>
+              <a:rPr kumimoji="1" lang="ja-JP" altLang="en-US" dirty="0" smtClean="0"/>
+              <a:t>を選んだ理由としては</a:t>
+            </a:r>
+            <a:r>
+              <a:rPr kumimoji="1" lang="en-US" altLang="ja-JP" dirty="0" smtClean="0"/>
+              <a:t>,</a:t>
+            </a:r>
+            <a:r>
+              <a:rPr kumimoji="1" lang="ja-JP" altLang="en-US" dirty="0" smtClean="0"/>
+              <a:t>画像認識で特徴量を導出するための代表的なアルゴリズムであるため</a:t>
+            </a:r>
+            <a:r>
+              <a:rPr lang="en-US" altLang="ja-JP" dirty="0"/>
+              <a:t>.</a:t>
+            </a:r>
+            <a:endParaRPr kumimoji="1" lang="ja-JP" altLang="en-US" dirty="0"/>
+          </a:p>
+        </p:txBody>
+      </p:sp>
+      <p:sp>
+        <p:nvSpPr>
+          <p:cNvPr id="4" name="スライド番号プレースホルダー 3"/>
+          <p:cNvSpPr>
+            <a:spLocks noGrp="1"/>
+          </p:cNvSpPr>
+          <p:nvPr>
+            <p:ph type="sldNum" sz="quarter" idx="12"/>
+          </p:nvPr>
+        </p:nvSpPr>
+        <p:spPr/>
+        <p:txBody>
+          <a:bodyPr/>
+          <a:lstStyle/>
+          <a:p>
+            <a:fld id="{B4451160-128F-4DAD-AE29-4A8CC0E7B9E9}" type="slidenum">
+              <a:rPr kumimoji="1" lang="ja-JP" altLang="en-US" sz="3200" smtClean="0"/>
+              <a:t>5</a:t>
+            </a:fld>
+            <a:endParaRPr kumimoji="1" lang="ja-JP" altLang="en-US" sz="3200" dirty="0"/>
+          </a:p>
+        </p:txBody>
+      </p:sp>
+      <p:sp>
+        <p:nvSpPr>
+          <p:cNvPr id="5" name="正方形/長方形 4"/>
+          <p:cNvSpPr/>
+          <p:nvPr/>
+        </p:nvSpPr>
+        <p:spPr>
+          <a:xfrm>
+            <a:off x="4071184" y="269378"/>
+            <a:ext cx="3953879" cy="1421311"/>
+          </a:xfrm>
+          <a:prstGeom prst="rect">
+            <a:avLst/>
+          </a:prstGeom>
+        </p:spPr>
+        <p:style>
+          <a:lnRef idx="2">
+            <a:schemeClr val="accent6"/>
+          </a:lnRef>
+          <a:fillRef idx="1">
+            <a:schemeClr val="lt1"/>
+          </a:fillRef>
+          <a:effectRef idx="0">
+            <a:schemeClr val="accent6"/>
+          </a:effectRef>
+          <a:fontRef idx="minor">
+            <a:schemeClr val="dk1"/>
+          </a:fontRef>
+        </p:style>
+        <p:txBody>
+          <a:bodyPr rtlCol="0" anchor="ctr"/>
+          <a:lstStyle/>
+          <a:p>
+            <a:r>
+              <a:rPr lang="ja-JP" altLang="en-US" dirty="0" smtClean="0"/>
+              <a:t>主</a:t>
+            </a:r>
+            <a:r>
+              <a:rPr lang="ja-JP" altLang="en-US" dirty="0"/>
+              <a:t>に</a:t>
+            </a:r>
+            <a:r>
+              <a:rPr lang="en-US" altLang="ja-JP" dirty="0"/>
+              <a:t>CNN</a:t>
+            </a:r>
+            <a:r>
+              <a:rPr lang="ja-JP" altLang="en-US" dirty="0"/>
+              <a:t>を用いて</a:t>
+            </a:r>
+            <a:r>
+              <a:rPr lang="en-US" altLang="ja-JP" dirty="0"/>
+              <a:t>,</a:t>
+            </a:r>
+            <a:r>
+              <a:rPr lang="ja-JP" altLang="en-US" dirty="0"/>
+              <a:t>特徴ベクトルの抽出を行う</a:t>
+            </a:r>
+            <a:r>
+              <a:rPr lang="en-US" altLang="ja-JP" dirty="0" smtClean="0"/>
+              <a:t>.</a:t>
+            </a:r>
+            <a:r>
+              <a:rPr lang="ja-JP" altLang="en-US" dirty="0" smtClean="0"/>
+              <a:t>また</a:t>
+            </a:r>
+            <a:r>
+              <a:rPr lang="en-US" altLang="ja-JP" dirty="0"/>
+              <a:t>,</a:t>
+            </a:r>
+            <a:r>
+              <a:rPr lang="ja-JP" altLang="en-US" dirty="0"/>
+              <a:t>認識精度や計算コストを評価するために</a:t>
+            </a:r>
+            <a:r>
+              <a:rPr lang="en-US" altLang="ja-JP" dirty="0"/>
+              <a:t>,SIFT</a:t>
+            </a:r>
+            <a:r>
+              <a:rPr lang="ja-JP" altLang="en-US" dirty="0"/>
+              <a:t>を比較対象とする</a:t>
+            </a:r>
+            <a:r>
+              <a:rPr lang="en-US" altLang="ja-JP" dirty="0" smtClean="0"/>
+              <a:t>.</a:t>
+            </a:r>
+            <a:endParaRPr lang="en-US" altLang="ja-JP" dirty="0"/>
+          </a:p>
+        </p:txBody>
+      </p:sp>
+    </p:spTree>
+    <p:extLst>
+      <p:ext uri="{BB962C8B-B14F-4D97-AF65-F5344CB8AC3E}">
+        <p14:creationId xmlns:p14="http://schemas.microsoft.com/office/powerpoint/2010/main" val="1724661356"/>
+      </p:ext>
+    </p:extLst>
+  </p:cSld>
+  <p:clrMapOvr>
+    <a:masterClrMapping/>
+  </p:clrMapOvr>
+  <p:timing>
+    <p:tnLst>
+      <p:par>
+        <p:cTn id="1" dur="indefinite" restart="never" nodeType="tmRoot"/>
+      </p:par>
+    </p:tnLst>
+  </p:timing>
+</p:sld>
+</file>
+
+<file path=ppt/slides/slide6.xml><?xml version="1.0" encoding="utf-8"?>
+<p:sld xmlns:a="http://schemas.openxmlformats.org/drawingml/2006/main" xmlns:r="http://schemas.openxmlformats.org/officeDocument/2006/relationships" xmlns:p="http://schemas.openxmlformats.org/presentationml/2006/main">
+  <p:cSld>
+    <p:spTree>
+      <p:nvGrpSpPr>
+        <p:cNvPr id="1" name=""/>
+        <p:cNvGrpSpPr/>
+        <p:nvPr/>
+      </p:nvGrpSpPr>
+      <p:grpSpPr>
+        <a:xfrm>
+          <a:off x="0" y="0"/>
+          <a:ext cx="0" cy="0"/>
+          <a:chOff x="0" y="0"/>
+          <a:chExt cx="0" cy="0"/>
+        </a:xfrm>
+      </p:grpSpPr>
+      <p:sp>
+        <p:nvSpPr>
+          <p:cNvPr id="2" name="タイトル 1"/>
+          <p:cNvSpPr>
+            <a:spLocks noGrp="1"/>
+          </p:cNvSpPr>
+          <p:nvPr>
+            <p:ph type="title"/>
+          </p:nvPr>
+        </p:nvSpPr>
+        <p:spPr/>
+        <p:txBody>
+          <a:bodyPr/>
+          <a:lstStyle/>
+          <a:p>
+            <a:r>
+              <a:rPr kumimoji="1" lang="ja-JP" altLang="en-US" dirty="0" smtClean="0"/>
+              <a:t>特徴ベクトルの生成</a:t>
+            </a:r>
+            <a:endParaRPr kumimoji="1" lang="ja-JP" altLang="en-US" dirty="0"/>
+          </a:p>
+        </p:txBody>
+      </p:sp>
+      <p:sp>
+        <p:nvSpPr>
+          <p:cNvPr id="3" name="コンテンツ プレースホルダー 2"/>
+          <p:cNvSpPr>
+            <a:spLocks noGrp="1"/>
+          </p:cNvSpPr>
+          <p:nvPr>
+            <p:ph idx="1"/>
+          </p:nvPr>
+        </p:nvSpPr>
+        <p:spPr>
+          <a:xfrm>
+            <a:off x="571500" y="1494140"/>
+            <a:ext cx="7886700" cy="4351338"/>
+          </a:xfrm>
+        </p:spPr>
+        <p:txBody>
+          <a:bodyPr/>
+          <a:lstStyle/>
+          <a:p>
+            <a:r>
+              <a:rPr kumimoji="1" lang="en-US" altLang="ja-JP" dirty="0" smtClean="0"/>
+              <a:t>CNN</a:t>
+            </a:r>
+            <a:endParaRPr lang="en-US" altLang="ja-JP" dirty="0"/>
+          </a:p>
+          <a:p>
+            <a:pPr lvl="1"/>
+            <a:r>
+              <a:rPr lang="ja-JP" altLang="en-US" dirty="0"/>
+              <a:t>識別層</a:t>
+            </a:r>
+            <a:r>
+              <a:rPr lang="ja-JP" altLang="en-US" dirty="0" smtClean="0"/>
+              <a:t>の一つ二つ手前の全結合層を用いる</a:t>
+            </a:r>
+            <a:r>
+              <a:rPr lang="en-US" altLang="ja-JP" dirty="0" smtClean="0"/>
+              <a:t>.</a:t>
+            </a:r>
+            <a:endParaRPr kumimoji="1" lang="en-US" altLang="ja-JP" dirty="0" smtClean="0"/>
+          </a:p>
+          <a:p>
+            <a:endParaRPr lang="en-US" altLang="ja-JP" dirty="0" smtClean="0"/>
+          </a:p>
+          <a:p>
+            <a:pPr marL="0" indent="0">
+              <a:buNone/>
+            </a:pPr>
+            <a:endParaRPr lang="en-US" altLang="ja-JP" dirty="0" smtClean="0"/>
+          </a:p>
+          <a:p>
+            <a:r>
+              <a:rPr kumimoji="1" lang="en-US" altLang="ja-JP" dirty="0" smtClean="0"/>
+              <a:t>SIFT</a:t>
+            </a:r>
+            <a:endParaRPr lang="en-US" altLang="ja-JP" dirty="0"/>
+          </a:p>
+          <a:p>
+            <a:pPr lvl="1"/>
+            <a:r>
+              <a:rPr lang="ja-JP" altLang="en-US" dirty="0" smtClean="0"/>
+              <a:t>キーポイント</a:t>
+            </a:r>
+            <a:r>
+              <a:rPr lang="ja-JP" altLang="en-US" dirty="0"/>
+              <a:t>周辺</a:t>
+            </a:r>
+            <a:r>
+              <a:rPr lang="ja-JP" altLang="en-US" dirty="0" smtClean="0"/>
+              <a:t>の持つ勾配情報を用いる</a:t>
+            </a:r>
+            <a:r>
+              <a:rPr lang="en-US" altLang="ja-JP" dirty="0" smtClean="0"/>
+              <a:t>.</a:t>
+            </a:r>
+            <a:r>
+              <a:rPr lang="ja-JP" altLang="en-US" dirty="0" smtClean="0"/>
+              <a:t>キーポイントを中心として</a:t>
+            </a:r>
+            <a:r>
+              <a:rPr lang="en-US" altLang="ja-JP" dirty="0" smtClean="0"/>
+              <a:t>, </a:t>
+            </a:r>
+            <a:r>
+              <a:rPr lang="ja-JP" altLang="en-US" dirty="0" smtClean="0"/>
+              <a:t>それが</a:t>
+            </a:r>
+            <a:r>
+              <a:rPr lang="ja-JP" altLang="en-US" dirty="0" smtClean="0"/>
+              <a:t>持つスケールを半径として円領域内から求める</a:t>
+            </a:r>
+            <a:r>
+              <a:rPr lang="en-US" altLang="ja-JP" dirty="0" smtClean="0"/>
+              <a:t>.</a:t>
+            </a:r>
+            <a:endParaRPr lang="en-US" altLang="ja-JP" dirty="0"/>
+          </a:p>
+          <a:p>
+            <a:endParaRPr kumimoji="1" lang="ja-JP" altLang="en-US" dirty="0"/>
+          </a:p>
+        </p:txBody>
+      </p:sp>
+      <p:sp>
+        <p:nvSpPr>
+          <p:cNvPr id="4" name="スライド番号プレースホルダー 3"/>
+          <p:cNvSpPr>
+            <a:spLocks noGrp="1"/>
+          </p:cNvSpPr>
+          <p:nvPr>
+            <p:ph type="sldNum" sz="quarter" idx="12"/>
+          </p:nvPr>
+        </p:nvSpPr>
+        <p:spPr/>
+        <p:txBody>
+          <a:bodyPr/>
+          <a:lstStyle/>
+          <a:p>
+            <a:fld id="{B4451160-128F-4DAD-AE29-4A8CC0E7B9E9}" type="slidenum">
+              <a:rPr lang="ja-JP" altLang="en-US" smtClean="0"/>
+              <a:pPr/>
+              <a:t>6</a:t>
+            </a:fld>
+            <a:endParaRPr lang="ja-JP" altLang="en-US" dirty="0"/>
+          </a:p>
+        </p:txBody>
+      </p:sp>
+      <p:pic>
+        <p:nvPicPr>
+          <p:cNvPr id="7" name="図 6"/>
+          <p:cNvPicPr>
+            <a:picLocks noChangeAspect="1"/>
+          </p:cNvPicPr>
+          <p:nvPr/>
+        </p:nvPicPr>
+        <p:blipFill>
+          <a:blip r:embed="rId2"/>
+          <a:stretch>
+            <a:fillRect/>
+          </a:stretch>
+        </p:blipFill>
+        <p:spPr>
+          <a:xfrm>
+            <a:off x="4211054" y="4776755"/>
+            <a:ext cx="3565256" cy="1646414"/>
+          </a:xfrm>
+          <a:prstGeom prst="rect">
+            <a:avLst/>
+          </a:prstGeom>
+        </p:spPr>
+      </p:pic>
+      <p:pic>
+        <p:nvPicPr>
+          <p:cNvPr id="8" name="図 7"/>
+          <p:cNvPicPr>
+            <a:picLocks noChangeAspect="1"/>
+          </p:cNvPicPr>
+          <p:nvPr/>
+        </p:nvPicPr>
+        <p:blipFill>
+          <a:blip r:embed="rId3"/>
+          <a:stretch>
+            <a:fillRect/>
+          </a:stretch>
+        </p:blipFill>
+        <p:spPr>
+          <a:xfrm>
+            <a:off x="1756634" y="2430886"/>
+            <a:ext cx="5586768" cy="1130461"/>
+          </a:xfrm>
+          <a:prstGeom prst="rect">
+            <a:avLst/>
+          </a:prstGeom>
+        </p:spPr>
+      </p:pic>
+    </p:spTree>
+    <p:extLst>
+      <p:ext uri="{BB962C8B-B14F-4D97-AF65-F5344CB8AC3E}">
+        <p14:creationId xmlns:p14="http://schemas.microsoft.com/office/powerpoint/2010/main" val="3404779024"/>
+      </p:ext>
+    </p:extLst>
+  </p:cSld>
+  <p:clrMapOvr>
+    <a:masterClrMapping/>
+  </p:clrMapOvr>
+  <p:timing>
+    <p:tnLst>
+      <p:par>
+        <p:cTn id="1" dur="indefinite" restart="never" nodeType="tmRoot"/>
+      </p:par>
+    </p:tnLst>
+  </p:timing>
+</p:sld>
+</file>
+
+<file path=ppt/slides/slide7.xml><?xml version="1.0" encoding="utf-8"?>
+<p:sld xmlns:a="http://schemas.openxmlformats.org/drawingml/2006/main" xmlns:r="http://schemas.openxmlformats.org/officeDocument/2006/relationships" xmlns:p="http://schemas.openxmlformats.org/presentationml/2006/main">
+  <p:cSld>
+    <p:spTree>
+      <p:nvGrpSpPr>
+        <p:cNvPr id="1" name=""/>
+        <p:cNvGrpSpPr/>
+        <p:nvPr/>
+      </p:nvGrpSpPr>
+      <p:grpSpPr>
+        <a:xfrm>
+          <a:off x="0" y="0"/>
+          <a:ext cx="0" cy="0"/>
+          <a:chOff x="0" y="0"/>
+          <a:chExt cx="0" cy="0"/>
+        </a:xfrm>
+      </p:grpSpPr>
+      <p:sp>
+        <p:nvSpPr>
+          <p:cNvPr id="2" name="タイトル 1"/>
+          <p:cNvSpPr>
+            <a:spLocks noGrp="1"/>
+          </p:cNvSpPr>
+          <p:nvPr>
+            <p:ph type="title"/>
+          </p:nvPr>
+        </p:nvSpPr>
+        <p:spPr/>
+        <p:txBody>
+          <a:bodyPr/>
+          <a:lstStyle/>
+          <a:p>
+            <a:r>
+              <a:rPr kumimoji="1" lang="ja-JP" altLang="en-US" dirty="0"/>
+              <a:t>関連研究</a:t>
+            </a:r>
+          </a:p>
+        </p:txBody>
+      </p:sp>
+      <p:sp>
+        <p:nvSpPr>
+          <p:cNvPr id="3" name="コンテンツ プレースホルダー 2"/>
+          <p:cNvSpPr>
+            <a:spLocks noGrp="1"/>
+          </p:cNvSpPr>
+          <p:nvPr>
+            <p:ph idx="1"/>
+          </p:nvPr>
+        </p:nvSpPr>
+        <p:spPr/>
+        <p:txBody>
+          <a:bodyPr>
+            <a:normAutofit fontScale="92500"/>
+          </a:bodyPr>
+          <a:lstStyle/>
+          <a:p>
+            <a:r>
+              <a:rPr lang="en-US" altLang="ja-JP" sz="1800" dirty="0" smtClean="0"/>
+              <a:t>[</a:t>
+            </a:r>
+            <a:r>
+              <a:rPr lang="ja-JP" altLang="en-US" sz="1800" dirty="0" smtClean="0"/>
+              <a:t>中山</a:t>
+            </a:r>
+            <a:r>
+              <a:rPr lang="en-US" altLang="ja-JP" sz="1800" dirty="0" smtClean="0"/>
+              <a:t>2015]</a:t>
+            </a:r>
+            <a:r>
+              <a:rPr lang="ja-JP" altLang="en-US" sz="1800" dirty="0" smtClean="0"/>
+              <a:t>「</a:t>
+            </a:r>
+            <a:r>
+              <a:rPr lang="ja-JP" altLang="en-US" sz="1800" dirty="0"/>
+              <a:t>深層畳み込みニューラルネットワークによる画像特徴抽出と転移</a:t>
+            </a:r>
+            <a:r>
+              <a:rPr lang="ja-JP" altLang="en-US" sz="1800" dirty="0" smtClean="0"/>
+              <a:t>学習」</a:t>
+            </a:r>
+            <a:endParaRPr lang="en-US" altLang="ja-JP" sz="1800" dirty="0" smtClean="0"/>
+          </a:p>
+          <a:p>
+            <a:pPr marL="0" indent="0">
+              <a:buNone/>
+            </a:pPr>
+            <a:r>
+              <a:rPr lang="ja-JP" altLang="en-US" sz="1800" dirty="0" smtClean="0"/>
+              <a:t>　　中山</a:t>
+            </a:r>
+            <a:r>
+              <a:rPr lang="ja-JP" altLang="en-US" sz="1800" dirty="0" smtClean="0"/>
+              <a:t>秀樹</a:t>
+            </a:r>
+            <a:r>
+              <a:rPr lang="ja-JP" altLang="en-US" sz="1800" dirty="0"/>
+              <a:t>　</a:t>
+            </a:r>
+            <a:r>
+              <a:rPr lang="ja-JP" altLang="en-US" sz="1800" dirty="0" smtClean="0"/>
+              <a:t>東京大学　大学院情報理工学系研究科</a:t>
+            </a:r>
+            <a:endParaRPr lang="en-US" altLang="ja-JP" sz="1800" dirty="0" smtClean="0"/>
+          </a:p>
+          <a:p>
+            <a:pPr marL="0" indent="0">
+              <a:buNone/>
+            </a:pPr>
+            <a:r>
+              <a:rPr lang="ja-JP" altLang="en-US" sz="1800" dirty="0" smtClean="0"/>
+              <a:t>　　</a:t>
+            </a:r>
+            <a:r>
+              <a:rPr lang="en-US" altLang="ja-JP" sz="1800" dirty="0" smtClean="0"/>
+              <a:t>p1-p6</a:t>
+            </a:r>
+            <a:r>
+              <a:rPr lang="ja-JP" altLang="en-US" sz="1800" dirty="0" smtClean="0"/>
+              <a:t>　</a:t>
+            </a:r>
+            <a:r>
+              <a:rPr lang="en-US" altLang="ja-JP" sz="1800" dirty="0" smtClean="0"/>
+              <a:t>2015 - </a:t>
+            </a:r>
+            <a:r>
+              <a:rPr lang="ja-JP" altLang="en-US" sz="1800" dirty="0" smtClean="0"/>
+              <a:t>信学技報</a:t>
+            </a:r>
+            <a:endParaRPr lang="en-US" altLang="ja-JP" sz="1800" dirty="0" smtClean="0"/>
+          </a:p>
+          <a:p>
+            <a:endParaRPr kumimoji="1" lang="en-US" altLang="ja-JP" sz="1800" dirty="0"/>
+          </a:p>
+          <a:p>
+            <a:r>
+              <a:rPr kumimoji="1" lang="en-US" altLang="ja-JP" sz="1800" dirty="0" smtClean="0"/>
+              <a:t>[</a:t>
+            </a:r>
+            <a:r>
+              <a:rPr kumimoji="1" lang="ja-JP" altLang="en-US" sz="1800" dirty="0" smtClean="0"/>
+              <a:t>藤吉</a:t>
+            </a:r>
+            <a:r>
+              <a:rPr kumimoji="1" lang="en-US" altLang="ja-JP" sz="1800" dirty="0" smtClean="0"/>
+              <a:t>2007]</a:t>
+            </a:r>
+            <a:r>
+              <a:rPr kumimoji="1" lang="ja-JP" altLang="en-US" sz="1800" dirty="0" smtClean="0"/>
+              <a:t>「</a:t>
+            </a:r>
+            <a:r>
+              <a:rPr kumimoji="1" lang="en-US" altLang="ja-JP" sz="1800" dirty="0" smtClean="0"/>
+              <a:t>Gradient</a:t>
+            </a:r>
+            <a:r>
+              <a:rPr kumimoji="1" lang="ja-JP" altLang="en-US" sz="1800" dirty="0" smtClean="0"/>
+              <a:t>ベースの特徴抽出　</a:t>
+            </a:r>
+            <a:r>
+              <a:rPr kumimoji="1" lang="en-US" altLang="ja-JP" sz="1800" dirty="0" smtClean="0"/>
+              <a:t>–SIFT</a:t>
+            </a:r>
+            <a:r>
+              <a:rPr kumimoji="1" lang="ja-JP" altLang="en-US" sz="1800" dirty="0" smtClean="0"/>
+              <a:t>と</a:t>
+            </a:r>
+            <a:r>
+              <a:rPr kumimoji="1" lang="en-US" altLang="ja-JP" sz="1800" dirty="0" smtClean="0"/>
+              <a:t>HOG-</a:t>
+            </a:r>
+            <a:r>
+              <a:rPr kumimoji="1" lang="ja-JP" altLang="en-US" sz="1800" dirty="0" smtClean="0"/>
+              <a:t>」</a:t>
+            </a:r>
+            <a:endParaRPr kumimoji="1" lang="en-US" altLang="ja-JP" sz="1800" dirty="0" smtClean="0"/>
+          </a:p>
+          <a:p>
+            <a:pPr marL="0" indent="0">
+              <a:buNone/>
+            </a:pPr>
+            <a:r>
+              <a:rPr kumimoji="1" lang="ja-JP" altLang="en-US" sz="1800" dirty="0" smtClean="0"/>
+              <a:t>　　社団</a:t>
+            </a:r>
+            <a:r>
+              <a:rPr kumimoji="1" lang="ja-JP" altLang="en-US" sz="1800" dirty="0" smtClean="0"/>
+              <a:t>法人　情報処理学会　研究報告　</a:t>
+            </a:r>
+            <a:r>
+              <a:rPr kumimoji="1" lang="en-US" altLang="ja-JP" sz="1800" dirty="0" smtClean="0"/>
+              <a:t>2007/9/4</a:t>
+            </a:r>
+            <a:r>
+              <a:rPr kumimoji="1" lang="ja-JP" altLang="en-US" sz="1800" dirty="0" smtClean="0"/>
+              <a:t>　</a:t>
+            </a:r>
+            <a:r>
+              <a:rPr kumimoji="1" lang="en-US" altLang="ja-JP" sz="1800" dirty="0" smtClean="0"/>
+              <a:t>p1-p14</a:t>
+            </a:r>
+          </a:p>
+          <a:p>
+            <a:pPr marL="0" indent="0">
+              <a:buNone/>
+            </a:pPr>
+            <a:r>
+              <a:rPr lang="ja-JP" altLang="en-US" sz="1800" dirty="0" smtClean="0"/>
+              <a:t>　　藤吉 </a:t>
+            </a:r>
+            <a:r>
+              <a:rPr lang="ja-JP" altLang="en-US" sz="1800" dirty="0"/>
+              <a:t>弘</a:t>
+            </a:r>
+            <a:r>
+              <a:rPr lang="ja-JP" altLang="en-US" sz="1800" dirty="0" smtClean="0"/>
+              <a:t>亘　中部大学工学部情報工学科</a:t>
+            </a:r>
+            <a:endParaRPr lang="en-US" altLang="ja-JP" sz="1800" dirty="0" smtClean="0"/>
+          </a:p>
+          <a:p>
+            <a:endParaRPr kumimoji="1" lang="en-US" altLang="ja-JP" sz="1800" dirty="0"/>
+          </a:p>
+          <a:p>
+            <a:r>
+              <a:rPr lang="en-US" altLang="ja-JP" sz="1800" dirty="0" smtClean="0">
+                <a:latin typeface="NimbusSanL-Bold"/>
+              </a:rPr>
+              <a:t>[Ke2016]</a:t>
+            </a:r>
+            <a:r>
+              <a:rPr lang="ja-JP" altLang="en-US" sz="1800" dirty="0" smtClean="0">
+                <a:latin typeface="NimbusSanL-Bold"/>
+              </a:rPr>
+              <a:t>「</a:t>
+            </a:r>
+            <a:r>
+              <a:rPr lang="en-US" altLang="ja-JP" sz="1800" dirty="0" smtClean="0">
+                <a:latin typeface="NimbusSanL-Bold"/>
+              </a:rPr>
+              <a:t>CNN </a:t>
+            </a:r>
+            <a:r>
+              <a:rPr lang="en-US" altLang="ja-JP" sz="1800" dirty="0">
+                <a:latin typeface="NimbusSanL-Bold"/>
+              </a:rPr>
+              <a:t>vs. SIFT for Image Retrieval: Alternative </a:t>
+            </a:r>
+            <a:r>
+              <a:rPr lang="en-US" altLang="ja-JP" sz="1800" dirty="0" smtClean="0">
+                <a:latin typeface="NimbusSanL-Bold"/>
+              </a:rPr>
+              <a:t>or</a:t>
+            </a:r>
+            <a:r>
+              <a:rPr lang="ja-JP" altLang="en-US" sz="1800" dirty="0">
+                <a:latin typeface="NimbusSanL-Bold"/>
+              </a:rPr>
+              <a:t> </a:t>
+            </a:r>
+            <a:r>
+              <a:rPr lang="en-US" altLang="ja-JP" sz="1800" dirty="0" smtClean="0">
+                <a:latin typeface="NimbusSanL-Bold"/>
+              </a:rPr>
+              <a:t>Complementary?</a:t>
+            </a:r>
+            <a:r>
+              <a:rPr lang="ja-JP" altLang="en-US" sz="1800" dirty="0" smtClean="0">
+                <a:latin typeface="NimbusSanL-Bold"/>
+              </a:rPr>
+              <a:t>」</a:t>
+            </a:r>
+            <a:endParaRPr lang="en-US" altLang="ja-JP" sz="1800" dirty="0" smtClean="0">
+              <a:latin typeface="NimbusSanL-Bold"/>
+            </a:endParaRPr>
+          </a:p>
+          <a:p>
+            <a:pPr marL="0" indent="0">
+              <a:buNone/>
+            </a:pPr>
+            <a:r>
+              <a:rPr kumimoji="1" lang="ja-JP" altLang="en-US" sz="1800" dirty="0" smtClean="0">
+                <a:latin typeface="NimbusSanL-Bold"/>
+              </a:rPr>
+              <a:t>　　</a:t>
+            </a:r>
+            <a:r>
+              <a:rPr kumimoji="1" lang="en-US" altLang="ja-JP" sz="1800" dirty="0" smtClean="0">
+                <a:latin typeface="NimbusSanL-Bold"/>
+              </a:rPr>
+              <a:t>2016/10/01  </a:t>
+            </a:r>
+            <a:r>
+              <a:rPr lang="en-US" altLang="ja-JP" sz="1800" dirty="0">
+                <a:solidFill>
+                  <a:srgbClr val="333333"/>
+                </a:solidFill>
+                <a:latin typeface="Merriweather Sans"/>
+              </a:rPr>
+              <a:t>MM </a:t>
+            </a:r>
+            <a:r>
+              <a:rPr lang="en-US" altLang="ja-JP" sz="1800" dirty="0" smtClean="0">
+                <a:solidFill>
+                  <a:srgbClr val="333333"/>
+                </a:solidFill>
+                <a:latin typeface="Merriweather Sans"/>
+              </a:rPr>
+              <a:t>‘16</a:t>
+            </a:r>
+            <a:r>
+              <a:rPr lang="en-US" altLang="ja-JP" sz="1800" dirty="0">
+                <a:solidFill>
+                  <a:srgbClr val="333333"/>
+                </a:solidFill>
+                <a:latin typeface="Merriweather Sans"/>
+              </a:rPr>
+              <a:t>: Proceedings of the 24th ACM international </a:t>
+            </a:r>
+            <a:r>
+              <a:rPr lang="ja-JP" altLang="en-US" sz="1800" dirty="0" smtClean="0">
+                <a:solidFill>
+                  <a:srgbClr val="333333"/>
+                </a:solidFill>
+                <a:latin typeface="Merriweather Sans"/>
+              </a:rPr>
+              <a:t>　　　　　　</a:t>
+            </a:r>
+            <a:r>
+              <a:rPr lang="en-US" altLang="ja-JP" sz="1800" dirty="0" smtClean="0">
+                <a:solidFill>
+                  <a:srgbClr val="333333"/>
+                </a:solidFill>
+                <a:latin typeface="Merriweather Sans"/>
+              </a:rPr>
+              <a:t>conference </a:t>
+            </a:r>
+            <a:r>
+              <a:rPr lang="en-US" altLang="ja-JP" sz="1800" dirty="0">
+                <a:solidFill>
+                  <a:srgbClr val="333333"/>
+                </a:solidFill>
+                <a:latin typeface="Merriweather Sans"/>
+              </a:rPr>
+              <a:t>on </a:t>
+            </a:r>
+            <a:r>
+              <a:rPr lang="en-US" altLang="ja-JP" sz="1800" dirty="0" smtClean="0">
+                <a:solidFill>
+                  <a:srgbClr val="333333"/>
+                </a:solidFill>
+                <a:latin typeface="Merriweather Sans"/>
+              </a:rPr>
+              <a:t>Multimedia</a:t>
+            </a:r>
+            <a:r>
+              <a:rPr lang="ja-JP" altLang="en-US" sz="1800" dirty="0" smtClean="0">
+                <a:solidFill>
+                  <a:srgbClr val="333333"/>
+                </a:solidFill>
+                <a:latin typeface="Merriweather Sans"/>
+              </a:rPr>
+              <a:t>　</a:t>
+            </a:r>
+            <a:r>
+              <a:rPr lang="en-US" altLang="ja-JP" sz="1800" dirty="0" smtClean="0">
+                <a:solidFill>
+                  <a:srgbClr val="333333"/>
+                </a:solidFill>
+                <a:latin typeface="Merriweather Sans"/>
+              </a:rPr>
+              <a:t>p407-411</a:t>
+            </a:r>
+          </a:p>
+          <a:p>
+            <a:pPr marL="0" indent="0">
+              <a:buNone/>
+            </a:pPr>
+            <a:r>
+              <a:rPr lang="ja-JP" altLang="en-US" sz="1800" dirty="0" smtClean="0">
+                <a:latin typeface="NimbusSanL-Regu"/>
+              </a:rPr>
+              <a:t>　　</a:t>
+            </a:r>
+            <a:r>
+              <a:rPr lang="en-US" altLang="ja-JP" sz="1800" dirty="0" err="1" smtClean="0">
+                <a:latin typeface="NimbusSanL-Regu"/>
+              </a:rPr>
+              <a:t>Ke</a:t>
+            </a:r>
+            <a:r>
+              <a:rPr lang="en-US" altLang="ja-JP" sz="1800" dirty="0" smtClean="0">
+                <a:latin typeface="NimbusSanL-Regu"/>
+              </a:rPr>
+              <a:t> </a:t>
+            </a:r>
+            <a:r>
+              <a:rPr lang="en-US" altLang="ja-JP" sz="1800" dirty="0" smtClean="0">
+                <a:latin typeface="NimbusSanL-Regu"/>
+              </a:rPr>
+              <a:t>Yan, </a:t>
+            </a:r>
+            <a:r>
+              <a:rPr lang="en-US" altLang="ja-JP" sz="1800" dirty="0" err="1">
+                <a:latin typeface="NimbusSanL-Regu"/>
+              </a:rPr>
+              <a:t>Yaowei</a:t>
+            </a:r>
+            <a:r>
+              <a:rPr lang="en-US" altLang="ja-JP" sz="1800" dirty="0">
+                <a:latin typeface="NimbusSanL-Regu"/>
+              </a:rPr>
+              <a:t> Wang</a:t>
+            </a:r>
+            <a:r>
+              <a:rPr lang="en-US" altLang="ja-JP" sz="800" dirty="0" smtClean="0">
+                <a:latin typeface="CMMI6"/>
+              </a:rPr>
+              <a:t>;</a:t>
+            </a:r>
+            <a:r>
+              <a:rPr lang="en-US" altLang="ja-JP" sz="1800" dirty="0" smtClean="0">
+                <a:latin typeface="NimbusSanL-Regu"/>
+              </a:rPr>
+              <a:t>, </a:t>
+            </a:r>
+            <a:r>
+              <a:rPr lang="en-US" altLang="ja-JP" sz="1800" dirty="0" err="1">
+                <a:latin typeface="NimbusSanL-Regu"/>
+              </a:rPr>
+              <a:t>Dawei</a:t>
+            </a:r>
+            <a:r>
+              <a:rPr lang="en-US" altLang="ja-JP" sz="1800" dirty="0">
+                <a:latin typeface="NimbusSanL-Regu"/>
+              </a:rPr>
+              <a:t> </a:t>
+            </a:r>
+            <a:r>
+              <a:rPr lang="en-US" altLang="ja-JP" sz="1800" dirty="0" smtClean="0">
+                <a:latin typeface="NimbusSanL-Regu"/>
+              </a:rPr>
+              <a:t>Liang, </a:t>
+            </a:r>
+            <a:r>
+              <a:rPr lang="en-US" altLang="ja-JP" sz="1800" dirty="0" err="1">
+                <a:latin typeface="NimbusSanL-Regu"/>
+              </a:rPr>
+              <a:t>Tiejun</a:t>
+            </a:r>
+            <a:r>
+              <a:rPr lang="en-US" altLang="ja-JP" sz="1800" dirty="0">
+                <a:latin typeface="NimbusSanL-Regu"/>
+              </a:rPr>
+              <a:t> </a:t>
+            </a:r>
+            <a:r>
+              <a:rPr lang="en-US" altLang="ja-JP" sz="1800" dirty="0" smtClean="0">
+                <a:latin typeface="NimbusSanL-Regu"/>
+              </a:rPr>
+              <a:t>Huang, </a:t>
+            </a:r>
+            <a:r>
+              <a:rPr lang="en-US" altLang="ja-JP" sz="1800" dirty="0" err="1">
+                <a:latin typeface="NimbusSanL-Regu"/>
+              </a:rPr>
+              <a:t>Yonghong</a:t>
+            </a:r>
+            <a:r>
+              <a:rPr lang="en-US" altLang="ja-JP" sz="1800" dirty="0">
+                <a:latin typeface="NimbusSanL-Regu"/>
+              </a:rPr>
+              <a:t> </a:t>
+            </a:r>
+            <a:r>
+              <a:rPr lang="en-US" altLang="ja-JP" sz="1800" dirty="0" smtClean="0">
+                <a:latin typeface="NimbusSanL-Regu"/>
+              </a:rPr>
+              <a:t>Tian</a:t>
+            </a:r>
+            <a:endParaRPr kumimoji="1" lang="ja-JP" altLang="en-US" sz="1800" dirty="0"/>
+          </a:p>
+        </p:txBody>
+      </p:sp>
+      <p:sp>
+        <p:nvSpPr>
+          <p:cNvPr id="4" name="スライド番号プレースホルダー 3"/>
+          <p:cNvSpPr>
+            <a:spLocks noGrp="1"/>
+          </p:cNvSpPr>
+          <p:nvPr>
+            <p:ph type="sldNum" sz="quarter" idx="12"/>
+          </p:nvPr>
+        </p:nvSpPr>
+        <p:spPr/>
+        <p:txBody>
+          <a:bodyPr/>
+          <a:lstStyle/>
+          <a:p>
+            <a:fld id="{B4451160-128F-4DAD-AE29-4A8CC0E7B9E9}" type="slidenum">
+              <a:rPr kumimoji="1" lang="ja-JP" altLang="en-US" sz="3200" smtClean="0"/>
+              <a:t>7</a:t>
+            </a:fld>
+            <a:endParaRPr kumimoji="1" lang="ja-JP" altLang="en-US" sz="3200" dirty="0"/>
+          </a:p>
+        </p:txBody>
+      </p:sp>
+    </p:spTree>
+    <p:extLst>
+      <p:ext uri="{BB962C8B-B14F-4D97-AF65-F5344CB8AC3E}">
+        <p14:creationId xmlns:p14="http://schemas.microsoft.com/office/powerpoint/2010/main" val="3769541672"/>
+      </p:ext>
+    </p:extLst>
+  </p:cSld>
+  <p:clrMapOvr>
+    <a:masterClrMapping/>
+  </p:clrMapOvr>
+  <p:timing>
+    <p:tnLst>
+      <p:par>
+        <p:cTn id="1" dur="indefinite" restart="never" nodeType="tmRoot"/>
+      </p:par>
+    </p:tnLst>
+  </p:timing>
+</p:sld>
+</file>
+
+<file path=ppt/slides/slide8.xml><?xml version="1.0" encoding="utf-8"?>
+<p:sld xmlns:a="http://schemas.openxmlformats.org/drawingml/2006/main" xmlns:r="http://schemas.openxmlformats.org/officeDocument/2006/relationships" xmlns:p="http://schemas.openxmlformats.org/presentationml/2006/main">
+  <p:cSld>
+    <p:spTree>
+      <p:nvGrpSpPr>
+        <p:cNvPr id="1" name=""/>
+        <p:cNvGrpSpPr/>
+        <p:nvPr/>
+      </p:nvGrpSpPr>
+      <p:grpSpPr>
+        <a:xfrm>
+          <a:off x="0" y="0"/>
+          <a:ext cx="0" cy="0"/>
+          <a:chOff x="0" y="0"/>
+          <a:chExt cx="0" cy="0"/>
+        </a:xfrm>
+      </p:grpSpPr>
+      <p:sp>
+        <p:nvSpPr>
+          <p:cNvPr id="2" name="タイトル 1"/>
+          <p:cNvSpPr>
+            <a:spLocks noGrp="1"/>
+          </p:cNvSpPr>
+          <p:nvPr>
+            <p:ph type="title"/>
+          </p:nvPr>
+        </p:nvSpPr>
+        <p:spPr/>
+        <p:txBody>
+          <a:bodyPr/>
+          <a:lstStyle/>
+          <a:p>
+            <a:r>
               <a:rPr kumimoji="1" lang="ja-JP" altLang="en-US" dirty="0"/>
               <a:t>今後のスケジュール</a:t>
             </a:r>
@@ -9368,7 +11569,7 @@
           <a:p>
             <a:fld id="{B4451160-128F-4DAD-AE29-4A8CC0E7B9E9}" type="slidenum">
               <a:rPr kumimoji="1" lang="ja-JP" altLang="en-US" sz="3200" smtClean="0"/>
-              <a:t>10</a:t>
+              <a:t>8</a:t>
             </a:fld>
             <a:endParaRPr kumimoji="1" lang="ja-JP" altLang="en-US" sz="3200" dirty="0"/>
           </a:p>
@@ -9383,7 +11584,7 @@
           <p:nvPr>
             <p:extLst>
               <p:ext uri="{D42A27DB-BD31-4B8C-83A1-F6EECF244321}">
-                <p14:modId xmlns:p14="http://schemas.microsoft.com/office/powerpoint/2010/main" val="3773531722"/>
+                <p14:modId xmlns:p14="http://schemas.microsoft.com/office/powerpoint/2010/main" val="1521734042"/>
               </p:ext>
             </p:extLst>
           </p:nvPr>
@@ -9582,7 +11783,7 @@
                     <a:p>
                       <a:r>
                         <a:rPr kumimoji="1" lang="ja-JP" altLang="en-US" dirty="0" smtClean="0"/>
-                        <a:t>勉強</a:t>
+                        <a:t>調査・勉強</a:t>
                       </a:r>
                       <a:endParaRPr kumimoji="1" lang="ja-JP" altLang="en-US" dirty="0"/>
                     </a:p>
@@ -10178,7 +12379,15 @@
             </a:r>
             <a:r>
               <a:rPr lang="ja-JP" altLang="en-US" dirty="0" smtClean="0"/>
-              <a:t>でキーポイントを出してみました。</a:t>
+              <a:t>でキーポイントを出して</a:t>
+            </a:r>
+            <a:r>
+              <a:rPr lang="ja-JP" altLang="en-US" dirty="0" smtClean="0"/>
+              <a:t>みました</a:t>
+            </a:r>
+            <a:r>
+              <a:rPr lang="en-US" altLang="ja-JP" dirty="0" smtClean="0"/>
+              <a:t>.</a:t>
             </a:r>
             <a:endParaRPr lang="en-US" altLang="ja-JP" dirty="0" smtClean="0"/>
           </a:p>
@@ -10212,15 +12421,27 @@
             </a:r>
             <a:r>
               <a:rPr kumimoji="1" lang="ja-JP" altLang="en-US" dirty="0" smtClean="0"/>
-              <a:t>では、</a:t>
+              <a:t>で</a:t>
+            </a:r>
+            <a:r>
+              <a:rPr kumimoji="1" lang="ja-JP" altLang="en-US" dirty="0" smtClean="0"/>
+              <a:t>は</a:t>
             </a:r>
             <a:r>
               <a:rPr kumimoji="1" lang="en-US" altLang="ja-JP" dirty="0" smtClean="0"/>
-              <a:t>VGG16</a:t>
+              <a:t>, VGG16</a:t>
             </a:r>
             <a:r>
               <a:rPr kumimoji="1" lang="ja-JP" altLang="en-US" dirty="0" smtClean="0"/>
-              <a:t>で中間層を可視化することをしてみました。</a:t>
+              <a:t>で中間層を可視化することをして</a:t>
+            </a:r>
+            <a:r>
+              <a:rPr kumimoji="1" lang="ja-JP" altLang="en-US" dirty="0" smtClean="0"/>
+              <a:t>みました</a:t>
+            </a:r>
+            <a:r>
+              <a:rPr kumimoji="1" lang="en-US" altLang="ja-JP" dirty="0" smtClean="0"/>
+              <a:t>.</a:t>
             </a:r>
             <a:endParaRPr kumimoji="1" lang="ja-JP" altLang="en-US" dirty="0"/>
           </a:p>
@@ -10300,2012 +12521,6 @@
 </p:sld>
 </file>
 
-<file path=ppt/slides/slide11.xml><?xml version="1.0" encoding="utf-8"?>
-<p:sld xmlns:a="http://schemas.openxmlformats.org/drawingml/2006/main" xmlns:r="http://schemas.openxmlformats.org/officeDocument/2006/relationships" xmlns:p="http://schemas.openxmlformats.org/presentationml/2006/main">
-  <p:cSld>
-    <p:spTree>
-      <p:nvGrpSpPr>
-        <p:cNvPr id="1" name=""/>
-        <p:cNvGrpSpPr/>
-        <p:nvPr/>
-      </p:nvGrpSpPr>
-      <p:grpSpPr>
-        <a:xfrm>
-          <a:off x="0" y="0"/>
-          <a:ext cx="0" cy="0"/>
-          <a:chOff x="0" y="0"/>
-          <a:chExt cx="0" cy="0"/>
-        </a:xfrm>
-      </p:grpSpPr>
-      <p:sp>
-        <p:nvSpPr>
-          <p:cNvPr id="2" name="タイトル 1"/>
-          <p:cNvSpPr>
-            <a:spLocks noGrp="1"/>
-          </p:cNvSpPr>
-          <p:nvPr>
-            <p:ph type="title"/>
-          </p:nvPr>
-        </p:nvSpPr>
-        <p:spPr/>
-        <p:txBody>
-          <a:bodyPr/>
-          <a:lstStyle/>
-          <a:p>
-            <a:r>
-              <a:rPr kumimoji="1" lang="ja-JP" altLang="en-US" dirty="0" smtClean="0"/>
-              <a:t>次元数と計算コスト</a:t>
-            </a:r>
-            <a:endParaRPr kumimoji="1" lang="ja-JP" altLang="en-US" dirty="0"/>
-          </a:p>
-        </p:txBody>
-      </p:sp>
-      <p:sp>
-        <p:nvSpPr>
-          <p:cNvPr id="3" name="コンテンツ プレースホルダー 2"/>
-          <p:cNvSpPr>
-            <a:spLocks noGrp="1"/>
-          </p:cNvSpPr>
-          <p:nvPr>
-            <p:ph idx="1"/>
-          </p:nvPr>
-        </p:nvSpPr>
-        <p:spPr>
-          <a:xfrm>
-            <a:off x="628650" y="1825624"/>
-            <a:ext cx="7886700" cy="5032375"/>
-          </a:xfrm>
-        </p:spPr>
-        <p:txBody>
-          <a:bodyPr>
-            <a:normAutofit lnSpcReduction="10000"/>
-          </a:bodyPr>
-          <a:lstStyle/>
-          <a:p>
-            <a:r>
-              <a:rPr kumimoji="1" lang="ja-JP" altLang="en-US" dirty="0" smtClean="0"/>
-              <a:t>大量のデータを分析する際、大きな次元のデータを処理することがあるが、次元数が大きくなると「</a:t>
-            </a:r>
-            <a:r>
-              <a:rPr kumimoji="1" lang="ja-JP" altLang="en-US" b="1" dirty="0" smtClean="0"/>
-              <a:t>次元の呪い</a:t>
-            </a:r>
-            <a:r>
-              <a:rPr kumimoji="1" lang="ja-JP" altLang="en-US" dirty="0" smtClean="0"/>
-              <a:t>」と呼ばれる問題が発生する。</a:t>
-            </a:r>
-            <a:endParaRPr lang="en-US" altLang="ja-JP" dirty="0"/>
-          </a:p>
-          <a:p>
-            <a:pPr lvl="1"/>
-            <a:r>
-              <a:rPr lang="ja-JP" altLang="ja-JP" dirty="0"/>
-              <a:t>データの次元数が大きくなり過ぎると、そのデータで表現できる組み合わせが飛躍的に多くなってしまい、その結果、手元にある有限なサンプルデータでは十分な学習結果が得られなく</a:t>
-            </a:r>
-            <a:r>
-              <a:rPr lang="ja-JP" altLang="ja-JP" dirty="0" smtClean="0"/>
-              <a:t>なる</a:t>
-            </a:r>
-            <a:r>
-              <a:rPr lang="ja-JP" altLang="en-US" dirty="0" smtClean="0"/>
-              <a:t>。</a:t>
-            </a:r>
-            <a:r>
-              <a:rPr lang="ja-JP" altLang="en-US" dirty="0"/>
-              <a:t>計算コストが莫大となるだけでなく、十分な学習結果が得られず、未知のデータに適切に対応出来なくなる等の不具合</a:t>
-            </a:r>
-            <a:r>
-              <a:rPr lang="ja-JP" altLang="en-US" dirty="0" smtClean="0"/>
-              <a:t>が発生。</a:t>
-            </a:r>
-            <a:endParaRPr lang="en-US" altLang="ja-JP" dirty="0" smtClean="0"/>
-          </a:p>
-          <a:p>
-            <a:r>
-              <a:rPr lang="ja-JP" altLang="en-US" dirty="0"/>
-              <a:t>回避</a:t>
-            </a:r>
-            <a:r>
-              <a:rPr lang="ja-JP" altLang="en-US" dirty="0" smtClean="0"/>
-              <a:t>策</a:t>
-            </a:r>
-            <a:endParaRPr lang="en-US" altLang="ja-JP" dirty="0" smtClean="0"/>
-          </a:p>
-          <a:p>
-            <a:pPr lvl="1"/>
-            <a:r>
-              <a:rPr lang="ja-JP" altLang="en-US" dirty="0"/>
-              <a:t>特徴量の中</a:t>
-            </a:r>
-            <a:r>
-              <a:rPr lang="ja-JP" altLang="en-US" dirty="0" smtClean="0"/>
-              <a:t>から必要なものを選び出す特徴選択</a:t>
-            </a:r>
-            <a:endParaRPr lang="en-US" altLang="ja-JP" dirty="0" smtClean="0"/>
-          </a:p>
-          <a:p>
-            <a:pPr lvl="1"/>
-            <a:r>
-              <a:rPr lang="ja-JP" altLang="en-US" dirty="0"/>
-              <a:t>本来</a:t>
-            </a:r>
-            <a:r>
-              <a:rPr lang="ja-JP" altLang="en-US" dirty="0" smtClean="0"/>
-              <a:t>の情報が維持したまま低次元のデータに変換する次元削除</a:t>
-            </a:r>
-            <a:endParaRPr lang="ja-JP" altLang="ja-JP" dirty="0"/>
-          </a:p>
-          <a:p>
-            <a:endParaRPr kumimoji="1" lang="ja-JP" altLang="en-US" dirty="0"/>
-          </a:p>
-        </p:txBody>
-      </p:sp>
-      <p:sp>
-        <p:nvSpPr>
-          <p:cNvPr id="4" name="スライド番号プレースホルダー 3"/>
-          <p:cNvSpPr>
-            <a:spLocks noGrp="1"/>
-          </p:cNvSpPr>
-          <p:nvPr>
-            <p:ph type="sldNum" sz="quarter" idx="12"/>
-          </p:nvPr>
-        </p:nvSpPr>
-        <p:spPr/>
-        <p:txBody>
-          <a:bodyPr/>
-          <a:lstStyle/>
-          <a:p>
-            <a:pPr marL="0" marR="0" lvl="0" indent="0" algn="r" defTabSz="914400" rtl="0" eaLnBrk="1" fontAlgn="auto" latinLnBrk="0" hangingPunct="1">
-              <a:lnSpc>
-                <a:spcPct val="100000"/>
-              </a:lnSpc>
-              <a:spcBef>
-                <a:spcPts val="0"/>
-              </a:spcBef>
-              <a:spcAft>
-                <a:spcPts val="0"/>
-              </a:spcAft>
-              <a:buClrTx/>
-              <a:buSzTx/>
-              <a:buFontTx/>
-              <a:buNone/>
-              <a:tabLst/>
-              <a:defRPr/>
-            </a:pPr>
-            <a:fld id="{BCFEE6ED-AA2C-49EB-A172-8063C2D7D298}" type="slidenum">
-              <a:rPr kumimoji="1" lang="ja-JP" altLang="en-US" sz="1200" b="0" i="0" u="none" strike="noStrike" kern="1200" cap="none" spc="0" normalizeH="0" baseline="0" noProof="0" smtClean="0">
-                <a:ln>
-                  <a:noFill/>
-                </a:ln>
-                <a:solidFill>
-                  <a:prstClr val="black">
-                    <a:tint val="75000"/>
-                  </a:prstClr>
-                </a:solidFill>
-                <a:effectLst/>
-                <a:uLnTx/>
-                <a:uFillTx/>
-                <a:latin typeface="Calibri" panose="020F0502020204030204"/>
-                <a:ea typeface="游ゴシック" panose="020B0400000000000000" pitchFamily="50" charset="-128"/>
-                <a:cs typeface="+mn-cs"/>
-              </a:rPr>
-              <a:pPr marL="0" marR="0" lvl="0" indent="0" algn="r" defTabSz="914400" rtl="0" eaLnBrk="1" fontAlgn="auto" latinLnBrk="0" hangingPunct="1">
-                <a:lnSpc>
-                  <a:spcPct val="100000"/>
-                </a:lnSpc>
-                <a:spcBef>
-                  <a:spcPts val="0"/>
-                </a:spcBef>
-                <a:spcAft>
-                  <a:spcPts val="0"/>
-                </a:spcAft>
-                <a:buClrTx/>
-                <a:buSzTx/>
-                <a:buFontTx/>
-                <a:buNone/>
-                <a:tabLst/>
-                <a:defRPr/>
-              </a:pPr>
-              <a:t>11</a:t>
-            </a:fld>
-            <a:endParaRPr kumimoji="1" lang="ja-JP" altLang="en-US" sz="1200" b="0" i="0" u="none" strike="noStrike" kern="1200" cap="none" spc="0" normalizeH="0" baseline="0" noProof="0">
-              <a:ln>
-                <a:noFill/>
-              </a:ln>
-              <a:solidFill>
-                <a:prstClr val="black">
-                  <a:tint val="75000"/>
-                </a:prstClr>
-              </a:solidFill>
-              <a:effectLst/>
-              <a:uLnTx/>
-              <a:uFillTx/>
-              <a:latin typeface="Calibri" panose="020F0502020204030204"/>
-              <a:ea typeface="游ゴシック" panose="020B0400000000000000" pitchFamily="50" charset="-128"/>
-              <a:cs typeface="+mn-cs"/>
-            </a:endParaRPr>
-          </a:p>
-        </p:txBody>
-      </p:sp>
-    </p:spTree>
-    <p:extLst>
-      <p:ext uri="{BB962C8B-B14F-4D97-AF65-F5344CB8AC3E}">
-        <p14:creationId xmlns:p14="http://schemas.microsoft.com/office/powerpoint/2010/main" val="242018279"/>
-      </p:ext>
-    </p:extLst>
-  </p:cSld>
-  <p:clrMapOvr>
-    <a:masterClrMapping/>
-  </p:clrMapOvr>
-  <p:timing>
-    <p:tnLst>
-      <p:par>
-        <p:cTn id="1" dur="indefinite" restart="never" nodeType="tmRoot"/>
-      </p:par>
-    </p:tnLst>
-  </p:timing>
-</p:sld>
-</file>
-
-<file path=ppt/slides/slide2.xml><?xml version="1.0" encoding="utf-8"?>
-<p:sld xmlns:a="http://schemas.openxmlformats.org/drawingml/2006/main" xmlns:r="http://schemas.openxmlformats.org/officeDocument/2006/relationships" xmlns:p="http://schemas.openxmlformats.org/presentationml/2006/main">
-  <p:cSld>
-    <p:spTree>
-      <p:nvGrpSpPr>
-        <p:cNvPr id="1" name=""/>
-        <p:cNvGrpSpPr/>
-        <p:nvPr/>
-      </p:nvGrpSpPr>
-      <p:grpSpPr>
-        <a:xfrm>
-          <a:off x="0" y="0"/>
-          <a:ext cx="0" cy="0"/>
-          <a:chOff x="0" y="0"/>
-          <a:chExt cx="0" cy="0"/>
-        </a:xfrm>
-      </p:grpSpPr>
-      <p:sp>
-        <p:nvSpPr>
-          <p:cNvPr id="2" name="タイトル 1"/>
-          <p:cNvSpPr>
-            <a:spLocks noGrp="1"/>
-          </p:cNvSpPr>
-          <p:nvPr>
-            <p:ph type="title"/>
-          </p:nvPr>
-        </p:nvSpPr>
-        <p:spPr/>
-        <p:txBody>
-          <a:bodyPr/>
-          <a:lstStyle/>
-          <a:p>
-            <a:r>
-              <a:rPr kumimoji="1" lang="ja-JP" altLang="en-US" dirty="0"/>
-              <a:t>研究背景</a:t>
-            </a:r>
-          </a:p>
-        </p:txBody>
-      </p:sp>
-      <p:sp>
-        <p:nvSpPr>
-          <p:cNvPr id="3" name="コンテンツ プレースホルダー 2"/>
-          <p:cNvSpPr>
-            <a:spLocks noGrp="1"/>
-          </p:cNvSpPr>
-          <p:nvPr>
-            <p:ph idx="1"/>
-          </p:nvPr>
-        </p:nvSpPr>
-        <p:spPr/>
-        <p:txBody>
-          <a:bodyPr>
-            <a:normAutofit/>
-          </a:bodyPr>
-          <a:lstStyle/>
-          <a:p>
-            <a:r>
-              <a:rPr lang="en-US" altLang="ja-JP" dirty="0" smtClean="0"/>
-              <a:t>Twitter </a:t>
-            </a:r>
-            <a:r>
-              <a:rPr lang="ja-JP" altLang="ja-JP" dirty="0"/>
-              <a:t>や </a:t>
-            </a:r>
-            <a:r>
-              <a:rPr lang="en-US" altLang="ja-JP" dirty="0"/>
-              <a:t>Instagram</a:t>
-            </a:r>
-            <a:r>
-              <a:rPr lang="ja-JP" altLang="ja-JP" dirty="0"/>
-              <a:t>などのソーシャルネットワーキングサービスの普及に</a:t>
-            </a:r>
-            <a:r>
-              <a:rPr lang="ja-JP" altLang="ja-JP" dirty="0" smtClean="0"/>
-              <a:t>伴い</a:t>
-            </a:r>
-            <a:r>
-              <a:rPr lang="en-US" altLang="ja-JP" dirty="0"/>
-              <a:t>,</a:t>
-            </a:r>
-            <a:r>
-              <a:rPr lang="ja-JP" altLang="en-US" dirty="0" smtClean="0"/>
-              <a:t>ユーザが目的の画像にアクセスする手段として</a:t>
-            </a:r>
-            <a:r>
-              <a:rPr lang="en-US" altLang="ja-JP" dirty="0" smtClean="0"/>
-              <a:t>,</a:t>
-            </a:r>
-            <a:r>
-              <a:rPr lang="ja-JP" altLang="en-US" dirty="0" smtClean="0"/>
-              <a:t>画像検索機能の重要性が増している</a:t>
-            </a:r>
-            <a:r>
-              <a:rPr lang="en-US" altLang="ja-JP" dirty="0" smtClean="0"/>
-              <a:t>.</a:t>
-            </a:r>
-            <a:endParaRPr lang="en-US" altLang="ja-JP" dirty="0" smtClean="0">
-              <a:solidFill>
-                <a:srgbClr val="FF0000"/>
-              </a:solidFill>
-            </a:endParaRPr>
-          </a:p>
-          <a:p>
-            <a:endParaRPr lang="en-US" altLang="ja-JP" dirty="0" smtClean="0"/>
-          </a:p>
-          <a:p>
-            <a:r>
-              <a:rPr lang="ja-JP" altLang="en-US" dirty="0" smtClean="0"/>
-              <a:t>画像認識の性能向上のため</a:t>
-            </a:r>
-            <a:r>
-              <a:rPr lang="en-US" altLang="ja-JP" dirty="0" smtClean="0"/>
-              <a:t>,</a:t>
-            </a:r>
-            <a:r>
-              <a:rPr lang="ja-JP" altLang="en-US" dirty="0" smtClean="0"/>
-              <a:t>多くの研究が推進されている</a:t>
-            </a:r>
-            <a:r>
-              <a:rPr lang="en-US" altLang="ja-JP" dirty="0" smtClean="0"/>
-              <a:t>.</a:t>
-            </a:r>
-          </a:p>
-          <a:p>
-            <a:endParaRPr kumimoji="1" lang="ja-JP" altLang="en-US" dirty="0"/>
-          </a:p>
-        </p:txBody>
-      </p:sp>
-      <p:sp>
-        <p:nvSpPr>
-          <p:cNvPr id="4" name="スライド番号プレースホルダー 3"/>
-          <p:cNvSpPr>
-            <a:spLocks noGrp="1"/>
-          </p:cNvSpPr>
-          <p:nvPr>
-            <p:ph type="sldNum" sz="quarter" idx="12"/>
-          </p:nvPr>
-        </p:nvSpPr>
-        <p:spPr/>
-        <p:txBody>
-          <a:bodyPr/>
-          <a:lstStyle/>
-          <a:p>
-            <a:fld id="{B4451160-128F-4DAD-AE29-4A8CC0E7B9E9}" type="slidenum">
-              <a:rPr kumimoji="1" lang="ja-JP" altLang="en-US" sz="3200" smtClean="0"/>
-              <a:t>2</a:t>
-            </a:fld>
-            <a:endParaRPr kumimoji="1" lang="ja-JP" altLang="en-US" sz="3200" dirty="0"/>
-          </a:p>
-        </p:txBody>
-      </p:sp>
-      <p:sp>
-        <p:nvSpPr>
-          <p:cNvPr id="5" name="テキスト ボックス 4"/>
-          <p:cNvSpPr txBox="1"/>
-          <p:nvPr/>
-        </p:nvSpPr>
-        <p:spPr>
-          <a:xfrm>
-            <a:off x="4204253" y="12244"/>
-            <a:ext cx="4134678" cy="1754326"/>
-          </a:xfrm>
-          <a:prstGeom prst="rect">
-            <a:avLst/>
-          </a:prstGeom>
-          <a:noFill/>
-        </p:spPr>
-        <p:txBody>
-          <a:bodyPr wrap="square" rtlCol="0">
-            <a:spAutoFit/>
-          </a:bodyPr>
-          <a:lstStyle/>
-          <a:p>
-            <a:pPr algn="ctr"/>
-            <a:r>
-              <a:rPr lang="ja-JP" altLang="en-US" dirty="0"/>
-              <a:t>画像検索のための画像特徴ベクトルの次元数に着目した認識精度と計算コストの関係性の</a:t>
-            </a:r>
-            <a:r>
-              <a:rPr lang="ja-JP" altLang="en-US" dirty="0" smtClean="0"/>
-              <a:t>調査</a:t>
-            </a:r>
-            <a:endParaRPr lang="en-US" altLang="ja-JP" dirty="0" smtClean="0"/>
-          </a:p>
-          <a:p>
-            <a:pPr algn="ctr"/>
-            <a:r>
-              <a:rPr lang="ja-JP" altLang="en-US" dirty="0"/>
-              <a:t>学籍番号：</a:t>
-            </a:r>
-            <a:r>
-              <a:rPr lang="en-US" altLang="ja-JP" dirty="0" smtClean="0"/>
-              <a:t>1821005</a:t>
-            </a:r>
-            <a:r>
-              <a:rPr lang="ja-JP" altLang="en-US" dirty="0" smtClean="0"/>
-              <a:t>　氏名</a:t>
-            </a:r>
-            <a:r>
-              <a:rPr lang="ja-JP" altLang="en-US" dirty="0"/>
-              <a:t>：吉岡拓郎</a:t>
-            </a:r>
-            <a:endParaRPr lang="en-US" altLang="ja-JP" dirty="0"/>
-          </a:p>
-          <a:p>
-            <a:pPr algn="ctr"/>
-            <a:r>
-              <a:rPr lang="ja-JP" altLang="en-US" dirty="0"/>
-              <a:t>指導教員：鷹野孝典</a:t>
-            </a:r>
-          </a:p>
-          <a:p>
-            <a:endParaRPr kumimoji="1" lang="ja-JP" altLang="en-US" dirty="0"/>
-          </a:p>
-        </p:txBody>
-      </p:sp>
-    </p:spTree>
-    <p:extLst>
-      <p:ext uri="{BB962C8B-B14F-4D97-AF65-F5344CB8AC3E}">
-        <p14:creationId xmlns:p14="http://schemas.microsoft.com/office/powerpoint/2010/main" val="2751752632"/>
-      </p:ext>
-    </p:extLst>
-  </p:cSld>
-  <p:clrMapOvr>
-    <a:masterClrMapping/>
-  </p:clrMapOvr>
-  <p:timing>
-    <p:tnLst>
-      <p:par>
-        <p:cTn id="1" dur="indefinite" restart="never" nodeType="tmRoot"/>
-      </p:par>
-    </p:tnLst>
-  </p:timing>
-</p:sld>
-</file>
-
-<file path=ppt/slides/slide3.xml><?xml version="1.0" encoding="utf-8"?>
-<p:sld xmlns:a="http://schemas.openxmlformats.org/drawingml/2006/main" xmlns:r="http://schemas.openxmlformats.org/officeDocument/2006/relationships" xmlns:p="http://schemas.openxmlformats.org/presentationml/2006/main">
-  <p:cSld>
-    <p:spTree>
-      <p:nvGrpSpPr>
-        <p:cNvPr id="1" name=""/>
-        <p:cNvGrpSpPr/>
-        <p:nvPr/>
-      </p:nvGrpSpPr>
-      <p:grpSpPr>
-        <a:xfrm>
-          <a:off x="0" y="0"/>
-          <a:ext cx="0" cy="0"/>
-          <a:chOff x="0" y="0"/>
-          <a:chExt cx="0" cy="0"/>
-        </a:xfrm>
-      </p:grpSpPr>
-      <p:sp>
-        <p:nvSpPr>
-          <p:cNvPr id="2" name="タイトル 1"/>
-          <p:cNvSpPr>
-            <a:spLocks noGrp="1"/>
-          </p:cNvSpPr>
-          <p:nvPr>
-            <p:ph type="title"/>
-          </p:nvPr>
-        </p:nvSpPr>
-        <p:spPr/>
-        <p:txBody>
-          <a:bodyPr/>
-          <a:lstStyle/>
-          <a:p>
-            <a:r>
-              <a:rPr kumimoji="1" lang="ja-JP" altLang="en-US" dirty="0"/>
-              <a:t>関連研究</a:t>
-            </a:r>
-          </a:p>
-        </p:txBody>
-      </p:sp>
-      <p:sp>
-        <p:nvSpPr>
-          <p:cNvPr id="3" name="コンテンツ プレースホルダー 2"/>
-          <p:cNvSpPr>
-            <a:spLocks noGrp="1"/>
-          </p:cNvSpPr>
-          <p:nvPr>
-            <p:ph idx="1"/>
-          </p:nvPr>
-        </p:nvSpPr>
-        <p:spPr/>
-        <p:txBody>
-          <a:bodyPr>
-            <a:normAutofit/>
-          </a:bodyPr>
-          <a:lstStyle/>
-          <a:p>
-            <a:r>
-              <a:rPr lang="ja-JP" altLang="en-US" sz="1800" dirty="0"/>
-              <a:t>「深層畳み込みニューラルネットワークによる画像特徴抽出と転移</a:t>
-            </a:r>
-            <a:r>
-              <a:rPr lang="ja-JP" altLang="en-US" sz="1800" dirty="0" smtClean="0"/>
-              <a:t>学習」</a:t>
-            </a:r>
-            <a:endParaRPr lang="en-US" altLang="ja-JP" sz="1800" dirty="0" smtClean="0"/>
-          </a:p>
-          <a:p>
-            <a:pPr marL="0" indent="0">
-              <a:buNone/>
-            </a:pPr>
-            <a:r>
-              <a:rPr lang="ja-JP" altLang="en-US" sz="1800" dirty="0" smtClean="0"/>
-              <a:t>中山秀樹</a:t>
-            </a:r>
-            <a:r>
-              <a:rPr lang="ja-JP" altLang="en-US" sz="1800" dirty="0"/>
-              <a:t>　</a:t>
-            </a:r>
-            <a:r>
-              <a:rPr lang="ja-JP" altLang="en-US" sz="1800" dirty="0" smtClean="0"/>
-              <a:t>東京大学　大学院情報理工学系研究科</a:t>
-            </a:r>
-            <a:endParaRPr lang="en-US" altLang="ja-JP" sz="1800" dirty="0" smtClean="0"/>
-          </a:p>
-          <a:p>
-            <a:pPr marL="0" indent="0">
-              <a:buNone/>
-            </a:pPr>
-            <a:r>
-              <a:rPr lang="en-US" altLang="ja-JP" sz="1800" dirty="0" smtClean="0"/>
-              <a:t>p1-p6</a:t>
-            </a:r>
-            <a:r>
-              <a:rPr lang="ja-JP" altLang="en-US" sz="1800" dirty="0" smtClean="0"/>
-              <a:t>　</a:t>
-            </a:r>
-            <a:r>
-              <a:rPr lang="en-US" altLang="ja-JP" sz="1800" dirty="0" smtClean="0"/>
-              <a:t>2015 - </a:t>
-            </a:r>
-            <a:r>
-              <a:rPr lang="ja-JP" altLang="en-US" sz="1800" dirty="0" smtClean="0"/>
-              <a:t>信学技報</a:t>
-            </a:r>
-            <a:endParaRPr lang="en-US" altLang="ja-JP" sz="1800" dirty="0" smtClean="0"/>
-          </a:p>
-          <a:p>
-            <a:endParaRPr kumimoji="1" lang="en-US" altLang="ja-JP" sz="1800" dirty="0"/>
-          </a:p>
-          <a:p>
-            <a:r>
-              <a:rPr kumimoji="1" lang="ja-JP" altLang="en-US" sz="1800" dirty="0" smtClean="0"/>
-              <a:t>「</a:t>
-            </a:r>
-            <a:r>
-              <a:rPr kumimoji="1" lang="en-US" altLang="ja-JP" sz="1800" dirty="0" smtClean="0"/>
-              <a:t>Gradient</a:t>
-            </a:r>
-            <a:r>
-              <a:rPr kumimoji="1" lang="ja-JP" altLang="en-US" sz="1800" dirty="0" smtClean="0"/>
-              <a:t>ベースの特徴抽出　</a:t>
-            </a:r>
-            <a:r>
-              <a:rPr kumimoji="1" lang="en-US" altLang="ja-JP" sz="1800" dirty="0" smtClean="0"/>
-              <a:t>–SIFT</a:t>
-            </a:r>
-            <a:r>
-              <a:rPr kumimoji="1" lang="ja-JP" altLang="en-US" sz="1800" dirty="0" smtClean="0"/>
-              <a:t>と</a:t>
-            </a:r>
-            <a:r>
-              <a:rPr kumimoji="1" lang="en-US" altLang="ja-JP" sz="1800" dirty="0" smtClean="0"/>
-              <a:t>HOG-</a:t>
-            </a:r>
-            <a:r>
-              <a:rPr kumimoji="1" lang="ja-JP" altLang="en-US" sz="1800" dirty="0" smtClean="0"/>
-              <a:t>」</a:t>
-            </a:r>
-            <a:endParaRPr kumimoji="1" lang="en-US" altLang="ja-JP" sz="1800" dirty="0" smtClean="0"/>
-          </a:p>
-          <a:p>
-            <a:pPr marL="0" indent="0">
-              <a:buNone/>
-            </a:pPr>
-            <a:r>
-              <a:rPr kumimoji="1" lang="ja-JP" altLang="en-US" sz="1800" dirty="0" smtClean="0"/>
-              <a:t>社団法人　情報処理学会　研究報告　</a:t>
-            </a:r>
-            <a:r>
-              <a:rPr kumimoji="1" lang="en-US" altLang="ja-JP" sz="1800" dirty="0" smtClean="0"/>
-              <a:t>2007/9/4</a:t>
-            </a:r>
-            <a:r>
-              <a:rPr kumimoji="1" lang="ja-JP" altLang="en-US" sz="1800" dirty="0" smtClean="0"/>
-              <a:t>　</a:t>
-            </a:r>
-            <a:r>
-              <a:rPr kumimoji="1" lang="en-US" altLang="ja-JP" sz="1800" dirty="0" smtClean="0"/>
-              <a:t>p1-p14</a:t>
-            </a:r>
-          </a:p>
-          <a:p>
-            <a:pPr marL="0" indent="0">
-              <a:buNone/>
-            </a:pPr>
-            <a:r>
-              <a:rPr lang="ja-JP" altLang="en-US" sz="1800" dirty="0" smtClean="0"/>
-              <a:t>藤吉 </a:t>
-            </a:r>
-            <a:r>
-              <a:rPr lang="ja-JP" altLang="en-US" sz="1800" dirty="0"/>
-              <a:t>弘</a:t>
-            </a:r>
-            <a:r>
-              <a:rPr lang="ja-JP" altLang="en-US" sz="1800" dirty="0" smtClean="0"/>
-              <a:t>亘　中部大学工学部情報工学科</a:t>
-            </a:r>
-            <a:endParaRPr lang="en-US" altLang="ja-JP" sz="1800" dirty="0" smtClean="0"/>
-          </a:p>
-          <a:p>
-            <a:pPr marL="0" indent="0">
-              <a:buNone/>
-            </a:pPr>
-            <a:endParaRPr kumimoji="1" lang="en-US" altLang="ja-JP" sz="1800" dirty="0"/>
-          </a:p>
-          <a:p>
-            <a:r>
-              <a:rPr lang="ja-JP" altLang="en-US" sz="1800" dirty="0" smtClean="0">
-                <a:latin typeface="NimbusSanL-Bold"/>
-              </a:rPr>
-              <a:t>「</a:t>
-            </a:r>
-            <a:r>
-              <a:rPr lang="en-US" altLang="ja-JP" sz="1800" dirty="0" smtClean="0">
-                <a:latin typeface="NimbusSanL-Bold"/>
-              </a:rPr>
-              <a:t>CNN </a:t>
-            </a:r>
-            <a:r>
-              <a:rPr lang="en-US" altLang="ja-JP" sz="1800" dirty="0">
-                <a:latin typeface="NimbusSanL-Bold"/>
-              </a:rPr>
-              <a:t>vs. SIFT for Image Retrieval: Alternative </a:t>
-            </a:r>
-            <a:r>
-              <a:rPr lang="en-US" altLang="ja-JP" sz="1800" dirty="0" smtClean="0">
-                <a:latin typeface="NimbusSanL-Bold"/>
-              </a:rPr>
-              <a:t>or</a:t>
-            </a:r>
-            <a:r>
-              <a:rPr lang="ja-JP" altLang="en-US" sz="1800" dirty="0">
-                <a:latin typeface="NimbusSanL-Bold"/>
-              </a:rPr>
-              <a:t> </a:t>
-            </a:r>
-            <a:r>
-              <a:rPr lang="en-US" altLang="ja-JP" sz="1800" dirty="0" smtClean="0">
-                <a:latin typeface="NimbusSanL-Bold"/>
-              </a:rPr>
-              <a:t>Complementary?</a:t>
-            </a:r>
-            <a:r>
-              <a:rPr lang="ja-JP" altLang="en-US" sz="1800" dirty="0" smtClean="0">
-                <a:latin typeface="NimbusSanL-Bold"/>
-              </a:rPr>
-              <a:t>」</a:t>
-            </a:r>
-            <a:endParaRPr lang="en-US" altLang="ja-JP" sz="1800" dirty="0" smtClean="0">
-              <a:latin typeface="NimbusSanL-Bold"/>
-            </a:endParaRPr>
-          </a:p>
-          <a:p>
-            <a:pPr marL="0" indent="0">
-              <a:buNone/>
-            </a:pPr>
-            <a:r>
-              <a:rPr kumimoji="1" lang="en-US" altLang="ja-JP" sz="1800" dirty="0" smtClean="0">
-                <a:latin typeface="NimbusSanL-Bold"/>
-              </a:rPr>
-              <a:t>2016/10/01  </a:t>
-            </a:r>
-            <a:r>
-              <a:rPr lang="en-US" altLang="ja-JP" sz="1800" dirty="0">
-                <a:solidFill>
-                  <a:srgbClr val="333333"/>
-                </a:solidFill>
-                <a:latin typeface="Merriweather Sans"/>
-              </a:rPr>
-              <a:t>MM </a:t>
-            </a:r>
-            <a:r>
-              <a:rPr lang="en-US" altLang="ja-JP" sz="1800" dirty="0" smtClean="0">
-                <a:solidFill>
-                  <a:srgbClr val="333333"/>
-                </a:solidFill>
-                <a:latin typeface="Merriweather Sans"/>
-              </a:rPr>
-              <a:t>‘16</a:t>
-            </a:r>
-            <a:r>
-              <a:rPr lang="en-US" altLang="ja-JP" sz="1800" dirty="0">
-                <a:solidFill>
-                  <a:srgbClr val="333333"/>
-                </a:solidFill>
-                <a:latin typeface="Merriweather Sans"/>
-              </a:rPr>
-              <a:t>: Proceedings of the 24th ACM international conference on </a:t>
-            </a:r>
-            <a:r>
-              <a:rPr lang="en-US" altLang="ja-JP" sz="1800" dirty="0" smtClean="0">
-                <a:solidFill>
-                  <a:srgbClr val="333333"/>
-                </a:solidFill>
-                <a:latin typeface="Merriweather Sans"/>
-              </a:rPr>
-              <a:t>Multimedia</a:t>
-            </a:r>
-            <a:r>
-              <a:rPr lang="ja-JP" altLang="en-US" sz="1800" dirty="0" smtClean="0">
-                <a:solidFill>
-                  <a:srgbClr val="333333"/>
-                </a:solidFill>
-                <a:latin typeface="Merriweather Sans"/>
-              </a:rPr>
-              <a:t>　</a:t>
-            </a:r>
-            <a:r>
-              <a:rPr lang="en-US" altLang="ja-JP" sz="1800" dirty="0" smtClean="0">
-                <a:solidFill>
-                  <a:srgbClr val="333333"/>
-                </a:solidFill>
-                <a:latin typeface="Merriweather Sans"/>
-              </a:rPr>
-              <a:t>p407-411</a:t>
-            </a:r>
-          </a:p>
-          <a:p>
-            <a:pPr marL="0" indent="0">
-              <a:buNone/>
-            </a:pPr>
-            <a:r>
-              <a:rPr lang="en-US" altLang="ja-JP" sz="1800" dirty="0" err="1">
-                <a:latin typeface="NimbusSanL-Regu"/>
-              </a:rPr>
-              <a:t>Ke</a:t>
-            </a:r>
-            <a:r>
-              <a:rPr lang="en-US" altLang="ja-JP" sz="1800">
-                <a:latin typeface="NimbusSanL-Regu"/>
-              </a:rPr>
-              <a:t> </a:t>
-            </a:r>
-            <a:r>
-              <a:rPr lang="en-US" altLang="ja-JP" sz="1800" smtClean="0">
-                <a:latin typeface="NimbusSanL-Regu"/>
-              </a:rPr>
-              <a:t>Yan, </a:t>
-            </a:r>
-            <a:r>
-              <a:rPr lang="en-US" altLang="ja-JP" sz="1800" dirty="0" err="1">
-                <a:latin typeface="NimbusSanL-Regu"/>
-              </a:rPr>
-              <a:t>Yaowei</a:t>
-            </a:r>
-            <a:r>
-              <a:rPr lang="en-US" altLang="ja-JP" sz="1800" dirty="0">
-                <a:latin typeface="NimbusSanL-Regu"/>
-              </a:rPr>
-              <a:t> Wang</a:t>
-            </a:r>
-            <a:r>
-              <a:rPr lang="en-US" altLang="ja-JP" sz="800" dirty="0" smtClean="0">
-                <a:latin typeface="CMMI6"/>
-              </a:rPr>
-              <a:t>;</a:t>
-            </a:r>
-            <a:r>
-              <a:rPr lang="en-US" altLang="ja-JP" sz="1800" dirty="0" smtClean="0">
-                <a:latin typeface="NimbusSanL-Regu"/>
-              </a:rPr>
-              <a:t>, </a:t>
-            </a:r>
-            <a:r>
-              <a:rPr lang="en-US" altLang="ja-JP" sz="1800" dirty="0" err="1">
-                <a:latin typeface="NimbusSanL-Regu"/>
-              </a:rPr>
-              <a:t>Dawei</a:t>
-            </a:r>
-            <a:r>
-              <a:rPr lang="en-US" altLang="ja-JP" sz="1800" dirty="0">
-                <a:latin typeface="NimbusSanL-Regu"/>
-              </a:rPr>
-              <a:t> </a:t>
-            </a:r>
-            <a:r>
-              <a:rPr lang="en-US" altLang="ja-JP" sz="1800" dirty="0" smtClean="0">
-                <a:latin typeface="NimbusSanL-Regu"/>
-              </a:rPr>
-              <a:t>Liang, </a:t>
-            </a:r>
-            <a:r>
-              <a:rPr lang="en-US" altLang="ja-JP" sz="1800" dirty="0" err="1">
-                <a:latin typeface="NimbusSanL-Regu"/>
-              </a:rPr>
-              <a:t>Tiejun</a:t>
-            </a:r>
-            <a:r>
-              <a:rPr lang="en-US" altLang="ja-JP" sz="1800" dirty="0">
-                <a:latin typeface="NimbusSanL-Regu"/>
-              </a:rPr>
-              <a:t> </a:t>
-            </a:r>
-            <a:r>
-              <a:rPr lang="en-US" altLang="ja-JP" sz="1800" dirty="0" smtClean="0">
-                <a:latin typeface="NimbusSanL-Regu"/>
-              </a:rPr>
-              <a:t>Huang, </a:t>
-            </a:r>
-            <a:r>
-              <a:rPr lang="en-US" altLang="ja-JP" sz="1800" dirty="0" err="1">
-                <a:latin typeface="NimbusSanL-Regu"/>
-              </a:rPr>
-              <a:t>Yonghong</a:t>
-            </a:r>
-            <a:r>
-              <a:rPr lang="en-US" altLang="ja-JP" sz="1800" dirty="0">
-                <a:latin typeface="NimbusSanL-Regu"/>
-              </a:rPr>
-              <a:t> </a:t>
-            </a:r>
-            <a:r>
-              <a:rPr lang="en-US" altLang="ja-JP" sz="1800" dirty="0" smtClean="0">
-                <a:latin typeface="NimbusSanL-Regu"/>
-              </a:rPr>
-              <a:t>Tian</a:t>
-            </a:r>
-            <a:endParaRPr kumimoji="1" lang="ja-JP" altLang="en-US" sz="1800" dirty="0"/>
-          </a:p>
-        </p:txBody>
-      </p:sp>
-      <p:sp>
-        <p:nvSpPr>
-          <p:cNvPr id="4" name="スライド番号プレースホルダー 3"/>
-          <p:cNvSpPr>
-            <a:spLocks noGrp="1"/>
-          </p:cNvSpPr>
-          <p:nvPr>
-            <p:ph type="sldNum" sz="quarter" idx="12"/>
-          </p:nvPr>
-        </p:nvSpPr>
-        <p:spPr/>
-        <p:txBody>
-          <a:bodyPr/>
-          <a:lstStyle/>
-          <a:p>
-            <a:fld id="{B4451160-128F-4DAD-AE29-4A8CC0E7B9E9}" type="slidenum">
-              <a:rPr kumimoji="1" lang="ja-JP" altLang="en-US" sz="3200" smtClean="0"/>
-              <a:t>3</a:t>
-            </a:fld>
-            <a:endParaRPr kumimoji="1" lang="ja-JP" altLang="en-US" sz="3200" dirty="0"/>
-          </a:p>
-        </p:txBody>
-      </p:sp>
-    </p:spTree>
-    <p:extLst>
-      <p:ext uri="{BB962C8B-B14F-4D97-AF65-F5344CB8AC3E}">
-        <p14:creationId xmlns:p14="http://schemas.microsoft.com/office/powerpoint/2010/main" val="3769541672"/>
-      </p:ext>
-    </p:extLst>
-  </p:cSld>
-  <p:clrMapOvr>
-    <a:masterClrMapping/>
-  </p:clrMapOvr>
-  <p:timing>
-    <p:tnLst>
-      <p:par>
-        <p:cTn id="1" dur="indefinite" restart="never" nodeType="tmRoot"/>
-      </p:par>
-    </p:tnLst>
-  </p:timing>
-</p:sld>
-</file>
-
-<file path=ppt/slides/slide4.xml><?xml version="1.0" encoding="utf-8"?>
-<p:sld xmlns:a="http://schemas.openxmlformats.org/drawingml/2006/main" xmlns:r="http://schemas.openxmlformats.org/officeDocument/2006/relationships" xmlns:p="http://schemas.openxmlformats.org/presentationml/2006/main">
-  <p:cSld>
-    <p:spTree>
-      <p:nvGrpSpPr>
-        <p:cNvPr id="1" name=""/>
-        <p:cNvGrpSpPr/>
-        <p:nvPr/>
-      </p:nvGrpSpPr>
-      <p:grpSpPr>
-        <a:xfrm>
-          <a:off x="0" y="0"/>
-          <a:ext cx="0" cy="0"/>
-          <a:chOff x="0" y="0"/>
-          <a:chExt cx="0" cy="0"/>
-        </a:xfrm>
-      </p:grpSpPr>
-      <p:sp>
-        <p:nvSpPr>
-          <p:cNvPr id="2" name="タイトル 1"/>
-          <p:cNvSpPr>
-            <a:spLocks noGrp="1"/>
-          </p:cNvSpPr>
-          <p:nvPr>
-            <p:ph type="title"/>
-          </p:nvPr>
-        </p:nvSpPr>
-        <p:spPr/>
-        <p:txBody>
-          <a:bodyPr/>
-          <a:lstStyle/>
-          <a:p>
-            <a:r>
-              <a:rPr kumimoji="1" lang="ja-JP" altLang="en-US" dirty="0"/>
-              <a:t>研究課題</a:t>
-            </a:r>
-          </a:p>
-        </p:txBody>
-      </p:sp>
-      <p:sp>
-        <p:nvSpPr>
-          <p:cNvPr id="3" name="コンテンツ プレースホルダー 2"/>
-          <p:cNvSpPr>
-            <a:spLocks noGrp="1"/>
-          </p:cNvSpPr>
-          <p:nvPr>
-            <p:ph idx="1"/>
-          </p:nvPr>
-        </p:nvSpPr>
-        <p:spPr/>
-        <p:txBody>
-          <a:bodyPr/>
-          <a:lstStyle/>
-          <a:p>
-            <a:r>
-              <a:rPr lang="ja-JP" altLang="en-US" dirty="0"/>
-              <a:t>画像認識に</a:t>
-            </a:r>
-            <a:r>
-              <a:rPr lang="ja-JP" altLang="en-US" dirty="0" smtClean="0"/>
-              <a:t>おいて</a:t>
-            </a:r>
-            <a:r>
-              <a:rPr lang="en-US" altLang="ja-JP" dirty="0" smtClean="0"/>
-              <a:t>,</a:t>
-            </a:r>
-            <a:r>
-              <a:rPr lang="ja-JP" altLang="en-US" dirty="0" smtClean="0"/>
-              <a:t>特徴量</a:t>
-            </a:r>
-            <a:r>
-              <a:rPr lang="ja-JP" altLang="en-US" dirty="0"/>
-              <a:t>がより高次元になる</a:t>
-            </a:r>
-            <a:r>
-              <a:rPr lang="ja-JP" altLang="en-US" dirty="0" smtClean="0"/>
-              <a:t>ほど</a:t>
-            </a:r>
-            <a:r>
-              <a:rPr lang="en-US" altLang="ja-JP" dirty="0" smtClean="0"/>
-              <a:t>,</a:t>
-            </a:r>
-            <a:r>
-              <a:rPr lang="ja-JP" altLang="en-US" dirty="0" smtClean="0"/>
-              <a:t>認識</a:t>
-            </a:r>
-            <a:r>
-              <a:rPr lang="ja-JP" altLang="en-US" dirty="0"/>
-              <a:t>性能が高く</a:t>
-            </a:r>
-            <a:r>
-              <a:rPr lang="ja-JP" altLang="en-US" dirty="0" smtClean="0"/>
-              <a:t>なる</a:t>
-            </a:r>
-            <a:r>
-              <a:rPr lang="en-US" altLang="ja-JP" dirty="0"/>
-              <a:t>.</a:t>
-            </a:r>
-            <a:endParaRPr lang="en-US" altLang="ja-JP" dirty="0" smtClean="0"/>
-          </a:p>
-          <a:p>
-            <a:endParaRPr lang="en-US" altLang="ja-JP" dirty="0"/>
-          </a:p>
-          <a:p>
-            <a:r>
-              <a:rPr lang="ja-JP" altLang="en-US" dirty="0" smtClean="0"/>
-              <a:t>しかし</a:t>
-            </a:r>
-            <a:r>
-              <a:rPr lang="en-US" altLang="ja-JP" dirty="0" smtClean="0"/>
-              <a:t>,</a:t>
-            </a:r>
-            <a:r>
-              <a:rPr lang="ja-JP" altLang="en-US" dirty="0" smtClean="0"/>
-              <a:t>特徴量</a:t>
-            </a:r>
-            <a:r>
-              <a:rPr lang="ja-JP" altLang="en-US" dirty="0"/>
-              <a:t>が高次元になると特徴量の算出</a:t>
-            </a:r>
-            <a:r>
-              <a:rPr lang="ja-JP" altLang="en-US" dirty="0" smtClean="0"/>
-              <a:t>コスト</a:t>
-            </a:r>
-            <a:r>
-              <a:rPr lang="en-US" altLang="ja-JP" dirty="0" smtClean="0"/>
-              <a:t>,</a:t>
-            </a:r>
-            <a:r>
-              <a:rPr lang="ja-JP" altLang="en-US" dirty="0" smtClean="0"/>
-              <a:t>認識</a:t>
-            </a:r>
-            <a:r>
-              <a:rPr lang="ja-JP" altLang="en-US" dirty="0"/>
-              <a:t>処理の計算コストが大きく増加して</a:t>
-            </a:r>
-            <a:r>
-              <a:rPr lang="ja-JP" altLang="en-US" dirty="0" smtClean="0"/>
-              <a:t>しまい</a:t>
-            </a:r>
-            <a:r>
-              <a:rPr lang="en-US" altLang="ja-JP" dirty="0" smtClean="0"/>
-              <a:t>,</a:t>
-            </a:r>
-            <a:r>
-              <a:rPr lang="ja-JP" altLang="en-US" dirty="0" smtClean="0"/>
-              <a:t>解析</a:t>
-            </a:r>
-            <a:r>
-              <a:rPr lang="ja-JP" altLang="en-US" dirty="0"/>
-              <a:t>が困難になってしまうといった課題が</a:t>
-            </a:r>
-            <a:r>
-              <a:rPr lang="ja-JP" altLang="en-US" dirty="0" smtClean="0"/>
-              <a:t>ある</a:t>
-            </a:r>
-            <a:r>
-              <a:rPr lang="en-US" altLang="ja-JP" dirty="0" smtClean="0"/>
-              <a:t>.</a:t>
-            </a:r>
-          </a:p>
-          <a:p>
-            <a:pPr marL="0" indent="0">
-              <a:buNone/>
-            </a:pPr>
-            <a:r>
-              <a:rPr lang="ja-JP" altLang="en-US" dirty="0" smtClean="0"/>
-              <a:t>→次元の呪い</a:t>
-            </a:r>
-            <a:endParaRPr lang="en-US" altLang="ja-JP" dirty="0" smtClean="0"/>
-          </a:p>
-          <a:p>
-            <a:r>
-              <a:rPr lang="ja-JP" altLang="en-US" dirty="0" smtClean="0"/>
-              <a:t>また</a:t>
-            </a:r>
-            <a:r>
-              <a:rPr lang="en-US" altLang="ja-JP" dirty="0"/>
-              <a:t>,</a:t>
-            </a:r>
-            <a:r>
-              <a:rPr lang="ja-JP" altLang="en-US" dirty="0" smtClean="0"/>
-              <a:t>低次元だと</a:t>
-            </a:r>
-            <a:r>
-              <a:rPr lang="en-US" altLang="ja-JP" dirty="0"/>
-              <a:t>,</a:t>
-            </a:r>
-            <a:r>
-              <a:rPr lang="ja-JP" altLang="en-US" dirty="0" smtClean="0"/>
-              <a:t>意味情報が損失し</a:t>
-            </a:r>
-            <a:r>
-              <a:rPr lang="en-US" altLang="ja-JP" dirty="0" smtClean="0"/>
-              <a:t>,</a:t>
-            </a:r>
-            <a:r>
-              <a:rPr lang="ja-JP" altLang="en-US" dirty="0" smtClean="0"/>
-              <a:t>認識精度が下がる</a:t>
-            </a:r>
-            <a:r>
-              <a:rPr lang="en-US" altLang="ja-JP" dirty="0" smtClean="0"/>
-              <a:t>.</a:t>
-            </a:r>
-            <a:endParaRPr lang="en-US" altLang="ja-JP" dirty="0"/>
-          </a:p>
-          <a:p>
-            <a:endParaRPr kumimoji="1" lang="ja-JP" altLang="en-US" dirty="0"/>
-          </a:p>
-        </p:txBody>
-      </p:sp>
-      <p:sp>
-        <p:nvSpPr>
-          <p:cNvPr id="4" name="スライド番号プレースホルダー 3"/>
-          <p:cNvSpPr>
-            <a:spLocks noGrp="1"/>
-          </p:cNvSpPr>
-          <p:nvPr>
-            <p:ph type="sldNum" sz="quarter" idx="12"/>
-          </p:nvPr>
-        </p:nvSpPr>
-        <p:spPr/>
-        <p:txBody>
-          <a:bodyPr/>
-          <a:lstStyle/>
-          <a:p>
-            <a:fld id="{B4451160-128F-4DAD-AE29-4A8CC0E7B9E9}" type="slidenum">
-              <a:rPr kumimoji="1" lang="ja-JP" altLang="en-US" sz="3200" smtClean="0"/>
-              <a:t>4</a:t>
-            </a:fld>
-            <a:endParaRPr kumimoji="1" lang="ja-JP" altLang="en-US" sz="3200" dirty="0"/>
-          </a:p>
-        </p:txBody>
-      </p:sp>
-    </p:spTree>
-    <p:extLst>
-      <p:ext uri="{BB962C8B-B14F-4D97-AF65-F5344CB8AC3E}">
-        <p14:creationId xmlns:p14="http://schemas.microsoft.com/office/powerpoint/2010/main" val="1923407823"/>
-      </p:ext>
-    </p:extLst>
-  </p:cSld>
-  <p:clrMapOvr>
-    <a:masterClrMapping/>
-  </p:clrMapOvr>
-  <p:timing>
-    <p:tnLst>
-      <p:par>
-        <p:cTn id="1" dur="indefinite" restart="never" nodeType="tmRoot"/>
-      </p:par>
-    </p:tnLst>
-  </p:timing>
-</p:sld>
-</file>
-
-<file path=ppt/slides/slide5.xml><?xml version="1.0" encoding="utf-8"?>
-<p:sld xmlns:a="http://schemas.openxmlformats.org/drawingml/2006/main" xmlns:r="http://schemas.openxmlformats.org/officeDocument/2006/relationships" xmlns:p="http://schemas.openxmlformats.org/presentationml/2006/main">
-  <p:cSld>
-    <p:spTree>
-      <p:nvGrpSpPr>
-        <p:cNvPr id="1" name=""/>
-        <p:cNvGrpSpPr/>
-        <p:nvPr/>
-      </p:nvGrpSpPr>
-      <p:grpSpPr>
-        <a:xfrm>
-          <a:off x="0" y="0"/>
-          <a:ext cx="0" cy="0"/>
-          <a:chOff x="0" y="0"/>
-          <a:chExt cx="0" cy="0"/>
-        </a:xfrm>
-      </p:grpSpPr>
-      <p:sp>
-        <p:nvSpPr>
-          <p:cNvPr id="2" name="タイトル 1"/>
-          <p:cNvSpPr>
-            <a:spLocks noGrp="1"/>
-          </p:cNvSpPr>
-          <p:nvPr>
-            <p:ph type="title"/>
-          </p:nvPr>
-        </p:nvSpPr>
-        <p:spPr/>
-        <p:txBody>
-          <a:bodyPr/>
-          <a:lstStyle/>
-          <a:p>
-            <a:r>
-              <a:rPr kumimoji="1" lang="ja-JP" altLang="en-US" dirty="0"/>
-              <a:t>研究動機</a:t>
-            </a:r>
-          </a:p>
-        </p:txBody>
-      </p:sp>
-      <p:sp>
-        <p:nvSpPr>
-          <p:cNvPr id="3" name="コンテンツ プレースホルダー 2"/>
-          <p:cNvSpPr>
-            <a:spLocks noGrp="1"/>
-          </p:cNvSpPr>
-          <p:nvPr>
-            <p:ph idx="1"/>
-          </p:nvPr>
-        </p:nvSpPr>
-        <p:spPr/>
-        <p:txBody>
-          <a:bodyPr/>
-          <a:lstStyle/>
-          <a:p>
-            <a:r>
-              <a:rPr lang="ja-JP" altLang="en-US" dirty="0" smtClean="0"/>
-              <a:t>大量の</a:t>
-            </a:r>
-            <a:r>
-              <a:rPr lang="ja-JP" altLang="en-US" dirty="0"/>
-              <a:t>画像データ</a:t>
-            </a:r>
-            <a:r>
-              <a:rPr lang="ja-JP" altLang="en-US" dirty="0" smtClean="0"/>
-              <a:t>を扱う画像認識において</a:t>
-            </a:r>
-            <a:r>
-              <a:rPr lang="en-US" altLang="ja-JP" dirty="0" smtClean="0"/>
-              <a:t>,</a:t>
-            </a:r>
-            <a:r>
-              <a:rPr lang="ja-JP" altLang="en-US" dirty="0" smtClean="0"/>
-              <a:t>高次元の画像データを認識性能を向上させつつも</a:t>
-            </a:r>
-            <a:r>
-              <a:rPr lang="en-US" altLang="ja-JP" dirty="0" smtClean="0"/>
-              <a:t>,</a:t>
-            </a:r>
-            <a:r>
-              <a:rPr lang="ja-JP" altLang="en-US" dirty="0" smtClean="0"/>
-              <a:t>計算コストを抑えることでより良い</a:t>
-            </a:r>
-            <a:r>
-              <a:rPr lang="ja-JP" altLang="en-US" dirty="0"/>
-              <a:t>画像</a:t>
-            </a:r>
-            <a:r>
-              <a:rPr lang="ja-JP" altLang="en-US" dirty="0" smtClean="0"/>
-              <a:t>認識を行う</a:t>
-            </a:r>
-            <a:r>
-              <a:rPr lang="en-US" altLang="ja-JP" dirty="0" smtClean="0"/>
-              <a:t>.</a:t>
-            </a:r>
-          </a:p>
-          <a:p>
-            <a:endParaRPr lang="en-US" altLang="ja-JP" dirty="0" smtClean="0"/>
-          </a:p>
-          <a:p>
-            <a:endParaRPr kumimoji="1" lang="ja-JP" altLang="en-US" dirty="0"/>
-          </a:p>
-        </p:txBody>
-      </p:sp>
-      <p:sp>
-        <p:nvSpPr>
-          <p:cNvPr id="4" name="スライド番号プレースホルダー 3"/>
-          <p:cNvSpPr>
-            <a:spLocks noGrp="1"/>
-          </p:cNvSpPr>
-          <p:nvPr>
-            <p:ph type="sldNum" sz="quarter" idx="12"/>
-          </p:nvPr>
-        </p:nvSpPr>
-        <p:spPr/>
-        <p:txBody>
-          <a:bodyPr/>
-          <a:lstStyle/>
-          <a:p>
-            <a:fld id="{B4451160-128F-4DAD-AE29-4A8CC0E7B9E9}" type="slidenum">
-              <a:rPr kumimoji="1" lang="ja-JP" altLang="en-US" sz="3200" smtClean="0"/>
-              <a:t>5</a:t>
-            </a:fld>
-            <a:endParaRPr kumimoji="1" lang="ja-JP" altLang="en-US" sz="3200" dirty="0"/>
-          </a:p>
-        </p:txBody>
-      </p:sp>
-    </p:spTree>
-    <p:extLst>
-      <p:ext uri="{BB962C8B-B14F-4D97-AF65-F5344CB8AC3E}">
-        <p14:creationId xmlns:p14="http://schemas.microsoft.com/office/powerpoint/2010/main" val="3482704347"/>
-      </p:ext>
-    </p:extLst>
-  </p:cSld>
-  <p:clrMapOvr>
-    <a:masterClrMapping/>
-  </p:clrMapOvr>
-  <p:timing>
-    <p:tnLst>
-      <p:par>
-        <p:cTn id="1" dur="indefinite" restart="never" nodeType="tmRoot"/>
-      </p:par>
-    </p:tnLst>
-  </p:timing>
-</p:sld>
-</file>
-
-<file path=ppt/slides/slide6.xml><?xml version="1.0" encoding="utf-8"?>
-<p:sld xmlns:a="http://schemas.openxmlformats.org/drawingml/2006/main" xmlns:r="http://schemas.openxmlformats.org/officeDocument/2006/relationships" xmlns:p="http://schemas.openxmlformats.org/presentationml/2006/main">
-  <p:cSld>
-    <p:spTree>
-      <p:nvGrpSpPr>
-        <p:cNvPr id="1" name=""/>
-        <p:cNvGrpSpPr/>
-        <p:nvPr/>
-      </p:nvGrpSpPr>
-      <p:grpSpPr>
-        <a:xfrm>
-          <a:off x="0" y="0"/>
-          <a:ext cx="0" cy="0"/>
-          <a:chOff x="0" y="0"/>
-          <a:chExt cx="0" cy="0"/>
-        </a:xfrm>
-      </p:grpSpPr>
-      <p:sp>
-        <p:nvSpPr>
-          <p:cNvPr id="2" name="タイトル 1"/>
-          <p:cNvSpPr>
-            <a:spLocks noGrp="1"/>
-          </p:cNvSpPr>
-          <p:nvPr>
-            <p:ph type="title"/>
-          </p:nvPr>
-        </p:nvSpPr>
-        <p:spPr/>
-        <p:txBody>
-          <a:bodyPr/>
-          <a:lstStyle/>
-          <a:p>
-            <a:r>
-              <a:rPr kumimoji="1" lang="ja-JP" altLang="en-US" dirty="0"/>
-              <a:t>研究目的</a:t>
-            </a:r>
-          </a:p>
-        </p:txBody>
-      </p:sp>
-      <p:sp>
-        <p:nvSpPr>
-          <p:cNvPr id="3" name="コンテンツ プレースホルダー 2"/>
-          <p:cNvSpPr>
-            <a:spLocks noGrp="1"/>
-          </p:cNvSpPr>
-          <p:nvPr>
-            <p:ph idx="1"/>
-          </p:nvPr>
-        </p:nvSpPr>
-        <p:spPr/>
-        <p:txBody>
-          <a:bodyPr>
-            <a:normAutofit/>
-          </a:bodyPr>
-          <a:lstStyle/>
-          <a:p>
-            <a:r>
-              <a:rPr lang="ja-JP" altLang="en-US" dirty="0" smtClean="0"/>
-              <a:t>画像</a:t>
-            </a:r>
-            <a:r>
-              <a:rPr lang="ja-JP" altLang="en-US" dirty="0"/>
-              <a:t>認識の性能を向上させるため</a:t>
-            </a:r>
-            <a:r>
-              <a:rPr lang="ja-JP" altLang="en-US" dirty="0" smtClean="0"/>
-              <a:t>に</a:t>
-            </a:r>
-            <a:r>
-              <a:rPr lang="en-US" altLang="ja-JP" dirty="0" smtClean="0"/>
-              <a:t>,</a:t>
-            </a:r>
-            <a:r>
-              <a:rPr lang="ja-JP" altLang="en-US" dirty="0" smtClean="0"/>
-              <a:t>画像</a:t>
-            </a:r>
-            <a:r>
-              <a:rPr lang="ja-JP" altLang="en-US" dirty="0"/>
-              <a:t>認識に有効な特徴量とどれくらいの計算コストで処理できるの</a:t>
-            </a:r>
-            <a:r>
-              <a:rPr lang="ja-JP" altLang="en-US" dirty="0" smtClean="0"/>
-              <a:t>かを計測する</a:t>
-            </a:r>
-            <a:r>
-              <a:rPr lang="en-US" altLang="ja-JP" dirty="0"/>
-              <a:t>.</a:t>
-            </a:r>
-            <a:endParaRPr lang="en-US" altLang="ja-JP" dirty="0" smtClean="0"/>
-          </a:p>
-          <a:p>
-            <a:endParaRPr lang="en-US" altLang="ja-JP" dirty="0" smtClean="0"/>
-          </a:p>
-          <a:p>
-            <a:r>
-              <a:rPr lang="ja-JP" altLang="en-US" dirty="0"/>
-              <a:t>計算コストを抑えた画像認識手法を調査すること</a:t>
-            </a:r>
-            <a:r>
-              <a:rPr lang="ja-JP" altLang="en-US" dirty="0" smtClean="0"/>
-              <a:t>で</a:t>
-            </a:r>
-            <a:r>
-              <a:rPr lang="en-US" altLang="ja-JP" dirty="0" smtClean="0"/>
-              <a:t>,</a:t>
-            </a:r>
-            <a:r>
-              <a:rPr lang="ja-JP" altLang="en-US" dirty="0" smtClean="0"/>
-              <a:t>画像</a:t>
-            </a:r>
-            <a:r>
-              <a:rPr lang="ja-JP" altLang="en-US" dirty="0"/>
-              <a:t>検索システムを成り立たせるうえ</a:t>
-            </a:r>
-            <a:r>
-              <a:rPr lang="ja-JP" altLang="en-US" dirty="0" smtClean="0"/>
-              <a:t>で</a:t>
-            </a:r>
-            <a:r>
-              <a:rPr lang="en-US" altLang="ja-JP" dirty="0" smtClean="0"/>
-              <a:t>,</a:t>
-            </a:r>
-            <a:r>
-              <a:rPr lang="ja-JP" altLang="en-US" dirty="0" smtClean="0"/>
-              <a:t>認識</a:t>
-            </a:r>
-            <a:r>
-              <a:rPr lang="ja-JP" altLang="en-US" dirty="0"/>
-              <a:t>性能が正常に扱える有効な範囲はどこなのかを明確に</a:t>
-            </a:r>
-            <a:r>
-              <a:rPr lang="ja-JP" altLang="en-US" dirty="0" smtClean="0"/>
-              <a:t>する</a:t>
-            </a:r>
-            <a:r>
-              <a:rPr lang="en-US" altLang="ja-JP" dirty="0" smtClean="0"/>
-              <a:t>.</a:t>
-            </a:r>
-            <a:endParaRPr lang="ja-JP" altLang="en-US" dirty="0"/>
-          </a:p>
-          <a:p>
-            <a:endParaRPr kumimoji="1" lang="ja-JP" altLang="en-US" dirty="0"/>
-          </a:p>
-        </p:txBody>
-      </p:sp>
-      <p:sp>
-        <p:nvSpPr>
-          <p:cNvPr id="4" name="スライド番号プレースホルダー 3"/>
-          <p:cNvSpPr>
-            <a:spLocks noGrp="1"/>
-          </p:cNvSpPr>
-          <p:nvPr>
-            <p:ph type="sldNum" sz="quarter" idx="12"/>
-          </p:nvPr>
-        </p:nvSpPr>
-        <p:spPr/>
-        <p:txBody>
-          <a:bodyPr/>
-          <a:lstStyle/>
-          <a:p>
-            <a:fld id="{B4451160-128F-4DAD-AE29-4A8CC0E7B9E9}" type="slidenum">
-              <a:rPr kumimoji="1" lang="ja-JP" altLang="en-US" sz="3200" smtClean="0"/>
-              <a:t>6</a:t>
-            </a:fld>
-            <a:endParaRPr kumimoji="1" lang="ja-JP" altLang="en-US" sz="3200" dirty="0"/>
-          </a:p>
-        </p:txBody>
-      </p:sp>
-    </p:spTree>
-    <p:extLst>
-      <p:ext uri="{BB962C8B-B14F-4D97-AF65-F5344CB8AC3E}">
-        <p14:creationId xmlns:p14="http://schemas.microsoft.com/office/powerpoint/2010/main" val="114472190"/>
-      </p:ext>
-    </p:extLst>
-  </p:cSld>
-  <p:clrMapOvr>
-    <a:masterClrMapping/>
-  </p:clrMapOvr>
-  <p:timing>
-    <p:tnLst>
-      <p:par>
-        <p:cTn id="1" dur="indefinite" restart="never" nodeType="tmRoot"/>
-      </p:par>
-    </p:tnLst>
-  </p:timing>
-</p:sld>
-</file>
-
-<file path=ppt/slides/slide7.xml><?xml version="1.0" encoding="utf-8"?>
-<p:sld xmlns:a="http://schemas.openxmlformats.org/drawingml/2006/main" xmlns:r="http://schemas.openxmlformats.org/officeDocument/2006/relationships" xmlns:p="http://schemas.openxmlformats.org/presentationml/2006/main">
-  <p:cSld>
-    <p:spTree>
-      <p:nvGrpSpPr>
-        <p:cNvPr id="1" name=""/>
-        <p:cNvGrpSpPr/>
-        <p:nvPr/>
-      </p:nvGrpSpPr>
-      <p:grpSpPr>
-        <a:xfrm>
-          <a:off x="0" y="0"/>
-          <a:ext cx="0" cy="0"/>
-          <a:chOff x="0" y="0"/>
-          <a:chExt cx="0" cy="0"/>
-        </a:xfrm>
-      </p:grpSpPr>
-      <p:sp>
-        <p:nvSpPr>
-          <p:cNvPr id="2" name="タイトル 1"/>
-          <p:cNvSpPr>
-            <a:spLocks noGrp="1"/>
-          </p:cNvSpPr>
-          <p:nvPr>
-            <p:ph type="title"/>
-          </p:nvPr>
-        </p:nvSpPr>
-        <p:spPr/>
-        <p:txBody>
-          <a:bodyPr/>
-          <a:lstStyle/>
-          <a:p>
-            <a:r>
-              <a:rPr kumimoji="1" lang="ja-JP" altLang="en-US" dirty="0"/>
-              <a:t>本研究のアプローチ</a:t>
-            </a:r>
-          </a:p>
-        </p:txBody>
-      </p:sp>
-      <p:sp>
-        <p:nvSpPr>
-          <p:cNvPr id="3" name="コンテンツ プレースホルダー 2"/>
-          <p:cNvSpPr>
-            <a:spLocks noGrp="1"/>
-          </p:cNvSpPr>
-          <p:nvPr>
-            <p:ph idx="1"/>
-          </p:nvPr>
-        </p:nvSpPr>
-        <p:spPr/>
-        <p:txBody>
-          <a:bodyPr/>
-          <a:lstStyle/>
-          <a:p>
-            <a:r>
-              <a:rPr lang="ja-JP" altLang="en-US" dirty="0"/>
-              <a:t>画像</a:t>
-            </a:r>
-            <a:r>
-              <a:rPr lang="ja-JP" altLang="en-US" dirty="0" smtClean="0"/>
-              <a:t>認識の認識性能を高く保ちつつも</a:t>
-            </a:r>
-            <a:r>
-              <a:rPr lang="en-US" altLang="ja-JP" dirty="0" smtClean="0"/>
-              <a:t>,</a:t>
-            </a:r>
-            <a:r>
-              <a:rPr lang="ja-JP" altLang="en-US" dirty="0" smtClean="0"/>
-              <a:t>計算コストをできるだけ抑えられる</a:t>
-            </a:r>
-            <a:r>
-              <a:rPr lang="ja-JP" altLang="en-US" dirty="0"/>
-              <a:t>最適</a:t>
-            </a:r>
-            <a:r>
-              <a:rPr lang="ja-JP" altLang="en-US" dirty="0" smtClean="0"/>
-              <a:t>な画像特徴ベクトルの次元数を調査する</a:t>
-            </a:r>
-            <a:r>
-              <a:rPr lang="en-US" altLang="ja-JP" dirty="0" smtClean="0"/>
-              <a:t>.</a:t>
-            </a:r>
-          </a:p>
-          <a:p>
-            <a:endParaRPr kumimoji="1" lang="en-US" altLang="ja-JP" dirty="0"/>
-          </a:p>
-          <a:p>
-            <a:r>
-              <a:rPr lang="ja-JP" altLang="en-US" dirty="0"/>
-              <a:t>画像から</a:t>
-            </a:r>
-            <a:r>
-              <a:rPr lang="ja-JP" altLang="en-US" dirty="0" smtClean="0"/>
-              <a:t>の特徴ベクトルの生成には</a:t>
-            </a:r>
-            <a:r>
-              <a:rPr lang="en-US" altLang="ja-JP" dirty="0" smtClean="0"/>
-              <a:t>,</a:t>
-            </a:r>
-            <a:r>
-              <a:rPr lang="ja-JP" altLang="en-US" dirty="0" smtClean="0"/>
-              <a:t>ディープラーニングを用いる</a:t>
-            </a:r>
-            <a:r>
-              <a:rPr lang="en-US" altLang="ja-JP" dirty="0" smtClean="0"/>
-              <a:t>.</a:t>
-            </a:r>
-            <a:endParaRPr kumimoji="1" lang="ja-JP" altLang="en-US" dirty="0"/>
-          </a:p>
-        </p:txBody>
-      </p:sp>
-      <p:sp>
-        <p:nvSpPr>
-          <p:cNvPr id="4" name="スライド番号プレースホルダー 3"/>
-          <p:cNvSpPr>
-            <a:spLocks noGrp="1"/>
-          </p:cNvSpPr>
-          <p:nvPr>
-            <p:ph type="sldNum" sz="quarter" idx="12"/>
-          </p:nvPr>
-        </p:nvSpPr>
-        <p:spPr/>
-        <p:txBody>
-          <a:bodyPr/>
-          <a:lstStyle/>
-          <a:p>
-            <a:fld id="{B4451160-128F-4DAD-AE29-4A8CC0E7B9E9}" type="slidenum">
-              <a:rPr kumimoji="1" lang="ja-JP" altLang="en-US" sz="3200" smtClean="0"/>
-              <a:t>7</a:t>
-            </a:fld>
-            <a:endParaRPr kumimoji="1" lang="ja-JP" altLang="en-US" sz="3200" dirty="0"/>
-          </a:p>
-        </p:txBody>
-      </p:sp>
-    </p:spTree>
-    <p:extLst>
-      <p:ext uri="{BB962C8B-B14F-4D97-AF65-F5344CB8AC3E}">
-        <p14:creationId xmlns:p14="http://schemas.microsoft.com/office/powerpoint/2010/main" val="4224668961"/>
-      </p:ext>
-    </p:extLst>
-  </p:cSld>
-  <p:clrMapOvr>
-    <a:masterClrMapping/>
-  </p:clrMapOvr>
-  <p:timing>
-    <p:tnLst>
-      <p:par>
-        <p:cTn id="1" dur="indefinite" restart="never" nodeType="tmRoot"/>
-      </p:par>
-    </p:tnLst>
-  </p:timing>
-</p:sld>
-</file>
-
-<file path=ppt/slides/slide8.xml><?xml version="1.0" encoding="utf-8"?>
-<p:sld xmlns:a="http://schemas.openxmlformats.org/drawingml/2006/main" xmlns:r="http://schemas.openxmlformats.org/officeDocument/2006/relationships" xmlns:p="http://schemas.openxmlformats.org/presentationml/2006/main">
-  <p:cSld>
-    <p:spTree>
-      <p:nvGrpSpPr>
-        <p:cNvPr id="1" name=""/>
-        <p:cNvGrpSpPr/>
-        <p:nvPr/>
-      </p:nvGrpSpPr>
-      <p:grpSpPr>
-        <a:xfrm>
-          <a:off x="0" y="0"/>
-          <a:ext cx="0" cy="0"/>
-          <a:chOff x="0" y="0"/>
-          <a:chExt cx="0" cy="0"/>
-        </a:xfrm>
-      </p:grpSpPr>
-      <p:sp>
-        <p:nvSpPr>
-          <p:cNvPr id="2" name="タイトル 1"/>
-          <p:cNvSpPr>
-            <a:spLocks noGrp="1"/>
-          </p:cNvSpPr>
-          <p:nvPr>
-            <p:ph type="title"/>
-          </p:nvPr>
-        </p:nvSpPr>
-        <p:spPr/>
-        <p:txBody>
-          <a:bodyPr/>
-          <a:lstStyle/>
-          <a:p>
-            <a:r>
-              <a:rPr lang="ja-JP" altLang="en-US" dirty="0"/>
-              <a:t>研究の方法</a:t>
-            </a:r>
-            <a:endParaRPr kumimoji="1" lang="ja-JP" altLang="en-US" dirty="0"/>
-          </a:p>
-        </p:txBody>
-      </p:sp>
-      <p:sp>
-        <p:nvSpPr>
-          <p:cNvPr id="3" name="コンテンツ プレースホルダー 2"/>
-          <p:cNvSpPr>
-            <a:spLocks noGrp="1"/>
-          </p:cNvSpPr>
-          <p:nvPr>
-            <p:ph idx="1"/>
-          </p:nvPr>
-        </p:nvSpPr>
-        <p:spPr/>
-        <p:txBody>
-          <a:bodyPr/>
-          <a:lstStyle/>
-          <a:p>
-            <a:r>
-              <a:rPr lang="ja-JP" altLang="en-US" dirty="0"/>
-              <a:t>本研究で</a:t>
-            </a:r>
-            <a:r>
-              <a:rPr lang="ja-JP" altLang="en-US" dirty="0" smtClean="0"/>
-              <a:t>は</a:t>
-            </a:r>
-            <a:r>
-              <a:rPr lang="en-US" altLang="ja-JP" dirty="0" smtClean="0"/>
-              <a:t>,</a:t>
-            </a:r>
-            <a:r>
-              <a:rPr lang="ja-JP" altLang="en-US" dirty="0" smtClean="0"/>
-              <a:t>主に</a:t>
-            </a:r>
-            <a:r>
-              <a:rPr kumimoji="1" lang="en-US" altLang="ja-JP" dirty="0" smtClean="0"/>
-              <a:t>CNN</a:t>
-            </a:r>
-            <a:r>
-              <a:rPr kumimoji="1" lang="ja-JP" altLang="en-US" dirty="0" smtClean="0"/>
-              <a:t>を用いて</a:t>
-            </a:r>
-            <a:r>
-              <a:rPr lang="en-US" altLang="ja-JP" dirty="0"/>
-              <a:t>,</a:t>
-            </a:r>
-            <a:r>
-              <a:rPr lang="ja-JP" altLang="en-US" dirty="0" smtClean="0"/>
-              <a:t>特徴</a:t>
-            </a:r>
-            <a:r>
-              <a:rPr lang="ja-JP" altLang="en-US" dirty="0"/>
-              <a:t>ベクトルの抽出を</a:t>
-            </a:r>
-            <a:r>
-              <a:rPr lang="ja-JP" altLang="en-US" dirty="0" smtClean="0"/>
-              <a:t>行う</a:t>
-            </a:r>
-            <a:r>
-              <a:rPr lang="en-US" altLang="ja-JP" dirty="0"/>
-              <a:t>.</a:t>
-            </a:r>
-          </a:p>
-          <a:p>
-            <a:r>
-              <a:rPr kumimoji="1" lang="ja-JP" altLang="en-US" dirty="0" smtClean="0"/>
-              <a:t>また</a:t>
-            </a:r>
-            <a:r>
-              <a:rPr kumimoji="1" lang="en-US" altLang="ja-JP" dirty="0" smtClean="0"/>
-              <a:t>,</a:t>
-            </a:r>
-            <a:r>
-              <a:rPr kumimoji="1" lang="ja-JP" altLang="en-US" dirty="0" smtClean="0"/>
-              <a:t>認識精度や計算コストを評価するために</a:t>
-            </a:r>
-            <a:r>
-              <a:rPr kumimoji="1" lang="en-US" altLang="ja-JP" dirty="0" smtClean="0"/>
-              <a:t>,SIFT</a:t>
-            </a:r>
-            <a:r>
-              <a:rPr kumimoji="1" lang="ja-JP" altLang="en-US" dirty="0" smtClean="0"/>
-              <a:t>を</a:t>
-            </a:r>
-            <a:r>
-              <a:rPr lang="ja-JP" altLang="en-US" dirty="0"/>
-              <a:t>比較対象と</a:t>
-            </a:r>
-            <a:r>
-              <a:rPr lang="ja-JP" altLang="en-US" dirty="0" smtClean="0"/>
-              <a:t>する</a:t>
-            </a:r>
-            <a:r>
-              <a:rPr lang="en-US" altLang="ja-JP" dirty="0" smtClean="0"/>
-              <a:t>.</a:t>
-            </a:r>
-            <a:endParaRPr lang="en-US" altLang="ja-JP" dirty="0"/>
-          </a:p>
-          <a:p>
-            <a:pPr lvl="2"/>
-            <a:r>
-              <a:rPr lang="en-US" altLang="ja-JP" dirty="0"/>
-              <a:t>CNN</a:t>
-            </a:r>
-          </a:p>
-          <a:p>
-            <a:pPr lvl="3"/>
-            <a:r>
-              <a:rPr lang="en-US" altLang="ja-JP" dirty="0"/>
-              <a:t>CNN</a:t>
-            </a:r>
-            <a:r>
-              <a:rPr lang="ja-JP" altLang="en-US" dirty="0"/>
-              <a:t>を用いた特徴量抽出</a:t>
-            </a:r>
-            <a:endParaRPr lang="en-US" altLang="ja-JP" dirty="0"/>
-          </a:p>
-          <a:p>
-            <a:pPr lvl="2"/>
-            <a:r>
-              <a:rPr lang="en-US" altLang="ja-JP" dirty="0"/>
-              <a:t>SIFT</a:t>
-            </a:r>
-          </a:p>
-          <a:p>
-            <a:pPr lvl="3"/>
-            <a:r>
-              <a:rPr lang="en-US" altLang="ja-JP" dirty="0"/>
-              <a:t>SIFT</a:t>
-            </a:r>
-            <a:r>
-              <a:rPr lang="ja-JP" altLang="en-US" dirty="0"/>
-              <a:t>を用いた特徴量</a:t>
-            </a:r>
-            <a:r>
-              <a:rPr lang="ja-JP" altLang="en-US" dirty="0" smtClean="0"/>
-              <a:t>抽出</a:t>
-            </a:r>
-            <a:endParaRPr lang="en-US" altLang="ja-JP" dirty="0" smtClean="0"/>
-          </a:p>
-          <a:p>
-            <a:r>
-              <a:rPr kumimoji="1" lang="en-US" altLang="ja-JP" dirty="0" smtClean="0"/>
-              <a:t>SIFT</a:t>
-            </a:r>
-            <a:r>
-              <a:rPr kumimoji="1" lang="ja-JP" altLang="en-US" dirty="0" smtClean="0"/>
-              <a:t>を選んだ理由としては</a:t>
-            </a:r>
-            <a:r>
-              <a:rPr kumimoji="1" lang="en-US" altLang="ja-JP" dirty="0" smtClean="0"/>
-              <a:t>,</a:t>
-            </a:r>
-            <a:r>
-              <a:rPr kumimoji="1" lang="ja-JP" altLang="en-US" dirty="0" smtClean="0"/>
-              <a:t>画像認識で特徴量を導出するための代表的なアルゴリズムであるため</a:t>
-            </a:r>
-            <a:r>
-              <a:rPr lang="en-US" altLang="ja-JP" dirty="0"/>
-              <a:t>.</a:t>
-            </a:r>
-            <a:endParaRPr kumimoji="1" lang="ja-JP" altLang="en-US" dirty="0"/>
-          </a:p>
-        </p:txBody>
-      </p:sp>
-      <p:sp>
-        <p:nvSpPr>
-          <p:cNvPr id="4" name="スライド番号プレースホルダー 3"/>
-          <p:cNvSpPr>
-            <a:spLocks noGrp="1"/>
-          </p:cNvSpPr>
-          <p:nvPr>
-            <p:ph type="sldNum" sz="quarter" idx="12"/>
-          </p:nvPr>
-        </p:nvSpPr>
-        <p:spPr/>
-        <p:txBody>
-          <a:bodyPr/>
-          <a:lstStyle/>
-          <a:p>
-            <a:fld id="{B4451160-128F-4DAD-AE29-4A8CC0E7B9E9}" type="slidenum">
-              <a:rPr kumimoji="1" lang="ja-JP" altLang="en-US" sz="3200" smtClean="0"/>
-              <a:t>8</a:t>
-            </a:fld>
-            <a:endParaRPr kumimoji="1" lang="ja-JP" altLang="en-US" sz="3200" dirty="0"/>
-          </a:p>
-        </p:txBody>
-      </p:sp>
-      <p:sp>
-        <p:nvSpPr>
-          <p:cNvPr id="5" name="正方形/長方形 4"/>
-          <p:cNvSpPr/>
-          <p:nvPr/>
-        </p:nvSpPr>
-        <p:spPr>
-          <a:xfrm>
-            <a:off x="4071184" y="269378"/>
-            <a:ext cx="3953879" cy="1421311"/>
-          </a:xfrm>
-          <a:prstGeom prst="rect">
-            <a:avLst/>
-          </a:prstGeom>
-        </p:spPr>
-        <p:style>
-          <a:lnRef idx="2">
-            <a:schemeClr val="accent6"/>
-          </a:lnRef>
-          <a:fillRef idx="1">
-            <a:schemeClr val="lt1"/>
-          </a:fillRef>
-          <a:effectRef idx="0">
-            <a:schemeClr val="accent6"/>
-          </a:effectRef>
-          <a:fontRef idx="minor">
-            <a:schemeClr val="dk1"/>
-          </a:fontRef>
-        </p:style>
-        <p:txBody>
-          <a:bodyPr rtlCol="0" anchor="ctr"/>
-          <a:lstStyle/>
-          <a:p>
-            <a:r>
-              <a:rPr lang="ja-JP" altLang="en-US" dirty="0" smtClean="0"/>
-              <a:t>主</a:t>
-            </a:r>
-            <a:r>
-              <a:rPr lang="ja-JP" altLang="en-US" dirty="0"/>
-              <a:t>に</a:t>
-            </a:r>
-            <a:r>
-              <a:rPr lang="en-US" altLang="ja-JP" dirty="0"/>
-              <a:t>CNN</a:t>
-            </a:r>
-            <a:r>
-              <a:rPr lang="ja-JP" altLang="en-US" dirty="0"/>
-              <a:t>を用いて</a:t>
-            </a:r>
-            <a:r>
-              <a:rPr lang="en-US" altLang="ja-JP" dirty="0"/>
-              <a:t>,</a:t>
-            </a:r>
-            <a:r>
-              <a:rPr lang="ja-JP" altLang="en-US" dirty="0"/>
-              <a:t>特徴ベクトルの抽出を行う</a:t>
-            </a:r>
-            <a:r>
-              <a:rPr lang="en-US" altLang="ja-JP" dirty="0" smtClean="0"/>
-              <a:t>.</a:t>
-            </a:r>
-            <a:r>
-              <a:rPr lang="ja-JP" altLang="en-US" dirty="0" smtClean="0"/>
-              <a:t>また</a:t>
-            </a:r>
-            <a:r>
-              <a:rPr lang="en-US" altLang="ja-JP" dirty="0"/>
-              <a:t>,</a:t>
-            </a:r>
-            <a:r>
-              <a:rPr lang="ja-JP" altLang="en-US" dirty="0"/>
-              <a:t>認識精度や計算コストを評価するために</a:t>
-            </a:r>
-            <a:r>
-              <a:rPr lang="en-US" altLang="ja-JP" dirty="0"/>
-              <a:t>,SIFT</a:t>
-            </a:r>
-            <a:r>
-              <a:rPr lang="ja-JP" altLang="en-US" dirty="0"/>
-              <a:t>を比較対象とする</a:t>
-            </a:r>
-            <a:r>
-              <a:rPr lang="en-US" altLang="ja-JP" dirty="0"/>
-              <a:t>.</a:t>
-            </a:r>
-          </a:p>
-          <a:p>
-            <a:pPr algn="ctr"/>
-            <a:endParaRPr kumimoji="1" lang="ja-JP" altLang="en-US" dirty="0"/>
-          </a:p>
-        </p:txBody>
-      </p:sp>
-    </p:spTree>
-    <p:extLst>
-      <p:ext uri="{BB962C8B-B14F-4D97-AF65-F5344CB8AC3E}">
-        <p14:creationId xmlns:p14="http://schemas.microsoft.com/office/powerpoint/2010/main" val="1724661356"/>
-      </p:ext>
-    </p:extLst>
-  </p:cSld>
-  <p:clrMapOvr>
-    <a:masterClrMapping/>
-  </p:clrMapOvr>
-  <p:timing>
-    <p:tnLst>
-      <p:par>
-        <p:cTn id="1" dur="indefinite" restart="never" nodeType="tmRoot"/>
-      </p:par>
-    </p:tnLst>
-  </p:timing>
-</p:sld>
-</file>
-
 <file path=ppt/slides/slide9.xml><?xml version="1.0" encoding="utf-8"?>
 <p:sld xmlns:a="http://schemas.openxmlformats.org/drawingml/2006/main" xmlns:r="http://schemas.openxmlformats.org/officeDocument/2006/relationships" xmlns:p="http://schemas.openxmlformats.org/presentationml/2006/main">
   <p:cSld>
@@ -12339,10 +12554,9 @@
           <a:lstStyle/>
           <a:p>
             <a:r>
-              <a:rPr kumimoji="1" lang="ja-JP" altLang="en-US" dirty="0" smtClean="0"/>
-              <a:t>特徴ベクトルの生成</a:t>
-            </a:r>
-            <a:endParaRPr kumimoji="1" lang="ja-JP" altLang="en-US" dirty="0"/>
+              <a:rPr kumimoji="1" lang="ja-JP" altLang="en-US" dirty="0"/>
+              <a:t>研究動機</a:t>
+            </a:r>
           </a:p>
         </p:txBody>
       </p:sp>
@@ -12362,67 +12576,50 @@
           <a:lstStyle/>
           <a:p>
             <a:r>
-              <a:rPr kumimoji="1" lang="en-US" altLang="ja-JP" dirty="0" smtClean="0"/>
-              <a:t>CNN</a:t>
-            </a:r>
-            <a:endParaRPr lang="en-US" altLang="ja-JP" dirty="0"/>
-          </a:p>
-          <a:p>
-            <a:pPr lvl="1"/>
+              <a:rPr lang="ja-JP" altLang="en-US" dirty="0" smtClean="0"/>
+              <a:t>大量の</a:t>
+            </a:r>
             <a:r>
               <a:rPr lang="ja-JP" altLang="en-US" dirty="0"/>
-              <a:t>識別層</a:t>
+              <a:t>画像データ</a:t>
             </a:r>
             <a:r>
               <a:rPr lang="ja-JP" altLang="en-US" dirty="0" smtClean="0"/>
-              <a:t>の一つ二つ手前の全結合層を用いる</a:t>
+              <a:t>を扱う画像認識において</a:t>
+            </a:r>
+            <a:r>
+              <a:rPr lang="en-US" altLang="ja-JP" dirty="0" smtClean="0"/>
+              <a:t>,</a:t>
+            </a:r>
+            <a:r>
+              <a:rPr lang="ja-JP" altLang="en-US" dirty="0" smtClean="0"/>
+              <a:t>高次元の画像データを認識性能を向上させつつも</a:t>
+            </a:r>
+            <a:r>
+              <a:rPr lang="en-US" altLang="ja-JP" dirty="0" smtClean="0"/>
+              <a:t>,</a:t>
+            </a:r>
+            <a:r>
+              <a:rPr lang="ja-JP" altLang="en-US" dirty="0" smtClean="0"/>
+              <a:t>計算コストを抑えることでより良い</a:t>
+            </a:r>
+            <a:r>
+              <a:rPr lang="ja-JP" altLang="en-US" dirty="0"/>
+              <a:t>画像</a:t>
+            </a:r>
+            <a:r>
+              <a:rPr lang="ja-JP" altLang="en-US" dirty="0" smtClean="0"/>
+              <a:t>認識を行う</a:t>
             </a:r>
             <a:r>
               <a:rPr lang="en-US" altLang="ja-JP" dirty="0" smtClean="0"/>
               <a:t>.</a:t>
             </a:r>
-            <a:endParaRPr kumimoji="1" lang="en-US" altLang="ja-JP" dirty="0" smtClean="0"/>
           </a:p>
           <a:p>
             <a:endParaRPr lang="en-US" altLang="ja-JP" dirty="0" smtClean="0"/>
           </a:p>
           <a:p>
-            <a:endParaRPr lang="en-US" altLang="ja-JP" dirty="0"/>
-          </a:p>
-          <a:p>
-            <a:endParaRPr lang="en-US" altLang="ja-JP" dirty="0" smtClean="0"/>
-          </a:p>
-          <a:p>
-            <a:endParaRPr lang="en-US" altLang="ja-JP" dirty="0"/>
-          </a:p>
-          <a:p>
-            <a:r>
-              <a:rPr kumimoji="1" lang="en-US" altLang="ja-JP" dirty="0" smtClean="0"/>
-              <a:t>SIFT</a:t>
-            </a:r>
-            <a:endParaRPr lang="en-US" altLang="ja-JP" dirty="0"/>
-          </a:p>
-          <a:p>
-            <a:pPr lvl="1"/>
-            <a:r>
-              <a:rPr lang="en-US" altLang="ja-JP" dirty="0" smtClean="0"/>
-              <a:t>SIF</a:t>
-            </a:r>
-            <a:r>
-              <a:rPr lang="ja-JP" altLang="en-US" dirty="0" smtClean="0"/>
-              <a:t>Ｔを使い、キーポイントを算出、その後、特徴</a:t>
-            </a:r>
-            <a:r>
-              <a:rPr lang="ja-JP" altLang="en-US" dirty="0"/>
-              <a:t>量</a:t>
-            </a:r>
-            <a:r>
-              <a:rPr lang="ja-JP" altLang="en-US" dirty="0" smtClean="0"/>
-              <a:t>をヒストグラムとして表す。</a:t>
-            </a:r>
-            <a:endParaRPr lang="en-US" altLang="ja-JP" dirty="0"/>
-          </a:p>
-          <a:p>
             <a:endParaRPr kumimoji="1" lang="ja-JP" altLang="en-US" dirty="0"/>
           </a:p>
         </p:txBody>
@@ -12443,42 +12640,17 @@
           <a:lstStyle/>
           <a:p>
             <a:fld id="{B4451160-128F-4DAD-AE29-4A8CC0E7B9E9}" type="slidenum">
-              <a:rPr lang="ja-JP" altLang="en-US" smtClean="0"/>
-              <a:pPr/>
+              <a:rPr kumimoji="1" lang="ja-JP" altLang="en-US" sz="3200" smtClean="0"/>
               <a:t>9</a:t>
             </a:fld>
-            <a:endParaRPr lang="ja-JP" altLang="en-US" dirty="0"/>
-          </a:p>
-        </p:txBody>
-      </p:sp>
-      <p:pic>
-        <p:nvPicPr>
-          <p:cNvPr id="5" name="図 4"/>
-          <p:cNvPicPr>
-            <a:picLocks noChangeAspect="1"/>
-          </p:cNvPicPr>
-          <p:nvPr/>
-        </p:nvPicPr>
-        <p:blipFill>
-          <a:blip r:embed="rId2"/>
-          <a:stretch>
-            <a:fillRect/>
-          </a:stretch>
-        </p:blipFill>
-        <p:spPr>
-          <a:xfrm>
-            <a:off x="628650" y="3015882"/>
-            <a:ext cx="7638950" cy="1121761"/>
-          </a:xfrm>
-          <a:prstGeom prst="rect">
-            <a:avLst/>
-          </a:prstGeom>
-        </p:spPr>
-      </p:pic>
+            <a:endParaRPr kumimoji="1" lang="ja-JP" altLang="en-US" sz="3200" dirty="0"/>
+          </a:p>
+        </p:txBody>
+      </p:sp>
     </p:spTree>
     <p:extLst>
       <p:ext uri="{BB962C8B-B14F-4D97-AF65-F5344CB8AC3E}">
-        <p14:creationId xmlns:p14="http://schemas.microsoft.com/office/powerpoint/2010/main" val="3404779024"/>
+        <p14:creationId xmlns:p14="http://schemas.microsoft.com/office/powerpoint/2010/main" val="3482704347"/>
       </p:ext>
     </p:extLst>
   </p:cSld>

--- a/1821005_中間発表.pptx
+++ b/1821005_中間発表.pptx
@@ -9097,7 +9097,12 @@
             <p:ph type="title"/>
           </p:nvPr>
         </p:nvSpPr>
-        <p:spPr/>
+        <p:spPr>
+          <a:xfrm>
+            <a:off x="452231" y="1973793"/>
+            <a:ext cx="7886700" cy="1325563"/>
+          </a:xfrm>
+        </p:spPr>
         <p:txBody>
           <a:bodyPr/>
           <a:lstStyle/>
@@ -9119,7 +9124,12 @@
             <p:ph idx="1"/>
           </p:nvPr>
         </p:nvSpPr>
-        <p:spPr/>
+        <p:spPr>
+          <a:xfrm>
+            <a:off x="452231" y="3434292"/>
+            <a:ext cx="7886700" cy="4351338"/>
+          </a:xfrm>
+        </p:spPr>
         <p:txBody>
           <a:bodyPr>
             <a:normAutofit/>
@@ -9229,8 +9239,102 @@
         </p:nvSpPr>
         <p:spPr>
           <a:xfrm>
-            <a:off x="4204253" y="12244"/>
-            <a:ext cx="4134678" cy="1754326"/>
+            <a:off x="0" y="1"/>
+            <a:ext cx="9144000" cy="1938992"/>
+          </a:xfrm>
+          <a:prstGeom prst="rect">
+            <a:avLst/>
+          </a:prstGeom>
+        </p:spPr>
+        <p:style>
+          <a:lnRef idx="2">
+            <a:schemeClr val="dk1">
+              <a:shade val="50000"/>
+            </a:schemeClr>
+          </a:lnRef>
+          <a:fillRef idx="1">
+            <a:schemeClr val="dk1"/>
+          </a:fillRef>
+          <a:effectRef idx="0">
+            <a:schemeClr val="dk1"/>
+          </a:effectRef>
+          <a:fontRef idx="minor">
+            <a:schemeClr val="lt1"/>
+          </a:fontRef>
+        </p:style>
+        <p:txBody>
+          <a:bodyPr wrap="square" rtlCol="0">
+            <a:spAutoFit/>
+          </a:bodyPr>
+          <a:lstStyle/>
+          <a:p>
+            <a:pPr algn="ctr"/>
+            <a:endParaRPr lang="en-US" altLang="ja-JP" dirty="0" smtClean="0"/>
+          </a:p>
+          <a:p>
+            <a:pPr algn="ctr"/>
+            <a:r>
+              <a:rPr lang="ja-JP" altLang="en-US" sz="2400" dirty="0" smtClean="0"/>
+              <a:t>画像</a:t>
+            </a:r>
+            <a:r>
+              <a:rPr lang="ja-JP" altLang="en-US" sz="2400" dirty="0"/>
+              <a:t>検索のための画像特徴ベクトルの次元数に着目した認識精度と計算コストの関係性の</a:t>
+            </a:r>
+            <a:r>
+              <a:rPr lang="ja-JP" altLang="en-US" sz="2400" dirty="0" smtClean="0"/>
+              <a:t>調査</a:t>
+            </a:r>
+            <a:endParaRPr lang="en-US" altLang="ja-JP" sz="2400" dirty="0" smtClean="0"/>
+          </a:p>
+          <a:p>
+            <a:pPr algn="ctr"/>
+            <a:endParaRPr lang="en-US" altLang="ja-JP" dirty="0" smtClean="0"/>
+          </a:p>
+          <a:p>
+            <a:pPr algn="ctr"/>
+            <a:r>
+              <a:rPr lang="ja-JP" altLang="en-US" dirty="0"/>
+              <a:t>学籍番号：</a:t>
+            </a:r>
+            <a:r>
+              <a:rPr lang="en-US" altLang="ja-JP" dirty="0" smtClean="0"/>
+              <a:t>1821005</a:t>
+            </a:r>
+            <a:r>
+              <a:rPr lang="ja-JP" altLang="en-US" dirty="0" smtClean="0"/>
+              <a:t>　氏名</a:t>
+            </a:r>
+            <a:r>
+              <a:rPr lang="ja-JP" altLang="en-US" dirty="0"/>
+              <a:t>：吉岡拓郎</a:t>
+            </a:r>
+            <a:endParaRPr lang="en-US" altLang="ja-JP" dirty="0"/>
+          </a:p>
+          <a:p>
+            <a:pPr algn="ctr"/>
+            <a:r>
+              <a:rPr lang="ja-JP" altLang="en-US" dirty="0"/>
+              <a:t>指導教員：鷹野孝</a:t>
+            </a:r>
+            <a:r>
+              <a:rPr lang="ja-JP" altLang="en-US" dirty="0" smtClean="0"/>
+              <a:t>典</a:t>
+            </a:r>
+            <a:endParaRPr lang="ja-JP" altLang="en-US" dirty="0"/>
+          </a:p>
+        </p:txBody>
+      </p:sp>
+      <p:sp>
+        <p:nvSpPr>
+          <p:cNvPr id="6" name="テキスト ボックス 5"/>
+          <p:cNvSpPr txBox="1"/>
+          <p:nvPr/>
+        </p:nvSpPr>
+        <p:spPr>
+          <a:xfrm>
+            <a:off x="6256867" y="2073929"/>
+            <a:ext cx="2887133" cy="369332"/>
           </a:xfrm>
           <a:prstGeom prst="rect">
             <a:avLst/>
@@ -9243,45 +9347,18 @@
           </a:bodyPr>
           <a:lstStyle/>
           <a:p>
-            <a:pPr algn="ctr"/>
             <a:r>
               <a:rPr lang="ja-JP" altLang="en-US" dirty="0"/>
-              <a:t>画像検索のための画像特徴ベクトルの次元数に着目した認識精度と計算コストの関係性の</a:t>
+              <a:t>情報</a:t>
             </a:r>
             <a:r>
               <a:rPr lang="ja-JP" altLang="en-US" dirty="0" smtClean="0"/>
-              <a:t>調査</a:t>
-            </a:r>
-            <a:endParaRPr lang="en-US" altLang="ja-JP" dirty="0" smtClean="0"/>
-          </a:p>
-          <a:p>
-            <a:pPr algn="ctr"/>
-            <a:r>
-              <a:rPr lang="ja-JP" altLang="en-US" dirty="0"/>
-              <a:t>学籍番号：</a:t>
+              <a:t>工学　中間発表　</a:t>
             </a:r>
             <a:r>
               <a:rPr lang="en-US" altLang="ja-JP" dirty="0" smtClean="0"/>
-              <a:t>1821005</a:t>
-            </a:r>
-            <a:r>
-              <a:rPr lang="ja-JP" altLang="en-US" dirty="0" smtClean="0"/>
-              <a:t>　氏名</a:t>
-            </a:r>
-            <a:r>
-              <a:rPr lang="ja-JP" altLang="en-US" dirty="0"/>
-              <a:t>：吉岡拓郎</a:t>
-            </a:r>
-            <a:endParaRPr lang="en-US" altLang="ja-JP" dirty="0"/>
-          </a:p>
-          <a:p>
-            <a:pPr algn="ctr"/>
-            <a:r>
-              <a:rPr lang="ja-JP" altLang="en-US" dirty="0"/>
-              <a:t>指導教員：鷹野孝典</a:t>
-            </a:r>
-          </a:p>
-          <a:p>
+              <a:t>2021</a:t>
+            </a:r>
             <a:endParaRPr kumimoji="1" lang="ja-JP" altLang="en-US" dirty="0"/>
           </a:p>
         </p:txBody>
@@ -10839,11 +10916,7 @@
             </a:r>
             <a:r>
               <a:rPr lang="ja-JP" altLang="en-US" dirty="0" smtClean="0"/>
-              <a:t>それが</a:t>
-            </a:r>
-            <a:r>
-              <a:rPr lang="ja-JP" altLang="en-US" dirty="0" smtClean="0"/>
-              <a:t>持つスケールを半径として円領域内から求める</a:t>
+              <a:t>それが持つスケールを半径として円領域内から求める</a:t>
             </a:r>
             <a:r>
               <a:rPr lang="en-US" altLang="ja-JP" dirty="0" smtClean="0"/>
@@ -11036,11 +11109,7 @@
             </a:pPr>
             <a:r>
               <a:rPr lang="ja-JP" altLang="en-US" sz="1800" dirty="0" smtClean="0"/>
-              <a:t>　　中山</a:t>
-            </a:r>
-            <a:r>
-              <a:rPr lang="ja-JP" altLang="en-US" sz="1800" dirty="0" smtClean="0"/>
-              <a:t>秀樹</a:t>
+              <a:t>　　中山秀樹</a:t>
             </a:r>
             <a:r>
               <a:rPr lang="ja-JP" altLang="en-US" sz="1800" dirty="0"/>
@@ -11130,11 +11199,7 @@
             </a:pPr>
             <a:r>
               <a:rPr kumimoji="1" lang="ja-JP" altLang="en-US" sz="1800" dirty="0" smtClean="0"/>
-              <a:t>　　社団</a:t>
-            </a:r>
-            <a:r>
-              <a:rPr kumimoji="1" lang="ja-JP" altLang="en-US" sz="1800" dirty="0" smtClean="0"/>
-              <a:t>法人　情報処理学会　研究報告　</a:t>
+              <a:t>　　社団法人　情報処理学会　研究報告　</a:t>
             </a:r>
             <a:r>
               <a:rPr kumimoji="1" lang="en-US" altLang="ja-JP" sz="1800" dirty="0" smtClean="0"/>
@@ -11341,13 +11406,7 @@
               <a:rPr lang="en-US" altLang="ja-JP" sz="1800" dirty="0" smtClean="0">
                 <a:latin typeface="NimbusSanL-Regu"/>
               </a:rPr>
-              <a:t> </a:t>
-            </a:r>
-            <a:r>
-              <a:rPr lang="en-US" altLang="ja-JP" sz="1800" dirty="0" smtClean="0">
-                <a:latin typeface="NimbusSanL-Regu"/>
-              </a:rPr>
-              <a:t>Yan, </a:t>
+              <a:t> Yan, </a:t>
             </a:r>
             <a:r>
               <a:rPr lang="en-US" altLang="ja-JP" sz="1800" dirty="0" err="1">
@@ -12379,17 +12438,12 @@
             </a:r>
             <a:r>
               <a:rPr lang="ja-JP" altLang="en-US" dirty="0" smtClean="0"/>
-              <a:t>でキーポイントを出して</a:t>
-            </a:r>
-            <a:r>
-              <a:rPr lang="ja-JP" altLang="en-US" dirty="0" smtClean="0"/>
-              <a:t>みました</a:t>
+              <a:t>でキーポイントを出してみました</a:t>
             </a:r>
             <a:r>
               <a:rPr lang="en-US" altLang="ja-JP" dirty="0" smtClean="0"/>
               <a:t>.</a:t>
             </a:r>
-            <a:endParaRPr lang="en-US" altLang="ja-JP" dirty="0" smtClean="0"/>
           </a:p>
         </p:txBody>
       </p:sp>
@@ -12421,11 +12475,7 @@
             </a:r>
             <a:r>
               <a:rPr kumimoji="1" lang="ja-JP" altLang="en-US" dirty="0" smtClean="0"/>
-              <a:t>で</a:t>
-            </a:r>
-            <a:r>
-              <a:rPr kumimoji="1" lang="ja-JP" altLang="en-US" dirty="0" smtClean="0"/>
-              <a:t>は</a:t>
+              <a:t>では</a:t>
             </a:r>
             <a:r>
               <a:rPr kumimoji="1" lang="en-US" altLang="ja-JP" dirty="0" smtClean="0"/>
@@ -12433,11 +12483,7 @@
             </a:r>
             <a:r>
               <a:rPr kumimoji="1" lang="ja-JP" altLang="en-US" dirty="0" smtClean="0"/>
-              <a:t>で中間層を可視化することをして</a:t>
-            </a:r>
-            <a:r>
-              <a:rPr kumimoji="1" lang="ja-JP" altLang="en-US" dirty="0" smtClean="0"/>
-              <a:t>みました</a:t>
+              <a:t>で中間層を可視化することをしてみました</a:t>
             </a:r>
             <a:r>
               <a:rPr kumimoji="1" lang="en-US" altLang="ja-JP" dirty="0" smtClean="0"/>

--- a/1821005_中間発表.pptx
+++ b/1821005_中間発表.pptx
@@ -3,23 +3,20 @@
 <p:presentation xmlns:a="http://schemas.openxmlformats.org/drawingml/2006/main" xmlns:r="http://schemas.openxmlformats.org/officeDocument/2006/relationships" xmlns:p="http://schemas.openxmlformats.org/presentationml/2006/main" saveSubsetFonts="1">
   <p:sldMasterIdLst>
     <p:sldMasterId id="2147483660" r:id="rId1"/>
-    <p:sldMasterId id="2147483672" r:id="rId2"/>
   </p:sldMasterIdLst>
   <p:notesMasterIdLst>
-    <p:notesMasterId r:id="rId14"/>
+    <p:notesMasterId r:id="rId11"/>
   </p:notesMasterIdLst>
   <p:sldIdLst>
-    <p:sldId id="257" r:id="rId3"/>
-    <p:sldId id="259" r:id="rId4"/>
-    <p:sldId id="261" r:id="rId5"/>
-    <p:sldId id="262" r:id="rId6"/>
-    <p:sldId id="263" r:id="rId7"/>
-    <p:sldId id="265" r:id="rId8"/>
-    <p:sldId id="258" r:id="rId9"/>
-    <p:sldId id="264" r:id="rId10"/>
-    <p:sldId id="260" r:id="rId11"/>
-    <p:sldId id="266" r:id="rId12"/>
-    <p:sldId id="256" r:id="rId13"/>
+    <p:sldId id="257" r:id="rId2"/>
+    <p:sldId id="259" r:id="rId3"/>
+    <p:sldId id="261" r:id="rId4"/>
+    <p:sldId id="262" r:id="rId5"/>
+    <p:sldId id="263" r:id="rId6"/>
+    <p:sldId id="265" r:id="rId7"/>
+    <p:sldId id="258" r:id="rId8"/>
+    <p:sldId id="264" r:id="rId9"/>
+    <p:sldId id="256" r:id="rId10"/>
   </p:sldIdLst>
   <p:sldSz cx="9144000" cy="6858000" type="screen4x3"/>
   <p:notesSz cx="6858000" cy="9144000"/>
@@ -846,7 +843,7 @@
           <a:p>
             <a:fld id="{9D828324-DCC9-430F-AD2C-1DD1805E2C40}" type="slidenum">
               <a:rPr kumimoji="1" lang="ja-JP" altLang="en-US" smtClean="0"/>
-              <a:t>11</a:t>
+              <a:t>9</a:t>
             </a:fld>
             <a:endParaRPr kumimoji="1" lang="ja-JP" altLang="en-US"/>
           </a:p>
@@ -1474,3173 +1471,6 @@
 </p:sldLayout>
 </file>
 
-<file path=ppt/slideLayouts/slideLayout12.xml><?xml version="1.0" encoding="utf-8"?>
-<p:sldLayout xmlns:a="http://schemas.openxmlformats.org/drawingml/2006/main" xmlns:r="http://schemas.openxmlformats.org/officeDocument/2006/relationships" xmlns:p="http://schemas.openxmlformats.org/presentationml/2006/main" type="title" preserve="1">
-  <p:cSld name="タイトル スライド">
-    <p:spTree>
-      <p:nvGrpSpPr>
-        <p:cNvPr id="1" name=""/>
-        <p:cNvGrpSpPr/>
-        <p:nvPr/>
-      </p:nvGrpSpPr>
-      <p:grpSpPr>
-        <a:xfrm>
-          <a:off x="0" y="0"/>
-          <a:ext cx="0" cy="0"/>
-          <a:chOff x="0" y="0"/>
-          <a:chExt cx="0" cy="0"/>
-        </a:xfrm>
-      </p:grpSpPr>
-      <p:sp>
-        <p:nvSpPr>
-          <p:cNvPr id="2" name="Title 1"/>
-          <p:cNvSpPr>
-            <a:spLocks noGrp="1"/>
-          </p:cNvSpPr>
-          <p:nvPr>
-            <p:ph type="ctrTitle"/>
-          </p:nvPr>
-        </p:nvSpPr>
-        <p:spPr>
-          <a:xfrm>
-            <a:off x="685800" y="1122363"/>
-            <a:ext cx="7772400" cy="2387600"/>
-          </a:xfrm>
-        </p:spPr>
-        <p:txBody>
-          <a:bodyPr anchor="b"/>
-          <a:lstStyle>
-            <a:lvl1pPr algn="ctr">
-              <a:defRPr sz="6000"/>
-            </a:lvl1pPr>
-          </a:lstStyle>
-          <a:p>
-            <a:r>
-              <a:rPr lang="ja-JP" altLang="en-US" smtClean="0"/>
-              <a:t>マスター タイトルの書式設定</a:t>
-            </a:r>
-            <a:endParaRPr lang="en-US" dirty="0"/>
-          </a:p>
-        </p:txBody>
-      </p:sp>
-      <p:sp>
-        <p:nvSpPr>
-          <p:cNvPr id="3" name="Subtitle 2"/>
-          <p:cNvSpPr>
-            <a:spLocks noGrp="1"/>
-          </p:cNvSpPr>
-          <p:nvPr>
-            <p:ph type="subTitle" idx="1"/>
-          </p:nvPr>
-        </p:nvSpPr>
-        <p:spPr>
-          <a:xfrm>
-            <a:off x="1143000" y="3602038"/>
-            <a:ext cx="6858000" cy="1655762"/>
-          </a:xfrm>
-        </p:spPr>
-        <p:txBody>
-          <a:bodyPr/>
-          <a:lstStyle>
-            <a:lvl1pPr marL="0" indent="0" algn="ctr">
-              <a:buNone/>
-              <a:defRPr sz="2400"/>
-            </a:lvl1pPr>
-            <a:lvl2pPr marL="457200" indent="0" algn="ctr">
-              <a:buNone/>
-              <a:defRPr sz="2000"/>
-            </a:lvl2pPr>
-            <a:lvl3pPr marL="914400" indent="0" algn="ctr">
-              <a:buNone/>
-              <a:defRPr sz="1800"/>
-            </a:lvl3pPr>
-            <a:lvl4pPr marL="1371600" indent="0" algn="ctr">
-              <a:buNone/>
-              <a:defRPr sz="1600"/>
-            </a:lvl4pPr>
-            <a:lvl5pPr marL="1828800" indent="0" algn="ctr">
-              <a:buNone/>
-              <a:defRPr sz="1600"/>
-            </a:lvl5pPr>
-            <a:lvl6pPr marL="2286000" indent="0" algn="ctr">
-              <a:buNone/>
-              <a:defRPr sz="1600"/>
-            </a:lvl6pPr>
-            <a:lvl7pPr marL="2743200" indent="0" algn="ctr">
-              <a:buNone/>
-              <a:defRPr sz="1600"/>
-            </a:lvl7pPr>
-            <a:lvl8pPr marL="3200400" indent="0" algn="ctr">
-              <a:buNone/>
-              <a:defRPr sz="1600"/>
-            </a:lvl8pPr>
-            <a:lvl9pPr marL="3657600" indent="0" algn="ctr">
-              <a:buNone/>
-              <a:defRPr sz="1600"/>
-            </a:lvl9pPr>
-          </a:lstStyle>
-          <a:p>
-            <a:r>
-              <a:rPr lang="ja-JP" altLang="en-US" smtClean="0"/>
-              <a:t>マスター サブタイトルの書式設定</a:t>
-            </a:r>
-            <a:endParaRPr lang="en-US" dirty="0"/>
-          </a:p>
-        </p:txBody>
-      </p:sp>
-      <p:sp>
-        <p:nvSpPr>
-          <p:cNvPr id="4" name="Date Placeholder 3"/>
-          <p:cNvSpPr>
-            <a:spLocks noGrp="1"/>
-          </p:cNvSpPr>
-          <p:nvPr>
-            <p:ph type="dt" sz="half" idx="10"/>
-          </p:nvPr>
-        </p:nvSpPr>
-        <p:spPr/>
-        <p:txBody>
-          <a:bodyPr/>
-          <a:lstStyle/>
-          <a:p>
-            <a:pPr marL="0" marR="0" lvl="0" indent="0" algn="l" defTabSz="914400" rtl="0" eaLnBrk="1" fontAlgn="auto" latinLnBrk="0" hangingPunct="1">
-              <a:lnSpc>
-                <a:spcPct val="100000"/>
-              </a:lnSpc>
-              <a:spcBef>
-                <a:spcPts val="0"/>
-              </a:spcBef>
-              <a:spcAft>
-                <a:spcPts val="0"/>
-              </a:spcAft>
-              <a:buClrTx/>
-              <a:buSzTx/>
-              <a:buFontTx/>
-              <a:buNone/>
-              <a:tabLst/>
-              <a:defRPr/>
-            </a:pPr>
-            <a:fld id="{777BCA22-9404-4EAD-B600-E5D0D5F14758}" type="datetime1">
-              <a:rPr kumimoji="1" lang="ja-JP" altLang="en-US" sz="1200" b="0" i="0" u="none" strike="noStrike" kern="1200" cap="none" spc="0" normalizeH="0" baseline="0" noProof="0" smtClean="0">
-                <a:ln>
-                  <a:noFill/>
-                </a:ln>
-                <a:solidFill>
-                  <a:prstClr val="black">
-                    <a:tint val="75000"/>
-                  </a:prstClr>
-                </a:solidFill>
-                <a:effectLst/>
-                <a:uLnTx/>
-                <a:uFillTx/>
-                <a:latin typeface="Calibri" panose="020F0502020204030204"/>
-                <a:ea typeface="游ゴシック" panose="020B0400000000000000" pitchFamily="50" charset="-128"/>
-                <a:cs typeface="+mn-cs"/>
-              </a:rPr>
-              <a:pPr marL="0" marR="0" lvl="0" indent="0" algn="l" defTabSz="914400" rtl="0" eaLnBrk="1" fontAlgn="auto" latinLnBrk="0" hangingPunct="1">
-                <a:lnSpc>
-                  <a:spcPct val="100000"/>
-                </a:lnSpc>
-                <a:spcBef>
-                  <a:spcPts val="0"/>
-                </a:spcBef>
-                <a:spcAft>
-                  <a:spcPts val="0"/>
-                </a:spcAft>
-                <a:buClrTx/>
-                <a:buSzTx/>
-                <a:buFontTx/>
-                <a:buNone/>
-                <a:tabLst/>
-                <a:defRPr/>
-              </a:pPr>
-              <a:t>2021/7/27</a:t>
-            </a:fld>
-            <a:endParaRPr kumimoji="1" lang="ja-JP" altLang="en-US" sz="1200" b="0" i="0" u="none" strike="noStrike" kern="1200" cap="none" spc="0" normalizeH="0" baseline="0" noProof="0">
-              <a:ln>
-                <a:noFill/>
-              </a:ln>
-              <a:solidFill>
-                <a:prstClr val="black">
-                  <a:tint val="75000"/>
-                </a:prstClr>
-              </a:solidFill>
-              <a:effectLst/>
-              <a:uLnTx/>
-              <a:uFillTx/>
-              <a:latin typeface="Calibri" panose="020F0502020204030204"/>
-              <a:ea typeface="游ゴシック" panose="020B0400000000000000" pitchFamily="50" charset="-128"/>
-              <a:cs typeface="+mn-cs"/>
-            </a:endParaRPr>
-          </a:p>
-        </p:txBody>
-      </p:sp>
-      <p:sp>
-        <p:nvSpPr>
-          <p:cNvPr id="5" name="Footer Placeholder 4"/>
-          <p:cNvSpPr>
-            <a:spLocks noGrp="1"/>
-          </p:cNvSpPr>
-          <p:nvPr>
-            <p:ph type="ftr" sz="quarter" idx="11"/>
-          </p:nvPr>
-        </p:nvSpPr>
-        <p:spPr/>
-        <p:txBody>
-          <a:bodyPr/>
-          <a:lstStyle/>
-          <a:p>
-            <a:pPr marL="0" marR="0" lvl="0" indent="0" algn="ctr" defTabSz="914400" rtl="0" eaLnBrk="1" fontAlgn="auto" latinLnBrk="0" hangingPunct="1">
-              <a:lnSpc>
-                <a:spcPct val="100000"/>
-              </a:lnSpc>
-              <a:spcBef>
-                <a:spcPts val="0"/>
-              </a:spcBef>
-              <a:spcAft>
-                <a:spcPts val="0"/>
-              </a:spcAft>
-              <a:buClrTx/>
-              <a:buSzTx/>
-              <a:buFontTx/>
-              <a:buNone/>
-              <a:tabLst/>
-              <a:defRPr/>
-            </a:pPr>
-            <a:endParaRPr kumimoji="1" lang="ja-JP" altLang="en-US" sz="1200" b="0" i="0" u="none" strike="noStrike" kern="1200" cap="none" spc="0" normalizeH="0" baseline="0" noProof="0">
-              <a:ln>
-                <a:noFill/>
-              </a:ln>
-              <a:solidFill>
-                <a:prstClr val="black">
-                  <a:tint val="75000"/>
-                </a:prstClr>
-              </a:solidFill>
-              <a:effectLst/>
-              <a:uLnTx/>
-              <a:uFillTx/>
-              <a:latin typeface="Calibri" panose="020F0502020204030204"/>
-              <a:ea typeface="游ゴシック" panose="020B0400000000000000" pitchFamily="50" charset="-128"/>
-              <a:cs typeface="+mn-cs"/>
-            </a:endParaRPr>
-          </a:p>
-        </p:txBody>
-      </p:sp>
-      <p:sp>
-        <p:nvSpPr>
-          <p:cNvPr id="6" name="Slide Number Placeholder 5"/>
-          <p:cNvSpPr>
-            <a:spLocks noGrp="1"/>
-          </p:cNvSpPr>
-          <p:nvPr>
-            <p:ph type="sldNum" sz="quarter" idx="12"/>
-          </p:nvPr>
-        </p:nvSpPr>
-        <p:spPr/>
-        <p:txBody>
-          <a:bodyPr/>
-          <a:lstStyle/>
-          <a:p>
-            <a:pPr marL="0" marR="0" lvl="0" indent="0" algn="r" defTabSz="914400" rtl="0" eaLnBrk="1" fontAlgn="auto" latinLnBrk="0" hangingPunct="1">
-              <a:lnSpc>
-                <a:spcPct val="100000"/>
-              </a:lnSpc>
-              <a:spcBef>
-                <a:spcPts val="0"/>
-              </a:spcBef>
-              <a:spcAft>
-                <a:spcPts val="0"/>
-              </a:spcAft>
-              <a:buClrTx/>
-              <a:buSzTx/>
-              <a:buFontTx/>
-              <a:buNone/>
-              <a:tabLst/>
-              <a:defRPr/>
-            </a:pPr>
-            <a:fld id="{BCFEE6ED-AA2C-49EB-A172-8063C2D7D298}" type="slidenum">
-              <a:rPr kumimoji="1" lang="ja-JP" altLang="en-US" sz="1200" b="0" i="0" u="none" strike="noStrike" kern="1200" cap="none" spc="0" normalizeH="0" baseline="0" noProof="0" smtClean="0">
-                <a:ln>
-                  <a:noFill/>
-                </a:ln>
-                <a:solidFill>
-                  <a:prstClr val="black">
-                    <a:tint val="75000"/>
-                  </a:prstClr>
-                </a:solidFill>
-                <a:effectLst/>
-                <a:uLnTx/>
-                <a:uFillTx/>
-                <a:latin typeface="Calibri" panose="020F0502020204030204"/>
-                <a:ea typeface="游ゴシック" panose="020B0400000000000000" pitchFamily="50" charset="-128"/>
-                <a:cs typeface="+mn-cs"/>
-              </a:rPr>
-              <a:pPr marL="0" marR="0" lvl="0" indent="0" algn="r" defTabSz="914400" rtl="0" eaLnBrk="1" fontAlgn="auto" latinLnBrk="0" hangingPunct="1">
-                <a:lnSpc>
-                  <a:spcPct val="100000"/>
-                </a:lnSpc>
-                <a:spcBef>
-                  <a:spcPts val="0"/>
-                </a:spcBef>
-                <a:spcAft>
-                  <a:spcPts val="0"/>
-                </a:spcAft>
-                <a:buClrTx/>
-                <a:buSzTx/>
-                <a:buFontTx/>
-                <a:buNone/>
-                <a:tabLst/>
-                <a:defRPr/>
-              </a:pPr>
-              <a:t>‹#›</a:t>
-            </a:fld>
-            <a:endParaRPr kumimoji="1" lang="ja-JP" altLang="en-US" sz="1200" b="0" i="0" u="none" strike="noStrike" kern="1200" cap="none" spc="0" normalizeH="0" baseline="0" noProof="0">
-              <a:ln>
-                <a:noFill/>
-              </a:ln>
-              <a:solidFill>
-                <a:prstClr val="black">
-                  <a:tint val="75000"/>
-                </a:prstClr>
-              </a:solidFill>
-              <a:effectLst/>
-              <a:uLnTx/>
-              <a:uFillTx/>
-              <a:latin typeface="Calibri" panose="020F0502020204030204"/>
-              <a:ea typeface="游ゴシック" panose="020B0400000000000000" pitchFamily="50" charset="-128"/>
-              <a:cs typeface="+mn-cs"/>
-            </a:endParaRPr>
-          </a:p>
-        </p:txBody>
-      </p:sp>
-    </p:spTree>
-    <p:extLst>
-      <p:ext uri="{BB962C8B-B14F-4D97-AF65-F5344CB8AC3E}">
-        <p14:creationId xmlns:p14="http://schemas.microsoft.com/office/powerpoint/2010/main" val="305479965"/>
-      </p:ext>
-    </p:extLst>
-  </p:cSld>
-  <p:clrMapOvr>
-    <a:masterClrMapping/>
-  </p:clrMapOvr>
-</p:sldLayout>
-</file>
-
-<file path=ppt/slideLayouts/slideLayout13.xml><?xml version="1.0" encoding="utf-8"?>
-<p:sldLayout xmlns:a="http://schemas.openxmlformats.org/drawingml/2006/main" xmlns:r="http://schemas.openxmlformats.org/officeDocument/2006/relationships" xmlns:p="http://schemas.openxmlformats.org/presentationml/2006/main" type="obj" preserve="1">
-  <p:cSld name="タイトルとコンテンツ">
-    <p:spTree>
-      <p:nvGrpSpPr>
-        <p:cNvPr id="1" name=""/>
-        <p:cNvGrpSpPr/>
-        <p:nvPr/>
-      </p:nvGrpSpPr>
-      <p:grpSpPr>
-        <a:xfrm>
-          <a:off x="0" y="0"/>
-          <a:ext cx="0" cy="0"/>
-          <a:chOff x="0" y="0"/>
-          <a:chExt cx="0" cy="0"/>
-        </a:xfrm>
-      </p:grpSpPr>
-      <p:sp>
-        <p:nvSpPr>
-          <p:cNvPr id="2" name="Title 1"/>
-          <p:cNvSpPr>
-            <a:spLocks noGrp="1"/>
-          </p:cNvSpPr>
-          <p:nvPr>
-            <p:ph type="title"/>
-          </p:nvPr>
-        </p:nvSpPr>
-        <p:spPr/>
-        <p:txBody>
-          <a:bodyPr/>
-          <a:lstStyle/>
-          <a:p>
-            <a:r>
-              <a:rPr lang="ja-JP" altLang="en-US" smtClean="0"/>
-              <a:t>マスター タイトルの書式設定</a:t>
-            </a:r>
-            <a:endParaRPr lang="en-US" dirty="0"/>
-          </a:p>
-        </p:txBody>
-      </p:sp>
-      <p:sp>
-        <p:nvSpPr>
-          <p:cNvPr id="3" name="Content Placeholder 2"/>
-          <p:cNvSpPr>
-            <a:spLocks noGrp="1"/>
-          </p:cNvSpPr>
-          <p:nvPr>
-            <p:ph idx="1"/>
-          </p:nvPr>
-        </p:nvSpPr>
-        <p:spPr/>
-        <p:txBody>
-          <a:bodyPr/>
-          <a:lstStyle/>
-          <a:p>
-            <a:pPr lvl="0"/>
-            <a:r>
-              <a:rPr lang="ja-JP" altLang="en-US" smtClean="0"/>
-              <a:t>マスター テキストの書式設定</a:t>
-            </a:r>
-          </a:p>
-          <a:p>
-            <a:pPr lvl="1"/>
-            <a:r>
-              <a:rPr lang="ja-JP" altLang="en-US" smtClean="0"/>
-              <a:t>第 </a:t>
-            </a:r>
-            <a:r>
-              <a:rPr lang="en-US" altLang="ja-JP" smtClean="0"/>
-              <a:t>2 </a:t>
-            </a:r>
-            <a:r>
-              <a:rPr lang="ja-JP" altLang="en-US" smtClean="0"/>
-              <a:t>レベル</a:t>
-            </a:r>
-          </a:p>
-          <a:p>
-            <a:pPr lvl="2"/>
-            <a:r>
-              <a:rPr lang="ja-JP" altLang="en-US" smtClean="0"/>
-              <a:t>第 </a:t>
-            </a:r>
-            <a:r>
-              <a:rPr lang="en-US" altLang="ja-JP" smtClean="0"/>
-              <a:t>3 </a:t>
-            </a:r>
-            <a:r>
-              <a:rPr lang="ja-JP" altLang="en-US" smtClean="0"/>
-              <a:t>レベル</a:t>
-            </a:r>
-          </a:p>
-          <a:p>
-            <a:pPr lvl="3"/>
-            <a:r>
-              <a:rPr lang="ja-JP" altLang="en-US" smtClean="0"/>
-              <a:t>第 </a:t>
-            </a:r>
-            <a:r>
-              <a:rPr lang="en-US" altLang="ja-JP" smtClean="0"/>
-              <a:t>4 </a:t>
-            </a:r>
-            <a:r>
-              <a:rPr lang="ja-JP" altLang="en-US" smtClean="0"/>
-              <a:t>レベル</a:t>
-            </a:r>
-          </a:p>
-          <a:p>
-            <a:pPr lvl="4"/>
-            <a:r>
-              <a:rPr lang="ja-JP" altLang="en-US" smtClean="0"/>
-              <a:t>第 </a:t>
-            </a:r>
-            <a:r>
-              <a:rPr lang="en-US" altLang="ja-JP" smtClean="0"/>
-              <a:t>5 </a:t>
-            </a:r>
-            <a:r>
-              <a:rPr lang="ja-JP" altLang="en-US" smtClean="0"/>
-              <a:t>レベル</a:t>
-            </a:r>
-            <a:endParaRPr lang="en-US" dirty="0"/>
-          </a:p>
-        </p:txBody>
-      </p:sp>
-      <p:sp>
-        <p:nvSpPr>
-          <p:cNvPr id="4" name="Date Placeholder 3"/>
-          <p:cNvSpPr>
-            <a:spLocks noGrp="1"/>
-          </p:cNvSpPr>
-          <p:nvPr>
-            <p:ph type="dt" sz="half" idx="10"/>
-          </p:nvPr>
-        </p:nvSpPr>
-        <p:spPr/>
-        <p:txBody>
-          <a:bodyPr/>
-          <a:lstStyle/>
-          <a:p>
-            <a:pPr marL="0" marR="0" lvl="0" indent="0" algn="l" defTabSz="914400" rtl="0" eaLnBrk="1" fontAlgn="auto" latinLnBrk="0" hangingPunct="1">
-              <a:lnSpc>
-                <a:spcPct val="100000"/>
-              </a:lnSpc>
-              <a:spcBef>
-                <a:spcPts val="0"/>
-              </a:spcBef>
-              <a:spcAft>
-                <a:spcPts val="0"/>
-              </a:spcAft>
-              <a:buClrTx/>
-              <a:buSzTx/>
-              <a:buFontTx/>
-              <a:buNone/>
-              <a:tabLst/>
-              <a:defRPr/>
-            </a:pPr>
-            <a:fld id="{C1775DBA-A6B2-4F32-815E-884FBB6D7804}" type="datetime1">
-              <a:rPr kumimoji="1" lang="ja-JP" altLang="en-US" sz="1200" b="0" i="0" u="none" strike="noStrike" kern="1200" cap="none" spc="0" normalizeH="0" baseline="0" noProof="0" smtClean="0">
-                <a:ln>
-                  <a:noFill/>
-                </a:ln>
-                <a:solidFill>
-                  <a:prstClr val="black">
-                    <a:tint val="75000"/>
-                  </a:prstClr>
-                </a:solidFill>
-                <a:effectLst/>
-                <a:uLnTx/>
-                <a:uFillTx/>
-                <a:latin typeface="Calibri" panose="020F0502020204030204"/>
-                <a:ea typeface="游ゴシック" panose="020B0400000000000000" pitchFamily="50" charset="-128"/>
-                <a:cs typeface="+mn-cs"/>
-              </a:rPr>
-              <a:pPr marL="0" marR="0" lvl="0" indent="0" algn="l" defTabSz="914400" rtl="0" eaLnBrk="1" fontAlgn="auto" latinLnBrk="0" hangingPunct="1">
-                <a:lnSpc>
-                  <a:spcPct val="100000"/>
-                </a:lnSpc>
-                <a:spcBef>
-                  <a:spcPts val="0"/>
-                </a:spcBef>
-                <a:spcAft>
-                  <a:spcPts val="0"/>
-                </a:spcAft>
-                <a:buClrTx/>
-                <a:buSzTx/>
-                <a:buFontTx/>
-                <a:buNone/>
-                <a:tabLst/>
-                <a:defRPr/>
-              </a:pPr>
-              <a:t>2021/7/27</a:t>
-            </a:fld>
-            <a:endParaRPr kumimoji="1" lang="ja-JP" altLang="en-US" sz="1200" b="0" i="0" u="none" strike="noStrike" kern="1200" cap="none" spc="0" normalizeH="0" baseline="0" noProof="0">
-              <a:ln>
-                <a:noFill/>
-              </a:ln>
-              <a:solidFill>
-                <a:prstClr val="black">
-                  <a:tint val="75000"/>
-                </a:prstClr>
-              </a:solidFill>
-              <a:effectLst/>
-              <a:uLnTx/>
-              <a:uFillTx/>
-              <a:latin typeface="Calibri" panose="020F0502020204030204"/>
-              <a:ea typeface="游ゴシック" panose="020B0400000000000000" pitchFamily="50" charset="-128"/>
-              <a:cs typeface="+mn-cs"/>
-            </a:endParaRPr>
-          </a:p>
-        </p:txBody>
-      </p:sp>
-      <p:sp>
-        <p:nvSpPr>
-          <p:cNvPr id="5" name="Footer Placeholder 4"/>
-          <p:cNvSpPr>
-            <a:spLocks noGrp="1"/>
-          </p:cNvSpPr>
-          <p:nvPr>
-            <p:ph type="ftr" sz="quarter" idx="11"/>
-          </p:nvPr>
-        </p:nvSpPr>
-        <p:spPr/>
-        <p:txBody>
-          <a:bodyPr/>
-          <a:lstStyle/>
-          <a:p>
-            <a:pPr marL="0" marR="0" lvl="0" indent="0" algn="ctr" defTabSz="914400" rtl="0" eaLnBrk="1" fontAlgn="auto" latinLnBrk="0" hangingPunct="1">
-              <a:lnSpc>
-                <a:spcPct val="100000"/>
-              </a:lnSpc>
-              <a:spcBef>
-                <a:spcPts val="0"/>
-              </a:spcBef>
-              <a:spcAft>
-                <a:spcPts val="0"/>
-              </a:spcAft>
-              <a:buClrTx/>
-              <a:buSzTx/>
-              <a:buFontTx/>
-              <a:buNone/>
-              <a:tabLst/>
-              <a:defRPr/>
-            </a:pPr>
-            <a:endParaRPr kumimoji="1" lang="ja-JP" altLang="en-US" sz="1200" b="0" i="0" u="none" strike="noStrike" kern="1200" cap="none" spc="0" normalizeH="0" baseline="0" noProof="0">
-              <a:ln>
-                <a:noFill/>
-              </a:ln>
-              <a:solidFill>
-                <a:prstClr val="black">
-                  <a:tint val="75000"/>
-                </a:prstClr>
-              </a:solidFill>
-              <a:effectLst/>
-              <a:uLnTx/>
-              <a:uFillTx/>
-              <a:latin typeface="Calibri" panose="020F0502020204030204"/>
-              <a:ea typeface="游ゴシック" panose="020B0400000000000000" pitchFamily="50" charset="-128"/>
-              <a:cs typeface="+mn-cs"/>
-            </a:endParaRPr>
-          </a:p>
-        </p:txBody>
-      </p:sp>
-      <p:sp>
-        <p:nvSpPr>
-          <p:cNvPr id="6" name="Slide Number Placeholder 5"/>
-          <p:cNvSpPr>
-            <a:spLocks noGrp="1"/>
-          </p:cNvSpPr>
-          <p:nvPr>
-            <p:ph type="sldNum" sz="quarter" idx="12"/>
-          </p:nvPr>
-        </p:nvSpPr>
-        <p:spPr/>
-        <p:txBody>
-          <a:bodyPr/>
-          <a:lstStyle/>
-          <a:p>
-            <a:pPr marL="0" marR="0" lvl="0" indent="0" algn="r" defTabSz="914400" rtl="0" eaLnBrk="1" fontAlgn="auto" latinLnBrk="0" hangingPunct="1">
-              <a:lnSpc>
-                <a:spcPct val="100000"/>
-              </a:lnSpc>
-              <a:spcBef>
-                <a:spcPts val="0"/>
-              </a:spcBef>
-              <a:spcAft>
-                <a:spcPts val="0"/>
-              </a:spcAft>
-              <a:buClrTx/>
-              <a:buSzTx/>
-              <a:buFontTx/>
-              <a:buNone/>
-              <a:tabLst/>
-              <a:defRPr/>
-            </a:pPr>
-            <a:fld id="{BCFEE6ED-AA2C-49EB-A172-8063C2D7D298}" type="slidenum">
-              <a:rPr kumimoji="1" lang="ja-JP" altLang="en-US" sz="1200" b="0" i="0" u="none" strike="noStrike" kern="1200" cap="none" spc="0" normalizeH="0" baseline="0" noProof="0" smtClean="0">
-                <a:ln>
-                  <a:noFill/>
-                </a:ln>
-                <a:solidFill>
-                  <a:prstClr val="black">
-                    <a:tint val="75000"/>
-                  </a:prstClr>
-                </a:solidFill>
-                <a:effectLst/>
-                <a:uLnTx/>
-                <a:uFillTx/>
-                <a:latin typeface="Calibri" panose="020F0502020204030204"/>
-                <a:ea typeface="游ゴシック" panose="020B0400000000000000" pitchFamily="50" charset="-128"/>
-                <a:cs typeface="+mn-cs"/>
-              </a:rPr>
-              <a:pPr marL="0" marR="0" lvl="0" indent="0" algn="r" defTabSz="914400" rtl="0" eaLnBrk="1" fontAlgn="auto" latinLnBrk="0" hangingPunct="1">
-                <a:lnSpc>
-                  <a:spcPct val="100000"/>
-                </a:lnSpc>
-                <a:spcBef>
-                  <a:spcPts val="0"/>
-                </a:spcBef>
-                <a:spcAft>
-                  <a:spcPts val="0"/>
-                </a:spcAft>
-                <a:buClrTx/>
-                <a:buSzTx/>
-                <a:buFontTx/>
-                <a:buNone/>
-                <a:tabLst/>
-                <a:defRPr/>
-              </a:pPr>
-              <a:t>‹#›</a:t>
-            </a:fld>
-            <a:endParaRPr kumimoji="1" lang="ja-JP" altLang="en-US" sz="1200" b="0" i="0" u="none" strike="noStrike" kern="1200" cap="none" spc="0" normalizeH="0" baseline="0" noProof="0">
-              <a:ln>
-                <a:noFill/>
-              </a:ln>
-              <a:solidFill>
-                <a:prstClr val="black">
-                  <a:tint val="75000"/>
-                </a:prstClr>
-              </a:solidFill>
-              <a:effectLst/>
-              <a:uLnTx/>
-              <a:uFillTx/>
-              <a:latin typeface="Calibri" panose="020F0502020204030204"/>
-              <a:ea typeface="游ゴシック" panose="020B0400000000000000" pitchFamily="50" charset="-128"/>
-              <a:cs typeface="+mn-cs"/>
-            </a:endParaRPr>
-          </a:p>
-        </p:txBody>
-      </p:sp>
-    </p:spTree>
-    <p:extLst>
-      <p:ext uri="{BB962C8B-B14F-4D97-AF65-F5344CB8AC3E}">
-        <p14:creationId xmlns:p14="http://schemas.microsoft.com/office/powerpoint/2010/main" val="3775597624"/>
-      </p:ext>
-    </p:extLst>
-  </p:cSld>
-  <p:clrMapOvr>
-    <a:masterClrMapping/>
-  </p:clrMapOvr>
-</p:sldLayout>
-</file>
-
-<file path=ppt/slideLayouts/slideLayout14.xml><?xml version="1.0" encoding="utf-8"?>
-<p:sldLayout xmlns:a="http://schemas.openxmlformats.org/drawingml/2006/main" xmlns:r="http://schemas.openxmlformats.org/officeDocument/2006/relationships" xmlns:p="http://schemas.openxmlformats.org/presentationml/2006/main" type="secHead" preserve="1">
-  <p:cSld name="セクション見出し">
-    <p:spTree>
-      <p:nvGrpSpPr>
-        <p:cNvPr id="1" name=""/>
-        <p:cNvGrpSpPr/>
-        <p:nvPr/>
-      </p:nvGrpSpPr>
-      <p:grpSpPr>
-        <a:xfrm>
-          <a:off x="0" y="0"/>
-          <a:ext cx="0" cy="0"/>
-          <a:chOff x="0" y="0"/>
-          <a:chExt cx="0" cy="0"/>
-        </a:xfrm>
-      </p:grpSpPr>
-      <p:sp>
-        <p:nvSpPr>
-          <p:cNvPr id="2" name="Title 1"/>
-          <p:cNvSpPr>
-            <a:spLocks noGrp="1"/>
-          </p:cNvSpPr>
-          <p:nvPr>
-            <p:ph type="title"/>
-          </p:nvPr>
-        </p:nvSpPr>
-        <p:spPr>
-          <a:xfrm>
-            <a:off x="623888" y="1709739"/>
-            <a:ext cx="7886700" cy="2852737"/>
-          </a:xfrm>
-        </p:spPr>
-        <p:txBody>
-          <a:bodyPr anchor="b"/>
-          <a:lstStyle>
-            <a:lvl1pPr>
-              <a:defRPr sz="6000"/>
-            </a:lvl1pPr>
-          </a:lstStyle>
-          <a:p>
-            <a:r>
-              <a:rPr lang="ja-JP" altLang="en-US" smtClean="0"/>
-              <a:t>マスター タイトルの書式設定</a:t>
-            </a:r>
-            <a:endParaRPr lang="en-US" dirty="0"/>
-          </a:p>
-        </p:txBody>
-      </p:sp>
-      <p:sp>
-        <p:nvSpPr>
-          <p:cNvPr id="3" name="Text Placeholder 2"/>
-          <p:cNvSpPr>
-            <a:spLocks noGrp="1"/>
-          </p:cNvSpPr>
-          <p:nvPr>
-            <p:ph type="body" idx="1"/>
-          </p:nvPr>
-        </p:nvSpPr>
-        <p:spPr>
-          <a:xfrm>
-            <a:off x="623888" y="4589464"/>
-            <a:ext cx="7886700" cy="1500187"/>
-          </a:xfrm>
-        </p:spPr>
-        <p:txBody>
-          <a:bodyPr/>
-          <a:lstStyle>
-            <a:lvl1pPr marL="0" indent="0">
-              <a:buNone/>
-              <a:defRPr sz="2400">
-                <a:solidFill>
-                  <a:schemeClr val="tx1"/>
-                </a:solidFill>
-              </a:defRPr>
-            </a:lvl1pPr>
-            <a:lvl2pPr marL="457200" indent="0">
-              <a:buNone/>
-              <a:defRPr sz="2000">
-                <a:solidFill>
-                  <a:schemeClr val="tx1">
-                    <a:tint val="75000"/>
-                  </a:schemeClr>
-                </a:solidFill>
-              </a:defRPr>
-            </a:lvl2pPr>
-            <a:lvl3pPr marL="914400" indent="0">
-              <a:buNone/>
-              <a:defRPr sz="1800">
-                <a:solidFill>
-                  <a:schemeClr val="tx1">
-                    <a:tint val="75000"/>
-                  </a:schemeClr>
-                </a:solidFill>
-              </a:defRPr>
-            </a:lvl3pPr>
-            <a:lvl4pPr marL="1371600" indent="0">
-              <a:buNone/>
-              <a:defRPr sz="1600">
-                <a:solidFill>
-                  <a:schemeClr val="tx1">
-                    <a:tint val="75000"/>
-                  </a:schemeClr>
-                </a:solidFill>
-              </a:defRPr>
-            </a:lvl4pPr>
-            <a:lvl5pPr marL="1828800" indent="0">
-              <a:buNone/>
-              <a:defRPr sz="1600">
-                <a:solidFill>
-                  <a:schemeClr val="tx1">
-                    <a:tint val="75000"/>
-                  </a:schemeClr>
-                </a:solidFill>
-              </a:defRPr>
-            </a:lvl5pPr>
-            <a:lvl6pPr marL="2286000" indent="0">
-              <a:buNone/>
-              <a:defRPr sz="1600">
-                <a:solidFill>
-                  <a:schemeClr val="tx1">
-                    <a:tint val="75000"/>
-                  </a:schemeClr>
-                </a:solidFill>
-              </a:defRPr>
-            </a:lvl6pPr>
-            <a:lvl7pPr marL="2743200" indent="0">
-              <a:buNone/>
-              <a:defRPr sz="1600">
-                <a:solidFill>
-                  <a:schemeClr val="tx1">
-                    <a:tint val="75000"/>
-                  </a:schemeClr>
-                </a:solidFill>
-              </a:defRPr>
-            </a:lvl7pPr>
-            <a:lvl8pPr marL="3200400" indent="0">
-              <a:buNone/>
-              <a:defRPr sz="1600">
-                <a:solidFill>
-                  <a:schemeClr val="tx1">
-                    <a:tint val="75000"/>
-                  </a:schemeClr>
-                </a:solidFill>
-              </a:defRPr>
-            </a:lvl8pPr>
-            <a:lvl9pPr marL="3657600" indent="0">
-              <a:buNone/>
-              <a:defRPr sz="1600">
-                <a:solidFill>
-                  <a:schemeClr val="tx1">
-                    <a:tint val="75000"/>
-                  </a:schemeClr>
-                </a:solidFill>
-              </a:defRPr>
-            </a:lvl9pPr>
-          </a:lstStyle>
-          <a:p>
-            <a:pPr lvl="0"/>
-            <a:r>
-              <a:rPr lang="ja-JP" altLang="en-US" smtClean="0"/>
-              <a:t>マスター テキストの書式設定</a:t>
-            </a:r>
-          </a:p>
-        </p:txBody>
-      </p:sp>
-      <p:sp>
-        <p:nvSpPr>
-          <p:cNvPr id="4" name="Date Placeholder 3"/>
-          <p:cNvSpPr>
-            <a:spLocks noGrp="1"/>
-          </p:cNvSpPr>
-          <p:nvPr>
-            <p:ph type="dt" sz="half" idx="10"/>
-          </p:nvPr>
-        </p:nvSpPr>
-        <p:spPr/>
-        <p:txBody>
-          <a:bodyPr/>
-          <a:lstStyle/>
-          <a:p>
-            <a:pPr marL="0" marR="0" lvl="0" indent="0" algn="l" defTabSz="914400" rtl="0" eaLnBrk="1" fontAlgn="auto" latinLnBrk="0" hangingPunct="1">
-              <a:lnSpc>
-                <a:spcPct val="100000"/>
-              </a:lnSpc>
-              <a:spcBef>
-                <a:spcPts val="0"/>
-              </a:spcBef>
-              <a:spcAft>
-                <a:spcPts val="0"/>
-              </a:spcAft>
-              <a:buClrTx/>
-              <a:buSzTx/>
-              <a:buFontTx/>
-              <a:buNone/>
-              <a:tabLst/>
-              <a:defRPr/>
-            </a:pPr>
-            <a:fld id="{9174E00D-6DCB-4D4E-87A0-FE20DA5F0465}" type="datetime1">
-              <a:rPr kumimoji="1" lang="ja-JP" altLang="en-US" sz="1200" b="0" i="0" u="none" strike="noStrike" kern="1200" cap="none" spc="0" normalizeH="0" baseline="0" noProof="0" smtClean="0">
-                <a:ln>
-                  <a:noFill/>
-                </a:ln>
-                <a:solidFill>
-                  <a:prstClr val="black">
-                    <a:tint val="75000"/>
-                  </a:prstClr>
-                </a:solidFill>
-                <a:effectLst/>
-                <a:uLnTx/>
-                <a:uFillTx/>
-                <a:latin typeface="Calibri" panose="020F0502020204030204"/>
-                <a:ea typeface="游ゴシック" panose="020B0400000000000000" pitchFamily="50" charset="-128"/>
-                <a:cs typeface="+mn-cs"/>
-              </a:rPr>
-              <a:pPr marL="0" marR="0" lvl="0" indent="0" algn="l" defTabSz="914400" rtl="0" eaLnBrk="1" fontAlgn="auto" latinLnBrk="0" hangingPunct="1">
-                <a:lnSpc>
-                  <a:spcPct val="100000"/>
-                </a:lnSpc>
-                <a:spcBef>
-                  <a:spcPts val="0"/>
-                </a:spcBef>
-                <a:spcAft>
-                  <a:spcPts val="0"/>
-                </a:spcAft>
-                <a:buClrTx/>
-                <a:buSzTx/>
-                <a:buFontTx/>
-                <a:buNone/>
-                <a:tabLst/>
-                <a:defRPr/>
-              </a:pPr>
-              <a:t>2021/7/27</a:t>
-            </a:fld>
-            <a:endParaRPr kumimoji="1" lang="ja-JP" altLang="en-US" sz="1200" b="0" i="0" u="none" strike="noStrike" kern="1200" cap="none" spc="0" normalizeH="0" baseline="0" noProof="0">
-              <a:ln>
-                <a:noFill/>
-              </a:ln>
-              <a:solidFill>
-                <a:prstClr val="black">
-                  <a:tint val="75000"/>
-                </a:prstClr>
-              </a:solidFill>
-              <a:effectLst/>
-              <a:uLnTx/>
-              <a:uFillTx/>
-              <a:latin typeface="Calibri" panose="020F0502020204030204"/>
-              <a:ea typeface="游ゴシック" panose="020B0400000000000000" pitchFamily="50" charset="-128"/>
-              <a:cs typeface="+mn-cs"/>
-            </a:endParaRPr>
-          </a:p>
-        </p:txBody>
-      </p:sp>
-      <p:sp>
-        <p:nvSpPr>
-          <p:cNvPr id="5" name="Footer Placeholder 4"/>
-          <p:cNvSpPr>
-            <a:spLocks noGrp="1"/>
-          </p:cNvSpPr>
-          <p:nvPr>
-            <p:ph type="ftr" sz="quarter" idx="11"/>
-          </p:nvPr>
-        </p:nvSpPr>
-        <p:spPr/>
-        <p:txBody>
-          <a:bodyPr/>
-          <a:lstStyle/>
-          <a:p>
-            <a:pPr marL="0" marR="0" lvl="0" indent="0" algn="ctr" defTabSz="914400" rtl="0" eaLnBrk="1" fontAlgn="auto" latinLnBrk="0" hangingPunct="1">
-              <a:lnSpc>
-                <a:spcPct val="100000"/>
-              </a:lnSpc>
-              <a:spcBef>
-                <a:spcPts val="0"/>
-              </a:spcBef>
-              <a:spcAft>
-                <a:spcPts val="0"/>
-              </a:spcAft>
-              <a:buClrTx/>
-              <a:buSzTx/>
-              <a:buFontTx/>
-              <a:buNone/>
-              <a:tabLst/>
-              <a:defRPr/>
-            </a:pPr>
-            <a:endParaRPr kumimoji="1" lang="ja-JP" altLang="en-US" sz="1200" b="0" i="0" u="none" strike="noStrike" kern="1200" cap="none" spc="0" normalizeH="0" baseline="0" noProof="0">
-              <a:ln>
-                <a:noFill/>
-              </a:ln>
-              <a:solidFill>
-                <a:prstClr val="black">
-                  <a:tint val="75000"/>
-                </a:prstClr>
-              </a:solidFill>
-              <a:effectLst/>
-              <a:uLnTx/>
-              <a:uFillTx/>
-              <a:latin typeface="Calibri" panose="020F0502020204030204"/>
-              <a:ea typeface="游ゴシック" panose="020B0400000000000000" pitchFamily="50" charset="-128"/>
-              <a:cs typeface="+mn-cs"/>
-            </a:endParaRPr>
-          </a:p>
-        </p:txBody>
-      </p:sp>
-      <p:sp>
-        <p:nvSpPr>
-          <p:cNvPr id="6" name="Slide Number Placeholder 5"/>
-          <p:cNvSpPr>
-            <a:spLocks noGrp="1"/>
-          </p:cNvSpPr>
-          <p:nvPr>
-            <p:ph type="sldNum" sz="quarter" idx="12"/>
-          </p:nvPr>
-        </p:nvSpPr>
-        <p:spPr/>
-        <p:txBody>
-          <a:bodyPr/>
-          <a:lstStyle/>
-          <a:p>
-            <a:pPr marL="0" marR="0" lvl="0" indent="0" algn="r" defTabSz="914400" rtl="0" eaLnBrk="1" fontAlgn="auto" latinLnBrk="0" hangingPunct="1">
-              <a:lnSpc>
-                <a:spcPct val="100000"/>
-              </a:lnSpc>
-              <a:spcBef>
-                <a:spcPts val="0"/>
-              </a:spcBef>
-              <a:spcAft>
-                <a:spcPts val="0"/>
-              </a:spcAft>
-              <a:buClrTx/>
-              <a:buSzTx/>
-              <a:buFontTx/>
-              <a:buNone/>
-              <a:tabLst/>
-              <a:defRPr/>
-            </a:pPr>
-            <a:fld id="{BCFEE6ED-AA2C-49EB-A172-8063C2D7D298}" type="slidenum">
-              <a:rPr kumimoji="1" lang="ja-JP" altLang="en-US" sz="1200" b="0" i="0" u="none" strike="noStrike" kern="1200" cap="none" spc="0" normalizeH="0" baseline="0" noProof="0" smtClean="0">
-                <a:ln>
-                  <a:noFill/>
-                </a:ln>
-                <a:solidFill>
-                  <a:prstClr val="black">
-                    <a:tint val="75000"/>
-                  </a:prstClr>
-                </a:solidFill>
-                <a:effectLst/>
-                <a:uLnTx/>
-                <a:uFillTx/>
-                <a:latin typeface="Calibri" panose="020F0502020204030204"/>
-                <a:ea typeface="游ゴシック" panose="020B0400000000000000" pitchFamily="50" charset="-128"/>
-                <a:cs typeface="+mn-cs"/>
-              </a:rPr>
-              <a:pPr marL="0" marR="0" lvl="0" indent="0" algn="r" defTabSz="914400" rtl="0" eaLnBrk="1" fontAlgn="auto" latinLnBrk="0" hangingPunct="1">
-                <a:lnSpc>
-                  <a:spcPct val="100000"/>
-                </a:lnSpc>
-                <a:spcBef>
-                  <a:spcPts val="0"/>
-                </a:spcBef>
-                <a:spcAft>
-                  <a:spcPts val="0"/>
-                </a:spcAft>
-                <a:buClrTx/>
-                <a:buSzTx/>
-                <a:buFontTx/>
-                <a:buNone/>
-                <a:tabLst/>
-                <a:defRPr/>
-              </a:pPr>
-              <a:t>‹#›</a:t>
-            </a:fld>
-            <a:endParaRPr kumimoji="1" lang="ja-JP" altLang="en-US" sz="1200" b="0" i="0" u="none" strike="noStrike" kern="1200" cap="none" spc="0" normalizeH="0" baseline="0" noProof="0">
-              <a:ln>
-                <a:noFill/>
-              </a:ln>
-              <a:solidFill>
-                <a:prstClr val="black">
-                  <a:tint val="75000"/>
-                </a:prstClr>
-              </a:solidFill>
-              <a:effectLst/>
-              <a:uLnTx/>
-              <a:uFillTx/>
-              <a:latin typeface="Calibri" panose="020F0502020204030204"/>
-              <a:ea typeface="游ゴシック" panose="020B0400000000000000" pitchFamily="50" charset="-128"/>
-              <a:cs typeface="+mn-cs"/>
-            </a:endParaRPr>
-          </a:p>
-        </p:txBody>
-      </p:sp>
-    </p:spTree>
-    <p:extLst>
-      <p:ext uri="{BB962C8B-B14F-4D97-AF65-F5344CB8AC3E}">
-        <p14:creationId xmlns:p14="http://schemas.microsoft.com/office/powerpoint/2010/main" val="1138090056"/>
-      </p:ext>
-    </p:extLst>
-  </p:cSld>
-  <p:clrMapOvr>
-    <a:masterClrMapping/>
-  </p:clrMapOvr>
-</p:sldLayout>
-</file>
-
-<file path=ppt/slideLayouts/slideLayout15.xml><?xml version="1.0" encoding="utf-8"?>
-<p:sldLayout xmlns:a="http://schemas.openxmlformats.org/drawingml/2006/main" xmlns:r="http://schemas.openxmlformats.org/officeDocument/2006/relationships" xmlns:p="http://schemas.openxmlformats.org/presentationml/2006/main" type="twoObj" preserve="1">
-  <p:cSld name="2 つのコンテンツ">
-    <p:spTree>
-      <p:nvGrpSpPr>
-        <p:cNvPr id="1" name=""/>
-        <p:cNvGrpSpPr/>
-        <p:nvPr/>
-      </p:nvGrpSpPr>
-      <p:grpSpPr>
-        <a:xfrm>
-          <a:off x="0" y="0"/>
-          <a:ext cx="0" cy="0"/>
-          <a:chOff x="0" y="0"/>
-          <a:chExt cx="0" cy="0"/>
-        </a:xfrm>
-      </p:grpSpPr>
-      <p:sp>
-        <p:nvSpPr>
-          <p:cNvPr id="2" name="Title 1"/>
-          <p:cNvSpPr>
-            <a:spLocks noGrp="1"/>
-          </p:cNvSpPr>
-          <p:nvPr>
-            <p:ph type="title"/>
-          </p:nvPr>
-        </p:nvSpPr>
-        <p:spPr/>
-        <p:txBody>
-          <a:bodyPr/>
-          <a:lstStyle/>
-          <a:p>
-            <a:r>
-              <a:rPr lang="ja-JP" altLang="en-US" smtClean="0"/>
-              <a:t>マスター タイトルの書式設定</a:t>
-            </a:r>
-            <a:endParaRPr lang="en-US" dirty="0"/>
-          </a:p>
-        </p:txBody>
-      </p:sp>
-      <p:sp>
-        <p:nvSpPr>
-          <p:cNvPr id="3" name="Content Placeholder 2"/>
-          <p:cNvSpPr>
-            <a:spLocks noGrp="1"/>
-          </p:cNvSpPr>
-          <p:nvPr>
-            <p:ph sz="half" idx="1"/>
-          </p:nvPr>
-        </p:nvSpPr>
-        <p:spPr>
-          <a:xfrm>
-            <a:off x="628650" y="1825625"/>
-            <a:ext cx="3886200" cy="4351338"/>
-          </a:xfrm>
-        </p:spPr>
-        <p:txBody>
-          <a:bodyPr/>
-          <a:lstStyle/>
-          <a:p>
-            <a:pPr lvl="0"/>
-            <a:r>
-              <a:rPr lang="ja-JP" altLang="en-US" smtClean="0"/>
-              <a:t>マスター テキストの書式設定</a:t>
-            </a:r>
-          </a:p>
-          <a:p>
-            <a:pPr lvl="1"/>
-            <a:r>
-              <a:rPr lang="ja-JP" altLang="en-US" smtClean="0"/>
-              <a:t>第 </a:t>
-            </a:r>
-            <a:r>
-              <a:rPr lang="en-US" altLang="ja-JP" smtClean="0"/>
-              <a:t>2 </a:t>
-            </a:r>
-            <a:r>
-              <a:rPr lang="ja-JP" altLang="en-US" smtClean="0"/>
-              <a:t>レベル</a:t>
-            </a:r>
-          </a:p>
-          <a:p>
-            <a:pPr lvl="2"/>
-            <a:r>
-              <a:rPr lang="ja-JP" altLang="en-US" smtClean="0"/>
-              <a:t>第 </a:t>
-            </a:r>
-            <a:r>
-              <a:rPr lang="en-US" altLang="ja-JP" smtClean="0"/>
-              <a:t>3 </a:t>
-            </a:r>
-            <a:r>
-              <a:rPr lang="ja-JP" altLang="en-US" smtClean="0"/>
-              <a:t>レベル</a:t>
-            </a:r>
-          </a:p>
-          <a:p>
-            <a:pPr lvl="3"/>
-            <a:r>
-              <a:rPr lang="ja-JP" altLang="en-US" smtClean="0"/>
-              <a:t>第 </a:t>
-            </a:r>
-            <a:r>
-              <a:rPr lang="en-US" altLang="ja-JP" smtClean="0"/>
-              <a:t>4 </a:t>
-            </a:r>
-            <a:r>
-              <a:rPr lang="ja-JP" altLang="en-US" smtClean="0"/>
-              <a:t>レベル</a:t>
-            </a:r>
-          </a:p>
-          <a:p>
-            <a:pPr lvl="4"/>
-            <a:r>
-              <a:rPr lang="ja-JP" altLang="en-US" smtClean="0"/>
-              <a:t>第 </a:t>
-            </a:r>
-            <a:r>
-              <a:rPr lang="en-US" altLang="ja-JP" smtClean="0"/>
-              <a:t>5 </a:t>
-            </a:r>
-            <a:r>
-              <a:rPr lang="ja-JP" altLang="en-US" smtClean="0"/>
-              <a:t>レベル</a:t>
-            </a:r>
-            <a:endParaRPr lang="en-US" dirty="0"/>
-          </a:p>
-        </p:txBody>
-      </p:sp>
-      <p:sp>
-        <p:nvSpPr>
-          <p:cNvPr id="4" name="Content Placeholder 3"/>
-          <p:cNvSpPr>
-            <a:spLocks noGrp="1"/>
-          </p:cNvSpPr>
-          <p:nvPr>
-            <p:ph sz="half" idx="2"/>
-          </p:nvPr>
-        </p:nvSpPr>
-        <p:spPr>
-          <a:xfrm>
-            <a:off x="4629150" y="1825625"/>
-            <a:ext cx="3886200" cy="4351338"/>
-          </a:xfrm>
-        </p:spPr>
-        <p:txBody>
-          <a:bodyPr/>
-          <a:lstStyle/>
-          <a:p>
-            <a:pPr lvl="0"/>
-            <a:r>
-              <a:rPr lang="ja-JP" altLang="en-US" smtClean="0"/>
-              <a:t>マスター テキストの書式設定</a:t>
-            </a:r>
-          </a:p>
-          <a:p>
-            <a:pPr lvl="1"/>
-            <a:r>
-              <a:rPr lang="ja-JP" altLang="en-US" smtClean="0"/>
-              <a:t>第 </a:t>
-            </a:r>
-            <a:r>
-              <a:rPr lang="en-US" altLang="ja-JP" smtClean="0"/>
-              <a:t>2 </a:t>
-            </a:r>
-            <a:r>
-              <a:rPr lang="ja-JP" altLang="en-US" smtClean="0"/>
-              <a:t>レベル</a:t>
-            </a:r>
-          </a:p>
-          <a:p>
-            <a:pPr lvl="2"/>
-            <a:r>
-              <a:rPr lang="ja-JP" altLang="en-US" smtClean="0"/>
-              <a:t>第 </a:t>
-            </a:r>
-            <a:r>
-              <a:rPr lang="en-US" altLang="ja-JP" smtClean="0"/>
-              <a:t>3 </a:t>
-            </a:r>
-            <a:r>
-              <a:rPr lang="ja-JP" altLang="en-US" smtClean="0"/>
-              <a:t>レベル</a:t>
-            </a:r>
-          </a:p>
-          <a:p>
-            <a:pPr lvl="3"/>
-            <a:r>
-              <a:rPr lang="ja-JP" altLang="en-US" smtClean="0"/>
-              <a:t>第 </a:t>
-            </a:r>
-            <a:r>
-              <a:rPr lang="en-US" altLang="ja-JP" smtClean="0"/>
-              <a:t>4 </a:t>
-            </a:r>
-            <a:r>
-              <a:rPr lang="ja-JP" altLang="en-US" smtClean="0"/>
-              <a:t>レベル</a:t>
-            </a:r>
-          </a:p>
-          <a:p>
-            <a:pPr lvl="4"/>
-            <a:r>
-              <a:rPr lang="ja-JP" altLang="en-US" smtClean="0"/>
-              <a:t>第 </a:t>
-            </a:r>
-            <a:r>
-              <a:rPr lang="en-US" altLang="ja-JP" smtClean="0"/>
-              <a:t>5 </a:t>
-            </a:r>
-            <a:r>
-              <a:rPr lang="ja-JP" altLang="en-US" smtClean="0"/>
-              <a:t>レベル</a:t>
-            </a:r>
-            <a:endParaRPr lang="en-US" dirty="0"/>
-          </a:p>
-        </p:txBody>
-      </p:sp>
-      <p:sp>
-        <p:nvSpPr>
-          <p:cNvPr id="5" name="Date Placeholder 4"/>
-          <p:cNvSpPr>
-            <a:spLocks noGrp="1"/>
-          </p:cNvSpPr>
-          <p:nvPr>
-            <p:ph type="dt" sz="half" idx="10"/>
-          </p:nvPr>
-        </p:nvSpPr>
-        <p:spPr/>
-        <p:txBody>
-          <a:bodyPr/>
-          <a:lstStyle/>
-          <a:p>
-            <a:pPr marL="0" marR="0" lvl="0" indent="0" algn="l" defTabSz="914400" rtl="0" eaLnBrk="1" fontAlgn="auto" latinLnBrk="0" hangingPunct="1">
-              <a:lnSpc>
-                <a:spcPct val="100000"/>
-              </a:lnSpc>
-              <a:spcBef>
-                <a:spcPts val="0"/>
-              </a:spcBef>
-              <a:spcAft>
-                <a:spcPts val="0"/>
-              </a:spcAft>
-              <a:buClrTx/>
-              <a:buSzTx/>
-              <a:buFontTx/>
-              <a:buNone/>
-              <a:tabLst/>
-              <a:defRPr/>
-            </a:pPr>
-            <a:fld id="{1E35631C-BEBB-4154-876E-7690D34F1DC8}" type="datetime1">
-              <a:rPr kumimoji="1" lang="ja-JP" altLang="en-US" sz="1200" b="0" i="0" u="none" strike="noStrike" kern="1200" cap="none" spc="0" normalizeH="0" baseline="0" noProof="0" smtClean="0">
-                <a:ln>
-                  <a:noFill/>
-                </a:ln>
-                <a:solidFill>
-                  <a:prstClr val="black">
-                    <a:tint val="75000"/>
-                  </a:prstClr>
-                </a:solidFill>
-                <a:effectLst/>
-                <a:uLnTx/>
-                <a:uFillTx/>
-                <a:latin typeface="Calibri" panose="020F0502020204030204"/>
-                <a:ea typeface="游ゴシック" panose="020B0400000000000000" pitchFamily="50" charset="-128"/>
-                <a:cs typeface="+mn-cs"/>
-              </a:rPr>
-              <a:pPr marL="0" marR="0" lvl="0" indent="0" algn="l" defTabSz="914400" rtl="0" eaLnBrk="1" fontAlgn="auto" latinLnBrk="0" hangingPunct="1">
-                <a:lnSpc>
-                  <a:spcPct val="100000"/>
-                </a:lnSpc>
-                <a:spcBef>
-                  <a:spcPts val="0"/>
-                </a:spcBef>
-                <a:spcAft>
-                  <a:spcPts val="0"/>
-                </a:spcAft>
-                <a:buClrTx/>
-                <a:buSzTx/>
-                <a:buFontTx/>
-                <a:buNone/>
-                <a:tabLst/>
-                <a:defRPr/>
-              </a:pPr>
-              <a:t>2021/7/27</a:t>
-            </a:fld>
-            <a:endParaRPr kumimoji="1" lang="ja-JP" altLang="en-US" sz="1200" b="0" i="0" u="none" strike="noStrike" kern="1200" cap="none" spc="0" normalizeH="0" baseline="0" noProof="0">
-              <a:ln>
-                <a:noFill/>
-              </a:ln>
-              <a:solidFill>
-                <a:prstClr val="black">
-                  <a:tint val="75000"/>
-                </a:prstClr>
-              </a:solidFill>
-              <a:effectLst/>
-              <a:uLnTx/>
-              <a:uFillTx/>
-              <a:latin typeface="Calibri" panose="020F0502020204030204"/>
-              <a:ea typeface="游ゴシック" panose="020B0400000000000000" pitchFamily="50" charset="-128"/>
-              <a:cs typeface="+mn-cs"/>
-            </a:endParaRPr>
-          </a:p>
-        </p:txBody>
-      </p:sp>
-      <p:sp>
-        <p:nvSpPr>
-          <p:cNvPr id="6" name="Footer Placeholder 5"/>
-          <p:cNvSpPr>
-            <a:spLocks noGrp="1"/>
-          </p:cNvSpPr>
-          <p:nvPr>
-            <p:ph type="ftr" sz="quarter" idx="11"/>
-          </p:nvPr>
-        </p:nvSpPr>
-        <p:spPr/>
-        <p:txBody>
-          <a:bodyPr/>
-          <a:lstStyle/>
-          <a:p>
-            <a:pPr marL="0" marR="0" lvl="0" indent="0" algn="ctr" defTabSz="914400" rtl="0" eaLnBrk="1" fontAlgn="auto" latinLnBrk="0" hangingPunct="1">
-              <a:lnSpc>
-                <a:spcPct val="100000"/>
-              </a:lnSpc>
-              <a:spcBef>
-                <a:spcPts val="0"/>
-              </a:spcBef>
-              <a:spcAft>
-                <a:spcPts val="0"/>
-              </a:spcAft>
-              <a:buClrTx/>
-              <a:buSzTx/>
-              <a:buFontTx/>
-              <a:buNone/>
-              <a:tabLst/>
-              <a:defRPr/>
-            </a:pPr>
-            <a:endParaRPr kumimoji="1" lang="ja-JP" altLang="en-US" sz="1200" b="0" i="0" u="none" strike="noStrike" kern="1200" cap="none" spc="0" normalizeH="0" baseline="0" noProof="0">
-              <a:ln>
-                <a:noFill/>
-              </a:ln>
-              <a:solidFill>
-                <a:prstClr val="black">
-                  <a:tint val="75000"/>
-                </a:prstClr>
-              </a:solidFill>
-              <a:effectLst/>
-              <a:uLnTx/>
-              <a:uFillTx/>
-              <a:latin typeface="Calibri" panose="020F0502020204030204"/>
-              <a:ea typeface="游ゴシック" panose="020B0400000000000000" pitchFamily="50" charset="-128"/>
-              <a:cs typeface="+mn-cs"/>
-            </a:endParaRPr>
-          </a:p>
-        </p:txBody>
-      </p:sp>
-      <p:sp>
-        <p:nvSpPr>
-          <p:cNvPr id="7" name="Slide Number Placeholder 6"/>
-          <p:cNvSpPr>
-            <a:spLocks noGrp="1"/>
-          </p:cNvSpPr>
-          <p:nvPr>
-            <p:ph type="sldNum" sz="quarter" idx="12"/>
-          </p:nvPr>
-        </p:nvSpPr>
-        <p:spPr/>
-        <p:txBody>
-          <a:bodyPr/>
-          <a:lstStyle/>
-          <a:p>
-            <a:pPr marL="0" marR="0" lvl="0" indent="0" algn="r" defTabSz="914400" rtl="0" eaLnBrk="1" fontAlgn="auto" latinLnBrk="0" hangingPunct="1">
-              <a:lnSpc>
-                <a:spcPct val="100000"/>
-              </a:lnSpc>
-              <a:spcBef>
-                <a:spcPts val="0"/>
-              </a:spcBef>
-              <a:spcAft>
-                <a:spcPts val="0"/>
-              </a:spcAft>
-              <a:buClrTx/>
-              <a:buSzTx/>
-              <a:buFontTx/>
-              <a:buNone/>
-              <a:tabLst/>
-              <a:defRPr/>
-            </a:pPr>
-            <a:fld id="{BCFEE6ED-AA2C-49EB-A172-8063C2D7D298}" type="slidenum">
-              <a:rPr kumimoji="1" lang="ja-JP" altLang="en-US" sz="1200" b="0" i="0" u="none" strike="noStrike" kern="1200" cap="none" spc="0" normalizeH="0" baseline="0" noProof="0" smtClean="0">
-                <a:ln>
-                  <a:noFill/>
-                </a:ln>
-                <a:solidFill>
-                  <a:prstClr val="black">
-                    <a:tint val="75000"/>
-                  </a:prstClr>
-                </a:solidFill>
-                <a:effectLst/>
-                <a:uLnTx/>
-                <a:uFillTx/>
-                <a:latin typeface="Calibri" panose="020F0502020204030204"/>
-                <a:ea typeface="游ゴシック" panose="020B0400000000000000" pitchFamily="50" charset="-128"/>
-                <a:cs typeface="+mn-cs"/>
-              </a:rPr>
-              <a:pPr marL="0" marR="0" lvl="0" indent="0" algn="r" defTabSz="914400" rtl="0" eaLnBrk="1" fontAlgn="auto" latinLnBrk="0" hangingPunct="1">
-                <a:lnSpc>
-                  <a:spcPct val="100000"/>
-                </a:lnSpc>
-                <a:spcBef>
-                  <a:spcPts val="0"/>
-                </a:spcBef>
-                <a:spcAft>
-                  <a:spcPts val="0"/>
-                </a:spcAft>
-                <a:buClrTx/>
-                <a:buSzTx/>
-                <a:buFontTx/>
-                <a:buNone/>
-                <a:tabLst/>
-                <a:defRPr/>
-              </a:pPr>
-              <a:t>‹#›</a:t>
-            </a:fld>
-            <a:endParaRPr kumimoji="1" lang="ja-JP" altLang="en-US" sz="1200" b="0" i="0" u="none" strike="noStrike" kern="1200" cap="none" spc="0" normalizeH="0" baseline="0" noProof="0">
-              <a:ln>
-                <a:noFill/>
-              </a:ln>
-              <a:solidFill>
-                <a:prstClr val="black">
-                  <a:tint val="75000"/>
-                </a:prstClr>
-              </a:solidFill>
-              <a:effectLst/>
-              <a:uLnTx/>
-              <a:uFillTx/>
-              <a:latin typeface="Calibri" panose="020F0502020204030204"/>
-              <a:ea typeface="游ゴシック" panose="020B0400000000000000" pitchFamily="50" charset="-128"/>
-              <a:cs typeface="+mn-cs"/>
-            </a:endParaRPr>
-          </a:p>
-        </p:txBody>
-      </p:sp>
-    </p:spTree>
-    <p:extLst>
-      <p:ext uri="{BB962C8B-B14F-4D97-AF65-F5344CB8AC3E}">
-        <p14:creationId xmlns:p14="http://schemas.microsoft.com/office/powerpoint/2010/main" val="3863919759"/>
-      </p:ext>
-    </p:extLst>
-  </p:cSld>
-  <p:clrMapOvr>
-    <a:masterClrMapping/>
-  </p:clrMapOvr>
-</p:sldLayout>
-</file>
-
-<file path=ppt/slideLayouts/slideLayout16.xml><?xml version="1.0" encoding="utf-8"?>
-<p:sldLayout xmlns:a="http://schemas.openxmlformats.org/drawingml/2006/main" xmlns:r="http://schemas.openxmlformats.org/officeDocument/2006/relationships" xmlns:p="http://schemas.openxmlformats.org/presentationml/2006/main" type="twoTxTwoObj" preserve="1">
-  <p:cSld name="比較">
-    <p:spTree>
-      <p:nvGrpSpPr>
-        <p:cNvPr id="1" name=""/>
-        <p:cNvGrpSpPr/>
-        <p:nvPr/>
-      </p:nvGrpSpPr>
-      <p:grpSpPr>
-        <a:xfrm>
-          <a:off x="0" y="0"/>
-          <a:ext cx="0" cy="0"/>
-          <a:chOff x="0" y="0"/>
-          <a:chExt cx="0" cy="0"/>
-        </a:xfrm>
-      </p:grpSpPr>
-      <p:sp>
-        <p:nvSpPr>
-          <p:cNvPr id="2" name="Title 1"/>
-          <p:cNvSpPr>
-            <a:spLocks noGrp="1"/>
-          </p:cNvSpPr>
-          <p:nvPr>
-            <p:ph type="title"/>
-          </p:nvPr>
-        </p:nvSpPr>
-        <p:spPr>
-          <a:xfrm>
-            <a:off x="629841" y="365126"/>
-            <a:ext cx="7886700" cy="1325563"/>
-          </a:xfrm>
-        </p:spPr>
-        <p:txBody>
-          <a:bodyPr/>
-          <a:lstStyle/>
-          <a:p>
-            <a:r>
-              <a:rPr lang="ja-JP" altLang="en-US" smtClean="0"/>
-              <a:t>マスター タイトルの書式設定</a:t>
-            </a:r>
-            <a:endParaRPr lang="en-US" dirty="0"/>
-          </a:p>
-        </p:txBody>
-      </p:sp>
-      <p:sp>
-        <p:nvSpPr>
-          <p:cNvPr id="3" name="Text Placeholder 2"/>
-          <p:cNvSpPr>
-            <a:spLocks noGrp="1"/>
-          </p:cNvSpPr>
-          <p:nvPr>
-            <p:ph type="body" idx="1"/>
-          </p:nvPr>
-        </p:nvSpPr>
-        <p:spPr>
-          <a:xfrm>
-            <a:off x="629842" y="1681163"/>
-            <a:ext cx="3868340" cy="823912"/>
-          </a:xfrm>
-        </p:spPr>
-        <p:txBody>
-          <a:bodyPr anchor="b"/>
-          <a:lstStyle>
-            <a:lvl1pPr marL="0" indent="0">
-              <a:buNone/>
-              <a:defRPr sz="2400" b="1"/>
-            </a:lvl1pPr>
-            <a:lvl2pPr marL="457200" indent="0">
-              <a:buNone/>
-              <a:defRPr sz="2000" b="1"/>
-            </a:lvl2pPr>
-            <a:lvl3pPr marL="914400" indent="0">
-              <a:buNone/>
-              <a:defRPr sz="1800" b="1"/>
-            </a:lvl3pPr>
-            <a:lvl4pPr marL="1371600" indent="0">
-              <a:buNone/>
-              <a:defRPr sz="1600" b="1"/>
-            </a:lvl4pPr>
-            <a:lvl5pPr marL="1828800" indent="0">
-              <a:buNone/>
-              <a:defRPr sz="1600" b="1"/>
-            </a:lvl5pPr>
-            <a:lvl6pPr marL="2286000" indent="0">
-              <a:buNone/>
-              <a:defRPr sz="1600" b="1"/>
-            </a:lvl6pPr>
-            <a:lvl7pPr marL="2743200" indent="0">
-              <a:buNone/>
-              <a:defRPr sz="1600" b="1"/>
-            </a:lvl7pPr>
-            <a:lvl8pPr marL="3200400" indent="0">
-              <a:buNone/>
-              <a:defRPr sz="1600" b="1"/>
-            </a:lvl8pPr>
-            <a:lvl9pPr marL="3657600" indent="0">
-              <a:buNone/>
-              <a:defRPr sz="1600" b="1"/>
-            </a:lvl9pPr>
-          </a:lstStyle>
-          <a:p>
-            <a:pPr lvl="0"/>
-            <a:r>
-              <a:rPr lang="ja-JP" altLang="en-US" smtClean="0"/>
-              <a:t>マスター テキストの書式設定</a:t>
-            </a:r>
-          </a:p>
-        </p:txBody>
-      </p:sp>
-      <p:sp>
-        <p:nvSpPr>
-          <p:cNvPr id="4" name="Content Placeholder 3"/>
-          <p:cNvSpPr>
-            <a:spLocks noGrp="1"/>
-          </p:cNvSpPr>
-          <p:nvPr>
-            <p:ph sz="half" idx="2"/>
-          </p:nvPr>
-        </p:nvSpPr>
-        <p:spPr>
-          <a:xfrm>
-            <a:off x="629842" y="2505075"/>
-            <a:ext cx="3868340" cy="3684588"/>
-          </a:xfrm>
-        </p:spPr>
-        <p:txBody>
-          <a:bodyPr/>
-          <a:lstStyle/>
-          <a:p>
-            <a:pPr lvl="0"/>
-            <a:r>
-              <a:rPr lang="ja-JP" altLang="en-US" smtClean="0"/>
-              <a:t>マスター テキストの書式設定</a:t>
-            </a:r>
-          </a:p>
-          <a:p>
-            <a:pPr lvl="1"/>
-            <a:r>
-              <a:rPr lang="ja-JP" altLang="en-US" smtClean="0"/>
-              <a:t>第 </a:t>
-            </a:r>
-            <a:r>
-              <a:rPr lang="en-US" altLang="ja-JP" smtClean="0"/>
-              <a:t>2 </a:t>
-            </a:r>
-            <a:r>
-              <a:rPr lang="ja-JP" altLang="en-US" smtClean="0"/>
-              <a:t>レベル</a:t>
-            </a:r>
-          </a:p>
-          <a:p>
-            <a:pPr lvl="2"/>
-            <a:r>
-              <a:rPr lang="ja-JP" altLang="en-US" smtClean="0"/>
-              <a:t>第 </a:t>
-            </a:r>
-            <a:r>
-              <a:rPr lang="en-US" altLang="ja-JP" smtClean="0"/>
-              <a:t>3 </a:t>
-            </a:r>
-            <a:r>
-              <a:rPr lang="ja-JP" altLang="en-US" smtClean="0"/>
-              <a:t>レベル</a:t>
-            </a:r>
-          </a:p>
-          <a:p>
-            <a:pPr lvl="3"/>
-            <a:r>
-              <a:rPr lang="ja-JP" altLang="en-US" smtClean="0"/>
-              <a:t>第 </a:t>
-            </a:r>
-            <a:r>
-              <a:rPr lang="en-US" altLang="ja-JP" smtClean="0"/>
-              <a:t>4 </a:t>
-            </a:r>
-            <a:r>
-              <a:rPr lang="ja-JP" altLang="en-US" smtClean="0"/>
-              <a:t>レベル</a:t>
-            </a:r>
-          </a:p>
-          <a:p>
-            <a:pPr lvl="4"/>
-            <a:r>
-              <a:rPr lang="ja-JP" altLang="en-US" smtClean="0"/>
-              <a:t>第 </a:t>
-            </a:r>
-            <a:r>
-              <a:rPr lang="en-US" altLang="ja-JP" smtClean="0"/>
-              <a:t>5 </a:t>
-            </a:r>
-            <a:r>
-              <a:rPr lang="ja-JP" altLang="en-US" smtClean="0"/>
-              <a:t>レベル</a:t>
-            </a:r>
-            <a:endParaRPr lang="en-US" dirty="0"/>
-          </a:p>
-        </p:txBody>
-      </p:sp>
-      <p:sp>
-        <p:nvSpPr>
-          <p:cNvPr id="5" name="Text Placeholder 4"/>
-          <p:cNvSpPr>
-            <a:spLocks noGrp="1"/>
-          </p:cNvSpPr>
-          <p:nvPr>
-            <p:ph type="body" sz="quarter" idx="3"/>
-          </p:nvPr>
-        </p:nvSpPr>
-        <p:spPr>
-          <a:xfrm>
-            <a:off x="4629150" y="1681163"/>
-            <a:ext cx="3887391" cy="823912"/>
-          </a:xfrm>
-        </p:spPr>
-        <p:txBody>
-          <a:bodyPr anchor="b"/>
-          <a:lstStyle>
-            <a:lvl1pPr marL="0" indent="0">
-              <a:buNone/>
-              <a:defRPr sz="2400" b="1"/>
-            </a:lvl1pPr>
-            <a:lvl2pPr marL="457200" indent="0">
-              <a:buNone/>
-              <a:defRPr sz="2000" b="1"/>
-            </a:lvl2pPr>
-            <a:lvl3pPr marL="914400" indent="0">
-              <a:buNone/>
-              <a:defRPr sz="1800" b="1"/>
-            </a:lvl3pPr>
-            <a:lvl4pPr marL="1371600" indent="0">
-              <a:buNone/>
-              <a:defRPr sz="1600" b="1"/>
-            </a:lvl4pPr>
-            <a:lvl5pPr marL="1828800" indent="0">
-              <a:buNone/>
-              <a:defRPr sz="1600" b="1"/>
-            </a:lvl5pPr>
-            <a:lvl6pPr marL="2286000" indent="0">
-              <a:buNone/>
-              <a:defRPr sz="1600" b="1"/>
-            </a:lvl6pPr>
-            <a:lvl7pPr marL="2743200" indent="0">
-              <a:buNone/>
-              <a:defRPr sz="1600" b="1"/>
-            </a:lvl7pPr>
-            <a:lvl8pPr marL="3200400" indent="0">
-              <a:buNone/>
-              <a:defRPr sz="1600" b="1"/>
-            </a:lvl8pPr>
-            <a:lvl9pPr marL="3657600" indent="0">
-              <a:buNone/>
-              <a:defRPr sz="1600" b="1"/>
-            </a:lvl9pPr>
-          </a:lstStyle>
-          <a:p>
-            <a:pPr lvl="0"/>
-            <a:r>
-              <a:rPr lang="ja-JP" altLang="en-US" smtClean="0"/>
-              <a:t>マスター テキストの書式設定</a:t>
-            </a:r>
-          </a:p>
-        </p:txBody>
-      </p:sp>
-      <p:sp>
-        <p:nvSpPr>
-          <p:cNvPr id="6" name="Content Placeholder 5"/>
-          <p:cNvSpPr>
-            <a:spLocks noGrp="1"/>
-          </p:cNvSpPr>
-          <p:nvPr>
-            <p:ph sz="quarter" idx="4"/>
-          </p:nvPr>
-        </p:nvSpPr>
-        <p:spPr>
-          <a:xfrm>
-            <a:off x="4629150" y="2505075"/>
-            <a:ext cx="3887391" cy="3684588"/>
-          </a:xfrm>
-        </p:spPr>
-        <p:txBody>
-          <a:bodyPr/>
-          <a:lstStyle/>
-          <a:p>
-            <a:pPr lvl="0"/>
-            <a:r>
-              <a:rPr lang="ja-JP" altLang="en-US" smtClean="0"/>
-              <a:t>マスター テキストの書式設定</a:t>
-            </a:r>
-          </a:p>
-          <a:p>
-            <a:pPr lvl="1"/>
-            <a:r>
-              <a:rPr lang="ja-JP" altLang="en-US" smtClean="0"/>
-              <a:t>第 </a:t>
-            </a:r>
-            <a:r>
-              <a:rPr lang="en-US" altLang="ja-JP" smtClean="0"/>
-              <a:t>2 </a:t>
-            </a:r>
-            <a:r>
-              <a:rPr lang="ja-JP" altLang="en-US" smtClean="0"/>
-              <a:t>レベル</a:t>
-            </a:r>
-          </a:p>
-          <a:p>
-            <a:pPr lvl="2"/>
-            <a:r>
-              <a:rPr lang="ja-JP" altLang="en-US" smtClean="0"/>
-              <a:t>第 </a:t>
-            </a:r>
-            <a:r>
-              <a:rPr lang="en-US" altLang="ja-JP" smtClean="0"/>
-              <a:t>3 </a:t>
-            </a:r>
-            <a:r>
-              <a:rPr lang="ja-JP" altLang="en-US" smtClean="0"/>
-              <a:t>レベル</a:t>
-            </a:r>
-          </a:p>
-          <a:p>
-            <a:pPr lvl="3"/>
-            <a:r>
-              <a:rPr lang="ja-JP" altLang="en-US" smtClean="0"/>
-              <a:t>第 </a:t>
-            </a:r>
-            <a:r>
-              <a:rPr lang="en-US" altLang="ja-JP" smtClean="0"/>
-              <a:t>4 </a:t>
-            </a:r>
-            <a:r>
-              <a:rPr lang="ja-JP" altLang="en-US" smtClean="0"/>
-              <a:t>レベル</a:t>
-            </a:r>
-          </a:p>
-          <a:p>
-            <a:pPr lvl="4"/>
-            <a:r>
-              <a:rPr lang="ja-JP" altLang="en-US" smtClean="0"/>
-              <a:t>第 </a:t>
-            </a:r>
-            <a:r>
-              <a:rPr lang="en-US" altLang="ja-JP" smtClean="0"/>
-              <a:t>5 </a:t>
-            </a:r>
-            <a:r>
-              <a:rPr lang="ja-JP" altLang="en-US" smtClean="0"/>
-              <a:t>レベル</a:t>
-            </a:r>
-            <a:endParaRPr lang="en-US" dirty="0"/>
-          </a:p>
-        </p:txBody>
-      </p:sp>
-      <p:sp>
-        <p:nvSpPr>
-          <p:cNvPr id="7" name="Date Placeholder 6"/>
-          <p:cNvSpPr>
-            <a:spLocks noGrp="1"/>
-          </p:cNvSpPr>
-          <p:nvPr>
-            <p:ph type="dt" sz="half" idx="10"/>
-          </p:nvPr>
-        </p:nvSpPr>
-        <p:spPr/>
-        <p:txBody>
-          <a:bodyPr/>
-          <a:lstStyle/>
-          <a:p>
-            <a:pPr marL="0" marR="0" lvl="0" indent="0" algn="l" defTabSz="914400" rtl="0" eaLnBrk="1" fontAlgn="auto" latinLnBrk="0" hangingPunct="1">
-              <a:lnSpc>
-                <a:spcPct val="100000"/>
-              </a:lnSpc>
-              <a:spcBef>
-                <a:spcPts val="0"/>
-              </a:spcBef>
-              <a:spcAft>
-                <a:spcPts val="0"/>
-              </a:spcAft>
-              <a:buClrTx/>
-              <a:buSzTx/>
-              <a:buFontTx/>
-              <a:buNone/>
-              <a:tabLst/>
-              <a:defRPr/>
-            </a:pPr>
-            <a:fld id="{61CCA7E4-DD06-47A6-A9BF-5514CFA3738D}" type="datetime1">
-              <a:rPr kumimoji="1" lang="ja-JP" altLang="en-US" sz="1200" b="0" i="0" u="none" strike="noStrike" kern="1200" cap="none" spc="0" normalizeH="0" baseline="0" noProof="0" smtClean="0">
-                <a:ln>
-                  <a:noFill/>
-                </a:ln>
-                <a:solidFill>
-                  <a:prstClr val="black">
-                    <a:tint val="75000"/>
-                  </a:prstClr>
-                </a:solidFill>
-                <a:effectLst/>
-                <a:uLnTx/>
-                <a:uFillTx/>
-                <a:latin typeface="Calibri" panose="020F0502020204030204"/>
-                <a:ea typeface="游ゴシック" panose="020B0400000000000000" pitchFamily="50" charset="-128"/>
-                <a:cs typeface="+mn-cs"/>
-              </a:rPr>
-              <a:pPr marL="0" marR="0" lvl="0" indent="0" algn="l" defTabSz="914400" rtl="0" eaLnBrk="1" fontAlgn="auto" latinLnBrk="0" hangingPunct="1">
-                <a:lnSpc>
-                  <a:spcPct val="100000"/>
-                </a:lnSpc>
-                <a:spcBef>
-                  <a:spcPts val="0"/>
-                </a:spcBef>
-                <a:spcAft>
-                  <a:spcPts val="0"/>
-                </a:spcAft>
-                <a:buClrTx/>
-                <a:buSzTx/>
-                <a:buFontTx/>
-                <a:buNone/>
-                <a:tabLst/>
-                <a:defRPr/>
-              </a:pPr>
-              <a:t>2021/7/27</a:t>
-            </a:fld>
-            <a:endParaRPr kumimoji="1" lang="ja-JP" altLang="en-US" sz="1200" b="0" i="0" u="none" strike="noStrike" kern="1200" cap="none" spc="0" normalizeH="0" baseline="0" noProof="0">
-              <a:ln>
-                <a:noFill/>
-              </a:ln>
-              <a:solidFill>
-                <a:prstClr val="black">
-                  <a:tint val="75000"/>
-                </a:prstClr>
-              </a:solidFill>
-              <a:effectLst/>
-              <a:uLnTx/>
-              <a:uFillTx/>
-              <a:latin typeface="Calibri" panose="020F0502020204030204"/>
-              <a:ea typeface="游ゴシック" panose="020B0400000000000000" pitchFamily="50" charset="-128"/>
-              <a:cs typeface="+mn-cs"/>
-            </a:endParaRPr>
-          </a:p>
-        </p:txBody>
-      </p:sp>
-      <p:sp>
-        <p:nvSpPr>
-          <p:cNvPr id="8" name="Footer Placeholder 7"/>
-          <p:cNvSpPr>
-            <a:spLocks noGrp="1"/>
-          </p:cNvSpPr>
-          <p:nvPr>
-            <p:ph type="ftr" sz="quarter" idx="11"/>
-          </p:nvPr>
-        </p:nvSpPr>
-        <p:spPr/>
-        <p:txBody>
-          <a:bodyPr/>
-          <a:lstStyle/>
-          <a:p>
-            <a:pPr marL="0" marR="0" lvl="0" indent="0" algn="ctr" defTabSz="914400" rtl="0" eaLnBrk="1" fontAlgn="auto" latinLnBrk="0" hangingPunct="1">
-              <a:lnSpc>
-                <a:spcPct val="100000"/>
-              </a:lnSpc>
-              <a:spcBef>
-                <a:spcPts val="0"/>
-              </a:spcBef>
-              <a:spcAft>
-                <a:spcPts val="0"/>
-              </a:spcAft>
-              <a:buClrTx/>
-              <a:buSzTx/>
-              <a:buFontTx/>
-              <a:buNone/>
-              <a:tabLst/>
-              <a:defRPr/>
-            </a:pPr>
-            <a:endParaRPr kumimoji="1" lang="ja-JP" altLang="en-US" sz="1200" b="0" i="0" u="none" strike="noStrike" kern="1200" cap="none" spc="0" normalizeH="0" baseline="0" noProof="0">
-              <a:ln>
-                <a:noFill/>
-              </a:ln>
-              <a:solidFill>
-                <a:prstClr val="black">
-                  <a:tint val="75000"/>
-                </a:prstClr>
-              </a:solidFill>
-              <a:effectLst/>
-              <a:uLnTx/>
-              <a:uFillTx/>
-              <a:latin typeface="Calibri" panose="020F0502020204030204"/>
-              <a:ea typeface="游ゴシック" panose="020B0400000000000000" pitchFamily="50" charset="-128"/>
-              <a:cs typeface="+mn-cs"/>
-            </a:endParaRPr>
-          </a:p>
-        </p:txBody>
-      </p:sp>
-      <p:sp>
-        <p:nvSpPr>
-          <p:cNvPr id="9" name="Slide Number Placeholder 8"/>
-          <p:cNvSpPr>
-            <a:spLocks noGrp="1"/>
-          </p:cNvSpPr>
-          <p:nvPr>
-            <p:ph type="sldNum" sz="quarter" idx="12"/>
-          </p:nvPr>
-        </p:nvSpPr>
-        <p:spPr/>
-        <p:txBody>
-          <a:bodyPr/>
-          <a:lstStyle/>
-          <a:p>
-            <a:pPr marL="0" marR="0" lvl="0" indent="0" algn="r" defTabSz="914400" rtl="0" eaLnBrk="1" fontAlgn="auto" latinLnBrk="0" hangingPunct="1">
-              <a:lnSpc>
-                <a:spcPct val="100000"/>
-              </a:lnSpc>
-              <a:spcBef>
-                <a:spcPts val="0"/>
-              </a:spcBef>
-              <a:spcAft>
-                <a:spcPts val="0"/>
-              </a:spcAft>
-              <a:buClrTx/>
-              <a:buSzTx/>
-              <a:buFontTx/>
-              <a:buNone/>
-              <a:tabLst/>
-              <a:defRPr/>
-            </a:pPr>
-            <a:fld id="{BCFEE6ED-AA2C-49EB-A172-8063C2D7D298}" type="slidenum">
-              <a:rPr kumimoji="1" lang="ja-JP" altLang="en-US" sz="1200" b="0" i="0" u="none" strike="noStrike" kern="1200" cap="none" spc="0" normalizeH="0" baseline="0" noProof="0" smtClean="0">
-                <a:ln>
-                  <a:noFill/>
-                </a:ln>
-                <a:solidFill>
-                  <a:prstClr val="black">
-                    <a:tint val="75000"/>
-                  </a:prstClr>
-                </a:solidFill>
-                <a:effectLst/>
-                <a:uLnTx/>
-                <a:uFillTx/>
-                <a:latin typeface="Calibri" panose="020F0502020204030204"/>
-                <a:ea typeface="游ゴシック" panose="020B0400000000000000" pitchFamily="50" charset="-128"/>
-                <a:cs typeface="+mn-cs"/>
-              </a:rPr>
-              <a:pPr marL="0" marR="0" lvl="0" indent="0" algn="r" defTabSz="914400" rtl="0" eaLnBrk="1" fontAlgn="auto" latinLnBrk="0" hangingPunct="1">
-                <a:lnSpc>
-                  <a:spcPct val="100000"/>
-                </a:lnSpc>
-                <a:spcBef>
-                  <a:spcPts val="0"/>
-                </a:spcBef>
-                <a:spcAft>
-                  <a:spcPts val="0"/>
-                </a:spcAft>
-                <a:buClrTx/>
-                <a:buSzTx/>
-                <a:buFontTx/>
-                <a:buNone/>
-                <a:tabLst/>
-                <a:defRPr/>
-              </a:pPr>
-              <a:t>‹#›</a:t>
-            </a:fld>
-            <a:endParaRPr kumimoji="1" lang="ja-JP" altLang="en-US" sz="1200" b="0" i="0" u="none" strike="noStrike" kern="1200" cap="none" spc="0" normalizeH="0" baseline="0" noProof="0">
-              <a:ln>
-                <a:noFill/>
-              </a:ln>
-              <a:solidFill>
-                <a:prstClr val="black">
-                  <a:tint val="75000"/>
-                </a:prstClr>
-              </a:solidFill>
-              <a:effectLst/>
-              <a:uLnTx/>
-              <a:uFillTx/>
-              <a:latin typeface="Calibri" panose="020F0502020204030204"/>
-              <a:ea typeface="游ゴシック" panose="020B0400000000000000" pitchFamily="50" charset="-128"/>
-              <a:cs typeface="+mn-cs"/>
-            </a:endParaRPr>
-          </a:p>
-        </p:txBody>
-      </p:sp>
-    </p:spTree>
-    <p:extLst>
-      <p:ext uri="{BB962C8B-B14F-4D97-AF65-F5344CB8AC3E}">
-        <p14:creationId xmlns:p14="http://schemas.microsoft.com/office/powerpoint/2010/main" val="1090704947"/>
-      </p:ext>
-    </p:extLst>
-  </p:cSld>
-  <p:clrMapOvr>
-    <a:masterClrMapping/>
-  </p:clrMapOvr>
-</p:sldLayout>
-</file>
-
-<file path=ppt/slideLayouts/slideLayout17.xml><?xml version="1.0" encoding="utf-8"?>
-<p:sldLayout xmlns:a="http://schemas.openxmlformats.org/drawingml/2006/main" xmlns:r="http://schemas.openxmlformats.org/officeDocument/2006/relationships" xmlns:p="http://schemas.openxmlformats.org/presentationml/2006/main" type="titleOnly" preserve="1">
-  <p:cSld name="タイトルのみ">
-    <p:spTree>
-      <p:nvGrpSpPr>
-        <p:cNvPr id="1" name=""/>
-        <p:cNvGrpSpPr/>
-        <p:nvPr/>
-      </p:nvGrpSpPr>
-      <p:grpSpPr>
-        <a:xfrm>
-          <a:off x="0" y="0"/>
-          <a:ext cx="0" cy="0"/>
-          <a:chOff x="0" y="0"/>
-          <a:chExt cx="0" cy="0"/>
-        </a:xfrm>
-      </p:grpSpPr>
-      <p:sp>
-        <p:nvSpPr>
-          <p:cNvPr id="2" name="Title 1"/>
-          <p:cNvSpPr>
-            <a:spLocks noGrp="1"/>
-          </p:cNvSpPr>
-          <p:nvPr>
-            <p:ph type="title"/>
-          </p:nvPr>
-        </p:nvSpPr>
-        <p:spPr/>
-        <p:txBody>
-          <a:bodyPr/>
-          <a:lstStyle/>
-          <a:p>
-            <a:r>
-              <a:rPr lang="ja-JP" altLang="en-US" smtClean="0"/>
-              <a:t>マスター タイトルの書式設定</a:t>
-            </a:r>
-            <a:endParaRPr lang="en-US" dirty="0"/>
-          </a:p>
-        </p:txBody>
-      </p:sp>
-      <p:sp>
-        <p:nvSpPr>
-          <p:cNvPr id="3" name="Date Placeholder 2"/>
-          <p:cNvSpPr>
-            <a:spLocks noGrp="1"/>
-          </p:cNvSpPr>
-          <p:nvPr>
-            <p:ph type="dt" sz="half" idx="10"/>
-          </p:nvPr>
-        </p:nvSpPr>
-        <p:spPr/>
-        <p:txBody>
-          <a:bodyPr/>
-          <a:lstStyle/>
-          <a:p>
-            <a:pPr marL="0" marR="0" lvl="0" indent="0" algn="l" defTabSz="914400" rtl="0" eaLnBrk="1" fontAlgn="auto" latinLnBrk="0" hangingPunct="1">
-              <a:lnSpc>
-                <a:spcPct val="100000"/>
-              </a:lnSpc>
-              <a:spcBef>
-                <a:spcPts val="0"/>
-              </a:spcBef>
-              <a:spcAft>
-                <a:spcPts val="0"/>
-              </a:spcAft>
-              <a:buClrTx/>
-              <a:buSzTx/>
-              <a:buFontTx/>
-              <a:buNone/>
-              <a:tabLst/>
-              <a:defRPr/>
-            </a:pPr>
-            <a:fld id="{C2D7ACD4-93BF-456B-9C65-6572D2D89EFB}" type="datetime1">
-              <a:rPr kumimoji="1" lang="ja-JP" altLang="en-US" sz="1200" b="0" i="0" u="none" strike="noStrike" kern="1200" cap="none" spc="0" normalizeH="0" baseline="0" noProof="0" smtClean="0">
-                <a:ln>
-                  <a:noFill/>
-                </a:ln>
-                <a:solidFill>
-                  <a:prstClr val="black">
-                    <a:tint val="75000"/>
-                  </a:prstClr>
-                </a:solidFill>
-                <a:effectLst/>
-                <a:uLnTx/>
-                <a:uFillTx/>
-                <a:latin typeface="Calibri" panose="020F0502020204030204"/>
-                <a:ea typeface="游ゴシック" panose="020B0400000000000000" pitchFamily="50" charset="-128"/>
-                <a:cs typeface="+mn-cs"/>
-              </a:rPr>
-              <a:pPr marL="0" marR="0" lvl="0" indent="0" algn="l" defTabSz="914400" rtl="0" eaLnBrk="1" fontAlgn="auto" latinLnBrk="0" hangingPunct="1">
-                <a:lnSpc>
-                  <a:spcPct val="100000"/>
-                </a:lnSpc>
-                <a:spcBef>
-                  <a:spcPts val="0"/>
-                </a:spcBef>
-                <a:spcAft>
-                  <a:spcPts val="0"/>
-                </a:spcAft>
-                <a:buClrTx/>
-                <a:buSzTx/>
-                <a:buFontTx/>
-                <a:buNone/>
-                <a:tabLst/>
-                <a:defRPr/>
-              </a:pPr>
-              <a:t>2021/7/27</a:t>
-            </a:fld>
-            <a:endParaRPr kumimoji="1" lang="ja-JP" altLang="en-US" sz="1200" b="0" i="0" u="none" strike="noStrike" kern="1200" cap="none" spc="0" normalizeH="0" baseline="0" noProof="0">
-              <a:ln>
-                <a:noFill/>
-              </a:ln>
-              <a:solidFill>
-                <a:prstClr val="black">
-                  <a:tint val="75000"/>
-                </a:prstClr>
-              </a:solidFill>
-              <a:effectLst/>
-              <a:uLnTx/>
-              <a:uFillTx/>
-              <a:latin typeface="Calibri" panose="020F0502020204030204"/>
-              <a:ea typeface="游ゴシック" panose="020B0400000000000000" pitchFamily="50" charset="-128"/>
-              <a:cs typeface="+mn-cs"/>
-            </a:endParaRPr>
-          </a:p>
-        </p:txBody>
-      </p:sp>
-      <p:sp>
-        <p:nvSpPr>
-          <p:cNvPr id="4" name="Footer Placeholder 3"/>
-          <p:cNvSpPr>
-            <a:spLocks noGrp="1"/>
-          </p:cNvSpPr>
-          <p:nvPr>
-            <p:ph type="ftr" sz="quarter" idx="11"/>
-          </p:nvPr>
-        </p:nvSpPr>
-        <p:spPr/>
-        <p:txBody>
-          <a:bodyPr/>
-          <a:lstStyle/>
-          <a:p>
-            <a:pPr marL="0" marR="0" lvl="0" indent="0" algn="ctr" defTabSz="914400" rtl="0" eaLnBrk="1" fontAlgn="auto" latinLnBrk="0" hangingPunct="1">
-              <a:lnSpc>
-                <a:spcPct val="100000"/>
-              </a:lnSpc>
-              <a:spcBef>
-                <a:spcPts val="0"/>
-              </a:spcBef>
-              <a:spcAft>
-                <a:spcPts val="0"/>
-              </a:spcAft>
-              <a:buClrTx/>
-              <a:buSzTx/>
-              <a:buFontTx/>
-              <a:buNone/>
-              <a:tabLst/>
-              <a:defRPr/>
-            </a:pPr>
-            <a:endParaRPr kumimoji="1" lang="ja-JP" altLang="en-US" sz="1200" b="0" i="0" u="none" strike="noStrike" kern="1200" cap="none" spc="0" normalizeH="0" baseline="0" noProof="0">
-              <a:ln>
-                <a:noFill/>
-              </a:ln>
-              <a:solidFill>
-                <a:prstClr val="black">
-                  <a:tint val="75000"/>
-                </a:prstClr>
-              </a:solidFill>
-              <a:effectLst/>
-              <a:uLnTx/>
-              <a:uFillTx/>
-              <a:latin typeface="Calibri" panose="020F0502020204030204"/>
-              <a:ea typeface="游ゴシック" panose="020B0400000000000000" pitchFamily="50" charset="-128"/>
-              <a:cs typeface="+mn-cs"/>
-            </a:endParaRPr>
-          </a:p>
-        </p:txBody>
-      </p:sp>
-      <p:sp>
-        <p:nvSpPr>
-          <p:cNvPr id="5" name="Slide Number Placeholder 4"/>
-          <p:cNvSpPr>
-            <a:spLocks noGrp="1"/>
-          </p:cNvSpPr>
-          <p:nvPr>
-            <p:ph type="sldNum" sz="quarter" idx="12"/>
-          </p:nvPr>
-        </p:nvSpPr>
-        <p:spPr/>
-        <p:txBody>
-          <a:bodyPr/>
-          <a:lstStyle/>
-          <a:p>
-            <a:pPr marL="0" marR="0" lvl="0" indent="0" algn="r" defTabSz="914400" rtl="0" eaLnBrk="1" fontAlgn="auto" latinLnBrk="0" hangingPunct="1">
-              <a:lnSpc>
-                <a:spcPct val="100000"/>
-              </a:lnSpc>
-              <a:spcBef>
-                <a:spcPts val="0"/>
-              </a:spcBef>
-              <a:spcAft>
-                <a:spcPts val="0"/>
-              </a:spcAft>
-              <a:buClrTx/>
-              <a:buSzTx/>
-              <a:buFontTx/>
-              <a:buNone/>
-              <a:tabLst/>
-              <a:defRPr/>
-            </a:pPr>
-            <a:fld id="{BCFEE6ED-AA2C-49EB-A172-8063C2D7D298}" type="slidenum">
-              <a:rPr kumimoji="1" lang="ja-JP" altLang="en-US" sz="1200" b="0" i="0" u="none" strike="noStrike" kern="1200" cap="none" spc="0" normalizeH="0" baseline="0" noProof="0" smtClean="0">
-                <a:ln>
-                  <a:noFill/>
-                </a:ln>
-                <a:solidFill>
-                  <a:prstClr val="black">
-                    <a:tint val="75000"/>
-                  </a:prstClr>
-                </a:solidFill>
-                <a:effectLst/>
-                <a:uLnTx/>
-                <a:uFillTx/>
-                <a:latin typeface="Calibri" panose="020F0502020204030204"/>
-                <a:ea typeface="游ゴシック" panose="020B0400000000000000" pitchFamily="50" charset="-128"/>
-                <a:cs typeface="+mn-cs"/>
-              </a:rPr>
-              <a:pPr marL="0" marR="0" lvl="0" indent="0" algn="r" defTabSz="914400" rtl="0" eaLnBrk="1" fontAlgn="auto" latinLnBrk="0" hangingPunct="1">
-                <a:lnSpc>
-                  <a:spcPct val="100000"/>
-                </a:lnSpc>
-                <a:spcBef>
-                  <a:spcPts val="0"/>
-                </a:spcBef>
-                <a:spcAft>
-                  <a:spcPts val="0"/>
-                </a:spcAft>
-                <a:buClrTx/>
-                <a:buSzTx/>
-                <a:buFontTx/>
-                <a:buNone/>
-                <a:tabLst/>
-                <a:defRPr/>
-              </a:pPr>
-              <a:t>‹#›</a:t>
-            </a:fld>
-            <a:endParaRPr kumimoji="1" lang="ja-JP" altLang="en-US" sz="1200" b="0" i="0" u="none" strike="noStrike" kern="1200" cap="none" spc="0" normalizeH="0" baseline="0" noProof="0">
-              <a:ln>
-                <a:noFill/>
-              </a:ln>
-              <a:solidFill>
-                <a:prstClr val="black">
-                  <a:tint val="75000"/>
-                </a:prstClr>
-              </a:solidFill>
-              <a:effectLst/>
-              <a:uLnTx/>
-              <a:uFillTx/>
-              <a:latin typeface="Calibri" panose="020F0502020204030204"/>
-              <a:ea typeface="游ゴシック" panose="020B0400000000000000" pitchFamily="50" charset="-128"/>
-              <a:cs typeface="+mn-cs"/>
-            </a:endParaRPr>
-          </a:p>
-        </p:txBody>
-      </p:sp>
-    </p:spTree>
-    <p:extLst>
-      <p:ext uri="{BB962C8B-B14F-4D97-AF65-F5344CB8AC3E}">
-        <p14:creationId xmlns:p14="http://schemas.microsoft.com/office/powerpoint/2010/main" val="863648522"/>
-      </p:ext>
-    </p:extLst>
-  </p:cSld>
-  <p:clrMapOvr>
-    <a:masterClrMapping/>
-  </p:clrMapOvr>
-</p:sldLayout>
-</file>
-
-<file path=ppt/slideLayouts/slideLayout18.xml><?xml version="1.0" encoding="utf-8"?>
-<p:sldLayout xmlns:a="http://schemas.openxmlformats.org/drawingml/2006/main" xmlns:r="http://schemas.openxmlformats.org/officeDocument/2006/relationships" xmlns:p="http://schemas.openxmlformats.org/presentationml/2006/main" type="blank" preserve="1">
-  <p:cSld name="白紙">
-    <p:spTree>
-      <p:nvGrpSpPr>
-        <p:cNvPr id="1" name=""/>
-        <p:cNvGrpSpPr/>
-        <p:nvPr/>
-      </p:nvGrpSpPr>
-      <p:grpSpPr>
-        <a:xfrm>
-          <a:off x="0" y="0"/>
-          <a:ext cx="0" cy="0"/>
-          <a:chOff x="0" y="0"/>
-          <a:chExt cx="0" cy="0"/>
-        </a:xfrm>
-      </p:grpSpPr>
-      <p:sp>
-        <p:nvSpPr>
-          <p:cNvPr id="2" name="Date Placeholder 1"/>
-          <p:cNvSpPr>
-            <a:spLocks noGrp="1"/>
-          </p:cNvSpPr>
-          <p:nvPr>
-            <p:ph type="dt" sz="half" idx="10"/>
-          </p:nvPr>
-        </p:nvSpPr>
-        <p:spPr/>
-        <p:txBody>
-          <a:bodyPr/>
-          <a:lstStyle/>
-          <a:p>
-            <a:pPr marL="0" marR="0" lvl="0" indent="0" algn="l" defTabSz="914400" rtl="0" eaLnBrk="1" fontAlgn="auto" latinLnBrk="0" hangingPunct="1">
-              <a:lnSpc>
-                <a:spcPct val="100000"/>
-              </a:lnSpc>
-              <a:spcBef>
-                <a:spcPts val="0"/>
-              </a:spcBef>
-              <a:spcAft>
-                <a:spcPts val="0"/>
-              </a:spcAft>
-              <a:buClrTx/>
-              <a:buSzTx/>
-              <a:buFontTx/>
-              <a:buNone/>
-              <a:tabLst/>
-              <a:defRPr/>
-            </a:pPr>
-            <a:fld id="{E6E063D4-91D8-4B21-9A43-6932836FF006}" type="datetime1">
-              <a:rPr kumimoji="1" lang="ja-JP" altLang="en-US" sz="1200" b="0" i="0" u="none" strike="noStrike" kern="1200" cap="none" spc="0" normalizeH="0" baseline="0" noProof="0" smtClean="0">
-                <a:ln>
-                  <a:noFill/>
-                </a:ln>
-                <a:solidFill>
-                  <a:prstClr val="black">
-                    <a:tint val="75000"/>
-                  </a:prstClr>
-                </a:solidFill>
-                <a:effectLst/>
-                <a:uLnTx/>
-                <a:uFillTx/>
-                <a:latin typeface="Calibri" panose="020F0502020204030204"/>
-                <a:ea typeface="游ゴシック" panose="020B0400000000000000" pitchFamily="50" charset="-128"/>
-                <a:cs typeface="+mn-cs"/>
-              </a:rPr>
-              <a:pPr marL="0" marR="0" lvl="0" indent="0" algn="l" defTabSz="914400" rtl="0" eaLnBrk="1" fontAlgn="auto" latinLnBrk="0" hangingPunct="1">
-                <a:lnSpc>
-                  <a:spcPct val="100000"/>
-                </a:lnSpc>
-                <a:spcBef>
-                  <a:spcPts val="0"/>
-                </a:spcBef>
-                <a:spcAft>
-                  <a:spcPts val="0"/>
-                </a:spcAft>
-                <a:buClrTx/>
-                <a:buSzTx/>
-                <a:buFontTx/>
-                <a:buNone/>
-                <a:tabLst/>
-                <a:defRPr/>
-              </a:pPr>
-              <a:t>2021/7/27</a:t>
-            </a:fld>
-            <a:endParaRPr kumimoji="1" lang="ja-JP" altLang="en-US" sz="1200" b="0" i="0" u="none" strike="noStrike" kern="1200" cap="none" spc="0" normalizeH="0" baseline="0" noProof="0">
-              <a:ln>
-                <a:noFill/>
-              </a:ln>
-              <a:solidFill>
-                <a:prstClr val="black">
-                  <a:tint val="75000"/>
-                </a:prstClr>
-              </a:solidFill>
-              <a:effectLst/>
-              <a:uLnTx/>
-              <a:uFillTx/>
-              <a:latin typeface="Calibri" panose="020F0502020204030204"/>
-              <a:ea typeface="游ゴシック" panose="020B0400000000000000" pitchFamily="50" charset="-128"/>
-              <a:cs typeface="+mn-cs"/>
-            </a:endParaRPr>
-          </a:p>
-        </p:txBody>
-      </p:sp>
-      <p:sp>
-        <p:nvSpPr>
-          <p:cNvPr id="3" name="Footer Placeholder 2"/>
-          <p:cNvSpPr>
-            <a:spLocks noGrp="1"/>
-          </p:cNvSpPr>
-          <p:nvPr>
-            <p:ph type="ftr" sz="quarter" idx="11"/>
-          </p:nvPr>
-        </p:nvSpPr>
-        <p:spPr/>
-        <p:txBody>
-          <a:bodyPr/>
-          <a:lstStyle/>
-          <a:p>
-            <a:pPr marL="0" marR="0" lvl="0" indent="0" algn="ctr" defTabSz="914400" rtl="0" eaLnBrk="1" fontAlgn="auto" latinLnBrk="0" hangingPunct="1">
-              <a:lnSpc>
-                <a:spcPct val="100000"/>
-              </a:lnSpc>
-              <a:spcBef>
-                <a:spcPts val="0"/>
-              </a:spcBef>
-              <a:spcAft>
-                <a:spcPts val="0"/>
-              </a:spcAft>
-              <a:buClrTx/>
-              <a:buSzTx/>
-              <a:buFontTx/>
-              <a:buNone/>
-              <a:tabLst/>
-              <a:defRPr/>
-            </a:pPr>
-            <a:endParaRPr kumimoji="1" lang="ja-JP" altLang="en-US" sz="1200" b="0" i="0" u="none" strike="noStrike" kern="1200" cap="none" spc="0" normalizeH="0" baseline="0" noProof="0">
-              <a:ln>
-                <a:noFill/>
-              </a:ln>
-              <a:solidFill>
-                <a:prstClr val="black">
-                  <a:tint val="75000"/>
-                </a:prstClr>
-              </a:solidFill>
-              <a:effectLst/>
-              <a:uLnTx/>
-              <a:uFillTx/>
-              <a:latin typeface="Calibri" panose="020F0502020204030204"/>
-              <a:ea typeface="游ゴシック" panose="020B0400000000000000" pitchFamily="50" charset="-128"/>
-              <a:cs typeface="+mn-cs"/>
-            </a:endParaRPr>
-          </a:p>
-        </p:txBody>
-      </p:sp>
-      <p:sp>
-        <p:nvSpPr>
-          <p:cNvPr id="4" name="Slide Number Placeholder 3"/>
-          <p:cNvSpPr>
-            <a:spLocks noGrp="1"/>
-          </p:cNvSpPr>
-          <p:nvPr>
-            <p:ph type="sldNum" sz="quarter" idx="12"/>
-          </p:nvPr>
-        </p:nvSpPr>
-        <p:spPr/>
-        <p:txBody>
-          <a:bodyPr/>
-          <a:lstStyle/>
-          <a:p>
-            <a:pPr marL="0" marR="0" lvl="0" indent="0" algn="r" defTabSz="914400" rtl="0" eaLnBrk="1" fontAlgn="auto" latinLnBrk="0" hangingPunct="1">
-              <a:lnSpc>
-                <a:spcPct val="100000"/>
-              </a:lnSpc>
-              <a:spcBef>
-                <a:spcPts val="0"/>
-              </a:spcBef>
-              <a:spcAft>
-                <a:spcPts val="0"/>
-              </a:spcAft>
-              <a:buClrTx/>
-              <a:buSzTx/>
-              <a:buFontTx/>
-              <a:buNone/>
-              <a:tabLst/>
-              <a:defRPr/>
-            </a:pPr>
-            <a:fld id="{BCFEE6ED-AA2C-49EB-A172-8063C2D7D298}" type="slidenum">
-              <a:rPr kumimoji="1" lang="ja-JP" altLang="en-US" sz="1200" b="0" i="0" u="none" strike="noStrike" kern="1200" cap="none" spc="0" normalizeH="0" baseline="0" noProof="0" smtClean="0">
-                <a:ln>
-                  <a:noFill/>
-                </a:ln>
-                <a:solidFill>
-                  <a:prstClr val="black">
-                    <a:tint val="75000"/>
-                  </a:prstClr>
-                </a:solidFill>
-                <a:effectLst/>
-                <a:uLnTx/>
-                <a:uFillTx/>
-                <a:latin typeface="Calibri" panose="020F0502020204030204"/>
-                <a:ea typeface="游ゴシック" panose="020B0400000000000000" pitchFamily="50" charset="-128"/>
-                <a:cs typeface="+mn-cs"/>
-              </a:rPr>
-              <a:pPr marL="0" marR="0" lvl="0" indent="0" algn="r" defTabSz="914400" rtl="0" eaLnBrk="1" fontAlgn="auto" latinLnBrk="0" hangingPunct="1">
-                <a:lnSpc>
-                  <a:spcPct val="100000"/>
-                </a:lnSpc>
-                <a:spcBef>
-                  <a:spcPts val="0"/>
-                </a:spcBef>
-                <a:spcAft>
-                  <a:spcPts val="0"/>
-                </a:spcAft>
-                <a:buClrTx/>
-                <a:buSzTx/>
-                <a:buFontTx/>
-                <a:buNone/>
-                <a:tabLst/>
-                <a:defRPr/>
-              </a:pPr>
-              <a:t>‹#›</a:t>
-            </a:fld>
-            <a:endParaRPr kumimoji="1" lang="ja-JP" altLang="en-US" sz="1200" b="0" i="0" u="none" strike="noStrike" kern="1200" cap="none" spc="0" normalizeH="0" baseline="0" noProof="0">
-              <a:ln>
-                <a:noFill/>
-              </a:ln>
-              <a:solidFill>
-                <a:prstClr val="black">
-                  <a:tint val="75000"/>
-                </a:prstClr>
-              </a:solidFill>
-              <a:effectLst/>
-              <a:uLnTx/>
-              <a:uFillTx/>
-              <a:latin typeface="Calibri" panose="020F0502020204030204"/>
-              <a:ea typeface="游ゴシック" panose="020B0400000000000000" pitchFamily="50" charset="-128"/>
-              <a:cs typeface="+mn-cs"/>
-            </a:endParaRPr>
-          </a:p>
-        </p:txBody>
-      </p:sp>
-    </p:spTree>
-    <p:extLst>
-      <p:ext uri="{BB962C8B-B14F-4D97-AF65-F5344CB8AC3E}">
-        <p14:creationId xmlns:p14="http://schemas.microsoft.com/office/powerpoint/2010/main" val="72659727"/>
-      </p:ext>
-    </p:extLst>
-  </p:cSld>
-  <p:clrMapOvr>
-    <a:masterClrMapping/>
-  </p:clrMapOvr>
-</p:sldLayout>
-</file>
-
-<file path=ppt/slideLayouts/slideLayout19.xml><?xml version="1.0" encoding="utf-8"?>
-<p:sldLayout xmlns:a="http://schemas.openxmlformats.org/drawingml/2006/main" xmlns:r="http://schemas.openxmlformats.org/officeDocument/2006/relationships" xmlns:p="http://schemas.openxmlformats.org/presentationml/2006/main" type="objTx" preserve="1">
-  <p:cSld name="タイトル付きの&#10;コンテンツ">
-    <p:spTree>
-      <p:nvGrpSpPr>
-        <p:cNvPr id="1" name=""/>
-        <p:cNvGrpSpPr/>
-        <p:nvPr/>
-      </p:nvGrpSpPr>
-      <p:grpSpPr>
-        <a:xfrm>
-          <a:off x="0" y="0"/>
-          <a:ext cx="0" cy="0"/>
-          <a:chOff x="0" y="0"/>
-          <a:chExt cx="0" cy="0"/>
-        </a:xfrm>
-      </p:grpSpPr>
-      <p:sp>
-        <p:nvSpPr>
-          <p:cNvPr id="2" name="Title 1"/>
-          <p:cNvSpPr>
-            <a:spLocks noGrp="1"/>
-          </p:cNvSpPr>
-          <p:nvPr>
-            <p:ph type="title"/>
-          </p:nvPr>
-        </p:nvSpPr>
-        <p:spPr>
-          <a:xfrm>
-            <a:off x="629841" y="457200"/>
-            <a:ext cx="2949178" cy="1600200"/>
-          </a:xfrm>
-        </p:spPr>
-        <p:txBody>
-          <a:bodyPr anchor="b"/>
-          <a:lstStyle>
-            <a:lvl1pPr>
-              <a:defRPr sz="3200"/>
-            </a:lvl1pPr>
-          </a:lstStyle>
-          <a:p>
-            <a:r>
-              <a:rPr lang="ja-JP" altLang="en-US" smtClean="0"/>
-              <a:t>マスター タイトルの書式設定</a:t>
-            </a:r>
-            <a:endParaRPr lang="en-US" dirty="0"/>
-          </a:p>
-        </p:txBody>
-      </p:sp>
-      <p:sp>
-        <p:nvSpPr>
-          <p:cNvPr id="3" name="Content Placeholder 2"/>
-          <p:cNvSpPr>
-            <a:spLocks noGrp="1"/>
-          </p:cNvSpPr>
-          <p:nvPr>
-            <p:ph idx="1"/>
-          </p:nvPr>
-        </p:nvSpPr>
-        <p:spPr>
-          <a:xfrm>
-            <a:off x="3887391" y="987426"/>
-            <a:ext cx="4629150" cy="4873625"/>
-          </a:xfrm>
-        </p:spPr>
-        <p:txBody>
-          <a:bodyPr/>
-          <a:lstStyle>
-            <a:lvl1pPr>
-              <a:defRPr sz="3200"/>
-            </a:lvl1pPr>
-            <a:lvl2pPr>
-              <a:defRPr sz="2800"/>
-            </a:lvl2pPr>
-            <a:lvl3pPr>
-              <a:defRPr sz="2400"/>
-            </a:lvl3pPr>
-            <a:lvl4pPr>
-              <a:defRPr sz="2000"/>
-            </a:lvl4pPr>
-            <a:lvl5pPr>
-              <a:defRPr sz="2000"/>
-            </a:lvl5pPr>
-            <a:lvl6pPr>
-              <a:defRPr sz="2000"/>
-            </a:lvl6pPr>
-            <a:lvl7pPr>
-              <a:defRPr sz="2000"/>
-            </a:lvl7pPr>
-            <a:lvl8pPr>
-              <a:defRPr sz="2000"/>
-            </a:lvl8pPr>
-            <a:lvl9pPr>
-              <a:defRPr sz="2000"/>
-            </a:lvl9pPr>
-          </a:lstStyle>
-          <a:p>
-            <a:pPr lvl="0"/>
-            <a:r>
-              <a:rPr lang="ja-JP" altLang="en-US" smtClean="0"/>
-              <a:t>マスター テキストの書式設定</a:t>
-            </a:r>
-          </a:p>
-          <a:p>
-            <a:pPr lvl="1"/>
-            <a:r>
-              <a:rPr lang="ja-JP" altLang="en-US" smtClean="0"/>
-              <a:t>第 </a:t>
-            </a:r>
-            <a:r>
-              <a:rPr lang="en-US" altLang="ja-JP" smtClean="0"/>
-              <a:t>2 </a:t>
-            </a:r>
-            <a:r>
-              <a:rPr lang="ja-JP" altLang="en-US" smtClean="0"/>
-              <a:t>レベル</a:t>
-            </a:r>
-          </a:p>
-          <a:p>
-            <a:pPr lvl="2"/>
-            <a:r>
-              <a:rPr lang="ja-JP" altLang="en-US" smtClean="0"/>
-              <a:t>第 </a:t>
-            </a:r>
-            <a:r>
-              <a:rPr lang="en-US" altLang="ja-JP" smtClean="0"/>
-              <a:t>3 </a:t>
-            </a:r>
-            <a:r>
-              <a:rPr lang="ja-JP" altLang="en-US" smtClean="0"/>
-              <a:t>レベル</a:t>
-            </a:r>
-          </a:p>
-          <a:p>
-            <a:pPr lvl="3"/>
-            <a:r>
-              <a:rPr lang="ja-JP" altLang="en-US" smtClean="0"/>
-              <a:t>第 </a:t>
-            </a:r>
-            <a:r>
-              <a:rPr lang="en-US" altLang="ja-JP" smtClean="0"/>
-              <a:t>4 </a:t>
-            </a:r>
-            <a:r>
-              <a:rPr lang="ja-JP" altLang="en-US" smtClean="0"/>
-              <a:t>レベル</a:t>
-            </a:r>
-          </a:p>
-          <a:p>
-            <a:pPr lvl="4"/>
-            <a:r>
-              <a:rPr lang="ja-JP" altLang="en-US" smtClean="0"/>
-              <a:t>第 </a:t>
-            </a:r>
-            <a:r>
-              <a:rPr lang="en-US" altLang="ja-JP" smtClean="0"/>
-              <a:t>5 </a:t>
-            </a:r>
-            <a:r>
-              <a:rPr lang="ja-JP" altLang="en-US" smtClean="0"/>
-              <a:t>レベル</a:t>
-            </a:r>
-            <a:endParaRPr lang="en-US" dirty="0"/>
-          </a:p>
-        </p:txBody>
-      </p:sp>
-      <p:sp>
-        <p:nvSpPr>
-          <p:cNvPr id="4" name="Text Placeholder 3"/>
-          <p:cNvSpPr>
-            <a:spLocks noGrp="1"/>
-          </p:cNvSpPr>
-          <p:nvPr>
-            <p:ph type="body" sz="half" idx="2"/>
-          </p:nvPr>
-        </p:nvSpPr>
-        <p:spPr>
-          <a:xfrm>
-            <a:off x="629841" y="2057400"/>
-            <a:ext cx="2949178" cy="3811588"/>
-          </a:xfrm>
-        </p:spPr>
-        <p:txBody>
-          <a:bodyPr/>
-          <a:lstStyle>
-            <a:lvl1pPr marL="0" indent="0">
-              <a:buNone/>
-              <a:defRPr sz="1600"/>
-            </a:lvl1pPr>
-            <a:lvl2pPr marL="457200" indent="0">
-              <a:buNone/>
-              <a:defRPr sz="1400"/>
-            </a:lvl2pPr>
-            <a:lvl3pPr marL="914400" indent="0">
-              <a:buNone/>
-              <a:defRPr sz="1200"/>
-            </a:lvl3pPr>
-            <a:lvl4pPr marL="1371600" indent="0">
-              <a:buNone/>
-              <a:defRPr sz="1000"/>
-            </a:lvl4pPr>
-            <a:lvl5pPr marL="1828800" indent="0">
-              <a:buNone/>
-              <a:defRPr sz="1000"/>
-            </a:lvl5pPr>
-            <a:lvl6pPr marL="2286000" indent="0">
-              <a:buNone/>
-              <a:defRPr sz="1000"/>
-            </a:lvl6pPr>
-            <a:lvl7pPr marL="2743200" indent="0">
-              <a:buNone/>
-              <a:defRPr sz="1000"/>
-            </a:lvl7pPr>
-            <a:lvl8pPr marL="3200400" indent="0">
-              <a:buNone/>
-              <a:defRPr sz="1000"/>
-            </a:lvl8pPr>
-            <a:lvl9pPr marL="3657600" indent="0">
-              <a:buNone/>
-              <a:defRPr sz="1000"/>
-            </a:lvl9pPr>
-          </a:lstStyle>
-          <a:p>
-            <a:pPr lvl="0"/>
-            <a:r>
-              <a:rPr lang="ja-JP" altLang="en-US" smtClean="0"/>
-              <a:t>マスター テキストの書式設定</a:t>
-            </a:r>
-          </a:p>
-        </p:txBody>
-      </p:sp>
-      <p:sp>
-        <p:nvSpPr>
-          <p:cNvPr id="5" name="Date Placeholder 4"/>
-          <p:cNvSpPr>
-            <a:spLocks noGrp="1"/>
-          </p:cNvSpPr>
-          <p:nvPr>
-            <p:ph type="dt" sz="half" idx="10"/>
-          </p:nvPr>
-        </p:nvSpPr>
-        <p:spPr/>
-        <p:txBody>
-          <a:bodyPr/>
-          <a:lstStyle/>
-          <a:p>
-            <a:pPr marL="0" marR="0" lvl="0" indent="0" algn="l" defTabSz="914400" rtl="0" eaLnBrk="1" fontAlgn="auto" latinLnBrk="0" hangingPunct="1">
-              <a:lnSpc>
-                <a:spcPct val="100000"/>
-              </a:lnSpc>
-              <a:spcBef>
-                <a:spcPts val="0"/>
-              </a:spcBef>
-              <a:spcAft>
-                <a:spcPts val="0"/>
-              </a:spcAft>
-              <a:buClrTx/>
-              <a:buSzTx/>
-              <a:buFontTx/>
-              <a:buNone/>
-              <a:tabLst/>
-              <a:defRPr/>
-            </a:pPr>
-            <a:fld id="{2CE8BC5D-8696-4761-A671-A859DD02E086}" type="datetime1">
-              <a:rPr kumimoji="1" lang="ja-JP" altLang="en-US" sz="1200" b="0" i="0" u="none" strike="noStrike" kern="1200" cap="none" spc="0" normalizeH="0" baseline="0" noProof="0" smtClean="0">
-                <a:ln>
-                  <a:noFill/>
-                </a:ln>
-                <a:solidFill>
-                  <a:prstClr val="black">
-                    <a:tint val="75000"/>
-                  </a:prstClr>
-                </a:solidFill>
-                <a:effectLst/>
-                <a:uLnTx/>
-                <a:uFillTx/>
-                <a:latin typeface="Calibri" panose="020F0502020204030204"/>
-                <a:ea typeface="游ゴシック" panose="020B0400000000000000" pitchFamily="50" charset="-128"/>
-                <a:cs typeface="+mn-cs"/>
-              </a:rPr>
-              <a:pPr marL="0" marR="0" lvl="0" indent="0" algn="l" defTabSz="914400" rtl="0" eaLnBrk="1" fontAlgn="auto" latinLnBrk="0" hangingPunct="1">
-                <a:lnSpc>
-                  <a:spcPct val="100000"/>
-                </a:lnSpc>
-                <a:spcBef>
-                  <a:spcPts val="0"/>
-                </a:spcBef>
-                <a:spcAft>
-                  <a:spcPts val="0"/>
-                </a:spcAft>
-                <a:buClrTx/>
-                <a:buSzTx/>
-                <a:buFontTx/>
-                <a:buNone/>
-                <a:tabLst/>
-                <a:defRPr/>
-              </a:pPr>
-              <a:t>2021/7/27</a:t>
-            </a:fld>
-            <a:endParaRPr kumimoji="1" lang="ja-JP" altLang="en-US" sz="1200" b="0" i="0" u="none" strike="noStrike" kern="1200" cap="none" spc="0" normalizeH="0" baseline="0" noProof="0">
-              <a:ln>
-                <a:noFill/>
-              </a:ln>
-              <a:solidFill>
-                <a:prstClr val="black">
-                  <a:tint val="75000"/>
-                </a:prstClr>
-              </a:solidFill>
-              <a:effectLst/>
-              <a:uLnTx/>
-              <a:uFillTx/>
-              <a:latin typeface="Calibri" panose="020F0502020204030204"/>
-              <a:ea typeface="游ゴシック" panose="020B0400000000000000" pitchFamily="50" charset="-128"/>
-              <a:cs typeface="+mn-cs"/>
-            </a:endParaRPr>
-          </a:p>
-        </p:txBody>
-      </p:sp>
-      <p:sp>
-        <p:nvSpPr>
-          <p:cNvPr id="6" name="Footer Placeholder 5"/>
-          <p:cNvSpPr>
-            <a:spLocks noGrp="1"/>
-          </p:cNvSpPr>
-          <p:nvPr>
-            <p:ph type="ftr" sz="quarter" idx="11"/>
-          </p:nvPr>
-        </p:nvSpPr>
-        <p:spPr/>
-        <p:txBody>
-          <a:bodyPr/>
-          <a:lstStyle/>
-          <a:p>
-            <a:pPr marL="0" marR="0" lvl="0" indent="0" algn="ctr" defTabSz="914400" rtl="0" eaLnBrk="1" fontAlgn="auto" latinLnBrk="0" hangingPunct="1">
-              <a:lnSpc>
-                <a:spcPct val="100000"/>
-              </a:lnSpc>
-              <a:spcBef>
-                <a:spcPts val="0"/>
-              </a:spcBef>
-              <a:spcAft>
-                <a:spcPts val="0"/>
-              </a:spcAft>
-              <a:buClrTx/>
-              <a:buSzTx/>
-              <a:buFontTx/>
-              <a:buNone/>
-              <a:tabLst/>
-              <a:defRPr/>
-            </a:pPr>
-            <a:endParaRPr kumimoji="1" lang="ja-JP" altLang="en-US" sz="1200" b="0" i="0" u="none" strike="noStrike" kern="1200" cap="none" spc="0" normalizeH="0" baseline="0" noProof="0">
-              <a:ln>
-                <a:noFill/>
-              </a:ln>
-              <a:solidFill>
-                <a:prstClr val="black">
-                  <a:tint val="75000"/>
-                </a:prstClr>
-              </a:solidFill>
-              <a:effectLst/>
-              <a:uLnTx/>
-              <a:uFillTx/>
-              <a:latin typeface="Calibri" panose="020F0502020204030204"/>
-              <a:ea typeface="游ゴシック" panose="020B0400000000000000" pitchFamily="50" charset="-128"/>
-              <a:cs typeface="+mn-cs"/>
-            </a:endParaRPr>
-          </a:p>
-        </p:txBody>
-      </p:sp>
-      <p:sp>
-        <p:nvSpPr>
-          <p:cNvPr id="7" name="Slide Number Placeholder 6"/>
-          <p:cNvSpPr>
-            <a:spLocks noGrp="1"/>
-          </p:cNvSpPr>
-          <p:nvPr>
-            <p:ph type="sldNum" sz="quarter" idx="12"/>
-          </p:nvPr>
-        </p:nvSpPr>
-        <p:spPr/>
-        <p:txBody>
-          <a:bodyPr/>
-          <a:lstStyle/>
-          <a:p>
-            <a:pPr marL="0" marR="0" lvl="0" indent="0" algn="r" defTabSz="914400" rtl="0" eaLnBrk="1" fontAlgn="auto" latinLnBrk="0" hangingPunct="1">
-              <a:lnSpc>
-                <a:spcPct val="100000"/>
-              </a:lnSpc>
-              <a:spcBef>
-                <a:spcPts val="0"/>
-              </a:spcBef>
-              <a:spcAft>
-                <a:spcPts val="0"/>
-              </a:spcAft>
-              <a:buClrTx/>
-              <a:buSzTx/>
-              <a:buFontTx/>
-              <a:buNone/>
-              <a:tabLst/>
-              <a:defRPr/>
-            </a:pPr>
-            <a:fld id="{BCFEE6ED-AA2C-49EB-A172-8063C2D7D298}" type="slidenum">
-              <a:rPr kumimoji="1" lang="ja-JP" altLang="en-US" sz="1200" b="0" i="0" u="none" strike="noStrike" kern="1200" cap="none" spc="0" normalizeH="0" baseline="0" noProof="0" smtClean="0">
-                <a:ln>
-                  <a:noFill/>
-                </a:ln>
-                <a:solidFill>
-                  <a:prstClr val="black">
-                    <a:tint val="75000"/>
-                  </a:prstClr>
-                </a:solidFill>
-                <a:effectLst/>
-                <a:uLnTx/>
-                <a:uFillTx/>
-                <a:latin typeface="Calibri" panose="020F0502020204030204"/>
-                <a:ea typeface="游ゴシック" panose="020B0400000000000000" pitchFamily="50" charset="-128"/>
-                <a:cs typeface="+mn-cs"/>
-              </a:rPr>
-              <a:pPr marL="0" marR="0" lvl="0" indent="0" algn="r" defTabSz="914400" rtl="0" eaLnBrk="1" fontAlgn="auto" latinLnBrk="0" hangingPunct="1">
-                <a:lnSpc>
-                  <a:spcPct val="100000"/>
-                </a:lnSpc>
-                <a:spcBef>
-                  <a:spcPts val="0"/>
-                </a:spcBef>
-                <a:spcAft>
-                  <a:spcPts val="0"/>
-                </a:spcAft>
-                <a:buClrTx/>
-                <a:buSzTx/>
-                <a:buFontTx/>
-                <a:buNone/>
-                <a:tabLst/>
-                <a:defRPr/>
-              </a:pPr>
-              <a:t>‹#›</a:t>
-            </a:fld>
-            <a:endParaRPr kumimoji="1" lang="ja-JP" altLang="en-US" sz="1200" b="0" i="0" u="none" strike="noStrike" kern="1200" cap="none" spc="0" normalizeH="0" baseline="0" noProof="0">
-              <a:ln>
-                <a:noFill/>
-              </a:ln>
-              <a:solidFill>
-                <a:prstClr val="black">
-                  <a:tint val="75000"/>
-                </a:prstClr>
-              </a:solidFill>
-              <a:effectLst/>
-              <a:uLnTx/>
-              <a:uFillTx/>
-              <a:latin typeface="Calibri" panose="020F0502020204030204"/>
-              <a:ea typeface="游ゴシック" panose="020B0400000000000000" pitchFamily="50" charset="-128"/>
-              <a:cs typeface="+mn-cs"/>
-            </a:endParaRPr>
-          </a:p>
-        </p:txBody>
-      </p:sp>
-    </p:spTree>
-    <p:extLst>
-      <p:ext uri="{BB962C8B-B14F-4D97-AF65-F5344CB8AC3E}">
-        <p14:creationId xmlns:p14="http://schemas.microsoft.com/office/powerpoint/2010/main" val="1556109322"/>
-      </p:ext>
-    </p:extLst>
-  </p:cSld>
-  <p:clrMapOvr>
-    <a:masterClrMapping/>
-  </p:clrMapOvr>
-</p:sldLayout>
-</file>
-
 <file path=ppt/slideLayouts/slideLayout2.xml><?xml version="1.0" encoding="utf-8"?>
 <p:sldLayout xmlns:a="http://schemas.openxmlformats.org/drawingml/2006/main" xmlns:r="http://schemas.openxmlformats.org/officeDocument/2006/relationships" xmlns:p="http://schemas.openxmlformats.org/presentationml/2006/main" type="obj" preserve="1">
   <p:cSld name="タイトルとコンテンツ">
@@ -4839,1157 +1669,6 @@
     <p:extLst>
       <p:ext uri="{BB962C8B-B14F-4D97-AF65-F5344CB8AC3E}">
         <p14:creationId xmlns:p14="http://schemas.microsoft.com/office/powerpoint/2010/main" val="1616002814"/>
-      </p:ext>
-    </p:extLst>
-  </p:cSld>
-  <p:clrMapOvr>
-    <a:masterClrMapping/>
-  </p:clrMapOvr>
-</p:sldLayout>
-</file>
-
-<file path=ppt/slideLayouts/slideLayout20.xml><?xml version="1.0" encoding="utf-8"?>
-<p:sldLayout xmlns:a="http://schemas.openxmlformats.org/drawingml/2006/main" xmlns:r="http://schemas.openxmlformats.org/officeDocument/2006/relationships" xmlns:p="http://schemas.openxmlformats.org/presentationml/2006/main" type="picTx" preserve="1">
-  <p:cSld name="タイトル付きの図">
-    <p:spTree>
-      <p:nvGrpSpPr>
-        <p:cNvPr id="1" name=""/>
-        <p:cNvGrpSpPr/>
-        <p:nvPr/>
-      </p:nvGrpSpPr>
-      <p:grpSpPr>
-        <a:xfrm>
-          <a:off x="0" y="0"/>
-          <a:ext cx="0" cy="0"/>
-          <a:chOff x="0" y="0"/>
-          <a:chExt cx="0" cy="0"/>
-        </a:xfrm>
-      </p:grpSpPr>
-      <p:sp>
-        <p:nvSpPr>
-          <p:cNvPr id="2" name="Title 1"/>
-          <p:cNvSpPr>
-            <a:spLocks noGrp="1"/>
-          </p:cNvSpPr>
-          <p:nvPr>
-            <p:ph type="title"/>
-          </p:nvPr>
-        </p:nvSpPr>
-        <p:spPr>
-          <a:xfrm>
-            <a:off x="629841" y="457200"/>
-            <a:ext cx="2949178" cy="1600200"/>
-          </a:xfrm>
-        </p:spPr>
-        <p:txBody>
-          <a:bodyPr anchor="b"/>
-          <a:lstStyle>
-            <a:lvl1pPr>
-              <a:defRPr sz="3200"/>
-            </a:lvl1pPr>
-          </a:lstStyle>
-          <a:p>
-            <a:r>
-              <a:rPr lang="ja-JP" altLang="en-US" smtClean="0"/>
-              <a:t>マスター タイトルの書式設定</a:t>
-            </a:r>
-            <a:endParaRPr lang="en-US" dirty="0"/>
-          </a:p>
-        </p:txBody>
-      </p:sp>
-      <p:sp>
-        <p:nvSpPr>
-          <p:cNvPr id="3" name="Picture Placeholder 2"/>
-          <p:cNvSpPr>
-            <a:spLocks noGrp="1" noChangeAspect="1"/>
-          </p:cNvSpPr>
-          <p:nvPr>
-            <p:ph type="pic" idx="1"/>
-          </p:nvPr>
-        </p:nvSpPr>
-        <p:spPr>
-          <a:xfrm>
-            <a:off x="3887391" y="987426"/>
-            <a:ext cx="4629150" cy="4873625"/>
-          </a:xfrm>
-        </p:spPr>
-        <p:txBody>
-          <a:bodyPr anchor="t"/>
-          <a:lstStyle>
-            <a:lvl1pPr marL="0" indent="0">
-              <a:buNone/>
-              <a:defRPr sz="3200"/>
-            </a:lvl1pPr>
-            <a:lvl2pPr marL="457200" indent="0">
-              <a:buNone/>
-              <a:defRPr sz="2800"/>
-            </a:lvl2pPr>
-            <a:lvl3pPr marL="914400" indent="0">
-              <a:buNone/>
-              <a:defRPr sz="2400"/>
-            </a:lvl3pPr>
-            <a:lvl4pPr marL="1371600" indent="0">
-              <a:buNone/>
-              <a:defRPr sz="2000"/>
-            </a:lvl4pPr>
-            <a:lvl5pPr marL="1828800" indent="0">
-              <a:buNone/>
-              <a:defRPr sz="2000"/>
-            </a:lvl5pPr>
-            <a:lvl6pPr marL="2286000" indent="0">
-              <a:buNone/>
-              <a:defRPr sz="2000"/>
-            </a:lvl6pPr>
-            <a:lvl7pPr marL="2743200" indent="0">
-              <a:buNone/>
-              <a:defRPr sz="2000"/>
-            </a:lvl7pPr>
-            <a:lvl8pPr marL="3200400" indent="0">
-              <a:buNone/>
-              <a:defRPr sz="2000"/>
-            </a:lvl8pPr>
-            <a:lvl9pPr marL="3657600" indent="0">
-              <a:buNone/>
-              <a:defRPr sz="2000"/>
-            </a:lvl9pPr>
-          </a:lstStyle>
-          <a:p>
-            <a:r>
-              <a:rPr lang="ja-JP" altLang="en-US" smtClean="0"/>
-              <a:t>図を追加</a:t>
-            </a:r>
-            <a:endParaRPr lang="en-US" dirty="0"/>
-          </a:p>
-        </p:txBody>
-      </p:sp>
-      <p:sp>
-        <p:nvSpPr>
-          <p:cNvPr id="4" name="Text Placeholder 3"/>
-          <p:cNvSpPr>
-            <a:spLocks noGrp="1"/>
-          </p:cNvSpPr>
-          <p:nvPr>
-            <p:ph type="body" sz="half" idx="2"/>
-          </p:nvPr>
-        </p:nvSpPr>
-        <p:spPr>
-          <a:xfrm>
-            <a:off x="629841" y="2057400"/>
-            <a:ext cx="2949178" cy="3811588"/>
-          </a:xfrm>
-        </p:spPr>
-        <p:txBody>
-          <a:bodyPr/>
-          <a:lstStyle>
-            <a:lvl1pPr marL="0" indent="0">
-              <a:buNone/>
-              <a:defRPr sz="1600"/>
-            </a:lvl1pPr>
-            <a:lvl2pPr marL="457200" indent="0">
-              <a:buNone/>
-              <a:defRPr sz="1400"/>
-            </a:lvl2pPr>
-            <a:lvl3pPr marL="914400" indent="0">
-              <a:buNone/>
-              <a:defRPr sz="1200"/>
-            </a:lvl3pPr>
-            <a:lvl4pPr marL="1371600" indent="0">
-              <a:buNone/>
-              <a:defRPr sz="1000"/>
-            </a:lvl4pPr>
-            <a:lvl5pPr marL="1828800" indent="0">
-              <a:buNone/>
-              <a:defRPr sz="1000"/>
-            </a:lvl5pPr>
-            <a:lvl6pPr marL="2286000" indent="0">
-              <a:buNone/>
-              <a:defRPr sz="1000"/>
-            </a:lvl6pPr>
-            <a:lvl7pPr marL="2743200" indent="0">
-              <a:buNone/>
-              <a:defRPr sz="1000"/>
-            </a:lvl7pPr>
-            <a:lvl8pPr marL="3200400" indent="0">
-              <a:buNone/>
-              <a:defRPr sz="1000"/>
-            </a:lvl8pPr>
-            <a:lvl9pPr marL="3657600" indent="0">
-              <a:buNone/>
-              <a:defRPr sz="1000"/>
-            </a:lvl9pPr>
-          </a:lstStyle>
-          <a:p>
-            <a:pPr lvl="0"/>
-            <a:r>
-              <a:rPr lang="ja-JP" altLang="en-US" smtClean="0"/>
-              <a:t>マスター テキストの書式設定</a:t>
-            </a:r>
-          </a:p>
-        </p:txBody>
-      </p:sp>
-      <p:sp>
-        <p:nvSpPr>
-          <p:cNvPr id="5" name="Date Placeholder 4"/>
-          <p:cNvSpPr>
-            <a:spLocks noGrp="1"/>
-          </p:cNvSpPr>
-          <p:nvPr>
-            <p:ph type="dt" sz="half" idx="10"/>
-          </p:nvPr>
-        </p:nvSpPr>
-        <p:spPr/>
-        <p:txBody>
-          <a:bodyPr/>
-          <a:lstStyle/>
-          <a:p>
-            <a:pPr marL="0" marR="0" lvl="0" indent="0" algn="l" defTabSz="914400" rtl="0" eaLnBrk="1" fontAlgn="auto" latinLnBrk="0" hangingPunct="1">
-              <a:lnSpc>
-                <a:spcPct val="100000"/>
-              </a:lnSpc>
-              <a:spcBef>
-                <a:spcPts val="0"/>
-              </a:spcBef>
-              <a:spcAft>
-                <a:spcPts val="0"/>
-              </a:spcAft>
-              <a:buClrTx/>
-              <a:buSzTx/>
-              <a:buFontTx/>
-              <a:buNone/>
-              <a:tabLst/>
-              <a:defRPr/>
-            </a:pPr>
-            <a:fld id="{82735B9C-9FB4-4E9A-9540-F617C773E17B}" type="datetime1">
-              <a:rPr kumimoji="1" lang="ja-JP" altLang="en-US" sz="1200" b="0" i="0" u="none" strike="noStrike" kern="1200" cap="none" spc="0" normalizeH="0" baseline="0" noProof="0" smtClean="0">
-                <a:ln>
-                  <a:noFill/>
-                </a:ln>
-                <a:solidFill>
-                  <a:prstClr val="black">
-                    <a:tint val="75000"/>
-                  </a:prstClr>
-                </a:solidFill>
-                <a:effectLst/>
-                <a:uLnTx/>
-                <a:uFillTx/>
-                <a:latin typeface="Calibri" panose="020F0502020204030204"/>
-                <a:ea typeface="游ゴシック" panose="020B0400000000000000" pitchFamily="50" charset="-128"/>
-                <a:cs typeface="+mn-cs"/>
-              </a:rPr>
-              <a:pPr marL="0" marR="0" lvl="0" indent="0" algn="l" defTabSz="914400" rtl="0" eaLnBrk="1" fontAlgn="auto" latinLnBrk="0" hangingPunct="1">
-                <a:lnSpc>
-                  <a:spcPct val="100000"/>
-                </a:lnSpc>
-                <a:spcBef>
-                  <a:spcPts val="0"/>
-                </a:spcBef>
-                <a:spcAft>
-                  <a:spcPts val="0"/>
-                </a:spcAft>
-                <a:buClrTx/>
-                <a:buSzTx/>
-                <a:buFontTx/>
-                <a:buNone/>
-                <a:tabLst/>
-                <a:defRPr/>
-              </a:pPr>
-              <a:t>2021/7/27</a:t>
-            </a:fld>
-            <a:endParaRPr kumimoji="1" lang="ja-JP" altLang="en-US" sz="1200" b="0" i="0" u="none" strike="noStrike" kern="1200" cap="none" spc="0" normalizeH="0" baseline="0" noProof="0">
-              <a:ln>
-                <a:noFill/>
-              </a:ln>
-              <a:solidFill>
-                <a:prstClr val="black">
-                  <a:tint val="75000"/>
-                </a:prstClr>
-              </a:solidFill>
-              <a:effectLst/>
-              <a:uLnTx/>
-              <a:uFillTx/>
-              <a:latin typeface="Calibri" panose="020F0502020204030204"/>
-              <a:ea typeface="游ゴシック" panose="020B0400000000000000" pitchFamily="50" charset="-128"/>
-              <a:cs typeface="+mn-cs"/>
-            </a:endParaRPr>
-          </a:p>
-        </p:txBody>
-      </p:sp>
-      <p:sp>
-        <p:nvSpPr>
-          <p:cNvPr id="6" name="Footer Placeholder 5"/>
-          <p:cNvSpPr>
-            <a:spLocks noGrp="1"/>
-          </p:cNvSpPr>
-          <p:nvPr>
-            <p:ph type="ftr" sz="quarter" idx="11"/>
-          </p:nvPr>
-        </p:nvSpPr>
-        <p:spPr/>
-        <p:txBody>
-          <a:bodyPr/>
-          <a:lstStyle/>
-          <a:p>
-            <a:pPr marL="0" marR="0" lvl="0" indent="0" algn="ctr" defTabSz="914400" rtl="0" eaLnBrk="1" fontAlgn="auto" latinLnBrk="0" hangingPunct="1">
-              <a:lnSpc>
-                <a:spcPct val="100000"/>
-              </a:lnSpc>
-              <a:spcBef>
-                <a:spcPts val="0"/>
-              </a:spcBef>
-              <a:spcAft>
-                <a:spcPts val="0"/>
-              </a:spcAft>
-              <a:buClrTx/>
-              <a:buSzTx/>
-              <a:buFontTx/>
-              <a:buNone/>
-              <a:tabLst/>
-              <a:defRPr/>
-            </a:pPr>
-            <a:endParaRPr kumimoji="1" lang="ja-JP" altLang="en-US" sz="1200" b="0" i="0" u="none" strike="noStrike" kern="1200" cap="none" spc="0" normalizeH="0" baseline="0" noProof="0">
-              <a:ln>
-                <a:noFill/>
-              </a:ln>
-              <a:solidFill>
-                <a:prstClr val="black">
-                  <a:tint val="75000"/>
-                </a:prstClr>
-              </a:solidFill>
-              <a:effectLst/>
-              <a:uLnTx/>
-              <a:uFillTx/>
-              <a:latin typeface="Calibri" panose="020F0502020204030204"/>
-              <a:ea typeface="游ゴシック" panose="020B0400000000000000" pitchFamily="50" charset="-128"/>
-              <a:cs typeface="+mn-cs"/>
-            </a:endParaRPr>
-          </a:p>
-        </p:txBody>
-      </p:sp>
-      <p:sp>
-        <p:nvSpPr>
-          <p:cNvPr id="7" name="Slide Number Placeholder 6"/>
-          <p:cNvSpPr>
-            <a:spLocks noGrp="1"/>
-          </p:cNvSpPr>
-          <p:nvPr>
-            <p:ph type="sldNum" sz="quarter" idx="12"/>
-          </p:nvPr>
-        </p:nvSpPr>
-        <p:spPr/>
-        <p:txBody>
-          <a:bodyPr/>
-          <a:lstStyle/>
-          <a:p>
-            <a:pPr marL="0" marR="0" lvl="0" indent="0" algn="r" defTabSz="914400" rtl="0" eaLnBrk="1" fontAlgn="auto" latinLnBrk="0" hangingPunct="1">
-              <a:lnSpc>
-                <a:spcPct val="100000"/>
-              </a:lnSpc>
-              <a:spcBef>
-                <a:spcPts val="0"/>
-              </a:spcBef>
-              <a:spcAft>
-                <a:spcPts val="0"/>
-              </a:spcAft>
-              <a:buClrTx/>
-              <a:buSzTx/>
-              <a:buFontTx/>
-              <a:buNone/>
-              <a:tabLst/>
-              <a:defRPr/>
-            </a:pPr>
-            <a:fld id="{BCFEE6ED-AA2C-49EB-A172-8063C2D7D298}" type="slidenum">
-              <a:rPr kumimoji="1" lang="ja-JP" altLang="en-US" sz="1200" b="0" i="0" u="none" strike="noStrike" kern="1200" cap="none" spc="0" normalizeH="0" baseline="0" noProof="0" smtClean="0">
-                <a:ln>
-                  <a:noFill/>
-                </a:ln>
-                <a:solidFill>
-                  <a:prstClr val="black">
-                    <a:tint val="75000"/>
-                  </a:prstClr>
-                </a:solidFill>
-                <a:effectLst/>
-                <a:uLnTx/>
-                <a:uFillTx/>
-                <a:latin typeface="Calibri" panose="020F0502020204030204"/>
-                <a:ea typeface="游ゴシック" panose="020B0400000000000000" pitchFamily="50" charset="-128"/>
-                <a:cs typeface="+mn-cs"/>
-              </a:rPr>
-              <a:pPr marL="0" marR="0" lvl="0" indent="0" algn="r" defTabSz="914400" rtl="0" eaLnBrk="1" fontAlgn="auto" latinLnBrk="0" hangingPunct="1">
-                <a:lnSpc>
-                  <a:spcPct val="100000"/>
-                </a:lnSpc>
-                <a:spcBef>
-                  <a:spcPts val="0"/>
-                </a:spcBef>
-                <a:spcAft>
-                  <a:spcPts val="0"/>
-                </a:spcAft>
-                <a:buClrTx/>
-                <a:buSzTx/>
-                <a:buFontTx/>
-                <a:buNone/>
-                <a:tabLst/>
-                <a:defRPr/>
-              </a:pPr>
-              <a:t>‹#›</a:t>
-            </a:fld>
-            <a:endParaRPr kumimoji="1" lang="ja-JP" altLang="en-US" sz="1200" b="0" i="0" u="none" strike="noStrike" kern="1200" cap="none" spc="0" normalizeH="0" baseline="0" noProof="0">
-              <a:ln>
-                <a:noFill/>
-              </a:ln>
-              <a:solidFill>
-                <a:prstClr val="black">
-                  <a:tint val="75000"/>
-                </a:prstClr>
-              </a:solidFill>
-              <a:effectLst/>
-              <a:uLnTx/>
-              <a:uFillTx/>
-              <a:latin typeface="Calibri" panose="020F0502020204030204"/>
-              <a:ea typeface="游ゴシック" panose="020B0400000000000000" pitchFamily="50" charset="-128"/>
-              <a:cs typeface="+mn-cs"/>
-            </a:endParaRPr>
-          </a:p>
-        </p:txBody>
-      </p:sp>
-    </p:spTree>
-    <p:extLst>
-      <p:ext uri="{BB962C8B-B14F-4D97-AF65-F5344CB8AC3E}">
-        <p14:creationId xmlns:p14="http://schemas.microsoft.com/office/powerpoint/2010/main" val="1302471684"/>
-      </p:ext>
-    </p:extLst>
-  </p:cSld>
-  <p:clrMapOvr>
-    <a:masterClrMapping/>
-  </p:clrMapOvr>
-</p:sldLayout>
-</file>
-
-<file path=ppt/slideLayouts/slideLayout21.xml><?xml version="1.0" encoding="utf-8"?>
-<p:sldLayout xmlns:a="http://schemas.openxmlformats.org/drawingml/2006/main" xmlns:r="http://schemas.openxmlformats.org/officeDocument/2006/relationships" xmlns:p="http://schemas.openxmlformats.org/presentationml/2006/main" type="vertTx" preserve="1">
-  <p:cSld name="タイトルと&#10;縦書きテキスト">
-    <p:spTree>
-      <p:nvGrpSpPr>
-        <p:cNvPr id="1" name=""/>
-        <p:cNvGrpSpPr/>
-        <p:nvPr/>
-      </p:nvGrpSpPr>
-      <p:grpSpPr>
-        <a:xfrm>
-          <a:off x="0" y="0"/>
-          <a:ext cx="0" cy="0"/>
-          <a:chOff x="0" y="0"/>
-          <a:chExt cx="0" cy="0"/>
-        </a:xfrm>
-      </p:grpSpPr>
-      <p:sp>
-        <p:nvSpPr>
-          <p:cNvPr id="2" name="Title 1"/>
-          <p:cNvSpPr>
-            <a:spLocks noGrp="1"/>
-          </p:cNvSpPr>
-          <p:nvPr>
-            <p:ph type="title"/>
-          </p:nvPr>
-        </p:nvSpPr>
-        <p:spPr/>
-        <p:txBody>
-          <a:bodyPr/>
-          <a:lstStyle/>
-          <a:p>
-            <a:r>
-              <a:rPr lang="ja-JP" altLang="en-US" smtClean="0"/>
-              <a:t>マスター タイトルの書式設定</a:t>
-            </a:r>
-            <a:endParaRPr lang="en-US" dirty="0"/>
-          </a:p>
-        </p:txBody>
-      </p:sp>
-      <p:sp>
-        <p:nvSpPr>
-          <p:cNvPr id="3" name="Vertical Text Placeholder 2"/>
-          <p:cNvSpPr>
-            <a:spLocks noGrp="1"/>
-          </p:cNvSpPr>
-          <p:nvPr>
-            <p:ph type="body" orient="vert" idx="1"/>
-          </p:nvPr>
-        </p:nvSpPr>
-        <p:spPr/>
-        <p:txBody>
-          <a:bodyPr vert="eaVert"/>
-          <a:lstStyle/>
-          <a:p>
-            <a:pPr lvl="0"/>
-            <a:r>
-              <a:rPr lang="ja-JP" altLang="en-US" smtClean="0"/>
-              <a:t>マスター テキストの書式設定</a:t>
-            </a:r>
-          </a:p>
-          <a:p>
-            <a:pPr lvl="1"/>
-            <a:r>
-              <a:rPr lang="ja-JP" altLang="en-US" smtClean="0"/>
-              <a:t>第 </a:t>
-            </a:r>
-            <a:r>
-              <a:rPr lang="en-US" altLang="ja-JP" smtClean="0"/>
-              <a:t>2 </a:t>
-            </a:r>
-            <a:r>
-              <a:rPr lang="ja-JP" altLang="en-US" smtClean="0"/>
-              <a:t>レベル</a:t>
-            </a:r>
-          </a:p>
-          <a:p>
-            <a:pPr lvl="2"/>
-            <a:r>
-              <a:rPr lang="ja-JP" altLang="en-US" smtClean="0"/>
-              <a:t>第 </a:t>
-            </a:r>
-            <a:r>
-              <a:rPr lang="en-US" altLang="ja-JP" smtClean="0"/>
-              <a:t>3 </a:t>
-            </a:r>
-            <a:r>
-              <a:rPr lang="ja-JP" altLang="en-US" smtClean="0"/>
-              <a:t>レベル</a:t>
-            </a:r>
-          </a:p>
-          <a:p>
-            <a:pPr lvl="3"/>
-            <a:r>
-              <a:rPr lang="ja-JP" altLang="en-US" smtClean="0"/>
-              <a:t>第 </a:t>
-            </a:r>
-            <a:r>
-              <a:rPr lang="en-US" altLang="ja-JP" smtClean="0"/>
-              <a:t>4 </a:t>
-            </a:r>
-            <a:r>
-              <a:rPr lang="ja-JP" altLang="en-US" smtClean="0"/>
-              <a:t>レベル</a:t>
-            </a:r>
-          </a:p>
-          <a:p>
-            <a:pPr lvl="4"/>
-            <a:r>
-              <a:rPr lang="ja-JP" altLang="en-US" smtClean="0"/>
-              <a:t>第 </a:t>
-            </a:r>
-            <a:r>
-              <a:rPr lang="en-US" altLang="ja-JP" smtClean="0"/>
-              <a:t>5 </a:t>
-            </a:r>
-            <a:r>
-              <a:rPr lang="ja-JP" altLang="en-US" smtClean="0"/>
-              <a:t>レベル</a:t>
-            </a:r>
-            <a:endParaRPr lang="en-US" dirty="0"/>
-          </a:p>
-        </p:txBody>
-      </p:sp>
-      <p:sp>
-        <p:nvSpPr>
-          <p:cNvPr id="4" name="Date Placeholder 3"/>
-          <p:cNvSpPr>
-            <a:spLocks noGrp="1"/>
-          </p:cNvSpPr>
-          <p:nvPr>
-            <p:ph type="dt" sz="half" idx="10"/>
-          </p:nvPr>
-        </p:nvSpPr>
-        <p:spPr/>
-        <p:txBody>
-          <a:bodyPr/>
-          <a:lstStyle/>
-          <a:p>
-            <a:pPr marL="0" marR="0" lvl="0" indent="0" algn="l" defTabSz="914400" rtl="0" eaLnBrk="1" fontAlgn="auto" latinLnBrk="0" hangingPunct="1">
-              <a:lnSpc>
-                <a:spcPct val="100000"/>
-              </a:lnSpc>
-              <a:spcBef>
-                <a:spcPts val="0"/>
-              </a:spcBef>
-              <a:spcAft>
-                <a:spcPts val="0"/>
-              </a:spcAft>
-              <a:buClrTx/>
-              <a:buSzTx/>
-              <a:buFontTx/>
-              <a:buNone/>
-              <a:tabLst/>
-              <a:defRPr/>
-            </a:pPr>
-            <a:fld id="{65B3E365-8942-46AE-8EB0-09708B58B06E}" type="datetime1">
-              <a:rPr kumimoji="1" lang="ja-JP" altLang="en-US" sz="1200" b="0" i="0" u="none" strike="noStrike" kern="1200" cap="none" spc="0" normalizeH="0" baseline="0" noProof="0" smtClean="0">
-                <a:ln>
-                  <a:noFill/>
-                </a:ln>
-                <a:solidFill>
-                  <a:prstClr val="black">
-                    <a:tint val="75000"/>
-                  </a:prstClr>
-                </a:solidFill>
-                <a:effectLst/>
-                <a:uLnTx/>
-                <a:uFillTx/>
-                <a:latin typeface="Calibri" panose="020F0502020204030204"/>
-                <a:ea typeface="游ゴシック" panose="020B0400000000000000" pitchFamily="50" charset="-128"/>
-                <a:cs typeface="+mn-cs"/>
-              </a:rPr>
-              <a:pPr marL="0" marR="0" lvl="0" indent="0" algn="l" defTabSz="914400" rtl="0" eaLnBrk="1" fontAlgn="auto" latinLnBrk="0" hangingPunct="1">
-                <a:lnSpc>
-                  <a:spcPct val="100000"/>
-                </a:lnSpc>
-                <a:spcBef>
-                  <a:spcPts val="0"/>
-                </a:spcBef>
-                <a:spcAft>
-                  <a:spcPts val="0"/>
-                </a:spcAft>
-                <a:buClrTx/>
-                <a:buSzTx/>
-                <a:buFontTx/>
-                <a:buNone/>
-                <a:tabLst/>
-                <a:defRPr/>
-              </a:pPr>
-              <a:t>2021/7/27</a:t>
-            </a:fld>
-            <a:endParaRPr kumimoji="1" lang="ja-JP" altLang="en-US" sz="1200" b="0" i="0" u="none" strike="noStrike" kern="1200" cap="none" spc="0" normalizeH="0" baseline="0" noProof="0">
-              <a:ln>
-                <a:noFill/>
-              </a:ln>
-              <a:solidFill>
-                <a:prstClr val="black">
-                  <a:tint val="75000"/>
-                </a:prstClr>
-              </a:solidFill>
-              <a:effectLst/>
-              <a:uLnTx/>
-              <a:uFillTx/>
-              <a:latin typeface="Calibri" panose="020F0502020204030204"/>
-              <a:ea typeface="游ゴシック" panose="020B0400000000000000" pitchFamily="50" charset="-128"/>
-              <a:cs typeface="+mn-cs"/>
-            </a:endParaRPr>
-          </a:p>
-        </p:txBody>
-      </p:sp>
-      <p:sp>
-        <p:nvSpPr>
-          <p:cNvPr id="5" name="Footer Placeholder 4"/>
-          <p:cNvSpPr>
-            <a:spLocks noGrp="1"/>
-          </p:cNvSpPr>
-          <p:nvPr>
-            <p:ph type="ftr" sz="quarter" idx="11"/>
-          </p:nvPr>
-        </p:nvSpPr>
-        <p:spPr/>
-        <p:txBody>
-          <a:bodyPr/>
-          <a:lstStyle/>
-          <a:p>
-            <a:pPr marL="0" marR="0" lvl="0" indent="0" algn="ctr" defTabSz="914400" rtl="0" eaLnBrk="1" fontAlgn="auto" latinLnBrk="0" hangingPunct="1">
-              <a:lnSpc>
-                <a:spcPct val="100000"/>
-              </a:lnSpc>
-              <a:spcBef>
-                <a:spcPts val="0"/>
-              </a:spcBef>
-              <a:spcAft>
-                <a:spcPts val="0"/>
-              </a:spcAft>
-              <a:buClrTx/>
-              <a:buSzTx/>
-              <a:buFontTx/>
-              <a:buNone/>
-              <a:tabLst/>
-              <a:defRPr/>
-            </a:pPr>
-            <a:endParaRPr kumimoji="1" lang="ja-JP" altLang="en-US" sz="1200" b="0" i="0" u="none" strike="noStrike" kern="1200" cap="none" spc="0" normalizeH="0" baseline="0" noProof="0">
-              <a:ln>
-                <a:noFill/>
-              </a:ln>
-              <a:solidFill>
-                <a:prstClr val="black">
-                  <a:tint val="75000"/>
-                </a:prstClr>
-              </a:solidFill>
-              <a:effectLst/>
-              <a:uLnTx/>
-              <a:uFillTx/>
-              <a:latin typeface="Calibri" panose="020F0502020204030204"/>
-              <a:ea typeface="游ゴシック" panose="020B0400000000000000" pitchFamily="50" charset="-128"/>
-              <a:cs typeface="+mn-cs"/>
-            </a:endParaRPr>
-          </a:p>
-        </p:txBody>
-      </p:sp>
-      <p:sp>
-        <p:nvSpPr>
-          <p:cNvPr id="6" name="Slide Number Placeholder 5"/>
-          <p:cNvSpPr>
-            <a:spLocks noGrp="1"/>
-          </p:cNvSpPr>
-          <p:nvPr>
-            <p:ph type="sldNum" sz="quarter" idx="12"/>
-          </p:nvPr>
-        </p:nvSpPr>
-        <p:spPr/>
-        <p:txBody>
-          <a:bodyPr/>
-          <a:lstStyle/>
-          <a:p>
-            <a:pPr marL="0" marR="0" lvl="0" indent="0" algn="r" defTabSz="914400" rtl="0" eaLnBrk="1" fontAlgn="auto" latinLnBrk="0" hangingPunct="1">
-              <a:lnSpc>
-                <a:spcPct val="100000"/>
-              </a:lnSpc>
-              <a:spcBef>
-                <a:spcPts val="0"/>
-              </a:spcBef>
-              <a:spcAft>
-                <a:spcPts val="0"/>
-              </a:spcAft>
-              <a:buClrTx/>
-              <a:buSzTx/>
-              <a:buFontTx/>
-              <a:buNone/>
-              <a:tabLst/>
-              <a:defRPr/>
-            </a:pPr>
-            <a:fld id="{BCFEE6ED-AA2C-49EB-A172-8063C2D7D298}" type="slidenum">
-              <a:rPr kumimoji="1" lang="ja-JP" altLang="en-US" sz="1200" b="0" i="0" u="none" strike="noStrike" kern="1200" cap="none" spc="0" normalizeH="0" baseline="0" noProof="0" smtClean="0">
-                <a:ln>
-                  <a:noFill/>
-                </a:ln>
-                <a:solidFill>
-                  <a:prstClr val="black">
-                    <a:tint val="75000"/>
-                  </a:prstClr>
-                </a:solidFill>
-                <a:effectLst/>
-                <a:uLnTx/>
-                <a:uFillTx/>
-                <a:latin typeface="Calibri" panose="020F0502020204030204"/>
-                <a:ea typeface="游ゴシック" panose="020B0400000000000000" pitchFamily="50" charset="-128"/>
-                <a:cs typeface="+mn-cs"/>
-              </a:rPr>
-              <a:pPr marL="0" marR="0" lvl="0" indent="0" algn="r" defTabSz="914400" rtl="0" eaLnBrk="1" fontAlgn="auto" latinLnBrk="0" hangingPunct="1">
-                <a:lnSpc>
-                  <a:spcPct val="100000"/>
-                </a:lnSpc>
-                <a:spcBef>
-                  <a:spcPts val="0"/>
-                </a:spcBef>
-                <a:spcAft>
-                  <a:spcPts val="0"/>
-                </a:spcAft>
-                <a:buClrTx/>
-                <a:buSzTx/>
-                <a:buFontTx/>
-                <a:buNone/>
-                <a:tabLst/>
-                <a:defRPr/>
-              </a:pPr>
-              <a:t>‹#›</a:t>
-            </a:fld>
-            <a:endParaRPr kumimoji="1" lang="ja-JP" altLang="en-US" sz="1200" b="0" i="0" u="none" strike="noStrike" kern="1200" cap="none" spc="0" normalizeH="0" baseline="0" noProof="0">
-              <a:ln>
-                <a:noFill/>
-              </a:ln>
-              <a:solidFill>
-                <a:prstClr val="black">
-                  <a:tint val="75000"/>
-                </a:prstClr>
-              </a:solidFill>
-              <a:effectLst/>
-              <a:uLnTx/>
-              <a:uFillTx/>
-              <a:latin typeface="Calibri" panose="020F0502020204030204"/>
-              <a:ea typeface="游ゴシック" panose="020B0400000000000000" pitchFamily="50" charset="-128"/>
-              <a:cs typeface="+mn-cs"/>
-            </a:endParaRPr>
-          </a:p>
-        </p:txBody>
-      </p:sp>
-    </p:spTree>
-    <p:extLst>
-      <p:ext uri="{BB962C8B-B14F-4D97-AF65-F5344CB8AC3E}">
-        <p14:creationId xmlns:p14="http://schemas.microsoft.com/office/powerpoint/2010/main" val="1714235078"/>
-      </p:ext>
-    </p:extLst>
-  </p:cSld>
-  <p:clrMapOvr>
-    <a:masterClrMapping/>
-  </p:clrMapOvr>
-</p:sldLayout>
-</file>
-
-<file path=ppt/slideLayouts/slideLayout22.xml><?xml version="1.0" encoding="utf-8"?>
-<p:sldLayout xmlns:a="http://schemas.openxmlformats.org/drawingml/2006/main" xmlns:r="http://schemas.openxmlformats.org/officeDocument/2006/relationships" xmlns:p="http://schemas.openxmlformats.org/presentationml/2006/main" type="vertTitleAndTx" preserve="1">
-  <p:cSld name="縦書きタイトルと&#10;縦書きテキスト">
-    <p:spTree>
-      <p:nvGrpSpPr>
-        <p:cNvPr id="1" name=""/>
-        <p:cNvGrpSpPr/>
-        <p:nvPr/>
-      </p:nvGrpSpPr>
-      <p:grpSpPr>
-        <a:xfrm>
-          <a:off x="0" y="0"/>
-          <a:ext cx="0" cy="0"/>
-          <a:chOff x="0" y="0"/>
-          <a:chExt cx="0" cy="0"/>
-        </a:xfrm>
-      </p:grpSpPr>
-      <p:sp>
-        <p:nvSpPr>
-          <p:cNvPr id="2" name="Vertical Title 1"/>
-          <p:cNvSpPr>
-            <a:spLocks noGrp="1"/>
-          </p:cNvSpPr>
-          <p:nvPr>
-            <p:ph type="title" orient="vert"/>
-          </p:nvPr>
-        </p:nvSpPr>
-        <p:spPr>
-          <a:xfrm>
-            <a:off x="6543675" y="365125"/>
-            <a:ext cx="1971675" cy="5811838"/>
-          </a:xfrm>
-        </p:spPr>
-        <p:txBody>
-          <a:bodyPr vert="eaVert"/>
-          <a:lstStyle/>
-          <a:p>
-            <a:r>
-              <a:rPr lang="ja-JP" altLang="en-US" smtClean="0"/>
-              <a:t>マスター タイトルの書式設定</a:t>
-            </a:r>
-            <a:endParaRPr lang="en-US" dirty="0"/>
-          </a:p>
-        </p:txBody>
-      </p:sp>
-      <p:sp>
-        <p:nvSpPr>
-          <p:cNvPr id="3" name="Vertical Text Placeholder 2"/>
-          <p:cNvSpPr>
-            <a:spLocks noGrp="1"/>
-          </p:cNvSpPr>
-          <p:nvPr>
-            <p:ph type="body" orient="vert" idx="1"/>
-          </p:nvPr>
-        </p:nvSpPr>
-        <p:spPr>
-          <a:xfrm>
-            <a:off x="628650" y="365125"/>
-            <a:ext cx="5800725" cy="5811838"/>
-          </a:xfrm>
-        </p:spPr>
-        <p:txBody>
-          <a:bodyPr vert="eaVert"/>
-          <a:lstStyle/>
-          <a:p>
-            <a:pPr lvl="0"/>
-            <a:r>
-              <a:rPr lang="ja-JP" altLang="en-US" smtClean="0"/>
-              <a:t>マスター テキストの書式設定</a:t>
-            </a:r>
-          </a:p>
-          <a:p>
-            <a:pPr lvl="1"/>
-            <a:r>
-              <a:rPr lang="ja-JP" altLang="en-US" smtClean="0"/>
-              <a:t>第 </a:t>
-            </a:r>
-            <a:r>
-              <a:rPr lang="en-US" altLang="ja-JP" smtClean="0"/>
-              <a:t>2 </a:t>
-            </a:r>
-            <a:r>
-              <a:rPr lang="ja-JP" altLang="en-US" smtClean="0"/>
-              <a:t>レベル</a:t>
-            </a:r>
-          </a:p>
-          <a:p>
-            <a:pPr lvl="2"/>
-            <a:r>
-              <a:rPr lang="ja-JP" altLang="en-US" smtClean="0"/>
-              <a:t>第 </a:t>
-            </a:r>
-            <a:r>
-              <a:rPr lang="en-US" altLang="ja-JP" smtClean="0"/>
-              <a:t>3 </a:t>
-            </a:r>
-            <a:r>
-              <a:rPr lang="ja-JP" altLang="en-US" smtClean="0"/>
-              <a:t>レベル</a:t>
-            </a:r>
-          </a:p>
-          <a:p>
-            <a:pPr lvl="3"/>
-            <a:r>
-              <a:rPr lang="ja-JP" altLang="en-US" smtClean="0"/>
-              <a:t>第 </a:t>
-            </a:r>
-            <a:r>
-              <a:rPr lang="en-US" altLang="ja-JP" smtClean="0"/>
-              <a:t>4 </a:t>
-            </a:r>
-            <a:r>
-              <a:rPr lang="ja-JP" altLang="en-US" smtClean="0"/>
-              <a:t>レベル</a:t>
-            </a:r>
-          </a:p>
-          <a:p>
-            <a:pPr lvl="4"/>
-            <a:r>
-              <a:rPr lang="ja-JP" altLang="en-US" smtClean="0"/>
-              <a:t>第 </a:t>
-            </a:r>
-            <a:r>
-              <a:rPr lang="en-US" altLang="ja-JP" smtClean="0"/>
-              <a:t>5 </a:t>
-            </a:r>
-            <a:r>
-              <a:rPr lang="ja-JP" altLang="en-US" smtClean="0"/>
-              <a:t>レベル</a:t>
-            </a:r>
-            <a:endParaRPr lang="en-US" dirty="0"/>
-          </a:p>
-        </p:txBody>
-      </p:sp>
-      <p:sp>
-        <p:nvSpPr>
-          <p:cNvPr id="4" name="Date Placeholder 3"/>
-          <p:cNvSpPr>
-            <a:spLocks noGrp="1"/>
-          </p:cNvSpPr>
-          <p:nvPr>
-            <p:ph type="dt" sz="half" idx="10"/>
-          </p:nvPr>
-        </p:nvSpPr>
-        <p:spPr/>
-        <p:txBody>
-          <a:bodyPr/>
-          <a:lstStyle/>
-          <a:p>
-            <a:pPr marL="0" marR="0" lvl="0" indent="0" algn="l" defTabSz="914400" rtl="0" eaLnBrk="1" fontAlgn="auto" latinLnBrk="0" hangingPunct="1">
-              <a:lnSpc>
-                <a:spcPct val="100000"/>
-              </a:lnSpc>
-              <a:spcBef>
-                <a:spcPts val="0"/>
-              </a:spcBef>
-              <a:spcAft>
-                <a:spcPts val="0"/>
-              </a:spcAft>
-              <a:buClrTx/>
-              <a:buSzTx/>
-              <a:buFontTx/>
-              <a:buNone/>
-              <a:tabLst/>
-              <a:defRPr/>
-            </a:pPr>
-            <a:fld id="{FFD1B8DB-7476-41E6-A4D2-B8CC263F7ACE}" type="datetime1">
-              <a:rPr kumimoji="1" lang="ja-JP" altLang="en-US" sz="1200" b="0" i="0" u="none" strike="noStrike" kern="1200" cap="none" spc="0" normalizeH="0" baseline="0" noProof="0" smtClean="0">
-                <a:ln>
-                  <a:noFill/>
-                </a:ln>
-                <a:solidFill>
-                  <a:prstClr val="black">
-                    <a:tint val="75000"/>
-                  </a:prstClr>
-                </a:solidFill>
-                <a:effectLst/>
-                <a:uLnTx/>
-                <a:uFillTx/>
-                <a:latin typeface="Calibri" panose="020F0502020204030204"/>
-                <a:ea typeface="游ゴシック" panose="020B0400000000000000" pitchFamily="50" charset="-128"/>
-                <a:cs typeface="+mn-cs"/>
-              </a:rPr>
-              <a:pPr marL="0" marR="0" lvl="0" indent="0" algn="l" defTabSz="914400" rtl="0" eaLnBrk="1" fontAlgn="auto" latinLnBrk="0" hangingPunct="1">
-                <a:lnSpc>
-                  <a:spcPct val="100000"/>
-                </a:lnSpc>
-                <a:spcBef>
-                  <a:spcPts val="0"/>
-                </a:spcBef>
-                <a:spcAft>
-                  <a:spcPts val="0"/>
-                </a:spcAft>
-                <a:buClrTx/>
-                <a:buSzTx/>
-                <a:buFontTx/>
-                <a:buNone/>
-                <a:tabLst/>
-                <a:defRPr/>
-              </a:pPr>
-              <a:t>2021/7/27</a:t>
-            </a:fld>
-            <a:endParaRPr kumimoji="1" lang="ja-JP" altLang="en-US" sz="1200" b="0" i="0" u="none" strike="noStrike" kern="1200" cap="none" spc="0" normalizeH="0" baseline="0" noProof="0">
-              <a:ln>
-                <a:noFill/>
-              </a:ln>
-              <a:solidFill>
-                <a:prstClr val="black">
-                  <a:tint val="75000"/>
-                </a:prstClr>
-              </a:solidFill>
-              <a:effectLst/>
-              <a:uLnTx/>
-              <a:uFillTx/>
-              <a:latin typeface="Calibri" panose="020F0502020204030204"/>
-              <a:ea typeface="游ゴシック" panose="020B0400000000000000" pitchFamily="50" charset="-128"/>
-              <a:cs typeface="+mn-cs"/>
-            </a:endParaRPr>
-          </a:p>
-        </p:txBody>
-      </p:sp>
-      <p:sp>
-        <p:nvSpPr>
-          <p:cNvPr id="5" name="Footer Placeholder 4"/>
-          <p:cNvSpPr>
-            <a:spLocks noGrp="1"/>
-          </p:cNvSpPr>
-          <p:nvPr>
-            <p:ph type="ftr" sz="quarter" idx="11"/>
-          </p:nvPr>
-        </p:nvSpPr>
-        <p:spPr/>
-        <p:txBody>
-          <a:bodyPr/>
-          <a:lstStyle/>
-          <a:p>
-            <a:pPr marL="0" marR="0" lvl="0" indent="0" algn="ctr" defTabSz="914400" rtl="0" eaLnBrk="1" fontAlgn="auto" latinLnBrk="0" hangingPunct="1">
-              <a:lnSpc>
-                <a:spcPct val="100000"/>
-              </a:lnSpc>
-              <a:spcBef>
-                <a:spcPts val="0"/>
-              </a:spcBef>
-              <a:spcAft>
-                <a:spcPts val="0"/>
-              </a:spcAft>
-              <a:buClrTx/>
-              <a:buSzTx/>
-              <a:buFontTx/>
-              <a:buNone/>
-              <a:tabLst/>
-              <a:defRPr/>
-            </a:pPr>
-            <a:endParaRPr kumimoji="1" lang="ja-JP" altLang="en-US" sz="1200" b="0" i="0" u="none" strike="noStrike" kern="1200" cap="none" spc="0" normalizeH="0" baseline="0" noProof="0">
-              <a:ln>
-                <a:noFill/>
-              </a:ln>
-              <a:solidFill>
-                <a:prstClr val="black">
-                  <a:tint val="75000"/>
-                </a:prstClr>
-              </a:solidFill>
-              <a:effectLst/>
-              <a:uLnTx/>
-              <a:uFillTx/>
-              <a:latin typeface="Calibri" panose="020F0502020204030204"/>
-              <a:ea typeface="游ゴシック" panose="020B0400000000000000" pitchFamily="50" charset="-128"/>
-              <a:cs typeface="+mn-cs"/>
-            </a:endParaRPr>
-          </a:p>
-        </p:txBody>
-      </p:sp>
-      <p:sp>
-        <p:nvSpPr>
-          <p:cNvPr id="6" name="Slide Number Placeholder 5"/>
-          <p:cNvSpPr>
-            <a:spLocks noGrp="1"/>
-          </p:cNvSpPr>
-          <p:nvPr>
-            <p:ph type="sldNum" sz="quarter" idx="12"/>
-          </p:nvPr>
-        </p:nvSpPr>
-        <p:spPr/>
-        <p:txBody>
-          <a:bodyPr/>
-          <a:lstStyle/>
-          <a:p>
-            <a:pPr marL="0" marR="0" lvl="0" indent="0" algn="r" defTabSz="914400" rtl="0" eaLnBrk="1" fontAlgn="auto" latinLnBrk="0" hangingPunct="1">
-              <a:lnSpc>
-                <a:spcPct val="100000"/>
-              </a:lnSpc>
-              <a:spcBef>
-                <a:spcPts val="0"/>
-              </a:spcBef>
-              <a:spcAft>
-                <a:spcPts val="0"/>
-              </a:spcAft>
-              <a:buClrTx/>
-              <a:buSzTx/>
-              <a:buFontTx/>
-              <a:buNone/>
-              <a:tabLst/>
-              <a:defRPr/>
-            </a:pPr>
-            <a:fld id="{BCFEE6ED-AA2C-49EB-A172-8063C2D7D298}" type="slidenum">
-              <a:rPr kumimoji="1" lang="ja-JP" altLang="en-US" sz="1200" b="0" i="0" u="none" strike="noStrike" kern="1200" cap="none" spc="0" normalizeH="0" baseline="0" noProof="0" smtClean="0">
-                <a:ln>
-                  <a:noFill/>
-                </a:ln>
-                <a:solidFill>
-                  <a:prstClr val="black">
-                    <a:tint val="75000"/>
-                  </a:prstClr>
-                </a:solidFill>
-                <a:effectLst/>
-                <a:uLnTx/>
-                <a:uFillTx/>
-                <a:latin typeface="Calibri" panose="020F0502020204030204"/>
-                <a:ea typeface="游ゴシック" panose="020B0400000000000000" pitchFamily="50" charset="-128"/>
-                <a:cs typeface="+mn-cs"/>
-              </a:rPr>
-              <a:pPr marL="0" marR="0" lvl="0" indent="0" algn="r" defTabSz="914400" rtl="0" eaLnBrk="1" fontAlgn="auto" latinLnBrk="0" hangingPunct="1">
-                <a:lnSpc>
-                  <a:spcPct val="100000"/>
-                </a:lnSpc>
-                <a:spcBef>
-                  <a:spcPts val="0"/>
-                </a:spcBef>
-                <a:spcAft>
-                  <a:spcPts val="0"/>
-                </a:spcAft>
-                <a:buClrTx/>
-                <a:buSzTx/>
-                <a:buFontTx/>
-                <a:buNone/>
-                <a:tabLst/>
-                <a:defRPr/>
-              </a:pPr>
-              <a:t>‹#›</a:t>
-            </a:fld>
-            <a:endParaRPr kumimoji="1" lang="ja-JP" altLang="en-US" sz="1200" b="0" i="0" u="none" strike="noStrike" kern="1200" cap="none" spc="0" normalizeH="0" baseline="0" noProof="0">
-              <a:ln>
-                <a:noFill/>
-              </a:ln>
-              <a:solidFill>
-                <a:prstClr val="black">
-                  <a:tint val="75000"/>
-                </a:prstClr>
-              </a:solidFill>
-              <a:effectLst/>
-              <a:uLnTx/>
-              <a:uFillTx/>
-              <a:latin typeface="Calibri" panose="020F0502020204030204"/>
-              <a:ea typeface="游ゴシック" panose="020B0400000000000000" pitchFamily="50" charset="-128"/>
-              <a:cs typeface="+mn-cs"/>
-            </a:endParaRPr>
-          </a:p>
-        </p:txBody>
-      </p:sp>
-    </p:spTree>
-    <p:extLst>
-      <p:ext uri="{BB962C8B-B14F-4D97-AF65-F5344CB8AC3E}">
-        <p14:creationId xmlns:p14="http://schemas.microsoft.com/office/powerpoint/2010/main" val="1377117724"/>
       </p:ext>
     </p:extLst>
   </p:cSld>
@@ -8337,739 +4016,6 @@
 </p:sldMaster>
 </file>
 
-<file path=ppt/slideMasters/slideMaster2.xml><?xml version="1.0" encoding="utf-8"?>
-<p:sldMaster xmlns:a="http://schemas.openxmlformats.org/drawingml/2006/main" xmlns:r="http://schemas.openxmlformats.org/officeDocument/2006/relationships" xmlns:p="http://schemas.openxmlformats.org/presentationml/2006/main">
-  <p:cSld>
-    <p:bg>
-      <p:bgRef idx="1001">
-        <a:schemeClr val="bg1"/>
-      </p:bgRef>
-    </p:bg>
-    <p:spTree>
-      <p:nvGrpSpPr>
-        <p:cNvPr id="1" name=""/>
-        <p:cNvGrpSpPr/>
-        <p:nvPr/>
-      </p:nvGrpSpPr>
-      <p:grpSpPr>
-        <a:xfrm>
-          <a:off x="0" y="0"/>
-          <a:ext cx="0" cy="0"/>
-          <a:chOff x="0" y="0"/>
-          <a:chExt cx="0" cy="0"/>
-        </a:xfrm>
-      </p:grpSpPr>
-      <p:sp>
-        <p:nvSpPr>
-          <p:cNvPr id="2" name="Title Placeholder 1"/>
-          <p:cNvSpPr>
-            <a:spLocks noGrp="1"/>
-          </p:cNvSpPr>
-          <p:nvPr>
-            <p:ph type="title"/>
-          </p:nvPr>
-        </p:nvSpPr>
-        <p:spPr>
-          <a:xfrm>
-            <a:off x="628650" y="365126"/>
-            <a:ext cx="7886700" cy="1325563"/>
-          </a:xfrm>
-          <a:prstGeom prst="rect">
-            <a:avLst/>
-          </a:prstGeom>
-        </p:spPr>
-        <p:txBody>
-          <a:bodyPr vert="horz" lIns="91440" tIns="45720" rIns="91440" bIns="45720" rtlCol="0" anchor="ctr">
-            <a:normAutofit/>
-          </a:bodyPr>
-          <a:lstStyle/>
-          <a:p>
-            <a:r>
-              <a:rPr lang="ja-JP" altLang="en-US" smtClean="0"/>
-              <a:t>マスター タイトルの書式設定</a:t>
-            </a:r>
-            <a:endParaRPr lang="en-US" dirty="0"/>
-          </a:p>
-        </p:txBody>
-      </p:sp>
-      <p:sp>
-        <p:nvSpPr>
-          <p:cNvPr id="3" name="Text Placeholder 2"/>
-          <p:cNvSpPr>
-            <a:spLocks noGrp="1"/>
-          </p:cNvSpPr>
-          <p:nvPr>
-            <p:ph type="body" idx="1"/>
-          </p:nvPr>
-        </p:nvSpPr>
-        <p:spPr>
-          <a:xfrm>
-            <a:off x="628650" y="1825625"/>
-            <a:ext cx="7886700" cy="4351338"/>
-          </a:xfrm>
-          <a:prstGeom prst="rect">
-            <a:avLst/>
-          </a:prstGeom>
-        </p:spPr>
-        <p:txBody>
-          <a:bodyPr vert="horz" lIns="91440" tIns="45720" rIns="91440" bIns="45720" rtlCol="0">
-            <a:normAutofit/>
-          </a:bodyPr>
-          <a:lstStyle/>
-          <a:p>
-            <a:pPr lvl="0"/>
-            <a:r>
-              <a:rPr lang="ja-JP" altLang="en-US" smtClean="0"/>
-              <a:t>マスター テキストの書式設定</a:t>
-            </a:r>
-          </a:p>
-          <a:p>
-            <a:pPr lvl="1"/>
-            <a:r>
-              <a:rPr lang="ja-JP" altLang="en-US" smtClean="0"/>
-              <a:t>第 </a:t>
-            </a:r>
-            <a:r>
-              <a:rPr lang="en-US" altLang="ja-JP" smtClean="0"/>
-              <a:t>2 </a:t>
-            </a:r>
-            <a:r>
-              <a:rPr lang="ja-JP" altLang="en-US" smtClean="0"/>
-              <a:t>レベル</a:t>
-            </a:r>
-          </a:p>
-          <a:p>
-            <a:pPr lvl="2"/>
-            <a:r>
-              <a:rPr lang="ja-JP" altLang="en-US" smtClean="0"/>
-              <a:t>第 </a:t>
-            </a:r>
-            <a:r>
-              <a:rPr lang="en-US" altLang="ja-JP" smtClean="0"/>
-              <a:t>3 </a:t>
-            </a:r>
-            <a:r>
-              <a:rPr lang="ja-JP" altLang="en-US" smtClean="0"/>
-              <a:t>レベル</a:t>
-            </a:r>
-          </a:p>
-          <a:p>
-            <a:pPr lvl="3"/>
-            <a:r>
-              <a:rPr lang="ja-JP" altLang="en-US" smtClean="0"/>
-              <a:t>第 </a:t>
-            </a:r>
-            <a:r>
-              <a:rPr lang="en-US" altLang="ja-JP" smtClean="0"/>
-              <a:t>4 </a:t>
-            </a:r>
-            <a:r>
-              <a:rPr lang="ja-JP" altLang="en-US" smtClean="0"/>
-              <a:t>レベル</a:t>
-            </a:r>
-          </a:p>
-          <a:p>
-            <a:pPr lvl="4"/>
-            <a:r>
-              <a:rPr lang="ja-JP" altLang="en-US" smtClean="0"/>
-              <a:t>第 </a:t>
-            </a:r>
-            <a:r>
-              <a:rPr lang="en-US" altLang="ja-JP" smtClean="0"/>
-              <a:t>5 </a:t>
-            </a:r>
-            <a:r>
-              <a:rPr lang="ja-JP" altLang="en-US" smtClean="0"/>
-              <a:t>レベル</a:t>
-            </a:r>
-            <a:endParaRPr lang="en-US" dirty="0"/>
-          </a:p>
-        </p:txBody>
-      </p:sp>
-      <p:sp>
-        <p:nvSpPr>
-          <p:cNvPr id="4" name="Date Placeholder 3"/>
-          <p:cNvSpPr>
-            <a:spLocks noGrp="1"/>
-          </p:cNvSpPr>
-          <p:nvPr>
-            <p:ph type="dt" sz="half" idx="2"/>
-          </p:nvPr>
-        </p:nvSpPr>
-        <p:spPr>
-          <a:xfrm>
-            <a:off x="628650" y="6356351"/>
-            <a:ext cx="2057400" cy="365125"/>
-          </a:xfrm>
-          <a:prstGeom prst="rect">
-            <a:avLst/>
-          </a:prstGeom>
-        </p:spPr>
-        <p:txBody>
-          <a:bodyPr vert="horz" lIns="91440" tIns="45720" rIns="91440" bIns="45720" rtlCol="0" anchor="ctr"/>
-          <a:lstStyle>
-            <a:lvl1pPr algn="l">
-              <a:defRPr sz="1200">
-                <a:solidFill>
-                  <a:schemeClr val="tx1">
-                    <a:tint val="75000"/>
-                  </a:schemeClr>
-                </a:solidFill>
-              </a:defRPr>
-            </a:lvl1pPr>
-          </a:lstStyle>
-          <a:p>
-            <a:pPr marL="0" marR="0" lvl="0" indent="0" algn="l" defTabSz="914400" rtl="0" eaLnBrk="1" fontAlgn="auto" latinLnBrk="0" hangingPunct="1">
-              <a:lnSpc>
-                <a:spcPct val="100000"/>
-              </a:lnSpc>
-              <a:spcBef>
-                <a:spcPts val="0"/>
-              </a:spcBef>
-              <a:spcAft>
-                <a:spcPts val="0"/>
-              </a:spcAft>
-              <a:buClrTx/>
-              <a:buSzTx/>
-              <a:buFontTx/>
-              <a:buNone/>
-              <a:tabLst/>
-              <a:defRPr/>
-            </a:pPr>
-            <a:fld id="{11B88BD9-34AC-4954-9FD5-D852B338DEC1}" type="datetime1">
-              <a:rPr kumimoji="1" lang="ja-JP" altLang="en-US" sz="1200" b="0" i="0" u="none" strike="noStrike" kern="1200" cap="none" spc="0" normalizeH="0" baseline="0" noProof="0" smtClean="0">
-                <a:ln>
-                  <a:noFill/>
-                </a:ln>
-                <a:solidFill>
-                  <a:prstClr val="black">
-                    <a:tint val="75000"/>
-                  </a:prstClr>
-                </a:solidFill>
-                <a:effectLst/>
-                <a:uLnTx/>
-                <a:uFillTx/>
-                <a:latin typeface="Calibri" panose="020F0502020204030204"/>
-                <a:ea typeface="游ゴシック" panose="020B0400000000000000" pitchFamily="50" charset="-128"/>
-                <a:cs typeface="+mn-cs"/>
-              </a:rPr>
-              <a:pPr marL="0" marR="0" lvl="0" indent="0" algn="l" defTabSz="914400" rtl="0" eaLnBrk="1" fontAlgn="auto" latinLnBrk="0" hangingPunct="1">
-                <a:lnSpc>
-                  <a:spcPct val="100000"/>
-                </a:lnSpc>
-                <a:spcBef>
-                  <a:spcPts val="0"/>
-                </a:spcBef>
-                <a:spcAft>
-                  <a:spcPts val="0"/>
-                </a:spcAft>
-                <a:buClrTx/>
-                <a:buSzTx/>
-                <a:buFontTx/>
-                <a:buNone/>
-                <a:tabLst/>
-                <a:defRPr/>
-              </a:pPr>
-              <a:t>2021/7/27</a:t>
-            </a:fld>
-            <a:endParaRPr kumimoji="1" lang="ja-JP" altLang="en-US" sz="1200" b="0" i="0" u="none" strike="noStrike" kern="1200" cap="none" spc="0" normalizeH="0" baseline="0" noProof="0">
-              <a:ln>
-                <a:noFill/>
-              </a:ln>
-              <a:solidFill>
-                <a:prstClr val="black">
-                  <a:tint val="75000"/>
-                </a:prstClr>
-              </a:solidFill>
-              <a:effectLst/>
-              <a:uLnTx/>
-              <a:uFillTx/>
-              <a:latin typeface="Calibri" panose="020F0502020204030204"/>
-              <a:ea typeface="游ゴシック" panose="020B0400000000000000" pitchFamily="50" charset="-128"/>
-              <a:cs typeface="+mn-cs"/>
-            </a:endParaRPr>
-          </a:p>
-        </p:txBody>
-      </p:sp>
-      <p:sp>
-        <p:nvSpPr>
-          <p:cNvPr id="5" name="Footer Placeholder 4"/>
-          <p:cNvSpPr>
-            <a:spLocks noGrp="1"/>
-          </p:cNvSpPr>
-          <p:nvPr>
-            <p:ph type="ftr" sz="quarter" idx="3"/>
-          </p:nvPr>
-        </p:nvSpPr>
-        <p:spPr>
-          <a:xfrm>
-            <a:off x="3028950" y="6356351"/>
-            <a:ext cx="3086100" cy="365125"/>
-          </a:xfrm>
-          <a:prstGeom prst="rect">
-            <a:avLst/>
-          </a:prstGeom>
-        </p:spPr>
-        <p:txBody>
-          <a:bodyPr vert="horz" lIns="91440" tIns="45720" rIns="91440" bIns="45720" rtlCol="0" anchor="ctr"/>
-          <a:lstStyle>
-            <a:lvl1pPr algn="ctr">
-              <a:defRPr sz="1200">
-                <a:solidFill>
-                  <a:schemeClr val="tx1">
-                    <a:tint val="75000"/>
-                  </a:schemeClr>
-                </a:solidFill>
-              </a:defRPr>
-            </a:lvl1pPr>
-          </a:lstStyle>
-          <a:p>
-            <a:pPr marL="0" marR="0" lvl="0" indent="0" algn="ctr" defTabSz="914400" rtl="0" eaLnBrk="1" fontAlgn="auto" latinLnBrk="0" hangingPunct="1">
-              <a:lnSpc>
-                <a:spcPct val="100000"/>
-              </a:lnSpc>
-              <a:spcBef>
-                <a:spcPts val="0"/>
-              </a:spcBef>
-              <a:spcAft>
-                <a:spcPts val="0"/>
-              </a:spcAft>
-              <a:buClrTx/>
-              <a:buSzTx/>
-              <a:buFontTx/>
-              <a:buNone/>
-              <a:tabLst/>
-              <a:defRPr/>
-            </a:pPr>
-            <a:endParaRPr kumimoji="1" lang="ja-JP" altLang="en-US" sz="1200" b="0" i="0" u="none" strike="noStrike" kern="1200" cap="none" spc="0" normalizeH="0" baseline="0" noProof="0">
-              <a:ln>
-                <a:noFill/>
-              </a:ln>
-              <a:solidFill>
-                <a:prstClr val="black">
-                  <a:tint val="75000"/>
-                </a:prstClr>
-              </a:solidFill>
-              <a:effectLst/>
-              <a:uLnTx/>
-              <a:uFillTx/>
-              <a:latin typeface="Calibri" panose="020F0502020204030204"/>
-              <a:ea typeface="游ゴシック" panose="020B0400000000000000" pitchFamily="50" charset="-128"/>
-              <a:cs typeface="+mn-cs"/>
-            </a:endParaRPr>
-          </a:p>
-        </p:txBody>
-      </p:sp>
-      <p:sp>
-        <p:nvSpPr>
-          <p:cNvPr id="6" name="Slide Number Placeholder 5"/>
-          <p:cNvSpPr>
-            <a:spLocks noGrp="1"/>
-          </p:cNvSpPr>
-          <p:nvPr>
-            <p:ph type="sldNum" sz="quarter" idx="4"/>
-          </p:nvPr>
-        </p:nvSpPr>
-        <p:spPr>
-          <a:xfrm>
-            <a:off x="6457950" y="6356351"/>
-            <a:ext cx="2057400" cy="365125"/>
-          </a:xfrm>
-          <a:prstGeom prst="rect">
-            <a:avLst/>
-          </a:prstGeom>
-        </p:spPr>
-        <p:txBody>
-          <a:bodyPr vert="horz" lIns="91440" tIns="45720" rIns="91440" bIns="45720" rtlCol="0" anchor="ctr"/>
-          <a:lstStyle>
-            <a:lvl1pPr algn="r">
-              <a:defRPr sz="1200">
-                <a:solidFill>
-                  <a:schemeClr val="tx1">
-                    <a:tint val="75000"/>
-                  </a:schemeClr>
-                </a:solidFill>
-              </a:defRPr>
-            </a:lvl1pPr>
-          </a:lstStyle>
-          <a:p>
-            <a:pPr marL="0" marR="0" lvl="0" indent="0" algn="r" defTabSz="914400" rtl="0" eaLnBrk="1" fontAlgn="auto" latinLnBrk="0" hangingPunct="1">
-              <a:lnSpc>
-                <a:spcPct val="100000"/>
-              </a:lnSpc>
-              <a:spcBef>
-                <a:spcPts val="0"/>
-              </a:spcBef>
-              <a:spcAft>
-                <a:spcPts val="0"/>
-              </a:spcAft>
-              <a:buClrTx/>
-              <a:buSzTx/>
-              <a:buFontTx/>
-              <a:buNone/>
-              <a:tabLst/>
-              <a:defRPr/>
-            </a:pPr>
-            <a:fld id="{BCFEE6ED-AA2C-49EB-A172-8063C2D7D298}" type="slidenum">
-              <a:rPr kumimoji="1" lang="ja-JP" altLang="en-US" sz="1200" b="0" i="0" u="none" strike="noStrike" kern="1200" cap="none" spc="0" normalizeH="0" baseline="0" noProof="0" smtClean="0">
-                <a:ln>
-                  <a:noFill/>
-                </a:ln>
-                <a:solidFill>
-                  <a:prstClr val="black">
-                    <a:tint val="75000"/>
-                  </a:prstClr>
-                </a:solidFill>
-                <a:effectLst/>
-                <a:uLnTx/>
-                <a:uFillTx/>
-                <a:latin typeface="Calibri" panose="020F0502020204030204"/>
-                <a:ea typeface="游ゴシック" panose="020B0400000000000000" pitchFamily="50" charset="-128"/>
-                <a:cs typeface="+mn-cs"/>
-              </a:rPr>
-              <a:pPr marL="0" marR="0" lvl="0" indent="0" algn="r" defTabSz="914400" rtl="0" eaLnBrk="1" fontAlgn="auto" latinLnBrk="0" hangingPunct="1">
-                <a:lnSpc>
-                  <a:spcPct val="100000"/>
-                </a:lnSpc>
-                <a:spcBef>
-                  <a:spcPts val="0"/>
-                </a:spcBef>
-                <a:spcAft>
-                  <a:spcPts val="0"/>
-                </a:spcAft>
-                <a:buClrTx/>
-                <a:buSzTx/>
-                <a:buFontTx/>
-                <a:buNone/>
-                <a:tabLst/>
-                <a:defRPr/>
-              </a:pPr>
-              <a:t>‹#›</a:t>
-            </a:fld>
-            <a:endParaRPr kumimoji="1" lang="ja-JP" altLang="en-US" sz="1200" b="0" i="0" u="none" strike="noStrike" kern="1200" cap="none" spc="0" normalizeH="0" baseline="0" noProof="0">
-              <a:ln>
-                <a:noFill/>
-              </a:ln>
-              <a:solidFill>
-                <a:prstClr val="black">
-                  <a:tint val="75000"/>
-                </a:prstClr>
-              </a:solidFill>
-              <a:effectLst/>
-              <a:uLnTx/>
-              <a:uFillTx/>
-              <a:latin typeface="Calibri" panose="020F0502020204030204"/>
-              <a:ea typeface="游ゴシック" panose="020B0400000000000000" pitchFamily="50" charset="-128"/>
-              <a:cs typeface="+mn-cs"/>
-            </a:endParaRPr>
-          </a:p>
-        </p:txBody>
-      </p:sp>
-    </p:spTree>
-    <p:extLst>
-      <p:ext uri="{BB962C8B-B14F-4D97-AF65-F5344CB8AC3E}">
-        <p14:creationId xmlns:p14="http://schemas.microsoft.com/office/powerpoint/2010/main" val="2790331689"/>
-      </p:ext>
-    </p:extLst>
-  </p:cSld>
-  <p:clrMap bg1="lt1" tx1="dk1" bg2="lt2" tx2="dk2" accent1="accent1" accent2="accent2" accent3="accent3" accent4="accent4" accent5="accent5" accent6="accent6" hlink="hlink" folHlink="folHlink"/>
-  <p:sldLayoutIdLst>
-    <p:sldLayoutId id="2147483673" r:id="rId1"/>
-    <p:sldLayoutId id="2147483674" r:id="rId2"/>
-    <p:sldLayoutId id="2147483675" r:id="rId3"/>
-    <p:sldLayoutId id="2147483676" r:id="rId4"/>
-    <p:sldLayoutId id="2147483677" r:id="rId5"/>
-    <p:sldLayoutId id="2147483678" r:id="rId6"/>
-    <p:sldLayoutId id="2147483679" r:id="rId7"/>
-    <p:sldLayoutId id="2147483680" r:id="rId8"/>
-    <p:sldLayoutId id="2147483681" r:id="rId9"/>
-    <p:sldLayoutId id="2147483682" r:id="rId10"/>
-    <p:sldLayoutId id="2147483683" r:id="rId11"/>
-  </p:sldLayoutIdLst>
-  <p:hf hdr="0" ftr="0" dt="0"/>
-  <p:txStyles>
-    <p:titleStyle>
-      <a:lvl1pPr algn="l" defTabSz="914400" rtl="0" eaLnBrk="1" latinLnBrk="0" hangingPunct="1">
-        <a:lnSpc>
-          <a:spcPct val="90000"/>
-        </a:lnSpc>
-        <a:spcBef>
-          <a:spcPct val="0"/>
-        </a:spcBef>
-        <a:buNone/>
-        <a:defRPr kumimoji="1" sz="4400" kern="1200">
-          <a:solidFill>
-            <a:schemeClr val="tx1"/>
-          </a:solidFill>
-          <a:latin typeface="+mj-lt"/>
-          <a:ea typeface="+mj-ea"/>
-          <a:cs typeface="+mj-cs"/>
-        </a:defRPr>
-      </a:lvl1pPr>
-    </p:titleStyle>
-    <p:bodyStyle>
-      <a:lvl1pPr marL="228600" indent="-228600" algn="l" defTabSz="914400" rtl="0" eaLnBrk="1" latinLnBrk="0" hangingPunct="1">
-        <a:lnSpc>
-          <a:spcPct val="90000"/>
-        </a:lnSpc>
-        <a:spcBef>
-          <a:spcPts val="1000"/>
-        </a:spcBef>
-        <a:buFont typeface="Arial" panose="020B0604020202020204" pitchFamily="34" charset="0"/>
-        <a:buChar char="•"/>
-        <a:defRPr kumimoji="1" sz="2800" kern="1200">
-          <a:solidFill>
-            <a:schemeClr val="tx1"/>
-          </a:solidFill>
-          <a:latin typeface="+mn-lt"/>
-          <a:ea typeface="+mn-ea"/>
-          <a:cs typeface="+mn-cs"/>
-        </a:defRPr>
-      </a:lvl1pPr>
-      <a:lvl2pPr marL="685800" indent="-228600" algn="l" defTabSz="914400" rtl="0" eaLnBrk="1" latinLnBrk="0" hangingPunct="1">
-        <a:lnSpc>
-          <a:spcPct val="90000"/>
-        </a:lnSpc>
-        <a:spcBef>
-          <a:spcPts val="500"/>
-        </a:spcBef>
-        <a:buFont typeface="Arial" panose="020B0604020202020204" pitchFamily="34" charset="0"/>
-        <a:buChar char="•"/>
-        <a:defRPr kumimoji="1" sz="2400" kern="1200">
-          <a:solidFill>
-            <a:schemeClr val="tx1"/>
-          </a:solidFill>
-          <a:latin typeface="+mn-lt"/>
-          <a:ea typeface="+mn-ea"/>
-          <a:cs typeface="+mn-cs"/>
-        </a:defRPr>
-      </a:lvl2pPr>
-      <a:lvl3pPr marL="1143000" indent="-228600" algn="l" defTabSz="914400" rtl="0" eaLnBrk="1" latinLnBrk="0" hangingPunct="1">
-        <a:lnSpc>
-          <a:spcPct val="90000"/>
-        </a:lnSpc>
-        <a:spcBef>
-          <a:spcPts val="500"/>
-        </a:spcBef>
-        <a:buFont typeface="Arial" panose="020B0604020202020204" pitchFamily="34" charset="0"/>
-        <a:buChar char="•"/>
-        <a:defRPr kumimoji="1" sz="2000" kern="1200">
-          <a:solidFill>
-            <a:schemeClr val="tx1"/>
-          </a:solidFill>
-          <a:latin typeface="+mn-lt"/>
-          <a:ea typeface="+mn-ea"/>
-          <a:cs typeface="+mn-cs"/>
-        </a:defRPr>
-      </a:lvl3pPr>
-      <a:lvl4pPr marL="1600200" indent="-228600" algn="l" defTabSz="914400" rtl="0" eaLnBrk="1" latinLnBrk="0" hangingPunct="1">
-        <a:lnSpc>
-          <a:spcPct val="90000"/>
-        </a:lnSpc>
-        <a:spcBef>
-          <a:spcPts val="500"/>
-        </a:spcBef>
-        <a:buFont typeface="Arial" panose="020B0604020202020204" pitchFamily="34" charset="0"/>
-        <a:buChar char="•"/>
-        <a:defRPr kumimoji="1" sz="1800" kern="1200">
-          <a:solidFill>
-            <a:schemeClr val="tx1"/>
-          </a:solidFill>
-          <a:latin typeface="+mn-lt"/>
-          <a:ea typeface="+mn-ea"/>
-          <a:cs typeface="+mn-cs"/>
-        </a:defRPr>
-      </a:lvl4pPr>
-      <a:lvl5pPr marL="2057400" indent="-228600" algn="l" defTabSz="914400" rtl="0" eaLnBrk="1" latinLnBrk="0" hangingPunct="1">
-        <a:lnSpc>
-          <a:spcPct val="90000"/>
-        </a:lnSpc>
-        <a:spcBef>
-          <a:spcPts val="500"/>
-        </a:spcBef>
-        <a:buFont typeface="Arial" panose="020B0604020202020204" pitchFamily="34" charset="0"/>
-        <a:buChar char="•"/>
-        <a:defRPr kumimoji="1" sz="1800" kern="1200">
-          <a:solidFill>
-            <a:schemeClr val="tx1"/>
-          </a:solidFill>
-          <a:latin typeface="+mn-lt"/>
-          <a:ea typeface="+mn-ea"/>
-          <a:cs typeface="+mn-cs"/>
-        </a:defRPr>
-      </a:lvl5pPr>
-      <a:lvl6pPr marL="2514600" indent="-228600" algn="l" defTabSz="914400" rtl="0" eaLnBrk="1" latinLnBrk="0" hangingPunct="1">
-        <a:lnSpc>
-          <a:spcPct val="90000"/>
-        </a:lnSpc>
-        <a:spcBef>
-          <a:spcPts val="500"/>
-        </a:spcBef>
-        <a:buFont typeface="Arial" panose="020B0604020202020204" pitchFamily="34" charset="0"/>
-        <a:buChar char="•"/>
-        <a:defRPr kumimoji="1" sz="1800" kern="1200">
-          <a:solidFill>
-            <a:schemeClr val="tx1"/>
-          </a:solidFill>
-          <a:latin typeface="+mn-lt"/>
-          <a:ea typeface="+mn-ea"/>
-          <a:cs typeface="+mn-cs"/>
-        </a:defRPr>
-      </a:lvl6pPr>
-      <a:lvl7pPr marL="2971800" indent="-228600" algn="l" defTabSz="914400" rtl="0" eaLnBrk="1" latinLnBrk="0" hangingPunct="1">
-        <a:lnSpc>
-          <a:spcPct val="90000"/>
-        </a:lnSpc>
-        <a:spcBef>
-          <a:spcPts val="500"/>
-        </a:spcBef>
-        <a:buFont typeface="Arial" panose="020B0604020202020204" pitchFamily="34" charset="0"/>
-        <a:buChar char="•"/>
-        <a:defRPr kumimoji="1" sz="1800" kern="1200">
-          <a:solidFill>
-            <a:schemeClr val="tx1"/>
-          </a:solidFill>
-          <a:latin typeface="+mn-lt"/>
-          <a:ea typeface="+mn-ea"/>
-          <a:cs typeface="+mn-cs"/>
-        </a:defRPr>
-      </a:lvl7pPr>
-      <a:lvl8pPr marL="3429000" indent="-228600" algn="l" defTabSz="914400" rtl="0" eaLnBrk="1" latinLnBrk="0" hangingPunct="1">
-        <a:lnSpc>
-          <a:spcPct val="90000"/>
-        </a:lnSpc>
-        <a:spcBef>
-          <a:spcPts val="500"/>
-        </a:spcBef>
-        <a:buFont typeface="Arial" panose="020B0604020202020204" pitchFamily="34" charset="0"/>
-        <a:buChar char="•"/>
-        <a:defRPr kumimoji="1" sz="1800" kern="1200">
-          <a:solidFill>
-            <a:schemeClr val="tx1"/>
-          </a:solidFill>
-          <a:latin typeface="+mn-lt"/>
-          <a:ea typeface="+mn-ea"/>
-          <a:cs typeface="+mn-cs"/>
-        </a:defRPr>
-      </a:lvl8pPr>
-      <a:lvl9pPr marL="3886200" indent="-228600" algn="l" defTabSz="914400" rtl="0" eaLnBrk="1" latinLnBrk="0" hangingPunct="1">
-        <a:lnSpc>
-          <a:spcPct val="90000"/>
-        </a:lnSpc>
-        <a:spcBef>
-          <a:spcPts val="500"/>
-        </a:spcBef>
-        <a:buFont typeface="Arial" panose="020B0604020202020204" pitchFamily="34" charset="0"/>
-        <a:buChar char="•"/>
-        <a:defRPr kumimoji="1" sz="1800" kern="1200">
-          <a:solidFill>
-            <a:schemeClr val="tx1"/>
-          </a:solidFill>
-          <a:latin typeface="+mn-lt"/>
-          <a:ea typeface="+mn-ea"/>
-          <a:cs typeface="+mn-cs"/>
-        </a:defRPr>
-      </a:lvl9pPr>
-    </p:bodyStyle>
-    <p:otherStyle>
-      <a:defPPr>
-        <a:defRPr lang="en-US"/>
-      </a:defPPr>
-      <a:lvl1pPr marL="0" algn="l" defTabSz="914400" rtl="0" eaLnBrk="1" latinLnBrk="0" hangingPunct="1">
-        <a:defRPr kumimoji="1" sz="1800" kern="1200">
-          <a:solidFill>
-            <a:schemeClr val="tx1"/>
-          </a:solidFill>
-          <a:latin typeface="+mn-lt"/>
-          <a:ea typeface="+mn-ea"/>
-          <a:cs typeface="+mn-cs"/>
-        </a:defRPr>
-      </a:lvl1pPr>
-      <a:lvl2pPr marL="457200" algn="l" defTabSz="914400" rtl="0" eaLnBrk="1" latinLnBrk="0" hangingPunct="1">
-        <a:defRPr kumimoji="1" sz="1800" kern="1200">
-          <a:solidFill>
-            <a:schemeClr val="tx1"/>
-          </a:solidFill>
-          <a:latin typeface="+mn-lt"/>
-          <a:ea typeface="+mn-ea"/>
-          <a:cs typeface="+mn-cs"/>
-        </a:defRPr>
-      </a:lvl2pPr>
-      <a:lvl3pPr marL="914400" algn="l" defTabSz="914400" rtl="0" eaLnBrk="1" latinLnBrk="0" hangingPunct="1">
-        <a:defRPr kumimoji="1" sz="1800" kern="1200">
-          <a:solidFill>
-            <a:schemeClr val="tx1"/>
-          </a:solidFill>
-          <a:latin typeface="+mn-lt"/>
-          <a:ea typeface="+mn-ea"/>
-          <a:cs typeface="+mn-cs"/>
-        </a:defRPr>
-      </a:lvl3pPr>
-      <a:lvl4pPr marL="1371600" algn="l" defTabSz="914400" rtl="0" eaLnBrk="1" latinLnBrk="0" hangingPunct="1">
-        <a:defRPr kumimoji="1" sz="1800" kern="1200">
-          <a:solidFill>
-            <a:schemeClr val="tx1"/>
-          </a:solidFill>
-          <a:latin typeface="+mn-lt"/>
-          <a:ea typeface="+mn-ea"/>
-          <a:cs typeface="+mn-cs"/>
-        </a:defRPr>
-      </a:lvl4pPr>
-      <a:lvl5pPr marL="1828800" algn="l" defTabSz="914400" rtl="0" eaLnBrk="1" latinLnBrk="0" hangingPunct="1">
-        <a:defRPr kumimoji="1" sz="1800" kern="1200">
-          <a:solidFill>
-            <a:schemeClr val="tx1"/>
-          </a:solidFill>
-          <a:latin typeface="+mn-lt"/>
-          <a:ea typeface="+mn-ea"/>
-          <a:cs typeface="+mn-cs"/>
-        </a:defRPr>
-      </a:lvl5pPr>
-      <a:lvl6pPr marL="2286000" algn="l" defTabSz="914400" rtl="0" eaLnBrk="1" latinLnBrk="0" hangingPunct="1">
-        <a:defRPr kumimoji="1" sz="1800" kern="1200">
-          <a:solidFill>
-            <a:schemeClr val="tx1"/>
-          </a:solidFill>
-          <a:latin typeface="+mn-lt"/>
-          <a:ea typeface="+mn-ea"/>
-          <a:cs typeface="+mn-cs"/>
-        </a:defRPr>
-      </a:lvl6pPr>
-      <a:lvl7pPr marL="2743200" algn="l" defTabSz="914400" rtl="0" eaLnBrk="1" latinLnBrk="0" hangingPunct="1">
-        <a:defRPr kumimoji="1" sz="1800" kern="1200">
-          <a:solidFill>
-            <a:schemeClr val="tx1"/>
-          </a:solidFill>
-          <a:latin typeface="+mn-lt"/>
-          <a:ea typeface="+mn-ea"/>
-          <a:cs typeface="+mn-cs"/>
-        </a:defRPr>
-      </a:lvl7pPr>
-      <a:lvl8pPr marL="3200400" algn="l" defTabSz="914400" rtl="0" eaLnBrk="1" latinLnBrk="0" hangingPunct="1">
-        <a:defRPr kumimoji="1" sz="1800" kern="1200">
-          <a:solidFill>
-            <a:schemeClr val="tx1"/>
-          </a:solidFill>
-          <a:latin typeface="+mn-lt"/>
-          <a:ea typeface="+mn-ea"/>
-          <a:cs typeface="+mn-cs"/>
-        </a:defRPr>
-      </a:lvl8pPr>
-      <a:lvl9pPr marL="3657600" algn="l" defTabSz="914400" rtl="0" eaLnBrk="1" latinLnBrk="0" hangingPunct="1">
-        <a:defRPr kumimoji="1" sz="1800" kern="1200">
-          <a:solidFill>
-            <a:schemeClr val="tx1"/>
-          </a:solidFill>
-          <a:latin typeface="+mn-lt"/>
-          <a:ea typeface="+mn-ea"/>
-          <a:cs typeface="+mn-cs"/>
-        </a:defRPr>
-      </a:lvl9pPr>
-    </p:otherStyle>
-  </p:txStyles>
-</p:sldMaster>
-</file>
-
 <file path=ppt/slides/slide1.xml><?xml version="1.0" encoding="utf-8"?>
 <p:sld xmlns:a="http://schemas.openxmlformats.org/drawingml/2006/main" xmlns:r="http://schemas.openxmlformats.org/officeDocument/2006/relationships" xmlns:p="http://schemas.openxmlformats.org/presentationml/2006/main">
   <p:cSld>
@@ -9240,7 +4186,7 @@
         <p:spPr>
           <a:xfrm>
             <a:off x="0" y="1"/>
-            <a:ext cx="9144000" cy="1938992"/>
+            <a:ext cx="9144000" cy="1661993"/>
           </a:xfrm>
           <a:prstGeom prst="rect">
             <a:avLst/>
@@ -9307,15 +4253,23 @@
             </a:r>
             <a:r>
               <a:rPr lang="ja-JP" altLang="en-US" dirty="0"/>
-              <a:t>：吉岡拓郎</a:t>
-            </a:r>
-            <a:endParaRPr lang="en-US" altLang="ja-JP" dirty="0"/>
-          </a:p>
-          <a:p>
-            <a:pPr algn="ctr"/>
+              <a:t>：</a:t>
+            </a:r>
+            <a:r>
+              <a:rPr lang="ja-JP" altLang="en-US" dirty="0" smtClean="0"/>
+              <a:t>吉岡拓郎</a:t>
+            </a:r>
             <a:r>
               <a:rPr lang="ja-JP" altLang="en-US" dirty="0"/>
-              <a:t>指導教員：鷹野孝</a:t>
+              <a:t>　</a:t>
+            </a:r>
+            <a:r>
+              <a:rPr lang="ja-JP" altLang="en-US" dirty="0" smtClean="0"/>
+              <a:t>指導</a:t>
+            </a:r>
+            <a:r>
+              <a:rPr lang="ja-JP" altLang="en-US" dirty="0"/>
+              <a:t>教員：鷹野孝</a:t>
             </a:r>
             <a:r>
               <a:rPr lang="ja-JP" altLang="en-US" dirty="0" smtClean="0"/>
@@ -9367,456 +4321,6 @@
     <p:extLst>
       <p:ext uri="{BB962C8B-B14F-4D97-AF65-F5344CB8AC3E}">
         <p14:creationId xmlns:p14="http://schemas.microsoft.com/office/powerpoint/2010/main" val="2751752632"/>
-      </p:ext>
-    </p:extLst>
-  </p:cSld>
-  <p:clrMapOvr>
-    <a:masterClrMapping/>
-  </p:clrMapOvr>
-  <p:timing>
-    <p:tnLst>
-      <p:par>
-        <p:cTn id="1" dur="indefinite" restart="never" nodeType="tmRoot"/>
-      </p:par>
-    </p:tnLst>
-  </p:timing>
-</p:sld>
-</file>
-
-<file path=ppt/slides/slide10.xml><?xml version="1.0" encoding="utf-8"?>
-<p:sld xmlns:a="http://schemas.openxmlformats.org/drawingml/2006/main" xmlns:r="http://schemas.openxmlformats.org/officeDocument/2006/relationships" xmlns:p="http://schemas.openxmlformats.org/presentationml/2006/main">
-  <p:cSld>
-    <p:spTree>
-      <p:nvGrpSpPr>
-        <p:cNvPr id="1" name=""/>
-        <p:cNvGrpSpPr/>
-        <p:nvPr/>
-      </p:nvGrpSpPr>
-      <p:grpSpPr>
-        <a:xfrm>
-          <a:off x="0" y="0"/>
-          <a:ext cx="0" cy="0"/>
-          <a:chOff x="0" y="0"/>
-          <a:chExt cx="0" cy="0"/>
-        </a:xfrm>
-      </p:grpSpPr>
-      <p:sp>
-        <p:nvSpPr>
-          <p:cNvPr id="2" name="タイトル 1"/>
-          <p:cNvSpPr>
-            <a:spLocks noGrp="1"/>
-          </p:cNvSpPr>
-          <p:nvPr>
-            <p:ph type="title"/>
-          </p:nvPr>
-        </p:nvSpPr>
-        <p:spPr/>
-        <p:txBody>
-          <a:bodyPr/>
-          <a:lstStyle/>
-          <a:p>
-            <a:r>
-              <a:rPr kumimoji="1" lang="ja-JP" altLang="en-US" dirty="0" smtClean="0"/>
-              <a:t>次元数と計算コスト</a:t>
-            </a:r>
-            <a:endParaRPr kumimoji="1" lang="ja-JP" altLang="en-US" dirty="0"/>
-          </a:p>
-        </p:txBody>
-      </p:sp>
-      <p:sp>
-        <p:nvSpPr>
-          <p:cNvPr id="3" name="コンテンツ プレースホルダー 2"/>
-          <p:cNvSpPr>
-            <a:spLocks noGrp="1"/>
-          </p:cNvSpPr>
-          <p:nvPr>
-            <p:ph idx="1"/>
-          </p:nvPr>
-        </p:nvSpPr>
-        <p:spPr>
-          <a:xfrm>
-            <a:off x="628650" y="1825624"/>
-            <a:ext cx="7886700" cy="5032375"/>
-          </a:xfrm>
-        </p:spPr>
-        <p:txBody>
-          <a:bodyPr>
-            <a:normAutofit lnSpcReduction="10000"/>
-          </a:bodyPr>
-          <a:lstStyle/>
-          <a:p>
-            <a:r>
-              <a:rPr kumimoji="1" lang="ja-JP" altLang="en-US" dirty="0" smtClean="0"/>
-              <a:t>大量のデータを分析する際、大きな次元のデータを処理することがあるが、次元数が大きくなると「</a:t>
-            </a:r>
-            <a:r>
-              <a:rPr kumimoji="1" lang="ja-JP" altLang="en-US" b="1" dirty="0" smtClean="0"/>
-              <a:t>次元の呪い</a:t>
-            </a:r>
-            <a:r>
-              <a:rPr kumimoji="1" lang="ja-JP" altLang="en-US" dirty="0" smtClean="0"/>
-              <a:t>」と呼ばれる問題が発生する。</a:t>
-            </a:r>
-            <a:endParaRPr lang="en-US" altLang="ja-JP" dirty="0"/>
-          </a:p>
-          <a:p>
-            <a:pPr lvl="1"/>
-            <a:r>
-              <a:rPr lang="ja-JP" altLang="ja-JP" dirty="0"/>
-              <a:t>データの次元数が大きくなり過ぎると、そのデータで表現できる組み合わせが飛躍的に多くなってしまい、その結果、手元にある有限なサンプルデータでは十分な学習結果が得られなく</a:t>
-            </a:r>
-            <a:r>
-              <a:rPr lang="ja-JP" altLang="ja-JP" dirty="0" smtClean="0"/>
-              <a:t>なる</a:t>
-            </a:r>
-            <a:r>
-              <a:rPr lang="ja-JP" altLang="en-US" dirty="0" smtClean="0"/>
-              <a:t>。</a:t>
-            </a:r>
-            <a:r>
-              <a:rPr lang="ja-JP" altLang="en-US" dirty="0"/>
-              <a:t>計算コストが莫大となるだけでなく、十分な学習結果が得られず、未知のデータに適切に対応出来なくなる等の不具合</a:t>
-            </a:r>
-            <a:r>
-              <a:rPr lang="ja-JP" altLang="en-US" dirty="0" smtClean="0"/>
-              <a:t>が発生。</a:t>
-            </a:r>
-            <a:endParaRPr lang="en-US" altLang="ja-JP" dirty="0" smtClean="0"/>
-          </a:p>
-          <a:p>
-            <a:r>
-              <a:rPr lang="ja-JP" altLang="en-US" dirty="0"/>
-              <a:t>回避</a:t>
-            </a:r>
-            <a:r>
-              <a:rPr lang="ja-JP" altLang="en-US" dirty="0" smtClean="0"/>
-              <a:t>策</a:t>
-            </a:r>
-            <a:endParaRPr lang="en-US" altLang="ja-JP" dirty="0" smtClean="0"/>
-          </a:p>
-          <a:p>
-            <a:pPr lvl="1"/>
-            <a:r>
-              <a:rPr lang="ja-JP" altLang="en-US" dirty="0"/>
-              <a:t>特徴量の中</a:t>
-            </a:r>
-            <a:r>
-              <a:rPr lang="ja-JP" altLang="en-US" dirty="0" smtClean="0"/>
-              <a:t>から必要なものを選び出す特徴選択</a:t>
-            </a:r>
-            <a:endParaRPr lang="en-US" altLang="ja-JP" dirty="0" smtClean="0"/>
-          </a:p>
-          <a:p>
-            <a:pPr lvl="1"/>
-            <a:r>
-              <a:rPr lang="ja-JP" altLang="en-US" dirty="0"/>
-              <a:t>本来</a:t>
-            </a:r>
-            <a:r>
-              <a:rPr lang="ja-JP" altLang="en-US" dirty="0" smtClean="0"/>
-              <a:t>の情報が維持したまま低次元のデータに変換する次元削除</a:t>
-            </a:r>
-            <a:endParaRPr lang="ja-JP" altLang="ja-JP" dirty="0"/>
-          </a:p>
-          <a:p>
-            <a:endParaRPr kumimoji="1" lang="ja-JP" altLang="en-US" dirty="0"/>
-          </a:p>
-        </p:txBody>
-      </p:sp>
-      <p:sp>
-        <p:nvSpPr>
-          <p:cNvPr id="4" name="スライド番号プレースホルダー 3"/>
-          <p:cNvSpPr>
-            <a:spLocks noGrp="1"/>
-          </p:cNvSpPr>
-          <p:nvPr>
-            <p:ph type="sldNum" sz="quarter" idx="12"/>
-          </p:nvPr>
-        </p:nvSpPr>
-        <p:spPr/>
-        <p:txBody>
-          <a:bodyPr/>
-          <a:lstStyle/>
-          <a:p>
-            <a:pPr marL="0" marR="0" lvl="0" indent="0" algn="r" defTabSz="914400" rtl="0" eaLnBrk="1" fontAlgn="auto" latinLnBrk="0" hangingPunct="1">
-              <a:lnSpc>
-                <a:spcPct val="100000"/>
-              </a:lnSpc>
-              <a:spcBef>
-                <a:spcPts val="0"/>
-              </a:spcBef>
-              <a:spcAft>
-                <a:spcPts val="0"/>
-              </a:spcAft>
-              <a:buClrTx/>
-              <a:buSzTx/>
-              <a:buFontTx/>
-              <a:buNone/>
-              <a:tabLst/>
-              <a:defRPr/>
-            </a:pPr>
-            <a:fld id="{BCFEE6ED-AA2C-49EB-A172-8063C2D7D298}" type="slidenum">
-              <a:rPr kumimoji="1" lang="ja-JP" altLang="en-US" sz="1200" b="0" i="0" u="none" strike="noStrike" kern="1200" cap="none" spc="0" normalizeH="0" baseline="0" noProof="0" smtClean="0">
-                <a:ln>
-                  <a:noFill/>
-                </a:ln>
-                <a:solidFill>
-                  <a:prstClr val="black">
-                    <a:tint val="75000"/>
-                  </a:prstClr>
-                </a:solidFill>
-                <a:effectLst/>
-                <a:uLnTx/>
-                <a:uFillTx/>
-                <a:latin typeface="Calibri" panose="020F0502020204030204"/>
-                <a:ea typeface="游ゴシック" panose="020B0400000000000000" pitchFamily="50" charset="-128"/>
-                <a:cs typeface="+mn-cs"/>
-              </a:rPr>
-              <a:pPr marL="0" marR="0" lvl="0" indent="0" algn="r" defTabSz="914400" rtl="0" eaLnBrk="1" fontAlgn="auto" latinLnBrk="0" hangingPunct="1">
-                <a:lnSpc>
-                  <a:spcPct val="100000"/>
-                </a:lnSpc>
-                <a:spcBef>
-                  <a:spcPts val="0"/>
-                </a:spcBef>
-                <a:spcAft>
-                  <a:spcPts val="0"/>
-                </a:spcAft>
-                <a:buClrTx/>
-                <a:buSzTx/>
-                <a:buFontTx/>
-                <a:buNone/>
-                <a:tabLst/>
-                <a:defRPr/>
-              </a:pPr>
-              <a:t>10</a:t>
-            </a:fld>
-            <a:endParaRPr kumimoji="1" lang="ja-JP" altLang="en-US" sz="1200" b="0" i="0" u="none" strike="noStrike" kern="1200" cap="none" spc="0" normalizeH="0" baseline="0" noProof="0">
-              <a:ln>
-                <a:noFill/>
-              </a:ln>
-              <a:solidFill>
-                <a:prstClr val="black">
-                  <a:tint val="75000"/>
-                </a:prstClr>
-              </a:solidFill>
-              <a:effectLst/>
-              <a:uLnTx/>
-              <a:uFillTx/>
-              <a:latin typeface="Calibri" panose="020F0502020204030204"/>
-              <a:ea typeface="游ゴシック" panose="020B0400000000000000" pitchFamily="50" charset="-128"/>
-              <a:cs typeface="+mn-cs"/>
-            </a:endParaRPr>
-          </a:p>
-        </p:txBody>
-      </p:sp>
-    </p:spTree>
-    <p:extLst>
-      <p:ext uri="{BB962C8B-B14F-4D97-AF65-F5344CB8AC3E}">
-        <p14:creationId xmlns:p14="http://schemas.microsoft.com/office/powerpoint/2010/main" val="242018279"/>
-      </p:ext>
-    </p:extLst>
-  </p:cSld>
-  <p:clrMapOvr>
-    <a:masterClrMapping/>
-  </p:clrMapOvr>
-  <p:timing>
-    <p:tnLst>
-      <p:par>
-        <p:cTn id="1" dur="indefinite" restart="never" nodeType="tmRoot"/>
-      </p:par>
-    </p:tnLst>
-  </p:timing>
-</p:sld>
-</file>
-
-<file path=ppt/slides/slide11.xml><?xml version="1.0" encoding="utf-8"?>
-<p:sld xmlns:a="http://schemas.openxmlformats.org/drawingml/2006/main" xmlns:r="http://schemas.openxmlformats.org/officeDocument/2006/relationships" xmlns:p="http://schemas.openxmlformats.org/presentationml/2006/main">
-  <p:cSld>
-    <p:spTree>
-      <p:nvGrpSpPr>
-        <p:cNvPr id="1" name=""/>
-        <p:cNvGrpSpPr/>
-        <p:nvPr/>
-      </p:nvGrpSpPr>
-      <p:grpSpPr>
-        <a:xfrm>
-          <a:off x="0" y="0"/>
-          <a:ext cx="0" cy="0"/>
-          <a:chOff x="0" y="0"/>
-          <a:chExt cx="0" cy="0"/>
-        </a:xfrm>
-      </p:grpSpPr>
-      <p:sp>
-        <p:nvSpPr>
-          <p:cNvPr id="2" name="タイトル 1"/>
-          <p:cNvSpPr>
-            <a:spLocks noGrp="1"/>
-          </p:cNvSpPr>
-          <p:nvPr>
-            <p:ph type="ctrTitle"/>
-          </p:nvPr>
-        </p:nvSpPr>
-        <p:spPr>
-          <a:xfrm>
-            <a:off x="685800" y="1711909"/>
-            <a:ext cx="7772400" cy="2387600"/>
-          </a:xfrm>
-        </p:spPr>
-        <p:txBody>
-          <a:bodyPr>
-            <a:normAutofit fontScale="90000"/>
-          </a:bodyPr>
-          <a:lstStyle/>
-          <a:p>
-            <a:r>
-              <a:rPr lang="ja-JP" altLang="en-US" dirty="0"/>
-              <a:t>画像検索のための画像特徴ベクトルの次元数に着目した認識精度と計算コストの関係性の調査</a:t>
-            </a:r>
-            <a:endParaRPr kumimoji="1" lang="ja-JP" altLang="en-US" dirty="0"/>
-          </a:p>
-        </p:txBody>
-      </p:sp>
-      <p:sp>
-        <p:nvSpPr>
-          <p:cNvPr id="3" name="サブタイトル 2"/>
-          <p:cNvSpPr>
-            <a:spLocks noGrp="1"/>
-          </p:cNvSpPr>
-          <p:nvPr>
-            <p:ph type="subTitle" idx="1"/>
-          </p:nvPr>
-        </p:nvSpPr>
-        <p:spPr>
-          <a:xfrm>
-            <a:off x="1143000" y="4299869"/>
-            <a:ext cx="6858000" cy="1655762"/>
-          </a:xfrm>
-        </p:spPr>
-        <p:txBody>
-          <a:bodyPr/>
-          <a:lstStyle/>
-          <a:p>
-            <a:r>
-              <a:rPr kumimoji="1" lang="ja-JP" altLang="en-US" dirty="0"/>
-              <a:t>学籍番号</a:t>
-            </a:r>
-            <a:r>
-              <a:rPr kumimoji="1" lang="ja-JP" altLang="en-US" dirty="0" smtClean="0"/>
-              <a:t>：</a:t>
-            </a:r>
-            <a:r>
-              <a:rPr kumimoji="1" lang="en-US" altLang="ja-JP" dirty="0" smtClean="0"/>
-              <a:t>1821005</a:t>
-            </a:r>
-            <a:r>
-              <a:rPr kumimoji="1" lang="en-US" altLang="ja-JP" dirty="0"/>
-              <a:t>	</a:t>
-            </a:r>
-            <a:r>
-              <a:rPr kumimoji="1" lang="ja-JP" altLang="en-US" dirty="0"/>
-              <a:t>氏名</a:t>
-            </a:r>
-            <a:r>
-              <a:rPr kumimoji="1" lang="ja-JP" altLang="en-US" dirty="0" smtClean="0"/>
-              <a:t>：吉岡拓郎</a:t>
-            </a:r>
-            <a:endParaRPr kumimoji="1" lang="en-US" altLang="ja-JP" dirty="0"/>
-          </a:p>
-          <a:p>
-            <a:r>
-              <a:rPr lang="ja-JP" altLang="en-US" dirty="0"/>
-              <a:t>指導教員</a:t>
-            </a:r>
-            <a:r>
-              <a:rPr lang="ja-JP" altLang="en-US" dirty="0" smtClean="0"/>
-              <a:t>：鷹野孝典</a:t>
-            </a:r>
-            <a:endParaRPr kumimoji="1" lang="ja-JP" altLang="en-US" dirty="0"/>
-          </a:p>
-        </p:txBody>
-      </p:sp>
-      <p:sp>
-        <p:nvSpPr>
-          <p:cNvPr id="5" name="スライド番号プレースホルダー 4"/>
-          <p:cNvSpPr>
-            <a:spLocks noGrp="1"/>
-          </p:cNvSpPr>
-          <p:nvPr>
-            <p:ph type="sldNum" sz="quarter" idx="12"/>
-          </p:nvPr>
-        </p:nvSpPr>
-        <p:spPr/>
-        <p:txBody>
-          <a:bodyPr/>
-          <a:lstStyle/>
-          <a:p>
-            <a:fld id="{B4451160-128F-4DAD-AE29-4A8CC0E7B9E9}" type="slidenum">
-              <a:rPr kumimoji="1" lang="ja-JP" altLang="en-US" sz="3200" smtClean="0"/>
-              <a:t>11</a:t>
-            </a:fld>
-            <a:endParaRPr kumimoji="1" lang="ja-JP" altLang="en-US" sz="3200" dirty="0"/>
-          </a:p>
-        </p:txBody>
-      </p:sp>
-      <p:sp>
-        <p:nvSpPr>
-          <p:cNvPr id="4" name="テキスト ボックス 3"/>
-          <p:cNvSpPr txBox="1"/>
-          <p:nvPr/>
-        </p:nvSpPr>
-        <p:spPr>
-          <a:xfrm>
-            <a:off x="5852705" y="730206"/>
-            <a:ext cx="3033203" cy="300082"/>
-          </a:xfrm>
-          <a:prstGeom prst="rect">
-            <a:avLst/>
-          </a:prstGeom>
-          <a:noFill/>
-        </p:spPr>
-        <p:txBody>
-          <a:bodyPr wrap="none" rtlCol="0">
-            <a:spAutoFit/>
-          </a:bodyPr>
-          <a:lstStyle/>
-          <a:p>
-            <a:r>
-              <a:rPr lang="ja-JP" altLang="en-US" sz="1350" dirty="0"/>
-              <a:t>情報工学科 中間発表　</a:t>
-            </a:r>
-            <a:r>
-              <a:rPr lang="en-US" altLang="ja-JP" sz="1350" dirty="0" smtClean="0"/>
-              <a:t>2021</a:t>
-            </a:r>
-            <a:r>
-              <a:rPr lang="ja-JP" altLang="en-US" sz="1350" dirty="0" smtClean="0"/>
-              <a:t>年</a:t>
-            </a:r>
-            <a:r>
-              <a:rPr lang="en-US" altLang="ja-JP" sz="1350" dirty="0"/>
-              <a:t>7</a:t>
-            </a:r>
-            <a:r>
-              <a:rPr lang="ja-JP" altLang="en-US" sz="1350" dirty="0" smtClean="0"/>
-              <a:t>月</a:t>
-            </a:r>
-            <a:r>
-              <a:rPr lang="en-US" altLang="ja-JP" sz="1350" dirty="0" smtClean="0"/>
-              <a:t>28</a:t>
-            </a:r>
-            <a:r>
-              <a:rPr lang="ja-JP" altLang="en-US" sz="1350" dirty="0" smtClean="0"/>
-              <a:t>日</a:t>
-            </a:r>
-            <a:endParaRPr lang="ja-JP" altLang="en-US" sz="1350" dirty="0"/>
-          </a:p>
-        </p:txBody>
-      </p:sp>
-    </p:spTree>
-    <p:extLst>
-      <p:ext uri="{BB962C8B-B14F-4D97-AF65-F5344CB8AC3E}">
-        <p14:creationId xmlns:p14="http://schemas.microsoft.com/office/powerpoint/2010/main" val="4177902719"/>
       </p:ext>
     </p:extLst>
   </p:cSld>
@@ -9882,7 +4386,12 @@
             <p:ph idx="1"/>
           </p:nvPr>
         </p:nvSpPr>
-        <p:spPr/>
+        <p:spPr>
+          <a:xfrm>
+            <a:off x="628650" y="1539509"/>
+            <a:ext cx="7886700" cy="4351338"/>
+          </a:xfrm>
+        </p:spPr>
         <p:txBody>
           <a:bodyPr/>
           <a:lstStyle/>
@@ -10064,6 +4573,30 @@
           </a:p>
         </p:txBody>
       </p:sp>
+      <p:pic>
+        <p:nvPicPr>
+          <p:cNvPr id="7" name="図 6"/>
+          <p:cNvPicPr>
+            <a:picLocks noChangeAspect="1"/>
+          </p:cNvPicPr>
+          <p:nvPr/>
+        </p:nvPicPr>
+        <p:blipFill>
+          <a:blip r:embed="rId2"/>
+          <a:stretch>
+            <a:fillRect/>
+          </a:stretch>
+        </p:blipFill>
+        <p:spPr>
+          <a:xfrm>
+            <a:off x="3493105" y="4769519"/>
+            <a:ext cx="3993545" cy="1951957"/>
+          </a:xfrm>
+          <a:prstGeom prst="rect">
+            <a:avLst/>
+          </a:prstGeom>
+        </p:spPr>
+      </p:pic>
     </p:spTree>
     <p:extLst>
       <p:ext uri="{BB962C8B-B14F-4D97-AF65-F5344CB8AC3E}">
@@ -10436,6 +4969,30 @@
           </a:p>
         </p:txBody>
       </p:sp>
+      <p:pic>
+        <p:nvPicPr>
+          <p:cNvPr id="5" name="図 4"/>
+          <p:cNvPicPr>
+            <a:picLocks noChangeAspect="1"/>
+          </p:cNvPicPr>
+          <p:nvPr/>
+        </p:nvPicPr>
+        <p:blipFill>
+          <a:blip r:embed="rId2"/>
+          <a:stretch>
+            <a:fillRect/>
+          </a:stretch>
+        </p:blipFill>
+        <p:spPr>
+          <a:xfrm>
+            <a:off x="628650" y="4498664"/>
+            <a:ext cx="6590297" cy="2288845"/>
+          </a:xfrm>
+          <a:prstGeom prst="rect">
+            <a:avLst/>
+          </a:prstGeom>
+        </p:spPr>
+      </p:pic>
     </p:spTree>
     <p:extLst>
       <p:ext uri="{BB962C8B-B14F-4D97-AF65-F5344CB8AC3E}">
@@ -12591,88 +7148,91 @@
             <a:spLocks noGrp="1"/>
           </p:cNvSpPr>
           <p:nvPr>
-            <p:ph type="title"/>
-          </p:nvPr>
-        </p:nvSpPr>
-        <p:spPr/>
+            <p:ph type="ctrTitle"/>
+          </p:nvPr>
+        </p:nvSpPr>
+        <p:spPr>
+          <a:xfrm>
+            <a:off x="685800" y="1711909"/>
+            <a:ext cx="7772400" cy="2387600"/>
+          </a:xfrm>
+        </p:spPr>
+        <p:txBody>
+          <a:bodyPr>
+            <a:normAutofit fontScale="90000"/>
+          </a:bodyPr>
+          <a:lstStyle/>
+          <a:p>
+            <a:r>
+              <a:rPr lang="ja-JP" altLang="en-US" dirty="0"/>
+              <a:t>画像検索のための画像特徴ベクトルの次元数に着目した認識精度と計算コストの関係性の調査</a:t>
+            </a:r>
+            <a:endParaRPr kumimoji="1" lang="ja-JP" altLang="en-US" dirty="0"/>
+          </a:p>
+        </p:txBody>
+      </p:sp>
+      <p:sp>
+        <p:nvSpPr>
+          <p:cNvPr id="3" name="サブタイトル 2"/>
+          <p:cNvSpPr>
+            <a:spLocks noGrp="1"/>
+          </p:cNvSpPr>
+          <p:nvPr>
+            <p:ph type="subTitle" idx="1"/>
+          </p:nvPr>
+        </p:nvSpPr>
+        <p:spPr>
+          <a:xfrm>
+            <a:off x="1143000" y="4299869"/>
+            <a:ext cx="6858000" cy="1655762"/>
+          </a:xfrm>
+        </p:spPr>
         <p:txBody>
           <a:bodyPr/>
           <a:lstStyle/>
           <a:p>
             <a:r>
               <a:rPr kumimoji="1" lang="ja-JP" altLang="en-US" dirty="0"/>
-              <a:t>研究動機</a:t>
-            </a:r>
-          </a:p>
-        </p:txBody>
-      </p:sp>
-      <p:sp>
-        <p:nvSpPr>
-          <p:cNvPr id="3" name="コンテンツ プレースホルダー 2"/>
-          <p:cNvSpPr>
-            <a:spLocks noGrp="1"/>
-          </p:cNvSpPr>
-          <p:nvPr>
-            <p:ph idx="1"/>
-          </p:nvPr>
-        </p:nvSpPr>
-        <p:spPr/>
-        <p:txBody>
-          <a:bodyPr/>
-          <a:lstStyle/>
-          <a:p>
+              <a:t>学籍番号</a:t>
+            </a:r>
+            <a:r>
+              <a:rPr kumimoji="1" lang="ja-JP" altLang="en-US" dirty="0" smtClean="0"/>
+              <a:t>：</a:t>
+            </a:r>
+            <a:r>
+              <a:rPr kumimoji="1" lang="en-US" altLang="ja-JP" dirty="0" smtClean="0"/>
+              <a:t>1821005</a:t>
+            </a:r>
+            <a:r>
+              <a:rPr kumimoji="1" lang="en-US" altLang="ja-JP" dirty="0"/>
+              <a:t>	</a:t>
+            </a:r>
+            <a:r>
+              <a:rPr kumimoji="1" lang="ja-JP" altLang="en-US" dirty="0"/>
+              <a:t>氏名</a:t>
+            </a:r>
+            <a:r>
+              <a:rPr kumimoji="1" lang="ja-JP" altLang="en-US" dirty="0" smtClean="0"/>
+              <a:t>：吉岡拓郎</a:t>
+            </a:r>
+            <a:endParaRPr kumimoji="1" lang="en-US" altLang="ja-JP" dirty="0"/>
+          </a:p>
+          <a:p>
+            <a:r>
+              <a:rPr lang="ja-JP" altLang="en-US" dirty="0"/>
+              <a:t>指導教員</a:t>
+            </a:r>
             <a:r>
               <a:rPr lang="ja-JP" altLang="en-US" dirty="0" smtClean="0"/>
-              <a:t>大量の</a:t>
-            </a:r>
-            <a:r>
-              <a:rPr lang="ja-JP" altLang="en-US" dirty="0"/>
-              <a:t>画像データ</a:t>
-            </a:r>
-            <a:r>
-              <a:rPr lang="ja-JP" altLang="en-US" dirty="0" smtClean="0"/>
-              <a:t>を扱う画像認識において</a:t>
-            </a:r>
-            <a:r>
-              <a:rPr lang="en-US" altLang="ja-JP" dirty="0" smtClean="0"/>
-              <a:t>,</a:t>
-            </a:r>
-            <a:r>
-              <a:rPr lang="ja-JP" altLang="en-US" dirty="0" smtClean="0"/>
-              <a:t>高次元の画像データを認識性能を向上させつつも</a:t>
-            </a:r>
-            <a:r>
-              <a:rPr lang="en-US" altLang="ja-JP" dirty="0" smtClean="0"/>
-              <a:t>,</a:t>
-            </a:r>
-            <a:r>
-              <a:rPr lang="ja-JP" altLang="en-US" dirty="0" smtClean="0"/>
-              <a:t>計算コストを抑えることでより良い</a:t>
-            </a:r>
-            <a:r>
-              <a:rPr lang="ja-JP" altLang="en-US" dirty="0"/>
-              <a:t>画像</a:t>
-            </a:r>
-            <a:r>
-              <a:rPr lang="ja-JP" altLang="en-US" dirty="0" smtClean="0"/>
-              <a:t>認識を行う</a:t>
-            </a:r>
-            <a:r>
-              <a:rPr lang="en-US" altLang="ja-JP" dirty="0" smtClean="0"/>
-              <a:t>.</a:t>
-            </a:r>
-          </a:p>
-          <a:p>
-            <a:endParaRPr lang="en-US" altLang="ja-JP" dirty="0" smtClean="0"/>
-          </a:p>
-          <a:p>
+              <a:t>：鷹野孝典</a:t>
+            </a:r>
             <a:endParaRPr kumimoji="1" lang="ja-JP" altLang="en-US" dirty="0"/>
           </a:p>
         </p:txBody>
       </p:sp>
       <p:sp>
         <p:nvSpPr>
-          <p:cNvPr id="4" name="スライド番号プレースホルダー 3"/>
+          <p:cNvPr id="5" name="スライド番号プレースホルダー 4"/>
           <p:cNvSpPr>
             <a:spLocks noGrp="1"/>
           </p:cNvSpPr>
@@ -12693,10 +7253,64 @@
           </a:p>
         </p:txBody>
       </p:sp>
+      <p:sp>
+        <p:nvSpPr>
+          <p:cNvPr id="4" name="テキスト ボックス 3"/>
+          <p:cNvSpPr txBox="1"/>
+          <p:nvPr/>
+        </p:nvSpPr>
+        <p:spPr>
+          <a:xfrm>
+            <a:off x="5852705" y="730206"/>
+            <a:ext cx="3033203" cy="300082"/>
+          </a:xfrm>
+          <a:prstGeom prst="rect">
+            <a:avLst/>
+          </a:prstGeom>
+          <a:noFill/>
+        </p:spPr>
+        <p:txBody>
+          <a:bodyPr wrap="none" rtlCol="0">
+            <a:spAutoFit/>
+          </a:bodyPr>
+          <a:lstStyle/>
+          <a:p>
+            <a:r>
+              <a:rPr lang="ja-JP" altLang="en-US" sz="1350" dirty="0"/>
+              <a:t>情報工学科 中間発表　</a:t>
+            </a:r>
+            <a:r>
+              <a:rPr lang="en-US" altLang="ja-JP" sz="1350" dirty="0" smtClean="0"/>
+              <a:t>2021</a:t>
+            </a:r>
+            <a:r>
+              <a:rPr lang="ja-JP" altLang="en-US" sz="1350" dirty="0" smtClean="0"/>
+              <a:t>年</a:t>
+            </a:r>
+            <a:r>
+              <a:rPr lang="en-US" altLang="ja-JP" sz="1350" dirty="0"/>
+              <a:t>7</a:t>
+            </a:r>
+            <a:r>
+              <a:rPr lang="ja-JP" altLang="en-US" sz="1350" dirty="0" smtClean="0"/>
+              <a:t>月</a:t>
+            </a:r>
+            <a:r>
+              <a:rPr lang="en-US" altLang="ja-JP" sz="1350" dirty="0" smtClean="0"/>
+              <a:t>28</a:t>
+            </a:r>
+            <a:r>
+              <a:rPr lang="ja-JP" altLang="en-US" sz="1350" dirty="0" smtClean="0"/>
+              <a:t>日</a:t>
+            </a:r>
+            <a:endParaRPr lang="ja-JP" altLang="en-US" sz="1350" dirty="0"/>
+          </a:p>
+        </p:txBody>
+      </p:sp>
     </p:spTree>
     <p:extLst>
       <p:ext uri="{BB962C8B-B14F-4D97-AF65-F5344CB8AC3E}">
-        <p14:creationId xmlns:p14="http://schemas.microsoft.com/office/powerpoint/2010/main" val="3482704347"/>
+        <p14:creationId xmlns:p14="http://schemas.microsoft.com/office/powerpoint/2010/main" val="4177902719"/>
       </p:ext>
     </p:extLst>
   </p:cSld>
@@ -12975,267 +7589,6 @@
 </file>
 
 <file path=ppt/theme/theme2.xml><?xml version="1.0" encoding="utf-8"?>
-<a:theme xmlns:a="http://schemas.openxmlformats.org/drawingml/2006/main" name="1_Office テーマ">
-  <a:themeElements>
-    <a:clrScheme name="Office テーマ">
-      <a:dk1>
-        <a:sysClr val="windowText" lastClr="000000"/>
-      </a:dk1>
-      <a:lt1>
-        <a:sysClr val="window" lastClr="FFFFFF"/>
-      </a:lt1>
-      <a:dk2>
-        <a:srgbClr val="44546A"/>
-      </a:dk2>
-      <a:lt2>
-        <a:srgbClr val="E7E6E6"/>
-      </a:lt2>
-      <a:accent1>
-        <a:srgbClr val="5B9BD5"/>
-      </a:accent1>
-      <a:accent2>
-        <a:srgbClr val="ED7D31"/>
-      </a:accent2>
-      <a:accent3>
-        <a:srgbClr val="A5A5A5"/>
-      </a:accent3>
-      <a:accent4>
-        <a:srgbClr val="FFC000"/>
-      </a:accent4>
-      <a:accent5>
-        <a:srgbClr val="4472C4"/>
-      </a:accent5>
-      <a:accent6>
-        <a:srgbClr val="70AD47"/>
-      </a:accent6>
-      <a:hlink>
-        <a:srgbClr val="0563C1"/>
-      </a:hlink>
-      <a:folHlink>
-        <a:srgbClr val="954F72"/>
-      </a:folHlink>
-    </a:clrScheme>
-    <a:fontScheme name="Office テーマ">
-      <a:majorFont>
-        <a:latin typeface="Calibri Light" panose="020F0302020204030204"/>
-        <a:ea typeface=""/>
-        <a:cs typeface=""/>
-        <a:font script="Jpan" typeface="游ゴシック Light"/>
-        <a:font script="Hang" typeface="맑은 고딕"/>
-        <a:font script="Hans" typeface="等线 Light"/>
-        <a:font script="Hant" typeface="新細明體"/>
-        <a:font script="Arab" typeface="Times New Roman"/>
-        <a:font script="Hebr" typeface="Times New Roman"/>
-        <a:font script="Thai" typeface="Angsana New"/>
-        <a:font script="Ethi" typeface="Nyala"/>
-        <a:font script="Beng" typeface="Vrinda"/>
-        <a:font script="Gujr" typeface="Shruti"/>
-        <a:font script="Khmr" typeface="MoolBoran"/>
-        <a:font script="Knda" typeface="Tunga"/>
-        <a:font script="Guru" typeface="Raavi"/>
-        <a:font script="Cans" typeface="Euphemia"/>
-        <a:font script="Cher" typeface="Plantagenet Cherokee"/>
-        <a:font script="Yiii" typeface="Microsoft Yi Baiti"/>
-        <a:font script="Tibt" typeface="Microsoft Himalaya"/>
-        <a:font script="Thaa" typeface="MV Boli"/>
-        <a:font script="Deva" typeface="Mangal"/>
-        <a:font script="Telu" typeface="Gautami"/>
-        <a:font script="Taml" typeface="Latha"/>
-        <a:font script="Syrc" typeface="Estrangelo Edessa"/>
-        <a:font script="Orya" typeface="Kalinga"/>
-        <a:font script="Mlym" typeface="Kartika"/>
-        <a:font script="Laoo" typeface="DokChampa"/>
-        <a:font script="Sinh" typeface="Iskoola Pota"/>
-        <a:font script="Mong" typeface="Mongolian Baiti"/>
-        <a:font script="Viet" typeface="Times New Roman"/>
-        <a:font script="Uigh" typeface="Microsoft Uighur"/>
-        <a:font script="Geor" typeface="Sylfaen"/>
-      </a:majorFont>
-      <a:minorFont>
-        <a:latin typeface="Calibri" panose="020F0502020204030204"/>
-        <a:ea typeface=""/>
-        <a:cs typeface=""/>
-        <a:font script="Jpan" typeface="游ゴシック"/>
-        <a:font script="Hang" typeface="맑은 고딕"/>
-        <a:font script="Hans" typeface="等线"/>
-        <a:font script="Hant" typeface="新細明體"/>
-        <a:font script="Arab" typeface="Arial"/>
-        <a:font script="Hebr" typeface="Arial"/>
-        <a:font script="Thai" typeface="Cordia New"/>
-        <a:font script="Ethi" typeface="Nyala"/>
-        <a:font script="Beng" typeface="Vrinda"/>
-        <a:font script="Gujr" typeface="Shruti"/>
-        <a:font script="Khmr" typeface="DaunPenh"/>
-        <a:font script="Knda" typeface="Tunga"/>
-        <a:font script="Guru" typeface="Raavi"/>
-        <a:font script="Cans" typeface="Euphemia"/>
-        <a:font script="Cher" typeface="Plantagenet Cherokee"/>
-        <a:font script="Yiii" typeface="Microsoft Yi Baiti"/>
-        <a:font script="Tibt" typeface="Microsoft Himalaya"/>
-        <a:font script="Thaa" typeface="MV Boli"/>
-        <a:font script="Deva" typeface="Mangal"/>
-        <a:font script="Telu" typeface="Gautami"/>
-        <a:font script="Taml" typeface="Latha"/>
-        <a:font script="Syrc" typeface="Estrangelo Edessa"/>
-        <a:font script="Orya" typeface="Kalinga"/>
-        <a:font script="Mlym" typeface="Kartika"/>
-        <a:font script="Laoo" typeface="DokChampa"/>
-        <a:font script="Sinh" typeface="Iskoola Pota"/>
-        <a:font script="Mong" typeface="Mongolian Baiti"/>
-        <a:font script="Viet" typeface="Arial"/>
-        <a:font script="Uigh" typeface="Microsoft Uighur"/>
-        <a:font script="Geor" typeface="Sylfaen"/>
-      </a:minorFont>
-    </a:fontScheme>
-    <a:fmtScheme name="Office テーマ">
-      <a:fillStyleLst>
-        <a:solidFill>
-          <a:schemeClr val="phClr"/>
-        </a:solidFill>
-        <a:gradFill rotWithShape="1">
-          <a:gsLst>
-            <a:gs pos="0">
-              <a:schemeClr val="phClr">
-                <a:lumMod val="110000"/>
-                <a:satMod val="105000"/>
-                <a:tint val="67000"/>
-              </a:schemeClr>
-            </a:gs>
-            <a:gs pos="50000">
-              <a:schemeClr val="phClr">
-                <a:lumMod val="105000"/>
-                <a:satMod val="103000"/>
-                <a:tint val="73000"/>
-              </a:schemeClr>
-            </a:gs>
-            <a:gs pos="100000">
-              <a:schemeClr val="phClr">
-                <a:lumMod val="105000"/>
-                <a:satMod val="109000"/>
-                <a:tint val="81000"/>
-              </a:schemeClr>
-            </a:gs>
-          </a:gsLst>
-          <a:lin ang="5400000" scaled="0"/>
-        </a:gradFill>
-        <a:gradFill rotWithShape="1">
-          <a:gsLst>
-            <a:gs pos="0">
-              <a:schemeClr val="phClr">
-                <a:satMod val="103000"/>
-                <a:lumMod val="102000"/>
-                <a:tint val="94000"/>
-              </a:schemeClr>
-            </a:gs>
-            <a:gs pos="50000">
-              <a:schemeClr val="phClr">
-                <a:satMod val="110000"/>
-                <a:lumMod val="100000"/>
-                <a:shade val="100000"/>
-              </a:schemeClr>
-            </a:gs>
-            <a:gs pos="100000">
-              <a:schemeClr val="phClr">
-                <a:lumMod val="99000"/>
-                <a:satMod val="120000"/>
-                <a:shade val="78000"/>
-              </a:schemeClr>
-            </a:gs>
-          </a:gsLst>
-          <a:lin ang="5400000" scaled="0"/>
-        </a:gradFill>
-      </a:fillStyleLst>
-      <a:lnStyleLst>
-        <a:ln w="6350" cap="flat" cmpd="sng" algn="ctr">
-          <a:solidFill>
-            <a:schemeClr val="phClr"/>
-          </a:solidFill>
-          <a:prstDash val="solid"/>
-          <a:miter lim="800000"/>
-        </a:ln>
-        <a:ln w="12700" cap="flat" cmpd="sng" algn="ctr">
-          <a:solidFill>
-            <a:schemeClr val="phClr"/>
-          </a:solidFill>
-          <a:prstDash val="solid"/>
-          <a:miter lim="800000"/>
-        </a:ln>
-        <a:ln w="19050" cap="flat" cmpd="sng" algn="ctr">
-          <a:solidFill>
-            <a:schemeClr val="phClr"/>
-          </a:solidFill>
-          <a:prstDash val="solid"/>
-          <a:miter lim="800000"/>
-        </a:ln>
-      </a:lnStyleLst>
-      <a:effectStyleLst>
-        <a:effectStyle>
-          <a:effectLst/>
-        </a:effectStyle>
-        <a:effectStyle>
-          <a:effectLst/>
-        </a:effectStyle>
-        <a:effectStyle>
-          <a:effectLst>
-            <a:outerShdw blurRad="57150" dist="19050" dir="5400000" algn="ctr" rotWithShape="0">
-              <a:srgbClr val="000000">
-                <a:alpha val="63000"/>
-              </a:srgbClr>
-            </a:outerShdw>
-          </a:effectLst>
-        </a:effectStyle>
-      </a:effectStyleLst>
-      <a:bgFillStyleLst>
-        <a:solidFill>
-          <a:schemeClr val="phClr"/>
-        </a:solidFill>
-        <a:solidFill>
-          <a:schemeClr val="phClr">
-            <a:tint val="95000"/>
-            <a:satMod val="170000"/>
-          </a:schemeClr>
-        </a:solidFill>
-        <a:gradFill rotWithShape="1">
-          <a:gsLst>
-            <a:gs pos="0">
-              <a:schemeClr val="phClr">
-                <a:tint val="93000"/>
-                <a:satMod val="150000"/>
-                <a:shade val="98000"/>
-                <a:lumMod val="102000"/>
-              </a:schemeClr>
-            </a:gs>
-            <a:gs pos="50000">
-              <a:schemeClr val="phClr">
-                <a:tint val="98000"/>
-                <a:satMod val="130000"/>
-                <a:shade val="90000"/>
-                <a:lumMod val="103000"/>
-              </a:schemeClr>
-            </a:gs>
-            <a:gs pos="100000">
-              <a:schemeClr val="phClr">
-                <a:shade val="63000"/>
-                <a:satMod val="120000"/>
-              </a:schemeClr>
-            </a:gs>
-          </a:gsLst>
-          <a:lin ang="5400000" scaled="0"/>
-        </a:gradFill>
-      </a:bgFillStyleLst>
-    </a:fmtScheme>
-  </a:themeElements>
-  <a:objectDefaults/>
-  <a:extraClrSchemeLst/>
-  <a:extLst>
-    <a:ext uri="{05A4C25C-085E-4340-85A3-A5531E510DB2}">
-      <thm15:themeFamily xmlns:thm15="http://schemas.microsoft.com/office/thememl/2012/main" name="Office Theme" id="{62F939B6-93AF-4DB8-9C6B-D6C7DFDC589F}" vid="{4A3C46E8-61CC-4603-A589-7422A47A8E4A}"/>
-    </a:ext>
-  </a:extLst>
-</a:theme>
-</file>
-
-<file path=ppt/theme/theme3.xml><?xml version="1.0" encoding="utf-8"?>
 <a:theme xmlns:a="http://schemas.openxmlformats.org/drawingml/2006/main" name="Office テーマ">
   <a:themeElements>
     <a:clrScheme name="Office">

--- a/1821005_中間発表.pptx
+++ b/1821005_中間発表.pptx
@@ -4084,14 +4084,14 @@
           <a:p>
             <a:r>
               <a:rPr lang="en-US" altLang="ja-JP" dirty="0" smtClean="0"/>
-              <a:t>Twitter </a:t>
-            </a:r>
-            <a:r>
-              <a:rPr lang="ja-JP" altLang="ja-JP" dirty="0"/>
-              <a:t>や </a:t>
-            </a:r>
-            <a:r>
-              <a:rPr lang="en-US" altLang="ja-JP" dirty="0"/>
+              <a:t>Twitter</a:t>
+            </a:r>
+            <a:r>
+              <a:rPr lang="ja-JP" altLang="ja-JP" dirty="0" smtClean="0"/>
+              <a:t>や</a:t>
+            </a:r>
+            <a:r>
+              <a:rPr lang="en-US" altLang="ja-JP" dirty="0" smtClean="0"/>
               <a:t>Instagram</a:t>
             </a:r>
             <a:r>
@@ -4103,20 +4103,28 @@
               <a:t>伴い</a:t>
             </a:r>
             <a:r>
-              <a:rPr lang="en-US" altLang="ja-JP" dirty="0"/>
-              <a:t>,</a:t>
-            </a:r>
-            <a:r>
               <a:rPr lang="ja-JP" altLang="en-US" dirty="0" smtClean="0"/>
-              <a:t>ユーザが目的の画像にアクセスする手段として</a:t>
-            </a:r>
-            <a:r>
-              <a:rPr lang="en-US" altLang="ja-JP" dirty="0" smtClean="0"/>
-              <a:t>,</a:t>
+              <a:t>，ユーザ</a:t>
             </a:r>
             <a:r>
               <a:rPr lang="ja-JP" altLang="en-US" dirty="0" smtClean="0"/>
-              <a:t>画像検索機能の重要性が増している</a:t>
+              <a:t>が目的の画像にアクセスする手段と</a:t>
+            </a:r>
+            <a:r>
+              <a:rPr lang="ja-JP" altLang="en-US" dirty="0" smtClean="0"/>
+              <a:t>して</a:t>
+            </a:r>
+            <a:r>
+              <a:rPr lang="ja-JP" altLang="en-US" dirty="0"/>
+              <a:t>，</a:t>
+            </a:r>
+            <a:r>
+              <a:rPr lang="ja-JP" altLang="en-US" dirty="0" smtClean="0"/>
+              <a:t>画像</a:t>
+            </a:r>
+            <a:r>
+              <a:rPr lang="ja-JP" altLang="en-US" dirty="0" smtClean="0"/>
+              <a:t>検索機能の重要性が増している</a:t>
             </a:r>
             <a:r>
               <a:rPr lang="en-US" altLang="ja-JP" dirty="0" smtClean="0"/>
@@ -4895,7 +4903,11 @@
             </a:r>
             <a:r>
               <a:rPr lang="ja-JP" altLang="en-US" dirty="0" smtClean="0"/>
-              <a:t>認識の認識性能を高く保ちつつも</a:t>
+              <a:t>認識の認識性能を高く</a:t>
+            </a:r>
+            <a:r>
+              <a:rPr lang="ja-JP" altLang="en-US" dirty="0" smtClean="0"/>
+              <a:t>保ち</a:t>
             </a:r>
             <a:r>
               <a:rPr lang="en-US" altLang="ja-JP" dirty="0" smtClean="0"/>
@@ -4903,7 +4915,11 @@
             </a:r>
             <a:r>
               <a:rPr lang="ja-JP" altLang="en-US" dirty="0" smtClean="0"/>
-              <a:t>計算コストをできるだけ抑えられる</a:t>
+              <a:t>計算コスト</a:t>
+            </a:r>
+            <a:r>
+              <a:rPr lang="ja-JP" altLang="en-US" dirty="0" smtClean="0"/>
+              <a:t>を抑える</a:t>
             </a:r>
             <a:r>
               <a:rPr lang="ja-JP" altLang="en-US" dirty="0"/>
@@ -5065,7 +5081,9 @@
         </p:nvSpPr>
         <p:spPr/>
         <p:txBody>
-          <a:bodyPr/>
+          <a:bodyPr>
+            <a:normAutofit/>
+          </a:bodyPr>
           <a:lstStyle/>
           <a:p>
             <a:r>
@@ -5116,15 +5134,11 @@
           <a:p>
             <a:r>
               <a:rPr kumimoji="1" lang="ja-JP" altLang="en-US" dirty="0" smtClean="0"/>
-              <a:t>また</a:t>
-            </a:r>
-            <a:r>
-              <a:rPr kumimoji="1" lang="en-US" altLang="ja-JP" dirty="0" smtClean="0"/>
-              <a:t>,</a:t>
+              <a:t>認識</a:t>
             </a:r>
             <a:r>
               <a:rPr kumimoji="1" lang="ja-JP" altLang="en-US" dirty="0" smtClean="0"/>
-              <a:t>認識精度や計算コストを評価するために</a:t>
+              <a:t>精度や計算コストを評価するために</a:t>
             </a:r>
             <a:r>
               <a:rPr kumimoji="1" lang="en-US" altLang="ja-JP" dirty="0" smtClean="0"/>
